--- a/Präsentation/Entwicklung eines Odoo-Moduls zur ZIP-komprimierten Dateiverwaltung im Dokumentenmanagementsystem.pptx
+++ b/Präsentation/Entwicklung eines Odoo-Moduls zur ZIP-komprimierten Dateiverwaltung im Dokumentenmanagementsystem.pptx
@@ -5,11 +5,21 @@
     <p:sldMasterId id="2147483660" r:id="rId1"/>
   </p:sldMasterIdLst>
   <p:notesMasterIdLst>
-    <p:notesMasterId r:id="rId4"/>
+    <p:notesMasterId r:id="rId14"/>
   </p:notesMasterIdLst>
   <p:sldIdLst>
     <p:sldId id="256" r:id="rId2"/>
     <p:sldId id="257" r:id="rId3"/>
+    <p:sldId id="269" r:id="rId4"/>
+    <p:sldId id="270" r:id="rId5"/>
+    <p:sldId id="268" r:id="rId6"/>
+    <p:sldId id="271" r:id="rId7"/>
+    <p:sldId id="264" r:id="rId8"/>
+    <p:sldId id="258" r:id="rId9"/>
+    <p:sldId id="265" r:id="rId10"/>
+    <p:sldId id="272" r:id="rId11"/>
+    <p:sldId id="259" r:id="rId12"/>
+    <p:sldId id="263" r:id="rId13"/>
   </p:sldIdLst>
   <p:sldSz cx="12192000" cy="6858000"/>
   <p:notesSz cx="6858000" cy="9144000"/>
@@ -108,6 +118,11 @@
       </a:defRPr>
     </a:lvl9pPr>
   </p:defaultTextStyle>
+  <p:extLst>
+    <p:ext uri="{EFAFB233-063F-42B5-8137-9DF3F51BA10A}">
+      <p15:sldGuideLst xmlns:p15="http://schemas.microsoft.com/office/powerpoint/2012/main"/>
+    </p:ext>
+  </p:extLst>
 </p:presentation>
 </file>
 
@@ -221,7 +236,7 @@
           <a:p>
             <a:fld id="{4C27BFA1-A5AB-42FB-939B-087BECC10B9B}" type="datetimeFigureOut">
               <a:rPr lang="en-DE" smtClean="0"/>
-              <a:t>04/06/2025</a:t>
+              <a:t>08/06/2025</a:t>
             </a:fld>
             <a:endParaRPr lang="en-DE"/>
           </a:p>
@@ -4265,6 +4280,9 @@
           <a:prstGeom prst="rect">
             <a:avLst/>
           </a:prstGeom>
+          <a:effectLst>
+            <a:softEdge rad="0"/>
+          </a:effectLst>
         </p:spPr>
       </p:pic>
       <p:cxnSp>
@@ -4315,8 +4333,8 @@
           </a:fontRef>
         </p:style>
       </p:cxnSp>
-      <mc:AlternateContent xmlns:mc="http://schemas.openxmlformats.org/markup-compatibility/2006">
-        <mc:Choice xmlns:p14="http://schemas.microsoft.com/office/powerpoint/2010/main" Requires="p14">
+      <mc:AlternateContent xmlns:mc="http://schemas.openxmlformats.org/markup-compatibility/2006" xmlns:p14="http://schemas.microsoft.com/office/powerpoint/2010/main">
+        <mc:Choice Requires="p14">
           <p:contentPart p14:bwMode="auto" r:id="rId3">
             <p14:nvContentPartPr>
               <p14:cNvPr id="9" name="Freihand 8">
@@ -4335,7 +4353,7 @@
             </p14:xfrm>
           </p:contentPart>
         </mc:Choice>
-        <mc:Fallback>
+        <mc:Fallback xmlns="">
           <p:pic>
             <p:nvPicPr>
               <p:cNvPr id="9" name="Freihand 8">
@@ -4379,7 +4397,7 @@
 </p:sld>
 </file>
 
-<file path=ppt/slides/slide2.xml><?xml version="1.0" encoding="utf-8"?>
+<file path=ppt/slides/slide10.xml><?xml version="1.0" encoding="utf-8"?>
 <p:sld xmlns:a="http://schemas.openxmlformats.org/drawingml/2006/main" xmlns:r="http://schemas.openxmlformats.org/officeDocument/2006/relationships" xmlns:p="http://schemas.openxmlformats.org/presentationml/2006/main">
   <p:cSld>
     <p:bg>
@@ -4392,7 +4410,13 @@
     </p:bg>
     <p:spTree>
       <p:nvGrpSpPr>
-        <p:cNvPr id="1" name=""/>
+        <p:cNvPr id="1" name="">
+          <a:extLst>
+            <a:ext uri="{FF2B5EF4-FFF2-40B4-BE49-F238E27FC236}">
+              <a16:creationId xmlns:a16="http://schemas.microsoft.com/office/drawing/2014/main" id="{E38C1EE9-E675-6C93-29D8-1B0C83F66500}"/>
+            </a:ext>
+          </a:extLst>
+        </p:cNvPr>
         <p:cNvGrpSpPr/>
         <p:nvPr/>
       </p:nvGrpSpPr>
@@ -4409,7 +4433,7 @@
           <p:cNvPr id="14" name="Rectangle 13">
             <a:extLst>
               <a:ext uri="{FF2B5EF4-FFF2-40B4-BE49-F238E27FC236}">
-                <a16:creationId xmlns:a16="http://schemas.microsoft.com/office/drawing/2014/main" id="{1653AE3C-AC4F-907C-B473-B9A30D21506F}"/>
+                <a16:creationId xmlns:a16="http://schemas.microsoft.com/office/drawing/2014/main" id="{B5A4CB3D-DCA5-98C5-20D2-29B6AE459677}"/>
               </a:ext>
               <a:ext uri="{C183D7F6-B498-43B3-948B-1728B52AA6E4}">
                 <adec:decorative xmlns:adec="http://schemas.microsoft.com/office/drawing/2017/decorative" val="1"/>
@@ -4498,6 +4522,1527 @@
           <p:cNvPr id="2" name="Titel 1">
             <a:extLst>
               <a:ext uri="{FF2B5EF4-FFF2-40B4-BE49-F238E27FC236}">
+                <a16:creationId xmlns:a16="http://schemas.microsoft.com/office/drawing/2014/main" id="{1482B47D-DDDF-E118-3648-7763570FA381}"/>
+              </a:ext>
+            </a:extLst>
+          </p:cNvPr>
+          <p:cNvSpPr>
+            <a:spLocks noGrp="1"/>
+          </p:cNvSpPr>
+          <p:nvPr>
+            <p:ph type="title"/>
+          </p:nvPr>
+        </p:nvSpPr>
+        <p:spPr>
+          <a:xfrm>
+            <a:off x="213826" y="0"/>
+            <a:ext cx="6194304" cy="708660"/>
+          </a:xfrm>
+        </p:spPr>
+        <p:txBody>
+          <a:bodyPr anchor="ctr">
+            <a:normAutofit/>
+          </a:bodyPr>
+          <a:lstStyle/>
+          <a:p>
+            <a:r>
+              <a:rPr lang="en-US" sz="2400" dirty="0" err="1"/>
+              <a:t>Übersicht</a:t>
+            </a:r>
+            <a:endParaRPr lang="en-DE" sz="2400" dirty="0"/>
+          </a:p>
+        </p:txBody>
+      </p:sp>
+      <p:sp>
+        <p:nvSpPr>
+          <p:cNvPr id="3" name="Inhaltsplatzhalter 2">
+            <a:extLst>
+              <a:ext uri="{FF2B5EF4-FFF2-40B4-BE49-F238E27FC236}">
+                <a16:creationId xmlns:a16="http://schemas.microsoft.com/office/drawing/2014/main" id="{F08AFA7D-AD60-BA25-338C-2361D8531997}"/>
+              </a:ext>
+            </a:extLst>
+          </p:cNvPr>
+          <p:cNvSpPr>
+            <a:spLocks noGrp="1"/>
+          </p:cNvSpPr>
+          <p:nvPr>
+            <p:ph idx="1"/>
+          </p:nvPr>
+        </p:nvSpPr>
+        <p:spPr>
+          <a:xfrm>
+            <a:off x="640078" y="1756644"/>
+            <a:ext cx="10890929" cy="4463185"/>
+          </a:xfrm>
+        </p:spPr>
+        <p:txBody>
+          <a:bodyPr>
+            <a:normAutofit/>
+          </a:bodyPr>
+          <a:lstStyle/>
+          <a:p>
+            <a:r>
+              <a:rPr lang="en-US" dirty="0" err="1"/>
+              <a:t>Vorher</a:t>
+            </a:r>
+            <a:r>
+              <a:rPr lang="en-US" dirty="0"/>
+              <a:t>: 20 </a:t>
+            </a:r>
+            <a:r>
+              <a:rPr lang="en-US" dirty="0" err="1"/>
+              <a:t>Minuten</a:t>
+            </a:r>
+            <a:r>
+              <a:rPr lang="en-US" dirty="0"/>
+              <a:t> pro Export</a:t>
+            </a:r>
+          </a:p>
+          <a:p>
+            <a:r>
+              <a:rPr lang="en-US" dirty="0" err="1"/>
+              <a:t>Jetzt</a:t>
+            </a:r>
+            <a:r>
+              <a:rPr lang="en-US" dirty="0"/>
+              <a:t>: 2 </a:t>
+            </a:r>
+            <a:r>
+              <a:rPr lang="en-US" dirty="0" err="1"/>
+              <a:t>Minuten</a:t>
+            </a:r>
+            <a:r>
+              <a:rPr lang="en-US" dirty="0"/>
+              <a:t> pro Export</a:t>
+            </a:r>
+            <a:endParaRPr lang="en-DE" dirty="0"/>
+          </a:p>
+        </p:txBody>
+      </p:sp>
+      <p:sp>
+        <p:nvSpPr>
+          <p:cNvPr id="9" name="Datumsplatzhalter 8">
+            <a:extLst>
+              <a:ext uri="{FF2B5EF4-FFF2-40B4-BE49-F238E27FC236}">
+                <a16:creationId xmlns:a16="http://schemas.microsoft.com/office/drawing/2014/main" id="{DB05F6E4-5B43-9CF7-DED8-9C79F4604262}"/>
+              </a:ext>
+            </a:extLst>
+          </p:cNvPr>
+          <p:cNvSpPr>
+            <a:spLocks noGrp="1"/>
+          </p:cNvSpPr>
+          <p:nvPr>
+            <p:ph type="dt" sz="half" idx="10"/>
+          </p:nvPr>
+        </p:nvSpPr>
+        <p:spPr>
+          <a:xfrm>
+            <a:off x="640080" y="6356350"/>
+            <a:ext cx="2743200" cy="365125"/>
+          </a:xfrm>
+        </p:spPr>
+        <p:txBody>
+          <a:bodyPr>
+            <a:normAutofit/>
+          </a:bodyPr>
+          <a:lstStyle/>
+          <a:p>
+            <a:pPr>
+              <a:spcAft>
+                <a:spcPts val="600"/>
+              </a:spcAft>
+            </a:pPr>
+            <a:r>
+              <a:rPr lang="en-US" dirty="0">
+                <a:solidFill>
+                  <a:schemeClr val="bg1">
+                    <a:lumMod val="50000"/>
+                  </a:schemeClr>
+                </a:solidFill>
+              </a:rPr>
+              <a:t>Mark Albers</a:t>
+            </a:r>
+          </a:p>
+        </p:txBody>
+      </p:sp>
+      <p:sp>
+        <p:nvSpPr>
+          <p:cNvPr id="7" name="Fußzeilenplatzhalter 6">
+            <a:extLst>
+              <a:ext uri="{FF2B5EF4-FFF2-40B4-BE49-F238E27FC236}">
+                <a16:creationId xmlns:a16="http://schemas.microsoft.com/office/drawing/2014/main" id="{DFD2DAC7-276B-B493-DACB-A15E2423C9E2}"/>
+              </a:ext>
+            </a:extLst>
+          </p:cNvPr>
+          <p:cNvSpPr>
+            <a:spLocks noGrp="1"/>
+          </p:cNvSpPr>
+          <p:nvPr>
+            <p:ph type="ftr" sz="quarter" idx="11"/>
+          </p:nvPr>
+        </p:nvSpPr>
+        <p:spPr>
+          <a:xfrm>
+            <a:off x="4074289" y="6357620"/>
+            <a:ext cx="4040373" cy="365125"/>
+          </a:xfrm>
+        </p:spPr>
+        <p:txBody>
+          <a:bodyPr>
+            <a:normAutofit/>
+          </a:bodyPr>
+          <a:lstStyle/>
+          <a:p>
+            <a:pPr algn="ctr">
+              <a:spcAft>
+                <a:spcPts val="600"/>
+              </a:spcAft>
+            </a:pPr>
+            <a:r>
+              <a:rPr lang="en-US" dirty="0">
+                <a:solidFill>
+                  <a:schemeClr val="bg1">
+                    <a:lumMod val="50000"/>
+                  </a:schemeClr>
+                </a:solidFill>
+              </a:rPr>
+              <a:t>2025 </a:t>
+            </a:r>
+            <a:r>
+              <a:rPr lang="en-US" dirty="0" err="1">
+                <a:solidFill>
+                  <a:schemeClr val="bg1">
+                    <a:lumMod val="50000"/>
+                  </a:schemeClr>
+                </a:solidFill>
+              </a:rPr>
+              <a:t>Sirum</a:t>
+            </a:r>
+            <a:r>
+              <a:rPr lang="en-US" dirty="0">
+                <a:solidFill>
+                  <a:schemeClr val="bg1">
+                    <a:lumMod val="50000"/>
+                  </a:schemeClr>
+                </a:solidFill>
+              </a:rPr>
+              <a:t> GmbH</a:t>
+            </a:r>
+          </a:p>
+        </p:txBody>
+      </p:sp>
+      <p:sp>
+        <p:nvSpPr>
+          <p:cNvPr id="8" name="Foliennummernplatzhalter 7">
+            <a:extLst>
+              <a:ext uri="{FF2B5EF4-FFF2-40B4-BE49-F238E27FC236}">
+                <a16:creationId xmlns:a16="http://schemas.microsoft.com/office/drawing/2014/main" id="{664E600D-62AA-7C2A-55EA-395A9E9F7BA5}"/>
+              </a:ext>
+            </a:extLst>
+          </p:cNvPr>
+          <p:cNvSpPr>
+            <a:spLocks noGrp="1"/>
+          </p:cNvSpPr>
+          <p:nvPr>
+            <p:ph type="sldNum" sz="quarter" idx="12"/>
+          </p:nvPr>
+        </p:nvSpPr>
+        <p:spPr>
+          <a:xfrm>
+            <a:off x="10807995" y="6356350"/>
+            <a:ext cx="723014" cy="365125"/>
+          </a:xfrm>
+        </p:spPr>
+        <p:txBody>
+          <a:bodyPr>
+            <a:normAutofit/>
+          </a:bodyPr>
+          <a:lstStyle/>
+          <a:p>
+            <a:pPr>
+              <a:spcAft>
+                <a:spcPts val="600"/>
+              </a:spcAft>
+            </a:pPr>
+            <a:fld id="{70C12960-6E85-460F-B6E3-5B82CB31AF3D}" type="slidenum">
+              <a:rPr lang="en-US" smtClean="0">
+                <a:solidFill>
+                  <a:schemeClr val="bg1">
+                    <a:lumMod val="50000"/>
+                  </a:schemeClr>
+                </a:solidFill>
+              </a:rPr>
+              <a:pPr>
+                <a:spcAft>
+                  <a:spcPts val="600"/>
+                </a:spcAft>
+              </a:pPr>
+              <a:t>10</a:t>
+            </a:fld>
+            <a:endParaRPr lang="en-US" dirty="0">
+              <a:solidFill>
+                <a:schemeClr val="bg1">
+                  <a:lumMod val="50000"/>
+                </a:schemeClr>
+              </a:solidFill>
+            </a:endParaRPr>
+          </a:p>
+        </p:txBody>
+      </p:sp>
+      <p:cxnSp>
+        <p:nvCxnSpPr>
+          <p:cNvPr id="11" name="Gerader Verbinder 10">
+            <a:extLst>
+              <a:ext uri="{FF2B5EF4-FFF2-40B4-BE49-F238E27FC236}">
+                <a16:creationId xmlns:a16="http://schemas.microsoft.com/office/drawing/2014/main" id="{1E37BBA7-0099-F575-5B6C-E653C174BF9F}"/>
+              </a:ext>
+            </a:extLst>
+          </p:cNvPr>
+          <p:cNvCxnSpPr>
+            <a:cxnSpLocks/>
+          </p:cNvCxnSpPr>
+          <p:nvPr/>
+        </p:nvCxnSpPr>
+        <p:spPr>
+          <a:xfrm flipH="1">
+            <a:off x="-167640" y="708660"/>
+            <a:ext cx="12489180" cy="0"/>
+          </a:xfrm>
+          <a:prstGeom prst="line">
+            <a:avLst/>
+          </a:prstGeom>
+        </p:spPr>
+        <p:style>
+          <a:lnRef idx="2">
+            <a:schemeClr val="dk1"/>
+          </a:lnRef>
+          <a:fillRef idx="0">
+            <a:schemeClr val="dk1"/>
+          </a:fillRef>
+          <a:effectRef idx="1">
+            <a:schemeClr val="dk1"/>
+          </a:effectRef>
+          <a:fontRef idx="minor">
+            <a:schemeClr val="tx1"/>
+          </a:fontRef>
+        </p:style>
+      </p:cxnSp>
+      <p:pic>
+        <p:nvPicPr>
+          <p:cNvPr id="15" name="Grafik 14" descr="Ein Bild, das Farbigkeit, Grafiken, Design enthält.">
+            <a:extLst>
+              <a:ext uri="{FF2B5EF4-FFF2-40B4-BE49-F238E27FC236}">
+                <a16:creationId xmlns:a16="http://schemas.microsoft.com/office/drawing/2014/main" id="{6B8C54E6-7301-18B2-40EF-252B52D8D559}"/>
+              </a:ext>
+            </a:extLst>
+          </p:cNvPr>
+          <p:cNvPicPr>
+            <a:picLocks noChangeAspect="1"/>
+          </p:cNvPicPr>
+          <p:nvPr/>
+        </p:nvPicPr>
+        <p:blipFill>
+          <a:blip r:embed="rId2">
+            <a:extLst>
+              <a:ext uri="{28A0092B-C50C-407E-A947-70E740481C1C}">
+                <a14:useLocalDpi xmlns:a14="http://schemas.microsoft.com/office/drawing/2010/main" val="0"/>
+              </a:ext>
+            </a:extLst>
+          </a:blip>
+          <a:stretch>
+            <a:fillRect/>
+          </a:stretch>
+        </p:blipFill>
+        <p:spPr>
+          <a:xfrm>
+            <a:off x="10360829" y="37116"/>
+            <a:ext cx="1617345" cy="634428"/>
+          </a:xfrm>
+          <a:prstGeom prst="rect">
+            <a:avLst/>
+          </a:prstGeom>
+        </p:spPr>
+      </p:pic>
+      <p:sp>
+        <p:nvSpPr>
+          <p:cNvPr id="16" name="Textfeld 15">
+            <a:extLst>
+              <a:ext uri="{FF2B5EF4-FFF2-40B4-BE49-F238E27FC236}">
+                <a16:creationId xmlns:a16="http://schemas.microsoft.com/office/drawing/2014/main" id="{9EACFE28-B83D-B52B-0827-CD3535E8DBAD}"/>
+              </a:ext>
+            </a:extLst>
+          </p:cNvPr>
+          <p:cNvSpPr txBox="1"/>
+          <p:nvPr/>
+        </p:nvSpPr>
+        <p:spPr>
+          <a:xfrm>
+            <a:off x="640079" y="1047987"/>
+            <a:ext cx="10890930" cy="523220"/>
+          </a:xfrm>
+          <a:prstGeom prst="rect">
+            <a:avLst/>
+          </a:prstGeom>
+          <a:noFill/>
+        </p:spPr>
+        <p:txBody>
+          <a:bodyPr wrap="square" rtlCol="0">
+            <a:spAutoFit/>
+          </a:bodyPr>
+          <a:lstStyle/>
+          <a:p>
+            <a:r>
+              <a:rPr lang="en-US" sz="2800" dirty="0" err="1"/>
+              <a:t>Zeitersparnis</a:t>
+            </a:r>
+            <a:r>
+              <a:rPr lang="en-US" sz="2800" dirty="0"/>
+              <a:t> / </a:t>
+            </a:r>
+            <a:r>
+              <a:rPr lang="en-US" sz="2800" dirty="0" err="1"/>
+              <a:t>Wirtschaftlichkeit</a:t>
+            </a:r>
+            <a:r>
+              <a:rPr lang="en-US" sz="2800" dirty="0"/>
+              <a:t> – </a:t>
+            </a:r>
+            <a:r>
+              <a:rPr lang="en-US" sz="2800" dirty="0" err="1"/>
+              <a:t>Balkendiagramm</a:t>
+            </a:r>
+            <a:endParaRPr lang="en-DE" sz="2800" dirty="0"/>
+          </a:p>
+        </p:txBody>
+      </p:sp>
+    </p:spTree>
+    <p:extLst>
+      <p:ext uri="{BB962C8B-B14F-4D97-AF65-F5344CB8AC3E}">
+        <p14:creationId xmlns:p14="http://schemas.microsoft.com/office/powerpoint/2010/main" val="603444831"/>
+      </p:ext>
+    </p:extLst>
+  </p:cSld>
+  <p:clrMapOvr>
+    <a:masterClrMapping/>
+  </p:clrMapOvr>
+</p:sld>
+</file>
+
+<file path=ppt/slides/slide11.xml><?xml version="1.0" encoding="utf-8"?>
+<p:sld xmlns:a="http://schemas.openxmlformats.org/drawingml/2006/main" xmlns:r="http://schemas.openxmlformats.org/officeDocument/2006/relationships" xmlns:p="http://schemas.openxmlformats.org/presentationml/2006/main">
+  <p:cSld>
+    <p:bg>
+      <p:bgPr>
+        <a:solidFill>
+          <a:schemeClr val="bg1"/>
+        </a:solidFill>
+        <a:effectLst/>
+      </p:bgPr>
+    </p:bg>
+    <p:spTree>
+      <p:nvGrpSpPr>
+        <p:cNvPr id="1" name="">
+          <a:extLst>
+            <a:ext uri="{FF2B5EF4-FFF2-40B4-BE49-F238E27FC236}">
+              <a16:creationId xmlns:a16="http://schemas.microsoft.com/office/drawing/2014/main" id="{C67513EC-A0EB-1A77-7216-C55359D6AE8E}"/>
+            </a:ext>
+          </a:extLst>
+        </p:cNvPr>
+        <p:cNvGrpSpPr/>
+        <p:nvPr/>
+      </p:nvGrpSpPr>
+      <p:grpSpPr>
+        <a:xfrm>
+          <a:off x="0" y="0"/>
+          <a:ext cx="0" cy="0"/>
+          <a:chOff x="0" y="0"/>
+          <a:chExt cx="0" cy="0"/>
+        </a:xfrm>
+      </p:grpSpPr>
+      <p:sp useBgFill="1">
+        <p:nvSpPr>
+          <p:cNvPr id="14" name="Rectangle 13">
+            <a:extLst>
+              <a:ext uri="{FF2B5EF4-FFF2-40B4-BE49-F238E27FC236}">
+                <a16:creationId xmlns:a16="http://schemas.microsoft.com/office/drawing/2014/main" id="{F996723B-9056-89B0-4373-B4609E34B9DE}"/>
+              </a:ext>
+              <a:ext uri="{C183D7F6-B498-43B3-948B-1728B52AA6E4}">
+                <adec:decorative xmlns:adec="http://schemas.microsoft.com/office/drawing/2017/decorative" val="1"/>
+              </a:ext>
+            </a:extLst>
+          </p:cNvPr>
+          <p:cNvSpPr>
+            <a:spLocks noGrp="1" noRot="1" noChangeAspect="1" noMove="1" noResize="1" noEditPoints="1" noAdjustHandles="1" noChangeArrowheads="1" noChangeShapeType="1" noTextEdit="1"/>
+          </p:cNvSpPr>
+          <p:nvPr>
+            <p:extLst>
+              <p:ext uri="{386F3935-93C4-4BCD-93E2-E3B085C9AB24}">
+                <p16:designElem xmlns:p16="http://schemas.microsoft.com/office/powerpoint/2015/main" val="1"/>
+              </p:ext>
+            </p:extLst>
+          </p:nvPr>
+        </p:nvSpPr>
+        <p:spPr>
+          <a:xfrm>
+            <a:off x="0" y="0"/>
+            <a:ext cx="12188952" cy="6857995"/>
+          </a:xfrm>
+          <a:prstGeom prst="rect">
+            <a:avLst/>
+          </a:prstGeom>
+          <a:ln>
+            <a:noFill/>
+          </a:ln>
+        </p:spPr>
+        <p:style>
+          <a:lnRef idx="2">
+            <a:schemeClr val="accent1">
+              <a:shade val="50000"/>
+            </a:schemeClr>
+          </a:lnRef>
+          <a:fillRef idx="1">
+            <a:schemeClr val="accent1"/>
+          </a:fillRef>
+          <a:effectRef idx="0">
+            <a:schemeClr val="accent1"/>
+          </a:effectRef>
+          <a:fontRef idx="minor">
+            <a:schemeClr val="lt1"/>
+          </a:fontRef>
+        </p:style>
+        <p:txBody>
+          <a:bodyPr rtlCol="0" anchor="ctr"/>
+          <a:lstStyle/>
+          <a:p>
+            <a:pPr marL="0" marR="0" lvl="0" indent="0" algn="ctr" defTabSz="914400" rtl="0" eaLnBrk="1" fontAlgn="auto" latinLnBrk="0" hangingPunct="1">
+              <a:lnSpc>
+                <a:spcPct val="100000"/>
+              </a:lnSpc>
+              <a:spcBef>
+                <a:spcPts val="0"/>
+              </a:spcBef>
+              <a:spcAft>
+                <a:spcPts val="0"/>
+              </a:spcAft>
+              <a:buClrTx/>
+              <a:buSzTx/>
+              <a:buFontTx/>
+              <a:buNone/>
+              <a:tabLst/>
+              <a:defRPr/>
+            </a:pPr>
+            <a:endParaRPr kumimoji="0" lang="en-US" sz="1800" b="0" i="0" u="none" strike="noStrike" kern="1200" cap="none" spc="0" normalizeH="0" baseline="0" noProof="0">
+              <a:ln>
+                <a:noFill/>
+              </a:ln>
+              <a:solidFill>
+                <a:prstClr val="white"/>
+              </a:solidFill>
+              <a:effectLst/>
+              <a:uLnTx/>
+              <a:uFillTx/>
+              <a:latin typeface="Bierstadt"/>
+              <a:ea typeface="+mn-ea"/>
+              <a:cs typeface="+mn-cs"/>
+            </a:endParaRPr>
+          </a:p>
+        </p:txBody>
+      </p:sp>
+      <p:sp>
+        <p:nvSpPr>
+          <p:cNvPr id="2" name="Titel 1">
+            <a:extLst>
+              <a:ext uri="{FF2B5EF4-FFF2-40B4-BE49-F238E27FC236}">
+                <a16:creationId xmlns:a16="http://schemas.microsoft.com/office/drawing/2014/main" id="{CAC35BD6-C278-34AA-B813-776BF8D3B3C4}"/>
+              </a:ext>
+            </a:extLst>
+          </p:cNvPr>
+          <p:cNvSpPr>
+            <a:spLocks noGrp="1"/>
+          </p:cNvSpPr>
+          <p:nvPr>
+            <p:ph type="title"/>
+          </p:nvPr>
+        </p:nvSpPr>
+        <p:spPr>
+          <a:xfrm>
+            <a:off x="213826" y="0"/>
+            <a:ext cx="6194304" cy="708660"/>
+          </a:xfrm>
+        </p:spPr>
+        <p:txBody>
+          <a:bodyPr anchor="ctr">
+            <a:normAutofit/>
+          </a:bodyPr>
+          <a:lstStyle/>
+          <a:p>
+            <a:r>
+              <a:rPr lang="en-US" sz="2400" dirty="0" err="1"/>
+              <a:t>Übersicht</a:t>
+            </a:r>
+            <a:endParaRPr lang="en-DE" sz="2400" dirty="0"/>
+          </a:p>
+        </p:txBody>
+      </p:sp>
+      <p:sp>
+        <p:nvSpPr>
+          <p:cNvPr id="3" name="Inhaltsplatzhalter 2">
+            <a:extLst>
+              <a:ext uri="{FF2B5EF4-FFF2-40B4-BE49-F238E27FC236}">
+                <a16:creationId xmlns:a16="http://schemas.microsoft.com/office/drawing/2014/main" id="{13F8E9BA-5CF7-8B4A-33D7-39121D35A184}"/>
+              </a:ext>
+            </a:extLst>
+          </p:cNvPr>
+          <p:cNvSpPr>
+            <a:spLocks noGrp="1"/>
+          </p:cNvSpPr>
+          <p:nvPr>
+            <p:ph idx="1"/>
+          </p:nvPr>
+        </p:nvSpPr>
+        <p:spPr>
+          <a:xfrm>
+            <a:off x="640078" y="1756644"/>
+            <a:ext cx="10890929" cy="4463185"/>
+          </a:xfrm>
+        </p:spPr>
+        <p:txBody>
+          <a:bodyPr>
+            <a:normAutofit/>
+          </a:bodyPr>
+          <a:lstStyle/>
+          <a:p>
+            <a:pPr marL="0" indent="0">
+              <a:buNone/>
+            </a:pPr>
+            <a:r>
+              <a:rPr lang="en-US" dirty="0"/>
+              <a:t>Text / </a:t>
+            </a:r>
+            <a:r>
+              <a:rPr lang="en-US" dirty="0" err="1"/>
+              <a:t>Inhalt</a:t>
+            </a:r>
+            <a:endParaRPr lang="en-DE" dirty="0"/>
+          </a:p>
+        </p:txBody>
+      </p:sp>
+      <p:sp>
+        <p:nvSpPr>
+          <p:cNvPr id="9" name="Datumsplatzhalter 8">
+            <a:extLst>
+              <a:ext uri="{FF2B5EF4-FFF2-40B4-BE49-F238E27FC236}">
+                <a16:creationId xmlns:a16="http://schemas.microsoft.com/office/drawing/2014/main" id="{32D8B77E-AA83-DDEA-6782-2A7FC9A4B6DF}"/>
+              </a:ext>
+            </a:extLst>
+          </p:cNvPr>
+          <p:cNvSpPr>
+            <a:spLocks noGrp="1"/>
+          </p:cNvSpPr>
+          <p:nvPr>
+            <p:ph type="dt" sz="half" idx="10"/>
+          </p:nvPr>
+        </p:nvSpPr>
+        <p:spPr>
+          <a:xfrm>
+            <a:off x="640080" y="6356350"/>
+            <a:ext cx="2743200" cy="365125"/>
+          </a:xfrm>
+        </p:spPr>
+        <p:txBody>
+          <a:bodyPr>
+            <a:normAutofit/>
+          </a:bodyPr>
+          <a:lstStyle/>
+          <a:p>
+            <a:pPr>
+              <a:spcAft>
+                <a:spcPts val="600"/>
+              </a:spcAft>
+            </a:pPr>
+            <a:r>
+              <a:rPr lang="en-US" dirty="0">
+                <a:solidFill>
+                  <a:schemeClr val="bg1">
+                    <a:lumMod val="50000"/>
+                  </a:schemeClr>
+                </a:solidFill>
+              </a:rPr>
+              <a:t>Mark Albers</a:t>
+            </a:r>
+          </a:p>
+        </p:txBody>
+      </p:sp>
+      <p:sp>
+        <p:nvSpPr>
+          <p:cNvPr id="7" name="Fußzeilenplatzhalter 6">
+            <a:extLst>
+              <a:ext uri="{FF2B5EF4-FFF2-40B4-BE49-F238E27FC236}">
+                <a16:creationId xmlns:a16="http://schemas.microsoft.com/office/drawing/2014/main" id="{67451453-FFBE-3762-D68E-6D774141E825}"/>
+              </a:ext>
+            </a:extLst>
+          </p:cNvPr>
+          <p:cNvSpPr>
+            <a:spLocks noGrp="1"/>
+          </p:cNvSpPr>
+          <p:nvPr>
+            <p:ph type="ftr" sz="quarter" idx="11"/>
+          </p:nvPr>
+        </p:nvSpPr>
+        <p:spPr>
+          <a:xfrm>
+            <a:off x="4074289" y="6357620"/>
+            <a:ext cx="4040373" cy="365125"/>
+          </a:xfrm>
+        </p:spPr>
+        <p:txBody>
+          <a:bodyPr>
+            <a:normAutofit/>
+          </a:bodyPr>
+          <a:lstStyle/>
+          <a:p>
+            <a:pPr algn="ctr">
+              <a:spcAft>
+                <a:spcPts val="600"/>
+              </a:spcAft>
+            </a:pPr>
+            <a:r>
+              <a:rPr lang="en-US" dirty="0">
+                <a:solidFill>
+                  <a:schemeClr val="bg1">
+                    <a:lumMod val="50000"/>
+                  </a:schemeClr>
+                </a:solidFill>
+              </a:rPr>
+              <a:t>2025 </a:t>
+            </a:r>
+            <a:r>
+              <a:rPr lang="en-US" dirty="0" err="1">
+                <a:solidFill>
+                  <a:schemeClr val="bg1">
+                    <a:lumMod val="50000"/>
+                  </a:schemeClr>
+                </a:solidFill>
+              </a:rPr>
+              <a:t>Sirum</a:t>
+            </a:r>
+            <a:r>
+              <a:rPr lang="en-US" dirty="0">
+                <a:solidFill>
+                  <a:schemeClr val="bg1">
+                    <a:lumMod val="50000"/>
+                  </a:schemeClr>
+                </a:solidFill>
+              </a:rPr>
+              <a:t> GmbH</a:t>
+            </a:r>
+          </a:p>
+        </p:txBody>
+      </p:sp>
+      <p:sp>
+        <p:nvSpPr>
+          <p:cNvPr id="8" name="Foliennummernplatzhalter 7">
+            <a:extLst>
+              <a:ext uri="{FF2B5EF4-FFF2-40B4-BE49-F238E27FC236}">
+                <a16:creationId xmlns:a16="http://schemas.microsoft.com/office/drawing/2014/main" id="{34571FF4-8E41-532B-C3E7-7558A4AC50AD}"/>
+              </a:ext>
+            </a:extLst>
+          </p:cNvPr>
+          <p:cNvSpPr>
+            <a:spLocks noGrp="1"/>
+          </p:cNvSpPr>
+          <p:nvPr>
+            <p:ph type="sldNum" sz="quarter" idx="12"/>
+          </p:nvPr>
+        </p:nvSpPr>
+        <p:spPr>
+          <a:xfrm>
+            <a:off x="10807995" y="6356350"/>
+            <a:ext cx="723014" cy="365125"/>
+          </a:xfrm>
+        </p:spPr>
+        <p:txBody>
+          <a:bodyPr>
+            <a:normAutofit/>
+          </a:bodyPr>
+          <a:lstStyle/>
+          <a:p>
+            <a:pPr>
+              <a:spcAft>
+                <a:spcPts val="600"/>
+              </a:spcAft>
+            </a:pPr>
+            <a:fld id="{70C12960-6E85-460F-B6E3-5B82CB31AF3D}" type="slidenum">
+              <a:rPr lang="en-US" smtClean="0">
+                <a:solidFill>
+                  <a:schemeClr val="bg1">
+                    <a:lumMod val="50000"/>
+                  </a:schemeClr>
+                </a:solidFill>
+              </a:rPr>
+              <a:pPr>
+                <a:spcAft>
+                  <a:spcPts val="600"/>
+                </a:spcAft>
+              </a:pPr>
+              <a:t>11</a:t>
+            </a:fld>
+            <a:endParaRPr lang="en-US" dirty="0">
+              <a:solidFill>
+                <a:schemeClr val="bg1">
+                  <a:lumMod val="50000"/>
+                </a:schemeClr>
+              </a:solidFill>
+            </a:endParaRPr>
+          </a:p>
+        </p:txBody>
+      </p:sp>
+      <p:cxnSp>
+        <p:nvCxnSpPr>
+          <p:cNvPr id="11" name="Gerader Verbinder 10">
+            <a:extLst>
+              <a:ext uri="{FF2B5EF4-FFF2-40B4-BE49-F238E27FC236}">
+                <a16:creationId xmlns:a16="http://schemas.microsoft.com/office/drawing/2014/main" id="{7D83C6CD-410E-60F3-66F3-B0F6F52F35A9}"/>
+              </a:ext>
+            </a:extLst>
+          </p:cNvPr>
+          <p:cNvCxnSpPr>
+            <a:cxnSpLocks/>
+          </p:cNvCxnSpPr>
+          <p:nvPr/>
+        </p:nvCxnSpPr>
+        <p:spPr>
+          <a:xfrm flipH="1">
+            <a:off x="-167640" y="708660"/>
+            <a:ext cx="12489180" cy="0"/>
+          </a:xfrm>
+          <a:prstGeom prst="line">
+            <a:avLst/>
+          </a:prstGeom>
+        </p:spPr>
+        <p:style>
+          <a:lnRef idx="2">
+            <a:schemeClr val="dk1"/>
+          </a:lnRef>
+          <a:fillRef idx="0">
+            <a:schemeClr val="dk1"/>
+          </a:fillRef>
+          <a:effectRef idx="1">
+            <a:schemeClr val="dk1"/>
+          </a:effectRef>
+          <a:fontRef idx="minor">
+            <a:schemeClr val="tx1"/>
+          </a:fontRef>
+        </p:style>
+      </p:cxnSp>
+      <p:pic>
+        <p:nvPicPr>
+          <p:cNvPr id="15" name="Grafik 14" descr="Ein Bild, das Farbigkeit, Grafiken, Design enthält.">
+            <a:extLst>
+              <a:ext uri="{FF2B5EF4-FFF2-40B4-BE49-F238E27FC236}">
+                <a16:creationId xmlns:a16="http://schemas.microsoft.com/office/drawing/2014/main" id="{607B15F1-EA9F-4901-0FF3-0E674DB96376}"/>
+              </a:ext>
+            </a:extLst>
+          </p:cNvPr>
+          <p:cNvPicPr>
+            <a:picLocks noChangeAspect="1"/>
+          </p:cNvPicPr>
+          <p:nvPr/>
+        </p:nvPicPr>
+        <p:blipFill>
+          <a:blip r:embed="rId2">
+            <a:extLst>
+              <a:ext uri="{28A0092B-C50C-407E-A947-70E740481C1C}">
+                <a14:useLocalDpi xmlns:a14="http://schemas.microsoft.com/office/drawing/2010/main" val="0"/>
+              </a:ext>
+            </a:extLst>
+          </a:blip>
+          <a:stretch>
+            <a:fillRect/>
+          </a:stretch>
+        </p:blipFill>
+        <p:spPr>
+          <a:xfrm>
+            <a:off x="10360829" y="37116"/>
+            <a:ext cx="1617345" cy="634428"/>
+          </a:xfrm>
+          <a:prstGeom prst="rect">
+            <a:avLst/>
+          </a:prstGeom>
+        </p:spPr>
+      </p:pic>
+      <p:sp>
+        <p:nvSpPr>
+          <p:cNvPr id="16" name="Textfeld 15">
+            <a:extLst>
+              <a:ext uri="{FF2B5EF4-FFF2-40B4-BE49-F238E27FC236}">
+                <a16:creationId xmlns:a16="http://schemas.microsoft.com/office/drawing/2014/main" id="{DAE50F6E-5BC9-4292-6057-827DFC49EFEA}"/>
+              </a:ext>
+            </a:extLst>
+          </p:cNvPr>
+          <p:cNvSpPr txBox="1"/>
+          <p:nvPr/>
+        </p:nvSpPr>
+        <p:spPr>
+          <a:xfrm>
+            <a:off x="640079" y="1047987"/>
+            <a:ext cx="10890930" cy="523220"/>
+          </a:xfrm>
+          <a:prstGeom prst="rect">
+            <a:avLst/>
+          </a:prstGeom>
+          <a:noFill/>
+        </p:spPr>
+        <p:txBody>
+          <a:bodyPr wrap="square" rtlCol="0">
+            <a:spAutoFit/>
+          </a:bodyPr>
+          <a:lstStyle/>
+          <a:p>
+            <a:r>
+              <a:rPr lang="en-US" sz="2800" dirty="0" err="1"/>
+              <a:t>Ausblick</a:t>
+            </a:r>
+            <a:r>
+              <a:rPr lang="en-US" sz="2800" dirty="0"/>
+              <a:t> </a:t>
+            </a:r>
+            <a:endParaRPr lang="en-DE" sz="2800" dirty="0"/>
+          </a:p>
+        </p:txBody>
+      </p:sp>
+    </p:spTree>
+    <p:extLst>
+      <p:ext uri="{BB962C8B-B14F-4D97-AF65-F5344CB8AC3E}">
+        <p14:creationId xmlns:p14="http://schemas.microsoft.com/office/powerpoint/2010/main" val="1962126293"/>
+      </p:ext>
+    </p:extLst>
+  </p:cSld>
+  <p:clrMapOvr>
+    <a:masterClrMapping/>
+  </p:clrMapOvr>
+</p:sld>
+</file>
+
+<file path=ppt/slides/slide12.xml><?xml version="1.0" encoding="utf-8"?>
+<p:sld xmlns:a="http://schemas.openxmlformats.org/drawingml/2006/main" xmlns:r="http://schemas.openxmlformats.org/officeDocument/2006/relationships" xmlns:p="http://schemas.openxmlformats.org/presentationml/2006/main">
+  <p:cSld>
+    <p:bg>
+      <p:bgPr>
+        <a:solidFill>
+          <a:schemeClr val="bg1"/>
+        </a:solidFill>
+        <a:effectLst/>
+      </p:bgPr>
+    </p:bg>
+    <p:spTree>
+      <p:nvGrpSpPr>
+        <p:cNvPr id="1" name="">
+          <a:extLst>
+            <a:ext uri="{FF2B5EF4-FFF2-40B4-BE49-F238E27FC236}">
+              <a16:creationId xmlns:a16="http://schemas.microsoft.com/office/drawing/2014/main" id="{019E4006-ED58-D91B-AF62-D045FAF8DE18}"/>
+            </a:ext>
+          </a:extLst>
+        </p:cNvPr>
+        <p:cNvGrpSpPr/>
+        <p:nvPr/>
+      </p:nvGrpSpPr>
+      <p:grpSpPr>
+        <a:xfrm>
+          <a:off x="0" y="0"/>
+          <a:ext cx="0" cy="0"/>
+          <a:chOff x="0" y="0"/>
+          <a:chExt cx="0" cy="0"/>
+        </a:xfrm>
+      </p:grpSpPr>
+      <p:sp useBgFill="1">
+        <p:nvSpPr>
+          <p:cNvPr id="14" name="Rectangle 13">
+            <a:extLst>
+              <a:ext uri="{FF2B5EF4-FFF2-40B4-BE49-F238E27FC236}">
+                <a16:creationId xmlns:a16="http://schemas.microsoft.com/office/drawing/2014/main" id="{12357242-7040-8CE4-EA63-C8BA3AA76F98}"/>
+              </a:ext>
+              <a:ext uri="{C183D7F6-B498-43B3-948B-1728B52AA6E4}">
+                <adec:decorative xmlns:adec="http://schemas.microsoft.com/office/drawing/2017/decorative" val="1"/>
+              </a:ext>
+            </a:extLst>
+          </p:cNvPr>
+          <p:cNvSpPr>
+            <a:spLocks noGrp="1" noRot="1" noChangeAspect="1" noMove="1" noResize="1" noEditPoints="1" noAdjustHandles="1" noChangeArrowheads="1" noChangeShapeType="1" noTextEdit="1"/>
+          </p:cNvSpPr>
+          <p:nvPr>
+            <p:extLst>
+              <p:ext uri="{386F3935-93C4-4BCD-93E2-E3B085C9AB24}">
+                <p16:designElem xmlns:p16="http://schemas.microsoft.com/office/powerpoint/2015/main" val="1"/>
+              </p:ext>
+            </p:extLst>
+          </p:nvPr>
+        </p:nvSpPr>
+        <p:spPr>
+          <a:xfrm>
+            <a:off x="0" y="0"/>
+            <a:ext cx="12188952" cy="6857995"/>
+          </a:xfrm>
+          <a:prstGeom prst="rect">
+            <a:avLst/>
+          </a:prstGeom>
+          <a:ln>
+            <a:noFill/>
+          </a:ln>
+        </p:spPr>
+        <p:style>
+          <a:lnRef idx="2">
+            <a:schemeClr val="accent1">
+              <a:shade val="50000"/>
+            </a:schemeClr>
+          </a:lnRef>
+          <a:fillRef idx="1">
+            <a:schemeClr val="accent1"/>
+          </a:fillRef>
+          <a:effectRef idx="0">
+            <a:schemeClr val="accent1"/>
+          </a:effectRef>
+          <a:fontRef idx="minor">
+            <a:schemeClr val="lt1"/>
+          </a:fontRef>
+        </p:style>
+        <p:txBody>
+          <a:bodyPr rtlCol="0" anchor="ctr"/>
+          <a:lstStyle/>
+          <a:p>
+            <a:pPr marL="0" marR="0" lvl="0" indent="0" algn="ctr" defTabSz="914400" rtl="0" eaLnBrk="1" fontAlgn="auto" latinLnBrk="0" hangingPunct="1">
+              <a:lnSpc>
+                <a:spcPct val="100000"/>
+              </a:lnSpc>
+              <a:spcBef>
+                <a:spcPts val="0"/>
+              </a:spcBef>
+              <a:spcAft>
+                <a:spcPts val="0"/>
+              </a:spcAft>
+              <a:buClrTx/>
+              <a:buSzTx/>
+              <a:buFontTx/>
+              <a:buNone/>
+              <a:tabLst/>
+              <a:defRPr/>
+            </a:pPr>
+            <a:endParaRPr kumimoji="0" lang="en-US" sz="1800" b="0" i="0" u="none" strike="noStrike" kern="1200" cap="none" spc="0" normalizeH="0" baseline="0" noProof="0">
+              <a:ln>
+                <a:noFill/>
+              </a:ln>
+              <a:solidFill>
+                <a:prstClr val="white"/>
+              </a:solidFill>
+              <a:effectLst/>
+              <a:uLnTx/>
+              <a:uFillTx/>
+              <a:latin typeface="Bierstadt"/>
+              <a:ea typeface="+mn-ea"/>
+              <a:cs typeface="+mn-cs"/>
+            </a:endParaRPr>
+          </a:p>
+        </p:txBody>
+      </p:sp>
+      <p:sp>
+        <p:nvSpPr>
+          <p:cNvPr id="2" name="Titel 1">
+            <a:extLst>
+              <a:ext uri="{FF2B5EF4-FFF2-40B4-BE49-F238E27FC236}">
+                <a16:creationId xmlns:a16="http://schemas.microsoft.com/office/drawing/2014/main" id="{1789ED9A-C64F-1933-6824-D707983BC8BF}"/>
+              </a:ext>
+            </a:extLst>
+          </p:cNvPr>
+          <p:cNvSpPr>
+            <a:spLocks noGrp="1"/>
+          </p:cNvSpPr>
+          <p:nvPr>
+            <p:ph type="title"/>
+          </p:nvPr>
+        </p:nvSpPr>
+        <p:spPr>
+          <a:xfrm>
+            <a:off x="213826" y="0"/>
+            <a:ext cx="6194304" cy="708660"/>
+          </a:xfrm>
+        </p:spPr>
+        <p:txBody>
+          <a:bodyPr anchor="ctr">
+            <a:normAutofit/>
+          </a:bodyPr>
+          <a:lstStyle/>
+          <a:p>
+            <a:r>
+              <a:rPr lang="en-US" sz="2400" dirty="0" err="1"/>
+              <a:t>Übersicht</a:t>
+            </a:r>
+            <a:endParaRPr lang="en-DE" sz="2400" dirty="0"/>
+          </a:p>
+        </p:txBody>
+      </p:sp>
+      <p:sp>
+        <p:nvSpPr>
+          <p:cNvPr id="3" name="Inhaltsplatzhalter 2">
+            <a:extLst>
+              <a:ext uri="{FF2B5EF4-FFF2-40B4-BE49-F238E27FC236}">
+                <a16:creationId xmlns:a16="http://schemas.microsoft.com/office/drawing/2014/main" id="{80336BB9-7E05-5C4F-6FE7-809C62B42245}"/>
+              </a:ext>
+            </a:extLst>
+          </p:cNvPr>
+          <p:cNvSpPr>
+            <a:spLocks noGrp="1"/>
+          </p:cNvSpPr>
+          <p:nvPr>
+            <p:ph idx="1"/>
+          </p:nvPr>
+        </p:nvSpPr>
+        <p:spPr>
+          <a:xfrm>
+            <a:off x="640078" y="1756644"/>
+            <a:ext cx="10890929" cy="4463185"/>
+          </a:xfrm>
+        </p:spPr>
+        <p:txBody>
+          <a:bodyPr>
+            <a:normAutofit/>
+          </a:bodyPr>
+          <a:lstStyle/>
+          <a:p>
+            <a:pPr marL="0" indent="0">
+              <a:buNone/>
+            </a:pPr>
+            <a:r>
+              <a:rPr lang="en-US" dirty="0"/>
+              <a:t>Text / </a:t>
+            </a:r>
+            <a:r>
+              <a:rPr lang="en-US" dirty="0" err="1"/>
+              <a:t>Inhalt</a:t>
+            </a:r>
+            <a:endParaRPr lang="en-DE" dirty="0"/>
+          </a:p>
+        </p:txBody>
+      </p:sp>
+      <p:sp>
+        <p:nvSpPr>
+          <p:cNvPr id="9" name="Datumsplatzhalter 8">
+            <a:extLst>
+              <a:ext uri="{FF2B5EF4-FFF2-40B4-BE49-F238E27FC236}">
+                <a16:creationId xmlns:a16="http://schemas.microsoft.com/office/drawing/2014/main" id="{5AB134A6-5768-9857-7E4D-A8983AE87242}"/>
+              </a:ext>
+            </a:extLst>
+          </p:cNvPr>
+          <p:cNvSpPr>
+            <a:spLocks noGrp="1"/>
+          </p:cNvSpPr>
+          <p:nvPr>
+            <p:ph type="dt" sz="half" idx="10"/>
+          </p:nvPr>
+        </p:nvSpPr>
+        <p:spPr>
+          <a:xfrm>
+            <a:off x="640080" y="6356350"/>
+            <a:ext cx="2743200" cy="365125"/>
+          </a:xfrm>
+        </p:spPr>
+        <p:txBody>
+          <a:bodyPr>
+            <a:normAutofit/>
+          </a:bodyPr>
+          <a:lstStyle/>
+          <a:p>
+            <a:pPr>
+              <a:spcAft>
+                <a:spcPts val="600"/>
+              </a:spcAft>
+            </a:pPr>
+            <a:r>
+              <a:rPr lang="en-US" dirty="0">
+                <a:solidFill>
+                  <a:schemeClr val="bg1">
+                    <a:lumMod val="50000"/>
+                  </a:schemeClr>
+                </a:solidFill>
+              </a:rPr>
+              <a:t>Mark Albers</a:t>
+            </a:r>
+          </a:p>
+        </p:txBody>
+      </p:sp>
+      <p:sp>
+        <p:nvSpPr>
+          <p:cNvPr id="7" name="Fußzeilenplatzhalter 6">
+            <a:extLst>
+              <a:ext uri="{FF2B5EF4-FFF2-40B4-BE49-F238E27FC236}">
+                <a16:creationId xmlns:a16="http://schemas.microsoft.com/office/drawing/2014/main" id="{66AE139E-5D06-D09E-F381-585078F2BB78}"/>
+              </a:ext>
+            </a:extLst>
+          </p:cNvPr>
+          <p:cNvSpPr>
+            <a:spLocks noGrp="1"/>
+          </p:cNvSpPr>
+          <p:nvPr>
+            <p:ph type="ftr" sz="quarter" idx="11"/>
+          </p:nvPr>
+        </p:nvSpPr>
+        <p:spPr>
+          <a:xfrm>
+            <a:off x="4074289" y="6357620"/>
+            <a:ext cx="4040373" cy="365125"/>
+          </a:xfrm>
+        </p:spPr>
+        <p:txBody>
+          <a:bodyPr>
+            <a:normAutofit/>
+          </a:bodyPr>
+          <a:lstStyle/>
+          <a:p>
+            <a:pPr algn="ctr">
+              <a:spcAft>
+                <a:spcPts val="600"/>
+              </a:spcAft>
+            </a:pPr>
+            <a:r>
+              <a:rPr lang="en-US" dirty="0">
+                <a:solidFill>
+                  <a:schemeClr val="bg1">
+                    <a:lumMod val="50000"/>
+                  </a:schemeClr>
+                </a:solidFill>
+              </a:rPr>
+              <a:t>2025 </a:t>
+            </a:r>
+            <a:r>
+              <a:rPr lang="en-US" dirty="0" err="1">
+                <a:solidFill>
+                  <a:schemeClr val="bg1">
+                    <a:lumMod val="50000"/>
+                  </a:schemeClr>
+                </a:solidFill>
+              </a:rPr>
+              <a:t>Sirum</a:t>
+            </a:r>
+            <a:r>
+              <a:rPr lang="en-US" dirty="0">
+                <a:solidFill>
+                  <a:schemeClr val="bg1">
+                    <a:lumMod val="50000"/>
+                  </a:schemeClr>
+                </a:solidFill>
+              </a:rPr>
+              <a:t> GmbH</a:t>
+            </a:r>
+          </a:p>
+        </p:txBody>
+      </p:sp>
+      <p:sp>
+        <p:nvSpPr>
+          <p:cNvPr id="8" name="Foliennummernplatzhalter 7">
+            <a:extLst>
+              <a:ext uri="{FF2B5EF4-FFF2-40B4-BE49-F238E27FC236}">
+                <a16:creationId xmlns:a16="http://schemas.microsoft.com/office/drawing/2014/main" id="{3B2DE92F-9AED-C227-A527-947020DE8A9F}"/>
+              </a:ext>
+            </a:extLst>
+          </p:cNvPr>
+          <p:cNvSpPr>
+            <a:spLocks noGrp="1"/>
+          </p:cNvSpPr>
+          <p:nvPr>
+            <p:ph type="sldNum" sz="quarter" idx="12"/>
+          </p:nvPr>
+        </p:nvSpPr>
+        <p:spPr>
+          <a:xfrm>
+            <a:off x="10807995" y="6356350"/>
+            <a:ext cx="723014" cy="365125"/>
+          </a:xfrm>
+        </p:spPr>
+        <p:txBody>
+          <a:bodyPr>
+            <a:normAutofit/>
+          </a:bodyPr>
+          <a:lstStyle/>
+          <a:p>
+            <a:pPr>
+              <a:spcAft>
+                <a:spcPts val="600"/>
+              </a:spcAft>
+            </a:pPr>
+            <a:fld id="{70C12960-6E85-460F-B6E3-5B82CB31AF3D}" type="slidenum">
+              <a:rPr lang="en-US" smtClean="0">
+                <a:solidFill>
+                  <a:schemeClr val="bg1">
+                    <a:lumMod val="50000"/>
+                  </a:schemeClr>
+                </a:solidFill>
+              </a:rPr>
+              <a:pPr>
+                <a:spcAft>
+                  <a:spcPts val="600"/>
+                </a:spcAft>
+              </a:pPr>
+              <a:t>12</a:t>
+            </a:fld>
+            <a:endParaRPr lang="en-US" dirty="0">
+              <a:solidFill>
+                <a:schemeClr val="bg1">
+                  <a:lumMod val="50000"/>
+                </a:schemeClr>
+              </a:solidFill>
+            </a:endParaRPr>
+          </a:p>
+        </p:txBody>
+      </p:sp>
+      <p:cxnSp>
+        <p:nvCxnSpPr>
+          <p:cNvPr id="11" name="Gerader Verbinder 10">
+            <a:extLst>
+              <a:ext uri="{FF2B5EF4-FFF2-40B4-BE49-F238E27FC236}">
+                <a16:creationId xmlns:a16="http://schemas.microsoft.com/office/drawing/2014/main" id="{61695DD8-E62A-6D9C-0477-A0CB022131D5}"/>
+              </a:ext>
+            </a:extLst>
+          </p:cNvPr>
+          <p:cNvCxnSpPr>
+            <a:cxnSpLocks/>
+          </p:cNvCxnSpPr>
+          <p:nvPr/>
+        </p:nvCxnSpPr>
+        <p:spPr>
+          <a:xfrm flipH="1">
+            <a:off x="-167640" y="708660"/>
+            <a:ext cx="12489180" cy="0"/>
+          </a:xfrm>
+          <a:prstGeom prst="line">
+            <a:avLst/>
+          </a:prstGeom>
+        </p:spPr>
+        <p:style>
+          <a:lnRef idx="2">
+            <a:schemeClr val="dk1"/>
+          </a:lnRef>
+          <a:fillRef idx="0">
+            <a:schemeClr val="dk1"/>
+          </a:fillRef>
+          <a:effectRef idx="1">
+            <a:schemeClr val="dk1"/>
+          </a:effectRef>
+          <a:fontRef idx="minor">
+            <a:schemeClr val="tx1"/>
+          </a:fontRef>
+        </p:style>
+      </p:cxnSp>
+      <p:pic>
+        <p:nvPicPr>
+          <p:cNvPr id="15" name="Grafik 14" descr="Ein Bild, das Farbigkeit, Grafiken, Design enthält.">
+            <a:extLst>
+              <a:ext uri="{FF2B5EF4-FFF2-40B4-BE49-F238E27FC236}">
+                <a16:creationId xmlns:a16="http://schemas.microsoft.com/office/drawing/2014/main" id="{7B4CAC6E-2431-10E8-0D48-9353790B958F}"/>
+              </a:ext>
+            </a:extLst>
+          </p:cNvPr>
+          <p:cNvPicPr>
+            <a:picLocks noChangeAspect="1"/>
+          </p:cNvPicPr>
+          <p:nvPr/>
+        </p:nvPicPr>
+        <p:blipFill>
+          <a:blip r:embed="rId2">
+            <a:extLst>
+              <a:ext uri="{28A0092B-C50C-407E-A947-70E740481C1C}">
+                <a14:useLocalDpi xmlns:a14="http://schemas.microsoft.com/office/drawing/2010/main" val="0"/>
+              </a:ext>
+            </a:extLst>
+          </a:blip>
+          <a:stretch>
+            <a:fillRect/>
+          </a:stretch>
+        </p:blipFill>
+        <p:spPr>
+          <a:xfrm>
+            <a:off x="10360829" y="37116"/>
+            <a:ext cx="1617345" cy="634428"/>
+          </a:xfrm>
+          <a:prstGeom prst="rect">
+            <a:avLst/>
+          </a:prstGeom>
+        </p:spPr>
+      </p:pic>
+      <p:sp>
+        <p:nvSpPr>
+          <p:cNvPr id="16" name="Textfeld 15">
+            <a:extLst>
+              <a:ext uri="{FF2B5EF4-FFF2-40B4-BE49-F238E27FC236}">
+                <a16:creationId xmlns:a16="http://schemas.microsoft.com/office/drawing/2014/main" id="{8681588A-5389-4ACF-7069-60CE0B8098D3}"/>
+              </a:ext>
+            </a:extLst>
+          </p:cNvPr>
+          <p:cNvSpPr txBox="1"/>
+          <p:nvPr/>
+        </p:nvSpPr>
+        <p:spPr>
+          <a:xfrm>
+            <a:off x="640079" y="1047987"/>
+            <a:ext cx="10890930" cy="523220"/>
+          </a:xfrm>
+          <a:prstGeom prst="rect">
+            <a:avLst/>
+          </a:prstGeom>
+          <a:noFill/>
+        </p:spPr>
+        <p:txBody>
+          <a:bodyPr wrap="square" rtlCol="0">
+            <a:spAutoFit/>
+          </a:bodyPr>
+          <a:lstStyle/>
+          <a:p>
+            <a:r>
+              <a:rPr lang="en-US" sz="2800" dirty="0" err="1"/>
+              <a:t>Abnahme</a:t>
+            </a:r>
+            <a:r>
+              <a:rPr lang="en-US" sz="2800" dirty="0"/>
+              <a:t>- und </a:t>
+            </a:r>
+            <a:r>
+              <a:rPr lang="en-US" sz="2800" dirty="0" err="1"/>
+              <a:t>Einführungsphase</a:t>
+            </a:r>
+            <a:endParaRPr lang="en-DE" sz="2800" dirty="0"/>
+          </a:p>
+        </p:txBody>
+      </p:sp>
+    </p:spTree>
+    <p:extLst>
+      <p:ext uri="{BB962C8B-B14F-4D97-AF65-F5344CB8AC3E}">
+        <p14:creationId xmlns:p14="http://schemas.microsoft.com/office/powerpoint/2010/main" val="2192794796"/>
+      </p:ext>
+    </p:extLst>
+  </p:cSld>
+  <p:clrMapOvr>
+    <a:masterClrMapping/>
+  </p:clrMapOvr>
+</p:sld>
+</file>
+
+<file path=ppt/slides/slide2.xml><?xml version="1.0" encoding="utf-8"?>
+<p:sld xmlns:a="http://schemas.openxmlformats.org/drawingml/2006/main" xmlns:r="http://schemas.openxmlformats.org/officeDocument/2006/relationships" xmlns:p="http://schemas.openxmlformats.org/presentationml/2006/main">
+  <p:cSld>
+    <p:bg>
+      <p:bgPr>
+        <a:solidFill>
+          <a:schemeClr val="bg1"/>
+        </a:solidFill>
+        <a:effectLst/>
+      </p:bgPr>
+    </p:bg>
+    <p:spTree>
+      <p:nvGrpSpPr>
+        <p:cNvPr id="1" name=""/>
+        <p:cNvGrpSpPr/>
+        <p:nvPr/>
+      </p:nvGrpSpPr>
+      <p:grpSpPr>
+        <a:xfrm>
+          <a:off x="0" y="0"/>
+          <a:ext cx="0" cy="0"/>
+          <a:chOff x="0" y="0"/>
+          <a:chExt cx="0" cy="0"/>
+        </a:xfrm>
+      </p:grpSpPr>
+      <p:sp useBgFill="1">
+        <p:nvSpPr>
+          <p:cNvPr id="14" name="Rectangle 13">
+            <a:extLst>
+              <a:ext uri="{FF2B5EF4-FFF2-40B4-BE49-F238E27FC236}">
+                <a16:creationId xmlns:a16="http://schemas.microsoft.com/office/drawing/2014/main" id="{1653AE3C-AC4F-907C-B473-B9A30D21506F}"/>
+              </a:ext>
+              <a:ext uri="{C183D7F6-B498-43B3-948B-1728B52AA6E4}">
+                <adec:decorative xmlns:adec="http://schemas.microsoft.com/office/drawing/2017/decorative" val="1"/>
+              </a:ext>
+            </a:extLst>
+          </p:cNvPr>
+          <p:cNvSpPr>
+            <a:spLocks noGrp="1" noRot="1" noChangeAspect="1" noMove="1" noResize="1" noEditPoints="1" noAdjustHandles="1" noChangeArrowheads="1" noChangeShapeType="1" noTextEdit="1"/>
+          </p:cNvSpPr>
+          <p:nvPr>
+            <p:extLst>
+              <p:ext uri="{386F3935-93C4-4BCD-93E2-E3B085C9AB24}">
+                <p16:designElem xmlns:p16="http://schemas.microsoft.com/office/powerpoint/2015/main" val="1"/>
+              </p:ext>
+            </p:extLst>
+          </p:nvPr>
+        </p:nvSpPr>
+        <p:spPr>
+          <a:xfrm>
+            <a:off x="0" y="0"/>
+            <a:ext cx="12188952" cy="6857995"/>
+          </a:xfrm>
+          <a:prstGeom prst="rect">
+            <a:avLst/>
+          </a:prstGeom>
+          <a:ln>
+            <a:noFill/>
+          </a:ln>
+        </p:spPr>
+        <p:style>
+          <a:lnRef idx="2">
+            <a:schemeClr val="accent1">
+              <a:shade val="50000"/>
+            </a:schemeClr>
+          </a:lnRef>
+          <a:fillRef idx="1">
+            <a:schemeClr val="accent1"/>
+          </a:fillRef>
+          <a:effectRef idx="0">
+            <a:schemeClr val="accent1"/>
+          </a:effectRef>
+          <a:fontRef idx="minor">
+            <a:schemeClr val="lt1"/>
+          </a:fontRef>
+        </p:style>
+        <p:txBody>
+          <a:bodyPr rtlCol="0" anchor="ctr"/>
+          <a:lstStyle/>
+          <a:p>
+            <a:pPr marL="0" marR="0" lvl="0" indent="0" algn="ctr" defTabSz="914400" rtl="0" eaLnBrk="1" fontAlgn="auto" latinLnBrk="0" hangingPunct="1">
+              <a:lnSpc>
+                <a:spcPct val="100000"/>
+              </a:lnSpc>
+              <a:spcBef>
+                <a:spcPts val="0"/>
+              </a:spcBef>
+              <a:spcAft>
+                <a:spcPts val="0"/>
+              </a:spcAft>
+              <a:buClrTx/>
+              <a:buSzTx/>
+              <a:buFontTx/>
+              <a:buNone/>
+              <a:tabLst/>
+              <a:defRPr/>
+            </a:pPr>
+            <a:endParaRPr kumimoji="0" lang="en-US" sz="1800" b="0" i="0" u="none" strike="noStrike" kern="1200" cap="none" spc="0" normalizeH="0" baseline="0" noProof="0">
+              <a:ln>
+                <a:noFill/>
+              </a:ln>
+              <a:solidFill>
+                <a:prstClr val="white"/>
+              </a:solidFill>
+              <a:effectLst/>
+              <a:uLnTx/>
+              <a:uFillTx/>
+              <a:latin typeface="Bierstadt"/>
+              <a:ea typeface="+mn-ea"/>
+              <a:cs typeface="+mn-cs"/>
+            </a:endParaRPr>
+          </a:p>
+        </p:txBody>
+      </p:sp>
+      <p:sp>
+        <p:nvSpPr>
+          <p:cNvPr id="2" name="Titel 1">
+            <a:extLst>
+              <a:ext uri="{FF2B5EF4-FFF2-40B4-BE49-F238E27FC236}">
                 <a16:creationId xmlns:a16="http://schemas.microsoft.com/office/drawing/2014/main" id="{39BA378B-390D-5F44-117B-3C659E333E7B}"/>
               </a:ext>
             </a:extLst>
@@ -4860,6 +6405,3829 @@
     <p:extLst>
       <p:ext uri="{BB962C8B-B14F-4D97-AF65-F5344CB8AC3E}">
         <p14:creationId xmlns:p14="http://schemas.microsoft.com/office/powerpoint/2010/main" val="290752052"/>
+      </p:ext>
+    </p:extLst>
+  </p:cSld>
+  <p:clrMapOvr>
+    <a:masterClrMapping/>
+  </p:clrMapOvr>
+</p:sld>
+</file>
+
+<file path=ppt/slides/slide3.xml><?xml version="1.0" encoding="utf-8"?>
+<p:sld xmlns:a="http://schemas.openxmlformats.org/drawingml/2006/main" xmlns:r="http://schemas.openxmlformats.org/officeDocument/2006/relationships" xmlns:p="http://schemas.openxmlformats.org/presentationml/2006/main">
+  <p:cSld>
+    <p:bg>
+      <p:bgPr>
+        <a:solidFill>
+          <a:schemeClr val="bg1"/>
+        </a:solidFill>
+        <a:effectLst/>
+      </p:bgPr>
+    </p:bg>
+    <p:spTree>
+      <p:nvGrpSpPr>
+        <p:cNvPr id="1" name="">
+          <a:extLst>
+            <a:ext uri="{FF2B5EF4-FFF2-40B4-BE49-F238E27FC236}">
+              <a16:creationId xmlns:a16="http://schemas.microsoft.com/office/drawing/2014/main" id="{18A64E89-11ED-731E-6259-5BEFEC157295}"/>
+            </a:ext>
+          </a:extLst>
+        </p:cNvPr>
+        <p:cNvGrpSpPr/>
+        <p:nvPr/>
+      </p:nvGrpSpPr>
+      <p:grpSpPr>
+        <a:xfrm>
+          <a:off x="0" y="0"/>
+          <a:ext cx="0" cy="0"/>
+          <a:chOff x="0" y="0"/>
+          <a:chExt cx="0" cy="0"/>
+        </a:xfrm>
+      </p:grpSpPr>
+      <p:sp useBgFill="1">
+        <p:nvSpPr>
+          <p:cNvPr id="14" name="Rectangle 13">
+            <a:extLst>
+              <a:ext uri="{FF2B5EF4-FFF2-40B4-BE49-F238E27FC236}">
+                <a16:creationId xmlns:a16="http://schemas.microsoft.com/office/drawing/2014/main" id="{A1FEAC32-76E9-B943-FC69-BC2912ED8681}"/>
+              </a:ext>
+              <a:ext uri="{C183D7F6-B498-43B3-948B-1728B52AA6E4}">
+                <adec:decorative xmlns:adec="http://schemas.microsoft.com/office/drawing/2017/decorative" val="1"/>
+              </a:ext>
+            </a:extLst>
+          </p:cNvPr>
+          <p:cNvSpPr>
+            <a:spLocks noGrp="1" noRot="1" noChangeAspect="1" noMove="1" noResize="1" noEditPoints="1" noAdjustHandles="1" noChangeArrowheads="1" noChangeShapeType="1" noTextEdit="1"/>
+          </p:cNvSpPr>
+          <p:nvPr>
+            <p:extLst>
+              <p:ext uri="{386F3935-93C4-4BCD-93E2-E3B085C9AB24}">
+                <p16:designElem xmlns:p16="http://schemas.microsoft.com/office/powerpoint/2015/main" val="1"/>
+              </p:ext>
+            </p:extLst>
+          </p:nvPr>
+        </p:nvSpPr>
+        <p:spPr>
+          <a:xfrm>
+            <a:off x="0" y="0"/>
+            <a:ext cx="12188952" cy="6857995"/>
+          </a:xfrm>
+          <a:prstGeom prst="rect">
+            <a:avLst/>
+          </a:prstGeom>
+          <a:ln>
+            <a:noFill/>
+          </a:ln>
+        </p:spPr>
+        <p:style>
+          <a:lnRef idx="2">
+            <a:schemeClr val="accent1">
+              <a:shade val="50000"/>
+            </a:schemeClr>
+          </a:lnRef>
+          <a:fillRef idx="1">
+            <a:schemeClr val="accent1"/>
+          </a:fillRef>
+          <a:effectRef idx="0">
+            <a:schemeClr val="accent1"/>
+          </a:effectRef>
+          <a:fontRef idx="minor">
+            <a:schemeClr val="lt1"/>
+          </a:fontRef>
+        </p:style>
+        <p:txBody>
+          <a:bodyPr rtlCol="0" anchor="ctr"/>
+          <a:lstStyle/>
+          <a:p>
+            <a:pPr marL="0" marR="0" lvl="0" indent="0" algn="ctr" defTabSz="914400" rtl="0" eaLnBrk="1" fontAlgn="auto" latinLnBrk="0" hangingPunct="1">
+              <a:lnSpc>
+                <a:spcPct val="100000"/>
+              </a:lnSpc>
+              <a:spcBef>
+                <a:spcPts val="0"/>
+              </a:spcBef>
+              <a:spcAft>
+                <a:spcPts val="0"/>
+              </a:spcAft>
+              <a:buClrTx/>
+              <a:buSzTx/>
+              <a:buFontTx/>
+              <a:buNone/>
+              <a:tabLst/>
+              <a:defRPr/>
+            </a:pPr>
+            <a:endParaRPr kumimoji="0" lang="en-US" sz="1800" b="0" i="0" u="none" strike="noStrike" kern="1200" cap="none" spc="0" normalizeH="0" baseline="0" noProof="0">
+              <a:ln>
+                <a:noFill/>
+              </a:ln>
+              <a:solidFill>
+                <a:prstClr val="white"/>
+              </a:solidFill>
+              <a:effectLst/>
+              <a:uLnTx/>
+              <a:uFillTx/>
+              <a:latin typeface="Bierstadt"/>
+              <a:ea typeface="+mn-ea"/>
+              <a:cs typeface="+mn-cs"/>
+            </a:endParaRPr>
+          </a:p>
+        </p:txBody>
+      </p:sp>
+      <p:sp>
+        <p:nvSpPr>
+          <p:cNvPr id="2" name="Titel 1">
+            <a:extLst>
+              <a:ext uri="{FF2B5EF4-FFF2-40B4-BE49-F238E27FC236}">
+                <a16:creationId xmlns:a16="http://schemas.microsoft.com/office/drawing/2014/main" id="{BFA4758D-4C19-C241-12B3-136B90EC8F24}"/>
+              </a:ext>
+            </a:extLst>
+          </p:cNvPr>
+          <p:cNvSpPr>
+            <a:spLocks noGrp="1"/>
+          </p:cNvSpPr>
+          <p:nvPr>
+            <p:ph type="title"/>
+          </p:nvPr>
+        </p:nvSpPr>
+        <p:spPr>
+          <a:xfrm>
+            <a:off x="213826" y="0"/>
+            <a:ext cx="6194304" cy="708660"/>
+          </a:xfrm>
+        </p:spPr>
+        <p:txBody>
+          <a:bodyPr anchor="ctr">
+            <a:normAutofit/>
+          </a:bodyPr>
+          <a:lstStyle/>
+          <a:p>
+            <a:r>
+              <a:rPr lang="en-US" sz="2400" dirty="0" err="1"/>
+              <a:t>Übersicht</a:t>
+            </a:r>
+            <a:endParaRPr lang="en-DE" sz="2400" dirty="0"/>
+          </a:p>
+        </p:txBody>
+      </p:sp>
+      <p:sp>
+        <p:nvSpPr>
+          <p:cNvPr id="3" name="Inhaltsplatzhalter 2">
+            <a:extLst>
+              <a:ext uri="{FF2B5EF4-FFF2-40B4-BE49-F238E27FC236}">
+                <a16:creationId xmlns:a16="http://schemas.microsoft.com/office/drawing/2014/main" id="{A4339793-95E3-85D6-E0AC-D3C9C5DB7BF8}"/>
+              </a:ext>
+            </a:extLst>
+          </p:cNvPr>
+          <p:cNvSpPr>
+            <a:spLocks noGrp="1"/>
+          </p:cNvSpPr>
+          <p:nvPr>
+            <p:ph idx="1"/>
+          </p:nvPr>
+        </p:nvSpPr>
+        <p:spPr>
+          <a:xfrm>
+            <a:off x="640078" y="1756644"/>
+            <a:ext cx="10890929" cy="4463185"/>
+          </a:xfrm>
+        </p:spPr>
+        <p:txBody>
+          <a:bodyPr>
+            <a:normAutofit/>
+          </a:bodyPr>
+          <a:lstStyle/>
+          <a:p>
+            <a:r>
+              <a:rPr lang="de-DE" b="1" dirty="0"/>
+              <a:t>Projekt von:</a:t>
+            </a:r>
+            <a:r>
+              <a:rPr lang="de-DE" dirty="0"/>
+              <a:t> Mark Albers – Umschüler zum Fachinformatiker Anwendungsentwicklung</a:t>
+            </a:r>
+          </a:p>
+          <a:p>
+            <a:r>
+              <a:rPr lang="de-DE" b="1" dirty="0"/>
+              <a:t>Im Auftrag von:</a:t>
+            </a:r>
+            <a:r>
+              <a:rPr lang="de-DE" dirty="0"/>
+              <a:t> </a:t>
+            </a:r>
+            <a:r>
+              <a:rPr lang="de-DE" dirty="0" err="1"/>
+              <a:t>Sirum</a:t>
+            </a:r>
+            <a:r>
+              <a:rPr lang="de-DE" dirty="0"/>
+              <a:t> GmbH</a:t>
+            </a:r>
+          </a:p>
+          <a:p>
+            <a:r>
+              <a:rPr lang="de-DE" b="1" dirty="0"/>
+              <a:t>Entwickelt im Rahmen der Abschlussprüfung (Sommer 2025)</a:t>
+            </a:r>
+            <a:endParaRPr lang="de-DE" dirty="0"/>
+          </a:p>
+          <a:p>
+            <a:r>
+              <a:rPr lang="de-DE" b="1" dirty="0"/>
+              <a:t>Modulthema:</a:t>
+            </a:r>
+            <a:r>
+              <a:rPr lang="de-DE" dirty="0"/>
+              <a:t> ZIP-komprimierter Dokumentenexport im </a:t>
+            </a:r>
+            <a:r>
+              <a:rPr lang="de-DE" dirty="0" err="1"/>
+              <a:t>Odoo</a:t>
+            </a:r>
+            <a:r>
+              <a:rPr lang="de-DE" dirty="0"/>
+              <a:t>-DMS</a:t>
+            </a:r>
+          </a:p>
+        </p:txBody>
+      </p:sp>
+      <p:sp>
+        <p:nvSpPr>
+          <p:cNvPr id="9" name="Datumsplatzhalter 8">
+            <a:extLst>
+              <a:ext uri="{FF2B5EF4-FFF2-40B4-BE49-F238E27FC236}">
+                <a16:creationId xmlns:a16="http://schemas.microsoft.com/office/drawing/2014/main" id="{A50C36AC-A48B-961E-9622-3AEEB2ECDAD6}"/>
+              </a:ext>
+            </a:extLst>
+          </p:cNvPr>
+          <p:cNvSpPr>
+            <a:spLocks noGrp="1"/>
+          </p:cNvSpPr>
+          <p:nvPr>
+            <p:ph type="dt" sz="half" idx="10"/>
+          </p:nvPr>
+        </p:nvSpPr>
+        <p:spPr>
+          <a:xfrm>
+            <a:off x="640080" y="6356350"/>
+            <a:ext cx="2743200" cy="365125"/>
+          </a:xfrm>
+        </p:spPr>
+        <p:txBody>
+          <a:bodyPr>
+            <a:normAutofit/>
+          </a:bodyPr>
+          <a:lstStyle/>
+          <a:p>
+            <a:pPr>
+              <a:spcAft>
+                <a:spcPts val="600"/>
+              </a:spcAft>
+            </a:pPr>
+            <a:r>
+              <a:rPr lang="en-US" dirty="0">
+                <a:solidFill>
+                  <a:schemeClr val="bg1">
+                    <a:lumMod val="50000"/>
+                  </a:schemeClr>
+                </a:solidFill>
+              </a:rPr>
+              <a:t>Mark Albers</a:t>
+            </a:r>
+          </a:p>
+        </p:txBody>
+      </p:sp>
+      <p:sp>
+        <p:nvSpPr>
+          <p:cNvPr id="7" name="Fußzeilenplatzhalter 6">
+            <a:extLst>
+              <a:ext uri="{FF2B5EF4-FFF2-40B4-BE49-F238E27FC236}">
+                <a16:creationId xmlns:a16="http://schemas.microsoft.com/office/drawing/2014/main" id="{CDB8EA2D-FDF5-6491-19E0-920FC0F635BF}"/>
+              </a:ext>
+            </a:extLst>
+          </p:cNvPr>
+          <p:cNvSpPr>
+            <a:spLocks noGrp="1"/>
+          </p:cNvSpPr>
+          <p:nvPr>
+            <p:ph type="ftr" sz="quarter" idx="11"/>
+          </p:nvPr>
+        </p:nvSpPr>
+        <p:spPr>
+          <a:xfrm>
+            <a:off x="4074289" y="6357620"/>
+            <a:ext cx="4040373" cy="365125"/>
+          </a:xfrm>
+        </p:spPr>
+        <p:txBody>
+          <a:bodyPr>
+            <a:normAutofit/>
+          </a:bodyPr>
+          <a:lstStyle/>
+          <a:p>
+            <a:pPr algn="ctr">
+              <a:spcAft>
+                <a:spcPts val="600"/>
+              </a:spcAft>
+            </a:pPr>
+            <a:r>
+              <a:rPr lang="en-US" dirty="0">
+                <a:solidFill>
+                  <a:schemeClr val="bg1">
+                    <a:lumMod val="50000"/>
+                  </a:schemeClr>
+                </a:solidFill>
+              </a:rPr>
+              <a:t>2025 </a:t>
+            </a:r>
+            <a:r>
+              <a:rPr lang="en-US" dirty="0" err="1">
+                <a:solidFill>
+                  <a:schemeClr val="bg1">
+                    <a:lumMod val="50000"/>
+                  </a:schemeClr>
+                </a:solidFill>
+              </a:rPr>
+              <a:t>Sirum</a:t>
+            </a:r>
+            <a:r>
+              <a:rPr lang="en-US" dirty="0">
+                <a:solidFill>
+                  <a:schemeClr val="bg1">
+                    <a:lumMod val="50000"/>
+                  </a:schemeClr>
+                </a:solidFill>
+              </a:rPr>
+              <a:t> GmbH</a:t>
+            </a:r>
+          </a:p>
+        </p:txBody>
+      </p:sp>
+      <p:sp>
+        <p:nvSpPr>
+          <p:cNvPr id="8" name="Foliennummernplatzhalter 7">
+            <a:extLst>
+              <a:ext uri="{FF2B5EF4-FFF2-40B4-BE49-F238E27FC236}">
+                <a16:creationId xmlns:a16="http://schemas.microsoft.com/office/drawing/2014/main" id="{C1297A98-043A-F2B7-11C5-0969C01B5428}"/>
+              </a:ext>
+            </a:extLst>
+          </p:cNvPr>
+          <p:cNvSpPr>
+            <a:spLocks noGrp="1"/>
+          </p:cNvSpPr>
+          <p:nvPr>
+            <p:ph type="sldNum" sz="quarter" idx="12"/>
+          </p:nvPr>
+        </p:nvSpPr>
+        <p:spPr>
+          <a:xfrm>
+            <a:off x="10807995" y="6356350"/>
+            <a:ext cx="723014" cy="365125"/>
+          </a:xfrm>
+        </p:spPr>
+        <p:txBody>
+          <a:bodyPr>
+            <a:normAutofit/>
+          </a:bodyPr>
+          <a:lstStyle/>
+          <a:p>
+            <a:pPr>
+              <a:spcAft>
+                <a:spcPts val="600"/>
+              </a:spcAft>
+            </a:pPr>
+            <a:fld id="{70C12960-6E85-460F-B6E3-5B82CB31AF3D}" type="slidenum">
+              <a:rPr lang="en-US" smtClean="0">
+                <a:solidFill>
+                  <a:schemeClr val="bg1">
+                    <a:lumMod val="50000"/>
+                  </a:schemeClr>
+                </a:solidFill>
+              </a:rPr>
+              <a:pPr>
+                <a:spcAft>
+                  <a:spcPts val="600"/>
+                </a:spcAft>
+              </a:pPr>
+              <a:t>3</a:t>
+            </a:fld>
+            <a:endParaRPr lang="en-US" dirty="0">
+              <a:solidFill>
+                <a:schemeClr val="bg1">
+                  <a:lumMod val="50000"/>
+                </a:schemeClr>
+              </a:solidFill>
+            </a:endParaRPr>
+          </a:p>
+        </p:txBody>
+      </p:sp>
+      <p:cxnSp>
+        <p:nvCxnSpPr>
+          <p:cNvPr id="11" name="Gerader Verbinder 10">
+            <a:extLst>
+              <a:ext uri="{FF2B5EF4-FFF2-40B4-BE49-F238E27FC236}">
+                <a16:creationId xmlns:a16="http://schemas.microsoft.com/office/drawing/2014/main" id="{2EE6F1F3-4F91-0A7F-21BA-5EB5576C2D21}"/>
+              </a:ext>
+            </a:extLst>
+          </p:cNvPr>
+          <p:cNvCxnSpPr>
+            <a:cxnSpLocks/>
+          </p:cNvCxnSpPr>
+          <p:nvPr/>
+        </p:nvCxnSpPr>
+        <p:spPr>
+          <a:xfrm flipH="1">
+            <a:off x="-167640" y="708660"/>
+            <a:ext cx="12489180" cy="0"/>
+          </a:xfrm>
+          <a:prstGeom prst="line">
+            <a:avLst/>
+          </a:prstGeom>
+        </p:spPr>
+        <p:style>
+          <a:lnRef idx="2">
+            <a:schemeClr val="dk1"/>
+          </a:lnRef>
+          <a:fillRef idx="0">
+            <a:schemeClr val="dk1"/>
+          </a:fillRef>
+          <a:effectRef idx="1">
+            <a:schemeClr val="dk1"/>
+          </a:effectRef>
+          <a:fontRef idx="minor">
+            <a:schemeClr val="tx1"/>
+          </a:fontRef>
+        </p:style>
+      </p:cxnSp>
+      <p:pic>
+        <p:nvPicPr>
+          <p:cNvPr id="15" name="Grafik 14" descr="Ein Bild, das Farbigkeit, Grafiken, Design enthält.">
+            <a:extLst>
+              <a:ext uri="{FF2B5EF4-FFF2-40B4-BE49-F238E27FC236}">
+                <a16:creationId xmlns:a16="http://schemas.microsoft.com/office/drawing/2014/main" id="{08CFEA47-845F-939F-126E-BCF502085E9B}"/>
+              </a:ext>
+            </a:extLst>
+          </p:cNvPr>
+          <p:cNvPicPr>
+            <a:picLocks noChangeAspect="1"/>
+          </p:cNvPicPr>
+          <p:nvPr/>
+        </p:nvPicPr>
+        <p:blipFill>
+          <a:blip r:embed="rId2">
+            <a:extLst>
+              <a:ext uri="{28A0092B-C50C-407E-A947-70E740481C1C}">
+                <a14:useLocalDpi xmlns:a14="http://schemas.microsoft.com/office/drawing/2010/main" val="0"/>
+              </a:ext>
+            </a:extLst>
+          </a:blip>
+          <a:stretch>
+            <a:fillRect/>
+          </a:stretch>
+        </p:blipFill>
+        <p:spPr>
+          <a:xfrm>
+            <a:off x="10360829" y="37116"/>
+            <a:ext cx="1617345" cy="634428"/>
+          </a:xfrm>
+          <a:prstGeom prst="rect">
+            <a:avLst/>
+          </a:prstGeom>
+        </p:spPr>
+      </p:pic>
+      <p:sp>
+        <p:nvSpPr>
+          <p:cNvPr id="16" name="Textfeld 15">
+            <a:extLst>
+              <a:ext uri="{FF2B5EF4-FFF2-40B4-BE49-F238E27FC236}">
+                <a16:creationId xmlns:a16="http://schemas.microsoft.com/office/drawing/2014/main" id="{6DD8550E-94E9-BA2F-3530-92F0F1779CBA}"/>
+              </a:ext>
+            </a:extLst>
+          </p:cNvPr>
+          <p:cNvSpPr txBox="1"/>
+          <p:nvPr/>
+        </p:nvSpPr>
+        <p:spPr>
+          <a:xfrm>
+            <a:off x="640079" y="1047987"/>
+            <a:ext cx="10890930" cy="523220"/>
+          </a:xfrm>
+          <a:prstGeom prst="rect">
+            <a:avLst/>
+          </a:prstGeom>
+          <a:noFill/>
+        </p:spPr>
+        <p:txBody>
+          <a:bodyPr wrap="square" rtlCol="0">
+            <a:spAutoFit/>
+          </a:bodyPr>
+          <a:lstStyle/>
+          <a:p>
+            <a:r>
+              <a:rPr lang="en-US" sz="2800" dirty="0" err="1"/>
+              <a:t>Kurzvorstellung</a:t>
+            </a:r>
+            <a:endParaRPr lang="en-DE" sz="2800" dirty="0"/>
+          </a:p>
+        </p:txBody>
+      </p:sp>
+    </p:spTree>
+    <p:extLst>
+      <p:ext uri="{BB962C8B-B14F-4D97-AF65-F5344CB8AC3E}">
+        <p14:creationId xmlns:p14="http://schemas.microsoft.com/office/powerpoint/2010/main" val="3540422875"/>
+      </p:ext>
+    </p:extLst>
+  </p:cSld>
+  <p:clrMapOvr>
+    <a:masterClrMapping/>
+  </p:clrMapOvr>
+</p:sld>
+</file>
+
+<file path=ppt/slides/slide4.xml><?xml version="1.0" encoding="utf-8"?>
+<p:sld xmlns:a="http://schemas.openxmlformats.org/drawingml/2006/main" xmlns:r="http://schemas.openxmlformats.org/officeDocument/2006/relationships" xmlns:p="http://schemas.openxmlformats.org/presentationml/2006/main">
+  <p:cSld>
+    <p:bg>
+      <p:bgPr>
+        <a:solidFill>
+          <a:schemeClr val="bg1"/>
+        </a:solidFill>
+        <a:effectLst/>
+      </p:bgPr>
+    </p:bg>
+    <p:spTree>
+      <p:nvGrpSpPr>
+        <p:cNvPr id="1" name="">
+          <a:extLst>
+            <a:ext uri="{FF2B5EF4-FFF2-40B4-BE49-F238E27FC236}">
+              <a16:creationId xmlns:a16="http://schemas.microsoft.com/office/drawing/2014/main" id="{0BEB1A51-AB12-A0CF-2DEC-AEDA54B44DFF}"/>
+            </a:ext>
+          </a:extLst>
+        </p:cNvPr>
+        <p:cNvGrpSpPr/>
+        <p:nvPr/>
+      </p:nvGrpSpPr>
+      <p:grpSpPr>
+        <a:xfrm>
+          <a:off x="0" y="0"/>
+          <a:ext cx="0" cy="0"/>
+          <a:chOff x="0" y="0"/>
+          <a:chExt cx="0" cy="0"/>
+        </a:xfrm>
+      </p:grpSpPr>
+      <p:sp useBgFill="1">
+        <p:nvSpPr>
+          <p:cNvPr id="14" name="Rectangle 13">
+            <a:extLst>
+              <a:ext uri="{FF2B5EF4-FFF2-40B4-BE49-F238E27FC236}">
+                <a16:creationId xmlns:a16="http://schemas.microsoft.com/office/drawing/2014/main" id="{7BECAE3E-30F7-E788-EB56-28113BC3D18C}"/>
+              </a:ext>
+              <a:ext uri="{C183D7F6-B498-43B3-948B-1728B52AA6E4}">
+                <adec:decorative xmlns:adec="http://schemas.microsoft.com/office/drawing/2017/decorative" val="1"/>
+              </a:ext>
+            </a:extLst>
+          </p:cNvPr>
+          <p:cNvSpPr>
+            <a:spLocks noGrp="1" noRot="1" noChangeAspect="1" noMove="1" noResize="1" noEditPoints="1" noAdjustHandles="1" noChangeArrowheads="1" noChangeShapeType="1" noTextEdit="1"/>
+          </p:cNvSpPr>
+          <p:nvPr>
+            <p:extLst>
+              <p:ext uri="{386F3935-93C4-4BCD-93E2-E3B085C9AB24}">
+                <p16:designElem xmlns:p16="http://schemas.microsoft.com/office/powerpoint/2015/main" val="1"/>
+              </p:ext>
+            </p:extLst>
+          </p:nvPr>
+        </p:nvSpPr>
+        <p:spPr>
+          <a:xfrm>
+            <a:off x="0" y="0"/>
+            <a:ext cx="12188952" cy="6857995"/>
+          </a:xfrm>
+          <a:prstGeom prst="rect">
+            <a:avLst/>
+          </a:prstGeom>
+          <a:ln>
+            <a:noFill/>
+          </a:ln>
+        </p:spPr>
+        <p:style>
+          <a:lnRef idx="2">
+            <a:schemeClr val="accent1">
+              <a:shade val="50000"/>
+            </a:schemeClr>
+          </a:lnRef>
+          <a:fillRef idx="1">
+            <a:schemeClr val="accent1"/>
+          </a:fillRef>
+          <a:effectRef idx="0">
+            <a:schemeClr val="accent1"/>
+          </a:effectRef>
+          <a:fontRef idx="minor">
+            <a:schemeClr val="lt1"/>
+          </a:fontRef>
+        </p:style>
+        <p:txBody>
+          <a:bodyPr rtlCol="0" anchor="ctr"/>
+          <a:lstStyle/>
+          <a:p>
+            <a:pPr marL="0" marR="0" lvl="0" indent="0" algn="ctr" defTabSz="914400" rtl="0" eaLnBrk="1" fontAlgn="auto" latinLnBrk="0" hangingPunct="1">
+              <a:lnSpc>
+                <a:spcPct val="100000"/>
+              </a:lnSpc>
+              <a:spcBef>
+                <a:spcPts val="0"/>
+              </a:spcBef>
+              <a:spcAft>
+                <a:spcPts val="0"/>
+              </a:spcAft>
+              <a:buClrTx/>
+              <a:buSzTx/>
+              <a:buFontTx/>
+              <a:buNone/>
+              <a:tabLst/>
+              <a:defRPr/>
+            </a:pPr>
+            <a:endParaRPr kumimoji="0" lang="en-US" sz="1800" b="0" i="0" u="none" strike="noStrike" kern="1200" cap="none" spc="0" normalizeH="0" baseline="0" noProof="0">
+              <a:ln>
+                <a:noFill/>
+              </a:ln>
+              <a:solidFill>
+                <a:prstClr val="white"/>
+              </a:solidFill>
+              <a:effectLst/>
+              <a:uLnTx/>
+              <a:uFillTx/>
+              <a:latin typeface="Bierstadt"/>
+              <a:ea typeface="+mn-ea"/>
+              <a:cs typeface="+mn-cs"/>
+            </a:endParaRPr>
+          </a:p>
+        </p:txBody>
+      </p:sp>
+      <p:sp>
+        <p:nvSpPr>
+          <p:cNvPr id="2" name="Titel 1">
+            <a:extLst>
+              <a:ext uri="{FF2B5EF4-FFF2-40B4-BE49-F238E27FC236}">
+                <a16:creationId xmlns:a16="http://schemas.microsoft.com/office/drawing/2014/main" id="{30B4409F-4F94-EA16-6187-27B581A35A9F}"/>
+              </a:ext>
+            </a:extLst>
+          </p:cNvPr>
+          <p:cNvSpPr>
+            <a:spLocks noGrp="1"/>
+          </p:cNvSpPr>
+          <p:nvPr>
+            <p:ph type="title"/>
+          </p:nvPr>
+        </p:nvSpPr>
+        <p:spPr>
+          <a:xfrm>
+            <a:off x="213826" y="0"/>
+            <a:ext cx="6194304" cy="708660"/>
+          </a:xfrm>
+        </p:spPr>
+        <p:txBody>
+          <a:bodyPr anchor="ctr">
+            <a:normAutofit/>
+          </a:bodyPr>
+          <a:lstStyle/>
+          <a:p>
+            <a:r>
+              <a:rPr lang="en-US" sz="2400" dirty="0" err="1"/>
+              <a:t>Übersicht</a:t>
+            </a:r>
+            <a:endParaRPr lang="en-DE" sz="2400" dirty="0"/>
+          </a:p>
+        </p:txBody>
+      </p:sp>
+      <p:sp>
+        <p:nvSpPr>
+          <p:cNvPr id="3" name="Inhaltsplatzhalter 2">
+            <a:extLst>
+              <a:ext uri="{FF2B5EF4-FFF2-40B4-BE49-F238E27FC236}">
+                <a16:creationId xmlns:a16="http://schemas.microsoft.com/office/drawing/2014/main" id="{074A5706-3340-DD9B-3282-93AFD4A451B6}"/>
+              </a:ext>
+            </a:extLst>
+          </p:cNvPr>
+          <p:cNvSpPr>
+            <a:spLocks noGrp="1"/>
+          </p:cNvSpPr>
+          <p:nvPr>
+            <p:ph idx="1"/>
+          </p:nvPr>
+        </p:nvSpPr>
+        <p:spPr>
+          <a:xfrm>
+            <a:off x="640078" y="1756644"/>
+            <a:ext cx="10890929" cy="4463185"/>
+          </a:xfrm>
+        </p:spPr>
+        <p:txBody>
+          <a:bodyPr>
+            <a:normAutofit/>
+          </a:bodyPr>
+          <a:lstStyle/>
+          <a:p>
+            <a:r>
+              <a:rPr lang="en-US" dirty="0"/>
+              <a:t>Problem: Kein Massen-Download von </a:t>
+            </a:r>
+            <a:r>
+              <a:rPr lang="en-US" dirty="0" err="1"/>
+              <a:t>Dokumenten</a:t>
+            </a:r>
+            <a:r>
+              <a:rPr lang="en-US" dirty="0"/>
+              <a:t>, </a:t>
+            </a:r>
+            <a:r>
+              <a:rPr lang="en-US" dirty="0" err="1"/>
+              <a:t>hoher</a:t>
+            </a:r>
+            <a:r>
+              <a:rPr lang="en-US" dirty="0"/>
+              <a:t> </a:t>
+            </a:r>
+            <a:r>
+              <a:rPr lang="en-US" dirty="0" err="1"/>
+              <a:t>manueller</a:t>
+            </a:r>
+            <a:r>
+              <a:rPr lang="en-US" dirty="0"/>
+              <a:t> </a:t>
+            </a:r>
+            <a:r>
+              <a:rPr lang="en-US" dirty="0" err="1"/>
+              <a:t>Aufwand</a:t>
+            </a:r>
+            <a:endParaRPr lang="en-US" dirty="0"/>
+          </a:p>
+          <a:p>
+            <a:r>
+              <a:rPr lang="en-US" dirty="0"/>
+              <a:t>Ziel: </a:t>
+            </a:r>
+            <a:r>
+              <a:rPr lang="en-US" dirty="0" err="1"/>
+              <a:t>Einfache</a:t>
+            </a:r>
+            <a:r>
+              <a:rPr lang="en-US" dirty="0"/>
+              <a:t> </a:t>
+            </a:r>
+            <a:r>
+              <a:rPr lang="en-US" dirty="0" err="1"/>
+              <a:t>Filterung</a:t>
+            </a:r>
+            <a:r>
+              <a:rPr lang="en-US" dirty="0"/>
+              <a:t> + ZIP-Download direct </a:t>
+            </a:r>
+            <a:r>
+              <a:rPr lang="en-US" dirty="0" err="1"/>
+              <a:t>im</a:t>
+            </a:r>
+            <a:r>
+              <a:rPr lang="en-US" dirty="0"/>
+              <a:t> Odoo-DMS</a:t>
+            </a:r>
+            <a:endParaRPr lang="en-DE" dirty="0"/>
+          </a:p>
+        </p:txBody>
+      </p:sp>
+      <p:sp>
+        <p:nvSpPr>
+          <p:cNvPr id="9" name="Datumsplatzhalter 8">
+            <a:extLst>
+              <a:ext uri="{FF2B5EF4-FFF2-40B4-BE49-F238E27FC236}">
+                <a16:creationId xmlns:a16="http://schemas.microsoft.com/office/drawing/2014/main" id="{75B2EE00-2A82-1053-0DC4-292E0E70781C}"/>
+              </a:ext>
+            </a:extLst>
+          </p:cNvPr>
+          <p:cNvSpPr>
+            <a:spLocks noGrp="1"/>
+          </p:cNvSpPr>
+          <p:nvPr>
+            <p:ph type="dt" sz="half" idx="10"/>
+          </p:nvPr>
+        </p:nvSpPr>
+        <p:spPr>
+          <a:xfrm>
+            <a:off x="640080" y="6356350"/>
+            <a:ext cx="2743200" cy="365125"/>
+          </a:xfrm>
+        </p:spPr>
+        <p:txBody>
+          <a:bodyPr>
+            <a:normAutofit/>
+          </a:bodyPr>
+          <a:lstStyle/>
+          <a:p>
+            <a:pPr>
+              <a:spcAft>
+                <a:spcPts val="600"/>
+              </a:spcAft>
+            </a:pPr>
+            <a:r>
+              <a:rPr lang="en-US" dirty="0">
+                <a:solidFill>
+                  <a:schemeClr val="bg1">
+                    <a:lumMod val="50000"/>
+                  </a:schemeClr>
+                </a:solidFill>
+              </a:rPr>
+              <a:t>Mark Albers</a:t>
+            </a:r>
+          </a:p>
+        </p:txBody>
+      </p:sp>
+      <p:sp>
+        <p:nvSpPr>
+          <p:cNvPr id="7" name="Fußzeilenplatzhalter 6">
+            <a:extLst>
+              <a:ext uri="{FF2B5EF4-FFF2-40B4-BE49-F238E27FC236}">
+                <a16:creationId xmlns:a16="http://schemas.microsoft.com/office/drawing/2014/main" id="{DA70EC55-6E8E-CED9-CC3F-B808B66BB784}"/>
+              </a:ext>
+            </a:extLst>
+          </p:cNvPr>
+          <p:cNvSpPr>
+            <a:spLocks noGrp="1"/>
+          </p:cNvSpPr>
+          <p:nvPr>
+            <p:ph type="ftr" sz="quarter" idx="11"/>
+          </p:nvPr>
+        </p:nvSpPr>
+        <p:spPr>
+          <a:xfrm>
+            <a:off x="4074289" y="6357620"/>
+            <a:ext cx="4040373" cy="365125"/>
+          </a:xfrm>
+        </p:spPr>
+        <p:txBody>
+          <a:bodyPr>
+            <a:normAutofit/>
+          </a:bodyPr>
+          <a:lstStyle/>
+          <a:p>
+            <a:pPr algn="ctr">
+              <a:spcAft>
+                <a:spcPts val="600"/>
+              </a:spcAft>
+            </a:pPr>
+            <a:r>
+              <a:rPr lang="en-US" dirty="0">
+                <a:solidFill>
+                  <a:schemeClr val="bg1">
+                    <a:lumMod val="50000"/>
+                  </a:schemeClr>
+                </a:solidFill>
+              </a:rPr>
+              <a:t>2025 </a:t>
+            </a:r>
+            <a:r>
+              <a:rPr lang="en-US" dirty="0" err="1">
+                <a:solidFill>
+                  <a:schemeClr val="bg1">
+                    <a:lumMod val="50000"/>
+                  </a:schemeClr>
+                </a:solidFill>
+              </a:rPr>
+              <a:t>Sirum</a:t>
+            </a:r>
+            <a:r>
+              <a:rPr lang="en-US" dirty="0">
+                <a:solidFill>
+                  <a:schemeClr val="bg1">
+                    <a:lumMod val="50000"/>
+                  </a:schemeClr>
+                </a:solidFill>
+              </a:rPr>
+              <a:t> GmbH</a:t>
+            </a:r>
+          </a:p>
+        </p:txBody>
+      </p:sp>
+      <p:sp>
+        <p:nvSpPr>
+          <p:cNvPr id="8" name="Foliennummernplatzhalter 7">
+            <a:extLst>
+              <a:ext uri="{FF2B5EF4-FFF2-40B4-BE49-F238E27FC236}">
+                <a16:creationId xmlns:a16="http://schemas.microsoft.com/office/drawing/2014/main" id="{E32A3A36-5EF0-213C-DCE5-BA43BD756994}"/>
+              </a:ext>
+            </a:extLst>
+          </p:cNvPr>
+          <p:cNvSpPr>
+            <a:spLocks noGrp="1"/>
+          </p:cNvSpPr>
+          <p:nvPr>
+            <p:ph type="sldNum" sz="quarter" idx="12"/>
+          </p:nvPr>
+        </p:nvSpPr>
+        <p:spPr>
+          <a:xfrm>
+            <a:off x="10807995" y="6356350"/>
+            <a:ext cx="723014" cy="365125"/>
+          </a:xfrm>
+        </p:spPr>
+        <p:txBody>
+          <a:bodyPr>
+            <a:normAutofit/>
+          </a:bodyPr>
+          <a:lstStyle/>
+          <a:p>
+            <a:pPr>
+              <a:spcAft>
+                <a:spcPts val="600"/>
+              </a:spcAft>
+            </a:pPr>
+            <a:fld id="{70C12960-6E85-460F-B6E3-5B82CB31AF3D}" type="slidenum">
+              <a:rPr lang="en-US" smtClean="0">
+                <a:solidFill>
+                  <a:schemeClr val="bg1">
+                    <a:lumMod val="50000"/>
+                  </a:schemeClr>
+                </a:solidFill>
+              </a:rPr>
+              <a:pPr>
+                <a:spcAft>
+                  <a:spcPts val="600"/>
+                </a:spcAft>
+              </a:pPr>
+              <a:t>4</a:t>
+            </a:fld>
+            <a:endParaRPr lang="en-US" dirty="0">
+              <a:solidFill>
+                <a:schemeClr val="bg1">
+                  <a:lumMod val="50000"/>
+                </a:schemeClr>
+              </a:solidFill>
+            </a:endParaRPr>
+          </a:p>
+        </p:txBody>
+      </p:sp>
+      <p:cxnSp>
+        <p:nvCxnSpPr>
+          <p:cNvPr id="11" name="Gerader Verbinder 10">
+            <a:extLst>
+              <a:ext uri="{FF2B5EF4-FFF2-40B4-BE49-F238E27FC236}">
+                <a16:creationId xmlns:a16="http://schemas.microsoft.com/office/drawing/2014/main" id="{B0C4DE1A-C763-9C5D-52EA-49252CEC2358}"/>
+              </a:ext>
+            </a:extLst>
+          </p:cNvPr>
+          <p:cNvCxnSpPr>
+            <a:cxnSpLocks/>
+          </p:cNvCxnSpPr>
+          <p:nvPr/>
+        </p:nvCxnSpPr>
+        <p:spPr>
+          <a:xfrm flipH="1">
+            <a:off x="-167640" y="708660"/>
+            <a:ext cx="12489180" cy="0"/>
+          </a:xfrm>
+          <a:prstGeom prst="line">
+            <a:avLst/>
+          </a:prstGeom>
+        </p:spPr>
+        <p:style>
+          <a:lnRef idx="2">
+            <a:schemeClr val="dk1"/>
+          </a:lnRef>
+          <a:fillRef idx="0">
+            <a:schemeClr val="dk1"/>
+          </a:fillRef>
+          <a:effectRef idx="1">
+            <a:schemeClr val="dk1"/>
+          </a:effectRef>
+          <a:fontRef idx="minor">
+            <a:schemeClr val="tx1"/>
+          </a:fontRef>
+        </p:style>
+      </p:cxnSp>
+      <p:pic>
+        <p:nvPicPr>
+          <p:cNvPr id="15" name="Grafik 14" descr="Ein Bild, das Farbigkeit, Grafiken, Design enthält.">
+            <a:extLst>
+              <a:ext uri="{FF2B5EF4-FFF2-40B4-BE49-F238E27FC236}">
+                <a16:creationId xmlns:a16="http://schemas.microsoft.com/office/drawing/2014/main" id="{39888ED3-7231-53E1-F2A3-ABB342F9D0EE}"/>
+              </a:ext>
+            </a:extLst>
+          </p:cNvPr>
+          <p:cNvPicPr>
+            <a:picLocks noChangeAspect="1"/>
+          </p:cNvPicPr>
+          <p:nvPr/>
+        </p:nvPicPr>
+        <p:blipFill>
+          <a:blip r:embed="rId2">
+            <a:extLst>
+              <a:ext uri="{28A0092B-C50C-407E-A947-70E740481C1C}">
+                <a14:useLocalDpi xmlns:a14="http://schemas.microsoft.com/office/drawing/2010/main" val="0"/>
+              </a:ext>
+            </a:extLst>
+          </a:blip>
+          <a:stretch>
+            <a:fillRect/>
+          </a:stretch>
+        </p:blipFill>
+        <p:spPr>
+          <a:xfrm>
+            <a:off x="10360829" y="37116"/>
+            <a:ext cx="1617345" cy="634428"/>
+          </a:xfrm>
+          <a:prstGeom prst="rect">
+            <a:avLst/>
+          </a:prstGeom>
+        </p:spPr>
+      </p:pic>
+      <p:sp>
+        <p:nvSpPr>
+          <p:cNvPr id="16" name="Textfeld 15">
+            <a:extLst>
+              <a:ext uri="{FF2B5EF4-FFF2-40B4-BE49-F238E27FC236}">
+                <a16:creationId xmlns:a16="http://schemas.microsoft.com/office/drawing/2014/main" id="{5E06A5E2-038C-7F75-FF85-FC7AD232E071}"/>
+              </a:ext>
+            </a:extLst>
+          </p:cNvPr>
+          <p:cNvSpPr txBox="1"/>
+          <p:nvPr/>
+        </p:nvSpPr>
+        <p:spPr>
+          <a:xfrm>
+            <a:off x="640079" y="1047987"/>
+            <a:ext cx="10890930" cy="523220"/>
+          </a:xfrm>
+          <a:prstGeom prst="rect">
+            <a:avLst/>
+          </a:prstGeom>
+          <a:noFill/>
+        </p:spPr>
+        <p:txBody>
+          <a:bodyPr wrap="square" rtlCol="0">
+            <a:spAutoFit/>
+          </a:bodyPr>
+          <a:lstStyle/>
+          <a:p>
+            <a:r>
+              <a:rPr lang="en-US" sz="2800" dirty="0" err="1"/>
+              <a:t>Problemstellung</a:t>
+            </a:r>
+            <a:r>
+              <a:rPr lang="en-US" sz="2800" dirty="0"/>
+              <a:t> &amp; </a:t>
+            </a:r>
+            <a:r>
+              <a:rPr lang="en-US" sz="2800" dirty="0" err="1"/>
+              <a:t>Zielsetzung</a:t>
+            </a:r>
+            <a:endParaRPr lang="en-DE" sz="2800" dirty="0"/>
+          </a:p>
+        </p:txBody>
+      </p:sp>
+    </p:spTree>
+    <p:extLst>
+      <p:ext uri="{BB962C8B-B14F-4D97-AF65-F5344CB8AC3E}">
+        <p14:creationId xmlns:p14="http://schemas.microsoft.com/office/powerpoint/2010/main" val="3410489009"/>
+      </p:ext>
+    </p:extLst>
+  </p:cSld>
+  <p:clrMapOvr>
+    <a:masterClrMapping/>
+  </p:clrMapOvr>
+</p:sld>
+</file>
+
+<file path=ppt/slides/slide5.xml><?xml version="1.0" encoding="utf-8"?>
+<p:sld xmlns:a="http://schemas.openxmlformats.org/drawingml/2006/main" xmlns:r="http://schemas.openxmlformats.org/officeDocument/2006/relationships" xmlns:p="http://schemas.openxmlformats.org/presentationml/2006/main">
+  <p:cSld>
+    <p:bg>
+      <p:bgPr>
+        <a:solidFill>
+          <a:schemeClr val="bg1"/>
+        </a:solidFill>
+        <a:effectLst/>
+      </p:bgPr>
+    </p:bg>
+    <p:spTree>
+      <p:nvGrpSpPr>
+        <p:cNvPr id="1" name="">
+          <a:extLst>
+            <a:ext uri="{FF2B5EF4-FFF2-40B4-BE49-F238E27FC236}">
+              <a16:creationId xmlns:a16="http://schemas.microsoft.com/office/drawing/2014/main" id="{EDCAE7F6-B148-EA6C-2D10-774DD1E38F8C}"/>
+            </a:ext>
+          </a:extLst>
+        </p:cNvPr>
+        <p:cNvGrpSpPr/>
+        <p:nvPr/>
+      </p:nvGrpSpPr>
+      <p:grpSpPr>
+        <a:xfrm>
+          <a:off x="0" y="0"/>
+          <a:ext cx="0" cy="0"/>
+          <a:chOff x="0" y="0"/>
+          <a:chExt cx="0" cy="0"/>
+        </a:xfrm>
+      </p:grpSpPr>
+      <p:sp useBgFill="1">
+        <p:nvSpPr>
+          <p:cNvPr id="14" name="Rectangle 13">
+            <a:extLst>
+              <a:ext uri="{FF2B5EF4-FFF2-40B4-BE49-F238E27FC236}">
+                <a16:creationId xmlns:a16="http://schemas.microsoft.com/office/drawing/2014/main" id="{381690A8-87A6-A4CE-5B19-FB73CC5CC134}"/>
+              </a:ext>
+              <a:ext uri="{C183D7F6-B498-43B3-948B-1728B52AA6E4}">
+                <adec:decorative xmlns:adec="http://schemas.microsoft.com/office/drawing/2017/decorative" val="1"/>
+              </a:ext>
+            </a:extLst>
+          </p:cNvPr>
+          <p:cNvSpPr>
+            <a:spLocks noGrp="1" noRot="1" noChangeAspect="1" noMove="1" noResize="1" noEditPoints="1" noAdjustHandles="1" noChangeArrowheads="1" noChangeShapeType="1" noTextEdit="1"/>
+          </p:cNvSpPr>
+          <p:nvPr>
+            <p:extLst>
+              <p:ext uri="{386F3935-93C4-4BCD-93E2-E3B085C9AB24}">
+                <p16:designElem xmlns:p16="http://schemas.microsoft.com/office/powerpoint/2015/main" val="1"/>
+              </p:ext>
+            </p:extLst>
+          </p:nvPr>
+        </p:nvSpPr>
+        <p:spPr>
+          <a:xfrm>
+            <a:off x="0" y="0"/>
+            <a:ext cx="12188952" cy="6857995"/>
+          </a:xfrm>
+          <a:prstGeom prst="rect">
+            <a:avLst/>
+          </a:prstGeom>
+          <a:ln>
+            <a:noFill/>
+          </a:ln>
+        </p:spPr>
+        <p:style>
+          <a:lnRef idx="2">
+            <a:schemeClr val="accent1">
+              <a:shade val="50000"/>
+            </a:schemeClr>
+          </a:lnRef>
+          <a:fillRef idx="1">
+            <a:schemeClr val="accent1"/>
+          </a:fillRef>
+          <a:effectRef idx="0">
+            <a:schemeClr val="accent1"/>
+          </a:effectRef>
+          <a:fontRef idx="minor">
+            <a:schemeClr val="lt1"/>
+          </a:fontRef>
+        </p:style>
+        <p:txBody>
+          <a:bodyPr rtlCol="0" anchor="ctr"/>
+          <a:lstStyle/>
+          <a:p>
+            <a:pPr marL="0" marR="0" lvl="0" indent="0" algn="ctr" defTabSz="914400" rtl="0" eaLnBrk="1" fontAlgn="auto" latinLnBrk="0" hangingPunct="1">
+              <a:lnSpc>
+                <a:spcPct val="100000"/>
+              </a:lnSpc>
+              <a:spcBef>
+                <a:spcPts val="0"/>
+              </a:spcBef>
+              <a:spcAft>
+                <a:spcPts val="0"/>
+              </a:spcAft>
+              <a:buClrTx/>
+              <a:buSzTx/>
+              <a:buFontTx/>
+              <a:buNone/>
+              <a:tabLst/>
+              <a:defRPr/>
+            </a:pPr>
+            <a:endParaRPr kumimoji="0" lang="en-US" sz="1800" b="0" i="0" u="none" strike="noStrike" kern="1200" cap="none" spc="0" normalizeH="0" baseline="0" noProof="0">
+              <a:ln>
+                <a:noFill/>
+              </a:ln>
+              <a:solidFill>
+                <a:prstClr val="white"/>
+              </a:solidFill>
+              <a:effectLst/>
+              <a:uLnTx/>
+              <a:uFillTx/>
+              <a:latin typeface="Bierstadt"/>
+              <a:ea typeface="+mn-ea"/>
+              <a:cs typeface="+mn-cs"/>
+            </a:endParaRPr>
+          </a:p>
+        </p:txBody>
+      </p:sp>
+      <p:sp>
+        <p:nvSpPr>
+          <p:cNvPr id="2" name="Titel 1">
+            <a:extLst>
+              <a:ext uri="{FF2B5EF4-FFF2-40B4-BE49-F238E27FC236}">
+                <a16:creationId xmlns:a16="http://schemas.microsoft.com/office/drawing/2014/main" id="{DECF20C9-2737-1A87-F3C8-D5CA235499A5}"/>
+              </a:ext>
+            </a:extLst>
+          </p:cNvPr>
+          <p:cNvSpPr>
+            <a:spLocks noGrp="1"/>
+          </p:cNvSpPr>
+          <p:nvPr>
+            <p:ph type="title"/>
+          </p:nvPr>
+        </p:nvSpPr>
+        <p:spPr>
+          <a:xfrm>
+            <a:off x="213826" y="0"/>
+            <a:ext cx="6194304" cy="708660"/>
+          </a:xfrm>
+        </p:spPr>
+        <p:txBody>
+          <a:bodyPr anchor="ctr">
+            <a:normAutofit/>
+          </a:bodyPr>
+          <a:lstStyle/>
+          <a:p>
+            <a:r>
+              <a:rPr lang="en-US" sz="2400" dirty="0" err="1"/>
+              <a:t>Übersicht</a:t>
+            </a:r>
+            <a:endParaRPr lang="en-DE" sz="2400" dirty="0"/>
+          </a:p>
+        </p:txBody>
+      </p:sp>
+      <p:sp>
+        <p:nvSpPr>
+          <p:cNvPr id="3" name="Inhaltsplatzhalter 2">
+            <a:extLst>
+              <a:ext uri="{FF2B5EF4-FFF2-40B4-BE49-F238E27FC236}">
+                <a16:creationId xmlns:a16="http://schemas.microsoft.com/office/drawing/2014/main" id="{9523DC1B-4F81-90F0-58E4-7AD3CF211814}"/>
+              </a:ext>
+            </a:extLst>
+          </p:cNvPr>
+          <p:cNvSpPr>
+            <a:spLocks noGrp="1"/>
+          </p:cNvSpPr>
+          <p:nvPr>
+            <p:ph idx="1"/>
+          </p:nvPr>
+        </p:nvSpPr>
+        <p:spPr>
+          <a:xfrm>
+            <a:off x="640078" y="1756644"/>
+            <a:ext cx="10890929" cy="4463185"/>
+          </a:xfrm>
+        </p:spPr>
+        <p:txBody>
+          <a:bodyPr>
+            <a:normAutofit/>
+          </a:bodyPr>
+          <a:lstStyle/>
+          <a:p>
+            <a:r>
+              <a:rPr lang="en-US" dirty="0"/>
+              <a:t>Filter </a:t>
+            </a:r>
+            <a:r>
+              <a:rPr lang="en-US" dirty="0" err="1"/>
+              <a:t>nach</a:t>
+            </a:r>
+            <a:r>
+              <a:rPr lang="en-US" dirty="0"/>
+              <a:t> Datum + Modell</a:t>
+            </a:r>
+          </a:p>
+          <a:p>
+            <a:r>
+              <a:rPr lang="en-US" dirty="0"/>
+              <a:t>Status (Draft -&gt; Open -&gt; Done)</a:t>
+            </a:r>
+          </a:p>
+          <a:p>
+            <a:r>
+              <a:rPr lang="en-US" dirty="0"/>
+              <a:t>ZIP-</a:t>
+            </a:r>
+            <a:r>
+              <a:rPr lang="en-US" dirty="0" err="1"/>
+              <a:t>Erstellung</a:t>
+            </a:r>
+            <a:r>
+              <a:rPr lang="en-US" dirty="0"/>
+              <a:t> per Button</a:t>
+            </a:r>
+          </a:p>
+          <a:p>
+            <a:r>
+              <a:rPr lang="en-US" dirty="0" err="1"/>
+              <a:t>Speicherung</a:t>
+            </a:r>
+            <a:r>
+              <a:rPr lang="en-US" dirty="0"/>
+              <a:t> </a:t>
+            </a:r>
+            <a:r>
+              <a:rPr lang="en-US" dirty="0" err="1"/>
+              <a:t>im</a:t>
+            </a:r>
+            <a:r>
+              <a:rPr lang="en-US" dirty="0"/>
+              <a:t> DMS (</a:t>
+            </a:r>
+            <a:r>
+              <a:rPr lang="en-US" dirty="0" err="1"/>
+              <a:t>kein</a:t>
+            </a:r>
+            <a:r>
+              <a:rPr lang="en-US" dirty="0"/>
+              <a:t> </a:t>
+            </a:r>
+            <a:r>
+              <a:rPr lang="en-US" dirty="0" err="1"/>
+              <a:t>lokaler</a:t>
+            </a:r>
+            <a:r>
+              <a:rPr lang="en-US" dirty="0"/>
+              <a:t> Speicher </a:t>
+            </a:r>
+            <a:r>
+              <a:rPr lang="en-US" dirty="0" err="1"/>
+              <a:t>nötig</a:t>
+            </a:r>
+            <a:r>
+              <a:rPr lang="en-US" dirty="0"/>
+              <a:t>)</a:t>
+            </a:r>
+            <a:endParaRPr lang="en-DE" dirty="0"/>
+          </a:p>
+        </p:txBody>
+      </p:sp>
+      <p:sp>
+        <p:nvSpPr>
+          <p:cNvPr id="9" name="Datumsplatzhalter 8">
+            <a:extLst>
+              <a:ext uri="{FF2B5EF4-FFF2-40B4-BE49-F238E27FC236}">
+                <a16:creationId xmlns:a16="http://schemas.microsoft.com/office/drawing/2014/main" id="{18D7C6FB-5AD7-87C1-A589-3F4200132BE2}"/>
+              </a:ext>
+            </a:extLst>
+          </p:cNvPr>
+          <p:cNvSpPr>
+            <a:spLocks noGrp="1"/>
+          </p:cNvSpPr>
+          <p:nvPr>
+            <p:ph type="dt" sz="half" idx="10"/>
+          </p:nvPr>
+        </p:nvSpPr>
+        <p:spPr>
+          <a:xfrm>
+            <a:off x="640080" y="6356350"/>
+            <a:ext cx="2743200" cy="365125"/>
+          </a:xfrm>
+        </p:spPr>
+        <p:txBody>
+          <a:bodyPr>
+            <a:normAutofit/>
+          </a:bodyPr>
+          <a:lstStyle/>
+          <a:p>
+            <a:pPr>
+              <a:spcAft>
+                <a:spcPts val="600"/>
+              </a:spcAft>
+            </a:pPr>
+            <a:r>
+              <a:rPr lang="en-US" dirty="0">
+                <a:solidFill>
+                  <a:schemeClr val="bg1">
+                    <a:lumMod val="50000"/>
+                  </a:schemeClr>
+                </a:solidFill>
+              </a:rPr>
+              <a:t>Mark Albers</a:t>
+            </a:r>
+          </a:p>
+        </p:txBody>
+      </p:sp>
+      <p:sp>
+        <p:nvSpPr>
+          <p:cNvPr id="7" name="Fußzeilenplatzhalter 6">
+            <a:extLst>
+              <a:ext uri="{FF2B5EF4-FFF2-40B4-BE49-F238E27FC236}">
+                <a16:creationId xmlns:a16="http://schemas.microsoft.com/office/drawing/2014/main" id="{97DB6B6C-A3F6-BA90-399B-D78483B7BEA9}"/>
+              </a:ext>
+            </a:extLst>
+          </p:cNvPr>
+          <p:cNvSpPr>
+            <a:spLocks noGrp="1"/>
+          </p:cNvSpPr>
+          <p:nvPr>
+            <p:ph type="ftr" sz="quarter" idx="11"/>
+          </p:nvPr>
+        </p:nvSpPr>
+        <p:spPr>
+          <a:xfrm>
+            <a:off x="4074289" y="6357620"/>
+            <a:ext cx="4040373" cy="365125"/>
+          </a:xfrm>
+        </p:spPr>
+        <p:txBody>
+          <a:bodyPr>
+            <a:normAutofit/>
+          </a:bodyPr>
+          <a:lstStyle/>
+          <a:p>
+            <a:pPr algn="ctr">
+              <a:spcAft>
+                <a:spcPts val="600"/>
+              </a:spcAft>
+            </a:pPr>
+            <a:r>
+              <a:rPr lang="en-US" dirty="0">
+                <a:solidFill>
+                  <a:schemeClr val="bg1">
+                    <a:lumMod val="50000"/>
+                  </a:schemeClr>
+                </a:solidFill>
+              </a:rPr>
+              <a:t>2025 </a:t>
+            </a:r>
+            <a:r>
+              <a:rPr lang="en-US" dirty="0" err="1">
+                <a:solidFill>
+                  <a:schemeClr val="bg1">
+                    <a:lumMod val="50000"/>
+                  </a:schemeClr>
+                </a:solidFill>
+              </a:rPr>
+              <a:t>Sirum</a:t>
+            </a:r>
+            <a:r>
+              <a:rPr lang="en-US" dirty="0">
+                <a:solidFill>
+                  <a:schemeClr val="bg1">
+                    <a:lumMod val="50000"/>
+                  </a:schemeClr>
+                </a:solidFill>
+              </a:rPr>
+              <a:t> GmbH</a:t>
+            </a:r>
+          </a:p>
+        </p:txBody>
+      </p:sp>
+      <p:sp>
+        <p:nvSpPr>
+          <p:cNvPr id="8" name="Foliennummernplatzhalter 7">
+            <a:extLst>
+              <a:ext uri="{FF2B5EF4-FFF2-40B4-BE49-F238E27FC236}">
+                <a16:creationId xmlns:a16="http://schemas.microsoft.com/office/drawing/2014/main" id="{806CFFEA-86C3-5B7D-CECE-067F4AC9A154}"/>
+              </a:ext>
+            </a:extLst>
+          </p:cNvPr>
+          <p:cNvSpPr>
+            <a:spLocks noGrp="1"/>
+          </p:cNvSpPr>
+          <p:nvPr>
+            <p:ph type="sldNum" sz="quarter" idx="12"/>
+          </p:nvPr>
+        </p:nvSpPr>
+        <p:spPr>
+          <a:xfrm>
+            <a:off x="10807995" y="6356350"/>
+            <a:ext cx="723014" cy="365125"/>
+          </a:xfrm>
+        </p:spPr>
+        <p:txBody>
+          <a:bodyPr>
+            <a:normAutofit/>
+          </a:bodyPr>
+          <a:lstStyle/>
+          <a:p>
+            <a:pPr>
+              <a:spcAft>
+                <a:spcPts val="600"/>
+              </a:spcAft>
+            </a:pPr>
+            <a:fld id="{70C12960-6E85-460F-B6E3-5B82CB31AF3D}" type="slidenum">
+              <a:rPr lang="en-US" smtClean="0">
+                <a:solidFill>
+                  <a:schemeClr val="bg1">
+                    <a:lumMod val="50000"/>
+                  </a:schemeClr>
+                </a:solidFill>
+              </a:rPr>
+              <a:pPr>
+                <a:spcAft>
+                  <a:spcPts val="600"/>
+                </a:spcAft>
+              </a:pPr>
+              <a:t>5</a:t>
+            </a:fld>
+            <a:endParaRPr lang="en-US" dirty="0">
+              <a:solidFill>
+                <a:schemeClr val="bg1">
+                  <a:lumMod val="50000"/>
+                </a:schemeClr>
+              </a:solidFill>
+            </a:endParaRPr>
+          </a:p>
+        </p:txBody>
+      </p:sp>
+      <p:cxnSp>
+        <p:nvCxnSpPr>
+          <p:cNvPr id="11" name="Gerader Verbinder 10">
+            <a:extLst>
+              <a:ext uri="{FF2B5EF4-FFF2-40B4-BE49-F238E27FC236}">
+                <a16:creationId xmlns:a16="http://schemas.microsoft.com/office/drawing/2014/main" id="{2B8B7D06-89DB-CA47-E1DD-83690F0386F5}"/>
+              </a:ext>
+            </a:extLst>
+          </p:cNvPr>
+          <p:cNvCxnSpPr>
+            <a:cxnSpLocks/>
+          </p:cNvCxnSpPr>
+          <p:nvPr/>
+        </p:nvCxnSpPr>
+        <p:spPr>
+          <a:xfrm flipH="1">
+            <a:off x="-167640" y="708660"/>
+            <a:ext cx="12489180" cy="0"/>
+          </a:xfrm>
+          <a:prstGeom prst="line">
+            <a:avLst/>
+          </a:prstGeom>
+        </p:spPr>
+        <p:style>
+          <a:lnRef idx="2">
+            <a:schemeClr val="dk1"/>
+          </a:lnRef>
+          <a:fillRef idx="0">
+            <a:schemeClr val="dk1"/>
+          </a:fillRef>
+          <a:effectRef idx="1">
+            <a:schemeClr val="dk1"/>
+          </a:effectRef>
+          <a:fontRef idx="minor">
+            <a:schemeClr val="tx1"/>
+          </a:fontRef>
+        </p:style>
+      </p:cxnSp>
+      <p:pic>
+        <p:nvPicPr>
+          <p:cNvPr id="15" name="Grafik 14" descr="Ein Bild, das Farbigkeit, Grafiken, Design enthält.">
+            <a:extLst>
+              <a:ext uri="{FF2B5EF4-FFF2-40B4-BE49-F238E27FC236}">
+                <a16:creationId xmlns:a16="http://schemas.microsoft.com/office/drawing/2014/main" id="{85687D34-B772-7AD3-C116-C0399AD7EE05}"/>
+              </a:ext>
+            </a:extLst>
+          </p:cNvPr>
+          <p:cNvPicPr>
+            <a:picLocks noChangeAspect="1"/>
+          </p:cNvPicPr>
+          <p:nvPr/>
+        </p:nvPicPr>
+        <p:blipFill>
+          <a:blip r:embed="rId2">
+            <a:extLst>
+              <a:ext uri="{28A0092B-C50C-407E-A947-70E740481C1C}">
+                <a14:useLocalDpi xmlns:a14="http://schemas.microsoft.com/office/drawing/2010/main" val="0"/>
+              </a:ext>
+            </a:extLst>
+          </a:blip>
+          <a:stretch>
+            <a:fillRect/>
+          </a:stretch>
+        </p:blipFill>
+        <p:spPr>
+          <a:xfrm>
+            <a:off x="10360829" y="37116"/>
+            <a:ext cx="1617345" cy="634428"/>
+          </a:xfrm>
+          <a:prstGeom prst="rect">
+            <a:avLst/>
+          </a:prstGeom>
+        </p:spPr>
+      </p:pic>
+      <p:sp>
+        <p:nvSpPr>
+          <p:cNvPr id="16" name="Textfeld 15">
+            <a:extLst>
+              <a:ext uri="{FF2B5EF4-FFF2-40B4-BE49-F238E27FC236}">
+                <a16:creationId xmlns:a16="http://schemas.microsoft.com/office/drawing/2014/main" id="{2122AD1A-9980-2D28-B05D-02BA684FF65B}"/>
+              </a:ext>
+            </a:extLst>
+          </p:cNvPr>
+          <p:cNvSpPr txBox="1"/>
+          <p:nvPr/>
+        </p:nvSpPr>
+        <p:spPr>
+          <a:xfrm>
+            <a:off x="640079" y="1047987"/>
+            <a:ext cx="10890930" cy="523220"/>
+          </a:xfrm>
+          <a:prstGeom prst="rect">
+            <a:avLst/>
+          </a:prstGeom>
+          <a:noFill/>
+        </p:spPr>
+        <p:txBody>
+          <a:bodyPr wrap="square" rtlCol="0">
+            <a:spAutoFit/>
+          </a:bodyPr>
+          <a:lstStyle/>
+          <a:p>
+            <a:r>
+              <a:rPr lang="en-US" sz="2800" dirty="0"/>
+              <a:t>Modul-</a:t>
+            </a:r>
+            <a:r>
+              <a:rPr lang="en-US" sz="2800" dirty="0" err="1"/>
+              <a:t>Funktionalität</a:t>
+            </a:r>
+            <a:r>
+              <a:rPr lang="en-US" sz="2800" dirty="0"/>
+              <a:t> in Odoo</a:t>
+            </a:r>
+            <a:endParaRPr lang="en-DE" sz="2800" dirty="0"/>
+          </a:p>
+        </p:txBody>
+      </p:sp>
+    </p:spTree>
+    <p:extLst>
+      <p:ext uri="{BB962C8B-B14F-4D97-AF65-F5344CB8AC3E}">
+        <p14:creationId xmlns:p14="http://schemas.microsoft.com/office/powerpoint/2010/main" val="1534689738"/>
+      </p:ext>
+    </p:extLst>
+  </p:cSld>
+  <p:clrMapOvr>
+    <a:masterClrMapping/>
+  </p:clrMapOvr>
+</p:sld>
+</file>
+
+<file path=ppt/slides/slide6.xml><?xml version="1.0" encoding="utf-8"?>
+<p:sld xmlns:a="http://schemas.openxmlformats.org/drawingml/2006/main" xmlns:r="http://schemas.openxmlformats.org/officeDocument/2006/relationships" xmlns:p="http://schemas.openxmlformats.org/presentationml/2006/main">
+  <p:cSld>
+    <p:bg>
+      <p:bgPr>
+        <a:solidFill>
+          <a:schemeClr val="bg1"/>
+        </a:solidFill>
+        <a:effectLst/>
+      </p:bgPr>
+    </p:bg>
+    <p:spTree>
+      <p:nvGrpSpPr>
+        <p:cNvPr id="1" name="">
+          <a:extLst>
+            <a:ext uri="{FF2B5EF4-FFF2-40B4-BE49-F238E27FC236}">
+              <a16:creationId xmlns:a16="http://schemas.microsoft.com/office/drawing/2014/main" id="{087D29B7-BAF1-D137-7A77-88C926261C52}"/>
+            </a:ext>
+          </a:extLst>
+        </p:cNvPr>
+        <p:cNvGrpSpPr/>
+        <p:nvPr/>
+      </p:nvGrpSpPr>
+      <p:grpSpPr>
+        <a:xfrm>
+          <a:off x="0" y="0"/>
+          <a:ext cx="0" cy="0"/>
+          <a:chOff x="0" y="0"/>
+          <a:chExt cx="0" cy="0"/>
+        </a:xfrm>
+      </p:grpSpPr>
+      <p:sp useBgFill="1">
+        <p:nvSpPr>
+          <p:cNvPr id="14" name="Rectangle 13">
+            <a:extLst>
+              <a:ext uri="{FF2B5EF4-FFF2-40B4-BE49-F238E27FC236}">
+                <a16:creationId xmlns:a16="http://schemas.microsoft.com/office/drawing/2014/main" id="{38B43838-596B-0601-6A25-9B41BA5AE146}"/>
+              </a:ext>
+              <a:ext uri="{C183D7F6-B498-43B3-948B-1728B52AA6E4}">
+                <adec:decorative xmlns:adec="http://schemas.microsoft.com/office/drawing/2017/decorative" val="1"/>
+              </a:ext>
+            </a:extLst>
+          </p:cNvPr>
+          <p:cNvSpPr>
+            <a:spLocks noGrp="1" noRot="1" noChangeAspect="1" noMove="1" noResize="1" noEditPoints="1" noAdjustHandles="1" noChangeArrowheads="1" noChangeShapeType="1" noTextEdit="1"/>
+          </p:cNvSpPr>
+          <p:nvPr>
+            <p:extLst>
+              <p:ext uri="{386F3935-93C4-4BCD-93E2-E3B085C9AB24}">
+                <p16:designElem xmlns:p16="http://schemas.microsoft.com/office/powerpoint/2015/main" val="1"/>
+              </p:ext>
+            </p:extLst>
+          </p:nvPr>
+        </p:nvSpPr>
+        <p:spPr>
+          <a:xfrm>
+            <a:off x="0" y="0"/>
+            <a:ext cx="12188952" cy="6857995"/>
+          </a:xfrm>
+          <a:prstGeom prst="rect">
+            <a:avLst/>
+          </a:prstGeom>
+          <a:ln>
+            <a:noFill/>
+          </a:ln>
+        </p:spPr>
+        <p:style>
+          <a:lnRef idx="2">
+            <a:schemeClr val="accent1">
+              <a:shade val="50000"/>
+            </a:schemeClr>
+          </a:lnRef>
+          <a:fillRef idx="1">
+            <a:schemeClr val="accent1"/>
+          </a:fillRef>
+          <a:effectRef idx="0">
+            <a:schemeClr val="accent1"/>
+          </a:effectRef>
+          <a:fontRef idx="minor">
+            <a:schemeClr val="lt1"/>
+          </a:fontRef>
+        </p:style>
+        <p:txBody>
+          <a:bodyPr rtlCol="0" anchor="ctr"/>
+          <a:lstStyle/>
+          <a:p>
+            <a:pPr marL="0" marR="0" lvl="0" indent="0" algn="ctr" defTabSz="914400" rtl="0" eaLnBrk="1" fontAlgn="auto" latinLnBrk="0" hangingPunct="1">
+              <a:lnSpc>
+                <a:spcPct val="100000"/>
+              </a:lnSpc>
+              <a:spcBef>
+                <a:spcPts val="0"/>
+              </a:spcBef>
+              <a:spcAft>
+                <a:spcPts val="0"/>
+              </a:spcAft>
+              <a:buClrTx/>
+              <a:buSzTx/>
+              <a:buFontTx/>
+              <a:buNone/>
+              <a:tabLst/>
+              <a:defRPr/>
+            </a:pPr>
+            <a:endParaRPr kumimoji="0" lang="en-US" sz="1800" b="0" i="0" u="none" strike="noStrike" kern="1200" cap="none" spc="0" normalizeH="0" baseline="0" noProof="0">
+              <a:ln>
+                <a:noFill/>
+              </a:ln>
+              <a:solidFill>
+                <a:prstClr val="white"/>
+              </a:solidFill>
+              <a:effectLst/>
+              <a:uLnTx/>
+              <a:uFillTx/>
+              <a:latin typeface="Bierstadt"/>
+              <a:ea typeface="+mn-ea"/>
+              <a:cs typeface="+mn-cs"/>
+            </a:endParaRPr>
+          </a:p>
+        </p:txBody>
+      </p:sp>
+      <p:sp>
+        <p:nvSpPr>
+          <p:cNvPr id="2" name="Titel 1">
+            <a:extLst>
+              <a:ext uri="{FF2B5EF4-FFF2-40B4-BE49-F238E27FC236}">
+                <a16:creationId xmlns:a16="http://schemas.microsoft.com/office/drawing/2014/main" id="{CA2A2ABB-F9A1-D5CD-C3E8-C95BB01C1DFE}"/>
+              </a:ext>
+            </a:extLst>
+          </p:cNvPr>
+          <p:cNvSpPr>
+            <a:spLocks noGrp="1"/>
+          </p:cNvSpPr>
+          <p:nvPr>
+            <p:ph type="title"/>
+          </p:nvPr>
+        </p:nvSpPr>
+        <p:spPr>
+          <a:xfrm>
+            <a:off x="213826" y="0"/>
+            <a:ext cx="6194304" cy="708660"/>
+          </a:xfrm>
+        </p:spPr>
+        <p:txBody>
+          <a:bodyPr anchor="ctr">
+            <a:normAutofit/>
+          </a:bodyPr>
+          <a:lstStyle/>
+          <a:p>
+            <a:r>
+              <a:rPr lang="en-US" sz="2400" dirty="0" err="1"/>
+              <a:t>Übersicht</a:t>
+            </a:r>
+            <a:endParaRPr lang="en-DE" sz="2400" dirty="0"/>
+          </a:p>
+        </p:txBody>
+      </p:sp>
+      <p:pic>
+        <p:nvPicPr>
+          <p:cNvPr id="5" name="Grafik 4" descr="Ein Bild, das Text, Diagramm, Entwurf, technische Zeichnung enthält.&#10;&#10;KI-generierte Inhalte können fehlerhaft sein.">
+            <a:extLst>
+              <a:ext uri="{FF2B5EF4-FFF2-40B4-BE49-F238E27FC236}">
+                <a16:creationId xmlns:a16="http://schemas.microsoft.com/office/drawing/2014/main" id="{D5AB97FC-4977-C193-6B63-0AB7C2FA48CA}"/>
+              </a:ext>
+            </a:extLst>
+          </p:cNvPr>
+          <p:cNvPicPr>
+            <a:picLocks noChangeAspect="1"/>
+          </p:cNvPicPr>
+          <p:nvPr/>
+        </p:nvPicPr>
+        <p:blipFill>
+          <a:blip r:embed="rId2">
+            <a:extLst>
+              <a:ext uri="{28A0092B-C50C-407E-A947-70E740481C1C}">
+                <a14:useLocalDpi xmlns:a14="http://schemas.microsoft.com/office/drawing/2010/main" val="0"/>
+              </a:ext>
+            </a:extLst>
+          </a:blip>
+          <a:stretch>
+            <a:fillRect/>
+          </a:stretch>
+        </p:blipFill>
+        <p:spPr>
+          <a:xfrm>
+            <a:off x="6918922" y="457201"/>
+            <a:ext cx="4621018" cy="6611733"/>
+          </a:xfrm>
+          <a:prstGeom prst="rect">
+            <a:avLst/>
+          </a:prstGeom>
+        </p:spPr>
+      </p:pic>
+      <p:sp>
+        <p:nvSpPr>
+          <p:cNvPr id="3" name="Inhaltsplatzhalter 2">
+            <a:extLst>
+              <a:ext uri="{FF2B5EF4-FFF2-40B4-BE49-F238E27FC236}">
+                <a16:creationId xmlns:a16="http://schemas.microsoft.com/office/drawing/2014/main" id="{324EE294-E460-3DB9-ED8C-391683020743}"/>
+              </a:ext>
+            </a:extLst>
+          </p:cNvPr>
+          <p:cNvSpPr>
+            <a:spLocks noGrp="1"/>
+          </p:cNvSpPr>
+          <p:nvPr>
+            <p:ph idx="1"/>
+          </p:nvPr>
+        </p:nvSpPr>
+        <p:spPr>
+          <a:xfrm>
+            <a:off x="649011" y="1756644"/>
+            <a:ext cx="10890929" cy="4463185"/>
+          </a:xfrm>
+        </p:spPr>
+        <p:txBody>
+          <a:bodyPr>
+            <a:normAutofit/>
+          </a:bodyPr>
+          <a:lstStyle/>
+          <a:p>
+            <a:pPr marL="457200" indent="-457200">
+              <a:buFont typeface="+mj-lt"/>
+              <a:buAutoNum type="arabicPeriod"/>
+            </a:pPr>
+            <a:r>
+              <a:rPr lang="de-DE" dirty="0"/>
+              <a:t>Der Benutzer öffnet den Wizard über den Button „Erstellen“.</a:t>
+            </a:r>
+          </a:p>
+          <a:p>
+            <a:pPr marL="457200" indent="-457200">
+              <a:buFont typeface="+mj-lt"/>
+              <a:buAutoNum type="arabicPeriod"/>
+            </a:pPr>
+            <a:r>
+              <a:rPr lang="de-DE" dirty="0"/>
+              <a:t>Zeitraum (von–bis) und die Modelle auswählen.</a:t>
+            </a:r>
+          </a:p>
+          <a:p>
+            <a:pPr marL="457200" indent="-457200">
+              <a:buFont typeface="+mj-lt"/>
+              <a:buAutoNum type="arabicPeriod"/>
+            </a:pPr>
+            <a:r>
+              <a:rPr lang="de-DE" dirty="0"/>
+              <a:t>Über „Check Export“ werden die Dokumente gefiltert.</a:t>
+            </a:r>
+          </a:p>
+          <a:p>
+            <a:pPr marL="457200" indent="-457200">
+              <a:buFont typeface="+mj-lt"/>
+              <a:buAutoNum type="arabicPeriod"/>
+            </a:pPr>
+            <a:r>
+              <a:rPr lang="de-DE" dirty="0"/>
+              <a:t>Mit „Pack </a:t>
+            </a:r>
+            <a:r>
+              <a:rPr lang="de-DE" dirty="0" err="1"/>
+              <a:t>as</a:t>
+            </a:r>
+            <a:r>
+              <a:rPr lang="de-DE" dirty="0"/>
+              <a:t> ZIP“ wird eine ZIP-Datei erstellt.</a:t>
+            </a:r>
+          </a:p>
+          <a:p>
+            <a:pPr marL="457200" indent="-457200">
+              <a:buFont typeface="+mj-lt"/>
+              <a:buAutoNum type="arabicPeriod"/>
+            </a:pPr>
+            <a:r>
+              <a:rPr lang="de-DE" dirty="0"/>
+              <a:t>Die ZIP-Datei steht anschließend zum Download bereit.</a:t>
+            </a:r>
+          </a:p>
+        </p:txBody>
+      </p:sp>
+      <p:sp>
+        <p:nvSpPr>
+          <p:cNvPr id="9" name="Datumsplatzhalter 8">
+            <a:extLst>
+              <a:ext uri="{FF2B5EF4-FFF2-40B4-BE49-F238E27FC236}">
+                <a16:creationId xmlns:a16="http://schemas.microsoft.com/office/drawing/2014/main" id="{A5502A26-EAE4-05D3-46A0-DDCE3598ECA2}"/>
+              </a:ext>
+            </a:extLst>
+          </p:cNvPr>
+          <p:cNvSpPr>
+            <a:spLocks noGrp="1"/>
+          </p:cNvSpPr>
+          <p:nvPr>
+            <p:ph type="dt" sz="half" idx="10"/>
+          </p:nvPr>
+        </p:nvSpPr>
+        <p:spPr>
+          <a:xfrm>
+            <a:off x="640080" y="6356350"/>
+            <a:ext cx="2743200" cy="365125"/>
+          </a:xfrm>
+        </p:spPr>
+        <p:txBody>
+          <a:bodyPr>
+            <a:normAutofit/>
+          </a:bodyPr>
+          <a:lstStyle/>
+          <a:p>
+            <a:pPr>
+              <a:spcAft>
+                <a:spcPts val="600"/>
+              </a:spcAft>
+            </a:pPr>
+            <a:r>
+              <a:rPr lang="en-US" dirty="0">
+                <a:solidFill>
+                  <a:schemeClr val="bg1">
+                    <a:lumMod val="50000"/>
+                  </a:schemeClr>
+                </a:solidFill>
+              </a:rPr>
+              <a:t>Mark Albers</a:t>
+            </a:r>
+          </a:p>
+        </p:txBody>
+      </p:sp>
+      <p:sp>
+        <p:nvSpPr>
+          <p:cNvPr id="7" name="Fußzeilenplatzhalter 6">
+            <a:extLst>
+              <a:ext uri="{FF2B5EF4-FFF2-40B4-BE49-F238E27FC236}">
+                <a16:creationId xmlns:a16="http://schemas.microsoft.com/office/drawing/2014/main" id="{AD55472B-9A07-3D11-805B-9C195790F683}"/>
+              </a:ext>
+            </a:extLst>
+          </p:cNvPr>
+          <p:cNvSpPr>
+            <a:spLocks noGrp="1"/>
+          </p:cNvSpPr>
+          <p:nvPr>
+            <p:ph type="ftr" sz="quarter" idx="11"/>
+          </p:nvPr>
+        </p:nvSpPr>
+        <p:spPr>
+          <a:xfrm>
+            <a:off x="4074289" y="6357620"/>
+            <a:ext cx="4040373" cy="365125"/>
+          </a:xfrm>
+        </p:spPr>
+        <p:txBody>
+          <a:bodyPr>
+            <a:normAutofit/>
+          </a:bodyPr>
+          <a:lstStyle/>
+          <a:p>
+            <a:pPr algn="ctr">
+              <a:spcAft>
+                <a:spcPts val="600"/>
+              </a:spcAft>
+            </a:pPr>
+            <a:r>
+              <a:rPr lang="en-US" dirty="0">
+                <a:solidFill>
+                  <a:schemeClr val="bg1">
+                    <a:lumMod val="50000"/>
+                  </a:schemeClr>
+                </a:solidFill>
+              </a:rPr>
+              <a:t>2025 </a:t>
+            </a:r>
+            <a:r>
+              <a:rPr lang="en-US" dirty="0" err="1">
+                <a:solidFill>
+                  <a:schemeClr val="bg1">
+                    <a:lumMod val="50000"/>
+                  </a:schemeClr>
+                </a:solidFill>
+              </a:rPr>
+              <a:t>Sirum</a:t>
+            </a:r>
+            <a:r>
+              <a:rPr lang="en-US" dirty="0">
+                <a:solidFill>
+                  <a:schemeClr val="bg1">
+                    <a:lumMod val="50000"/>
+                  </a:schemeClr>
+                </a:solidFill>
+              </a:rPr>
+              <a:t> GmbH</a:t>
+            </a:r>
+          </a:p>
+        </p:txBody>
+      </p:sp>
+      <p:sp>
+        <p:nvSpPr>
+          <p:cNvPr id="8" name="Foliennummernplatzhalter 7">
+            <a:extLst>
+              <a:ext uri="{FF2B5EF4-FFF2-40B4-BE49-F238E27FC236}">
+                <a16:creationId xmlns:a16="http://schemas.microsoft.com/office/drawing/2014/main" id="{FB2D724B-BE60-5D7F-FD0D-175EB475C6E0}"/>
+              </a:ext>
+            </a:extLst>
+          </p:cNvPr>
+          <p:cNvSpPr>
+            <a:spLocks noGrp="1"/>
+          </p:cNvSpPr>
+          <p:nvPr>
+            <p:ph type="sldNum" sz="quarter" idx="12"/>
+          </p:nvPr>
+        </p:nvSpPr>
+        <p:spPr>
+          <a:xfrm>
+            <a:off x="10807995" y="6356350"/>
+            <a:ext cx="723014" cy="365125"/>
+          </a:xfrm>
+        </p:spPr>
+        <p:txBody>
+          <a:bodyPr>
+            <a:normAutofit/>
+          </a:bodyPr>
+          <a:lstStyle/>
+          <a:p>
+            <a:pPr>
+              <a:spcAft>
+                <a:spcPts val="600"/>
+              </a:spcAft>
+            </a:pPr>
+            <a:fld id="{70C12960-6E85-460F-B6E3-5B82CB31AF3D}" type="slidenum">
+              <a:rPr lang="en-US" smtClean="0">
+                <a:solidFill>
+                  <a:schemeClr val="bg1">
+                    <a:lumMod val="50000"/>
+                  </a:schemeClr>
+                </a:solidFill>
+              </a:rPr>
+              <a:pPr>
+                <a:spcAft>
+                  <a:spcPts val="600"/>
+                </a:spcAft>
+              </a:pPr>
+              <a:t>6</a:t>
+            </a:fld>
+            <a:endParaRPr lang="en-US" dirty="0">
+              <a:solidFill>
+                <a:schemeClr val="bg1">
+                  <a:lumMod val="50000"/>
+                </a:schemeClr>
+              </a:solidFill>
+            </a:endParaRPr>
+          </a:p>
+        </p:txBody>
+      </p:sp>
+      <p:cxnSp>
+        <p:nvCxnSpPr>
+          <p:cNvPr id="11" name="Gerader Verbinder 10">
+            <a:extLst>
+              <a:ext uri="{FF2B5EF4-FFF2-40B4-BE49-F238E27FC236}">
+                <a16:creationId xmlns:a16="http://schemas.microsoft.com/office/drawing/2014/main" id="{159257EF-24F0-D3E8-9786-EA2B28D53952}"/>
+              </a:ext>
+            </a:extLst>
+          </p:cNvPr>
+          <p:cNvCxnSpPr>
+            <a:cxnSpLocks/>
+          </p:cNvCxnSpPr>
+          <p:nvPr/>
+        </p:nvCxnSpPr>
+        <p:spPr>
+          <a:xfrm flipH="1">
+            <a:off x="-167640" y="708660"/>
+            <a:ext cx="12489180" cy="0"/>
+          </a:xfrm>
+          <a:prstGeom prst="line">
+            <a:avLst/>
+          </a:prstGeom>
+        </p:spPr>
+        <p:style>
+          <a:lnRef idx="2">
+            <a:schemeClr val="dk1"/>
+          </a:lnRef>
+          <a:fillRef idx="0">
+            <a:schemeClr val="dk1"/>
+          </a:fillRef>
+          <a:effectRef idx="1">
+            <a:schemeClr val="dk1"/>
+          </a:effectRef>
+          <a:fontRef idx="minor">
+            <a:schemeClr val="tx1"/>
+          </a:fontRef>
+        </p:style>
+      </p:cxnSp>
+      <p:pic>
+        <p:nvPicPr>
+          <p:cNvPr id="15" name="Grafik 14" descr="Ein Bild, das Farbigkeit, Grafiken, Design enthält.">
+            <a:extLst>
+              <a:ext uri="{FF2B5EF4-FFF2-40B4-BE49-F238E27FC236}">
+                <a16:creationId xmlns:a16="http://schemas.microsoft.com/office/drawing/2014/main" id="{A0B45A77-35CA-4F14-6E68-9F4433C52E56}"/>
+              </a:ext>
+            </a:extLst>
+          </p:cNvPr>
+          <p:cNvPicPr>
+            <a:picLocks noChangeAspect="1"/>
+          </p:cNvPicPr>
+          <p:nvPr/>
+        </p:nvPicPr>
+        <p:blipFill>
+          <a:blip r:embed="rId3">
+            <a:extLst>
+              <a:ext uri="{28A0092B-C50C-407E-A947-70E740481C1C}">
+                <a14:useLocalDpi xmlns:a14="http://schemas.microsoft.com/office/drawing/2010/main" val="0"/>
+              </a:ext>
+            </a:extLst>
+          </a:blip>
+          <a:stretch>
+            <a:fillRect/>
+          </a:stretch>
+        </p:blipFill>
+        <p:spPr>
+          <a:xfrm>
+            <a:off x="10360829" y="37116"/>
+            <a:ext cx="1617345" cy="634428"/>
+          </a:xfrm>
+          <a:prstGeom prst="rect">
+            <a:avLst/>
+          </a:prstGeom>
+        </p:spPr>
+      </p:pic>
+      <p:sp>
+        <p:nvSpPr>
+          <p:cNvPr id="16" name="Textfeld 15">
+            <a:extLst>
+              <a:ext uri="{FF2B5EF4-FFF2-40B4-BE49-F238E27FC236}">
+                <a16:creationId xmlns:a16="http://schemas.microsoft.com/office/drawing/2014/main" id="{4AAC3A32-7493-C879-813A-24D711AB2D48}"/>
+              </a:ext>
+            </a:extLst>
+          </p:cNvPr>
+          <p:cNvSpPr txBox="1"/>
+          <p:nvPr/>
+        </p:nvSpPr>
+        <p:spPr>
+          <a:xfrm>
+            <a:off x="649010" y="1047988"/>
+            <a:ext cx="10890930" cy="523220"/>
+          </a:xfrm>
+          <a:prstGeom prst="rect">
+            <a:avLst/>
+          </a:prstGeom>
+          <a:noFill/>
+        </p:spPr>
+        <p:txBody>
+          <a:bodyPr wrap="square" rtlCol="0">
+            <a:spAutoFit/>
+          </a:bodyPr>
+          <a:lstStyle/>
+          <a:p>
+            <a:r>
+              <a:rPr lang="en-US" sz="2800" dirty="0" err="1"/>
+              <a:t>Ablauf</a:t>
+            </a:r>
+            <a:r>
+              <a:rPr lang="en-US" sz="2800" dirty="0"/>
+              <a:t> des </a:t>
+            </a:r>
+            <a:r>
+              <a:rPr lang="en-US" sz="2800" dirty="0" err="1"/>
+              <a:t>Dokumentenexports</a:t>
+            </a:r>
+            <a:r>
+              <a:rPr lang="en-US" sz="2800" dirty="0"/>
+              <a:t> (</a:t>
+            </a:r>
+            <a:r>
+              <a:rPr lang="en-US" sz="2800" dirty="0" err="1"/>
+              <a:t>Modulübersicht</a:t>
+            </a:r>
+            <a:r>
+              <a:rPr lang="en-US" sz="2800" dirty="0"/>
+              <a:t>)</a:t>
+            </a:r>
+            <a:endParaRPr lang="en-DE" sz="2800" dirty="0"/>
+          </a:p>
+        </p:txBody>
+      </p:sp>
+    </p:spTree>
+    <p:extLst>
+      <p:ext uri="{BB962C8B-B14F-4D97-AF65-F5344CB8AC3E}">
+        <p14:creationId xmlns:p14="http://schemas.microsoft.com/office/powerpoint/2010/main" val="1358302850"/>
+      </p:ext>
+    </p:extLst>
+  </p:cSld>
+  <p:clrMapOvr>
+    <a:masterClrMapping/>
+  </p:clrMapOvr>
+</p:sld>
+</file>
+
+<file path=ppt/slides/slide7.xml><?xml version="1.0" encoding="utf-8"?>
+<p:sld xmlns:a="http://schemas.openxmlformats.org/drawingml/2006/main" xmlns:r="http://schemas.openxmlformats.org/officeDocument/2006/relationships" xmlns:p="http://schemas.openxmlformats.org/presentationml/2006/main">
+  <p:cSld>
+    <p:bg>
+      <p:bgPr>
+        <a:solidFill>
+          <a:schemeClr val="bg1"/>
+        </a:solidFill>
+        <a:effectLst/>
+      </p:bgPr>
+    </p:bg>
+    <p:spTree>
+      <p:nvGrpSpPr>
+        <p:cNvPr id="1" name="">
+          <a:extLst>
+            <a:ext uri="{FF2B5EF4-FFF2-40B4-BE49-F238E27FC236}">
+              <a16:creationId xmlns:a16="http://schemas.microsoft.com/office/drawing/2014/main" id="{61CD8058-9875-261A-799B-5B0A1CF65FFB}"/>
+            </a:ext>
+          </a:extLst>
+        </p:cNvPr>
+        <p:cNvGrpSpPr/>
+        <p:nvPr/>
+      </p:nvGrpSpPr>
+      <p:grpSpPr>
+        <a:xfrm>
+          <a:off x="0" y="0"/>
+          <a:ext cx="0" cy="0"/>
+          <a:chOff x="0" y="0"/>
+          <a:chExt cx="0" cy="0"/>
+        </a:xfrm>
+      </p:grpSpPr>
+      <p:sp useBgFill="1">
+        <p:nvSpPr>
+          <p:cNvPr id="14" name="Rectangle 13">
+            <a:extLst>
+              <a:ext uri="{FF2B5EF4-FFF2-40B4-BE49-F238E27FC236}">
+                <a16:creationId xmlns:a16="http://schemas.microsoft.com/office/drawing/2014/main" id="{29129B94-E0FC-32AD-787B-B5EB5F03466A}"/>
+              </a:ext>
+              <a:ext uri="{C183D7F6-B498-43B3-948B-1728B52AA6E4}">
+                <adec:decorative xmlns:adec="http://schemas.microsoft.com/office/drawing/2017/decorative" val="1"/>
+              </a:ext>
+            </a:extLst>
+          </p:cNvPr>
+          <p:cNvSpPr>
+            <a:spLocks noGrp="1" noRot="1" noChangeAspect="1" noMove="1" noResize="1" noEditPoints="1" noAdjustHandles="1" noChangeArrowheads="1" noChangeShapeType="1" noTextEdit="1"/>
+          </p:cNvSpPr>
+          <p:nvPr>
+            <p:extLst>
+              <p:ext uri="{386F3935-93C4-4BCD-93E2-E3B085C9AB24}">
+                <p16:designElem xmlns:p16="http://schemas.microsoft.com/office/powerpoint/2015/main" val="1"/>
+              </p:ext>
+            </p:extLst>
+          </p:nvPr>
+        </p:nvSpPr>
+        <p:spPr>
+          <a:xfrm>
+            <a:off x="0" y="0"/>
+            <a:ext cx="12188952" cy="6857995"/>
+          </a:xfrm>
+          <a:prstGeom prst="rect">
+            <a:avLst/>
+          </a:prstGeom>
+          <a:ln>
+            <a:noFill/>
+          </a:ln>
+        </p:spPr>
+        <p:style>
+          <a:lnRef idx="2">
+            <a:schemeClr val="accent1">
+              <a:shade val="50000"/>
+            </a:schemeClr>
+          </a:lnRef>
+          <a:fillRef idx="1">
+            <a:schemeClr val="accent1"/>
+          </a:fillRef>
+          <a:effectRef idx="0">
+            <a:schemeClr val="accent1"/>
+          </a:effectRef>
+          <a:fontRef idx="minor">
+            <a:schemeClr val="lt1"/>
+          </a:fontRef>
+        </p:style>
+        <p:txBody>
+          <a:bodyPr rtlCol="0" anchor="ctr"/>
+          <a:lstStyle/>
+          <a:p>
+            <a:pPr marL="0" marR="0" lvl="0" indent="0" algn="ctr" defTabSz="914400" rtl="0" eaLnBrk="1" fontAlgn="auto" latinLnBrk="0" hangingPunct="1">
+              <a:lnSpc>
+                <a:spcPct val="100000"/>
+              </a:lnSpc>
+              <a:spcBef>
+                <a:spcPts val="0"/>
+              </a:spcBef>
+              <a:spcAft>
+                <a:spcPts val="0"/>
+              </a:spcAft>
+              <a:buClrTx/>
+              <a:buSzTx/>
+              <a:buFontTx/>
+              <a:buNone/>
+              <a:tabLst/>
+              <a:defRPr/>
+            </a:pPr>
+            <a:endParaRPr kumimoji="0" lang="en-US" sz="1800" b="0" i="0" u="none" strike="noStrike" kern="1200" cap="none" spc="0" normalizeH="0" baseline="0" noProof="0">
+              <a:ln>
+                <a:noFill/>
+              </a:ln>
+              <a:solidFill>
+                <a:prstClr val="white"/>
+              </a:solidFill>
+              <a:effectLst/>
+              <a:uLnTx/>
+              <a:uFillTx/>
+              <a:latin typeface="Bierstadt"/>
+              <a:ea typeface="+mn-ea"/>
+              <a:cs typeface="+mn-cs"/>
+            </a:endParaRPr>
+          </a:p>
+        </p:txBody>
+      </p:sp>
+      <p:sp>
+        <p:nvSpPr>
+          <p:cNvPr id="2" name="Titel 1">
+            <a:extLst>
+              <a:ext uri="{FF2B5EF4-FFF2-40B4-BE49-F238E27FC236}">
+                <a16:creationId xmlns:a16="http://schemas.microsoft.com/office/drawing/2014/main" id="{D5D6483C-D612-0237-A1F1-ABD9D272CB92}"/>
+              </a:ext>
+            </a:extLst>
+          </p:cNvPr>
+          <p:cNvSpPr>
+            <a:spLocks noGrp="1"/>
+          </p:cNvSpPr>
+          <p:nvPr>
+            <p:ph type="title"/>
+          </p:nvPr>
+        </p:nvSpPr>
+        <p:spPr>
+          <a:xfrm>
+            <a:off x="213826" y="0"/>
+            <a:ext cx="6194304" cy="708660"/>
+          </a:xfrm>
+        </p:spPr>
+        <p:txBody>
+          <a:bodyPr anchor="ctr">
+            <a:normAutofit/>
+          </a:bodyPr>
+          <a:lstStyle/>
+          <a:p>
+            <a:r>
+              <a:rPr lang="en-US" sz="2400" dirty="0" err="1"/>
+              <a:t>Übersicht</a:t>
+            </a:r>
+            <a:endParaRPr lang="en-DE" sz="2400" dirty="0"/>
+          </a:p>
+        </p:txBody>
+      </p:sp>
+      <p:sp>
+        <p:nvSpPr>
+          <p:cNvPr id="3" name="Inhaltsplatzhalter 2">
+            <a:extLst>
+              <a:ext uri="{FF2B5EF4-FFF2-40B4-BE49-F238E27FC236}">
+                <a16:creationId xmlns:a16="http://schemas.microsoft.com/office/drawing/2014/main" id="{49E1C6A2-9D5A-3573-4445-7CC562B23F02}"/>
+              </a:ext>
+            </a:extLst>
+          </p:cNvPr>
+          <p:cNvSpPr>
+            <a:spLocks noGrp="1"/>
+          </p:cNvSpPr>
+          <p:nvPr>
+            <p:ph idx="1"/>
+          </p:nvPr>
+        </p:nvSpPr>
+        <p:spPr>
+          <a:xfrm>
+            <a:off x="640078" y="1756644"/>
+            <a:ext cx="10890929" cy="4463185"/>
+          </a:xfrm>
+        </p:spPr>
+        <p:txBody>
+          <a:bodyPr>
+            <a:normAutofit/>
+          </a:bodyPr>
+          <a:lstStyle/>
+          <a:p>
+            <a:r>
+              <a:rPr lang="en-US" dirty="0"/>
+              <a:t>Model *</a:t>
+            </a:r>
+            <a:r>
+              <a:rPr lang="en-US" dirty="0" err="1"/>
+              <a:t>ir.attachment.export</a:t>
+            </a:r>
+            <a:r>
+              <a:rPr lang="en-US" dirty="0"/>
+              <a:t>*</a:t>
+            </a:r>
+          </a:p>
+          <a:p>
+            <a:r>
+              <a:rPr lang="en-US" dirty="0"/>
+              <a:t>View </a:t>
+            </a:r>
+            <a:r>
+              <a:rPr lang="en-US" dirty="0" err="1"/>
+              <a:t>im</a:t>
+            </a:r>
+            <a:r>
+              <a:rPr lang="en-US" dirty="0"/>
+              <a:t> XML (Wizard)</a:t>
+            </a:r>
+          </a:p>
+          <a:p>
+            <a:r>
+              <a:rPr lang="en-US" dirty="0"/>
+              <a:t>ZIP </a:t>
+            </a:r>
+            <a:r>
+              <a:rPr lang="en-US" dirty="0" err="1"/>
+              <a:t>mit</a:t>
+            </a:r>
+            <a:r>
+              <a:rPr lang="en-US" dirty="0"/>
+              <a:t> Python (</a:t>
+            </a:r>
+            <a:r>
+              <a:rPr lang="en-US" dirty="0" err="1"/>
+              <a:t>BytesIO</a:t>
+            </a:r>
+            <a:r>
+              <a:rPr lang="en-US" dirty="0"/>
+              <a:t>, </a:t>
+            </a:r>
+            <a:r>
+              <a:rPr lang="en-US" dirty="0" err="1"/>
+              <a:t>zipfile</a:t>
+            </a:r>
+            <a:r>
+              <a:rPr lang="en-US" dirty="0"/>
+              <a:t>, base64)</a:t>
+            </a:r>
+          </a:p>
+          <a:p>
+            <a:r>
+              <a:rPr lang="en-US" dirty="0" err="1"/>
+              <a:t>Keine</a:t>
+            </a:r>
+            <a:r>
+              <a:rPr lang="en-US" dirty="0"/>
+              <a:t> </a:t>
+            </a:r>
+            <a:r>
+              <a:rPr lang="en-US" dirty="0" err="1"/>
+              <a:t>externen</a:t>
+            </a:r>
+            <a:r>
+              <a:rPr lang="en-US" dirty="0"/>
+              <a:t> APIs </a:t>
+            </a:r>
+            <a:r>
+              <a:rPr lang="en-US" dirty="0" err="1"/>
+              <a:t>nötig</a:t>
+            </a:r>
+            <a:endParaRPr lang="en-DE" dirty="0"/>
+          </a:p>
+        </p:txBody>
+      </p:sp>
+      <p:sp>
+        <p:nvSpPr>
+          <p:cNvPr id="9" name="Datumsplatzhalter 8">
+            <a:extLst>
+              <a:ext uri="{FF2B5EF4-FFF2-40B4-BE49-F238E27FC236}">
+                <a16:creationId xmlns:a16="http://schemas.microsoft.com/office/drawing/2014/main" id="{41E5FCEC-27CE-7033-9C68-A420948EF04F}"/>
+              </a:ext>
+            </a:extLst>
+          </p:cNvPr>
+          <p:cNvSpPr>
+            <a:spLocks noGrp="1"/>
+          </p:cNvSpPr>
+          <p:nvPr>
+            <p:ph type="dt" sz="half" idx="10"/>
+          </p:nvPr>
+        </p:nvSpPr>
+        <p:spPr>
+          <a:xfrm>
+            <a:off x="640080" y="6356350"/>
+            <a:ext cx="2743200" cy="365125"/>
+          </a:xfrm>
+        </p:spPr>
+        <p:txBody>
+          <a:bodyPr>
+            <a:normAutofit/>
+          </a:bodyPr>
+          <a:lstStyle/>
+          <a:p>
+            <a:pPr>
+              <a:spcAft>
+                <a:spcPts val="600"/>
+              </a:spcAft>
+            </a:pPr>
+            <a:r>
+              <a:rPr lang="en-US" dirty="0">
+                <a:solidFill>
+                  <a:schemeClr val="bg1">
+                    <a:lumMod val="50000"/>
+                  </a:schemeClr>
+                </a:solidFill>
+              </a:rPr>
+              <a:t>Mark Albers</a:t>
+            </a:r>
+          </a:p>
+        </p:txBody>
+      </p:sp>
+      <p:sp>
+        <p:nvSpPr>
+          <p:cNvPr id="7" name="Fußzeilenplatzhalter 6">
+            <a:extLst>
+              <a:ext uri="{FF2B5EF4-FFF2-40B4-BE49-F238E27FC236}">
+                <a16:creationId xmlns:a16="http://schemas.microsoft.com/office/drawing/2014/main" id="{E6382651-9379-A2A6-DB61-F8263424C185}"/>
+              </a:ext>
+            </a:extLst>
+          </p:cNvPr>
+          <p:cNvSpPr>
+            <a:spLocks noGrp="1"/>
+          </p:cNvSpPr>
+          <p:nvPr>
+            <p:ph type="ftr" sz="quarter" idx="11"/>
+          </p:nvPr>
+        </p:nvSpPr>
+        <p:spPr>
+          <a:xfrm>
+            <a:off x="4074289" y="6357620"/>
+            <a:ext cx="4040373" cy="365125"/>
+          </a:xfrm>
+        </p:spPr>
+        <p:txBody>
+          <a:bodyPr>
+            <a:normAutofit/>
+          </a:bodyPr>
+          <a:lstStyle/>
+          <a:p>
+            <a:pPr algn="ctr">
+              <a:spcAft>
+                <a:spcPts val="600"/>
+              </a:spcAft>
+            </a:pPr>
+            <a:r>
+              <a:rPr lang="en-US" dirty="0">
+                <a:solidFill>
+                  <a:schemeClr val="bg1">
+                    <a:lumMod val="50000"/>
+                  </a:schemeClr>
+                </a:solidFill>
+              </a:rPr>
+              <a:t>2025 </a:t>
+            </a:r>
+            <a:r>
+              <a:rPr lang="en-US" dirty="0" err="1">
+                <a:solidFill>
+                  <a:schemeClr val="bg1">
+                    <a:lumMod val="50000"/>
+                  </a:schemeClr>
+                </a:solidFill>
+              </a:rPr>
+              <a:t>Sirum</a:t>
+            </a:r>
+            <a:r>
+              <a:rPr lang="en-US" dirty="0">
+                <a:solidFill>
+                  <a:schemeClr val="bg1">
+                    <a:lumMod val="50000"/>
+                  </a:schemeClr>
+                </a:solidFill>
+              </a:rPr>
+              <a:t> GmbH</a:t>
+            </a:r>
+          </a:p>
+        </p:txBody>
+      </p:sp>
+      <p:sp>
+        <p:nvSpPr>
+          <p:cNvPr id="8" name="Foliennummernplatzhalter 7">
+            <a:extLst>
+              <a:ext uri="{FF2B5EF4-FFF2-40B4-BE49-F238E27FC236}">
+                <a16:creationId xmlns:a16="http://schemas.microsoft.com/office/drawing/2014/main" id="{E055F90D-11FC-5EB8-B3C2-BC13BE510624}"/>
+              </a:ext>
+            </a:extLst>
+          </p:cNvPr>
+          <p:cNvSpPr>
+            <a:spLocks noGrp="1"/>
+          </p:cNvSpPr>
+          <p:nvPr>
+            <p:ph type="sldNum" sz="quarter" idx="12"/>
+          </p:nvPr>
+        </p:nvSpPr>
+        <p:spPr>
+          <a:xfrm>
+            <a:off x="10807995" y="6356350"/>
+            <a:ext cx="723014" cy="365125"/>
+          </a:xfrm>
+        </p:spPr>
+        <p:txBody>
+          <a:bodyPr>
+            <a:normAutofit/>
+          </a:bodyPr>
+          <a:lstStyle/>
+          <a:p>
+            <a:pPr>
+              <a:spcAft>
+                <a:spcPts val="600"/>
+              </a:spcAft>
+            </a:pPr>
+            <a:fld id="{70C12960-6E85-460F-B6E3-5B82CB31AF3D}" type="slidenum">
+              <a:rPr lang="en-US" smtClean="0">
+                <a:solidFill>
+                  <a:schemeClr val="bg1">
+                    <a:lumMod val="50000"/>
+                  </a:schemeClr>
+                </a:solidFill>
+              </a:rPr>
+              <a:pPr>
+                <a:spcAft>
+                  <a:spcPts val="600"/>
+                </a:spcAft>
+              </a:pPr>
+              <a:t>7</a:t>
+            </a:fld>
+            <a:endParaRPr lang="en-US" dirty="0">
+              <a:solidFill>
+                <a:schemeClr val="bg1">
+                  <a:lumMod val="50000"/>
+                </a:schemeClr>
+              </a:solidFill>
+            </a:endParaRPr>
+          </a:p>
+        </p:txBody>
+      </p:sp>
+      <p:cxnSp>
+        <p:nvCxnSpPr>
+          <p:cNvPr id="11" name="Gerader Verbinder 10">
+            <a:extLst>
+              <a:ext uri="{FF2B5EF4-FFF2-40B4-BE49-F238E27FC236}">
+                <a16:creationId xmlns:a16="http://schemas.microsoft.com/office/drawing/2014/main" id="{965D76E4-5CC2-2391-5675-F398A50EBBE8}"/>
+              </a:ext>
+            </a:extLst>
+          </p:cNvPr>
+          <p:cNvCxnSpPr>
+            <a:cxnSpLocks/>
+          </p:cNvCxnSpPr>
+          <p:nvPr/>
+        </p:nvCxnSpPr>
+        <p:spPr>
+          <a:xfrm flipH="1">
+            <a:off x="-167640" y="708660"/>
+            <a:ext cx="12489180" cy="0"/>
+          </a:xfrm>
+          <a:prstGeom prst="line">
+            <a:avLst/>
+          </a:prstGeom>
+        </p:spPr>
+        <p:style>
+          <a:lnRef idx="2">
+            <a:schemeClr val="dk1"/>
+          </a:lnRef>
+          <a:fillRef idx="0">
+            <a:schemeClr val="dk1"/>
+          </a:fillRef>
+          <a:effectRef idx="1">
+            <a:schemeClr val="dk1"/>
+          </a:effectRef>
+          <a:fontRef idx="minor">
+            <a:schemeClr val="tx1"/>
+          </a:fontRef>
+        </p:style>
+      </p:cxnSp>
+      <p:pic>
+        <p:nvPicPr>
+          <p:cNvPr id="15" name="Grafik 14" descr="Ein Bild, das Farbigkeit, Grafiken, Design enthält.">
+            <a:extLst>
+              <a:ext uri="{FF2B5EF4-FFF2-40B4-BE49-F238E27FC236}">
+                <a16:creationId xmlns:a16="http://schemas.microsoft.com/office/drawing/2014/main" id="{F32970EC-4B47-86D0-9E18-71DA13A20A2A}"/>
+              </a:ext>
+            </a:extLst>
+          </p:cNvPr>
+          <p:cNvPicPr>
+            <a:picLocks noChangeAspect="1"/>
+          </p:cNvPicPr>
+          <p:nvPr/>
+        </p:nvPicPr>
+        <p:blipFill>
+          <a:blip r:embed="rId2">
+            <a:extLst>
+              <a:ext uri="{28A0092B-C50C-407E-A947-70E740481C1C}">
+                <a14:useLocalDpi xmlns:a14="http://schemas.microsoft.com/office/drawing/2010/main" val="0"/>
+              </a:ext>
+            </a:extLst>
+          </a:blip>
+          <a:stretch>
+            <a:fillRect/>
+          </a:stretch>
+        </p:blipFill>
+        <p:spPr>
+          <a:xfrm>
+            <a:off x="10360829" y="37116"/>
+            <a:ext cx="1617345" cy="634428"/>
+          </a:xfrm>
+          <a:prstGeom prst="rect">
+            <a:avLst/>
+          </a:prstGeom>
+        </p:spPr>
+      </p:pic>
+      <p:sp>
+        <p:nvSpPr>
+          <p:cNvPr id="16" name="Textfeld 15">
+            <a:extLst>
+              <a:ext uri="{FF2B5EF4-FFF2-40B4-BE49-F238E27FC236}">
+                <a16:creationId xmlns:a16="http://schemas.microsoft.com/office/drawing/2014/main" id="{1BDA73C9-8F4A-620E-67C8-D53A257EB230}"/>
+              </a:ext>
+            </a:extLst>
+          </p:cNvPr>
+          <p:cNvSpPr txBox="1"/>
+          <p:nvPr/>
+        </p:nvSpPr>
+        <p:spPr>
+          <a:xfrm>
+            <a:off x="640079" y="1047987"/>
+            <a:ext cx="10890930" cy="523220"/>
+          </a:xfrm>
+          <a:prstGeom prst="rect">
+            <a:avLst/>
+          </a:prstGeom>
+          <a:noFill/>
+        </p:spPr>
+        <p:txBody>
+          <a:bodyPr wrap="square" rtlCol="0">
+            <a:spAutoFit/>
+          </a:bodyPr>
+          <a:lstStyle/>
+          <a:p>
+            <a:r>
+              <a:rPr lang="en-US" sz="2800" dirty="0" err="1"/>
+              <a:t>Technischer</a:t>
+            </a:r>
+            <a:r>
+              <a:rPr lang="en-US" sz="2800" dirty="0"/>
+              <a:t> </a:t>
+            </a:r>
+            <a:r>
+              <a:rPr lang="en-US" sz="2800" dirty="0" err="1"/>
+              <a:t>Überblick</a:t>
+            </a:r>
+            <a:endParaRPr lang="en-DE" sz="2800" dirty="0"/>
+          </a:p>
+        </p:txBody>
+      </p:sp>
+    </p:spTree>
+    <p:extLst>
+      <p:ext uri="{BB962C8B-B14F-4D97-AF65-F5344CB8AC3E}">
+        <p14:creationId xmlns:p14="http://schemas.microsoft.com/office/powerpoint/2010/main" val="1019416805"/>
+      </p:ext>
+    </p:extLst>
+  </p:cSld>
+  <p:clrMapOvr>
+    <a:masterClrMapping/>
+  </p:clrMapOvr>
+</p:sld>
+</file>
+
+<file path=ppt/slides/slide8.xml><?xml version="1.0" encoding="utf-8"?>
+<p:sld xmlns:a="http://schemas.openxmlformats.org/drawingml/2006/main" xmlns:r="http://schemas.openxmlformats.org/officeDocument/2006/relationships" xmlns:p="http://schemas.openxmlformats.org/presentationml/2006/main">
+  <p:cSld>
+    <p:bg>
+      <p:bgPr>
+        <a:solidFill>
+          <a:schemeClr val="bg1"/>
+        </a:solidFill>
+        <a:effectLst/>
+      </p:bgPr>
+    </p:bg>
+    <p:spTree>
+      <p:nvGrpSpPr>
+        <p:cNvPr id="1" name="">
+          <a:extLst>
+            <a:ext uri="{FF2B5EF4-FFF2-40B4-BE49-F238E27FC236}">
+              <a16:creationId xmlns:a16="http://schemas.microsoft.com/office/drawing/2014/main" id="{6A86E5EC-3E7C-D8AA-71FA-0D93050805F6}"/>
+            </a:ext>
+          </a:extLst>
+        </p:cNvPr>
+        <p:cNvGrpSpPr/>
+        <p:nvPr/>
+      </p:nvGrpSpPr>
+      <p:grpSpPr>
+        <a:xfrm>
+          <a:off x="0" y="0"/>
+          <a:ext cx="0" cy="0"/>
+          <a:chOff x="0" y="0"/>
+          <a:chExt cx="0" cy="0"/>
+        </a:xfrm>
+      </p:grpSpPr>
+      <p:sp useBgFill="1">
+        <p:nvSpPr>
+          <p:cNvPr id="14" name="Rectangle 13">
+            <a:extLst>
+              <a:ext uri="{FF2B5EF4-FFF2-40B4-BE49-F238E27FC236}">
+                <a16:creationId xmlns:a16="http://schemas.microsoft.com/office/drawing/2014/main" id="{4E5B2860-299B-B659-E9B8-AEADAB8F61FE}"/>
+              </a:ext>
+              <a:ext uri="{C183D7F6-B498-43B3-948B-1728B52AA6E4}">
+                <adec:decorative xmlns:adec="http://schemas.microsoft.com/office/drawing/2017/decorative" val="1"/>
+              </a:ext>
+            </a:extLst>
+          </p:cNvPr>
+          <p:cNvSpPr>
+            <a:spLocks noGrp="1" noRot="1" noChangeAspect="1" noMove="1" noResize="1" noEditPoints="1" noAdjustHandles="1" noChangeArrowheads="1" noChangeShapeType="1" noTextEdit="1"/>
+          </p:cNvSpPr>
+          <p:nvPr>
+            <p:extLst>
+              <p:ext uri="{386F3935-93C4-4BCD-93E2-E3B085C9AB24}">
+                <p16:designElem xmlns:p16="http://schemas.microsoft.com/office/powerpoint/2015/main" val="1"/>
+              </p:ext>
+            </p:extLst>
+          </p:nvPr>
+        </p:nvSpPr>
+        <p:spPr>
+          <a:xfrm>
+            <a:off x="0" y="0"/>
+            <a:ext cx="12188952" cy="6857995"/>
+          </a:xfrm>
+          <a:prstGeom prst="rect">
+            <a:avLst/>
+          </a:prstGeom>
+          <a:ln>
+            <a:noFill/>
+          </a:ln>
+        </p:spPr>
+        <p:style>
+          <a:lnRef idx="2">
+            <a:schemeClr val="accent1">
+              <a:shade val="50000"/>
+            </a:schemeClr>
+          </a:lnRef>
+          <a:fillRef idx="1">
+            <a:schemeClr val="accent1"/>
+          </a:fillRef>
+          <a:effectRef idx="0">
+            <a:schemeClr val="accent1"/>
+          </a:effectRef>
+          <a:fontRef idx="minor">
+            <a:schemeClr val="lt1"/>
+          </a:fontRef>
+        </p:style>
+        <p:txBody>
+          <a:bodyPr rtlCol="0" anchor="ctr"/>
+          <a:lstStyle/>
+          <a:p>
+            <a:pPr marL="0" marR="0" lvl="0" indent="0" algn="ctr" defTabSz="914400" rtl="0" eaLnBrk="1" fontAlgn="auto" latinLnBrk="0" hangingPunct="1">
+              <a:lnSpc>
+                <a:spcPct val="100000"/>
+              </a:lnSpc>
+              <a:spcBef>
+                <a:spcPts val="0"/>
+              </a:spcBef>
+              <a:spcAft>
+                <a:spcPts val="0"/>
+              </a:spcAft>
+              <a:buClrTx/>
+              <a:buSzTx/>
+              <a:buFontTx/>
+              <a:buNone/>
+              <a:tabLst/>
+              <a:defRPr/>
+            </a:pPr>
+            <a:endParaRPr kumimoji="0" lang="en-US" sz="1800" b="0" i="0" u="none" strike="noStrike" kern="1200" cap="none" spc="0" normalizeH="0" baseline="0" noProof="0">
+              <a:ln>
+                <a:noFill/>
+              </a:ln>
+              <a:solidFill>
+                <a:prstClr val="white"/>
+              </a:solidFill>
+              <a:effectLst/>
+              <a:uLnTx/>
+              <a:uFillTx/>
+              <a:latin typeface="Bierstadt"/>
+              <a:ea typeface="+mn-ea"/>
+              <a:cs typeface="+mn-cs"/>
+            </a:endParaRPr>
+          </a:p>
+        </p:txBody>
+      </p:sp>
+      <p:sp>
+        <p:nvSpPr>
+          <p:cNvPr id="2" name="Titel 1">
+            <a:extLst>
+              <a:ext uri="{FF2B5EF4-FFF2-40B4-BE49-F238E27FC236}">
+                <a16:creationId xmlns:a16="http://schemas.microsoft.com/office/drawing/2014/main" id="{15765A58-1332-FFBF-6C6A-30D466AE2CD1}"/>
+              </a:ext>
+            </a:extLst>
+          </p:cNvPr>
+          <p:cNvSpPr>
+            <a:spLocks noGrp="1"/>
+          </p:cNvSpPr>
+          <p:nvPr>
+            <p:ph type="title"/>
+          </p:nvPr>
+        </p:nvSpPr>
+        <p:spPr>
+          <a:xfrm>
+            <a:off x="213826" y="0"/>
+            <a:ext cx="6194304" cy="708660"/>
+          </a:xfrm>
+        </p:spPr>
+        <p:txBody>
+          <a:bodyPr anchor="ctr">
+            <a:normAutofit/>
+          </a:bodyPr>
+          <a:lstStyle/>
+          <a:p>
+            <a:r>
+              <a:rPr lang="en-US" sz="2400" dirty="0" err="1"/>
+              <a:t>Übersicht</a:t>
+            </a:r>
+            <a:endParaRPr lang="en-DE" sz="2400" dirty="0"/>
+          </a:p>
+        </p:txBody>
+      </p:sp>
+      <p:sp>
+        <p:nvSpPr>
+          <p:cNvPr id="3" name="Inhaltsplatzhalter 2">
+            <a:extLst>
+              <a:ext uri="{FF2B5EF4-FFF2-40B4-BE49-F238E27FC236}">
+                <a16:creationId xmlns:a16="http://schemas.microsoft.com/office/drawing/2014/main" id="{AAAC101B-2633-0D3A-051E-100EF8B41B63}"/>
+              </a:ext>
+            </a:extLst>
+          </p:cNvPr>
+          <p:cNvSpPr>
+            <a:spLocks noGrp="1"/>
+          </p:cNvSpPr>
+          <p:nvPr>
+            <p:ph idx="1"/>
+          </p:nvPr>
+        </p:nvSpPr>
+        <p:spPr>
+          <a:xfrm>
+            <a:off x="640078" y="1756644"/>
+            <a:ext cx="10890929" cy="4463185"/>
+          </a:xfrm>
+        </p:spPr>
+        <p:txBody>
+          <a:bodyPr>
+            <a:normAutofit/>
+          </a:bodyPr>
+          <a:lstStyle/>
+          <a:p>
+            <a:r>
+              <a:rPr lang="en-US" dirty="0"/>
+              <a:t>Unit-Tests </a:t>
+            </a:r>
+            <a:r>
+              <a:rPr lang="en-US" dirty="0" err="1"/>
+              <a:t>vorhanden</a:t>
+            </a:r>
+            <a:endParaRPr lang="en-US" dirty="0"/>
+          </a:p>
+          <a:p>
+            <a:r>
+              <a:rPr lang="en-US" dirty="0"/>
+              <a:t>Gitlab CI </a:t>
+            </a:r>
+            <a:r>
+              <a:rPr lang="en-US" dirty="0" err="1"/>
+              <a:t>mit</a:t>
+            </a:r>
+            <a:r>
+              <a:rPr lang="en-US" dirty="0"/>
+              <a:t> Lint-, Deploy- und Translate-Test</a:t>
+            </a:r>
+          </a:p>
+          <a:p>
+            <a:r>
+              <a:rPr lang="en-US" dirty="0"/>
+              <a:t>Merge erst </a:t>
+            </a:r>
+            <a:r>
+              <a:rPr lang="en-US" dirty="0" err="1"/>
+              <a:t>nach</a:t>
+            </a:r>
+            <a:r>
+              <a:rPr lang="en-US" dirty="0"/>
+              <a:t> Review </a:t>
+            </a:r>
+            <a:r>
+              <a:rPr lang="en-US" dirty="0" err="1"/>
+              <a:t>möglich</a:t>
+            </a:r>
+            <a:endParaRPr lang="en-US" dirty="0"/>
+          </a:p>
+        </p:txBody>
+      </p:sp>
+      <p:sp>
+        <p:nvSpPr>
+          <p:cNvPr id="9" name="Datumsplatzhalter 8">
+            <a:extLst>
+              <a:ext uri="{FF2B5EF4-FFF2-40B4-BE49-F238E27FC236}">
+                <a16:creationId xmlns:a16="http://schemas.microsoft.com/office/drawing/2014/main" id="{74FBD629-04C2-5E47-3606-7430955D1A7F}"/>
+              </a:ext>
+            </a:extLst>
+          </p:cNvPr>
+          <p:cNvSpPr>
+            <a:spLocks noGrp="1"/>
+          </p:cNvSpPr>
+          <p:nvPr>
+            <p:ph type="dt" sz="half" idx="10"/>
+          </p:nvPr>
+        </p:nvSpPr>
+        <p:spPr>
+          <a:xfrm>
+            <a:off x="640080" y="6356350"/>
+            <a:ext cx="2743200" cy="365125"/>
+          </a:xfrm>
+        </p:spPr>
+        <p:txBody>
+          <a:bodyPr>
+            <a:normAutofit/>
+          </a:bodyPr>
+          <a:lstStyle/>
+          <a:p>
+            <a:pPr>
+              <a:spcAft>
+                <a:spcPts val="600"/>
+              </a:spcAft>
+            </a:pPr>
+            <a:r>
+              <a:rPr lang="en-US" dirty="0">
+                <a:solidFill>
+                  <a:schemeClr val="bg1">
+                    <a:lumMod val="50000"/>
+                  </a:schemeClr>
+                </a:solidFill>
+              </a:rPr>
+              <a:t>Mark Albers</a:t>
+            </a:r>
+          </a:p>
+        </p:txBody>
+      </p:sp>
+      <p:sp>
+        <p:nvSpPr>
+          <p:cNvPr id="7" name="Fußzeilenplatzhalter 6">
+            <a:extLst>
+              <a:ext uri="{FF2B5EF4-FFF2-40B4-BE49-F238E27FC236}">
+                <a16:creationId xmlns:a16="http://schemas.microsoft.com/office/drawing/2014/main" id="{E10429D8-2F42-8C4D-1A3C-FAAA7748C1C4}"/>
+              </a:ext>
+            </a:extLst>
+          </p:cNvPr>
+          <p:cNvSpPr>
+            <a:spLocks noGrp="1"/>
+          </p:cNvSpPr>
+          <p:nvPr>
+            <p:ph type="ftr" sz="quarter" idx="11"/>
+          </p:nvPr>
+        </p:nvSpPr>
+        <p:spPr>
+          <a:xfrm>
+            <a:off x="4074289" y="6357620"/>
+            <a:ext cx="4040373" cy="365125"/>
+          </a:xfrm>
+        </p:spPr>
+        <p:txBody>
+          <a:bodyPr>
+            <a:normAutofit/>
+          </a:bodyPr>
+          <a:lstStyle/>
+          <a:p>
+            <a:pPr algn="ctr">
+              <a:spcAft>
+                <a:spcPts val="600"/>
+              </a:spcAft>
+            </a:pPr>
+            <a:r>
+              <a:rPr lang="en-US" dirty="0">
+                <a:solidFill>
+                  <a:schemeClr val="bg1">
+                    <a:lumMod val="50000"/>
+                  </a:schemeClr>
+                </a:solidFill>
+              </a:rPr>
+              <a:t>2025 </a:t>
+            </a:r>
+            <a:r>
+              <a:rPr lang="en-US" dirty="0" err="1">
+                <a:solidFill>
+                  <a:schemeClr val="bg1">
+                    <a:lumMod val="50000"/>
+                  </a:schemeClr>
+                </a:solidFill>
+              </a:rPr>
+              <a:t>Sirum</a:t>
+            </a:r>
+            <a:r>
+              <a:rPr lang="en-US" dirty="0">
+                <a:solidFill>
+                  <a:schemeClr val="bg1">
+                    <a:lumMod val="50000"/>
+                  </a:schemeClr>
+                </a:solidFill>
+              </a:rPr>
+              <a:t> GmbH</a:t>
+            </a:r>
+          </a:p>
+        </p:txBody>
+      </p:sp>
+      <p:sp>
+        <p:nvSpPr>
+          <p:cNvPr id="8" name="Foliennummernplatzhalter 7">
+            <a:extLst>
+              <a:ext uri="{FF2B5EF4-FFF2-40B4-BE49-F238E27FC236}">
+                <a16:creationId xmlns:a16="http://schemas.microsoft.com/office/drawing/2014/main" id="{1018CE05-C6D9-5380-9A49-DB19B59F7190}"/>
+              </a:ext>
+            </a:extLst>
+          </p:cNvPr>
+          <p:cNvSpPr>
+            <a:spLocks noGrp="1"/>
+          </p:cNvSpPr>
+          <p:nvPr>
+            <p:ph type="sldNum" sz="quarter" idx="12"/>
+          </p:nvPr>
+        </p:nvSpPr>
+        <p:spPr>
+          <a:xfrm>
+            <a:off x="10807995" y="6356350"/>
+            <a:ext cx="723014" cy="365125"/>
+          </a:xfrm>
+        </p:spPr>
+        <p:txBody>
+          <a:bodyPr>
+            <a:normAutofit/>
+          </a:bodyPr>
+          <a:lstStyle/>
+          <a:p>
+            <a:pPr>
+              <a:spcAft>
+                <a:spcPts val="600"/>
+              </a:spcAft>
+            </a:pPr>
+            <a:fld id="{70C12960-6E85-460F-B6E3-5B82CB31AF3D}" type="slidenum">
+              <a:rPr lang="en-US" smtClean="0">
+                <a:solidFill>
+                  <a:schemeClr val="bg1">
+                    <a:lumMod val="50000"/>
+                  </a:schemeClr>
+                </a:solidFill>
+              </a:rPr>
+              <a:pPr>
+                <a:spcAft>
+                  <a:spcPts val="600"/>
+                </a:spcAft>
+              </a:pPr>
+              <a:t>8</a:t>
+            </a:fld>
+            <a:endParaRPr lang="en-US" dirty="0">
+              <a:solidFill>
+                <a:schemeClr val="bg1">
+                  <a:lumMod val="50000"/>
+                </a:schemeClr>
+              </a:solidFill>
+            </a:endParaRPr>
+          </a:p>
+        </p:txBody>
+      </p:sp>
+      <p:cxnSp>
+        <p:nvCxnSpPr>
+          <p:cNvPr id="11" name="Gerader Verbinder 10">
+            <a:extLst>
+              <a:ext uri="{FF2B5EF4-FFF2-40B4-BE49-F238E27FC236}">
+                <a16:creationId xmlns:a16="http://schemas.microsoft.com/office/drawing/2014/main" id="{41F2962A-6FFB-FA00-F21C-1778C5BE6B07}"/>
+              </a:ext>
+            </a:extLst>
+          </p:cNvPr>
+          <p:cNvCxnSpPr>
+            <a:cxnSpLocks/>
+          </p:cNvCxnSpPr>
+          <p:nvPr/>
+        </p:nvCxnSpPr>
+        <p:spPr>
+          <a:xfrm flipH="1">
+            <a:off x="-167640" y="708660"/>
+            <a:ext cx="12489180" cy="0"/>
+          </a:xfrm>
+          <a:prstGeom prst="line">
+            <a:avLst/>
+          </a:prstGeom>
+        </p:spPr>
+        <p:style>
+          <a:lnRef idx="2">
+            <a:schemeClr val="dk1"/>
+          </a:lnRef>
+          <a:fillRef idx="0">
+            <a:schemeClr val="dk1"/>
+          </a:fillRef>
+          <a:effectRef idx="1">
+            <a:schemeClr val="dk1"/>
+          </a:effectRef>
+          <a:fontRef idx="minor">
+            <a:schemeClr val="tx1"/>
+          </a:fontRef>
+        </p:style>
+      </p:cxnSp>
+      <p:pic>
+        <p:nvPicPr>
+          <p:cNvPr id="15" name="Grafik 14" descr="Ein Bild, das Farbigkeit, Grafiken, Design enthält.">
+            <a:extLst>
+              <a:ext uri="{FF2B5EF4-FFF2-40B4-BE49-F238E27FC236}">
+                <a16:creationId xmlns:a16="http://schemas.microsoft.com/office/drawing/2014/main" id="{84EB963D-AB26-4C94-AB1F-B5E3794F5672}"/>
+              </a:ext>
+            </a:extLst>
+          </p:cNvPr>
+          <p:cNvPicPr>
+            <a:picLocks noChangeAspect="1"/>
+          </p:cNvPicPr>
+          <p:nvPr/>
+        </p:nvPicPr>
+        <p:blipFill>
+          <a:blip r:embed="rId2">
+            <a:extLst>
+              <a:ext uri="{28A0092B-C50C-407E-A947-70E740481C1C}">
+                <a14:useLocalDpi xmlns:a14="http://schemas.microsoft.com/office/drawing/2010/main" val="0"/>
+              </a:ext>
+            </a:extLst>
+          </a:blip>
+          <a:stretch>
+            <a:fillRect/>
+          </a:stretch>
+        </p:blipFill>
+        <p:spPr>
+          <a:xfrm>
+            <a:off x="10360829" y="37116"/>
+            <a:ext cx="1617345" cy="634428"/>
+          </a:xfrm>
+          <a:prstGeom prst="rect">
+            <a:avLst/>
+          </a:prstGeom>
+        </p:spPr>
+      </p:pic>
+      <p:sp>
+        <p:nvSpPr>
+          <p:cNvPr id="16" name="Textfeld 15">
+            <a:extLst>
+              <a:ext uri="{FF2B5EF4-FFF2-40B4-BE49-F238E27FC236}">
+                <a16:creationId xmlns:a16="http://schemas.microsoft.com/office/drawing/2014/main" id="{052D24D3-AFBF-773D-0C8E-F18B4B3463B7}"/>
+              </a:ext>
+            </a:extLst>
+          </p:cNvPr>
+          <p:cNvSpPr txBox="1"/>
+          <p:nvPr/>
+        </p:nvSpPr>
+        <p:spPr>
+          <a:xfrm>
+            <a:off x="640079" y="1047987"/>
+            <a:ext cx="10890930" cy="523220"/>
+          </a:xfrm>
+          <a:prstGeom prst="rect">
+            <a:avLst/>
+          </a:prstGeom>
+          <a:noFill/>
+        </p:spPr>
+        <p:txBody>
+          <a:bodyPr wrap="square" rtlCol="0">
+            <a:spAutoFit/>
+          </a:bodyPr>
+          <a:lstStyle/>
+          <a:p>
+            <a:r>
+              <a:rPr lang="en-US" sz="2800" dirty="0" err="1"/>
+              <a:t>Qualitätssicherung</a:t>
+            </a:r>
+            <a:r>
+              <a:rPr lang="en-US" sz="2800" dirty="0"/>
+              <a:t> </a:t>
+            </a:r>
+            <a:endParaRPr lang="en-DE" sz="2800" dirty="0"/>
+          </a:p>
+        </p:txBody>
+      </p:sp>
+    </p:spTree>
+    <p:extLst>
+      <p:ext uri="{BB962C8B-B14F-4D97-AF65-F5344CB8AC3E}">
+        <p14:creationId xmlns:p14="http://schemas.microsoft.com/office/powerpoint/2010/main" val="1997242122"/>
+      </p:ext>
+    </p:extLst>
+  </p:cSld>
+  <p:clrMapOvr>
+    <a:masterClrMapping/>
+  </p:clrMapOvr>
+</p:sld>
+</file>
+
+<file path=ppt/slides/slide9.xml><?xml version="1.0" encoding="utf-8"?>
+<p:sld xmlns:a="http://schemas.openxmlformats.org/drawingml/2006/main" xmlns:r="http://schemas.openxmlformats.org/officeDocument/2006/relationships" xmlns:p="http://schemas.openxmlformats.org/presentationml/2006/main">
+  <p:cSld>
+    <p:bg>
+      <p:bgPr>
+        <a:solidFill>
+          <a:schemeClr val="bg1"/>
+        </a:solidFill>
+        <a:effectLst/>
+      </p:bgPr>
+    </p:bg>
+    <p:spTree>
+      <p:nvGrpSpPr>
+        <p:cNvPr id="1" name="">
+          <a:extLst>
+            <a:ext uri="{FF2B5EF4-FFF2-40B4-BE49-F238E27FC236}">
+              <a16:creationId xmlns:a16="http://schemas.microsoft.com/office/drawing/2014/main" id="{B19BCA2F-AEF7-8FFD-C015-31C926A0C211}"/>
+            </a:ext>
+          </a:extLst>
+        </p:cNvPr>
+        <p:cNvGrpSpPr/>
+        <p:nvPr/>
+      </p:nvGrpSpPr>
+      <p:grpSpPr>
+        <a:xfrm>
+          <a:off x="0" y="0"/>
+          <a:ext cx="0" cy="0"/>
+          <a:chOff x="0" y="0"/>
+          <a:chExt cx="0" cy="0"/>
+        </a:xfrm>
+      </p:grpSpPr>
+      <p:sp useBgFill="1">
+        <p:nvSpPr>
+          <p:cNvPr id="14" name="Rectangle 13">
+            <a:extLst>
+              <a:ext uri="{FF2B5EF4-FFF2-40B4-BE49-F238E27FC236}">
+                <a16:creationId xmlns:a16="http://schemas.microsoft.com/office/drawing/2014/main" id="{C1B700D7-B8B2-956D-1869-55D9E0607549}"/>
+              </a:ext>
+              <a:ext uri="{C183D7F6-B498-43B3-948B-1728B52AA6E4}">
+                <adec:decorative xmlns:adec="http://schemas.microsoft.com/office/drawing/2017/decorative" val="1"/>
+              </a:ext>
+            </a:extLst>
+          </p:cNvPr>
+          <p:cNvSpPr>
+            <a:spLocks noGrp="1" noRot="1" noChangeAspect="1" noMove="1" noResize="1" noEditPoints="1" noAdjustHandles="1" noChangeArrowheads="1" noChangeShapeType="1" noTextEdit="1"/>
+          </p:cNvSpPr>
+          <p:nvPr>
+            <p:extLst>
+              <p:ext uri="{386F3935-93C4-4BCD-93E2-E3B085C9AB24}">
+                <p16:designElem xmlns:p16="http://schemas.microsoft.com/office/powerpoint/2015/main" val="1"/>
+              </p:ext>
+            </p:extLst>
+          </p:nvPr>
+        </p:nvSpPr>
+        <p:spPr>
+          <a:xfrm>
+            <a:off x="0" y="0"/>
+            <a:ext cx="12188952" cy="6857995"/>
+          </a:xfrm>
+          <a:prstGeom prst="rect">
+            <a:avLst/>
+          </a:prstGeom>
+          <a:ln>
+            <a:noFill/>
+          </a:ln>
+        </p:spPr>
+        <p:style>
+          <a:lnRef idx="2">
+            <a:schemeClr val="accent1">
+              <a:shade val="50000"/>
+            </a:schemeClr>
+          </a:lnRef>
+          <a:fillRef idx="1">
+            <a:schemeClr val="accent1"/>
+          </a:fillRef>
+          <a:effectRef idx="0">
+            <a:schemeClr val="accent1"/>
+          </a:effectRef>
+          <a:fontRef idx="minor">
+            <a:schemeClr val="lt1"/>
+          </a:fontRef>
+        </p:style>
+        <p:txBody>
+          <a:bodyPr rtlCol="0" anchor="ctr"/>
+          <a:lstStyle/>
+          <a:p>
+            <a:pPr marL="0" marR="0" lvl="0" indent="0" algn="ctr" defTabSz="914400" rtl="0" eaLnBrk="1" fontAlgn="auto" latinLnBrk="0" hangingPunct="1">
+              <a:lnSpc>
+                <a:spcPct val="100000"/>
+              </a:lnSpc>
+              <a:spcBef>
+                <a:spcPts val="0"/>
+              </a:spcBef>
+              <a:spcAft>
+                <a:spcPts val="0"/>
+              </a:spcAft>
+              <a:buClrTx/>
+              <a:buSzTx/>
+              <a:buFontTx/>
+              <a:buNone/>
+              <a:tabLst/>
+              <a:defRPr/>
+            </a:pPr>
+            <a:endParaRPr kumimoji="0" lang="en-US" sz="1800" b="0" i="0" u="none" strike="noStrike" kern="1200" cap="none" spc="0" normalizeH="0" baseline="0" noProof="0">
+              <a:ln>
+                <a:noFill/>
+              </a:ln>
+              <a:solidFill>
+                <a:prstClr val="white"/>
+              </a:solidFill>
+              <a:effectLst/>
+              <a:uLnTx/>
+              <a:uFillTx/>
+              <a:latin typeface="Bierstadt"/>
+              <a:ea typeface="+mn-ea"/>
+              <a:cs typeface="+mn-cs"/>
+            </a:endParaRPr>
+          </a:p>
+        </p:txBody>
+      </p:sp>
+      <p:sp>
+        <p:nvSpPr>
+          <p:cNvPr id="2" name="Titel 1">
+            <a:extLst>
+              <a:ext uri="{FF2B5EF4-FFF2-40B4-BE49-F238E27FC236}">
+                <a16:creationId xmlns:a16="http://schemas.microsoft.com/office/drawing/2014/main" id="{D37FDA65-741A-6793-237F-7C7DFEAB6DD3}"/>
+              </a:ext>
+            </a:extLst>
+          </p:cNvPr>
+          <p:cNvSpPr>
+            <a:spLocks noGrp="1"/>
+          </p:cNvSpPr>
+          <p:nvPr>
+            <p:ph type="title"/>
+          </p:nvPr>
+        </p:nvSpPr>
+        <p:spPr>
+          <a:xfrm>
+            <a:off x="213826" y="0"/>
+            <a:ext cx="6194304" cy="708660"/>
+          </a:xfrm>
+        </p:spPr>
+        <p:txBody>
+          <a:bodyPr anchor="ctr">
+            <a:normAutofit/>
+          </a:bodyPr>
+          <a:lstStyle/>
+          <a:p>
+            <a:r>
+              <a:rPr lang="en-US" sz="2400" dirty="0" err="1"/>
+              <a:t>Übersicht</a:t>
+            </a:r>
+            <a:endParaRPr lang="en-DE" sz="2400" dirty="0"/>
+          </a:p>
+        </p:txBody>
+      </p:sp>
+      <p:sp>
+        <p:nvSpPr>
+          <p:cNvPr id="3" name="Inhaltsplatzhalter 2">
+            <a:extLst>
+              <a:ext uri="{FF2B5EF4-FFF2-40B4-BE49-F238E27FC236}">
+                <a16:creationId xmlns:a16="http://schemas.microsoft.com/office/drawing/2014/main" id="{CF386355-4666-B8CE-9529-CA6918CA4510}"/>
+              </a:ext>
+            </a:extLst>
+          </p:cNvPr>
+          <p:cNvSpPr>
+            <a:spLocks noGrp="1"/>
+          </p:cNvSpPr>
+          <p:nvPr>
+            <p:ph idx="1"/>
+          </p:nvPr>
+        </p:nvSpPr>
+        <p:spPr>
+          <a:xfrm>
+            <a:off x="640078" y="1756644"/>
+            <a:ext cx="10890929" cy="4463185"/>
+          </a:xfrm>
+        </p:spPr>
+        <p:txBody>
+          <a:bodyPr>
+            <a:normAutofit/>
+          </a:bodyPr>
+          <a:lstStyle/>
+          <a:p>
+            <a:pPr marL="0" indent="0">
+              <a:buNone/>
+            </a:pPr>
+            <a:endParaRPr lang="en-DE" dirty="0"/>
+          </a:p>
+        </p:txBody>
+      </p:sp>
+      <p:sp>
+        <p:nvSpPr>
+          <p:cNvPr id="9" name="Datumsplatzhalter 8">
+            <a:extLst>
+              <a:ext uri="{FF2B5EF4-FFF2-40B4-BE49-F238E27FC236}">
+                <a16:creationId xmlns:a16="http://schemas.microsoft.com/office/drawing/2014/main" id="{5803F9A7-F00C-EBB5-CFD6-4D52E45617A1}"/>
+              </a:ext>
+            </a:extLst>
+          </p:cNvPr>
+          <p:cNvSpPr>
+            <a:spLocks noGrp="1"/>
+          </p:cNvSpPr>
+          <p:nvPr>
+            <p:ph type="dt" sz="half" idx="10"/>
+          </p:nvPr>
+        </p:nvSpPr>
+        <p:spPr>
+          <a:xfrm>
+            <a:off x="640080" y="6356350"/>
+            <a:ext cx="2743200" cy="365125"/>
+          </a:xfrm>
+        </p:spPr>
+        <p:txBody>
+          <a:bodyPr>
+            <a:normAutofit/>
+          </a:bodyPr>
+          <a:lstStyle/>
+          <a:p>
+            <a:pPr>
+              <a:spcAft>
+                <a:spcPts val="600"/>
+              </a:spcAft>
+            </a:pPr>
+            <a:r>
+              <a:rPr lang="en-US" dirty="0">
+                <a:solidFill>
+                  <a:schemeClr val="bg1">
+                    <a:lumMod val="50000"/>
+                  </a:schemeClr>
+                </a:solidFill>
+              </a:rPr>
+              <a:t>Mark Albers</a:t>
+            </a:r>
+          </a:p>
+        </p:txBody>
+      </p:sp>
+      <p:sp>
+        <p:nvSpPr>
+          <p:cNvPr id="7" name="Fußzeilenplatzhalter 6">
+            <a:extLst>
+              <a:ext uri="{FF2B5EF4-FFF2-40B4-BE49-F238E27FC236}">
+                <a16:creationId xmlns:a16="http://schemas.microsoft.com/office/drawing/2014/main" id="{23AAAD6D-D9A0-A8CC-7A53-67D18F48E6A1}"/>
+              </a:ext>
+            </a:extLst>
+          </p:cNvPr>
+          <p:cNvSpPr>
+            <a:spLocks noGrp="1"/>
+          </p:cNvSpPr>
+          <p:nvPr>
+            <p:ph type="ftr" sz="quarter" idx="11"/>
+          </p:nvPr>
+        </p:nvSpPr>
+        <p:spPr>
+          <a:xfrm>
+            <a:off x="4074289" y="6357620"/>
+            <a:ext cx="4040373" cy="365125"/>
+          </a:xfrm>
+        </p:spPr>
+        <p:txBody>
+          <a:bodyPr>
+            <a:normAutofit/>
+          </a:bodyPr>
+          <a:lstStyle/>
+          <a:p>
+            <a:pPr algn="ctr">
+              <a:spcAft>
+                <a:spcPts val="600"/>
+              </a:spcAft>
+            </a:pPr>
+            <a:r>
+              <a:rPr lang="en-US" dirty="0">
+                <a:solidFill>
+                  <a:schemeClr val="bg1">
+                    <a:lumMod val="50000"/>
+                  </a:schemeClr>
+                </a:solidFill>
+              </a:rPr>
+              <a:t>2025 </a:t>
+            </a:r>
+            <a:r>
+              <a:rPr lang="en-US" dirty="0" err="1">
+                <a:solidFill>
+                  <a:schemeClr val="bg1">
+                    <a:lumMod val="50000"/>
+                  </a:schemeClr>
+                </a:solidFill>
+              </a:rPr>
+              <a:t>Sirum</a:t>
+            </a:r>
+            <a:r>
+              <a:rPr lang="en-US" dirty="0">
+                <a:solidFill>
+                  <a:schemeClr val="bg1">
+                    <a:lumMod val="50000"/>
+                  </a:schemeClr>
+                </a:solidFill>
+              </a:rPr>
+              <a:t> GmbH</a:t>
+            </a:r>
+          </a:p>
+        </p:txBody>
+      </p:sp>
+      <p:sp>
+        <p:nvSpPr>
+          <p:cNvPr id="8" name="Foliennummernplatzhalter 7">
+            <a:extLst>
+              <a:ext uri="{FF2B5EF4-FFF2-40B4-BE49-F238E27FC236}">
+                <a16:creationId xmlns:a16="http://schemas.microsoft.com/office/drawing/2014/main" id="{5ADBF082-9CB3-C2CE-8504-A258BAB35BD9}"/>
+              </a:ext>
+            </a:extLst>
+          </p:cNvPr>
+          <p:cNvSpPr>
+            <a:spLocks noGrp="1"/>
+          </p:cNvSpPr>
+          <p:nvPr>
+            <p:ph type="sldNum" sz="quarter" idx="12"/>
+          </p:nvPr>
+        </p:nvSpPr>
+        <p:spPr>
+          <a:xfrm>
+            <a:off x="10807995" y="6356350"/>
+            <a:ext cx="723014" cy="365125"/>
+          </a:xfrm>
+        </p:spPr>
+        <p:txBody>
+          <a:bodyPr>
+            <a:normAutofit/>
+          </a:bodyPr>
+          <a:lstStyle/>
+          <a:p>
+            <a:pPr>
+              <a:spcAft>
+                <a:spcPts val="600"/>
+              </a:spcAft>
+            </a:pPr>
+            <a:fld id="{70C12960-6E85-460F-B6E3-5B82CB31AF3D}" type="slidenum">
+              <a:rPr lang="en-US" smtClean="0">
+                <a:solidFill>
+                  <a:schemeClr val="bg1">
+                    <a:lumMod val="50000"/>
+                  </a:schemeClr>
+                </a:solidFill>
+              </a:rPr>
+              <a:pPr>
+                <a:spcAft>
+                  <a:spcPts val="600"/>
+                </a:spcAft>
+              </a:pPr>
+              <a:t>9</a:t>
+            </a:fld>
+            <a:endParaRPr lang="en-US" dirty="0">
+              <a:solidFill>
+                <a:schemeClr val="bg1">
+                  <a:lumMod val="50000"/>
+                </a:schemeClr>
+              </a:solidFill>
+            </a:endParaRPr>
+          </a:p>
+        </p:txBody>
+      </p:sp>
+      <p:cxnSp>
+        <p:nvCxnSpPr>
+          <p:cNvPr id="11" name="Gerader Verbinder 10">
+            <a:extLst>
+              <a:ext uri="{FF2B5EF4-FFF2-40B4-BE49-F238E27FC236}">
+                <a16:creationId xmlns:a16="http://schemas.microsoft.com/office/drawing/2014/main" id="{0490582C-117E-8929-A135-1342D187EB84}"/>
+              </a:ext>
+            </a:extLst>
+          </p:cNvPr>
+          <p:cNvCxnSpPr>
+            <a:cxnSpLocks/>
+          </p:cNvCxnSpPr>
+          <p:nvPr/>
+        </p:nvCxnSpPr>
+        <p:spPr>
+          <a:xfrm flipH="1">
+            <a:off x="-167640" y="708660"/>
+            <a:ext cx="12489180" cy="0"/>
+          </a:xfrm>
+          <a:prstGeom prst="line">
+            <a:avLst/>
+          </a:prstGeom>
+        </p:spPr>
+        <p:style>
+          <a:lnRef idx="2">
+            <a:schemeClr val="dk1"/>
+          </a:lnRef>
+          <a:fillRef idx="0">
+            <a:schemeClr val="dk1"/>
+          </a:fillRef>
+          <a:effectRef idx="1">
+            <a:schemeClr val="dk1"/>
+          </a:effectRef>
+          <a:fontRef idx="minor">
+            <a:schemeClr val="tx1"/>
+          </a:fontRef>
+        </p:style>
+      </p:cxnSp>
+      <p:pic>
+        <p:nvPicPr>
+          <p:cNvPr id="15" name="Grafik 14" descr="Ein Bild, das Farbigkeit, Grafiken, Design enthält.">
+            <a:extLst>
+              <a:ext uri="{FF2B5EF4-FFF2-40B4-BE49-F238E27FC236}">
+                <a16:creationId xmlns:a16="http://schemas.microsoft.com/office/drawing/2014/main" id="{3E024C52-4269-8E7B-7EF0-039D21DD31BB}"/>
+              </a:ext>
+            </a:extLst>
+          </p:cNvPr>
+          <p:cNvPicPr>
+            <a:picLocks noChangeAspect="1"/>
+          </p:cNvPicPr>
+          <p:nvPr/>
+        </p:nvPicPr>
+        <p:blipFill>
+          <a:blip r:embed="rId2">
+            <a:extLst>
+              <a:ext uri="{28A0092B-C50C-407E-A947-70E740481C1C}">
+                <a14:useLocalDpi xmlns:a14="http://schemas.microsoft.com/office/drawing/2010/main" val="0"/>
+              </a:ext>
+            </a:extLst>
+          </a:blip>
+          <a:stretch>
+            <a:fillRect/>
+          </a:stretch>
+        </p:blipFill>
+        <p:spPr>
+          <a:xfrm>
+            <a:off x="10360829" y="37116"/>
+            <a:ext cx="1617345" cy="634428"/>
+          </a:xfrm>
+          <a:prstGeom prst="rect">
+            <a:avLst/>
+          </a:prstGeom>
+        </p:spPr>
+      </p:pic>
+      <p:sp>
+        <p:nvSpPr>
+          <p:cNvPr id="16" name="Textfeld 15">
+            <a:extLst>
+              <a:ext uri="{FF2B5EF4-FFF2-40B4-BE49-F238E27FC236}">
+                <a16:creationId xmlns:a16="http://schemas.microsoft.com/office/drawing/2014/main" id="{9234B789-5581-6290-0B09-981C65B9D169}"/>
+              </a:ext>
+            </a:extLst>
+          </p:cNvPr>
+          <p:cNvSpPr txBox="1"/>
+          <p:nvPr/>
+        </p:nvSpPr>
+        <p:spPr>
+          <a:xfrm>
+            <a:off x="640079" y="1047987"/>
+            <a:ext cx="10890930" cy="523220"/>
+          </a:xfrm>
+          <a:prstGeom prst="rect">
+            <a:avLst/>
+          </a:prstGeom>
+          <a:noFill/>
+        </p:spPr>
+        <p:txBody>
+          <a:bodyPr wrap="square" rtlCol="0">
+            <a:spAutoFit/>
+          </a:bodyPr>
+          <a:lstStyle/>
+          <a:p>
+            <a:r>
+              <a:rPr lang="en-US" sz="2800" dirty="0" err="1"/>
+              <a:t>Wirtschaftlicher</a:t>
+            </a:r>
+            <a:r>
+              <a:rPr lang="en-US" sz="2800" dirty="0"/>
+              <a:t> </a:t>
+            </a:r>
+            <a:r>
+              <a:rPr lang="en-US" sz="2800" dirty="0" err="1"/>
+              <a:t>Nutzen</a:t>
+            </a:r>
+            <a:endParaRPr lang="en-DE" sz="2800" dirty="0"/>
+          </a:p>
+        </p:txBody>
+      </p:sp>
+    </p:spTree>
+    <p:extLst>
+      <p:ext uri="{BB962C8B-B14F-4D97-AF65-F5344CB8AC3E}">
+        <p14:creationId xmlns:p14="http://schemas.microsoft.com/office/powerpoint/2010/main" val="3051184308"/>
       </p:ext>
     </p:extLst>
   </p:cSld>

--- a/Präsentation/Entwicklung eines Odoo-Moduls zur ZIP-komprimierten Dateiverwaltung im Dokumentenmanagementsystem.pptx
+++ b/Präsentation/Entwicklung eines Odoo-Moduls zur ZIP-komprimierten Dateiverwaltung im Dokumentenmanagementsystem.pptx
@@ -10,16 +10,16 @@
   <p:sldIdLst>
     <p:sldId id="256" r:id="rId2"/>
     <p:sldId id="257" r:id="rId3"/>
-    <p:sldId id="269" r:id="rId4"/>
-    <p:sldId id="270" r:id="rId5"/>
-    <p:sldId id="268" r:id="rId6"/>
-    <p:sldId id="271" r:id="rId7"/>
-    <p:sldId id="264" r:id="rId8"/>
+    <p:sldId id="274" r:id="rId4"/>
+    <p:sldId id="269" r:id="rId5"/>
+    <p:sldId id="270" r:id="rId6"/>
+    <p:sldId id="268" r:id="rId7"/>
+    <p:sldId id="271" r:id="rId8"/>
     <p:sldId id="258" r:id="rId9"/>
-    <p:sldId id="265" r:id="rId10"/>
-    <p:sldId id="272" r:id="rId11"/>
-    <p:sldId id="259" r:id="rId12"/>
-    <p:sldId id="263" r:id="rId13"/>
+    <p:sldId id="272" r:id="rId10"/>
+    <p:sldId id="259" r:id="rId11"/>
+    <p:sldId id="263" r:id="rId12"/>
+    <p:sldId id="273" r:id="rId13"/>
   </p:sldIdLst>
   <p:sldSz cx="12192000" cy="6858000"/>
   <p:notesSz cx="6858000" cy="9144000"/>
@@ -236,7 +236,7 @@
           <a:p>
             <a:fld id="{4C27BFA1-A5AB-42FB-939B-087BECC10B9B}" type="datetimeFigureOut">
               <a:rPr lang="en-DE" smtClean="0"/>
-              <a:t>08/06/2025</a:t>
+              <a:t>09/06/2025</a:t>
             </a:fld>
             <a:endParaRPr lang="en-DE"/>
           </a:p>
@@ -4187,10 +4187,70 @@
               </a:lnSpc>
             </a:pPr>
             <a:r>
-              <a:rPr lang="en-US" sz="1800"/>
-              <a:t>Entwicklung eines Odoo-Moduls zur ZIP-komprimierten Dateiverwaltung im Dokumentenmanagementsystem (DMS)</a:t>
-            </a:r>
-            <a:endParaRPr lang="en-DE" sz="1800"/>
+              <a:rPr lang="en-US" sz="1800" dirty="0" err="1"/>
+              <a:t>Entwicklung</a:t>
+            </a:r>
+            <a:r>
+              <a:rPr lang="en-US" sz="1800" dirty="0"/>
+              <a:t> </a:t>
+            </a:r>
+            <a:r>
+              <a:rPr lang="en-US" sz="1800" dirty="0" err="1"/>
+              <a:t>eines</a:t>
+            </a:r>
+            <a:r>
+              <a:rPr lang="en-US" sz="1800" dirty="0"/>
+              <a:t> Odoo-</a:t>
+            </a:r>
+            <a:r>
+              <a:rPr lang="en-US" sz="1800" dirty="0" err="1"/>
+              <a:t>Moduls</a:t>
+            </a:r>
+            <a:r>
+              <a:rPr lang="en-US" sz="1800" dirty="0"/>
+              <a:t> </a:t>
+            </a:r>
+            <a:r>
+              <a:rPr lang="en-US" sz="1800" dirty="0" err="1"/>
+              <a:t>zur</a:t>
+            </a:r>
+            <a:r>
+              <a:rPr lang="en-US" sz="1800" dirty="0"/>
+              <a:t> ZIP-</a:t>
+            </a:r>
+            <a:r>
+              <a:rPr lang="en-US" sz="1800" dirty="0" err="1"/>
+              <a:t>komprimierten</a:t>
+            </a:r>
+            <a:r>
+              <a:rPr lang="en-US" sz="1800" dirty="0"/>
+              <a:t> </a:t>
+            </a:r>
+            <a:r>
+              <a:rPr lang="en-US" sz="1800" dirty="0" err="1"/>
+              <a:t>Dateiverwaltung</a:t>
+            </a:r>
+            <a:r>
+              <a:rPr lang="en-US" sz="1800" dirty="0"/>
+              <a:t> </a:t>
+            </a:r>
+            <a:r>
+              <a:rPr lang="en-US" sz="1800" dirty="0" err="1"/>
+              <a:t>im</a:t>
+            </a:r>
+            <a:r>
+              <a:rPr lang="en-US" sz="1800" dirty="0"/>
+              <a:t> </a:t>
+            </a:r>
+            <a:r>
+              <a:rPr lang="en-US" sz="1800" dirty="0" err="1"/>
+              <a:t>Dokumentenmanagementsystem</a:t>
+            </a:r>
+            <a:r>
+              <a:rPr lang="en-US" sz="1800" dirty="0"/>
+              <a:t> (DMS)</a:t>
+            </a:r>
+            <a:endParaRPr lang="en-DE" sz="1800" dirty="0"/>
           </a:p>
         </p:txBody>
       </p:sp>
@@ -4212,8 +4272,8 @@
         </p:nvSpPr>
         <p:spPr>
           <a:xfrm>
-            <a:off x="2580442" y="5765290"/>
-            <a:ext cx="7031117" cy="640705"/>
+            <a:off x="0" y="5700491"/>
+            <a:ext cx="12192000" cy="1284768"/>
           </a:xfrm>
         </p:spPr>
         <p:txBody>
@@ -4224,25 +4284,44 @@
           <a:p>
             <a:pPr algn="ctr">
               <a:lnSpc>
-                <a:spcPct val="120000"/>
+                <a:spcPct val="50000"/>
               </a:lnSpc>
             </a:pPr>
             <a:r>
-              <a:rPr lang="en-US" sz="1100"/>
+              <a:rPr lang="en-US" sz="1100" dirty="0"/>
               <a:t>Mark Albers</a:t>
             </a:r>
           </a:p>
           <a:p>
             <a:pPr algn="ctr">
               <a:lnSpc>
-                <a:spcPct val="120000"/>
+                <a:spcPct val="50000"/>
               </a:lnSpc>
             </a:pPr>
             <a:r>
-              <a:rPr lang="en-US" sz="1100"/>
-              <a:t>Sirum GmbH</a:t>
-            </a:r>
-            <a:endParaRPr lang="en-DE" sz="1100"/>
+              <a:rPr lang="en-US" sz="1100" dirty="0" err="1"/>
+              <a:t>Fachinformatiker</a:t>
+            </a:r>
+            <a:r>
+              <a:rPr lang="en-US" sz="1100" dirty="0"/>
+              <a:t> für </a:t>
+            </a:r>
+            <a:r>
+              <a:rPr lang="en-US" sz="1100" dirty="0" err="1"/>
+              <a:t>Anwendungsentwicklung</a:t>
+            </a:r>
+            <a:endParaRPr lang="en-US" sz="1100" dirty="0"/>
+          </a:p>
+          <a:p>
+            <a:pPr algn="ctr">
+              <a:lnSpc>
+                <a:spcPct val="50000"/>
+              </a:lnSpc>
+            </a:pPr>
+            <a:r>
+              <a:rPr lang="en-US" sz="1100" dirty="0"/>
+              <a:t>Sommer 2025</a:t>
+            </a:r>
           </a:p>
         </p:txBody>
       </p:sp>
@@ -4413,7 +4492,7 @@
         <p:cNvPr id="1" name="">
           <a:extLst>
             <a:ext uri="{FF2B5EF4-FFF2-40B4-BE49-F238E27FC236}">
-              <a16:creationId xmlns:a16="http://schemas.microsoft.com/office/drawing/2014/main" id="{E38C1EE9-E675-6C93-29D8-1B0C83F66500}"/>
+              <a16:creationId xmlns:a16="http://schemas.microsoft.com/office/drawing/2014/main" id="{C67513EC-A0EB-1A77-7216-C55359D6AE8E}"/>
             </a:ext>
           </a:extLst>
         </p:cNvPr>
@@ -4433,7 +4512,7 @@
           <p:cNvPr id="14" name="Rectangle 13">
             <a:extLst>
               <a:ext uri="{FF2B5EF4-FFF2-40B4-BE49-F238E27FC236}">
-                <a16:creationId xmlns:a16="http://schemas.microsoft.com/office/drawing/2014/main" id="{B5A4CB3D-DCA5-98C5-20D2-29B6AE459677}"/>
+                <a16:creationId xmlns:a16="http://schemas.microsoft.com/office/drawing/2014/main" id="{F996723B-9056-89B0-4373-B4609E34B9DE}"/>
               </a:ext>
               <a:ext uri="{C183D7F6-B498-43B3-948B-1728B52AA6E4}">
                 <adec:decorative xmlns:adec="http://schemas.microsoft.com/office/drawing/2017/decorative" val="1"/>
@@ -4522,7 +4601,7 @@
           <p:cNvPr id="2" name="Titel 1">
             <a:extLst>
               <a:ext uri="{FF2B5EF4-FFF2-40B4-BE49-F238E27FC236}">
-                <a16:creationId xmlns:a16="http://schemas.microsoft.com/office/drawing/2014/main" id="{1482B47D-DDDF-E118-3648-7763570FA381}"/>
+                <a16:creationId xmlns:a16="http://schemas.microsoft.com/office/drawing/2014/main" id="{CAC35BD6-C278-34AA-B813-776BF8D3B3C4}"/>
               </a:ext>
             </a:extLst>
           </p:cNvPr>
@@ -4547,7 +4626,11 @@
           <a:p>
             <a:r>
               <a:rPr lang="en-US" sz="2400" dirty="0" err="1"/>
-              <a:t>Übersicht</a:t>
+              <a:t>Erweiterbarkeit</a:t>
+            </a:r>
+            <a:r>
+              <a:rPr lang="en-US" sz="2400" dirty="0"/>
+              <a:t> &amp; Zukunft</a:t>
             </a:r>
             <a:endParaRPr lang="en-DE" sz="2400" dirty="0"/>
           </a:p>
@@ -4558,7 +4641,7 @@
           <p:cNvPr id="3" name="Inhaltsplatzhalter 2">
             <a:extLst>
               <a:ext uri="{FF2B5EF4-FFF2-40B4-BE49-F238E27FC236}">
-                <a16:creationId xmlns:a16="http://schemas.microsoft.com/office/drawing/2014/main" id="{F08AFA7D-AD60-BA25-338C-2361D8531997}"/>
+                <a16:creationId xmlns:a16="http://schemas.microsoft.com/office/drawing/2014/main" id="{13F8E9BA-5CF7-8B4A-33D7-39121D35A184}"/>
               </a:ext>
             </a:extLst>
           </p:cNvPr>
@@ -4581,39 +4664,16 @@
           </a:bodyPr>
           <a:lstStyle/>
           <a:p>
+            <a:pPr marL="0" indent="0">
+              <a:buNone/>
+            </a:pPr>
+            <a:r>
+              <a:rPr lang="en-US" dirty="0"/>
+              <a:t>Text / </a:t>
+            </a:r>
             <a:r>
               <a:rPr lang="en-US" dirty="0" err="1"/>
-              <a:t>Vorher</a:t>
-            </a:r>
-            <a:r>
-              <a:rPr lang="en-US" dirty="0"/>
-              <a:t>: 20 </a:t>
-            </a:r>
-            <a:r>
-              <a:rPr lang="en-US" dirty="0" err="1"/>
-              <a:t>Minuten</a:t>
-            </a:r>
-            <a:r>
-              <a:rPr lang="en-US" dirty="0"/>
-              <a:t> pro Export</a:t>
-            </a:r>
-          </a:p>
-          <a:p>
-            <a:r>
-              <a:rPr lang="en-US" dirty="0" err="1"/>
-              <a:t>Jetzt</a:t>
-            </a:r>
-            <a:r>
-              <a:rPr lang="en-US" dirty="0"/>
-              <a:t>: 2 </a:t>
-            </a:r>
-            <a:r>
-              <a:rPr lang="en-US" dirty="0" err="1"/>
-              <a:t>Minuten</a:t>
-            </a:r>
-            <a:r>
-              <a:rPr lang="en-US" dirty="0"/>
-              <a:t> pro Export</a:t>
+              <a:t>Inhalt</a:t>
             </a:r>
             <a:endParaRPr lang="en-DE" dirty="0"/>
           </a:p>
@@ -4624,7 +4684,7 @@
           <p:cNvPr id="9" name="Datumsplatzhalter 8">
             <a:extLst>
               <a:ext uri="{FF2B5EF4-FFF2-40B4-BE49-F238E27FC236}">
-                <a16:creationId xmlns:a16="http://schemas.microsoft.com/office/drawing/2014/main" id="{DB05F6E4-5B43-9CF7-DED8-9C79F4604262}"/>
+                <a16:creationId xmlns:a16="http://schemas.microsoft.com/office/drawing/2014/main" id="{32D8B77E-AA83-DDEA-6782-2A7FC9A4B6DF}"/>
               </a:ext>
             </a:extLst>
           </p:cNvPr>
@@ -4670,7 +4730,7 @@
           <p:cNvPr id="7" name="Fußzeilenplatzhalter 6">
             <a:extLst>
               <a:ext uri="{FF2B5EF4-FFF2-40B4-BE49-F238E27FC236}">
-                <a16:creationId xmlns:a16="http://schemas.microsoft.com/office/drawing/2014/main" id="{DFD2DAC7-276B-B493-DACB-A15E2423C9E2}"/>
+                <a16:creationId xmlns:a16="http://schemas.microsoft.com/office/drawing/2014/main" id="{67451453-FFBE-3762-D68E-6D774141E825}"/>
               </a:ext>
             </a:extLst>
           </p:cNvPr>
@@ -4736,7 +4796,7 @@
           <p:cNvPr id="8" name="Foliennummernplatzhalter 7">
             <a:extLst>
               <a:ext uri="{FF2B5EF4-FFF2-40B4-BE49-F238E27FC236}">
-                <a16:creationId xmlns:a16="http://schemas.microsoft.com/office/drawing/2014/main" id="{664E600D-62AA-7C2A-55EA-395A9E9F7BA5}"/>
+                <a16:creationId xmlns:a16="http://schemas.microsoft.com/office/drawing/2014/main" id="{34571FF4-8E41-532B-C3E7-7558A4AC50AD}"/>
               </a:ext>
             </a:extLst>
           </p:cNvPr>
@@ -4794,7 +4854,7 @@
           <p:cNvPr id="11" name="Gerader Verbinder 10">
             <a:extLst>
               <a:ext uri="{FF2B5EF4-FFF2-40B4-BE49-F238E27FC236}">
-                <a16:creationId xmlns:a16="http://schemas.microsoft.com/office/drawing/2014/main" id="{1E37BBA7-0099-F575-5B6C-E653C174BF9F}"/>
+                <a16:creationId xmlns:a16="http://schemas.microsoft.com/office/drawing/2014/main" id="{7D83C6CD-410E-60F3-66F3-B0F6F52F35A9}"/>
               </a:ext>
             </a:extLst>
           </p:cNvPr>
@@ -4832,7 +4892,7 @@
           <p:cNvPr id="15" name="Grafik 14" descr="Ein Bild, das Farbigkeit, Grafiken, Design enthält.">
             <a:extLst>
               <a:ext uri="{FF2B5EF4-FFF2-40B4-BE49-F238E27FC236}">
-                <a16:creationId xmlns:a16="http://schemas.microsoft.com/office/drawing/2014/main" id="{6B8C54E6-7301-18B2-40EF-252B52D8D559}"/>
+                <a16:creationId xmlns:a16="http://schemas.microsoft.com/office/drawing/2014/main" id="{607B15F1-EA9F-4901-0FF3-0E674DB96376}"/>
               </a:ext>
             </a:extLst>
           </p:cNvPr>
@@ -4868,7 +4928,7 @@
           <p:cNvPr id="16" name="Textfeld 15">
             <a:extLst>
               <a:ext uri="{FF2B5EF4-FFF2-40B4-BE49-F238E27FC236}">
-                <a16:creationId xmlns:a16="http://schemas.microsoft.com/office/drawing/2014/main" id="{9EACFE28-B83D-B52B-0827-CD3535E8DBAD}"/>
+                <a16:creationId xmlns:a16="http://schemas.microsoft.com/office/drawing/2014/main" id="{DAE50F6E-5BC9-4292-6057-827DFC49EFEA}"/>
               </a:ext>
             </a:extLst>
           </p:cNvPr>
@@ -4893,23 +4953,11 @@
           <a:p>
             <a:r>
               <a:rPr lang="en-US" sz="2800" dirty="0" err="1"/>
-              <a:t>Zeitersparnis</a:t>
+              <a:t>Erweiterbarkeit</a:t>
             </a:r>
             <a:r>
               <a:rPr lang="en-US" sz="2800" dirty="0"/>
-              <a:t> / </a:t>
-            </a:r>
-            <a:r>
-              <a:rPr lang="en-US" sz="2800" dirty="0" err="1"/>
-              <a:t>Wirtschaftlichkeit</a:t>
-            </a:r>
-            <a:r>
-              <a:rPr lang="en-US" sz="2800" dirty="0"/>
-              <a:t> – </a:t>
-            </a:r>
-            <a:r>
-              <a:rPr lang="en-US" sz="2800" dirty="0" err="1"/>
-              <a:t>Balkendiagramm</a:t>
+              <a:t> &amp; Zukunft</a:t>
             </a:r>
             <a:endParaRPr lang="en-DE" sz="2800" dirty="0"/>
           </a:p>
@@ -4918,7 +4966,7 @@
     </p:spTree>
     <p:extLst>
       <p:ext uri="{BB962C8B-B14F-4D97-AF65-F5344CB8AC3E}">
-        <p14:creationId xmlns:p14="http://schemas.microsoft.com/office/powerpoint/2010/main" val="603444831"/>
+        <p14:creationId xmlns:p14="http://schemas.microsoft.com/office/powerpoint/2010/main" val="1962126293"/>
       </p:ext>
     </p:extLst>
   </p:cSld>
@@ -4944,7 +4992,7 @@
         <p:cNvPr id="1" name="">
           <a:extLst>
             <a:ext uri="{FF2B5EF4-FFF2-40B4-BE49-F238E27FC236}">
-              <a16:creationId xmlns:a16="http://schemas.microsoft.com/office/drawing/2014/main" id="{C67513EC-A0EB-1A77-7216-C55359D6AE8E}"/>
+              <a16:creationId xmlns:a16="http://schemas.microsoft.com/office/drawing/2014/main" id="{019E4006-ED58-D91B-AF62-D045FAF8DE18}"/>
             </a:ext>
           </a:extLst>
         </p:cNvPr>
@@ -4964,7 +5012,7 @@
           <p:cNvPr id="14" name="Rectangle 13">
             <a:extLst>
               <a:ext uri="{FF2B5EF4-FFF2-40B4-BE49-F238E27FC236}">
-                <a16:creationId xmlns:a16="http://schemas.microsoft.com/office/drawing/2014/main" id="{F996723B-9056-89B0-4373-B4609E34B9DE}"/>
+                <a16:creationId xmlns:a16="http://schemas.microsoft.com/office/drawing/2014/main" id="{12357242-7040-8CE4-EA63-C8BA3AA76F98}"/>
               </a:ext>
               <a:ext uri="{C183D7F6-B498-43B3-948B-1728B52AA6E4}">
                 <adec:decorative xmlns:adec="http://schemas.microsoft.com/office/drawing/2017/decorative" val="1"/>
@@ -5053,7 +5101,7 @@
           <p:cNvPr id="2" name="Titel 1">
             <a:extLst>
               <a:ext uri="{FF2B5EF4-FFF2-40B4-BE49-F238E27FC236}">
-                <a16:creationId xmlns:a16="http://schemas.microsoft.com/office/drawing/2014/main" id="{CAC35BD6-C278-34AA-B813-776BF8D3B3C4}"/>
+                <a16:creationId xmlns:a16="http://schemas.microsoft.com/office/drawing/2014/main" id="{1789ED9A-C64F-1933-6824-D707983BC8BF}"/>
               </a:ext>
             </a:extLst>
           </p:cNvPr>
@@ -5078,7 +5126,15 @@
           <a:p>
             <a:r>
               <a:rPr lang="en-US" sz="2400" dirty="0" err="1"/>
-              <a:t>Übersicht</a:t>
+              <a:t>Abnahme</a:t>
+            </a:r>
+            <a:r>
+              <a:rPr lang="en-US" sz="2400" dirty="0"/>
+              <a:t>- und </a:t>
+            </a:r>
+            <a:r>
+              <a:rPr lang="en-US" sz="2400" dirty="0" err="1"/>
+              <a:t>Einführungsphase</a:t>
             </a:r>
             <a:endParaRPr lang="en-DE" sz="2400" dirty="0"/>
           </a:p>
@@ -5089,7 +5145,7 @@
           <p:cNvPr id="3" name="Inhaltsplatzhalter 2">
             <a:extLst>
               <a:ext uri="{FF2B5EF4-FFF2-40B4-BE49-F238E27FC236}">
-                <a16:creationId xmlns:a16="http://schemas.microsoft.com/office/drawing/2014/main" id="{13F8E9BA-5CF7-8B4A-33D7-39121D35A184}"/>
+                <a16:creationId xmlns:a16="http://schemas.microsoft.com/office/drawing/2014/main" id="{80336BB9-7E05-5C4F-6FE7-809C62B42245}"/>
               </a:ext>
             </a:extLst>
           </p:cNvPr>
@@ -5132,7 +5188,7 @@
           <p:cNvPr id="9" name="Datumsplatzhalter 8">
             <a:extLst>
               <a:ext uri="{FF2B5EF4-FFF2-40B4-BE49-F238E27FC236}">
-                <a16:creationId xmlns:a16="http://schemas.microsoft.com/office/drawing/2014/main" id="{32D8B77E-AA83-DDEA-6782-2A7FC9A4B6DF}"/>
+                <a16:creationId xmlns:a16="http://schemas.microsoft.com/office/drawing/2014/main" id="{5AB134A6-5768-9857-7E4D-A8983AE87242}"/>
               </a:ext>
             </a:extLst>
           </p:cNvPr>
@@ -5178,7 +5234,7 @@
           <p:cNvPr id="7" name="Fußzeilenplatzhalter 6">
             <a:extLst>
               <a:ext uri="{FF2B5EF4-FFF2-40B4-BE49-F238E27FC236}">
-                <a16:creationId xmlns:a16="http://schemas.microsoft.com/office/drawing/2014/main" id="{67451453-FFBE-3762-D68E-6D774141E825}"/>
+                <a16:creationId xmlns:a16="http://schemas.microsoft.com/office/drawing/2014/main" id="{66AE139E-5D06-D09E-F381-585078F2BB78}"/>
               </a:ext>
             </a:extLst>
           </p:cNvPr>
@@ -5244,7 +5300,7 @@
           <p:cNvPr id="8" name="Foliennummernplatzhalter 7">
             <a:extLst>
               <a:ext uri="{FF2B5EF4-FFF2-40B4-BE49-F238E27FC236}">
-                <a16:creationId xmlns:a16="http://schemas.microsoft.com/office/drawing/2014/main" id="{34571FF4-8E41-532B-C3E7-7558A4AC50AD}"/>
+                <a16:creationId xmlns:a16="http://schemas.microsoft.com/office/drawing/2014/main" id="{3B2DE92F-9AED-C227-A527-947020DE8A9F}"/>
               </a:ext>
             </a:extLst>
           </p:cNvPr>
@@ -5302,7 +5358,7 @@
           <p:cNvPr id="11" name="Gerader Verbinder 10">
             <a:extLst>
               <a:ext uri="{FF2B5EF4-FFF2-40B4-BE49-F238E27FC236}">
-                <a16:creationId xmlns:a16="http://schemas.microsoft.com/office/drawing/2014/main" id="{7D83C6CD-410E-60F3-66F3-B0F6F52F35A9}"/>
+                <a16:creationId xmlns:a16="http://schemas.microsoft.com/office/drawing/2014/main" id="{61695DD8-E62A-6D9C-0477-A0CB022131D5}"/>
               </a:ext>
             </a:extLst>
           </p:cNvPr>
@@ -5340,7 +5396,7 @@
           <p:cNvPr id="15" name="Grafik 14" descr="Ein Bild, das Farbigkeit, Grafiken, Design enthält.">
             <a:extLst>
               <a:ext uri="{FF2B5EF4-FFF2-40B4-BE49-F238E27FC236}">
-                <a16:creationId xmlns:a16="http://schemas.microsoft.com/office/drawing/2014/main" id="{607B15F1-EA9F-4901-0FF3-0E674DB96376}"/>
+                <a16:creationId xmlns:a16="http://schemas.microsoft.com/office/drawing/2014/main" id="{7B4CAC6E-2431-10E8-0D48-9353790B958F}"/>
               </a:ext>
             </a:extLst>
           </p:cNvPr>
@@ -5376,7 +5432,7 @@
           <p:cNvPr id="16" name="Textfeld 15">
             <a:extLst>
               <a:ext uri="{FF2B5EF4-FFF2-40B4-BE49-F238E27FC236}">
-                <a16:creationId xmlns:a16="http://schemas.microsoft.com/office/drawing/2014/main" id="{DAE50F6E-5BC9-4292-6057-827DFC49EFEA}"/>
+                <a16:creationId xmlns:a16="http://schemas.microsoft.com/office/drawing/2014/main" id="{8681588A-5389-4ACF-7069-60CE0B8098D3}"/>
               </a:ext>
             </a:extLst>
           </p:cNvPr>
@@ -5401,11 +5457,15 @@
           <a:p>
             <a:r>
               <a:rPr lang="en-US" sz="2800" dirty="0" err="1"/>
-              <a:t>Ausblick</a:t>
+              <a:t>Abnahme</a:t>
             </a:r>
             <a:r>
               <a:rPr lang="en-US" sz="2800" dirty="0"/>
-              <a:t> </a:t>
+              <a:t>- und </a:t>
+            </a:r>
+            <a:r>
+              <a:rPr lang="en-US" sz="2800" dirty="0" err="1"/>
+              <a:t>Einführungsphase</a:t>
             </a:r>
             <a:endParaRPr lang="en-DE" sz="2800" dirty="0"/>
           </a:p>
@@ -5414,7 +5474,7 @@
     </p:spTree>
     <p:extLst>
       <p:ext uri="{BB962C8B-B14F-4D97-AF65-F5344CB8AC3E}">
-        <p14:creationId xmlns:p14="http://schemas.microsoft.com/office/powerpoint/2010/main" val="1962126293"/>
+        <p14:creationId xmlns:p14="http://schemas.microsoft.com/office/powerpoint/2010/main" val="2192794796"/>
       </p:ext>
     </p:extLst>
   </p:cSld>
@@ -5440,7 +5500,7 @@
         <p:cNvPr id="1" name="">
           <a:extLst>
             <a:ext uri="{FF2B5EF4-FFF2-40B4-BE49-F238E27FC236}">
-              <a16:creationId xmlns:a16="http://schemas.microsoft.com/office/drawing/2014/main" id="{019E4006-ED58-D91B-AF62-D045FAF8DE18}"/>
+              <a16:creationId xmlns:a16="http://schemas.microsoft.com/office/drawing/2014/main" id="{32192A3F-E2B7-F3F8-2C2C-90F5050F6EDC}"/>
             </a:ext>
           </a:extLst>
         </p:cNvPr>
@@ -5460,7 +5520,7 @@
           <p:cNvPr id="14" name="Rectangle 13">
             <a:extLst>
               <a:ext uri="{FF2B5EF4-FFF2-40B4-BE49-F238E27FC236}">
-                <a16:creationId xmlns:a16="http://schemas.microsoft.com/office/drawing/2014/main" id="{12357242-7040-8CE4-EA63-C8BA3AA76F98}"/>
+                <a16:creationId xmlns:a16="http://schemas.microsoft.com/office/drawing/2014/main" id="{1799A8AF-4845-4E35-9BE8-1293C2BBD940}"/>
               </a:ext>
               <a:ext uri="{C183D7F6-B498-43B3-948B-1728B52AA6E4}">
                 <adec:decorative xmlns:adec="http://schemas.microsoft.com/office/drawing/2017/decorative" val="1"/>
@@ -5549,7 +5609,7 @@
           <p:cNvPr id="2" name="Titel 1">
             <a:extLst>
               <a:ext uri="{FF2B5EF4-FFF2-40B4-BE49-F238E27FC236}">
-                <a16:creationId xmlns:a16="http://schemas.microsoft.com/office/drawing/2014/main" id="{1789ED9A-C64F-1933-6824-D707983BC8BF}"/>
+                <a16:creationId xmlns:a16="http://schemas.microsoft.com/office/drawing/2014/main" id="{C07D6E66-CB72-FD06-C4A1-0D6304A9923E}"/>
               </a:ext>
             </a:extLst>
           </p:cNvPr>
@@ -5574,7 +5634,7 @@
           <a:p>
             <a:r>
               <a:rPr lang="en-US" sz="2400" dirty="0" err="1"/>
-              <a:t>Übersicht</a:t>
+              <a:t>Abschluss</a:t>
             </a:r>
             <a:endParaRPr lang="en-DE" sz="2400" dirty="0"/>
           </a:p>
@@ -5582,53 +5642,10 @@
       </p:sp>
       <p:sp>
         <p:nvSpPr>
-          <p:cNvPr id="3" name="Inhaltsplatzhalter 2">
-            <a:extLst>
-              <a:ext uri="{FF2B5EF4-FFF2-40B4-BE49-F238E27FC236}">
-                <a16:creationId xmlns:a16="http://schemas.microsoft.com/office/drawing/2014/main" id="{80336BB9-7E05-5C4F-6FE7-809C62B42245}"/>
-              </a:ext>
-            </a:extLst>
-          </p:cNvPr>
-          <p:cNvSpPr>
-            <a:spLocks noGrp="1"/>
-          </p:cNvSpPr>
-          <p:nvPr>
-            <p:ph idx="1"/>
-          </p:nvPr>
-        </p:nvSpPr>
-        <p:spPr>
-          <a:xfrm>
-            <a:off x="640078" y="1756644"/>
-            <a:ext cx="10890929" cy="4463185"/>
-          </a:xfrm>
-        </p:spPr>
-        <p:txBody>
-          <a:bodyPr>
-            <a:normAutofit/>
-          </a:bodyPr>
-          <a:lstStyle/>
-          <a:p>
-            <a:pPr marL="0" indent="0">
-              <a:buNone/>
-            </a:pPr>
-            <a:r>
-              <a:rPr lang="en-US" dirty="0"/>
-              <a:t>Text / </a:t>
-            </a:r>
-            <a:r>
-              <a:rPr lang="en-US" dirty="0" err="1"/>
-              <a:t>Inhalt</a:t>
-            </a:r>
-            <a:endParaRPr lang="en-DE" dirty="0"/>
-          </a:p>
-        </p:txBody>
-      </p:sp>
-      <p:sp>
-        <p:nvSpPr>
           <p:cNvPr id="9" name="Datumsplatzhalter 8">
             <a:extLst>
               <a:ext uri="{FF2B5EF4-FFF2-40B4-BE49-F238E27FC236}">
-                <a16:creationId xmlns:a16="http://schemas.microsoft.com/office/drawing/2014/main" id="{5AB134A6-5768-9857-7E4D-A8983AE87242}"/>
+                <a16:creationId xmlns:a16="http://schemas.microsoft.com/office/drawing/2014/main" id="{FE6DC0BE-4A47-FF2C-E997-AAC0FE762E8E}"/>
               </a:ext>
             </a:extLst>
           </p:cNvPr>
@@ -5674,7 +5691,7 @@
           <p:cNvPr id="7" name="Fußzeilenplatzhalter 6">
             <a:extLst>
               <a:ext uri="{FF2B5EF4-FFF2-40B4-BE49-F238E27FC236}">
-                <a16:creationId xmlns:a16="http://schemas.microsoft.com/office/drawing/2014/main" id="{66AE139E-5D06-D09E-F381-585078F2BB78}"/>
+                <a16:creationId xmlns:a16="http://schemas.microsoft.com/office/drawing/2014/main" id="{93BCF5B8-BC00-D9AE-5D25-7A1162FB38AC}"/>
               </a:ext>
             </a:extLst>
           </p:cNvPr>
@@ -5740,7 +5757,7 @@
           <p:cNvPr id="8" name="Foliennummernplatzhalter 7">
             <a:extLst>
               <a:ext uri="{FF2B5EF4-FFF2-40B4-BE49-F238E27FC236}">
-                <a16:creationId xmlns:a16="http://schemas.microsoft.com/office/drawing/2014/main" id="{3B2DE92F-9AED-C227-A527-947020DE8A9F}"/>
+                <a16:creationId xmlns:a16="http://schemas.microsoft.com/office/drawing/2014/main" id="{57538DFA-409E-74B7-31AF-C3D5FD873D6B}"/>
               </a:ext>
             </a:extLst>
           </p:cNvPr>
@@ -5798,7 +5815,7 @@
           <p:cNvPr id="11" name="Gerader Verbinder 10">
             <a:extLst>
               <a:ext uri="{FF2B5EF4-FFF2-40B4-BE49-F238E27FC236}">
-                <a16:creationId xmlns:a16="http://schemas.microsoft.com/office/drawing/2014/main" id="{61695DD8-E62A-6D9C-0477-A0CB022131D5}"/>
+                <a16:creationId xmlns:a16="http://schemas.microsoft.com/office/drawing/2014/main" id="{4D625548-FDCC-37A0-3013-BA58451F0078}"/>
               </a:ext>
             </a:extLst>
           </p:cNvPr>
@@ -5836,7 +5853,7 @@
           <p:cNvPr id="15" name="Grafik 14" descr="Ein Bild, das Farbigkeit, Grafiken, Design enthält.">
             <a:extLst>
               <a:ext uri="{FF2B5EF4-FFF2-40B4-BE49-F238E27FC236}">
-                <a16:creationId xmlns:a16="http://schemas.microsoft.com/office/drawing/2014/main" id="{7B4CAC6E-2431-10E8-0D48-9353790B958F}"/>
+                <a16:creationId xmlns:a16="http://schemas.microsoft.com/office/drawing/2014/main" id="{D65B6A66-4287-F7B7-F19C-066BC4064496}"/>
               </a:ext>
             </a:extLst>
           </p:cNvPr>
@@ -5872,7 +5889,7 @@
           <p:cNvPr id="16" name="Textfeld 15">
             <a:extLst>
               <a:ext uri="{FF2B5EF4-FFF2-40B4-BE49-F238E27FC236}">
-                <a16:creationId xmlns:a16="http://schemas.microsoft.com/office/drawing/2014/main" id="{8681588A-5389-4ACF-7069-60CE0B8098D3}"/>
+                <a16:creationId xmlns:a16="http://schemas.microsoft.com/office/drawing/2014/main" id="{DF21B903-DB64-3ED7-08A3-D6CABF0B3CF0}"/>
               </a:ext>
             </a:extLst>
           </p:cNvPr>
@@ -5895,17 +5912,30 @@
           </a:bodyPr>
           <a:lstStyle/>
           <a:p>
+            <a:pPr algn="ctr"/>
             <a:r>
               <a:rPr lang="en-US" sz="2800" dirty="0" err="1"/>
-              <a:t>Abnahme</a:t>
+              <a:t>Vielen</a:t>
             </a:r>
             <a:r>
               <a:rPr lang="en-US" sz="2800" dirty="0"/>
-              <a:t>- und </a:t>
+              <a:t> Dank für </a:t>
             </a:r>
             <a:r>
               <a:rPr lang="en-US" sz="2800" dirty="0" err="1"/>
-              <a:t>Einführungsphase</a:t>
+              <a:t>Ihre</a:t>
+            </a:r>
+            <a:r>
+              <a:rPr lang="en-US" sz="2800" dirty="0"/>
+              <a:t> </a:t>
+            </a:r>
+            <a:r>
+              <a:rPr lang="en-US" sz="2800" dirty="0" err="1"/>
+              <a:t>Aufmerksamkeit</a:t>
+            </a:r>
+            <a:r>
+              <a:rPr lang="en-US" sz="2800" dirty="0"/>
+              <a:t>!</a:t>
             </a:r>
             <a:endParaRPr lang="en-DE" sz="2800" dirty="0"/>
           </a:p>
@@ -5914,7 +5944,7 @@
     </p:spTree>
     <p:extLst>
       <p:ext uri="{BB962C8B-B14F-4D97-AF65-F5344CB8AC3E}">
-        <p14:creationId xmlns:p14="http://schemas.microsoft.com/office/powerpoint/2010/main" val="2192794796"/>
+        <p14:creationId xmlns:p14="http://schemas.microsoft.com/office/powerpoint/2010/main" val="1479758004"/>
       </p:ext>
     </p:extLst>
   </p:cSld>
@@ -6430,7 +6460,7 @@
         <p:cNvPr id="1" name="">
           <a:extLst>
             <a:ext uri="{FF2B5EF4-FFF2-40B4-BE49-F238E27FC236}">
-              <a16:creationId xmlns:a16="http://schemas.microsoft.com/office/drawing/2014/main" id="{18A64E89-11ED-731E-6259-5BEFEC157295}"/>
+              <a16:creationId xmlns:a16="http://schemas.microsoft.com/office/drawing/2014/main" id="{39379BCD-CAF5-9E0E-B7C2-6E2C5561B7E3}"/>
             </a:ext>
           </a:extLst>
         </p:cNvPr>
@@ -6450,7 +6480,7 @@
           <p:cNvPr id="14" name="Rectangle 13">
             <a:extLst>
               <a:ext uri="{FF2B5EF4-FFF2-40B4-BE49-F238E27FC236}">
-                <a16:creationId xmlns:a16="http://schemas.microsoft.com/office/drawing/2014/main" id="{A1FEAC32-76E9-B943-FC69-BC2912ED8681}"/>
+                <a16:creationId xmlns:a16="http://schemas.microsoft.com/office/drawing/2014/main" id="{CDCA86A8-05A3-7533-05F4-53695A9F25FB}"/>
               </a:ext>
               <a:ext uri="{C183D7F6-B498-43B3-948B-1728B52AA6E4}">
                 <adec:decorative xmlns:adec="http://schemas.microsoft.com/office/drawing/2017/decorative" val="1"/>
@@ -6539,7 +6569,7 @@
           <p:cNvPr id="2" name="Titel 1">
             <a:extLst>
               <a:ext uri="{FF2B5EF4-FFF2-40B4-BE49-F238E27FC236}">
-                <a16:creationId xmlns:a16="http://schemas.microsoft.com/office/drawing/2014/main" id="{BFA4758D-4C19-C241-12B3-136B90EC8F24}"/>
+                <a16:creationId xmlns:a16="http://schemas.microsoft.com/office/drawing/2014/main" id="{B6493452-11C8-82E4-4ADE-8F592E546D7B}"/>
               </a:ext>
             </a:extLst>
           </p:cNvPr>
@@ -6564,7 +6594,7 @@
           <a:p>
             <a:r>
               <a:rPr lang="en-US" sz="2400" dirty="0" err="1"/>
-              <a:t>Übersicht</a:t>
+              <a:t>Ablauf</a:t>
             </a:r>
             <a:endParaRPr lang="en-DE" sz="2400" dirty="0"/>
           </a:p>
@@ -6575,7 +6605,7 @@
           <p:cNvPr id="3" name="Inhaltsplatzhalter 2">
             <a:extLst>
               <a:ext uri="{FF2B5EF4-FFF2-40B4-BE49-F238E27FC236}">
-                <a16:creationId xmlns:a16="http://schemas.microsoft.com/office/drawing/2014/main" id="{A4339793-95E3-85D6-E0AC-D3C9C5DB7BF8}"/>
+                <a16:creationId xmlns:a16="http://schemas.microsoft.com/office/drawing/2014/main" id="{079B0620-6282-AAA5-00BB-5C7EC4B3CF46}"/>
               </a:ext>
             </a:extLst>
           </p:cNvPr>
@@ -6588,7 +6618,7 @@
         </p:nvSpPr>
         <p:spPr>
           <a:xfrm>
-            <a:off x="640078" y="1756644"/>
+            <a:off x="631485" y="1197404"/>
             <a:ext cx="10890929" cy="4463185"/>
           </a:xfrm>
         </p:spPr>
@@ -6598,57 +6628,14 @@
           </a:bodyPr>
           <a:lstStyle/>
           <a:p>
-            <a:r>
-              <a:rPr lang="de-DE" b="1" dirty="0"/>
-              <a:t>Projekt von:</a:t>
-            </a:r>
-            <a:r>
-              <a:rPr lang="de-DE" dirty="0"/>
-              <a:t> Mark Albers – Umschüler zum Fachinformatiker Anwendungsentwicklung</a:t>
-            </a:r>
-          </a:p>
-          <a:p>
-            <a:r>
-              <a:rPr lang="de-DE" b="1" dirty="0"/>
-              <a:t>Im Auftrag von:</a:t>
-            </a:r>
-            <a:r>
-              <a:rPr lang="de-DE" dirty="0"/>
-              <a:t> </a:t>
-            </a:r>
-            <a:r>
-              <a:rPr lang="de-DE" dirty="0" err="1"/>
-              <a:t>Sirum</a:t>
-            </a:r>
-            <a:r>
-              <a:rPr lang="de-DE" dirty="0"/>
-              <a:t> GmbH</a:t>
-            </a:r>
-          </a:p>
-          <a:p>
-            <a:r>
-              <a:rPr lang="de-DE" b="1" dirty="0"/>
-              <a:t>Entwickelt im Rahmen der Abschlussprüfung (Sommer 2025)</a:t>
-            </a:r>
-            <a:endParaRPr lang="de-DE" dirty="0"/>
-          </a:p>
-          <a:p>
-            <a:r>
-              <a:rPr lang="de-DE" b="1" dirty="0"/>
-              <a:t>Modulthema:</a:t>
-            </a:r>
-            <a:r>
-              <a:rPr lang="de-DE" dirty="0"/>
-              <a:t> ZIP-komprimierter Dokumentenexport im </a:t>
-            </a:r>
-            <a:r>
-              <a:rPr lang="de-DE" dirty="0" err="1"/>
-              <a:t>Odoo</a:t>
-            </a:r>
-            <a:r>
-              <a:rPr lang="de-DE" dirty="0"/>
-              <a:t>-DMS</a:t>
-            </a:r>
+            <a:pPr marL="0" indent="0">
+              <a:buNone/>
+            </a:pPr>
+            <a:r>
+              <a:rPr lang="en-US" dirty="0" err="1"/>
+              <a:t>Einleitung</a:t>
+            </a:r>
+            <a:endParaRPr lang="en-US" dirty="0"/>
           </a:p>
         </p:txBody>
       </p:sp>
@@ -6657,7 +6644,7 @@
           <p:cNvPr id="9" name="Datumsplatzhalter 8">
             <a:extLst>
               <a:ext uri="{FF2B5EF4-FFF2-40B4-BE49-F238E27FC236}">
-                <a16:creationId xmlns:a16="http://schemas.microsoft.com/office/drawing/2014/main" id="{A50C36AC-A48B-961E-9622-3AEEB2ECDAD6}"/>
+                <a16:creationId xmlns:a16="http://schemas.microsoft.com/office/drawing/2014/main" id="{12020380-76F9-75EF-8812-1F9E3C1F3A86}"/>
               </a:ext>
             </a:extLst>
           </p:cNvPr>
@@ -6703,7 +6690,7 @@
           <p:cNvPr id="7" name="Fußzeilenplatzhalter 6">
             <a:extLst>
               <a:ext uri="{FF2B5EF4-FFF2-40B4-BE49-F238E27FC236}">
-                <a16:creationId xmlns:a16="http://schemas.microsoft.com/office/drawing/2014/main" id="{CDB8EA2D-FDF5-6491-19E0-920FC0F635BF}"/>
+                <a16:creationId xmlns:a16="http://schemas.microsoft.com/office/drawing/2014/main" id="{73906951-2141-E6CA-1D38-AF3BD9A7A54F}"/>
               </a:ext>
             </a:extLst>
           </p:cNvPr>
@@ -6769,7 +6756,7 @@
           <p:cNvPr id="8" name="Foliennummernplatzhalter 7">
             <a:extLst>
               <a:ext uri="{FF2B5EF4-FFF2-40B4-BE49-F238E27FC236}">
-                <a16:creationId xmlns:a16="http://schemas.microsoft.com/office/drawing/2014/main" id="{C1297A98-043A-F2B7-11C5-0969C01B5428}"/>
+                <a16:creationId xmlns:a16="http://schemas.microsoft.com/office/drawing/2014/main" id="{3A2A557D-1C02-7C59-516C-90673F157719}"/>
               </a:ext>
             </a:extLst>
           </p:cNvPr>
@@ -6827,7 +6814,7 @@
           <p:cNvPr id="11" name="Gerader Verbinder 10">
             <a:extLst>
               <a:ext uri="{FF2B5EF4-FFF2-40B4-BE49-F238E27FC236}">
-                <a16:creationId xmlns:a16="http://schemas.microsoft.com/office/drawing/2014/main" id="{2EE6F1F3-4F91-0A7F-21BA-5EB5576C2D21}"/>
+                <a16:creationId xmlns:a16="http://schemas.microsoft.com/office/drawing/2014/main" id="{1F2DC416-5DC7-50A7-C9F3-B78A77945ED5}"/>
               </a:ext>
             </a:extLst>
           </p:cNvPr>
@@ -6865,6 +6852,501 @@
           <p:cNvPr id="15" name="Grafik 14" descr="Ein Bild, das Farbigkeit, Grafiken, Design enthält.">
             <a:extLst>
               <a:ext uri="{FF2B5EF4-FFF2-40B4-BE49-F238E27FC236}">
+                <a16:creationId xmlns:a16="http://schemas.microsoft.com/office/drawing/2014/main" id="{8ACF8E8F-4C99-93A6-1E6D-C816AC92B956}"/>
+              </a:ext>
+            </a:extLst>
+          </p:cNvPr>
+          <p:cNvPicPr>
+            <a:picLocks noChangeAspect="1"/>
+          </p:cNvPicPr>
+          <p:nvPr/>
+        </p:nvPicPr>
+        <p:blipFill>
+          <a:blip r:embed="rId2">
+            <a:extLst>
+              <a:ext uri="{28A0092B-C50C-407E-A947-70E740481C1C}">
+                <a14:useLocalDpi xmlns:a14="http://schemas.microsoft.com/office/drawing/2010/main" val="0"/>
+              </a:ext>
+            </a:extLst>
+          </a:blip>
+          <a:stretch>
+            <a:fillRect/>
+          </a:stretch>
+        </p:blipFill>
+        <p:spPr>
+          <a:xfrm>
+            <a:off x="10360829" y="37116"/>
+            <a:ext cx="1617345" cy="634428"/>
+          </a:xfrm>
+          <a:prstGeom prst="rect">
+            <a:avLst/>
+          </a:prstGeom>
+        </p:spPr>
+      </p:pic>
+    </p:spTree>
+    <p:extLst>
+      <p:ext uri="{BB962C8B-B14F-4D97-AF65-F5344CB8AC3E}">
+        <p14:creationId xmlns:p14="http://schemas.microsoft.com/office/powerpoint/2010/main" val="3417771944"/>
+      </p:ext>
+    </p:extLst>
+  </p:cSld>
+  <p:clrMapOvr>
+    <a:masterClrMapping/>
+  </p:clrMapOvr>
+</p:sld>
+</file>
+
+<file path=ppt/slides/slide4.xml><?xml version="1.0" encoding="utf-8"?>
+<p:sld xmlns:a="http://schemas.openxmlformats.org/drawingml/2006/main" xmlns:r="http://schemas.openxmlformats.org/officeDocument/2006/relationships" xmlns:p="http://schemas.openxmlformats.org/presentationml/2006/main">
+  <p:cSld>
+    <p:bg>
+      <p:bgPr>
+        <a:solidFill>
+          <a:schemeClr val="bg1"/>
+        </a:solidFill>
+        <a:effectLst/>
+      </p:bgPr>
+    </p:bg>
+    <p:spTree>
+      <p:nvGrpSpPr>
+        <p:cNvPr id="1" name="">
+          <a:extLst>
+            <a:ext uri="{FF2B5EF4-FFF2-40B4-BE49-F238E27FC236}">
+              <a16:creationId xmlns:a16="http://schemas.microsoft.com/office/drawing/2014/main" id="{18A64E89-11ED-731E-6259-5BEFEC157295}"/>
+            </a:ext>
+          </a:extLst>
+        </p:cNvPr>
+        <p:cNvGrpSpPr/>
+        <p:nvPr/>
+      </p:nvGrpSpPr>
+      <p:grpSpPr>
+        <a:xfrm>
+          <a:off x="0" y="0"/>
+          <a:ext cx="0" cy="0"/>
+          <a:chOff x="0" y="0"/>
+          <a:chExt cx="0" cy="0"/>
+        </a:xfrm>
+      </p:grpSpPr>
+      <p:sp useBgFill="1">
+        <p:nvSpPr>
+          <p:cNvPr id="14" name="Rectangle 13">
+            <a:extLst>
+              <a:ext uri="{FF2B5EF4-FFF2-40B4-BE49-F238E27FC236}">
+                <a16:creationId xmlns:a16="http://schemas.microsoft.com/office/drawing/2014/main" id="{A1FEAC32-76E9-B943-FC69-BC2912ED8681}"/>
+              </a:ext>
+              <a:ext uri="{C183D7F6-B498-43B3-948B-1728B52AA6E4}">
+                <adec:decorative xmlns:adec="http://schemas.microsoft.com/office/drawing/2017/decorative" val="1"/>
+              </a:ext>
+            </a:extLst>
+          </p:cNvPr>
+          <p:cNvSpPr>
+            <a:spLocks noGrp="1" noRot="1" noChangeAspect="1" noMove="1" noResize="1" noEditPoints="1" noAdjustHandles="1" noChangeArrowheads="1" noChangeShapeType="1" noTextEdit="1"/>
+          </p:cNvSpPr>
+          <p:nvPr>
+            <p:extLst>
+              <p:ext uri="{386F3935-93C4-4BCD-93E2-E3B085C9AB24}">
+                <p16:designElem xmlns:p16="http://schemas.microsoft.com/office/powerpoint/2015/main" val="1"/>
+              </p:ext>
+            </p:extLst>
+          </p:nvPr>
+        </p:nvSpPr>
+        <p:spPr>
+          <a:xfrm>
+            <a:off x="0" y="0"/>
+            <a:ext cx="12188952" cy="6857995"/>
+          </a:xfrm>
+          <a:prstGeom prst="rect">
+            <a:avLst/>
+          </a:prstGeom>
+          <a:ln>
+            <a:noFill/>
+          </a:ln>
+        </p:spPr>
+        <p:style>
+          <a:lnRef idx="2">
+            <a:schemeClr val="accent1">
+              <a:shade val="50000"/>
+            </a:schemeClr>
+          </a:lnRef>
+          <a:fillRef idx="1">
+            <a:schemeClr val="accent1"/>
+          </a:fillRef>
+          <a:effectRef idx="0">
+            <a:schemeClr val="accent1"/>
+          </a:effectRef>
+          <a:fontRef idx="minor">
+            <a:schemeClr val="lt1"/>
+          </a:fontRef>
+        </p:style>
+        <p:txBody>
+          <a:bodyPr rtlCol="0" anchor="ctr"/>
+          <a:lstStyle/>
+          <a:p>
+            <a:pPr marL="0" marR="0" lvl="0" indent="0" algn="ctr" defTabSz="914400" rtl="0" eaLnBrk="1" fontAlgn="auto" latinLnBrk="0" hangingPunct="1">
+              <a:lnSpc>
+                <a:spcPct val="100000"/>
+              </a:lnSpc>
+              <a:spcBef>
+                <a:spcPts val="0"/>
+              </a:spcBef>
+              <a:spcAft>
+                <a:spcPts val="0"/>
+              </a:spcAft>
+              <a:buClrTx/>
+              <a:buSzTx/>
+              <a:buFontTx/>
+              <a:buNone/>
+              <a:tabLst/>
+              <a:defRPr/>
+            </a:pPr>
+            <a:endParaRPr kumimoji="0" lang="en-US" sz="1800" b="0" i="0" u="none" strike="noStrike" kern="1200" cap="none" spc="0" normalizeH="0" baseline="0" noProof="0">
+              <a:ln>
+                <a:noFill/>
+              </a:ln>
+              <a:solidFill>
+                <a:prstClr val="white"/>
+              </a:solidFill>
+              <a:effectLst/>
+              <a:uLnTx/>
+              <a:uFillTx/>
+              <a:latin typeface="Bierstadt"/>
+              <a:ea typeface="+mn-ea"/>
+              <a:cs typeface="+mn-cs"/>
+            </a:endParaRPr>
+          </a:p>
+        </p:txBody>
+      </p:sp>
+      <p:sp>
+        <p:nvSpPr>
+          <p:cNvPr id="2" name="Titel 1">
+            <a:extLst>
+              <a:ext uri="{FF2B5EF4-FFF2-40B4-BE49-F238E27FC236}">
+                <a16:creationId xmlns:a16="http://schemas.microsoft.com/office/drawing/2014/main" id="{BFA4758D-4C19-C241-12B3-136B90EC8F24}"/>
+              </a:ext>
+            </a:extLst>
+          </p:cNvPr>
+          <p:cNvSpPr>
+            <a:spLocks noGrp="1"/>
+          </p:cNvSpPr>
+          <p:nvPr>
+            <p:ph type="title"/>
+          </p:nvPr>
+        </p:nvSpPr>
+        <p:spPr>
+          <a:xfrm>
+            <a:off x="213826" y="0"/>
+            <a:ext cx="6194304" cy="708660"/>
+          </a:xfrm>
+        </p:spPr>
+        <p:txBody>
+          <a:bodyPr anchor="ctr">
+            <a:normAutofit/>
+          </a:bodyPr>
+          <a:lstStyle/>
+          <a:p>
+            <a:r>
+              <a:rPr lang="en-US" sz="2400" dirty="0" err="1"/>
+              <a:t>Kurzvorstellung</a:t>
+            </a:r>
+            <a:endParaRPr lang="en-DE" sz="2400" dirty="0"/>
+          </a:p>
+        </p:txBody>
+      </p:sp>
+      <p:sp>
+        <p:nvSpPr>
+          <p:cNvPr id="3" name="Inhaltsplatzhalter 2">
+            <a:extLst>
+              <a:ext uri="{FF2B5EF4-FFF2-40B4-BE49-F238E27FC236}">
+                <a16:creationId xmlns:a16="http://schemas.microsoft.com/office/drawing/2014/main" id="{A4339793-95E3-85D6-E0AC-D3C9C5DB7BF8}"/>
+              </a:ext>
+            </a:extLst>
+          </p:cNvPr>
+          <p:cNvSpPr>
+            <a:spLocks noGrp="1"/>
+          </p:cNvSpPr>
+          <p:nvPr>
+            <p:ph idx="1"/>
+          </p:nvPr>
+        </p:nvSpPr>
+        <p:spPr>
+          <a:xfrm>
+            <a:off x="640078" y="1756644"/>
+            <a:ext cx="10890929" cy="4463185"/>
+          </a:xfrm>
+        </p:spPr>
+        <p:txBody>
+          <a:bodyPr>
+            <a:normAutofit/>
+          </a:bodyPr>
+          <a:lstStyle/>
+          <a:p>
+            <a:r>
+              <a:rPr lang="de-DE" b="1" dirty="0"/>
+              <a:t>Projekt von:</a:t>
+            </a:r>
+            <a:r>
+              <a:rPr lang="de-DE" dirty="0"/>
+              <a:t> Mark Albers – Umschüler zum Fachinformatiker Anwendungsentwicklung</a:t>
+            </a:r>
+          </a:p>
+          <a:p>
+            <a:r>
+              <a:rPr lang="de-DE" b="1" dirty="0"/>
+              <a:t>Im Auftrag von:</a:t>
+            </a:r>
+            <a:r>
+              <a:rPr lang="de-DE" dirty="0"/>
+              <a:t> </a:t>
+            </a:r>
+            <a:r>
+              <a:rPr lang="de-DE" dirty="0" err="1"/>
+              <a:t>Sirum</a:t>
+            </a:r>
+            <a:r>
+              <a:rPr lang="de-DE" dirty="0"/>
+              <a:t> GmbH</a:t>
+            </a:r>
+          </a:p>
+          <a:p>
+            <a:r>
+              <a:rPr lang="de-DE" b="1" dirty="0"/>
+              <a:t>Entwickelt im Rahmen der Abschlussprüfung (Sommer 2025)</a:t>
+            </a:r>
+            <a:endParaRPr lang="de-DE" dirty="0"/>
+          </a:p>
+          <a:p>
+            <a:r>
+              <a:rPr lang="de-DE" b="1" dirty="0"/>
+              <a:t>Modulthema:</a:t>
+            </a:r>
+            <a:r>
+              <a:rPr lang="de-DE" dirty="0"/>
+              <a:t> ZIP-komprimierter Dokumentenexport im </a:t>
+            </a:r>
+            <a:r>
+              <a:rPr lang="de-DE" dirty="0" err="1"/>
+              <a:t>Odoo</a:t>
+            </a:r>
+            <a:r>
+              <a:rPr lang="de-DE" dirty="0"/>
+              <a:t>-DMS</a:t>
+            </a:r>
+          </a:p>
+        </p:txBody>
+      </p:sp>
+      <p:sp>
+        <p:nvSpPr>
+          <p:cNvPr id="9" name="Datumsplatzhalter 8">
+            <a:extLst>
+              <a:ext uri="{FF2B5EF4-FFF2-40B4-BE49-F238E27FC236}">
+                <a16:creationId xmlns:a16="http://schemas.microsoft.com/office/drawing/2014/main" id="{A50C36AC-A48B-961E-9622-3AEEB2ECDAD6}"/>
+              </a:ext>
+            </a:extLst>
+          </p:cNvPr>
+          <p:cNvSpPr>
+            <a:spLocks noGrp="1"/>
+          </p:cNvSpPr>
+          <p:nvPr>
+            <p:ph type="dt" sz="half" idx="10"/>
+          </p:nvPr>
+        </p:nvSpPr>
+        <p:spPr>
+          <a:xfrm>
+            <a:off x="640080" y="6356350"/>
+            <a:ext cx="2743200" cy="365125"/>
+          </a:xfrm>
+        </p:spPr>
+        <p:txBody>
+          <a:bodyPr>
+            <a:normAutofit/>
+          </a:bodyPr>
+          <a:lstStyle/>
+          <a:p>
+            <a:pPr>
+              <a:spcAft>
+                <a:spcPts val="600"/>
+              </a:spcAft>
+            </a:pPr>
+            <a:r>
+              <a:rPr lang="en-US" dirty="0">
+                <a:solidFill>
+                  <a:schemeClr val="bg1">
+                    <a:lumMod val="50000"/>
+                  </a:schemeClr>
+                </a:solidFill>
+              </a:rPr>
+              <a:t>Mark Albers</a:t>
+            </a:r>
+          </a:p>
+        </p:txBody>
+      </p:sp>
+      <p:sp>
+        <p:nvSpPr>
+          <p:cNvPr id="7" name="Fußzeilenplatzhalter 6">
+            <a:extLst>
+              <a:ext uri="{FF2B5EF4-FFF2-40B4-BE49-F238E27FC236}">
+                <a16:creationId xmlns:a16="http://schemas.microsoft.com/office/drawing/2014/main" id="{CDB8EA2D-FDF5-6491-19E0-920FC0F635BF}"/>
+              </a:ext>
+            </a:extLst>
+          </p:cNvPr>
+          <p:cNvSpPr>
+            <a:spLocks noGrp="1"/>
+          </p:cNvSpPr>
+          <p:nvPr>
+            <p:ph type="ftr" sz="quarter" idx="11"/>
+          </p:nvPr>
+        </p:nvSpPr>
+        <p:spPr>
+          <a:xfrm>
+            <a:off x="4074289" y="6357620"/>
+            <a:ext cx="4040373" cy="365125"/>
+          </a:xfrm>
+        </p:spPr>
+        <p:txBody>
+          <a:bodyPr>
+            <a:normAutofit/>
+          </a:bodyPr>
+          <a:lstStyle/>
+          <a:p>
+            <a:pPr algn="ctr">
+              <a:spcAft>
+                <a:spcPts val="600"/>
+              </a:spcAft>
+            </a:pPr>
+            <a:r>
+              <a:rPr lang="en-US" dirty="0">
+                <a:solidFill>
+                  <a:schemeClr val="bg1">
+                    <a:lumMod val="50000"/>
+                  </a:schemeClr>
+                </a:solidFill>
+              </a:rPr>
+              <a:t>2025 </a:t>
+            </a:r>
+            <a:r>
+              <a:rPr lang="en-US" dirty="0" err="1">
+                <a:solidFill>
+                  <a:schemeClr val="bg1">
+                    <a:lumMod val="50000"/>
+                  </a:schemeClr>
+                </a:solidFill>
+              </a:rPr>
+              <a:t>Sirum</a:t>
+            </a:r>
+            <a:r>
+              <a:rPr lang="en-US" dirty="0">
+                <a:solidFill>
+                  <a:schemeClr val="bg1">
+                    <a:lumMod val="50000"/>
+                  </a:schemeClr>
+                </a:solidFill>
+              </a:rPr>
+              <a:t> GmbH</a:t>
+            </a:r>
+          </a:p>
+        </p:txBody>
+      </p:sp>
+      <p:sp>
+        <p:nvSpPr>
+          <p:cNvPr id="8" name="Foliennummernplatzhalter 7">
+            <a:extLst>
+              <a:ext uri="{FF2B5EF4-FFF2-40B4-BE49-F238E27FC236}">
+                <a16:creationId xmlns:a16="http://schemas.microsoft.com/office/drawing/2014/main" id="{C1297A98-043A-F2B7-11C5-0969C01B5428}"/>
+              </a:ext>
+            </a:extLst>
+          </p:cNvPr>
+          <p:cNvSpPr>
+            <a:spLocks noGrp="1"/>
+          </p:cNvSpPr>
+          <p:nvPr>
+            <p:ph type="sldNum" sz="quarter" idx="12"/>
+          </p:nvPr>
+        </p:nvSpPr>
+        <p:spPr>
+          <a:xfrm>
+            <a:off x="10807995" y="6356350"/>
+            <a:ext cx="723014" cy="365125"/>
+          </a:xfrm>
+        </p:spPr>
+        <p:txBody>
+          <a:bodyPr>
+            <a:normAutofit/>
+          </a:bodyPr>
+          <a:lstStyle/>
+          <a:p>
+            <a:pPr>
+              <a:spcAft>
+                <a:spcPts val="600"/>
+              </a:spcAft>
+            </a:pPr>
+            <a:fld id="{70C12960-6E85-460F-B6E3-5B82CB31AF3D}" type="slidenum">
+              <a:rPr lang="en-US" smtClean="0">
+                <a:solidFill>
+                  <a:schemeClr val="bg1">
+                    <a:lumMod val="50000"/>
+                  </a:schemeClr>
+                </a:solidFill>
+              </a:rPr>
+              <a:pPr>
+                <a:spcAft>
+                  <a:spcPts val="600"/>
+                </a:spcAft>
+              </a:pPr>
+              <a:t>4</a:t>
+            </a:fld>
+            <a:endParaRPr lang="en-US" dirty="0">
+              <a:solidFill>
+                <a:schemeClr val="bg1">
+                  <a:lumMod val="50000"/>
+                </a:schemeClr>
+              </a:solidFill>
+            </a:endParaRPr>
+          </a:p>
+        </p:txBody>
+      </p:sp>
+      <p:cxnSp>
+        <p:nvCxnSpPr>
+          <p:cNvPr id="11" name="Gerader Verbinder 10">
+            <a:extLst>
+              <a:ext uri="{FF2B5EF4-FFF2-40B4-BE49-F238E27FC236}">
+                <a16:creationId xmlns:a16="http://schemas.microsoft.com/office/drawing/2014/main" id="{2EE6F1F3-4F91-0A7F-21BA-5EB5576C2D21}"/>
+              </a:ext>
+            </a:extLst>
+          </p:cNvPr>
+          <p:cNvCxnSpPr>
+            <a:cxnSpLocks/>
+          </p:cNvCxnSpPr>
+          <p:nvPr/>
+        </p:nvCxnSpPr>
+        <p:spPr>
+          <a:xfrm flipH="1">
+            <a:off x="-167640" y="708660"/>
+            <a:ext cx="12489180" cy="0"/>
+          </a:xfrm>
+          <a:prstGeom prst="line">
+            <a:avLst/>
+          </a:prstGeom>
+        </p:spPr>
+        <p:style>
+          <a:lnRef idx="2">
+            <a:schemeClr val="dk1"/>
+          </a:lnRef>
+          <a:fillRef idx="0">
+            <a:schemeClr val="dk1"/>
+          </a:fillRef>
+          <a:effectRef idx="1">
+            <a:schemeClr val="dk1"/>
+          </a:effectRef>
+          <a:fontRef idx="minor">
+            <a:schemeClr val="tx1"/>
+          </a:fontRef>
+        </p:style>
+      </p:cxnSp>
+      <p:pic>
+        <p:nvPicPr>
+          <p:cNvPr id="15" name="Grafik 14" descr="Ein Bild, das Farbigkeit, Grafiken, Design enthält.">
+            <a:extLst>
+              <a:ext uri="{FF2B5EF4-FFF2-40B4-BE49-F238E27FC236}">
                 <a16:creationId xmlns:a16="http://schemas.microsoft.com/office/drawing/2014/main" id="{08CFEA47-845F-939F-126E-BCF502085E9B}"/>
               </a:ext>
             </a:extLst>
@@ -6945,7 +7427,7 @@
 </p:sld>
 </file>
 
-<file path=ppt/slides/slide4.xml><?xml version="1.0" encoding="utf-8"?>
+<file path=ppt/slides/slide5.xml><?xml version="1.0" encoding="utf-8"?>
 <p:sld xmlns:a="http://schemas.openxmlformats.org/drawingml/2006/main" xmlns:r="http://schemas.openxmlformats.org/officeDocument/2006/relationships" xmlns:p="http://schemas.openxmlformats.org/presentationml/2006/main">
   <p:cSld>
     <p:bg>
@@ -7095,7 +7577,15 @@
           <a:p>
             <a:r>
               <a:rPr lang="en-US" sz="2400" dirty="0" err="1"/>
-              <a:t>Übersicht</a:t>
+              <a:t>Problemstellung</a:t>
+            </a:r>
+            <a:r>
+              <a:rPr lang="en-US" sz="2400" dirty="0"/>
+              <a:t> &amp; </a:t>
+            </a:r>
+            <a:r>
+              <a:rPr lang="en-US" sz="2400" dirty="0" err="1"/>
+              <a:t>Zielsetzung</a:t>
             </a:r>
             <a:endParaRPr lang="en-DE" sz="2400" dirty="0"/>
           </a:p>
@@ -7354,7 +7844,7 @@
                   <a:spcPts val="600"/>
                 </a:spcAft>
               </a:pPr>
-              <a:t>4</a:t>
+              <a:t>5</a:t>
             </a:fld>
             <a:endParaRPr lang="en-US" dirty="0">
               <a:solidFill>
@@ -7497,7 +7987,7 @@
 </p:sld>
 </file>
 
-<file path=ppt/slides/slide5.xml><?xml version="1.0" encoding="utf-8"?>
+<file path=ppt/slides/slide6.xml><?xml version="1.0" encoding="utf-8"?>
 <p:sld xmlns:a="http://schemas.openxmlformats.org/drawingml/2006/main" xmlns:r="http://schemas.openxmlformats.org/officeDocument/2006/relationships" xmlns:p="http://schemas.openxmlformats.org/presentationml/2006/main">
   <p:cSld>
     <p:bg>
@@ -7646,8 +8136,12 @@
           <a:lstStyle/>
           <a:p>
             <a:r>
+              <a:rPr lang="en-US" sz="2400" dirty="0"/>
+              <a:t>Modul-</a:t>
+            </a:r>
+            <a:r>
               <a:rPr lang="en-US" sz="2400" dirty="0" err="1"/>
-              <a:t>Übersicht</a:t>
+              <a:t>Funktionalität</a:t>
             </a:r>
             <a:endParaRPr lang="en-DE" sz="2400" dirty="0"/>
           </a:p>
@@ -7917,7 +8411,7 @@
                   <a:spcPts val="600"/>
                 </a:spcAft>
               </a:pPr>
-              <a:t>5</a:t>
+              <a:t>6</a:t>
             </a:fld>
             <a:endParaRPr lang="en-US" dirty="0">
               <a:solidFill>
@@ -8003,50 +8497,6 @@
           </a:prstGeom>
         </p:spPr>
       </p:pic>
-      <p:sp>
-        <p:nvSpPr>
-          <p:cNvPr id="16" name="Textfeld 15">
-            <a:extLst>
-              <a:ext uri="{FF2B5EF4-FFF2-40B4-BE49-F238E27FC236}">
-                <a16:creationId xmlns:a16="http://schemas.microsoft.com/office/drawing/2014/main" id="{2122AD1A-9980-2D28-B05D-02BA684FF65B}"/>
-              </a:ext>
-            </a:extLst>
-          </p:cNvPr>
-          <p:cNvSpPr txBox="1"/>
-          <p:nvPr/>
-        </p:nvSpPr>
-        <p:spPr>
-          <a:xfrm>
-            <a:off x="640079" y="1047987"/>
-            <a:ext cx="10890930" cy="523220"/>
-          </a:xfrm>
-          <a:prstGeom prst="rect">
-            <a:avLst/>
-          </a:prstGeom>
-          <a:noFill/>
-        </p:spPr>
-        <p:txBody>
-          <a:bodyPr wrap="square" rtlCol="0">
-            <a:spAutoFit/>
-          </a:bodyPr>
-          <a:lstStyle/>
-          <a:p>
-            <a:r>
-              <a:rPr lang="en-US" sz="2800" dirty="0"/>
-              <a:t>Modul-</a:t>
-            </a:r>
-            <a:r>
-              <a:rPr lang="en-US" sz="2800" dirty="0" err="1"/>
-              <a:t>Funktionalität</a:t>
-            </a:r>
-            <a:r>
-              <a:rPr lang="en-US" sz="2800" dirty="0"/>
-              <a:t> in Odoo</a:t>
-            </a:r>
-            <a:endParaRPr lang="en-DE" sz="2800" dirty="0"/>
-          </a:p>
-        </p:txBody>
-      </p:sp>
     </p:spTree>
     <p:extLst>
       <p:ext uri="{BB962C8B-B14F-4D97-AF65-F5344CB8AC3E}">
@@ -8060,7 +8510,7 @@
 </p:sld>
 </file>
 
-<file path=ppt/slides/slide6.xml><?xml version="1.0" encoding="utf-8"?>
+<file path=ppt/slides/slide7.xml><?xml version="1.0" encoding="utf-8"?>
 <p:sld xmlns:a="http://schemas.openxmlformats.org/drawingml/2006/main" xmlns:r="http://schemas.openxmlformats.org/officeDocument/2006/relationships" xmlns:p="http://schemas.openxmlformats.org/presentationml/2006/main">
   <p:cSld>
     <p:bg>
@@ -8210,7 +8660,15 @@
           <a:p>
             <a:r>
               <a:rPr lang="en-US" sz="2400" dirty="0" err="1"/>
-              <a:t>Übersicht</a:t>
+              <a:t>Ablauf</a:t>
+            </a:r>
+            <a:r>
+              <a:rPr lang="en-US" sz="2400" dirty="0"/>
+              <a:t> des </a:t>
+            </a:r>
+            <a:r>
+              <a:rPr lang="en-US" sz="2400" dirty="0" err="1"/>
+              <a:t>Moduls</a:t>
             </a:r>
             <a:endParaRPr lang="en-DE" sz="2400" dirty="0"/>
           </a:p>
@@ -8244,7 +8702,7 @@
         </p:blipFill>
         <p:spPr>
           <a:xfrm>
-            <a:off x="6918922" y="457201"/>
+            <a:off x="3763462" y="354330"/>
             <a:ext cx="4621018" cy="6611733"/>
           </a:xfrm>
           <a:prstGeom prst="rect">
@@ -8252,93 +8710,6 @@
           </a:prstGeom>
         </p:spPr>
       </p:pic>
-      <p:sp>
-        <p:nvSpPr>
-          <p:cNvPr id="3" name="Inhaltsplatzhalter 2">
-            <a:extLst>
-              <a:ext uri="{FF2B5EF4-FFF2-40B4-BE49-F238E27FC236}">
-                <a16:creationId xmlns:a16="http://schemas.microsoft.com/office/drawing/2014/main" id="{324EE294-E460-3DB9-ED8C-391683020743}"/>
-              </a:ext>
-            </a:extLst>
-          </p:cNvPr>
-          <p:cNvSpPr>
-            <a:spLocks noGrp="1"/>
-          </p:cNvSpPr>
-          <p:nvPr>
-            <p:ph idx="1"/>
-          </p:nvPr>
-        </p:nvSpPr>
-        <p:spPr>
-          <a:xfrm>
-            <a:off x="649011" y="1756644"/>
-            <a:ext cx="10890929" cy="4463185"/>
-          </a:xfrm>
-        </p:spPr>
-        <p:txBody>
-          <a:bodyPr>
-            <a:normAutofit/>
-          </a:bodyPr>
-          <a:lstStyle/>
-          <a:p>
-            <a:pPr marL="457200" indent="-457200">
-              <a:buFont typeface="+mj-lt"/>
-              <a:buAutoNum type="arabicPeriod"/>
-            </a:pPr>
-            <a:r>
-              <a:rPr lang="de-DE" dirty="0"/>
-              <a:t>Der Benutzer öffnet den Wizard über den Button „Erstellen“.</a:t>
-            </a:r>
-          </a:p>
-          <a:p>
-            <a:pPr marL="457200" indent="-457200">
-              <a:buFont typeface="+mj-lt"/>
-              <a:buAutoNum type="arabicPeriod"/>
-            </a:pPr>
-            <a:r>
-              <a:rPr lang="de-DE" dirty="0"/>
-              <a:t>Zeitraum (von–bis) und die Modelle auswählen.</a:t>
-            </a:r>
-          </a:p>
-          <a:p>
-            <a:pPr marL="457200" indent="-457200">
-              <a:buFont typeface="+mj-lt"/>
-              <a:buAutoNum type="arabicPeriod"/>
-            </a:pPr>
-            <a:r>
-              <a:rPr lang="de-DE" dirty="0"/>
-              <a:t>Über „Check Export“ werden die Dokumente gefiltert.</a:t>
-            </a:r>
-          </a:p>
-          <a:p>
-            <a:pPr marL="457200" indent="-457200">
-              <a:buFont typeface="+mj-lt"/>
-              <a:buAutoNum type="arabicPeriod"/>
-            </a:pPr>
-            <a:r>
-              <a:rPr lang="de-DE" dirty="0"/>
-              <a:t>Mit „Pack </a:t>
-            </a:r>
-            <a:r>
-              <a:rPr lang="de-DE" dirty="0" err="1"/>
-              <a:t>as</a:t>
-            </a:r>
-            <a:r>
-              <a:rPr lang="de-DE" dirty="0"/>
-              <a:t> ZIP“ wird eine ZIP-Datei erstellt.</a:t>
-            </a:r>
-          </a:p>
-          <a:p>
-            <a:pPr marL="457200" indent="-457200">
-              <a:buFont typeface="+mj-lt"/>
-              <a:buAutoNum type="arabicPeriod"/>
-            </a:pPr>
-            <a:r>
-              <a:rPr lang="de-DE" dirty="0"/>
-              <a:t>Die ZIP-Datei steht anschließend zum Download bereit.</a:t>
-            </a:r>
-          </a:p>
-        </p:txBody>
-      </p:sp>
       <p:sp>
         <p:nvSpPr>
           <p:cNvPr id="9" name="Datumsplatzhalter 8">
@@ -8457,585 +8828,6 @@
             <a:extLst>
               <a:ext uri="{FF2B5EF4-FFF2-40B4-BE49-F238E27FC236}">
                 <a16:creationId xmlns:a16="http://schemas.microsoft.com/office/drawing/2014/main" id="{FB2D724B-BE60-5D7F-FD0D-175EB475C6E0}"/>
-              </a:ext>
-            </a:extLst>
-          </p:cNvPr>
-          <p:cNvSpPr>
-            <a:spLocks noGrp="1"/>
-          </p:cNvSpPr>
-          <p:nvPr>
-            <p:ph type="sldNum" sz="quarter" idx="12"/>
-          </p:nvPr>
-        </p:nvSpPr>
-        <p:spPr>
-          <a:xfrm>
-            <a:off x="10807995" y="6356350"/>
-            <a:ext cx="723014" cy="365125"/>
-          </a:xfrm>
-        </p:spPr>
-        <p:txBody>
-          <a:bodyPr>
-            <a:normAutofit/>
-          </a:bodyPr>
-          <a:lstStyle/>
-          <a:p>
-            <a:pPr>
-              <a:spcAft>
-                <a:spcPts val="600"/>
-              </a:spcAft>
-            </a:pPr>
-            <a:fld id="{70C12960-6E85-460F-B6E3-5B82CB31AF3D}" type="slidenum">
-              <a:rPr lang="en-US" smtClean="0">
-                <a:solidFill>
-                  <a:schemeClr val="bg1">
-                    <a:lumMod val="50000"/>
-                  </a:schemeClr>
-                </a:solidFill>
-              </a:rPr>
-              <a:pPr>
-                <a:spcAft>
-                  <a:spcPts val="600"/>
-                </a:spcAft>
-              </a:pPr>
-              <a:t>6</a:t>
-            </a:fld>
-            <a:endParaRPr lang="en-US" dirty="0">
-              <a:solidFill>
-                <a:schemeClr val="bg1">
-                  <a:lumMod val="50000"/>
-                </a:schemeClr>
-              </a:solidFill>
-            </a:endParaRPr>
-          </a:p>
-        </p:txBody>
-      </p:sp>
-      <p:cxnSp>
-        <p:nvCxnSpPr>
-          <p:cNvPr id="11" name="Gerader Verbinder 10">
-            <a:extLst>
-              <a:ext uri="{FF2B5EF4-FFF2-40B4-BE49-F238E27FC236}">
-                <a16:creationId xmlns:a16="http://schemas.microsoft.com/office/drawing/2014/main" id="{159257EF-24F0-D3E8-9786-EA2B28D53952}"/>
-              </a:ext>
-            </a:extLst>
-          </p:cNvPr>
-          <p:cNvCxnSpPr>
-            <a:cxnSpLocks/>
-          </p:cNvCxnSpPr>
-          <p:nvPr/>
-        </p:nvCxnSpPr>
-        <p:spPr>
-          <a:xfrm flipH="1">
-            <a:off x="-167640" y="708660"/>
-            <a:ext cx="12489180" cy="0"/>
-          </a:xfrm>
-          <a:prstGeom prst="line">
-            <a:avLst/>
-          </a:prstGeom>
-        </p:spPr>
-        <p:style>
-          <a:lnRef idx="2">
-            <a:schemeClr val="dk1"/>
-          </a:lnRef>
-          <a:fillRef idx="0">
-            <a:schemeClr val="dk1"/>
-          </a:fillRef>
-          <a:effectRef idx="1">
-            <a:schemeClr val="dk1"/>
-          </a:effectRef>
-          <a:fontRef idx="minor">
-            <a:schemeClr val="tx1"/>
-          </a:fontRef>
-        </p:style>
-      </p:cxnSp>
-      <p:pic>
-        <p:nvPicPr>
-          <p:cNvPr id="15" name="Grafik 14" descr="Ein Bild, das Farbigkeit, Grafiken, Design enthält.">
-            <a:extLst>
-              <a:ext uri="{FF2B5EF4-FFF2-40B4-BE49-F238E27FC236}">
-                <a16:creationId xmlns:a16="http://schemas.microsoft.com/office/drawing/2014/main" id="{A0B45A77-35CA-4F14-6E68-9F4433C52E56}"/>
-              </a:ext>
-            </a:extLst>
-          </p:cNvPr>
-          <p:cNvPicPr>
-            <a:picLocks noChangeAspect="1"/>
-          </p:cNvPicPr>
-          <p:nvPr/>
-        </p:nvPicPr>
-        <p:blipFill>
-          <a:blip r:embed="rId3">
-            <a:extLst>
-              <a:ext uri="{28A0092B-C50C-407E-A947-70E740481C1C}">
-                <a14:useLocalDpi xmlns:a14="http://schemas.microsoft.com/office/drawing/2010/main" val="0"/>
-              </a:ext>
-            </a:extLst>
-          </a:blip>
-          <a:stretch>
-            <a:fillRect/>
-          </a:stretch>
-        </p:blipFill>
-        <p:spPr>
-          <a:xfrm>
-            <a:off x="10360829" y="37116"/>
-            <a:ext cx="1617345" cy="634428"/>
-          </a:xfrm>
-          <a:prstGeom prst="rect">
-            <a:avLst/>
-          </a:prstGeom>
-        </p:spPr>
-      </p:pic>
-      <p:sp>
-        <p:nvSpPr>
-          <p:cNvPr id="16" name="Textfeld 15">
-            <a:extLst>
-              <a:ext uri="{FF2B5EF4-FFF2-40B4-BE49-F238E27FC236}">
-                <a16:creationId xmlns:a16="http://schemas.microsoft.com/office/drawing/2014/main" id="{4AAC3A32-7493-C879-813A-24D711AB2D48}"/>
-              </a:ext>
-            </a:extLst>
-          </p:cNvPr>
-          <p:cNvSpPr txBox="1"/>
-          <p:nvPr/>
-        </p:nvSpPr>
-        <p:spPr>
-          <a:xfrm>
-            <a:off x="649010" y="1047988"/>
-            <a:ext cx="10890930" cy="523220"/>
-          </a:xfrm>
-          <a:prstGeom prst="rect">
-            <a:avLst/>
-          </a:prstGeom>
-          <a:noFill/>
-        </p:spPr>
-        <p:txBody>
-          <a:bodyPr wrap="square" rtlCol="0">
-            <a:spAutoFit/>
-          </a:bodyPr>
-          <a:lstStyle/>
-          <a:p>
-            <a:r>
-              <a:rPr lang="en-US" sz="2800" dirty="0" err="1"/>
-              <a:t>Ablauf</a:t>
-            </a:r>
-            <a:r>
-              <a:rPr lang="en-US" sz="2800" dirty="0"/>
-              <a:t> des </a:t>
-            </a:r>
-            <a:r>
-              <a:rPr lang="en-US" sz="2800" dirty="0" err="1"/>
-              <a:t>Dokumentenexports</a:t>
-            </a:r>
-            <a:r>
-              <a:rPr lang="en-US" sz="2800" dirty="0"/>
-              <a:t> (</a:t>
-            </a:r>
-            <a:r>
-              <a:rPr lang="en-US" sz="2800" dirty="0" err="1"/>
-              <a:t>Modulübersicht</a:t>
-            </a:r>
-            <a:r>
-              <a:rPr lang="en-US" sz="2800" dirty="0"/>
-              <a:t>)</a:t>
-            </a:r>
-            <a:endParaRPr lang="en-DE" sz="2800" dirty="0"/>
-          </a:p>
-        </p:txBody>
-      </p:sp>
-    </p:spTree>
-    <p:extLst>
-      <p:ext uri="{BB962C8B-B14F-4D97-AF65-F5344CB8AC3E}">
-        <p14:creationId xmlns:p14="http://schemas.microsoft.com/office/powerpoint/2010/main" val="1358302850"/>
-      </p:ext>
-    </p:extLst>
-  </p:cSld>
-  <p:clrMapOvr>
-    <a:masterClrMapping/>
-  </p:clrMapOvr>
-</p:sld>
-</file>
-
-<file path=ppt/slides/slide7.xml><?xml version="1.0" encoding="utf-8"?>
-<p:sld xmlns:a="http://schemas.openxmlformats.org/drawingml/2006/main" xmlns:r="http://schemas.openxmlformats.org/officeDocument/2006/relationships" xmlns:p="http://schemas.openxmlformats.org/presentationml/2006/main">
-  <p:cSld>
-    <p:bg>
-      <p:bgPr>
-        <a:solidFill>
-          <a:schemeClr val="bg1"/>
-        </a:solidFill>
-        <a:effectLst/>
-      </p:bgPr>
-    </p:bg>
-    <p:spTree>
-      <p:nvGrpSpPr>
-        <p:cNvPr id="1" name="">
-          <a:extLst>
-            <a:ext uri="{FF2B5EF4-FFF2-40B4-BE49-F238E27FC236}">
-              <a16:creationId xmlns:a16="http://schemas.microsoft.com/office/drawing/2014/main" id="{61CD8058-9875-261A-799B-5B0A1CF65FFB}"/>
-            </a:ext>
-          </a:extLst>
-        </p:cNvPr>
-        <p:cNvGrpSpPr/>
-        <p:nvPr/>
-      </p:nvGrpSpPr>
-      <p:grpSpPr>
-        <a:xfrm>
-          <a:off x="0" y="0"/>
-          <a:ext cx="0" cy="0"/>
-          <a:chOff x="0" y="0"/>
-          <a:chExt cx="0" cy="0"/>
-        </a:xfrm>
-      </p:grpSpPr>
-      <p:sp useBgFill="1">
-        <p:nvSpPr>
-          <p:cNvPr id="14" name="Rectangle 13">
-            <a:extLst>
-              <a:ext uri="{FF2B5EF4-FFF2-40B4-BE49-F238E27FC236}">
-                <a16:creationId xmlns:a16="http://schemas.microsoft.com/office/drawing/2014/main" id="{29129B94-E0FC-32AD-787B-B5EB5F03466A}"/>
-              </a:ext>
-              <a:ext uri="{C183D7F6-B498-43B3-948B-1728B52AA6E4}">
-                <adec:decorative xmlns:adec="http://schemas.microsoft.com/office/drawing/2017/decorative" val="1"/>
-              </a:ext>
-            </a:extLst>
-          </p:cNvPr>
-          <p:cNvSpPr>
-            <a:spLocks noGrp="1" noRot="1" noChangeAspect="1" noMove="1" noResize="1" noEditPoints="1" noAdjustHandles="1" noChangeArrowheads="1" noChangeShapeType="1" noTextEdit="1"/>
-          </p:cNvSpPr>
-          <p:nvPr>
-            <p:extLst>
-              <p:ext uri="{386F3935-93C4-4BCD-93E2-E3B085C9AB24}">
-                <p16:designElem xmlns:p16="http://schemas.microsoft.com/office/powerpoint/2015/main" val="1"/>
-              </p:ext>
-            </p:extLst>
-          </p:nvPr>
-        </p:nvSpPr>
-        <p:spPr>
-          <a:xfrm>
-            <a:off x="0" y="0"/>
-            <a:ext cx="12188952" cy="6857995"/>
-          </a:xfrm>
-          <a:prstGeom prst="rect">
-            <a:avLst/>
-          </a:prstGeom>
-          <a:ln>
-            <a:noFill/>
-          </a:ln>
-        </p:spPr>
-        <p:style>
-          <a:lnRef idx="2">
-            <a:schemeClr val="accent1">
-              <a:shade val="50000"/>
-            </a:schemeClr>
-          </a:lnRef>
-          <a:fillRef idx="1">
-            <a:schemeClr val="accent1"/>
-          </a:fillRef>
-          <a:effectRef idx="0">
-            <a:schemeClr val="accent1"/>
-          </a:effectRef>
-          <a:fontRef idx="minor">
-            <a:schemeClr val="lt1"/>
-          </a:fontRef>
-        </p:style>
-        <p:txBody>
-          <a:bodyPr rtlCol="0" anchor="ctr"/>
-          <a:lstStyle/>
-          <a:p>
-            <a:pPr marL="0" marR="0" lvl="0" indent="0" algn="ctr" defTabSz="914400" rtl="0" eaLnBrk="1" fontAlgn="auto" latinLnBrk="0" hangingPunct="1">
-              <a:lnSpc>
-                <a:spcPct val="100000"/>
-              </a:lnSpc>
-              <a:spcBef>
-                <a:spcPts val="0"/>
-              </a:spcBef>
-              <a:spcAft>
-                <a:spcPts val="0"/>
-              </a:spcAft>
-              <a:buClrTx/>
-              <a:buSzTx/>
-              <a:buFontTx/>
-              <a:buNone/>
-              <a:tabLst/>
-              <a:defRPr/>
-            </a:pPr>
-            <a:endParaRPr kumimoji="0" lang="en-US" sz="1800" b="0" i="0" u="none" strike="noStrike" kern="1200" cap="none" spc="0" normalizeH="0" baseline="0" noProof="0">
-              <a:ln>
-                <a:noFill/>
-              </a:ln>
-              <a:solidFill>
-                <a:prstClr val="white"/>
-              </a:solidFill>
-              <a:effectLst/>
-              <a:uLnTx/>
-              <a:uFillTx/>
-              <a:latin typeface="Bierstadt"/>
-              <a:ea typeface="+mn-ea"/>
-              <a:cs typeface="+mn-cs"/>
-            </a:endParaRPr>
-          </a:p>
-        </p:txBody>
-      </p:sp>
-      <p:sp>
-        <p:nvSpPr>
-          <p:cNvPr id="2" name="Titel 1">
-            <a:extLst>
-              <a:ext uri="{FF2B5EF4-FFF2-40B4-BE49-F238E27FC236}">
-                <a16:creationId xmlns:a16="http://schemas.microsoft.com/office/drawing/2014/main" id="{D5D6483C-D612-0237-A1F1-ABD9D272CB92}"/>
-              </a:ext>
-            </a:extLst>
-          </p:cNvPr>
-          <p:cNvSpPr>
-            <a:spLocks noGrp="1"/>
-          </p:cNvSpPr>
-          <p:nvPr>
-            <p:ph type="title"/>
-          </p:nvPr>
-        </p:nvSpPr>
-        <p:spPr>
-          <a:xfrm>
-            <a:off x="213826" y="0"/>
-            <a:ext cx="6194304" cy="708660"/>
-          </a:xfrm>
-        </p:spPr>
-        <p:txBody>
-          <a:bodyPr anchor="ctr">
-            <a:normAutofit/>
-          </a:bodyPr>
-          <a:lstStyle/>
-          <a:p>
-            <a:r>
-              <a:rPr lang="en-US" sz="2400" dirty="0" err="1"/>
-              <a:t>Übersicht</a:t>
-            </a:r>
-            <a:endParaRPr lang="en-DE" sz="2400" dirty="0"/>
-          </a:p>
-        </p:txBody>
-      </p:sp>
-      <p:sp>
-        <p:nvSpPr>
-          <p:cNvPr id="3" name="Inhaltsplatzhalter 2">
-            <a:extLst>
-              <a:ext uri="{FF2B5EF4-FFF2-40B4-BE49-F238E27FC236}">
-                <a16:creationId xmlns:a16="http://schemas.microsoft.com/office/drawing/2014/main" id="{49E1C6A2-9D5A-3573-4445-7CC562B23F02}"/>
-              </a:ext>
-            </a:extLst>
-          </p:cNvPr>
-          <p:cNvSpPr>
-            <a:spLocks noGrp="1"/>
-          </p:cNvSpPr>
-          <p:nvPr>
-            <p:ph idx="1"/>
-          </p:nvPr>
-        </p:nvSpPr>
-        <p:spPr>
-          <a:xfrm>
-            <a:off x="640078" y="1756644"/>
-            <a:ext cx="10890929" cy="4463185"/>
-          </a:xfrm>
-        </p:spPr>
-        <p:txBody>
-          <a:bodyPr>
-            <a:normAutofit/>
-          </a:bodyPr>
-          <a:lstStyle/>
-          <a:p>
-            <a:r>
-              <a:rPr lang="en-US" dirty="0"/>
-              <a:t>Model *</a:t>
-            </a:r>
-            <a:r>
-              <a:rPr lang="en-US" dirty="0" err="1"/>
-              <a:t>ir.attachment.export</a:t>
-            </a:r>
-            <a:r>
-              <a:rPr lang="en-US" dirty="0"/>
-              <a:t>*</a:t>
-            </a:r>
-          </a:p>
-          <a:p>
-            <a:r>
-              <a:rPr lang="en-US" dirty="0"/>
-              <a:t>View </a:t>
-            </a:r>
-            <a:r>
-              <a:rPr lang="en-US" dirty="0" err="1"/>
-              <a:t>im</a:t>
-            </a:r>
-            <a:r>
-              <a:rPr lang="en-US" dirty="0"/>
-              <a:t> XML (Wizard)</a:t>
-            </a:r>
-          </a:p>
-          <a:p>
-            <a:r>
-              <a:rPr lang="en-US" dirty="0"/>
-              <a:t>ZIP </a:t>
-            </a:r>
-            <a:r>
-              <a:rPr lang="en-US" dirty="0" err="1"/>
-              <a:t>mit</a:t>
-            </a:r>
-            <a:r>
-              <a:rPr lang="en-US" dirty="0"/>
-              <a:t> Python (</a:t>
-            </a:r>
-            <a:r>
-              <a:rPr lang="en-US" dirty="0" err="1"/>
-              <a:t>BytesIO</a:t>
-            </a:r>
-            <a:r>
-              <a:rPr lang="en-US" dirty="0"/>
-              <a:t>, </a:t>
-            </a:r>
-            <a:r>
-              <a:rPr lang="en-US" dirty="0" err="1"/>
-              <a:t>zipfile</a:t>
-            </a:r>
-            <a:r>
-              <a:rPr lang="en-US" dirty="0"/>
-              <a:t>, base64)</a:t>
-            </a:r>
-          </a:p>
-          <a:p>
-            <a:r>
-              <a:rPr lang="en-US" dirty="0" err="1"/>
-              <a:t>Keine</a:t>
-            </a:r>
-            <a:r>
-              <a:rPr lang="en-US" dirty="0"/>
-              <a:t> </a:t>
-            </a:r>
-            <a:r>
-              <a:rPr lang="en-US" dirty="0" err="1"/>
-              <a:t>externen</a:t>
-            </a:r>
-            <a:r>
-              <a:rPr lang="en-US" dirty="0"/>
-              <a:t> APIs </a:t>
-            </a:r>
-            <a:r>
-              <a:rPr lang="en-US" dirty="0" err="1"/>
-              <a:t>nötig</a:t>
-            </a:r>
-            <a:endParaRPr lang="en-DE" dirty="0"/>
-          </a:p>
-        </p:txBody>
-      </p:sp>
-      <p:sp>
-        <p:nvSpPr>
-          <p:cNvPr id="9" name="Datumsplatzhalter 8">
-            <a:extLst>
-              <a:ext uri="{FF2B5EF4-FFF2-40B4-BE49-F238E27FC236}">
-                <a16:creationId xmlns:a16="http://schemas.microsoft.com/office/drawing/2014/main" id="{41E5FCEC-27CE-7033-9C68-A420948EF04F}"/>
-              </a:ext>
-            </a:extLst>
-          </p:cNvPr>
-          <p:cNvSpPr>
-            <a:spLocks noGrp="1"/>
-          </p:cNvSpPr>
-          <p:nvPr>
-            <p:ph type="dt" sz="half" idx="10"/>
-          </p:nvPr>
-        </p:nvSpPr>
-        <p:spPr>
-          <a:xfrm>
-            <a:off x="640080" y="6356350"/>
-            <a:ext cx="2743200" cy="365125"/>
-          </a:xfrm>
-        </p:spPr>
-        <p:txBody>
-          <a:bodyPr>
-            <a:normAutofit/>
-          </a:bodyPr>
-          <a:lstStyle/>
-          <a:p>
-            <a:pPr>
-              <a:spcAft>
-                <a:spcPts val="600"/>
-              </a:spcAft>
-            </a:pPr>
-            <a:r>
-              <a:rPr lang="en-US" dirty="0">
-                <a:solidFill>
-                  <a:schemeClr val="bg1">
-                    <a:lumMod val="50000"/>
-                  </a:schemeClr>
-                </a:solidFill>
-              </a:rPr>
-              <a:t>Mark Albers</a:t>
-            </a:r>
-          </a:p>
-        </p:txBody>
-      </p:sp>
-      <p:sp>
-        <p:nvSpPr>
-          <p:cNvPr id="7" name="Fußzeilenplatzhalter 6">
-            <a:extLst>
-              <a:ext uri="{FF2B5EF4-FFF2-40B4-BE49-F238E27FC236}">
-                <a16:creationId xmlns:a16="http://schemas.microsoft.com/office/drawing/2014/main" id="{E6382651-9379-A2A6-DB61-F8263424C185}"/>
-              </a:ext>
-            </a:extLst>
-          </p:cNvPr>
-          <p:cNvSpPr>
-            <a:spLocks noGrp="1"/>
-          </p:cNvSpPr>
-          <p:nvPr>
-            <p:ph type="ftr" sz="quarter" idx="11"/>
-          </p:nvPr>
-        </p:nvSpPr>
-        <p:spPr>
-          <a:xfrm>
-            <a:off x="4074289" y="6357620"/>
-            <a:ext cx="4040373" cy="365125"/>
-          </a:xfrm>
-        </p:spPr>
-        <p:txBody>
-          <a:bodyPr>
-            <a:normAutofit/>
-          </a:bodyPr>
-          <a:lstStyle/>
-          <a:p>
-            <a:pPr algn="ctr">
-              <a:spcAft>
-                <a:spcPts val="600"/>
-              </a:spcAft>
-            </a:pPr>
-            <a:r>
-              <a:rPr lang="en-US" dirty="0">
-                <a:solidFill>
-                  <a:schemeClr val="bg1">
-                    <a:lumMod val="50000"/>
-                  </a:schemeClr>
-                </a:solidFill>
-              </a:rPr>
-              <a:t>2025 </a:t>
-            </a:r>
-            <a:r>
-              <a:rPr lang="en-US" dirty="0" err="1">
-                <a:solidFill>
-                  <a:schemeClr val="bg1">
-                    <a:lumMod val="50000"/>
-                  </a:schemeClr>
-                </a:solidFill>
-              </a:rPr>
-              <a:t>Sirum</a:t>
-            </a:r>
-            <a:r>
-              <a:rPr lang="en-US" dirty="0">
-                <a:solidFill>
-                  <a:schemeClr val="bg1">
-                    <a:lumMod val="50000"/>
-                  </a:schemeClr>
-                </a:solidFill>
-              </a:rPr>
-              <a:t> GmbH</a:t>
-            </a:r>
-          </a:p>
-        </p:txBody>
-      </p:sp>
-      <p:sp>
-        <p:nvSpPr>
-          <p:cNvPr id="8" name="Foliennummernplatzhalter 7">
-            <a:extLst>
-              <a:ext uri="{FF2B5EF4-FFF2-40B4-BE49-F238E27FC236}">
-                <a16:creationId xmlns:a16="http://schemas.microsoft.com/office/drawing/2014/main" id="{E055F90D-11FC-5EB8-B3C2-BC13BE510624}"/>
               </a:ext>
             </a:extLst>
           </p:cNvPr>
@@ -9093,7 +8885,7 @@
           <p:cNvPr id="11" name="Gerader Verbinder 10">
             <a:extLst>
               <a:ext uri="{FF2B5EF4-FFF2-40B4-BE49-F238E27FC236}">
-                <a16:creationId xmlns:a16="http://schemas.microsoft.com/office/drawing/2014/main" id="{965D76E4-5CC2-2391-5675-F398A50EBBE8}"/>
+                <a16:creationId xmlns:a16="http://schemas.microsoft.com/office/drawing/2014/main" id="{159257EF-24F0-D3E8-9786-EA2B28D53952}"/>
               </a:ext>
             </a:extLst>
           </p:cNvPr>
@@ -9131,7 +8923,7 @@
           <p:cNvPr id="15" name="Grafik 14" descr="Ein Bild, das Farbigkeit, Grafiken, Design enthält.">
             <a:extLst>
               <a:ext uri="{FF2B5EF4-FFF2-40B4-BE49-F238E27FC236}">
-                <a16:creationId xmlns:a16="http://schemas.microsoft.com/office/drawing/2014/main" id="{F32970EC-4B47-86D0-9E18-71DA13A20A2A}"/>
+                <a16:creationId xmlns:a16="http://schemas.microsoft.com/office/drawing/2014/main" id="{A0B45A77-35CA-4F14-6E68-9F4433C52E56}"/>
               </a:ext>
             </a:extLst>
           </p:cNvPr>
@@ -9141,7 +8933,7 @@
           <p:nvPr/>
         </p:nvPicPr>
         <p:blipFill>
-          <a:blip r:embed="rId2">
+          <a:blip r:embed="rId3">
             <a:extLst>
               <a:ext uri="{28A0092B-C50C-407E-A947-70E740481C1C}">
                 <a14:useLocalDpi xmlns:a14="http://schemas.microsoft.com/office/drawing/2010/main" val="0"/>
@@ -9162,54 +8954,10 @@
           </a:prstGeom>
         </p:spPr>
       </p:pic>
-      <p:sp>
-        <p:nvSpPr>
-          <p:cNvPr id="16" name="Textfeld 15">
-            <a:extLst>
-              <a:ext uri="{FF2B5EF4-FFF2-40B4-BE49-F238E27FC236}">
-                <a16:creationId xmlns:a16="http://schemas.microsoft.com/office/drawing/2014/main" id="{1BDA73C9-8F4A-620E-67C8-D53A257EB230}"/>
-              </a:ext>
-            </a:extLst>
-          </p:cNvPr>
-          <p:cNvSpPr txBox="1"/>
-          <p:nvPr/>
-        </p:nvSpPr>
-        <p:spPr>
-          <a:xfrm>
-            <a:off x="640079" y="1047987"/>
-            <a:ext cx="10890930" cy="523220"/>
-          </a:xfrm>
-          <a:prstGeom prst="rect">
-            <a:avLst/>
-          </a:prstGeom>
-          <a:noFill/>
-        </p:spPr>
-        <p:txBody>
-          <a:bodyPr wrap="square" rtlCol="0">
-            <a:spAutoFit/>
-          </a:bodyPr>
-          <a:lstStyle/>
-          <a:p>
-            <a:r>
-              <a:rPr lang="en-US" sz="2800" dirty="0" err="1"/>
-              <a:t>Technischer</a:t>
-            </a:r>
-            <a:r>
-              <a:rPr lang="en-US" sz="2800" dirty="0"/>
-              <a:t> </a:t>
-            </a:r>
-            <a:r>
-              <a:rPr lang="en-US" sz="2800" dirty="0" err="1"/>
-              <a:t>Überblick</a:t>
-            </a:r>
-            <a:endParaRPr lang="en-DE" sz="2800" dirty="0"/>
-          </a:p>
-        </p:txBody>
-      </p:sp>
     </p:spTree>
     <p:extLst>
       <p:ext uri="{BB962C8B-B14F-4D97-AF65-F5344CB8AC3E}">
-        <p14:creationId xmlns:p14="http://schemas.microsoft.com/office/powerpoint/2010/main" val="1019416805"/>
+        <p14:creationId xmlns:p14="http://schemas.microsoft.com/office/powerpoint/2010/main" val="1358302850"/>
       </p:ext>
     </p:extLst>
   </p:cSld>
@@ -9369,7 +9117,7 @@
           <a:p>
             <a:r>
               <a:rPr lang="en-US" sz="2400" dirty="0" err="1"/>
-              <a:t>Übersicht</a:t>
+              <a:t>Qualitätssicherung</a:t>
             </a:r>
             <a:endParaRPr lang="en-DE" sz="2400" dirty="0"/>
           </a:p>
@@ -9443,6 +9191,13 @@
             <a:r>
               <a:rPr lang="en-US" dirty="0" err="1"/>
               <a:t>möglich</a:t>
+            </a:r>
+            <a:endParaRPr lang="en-US" dirty="0"/>
+          </a:p>
+          <a:p>
+            <a:r>
+              <a:rPr lang="de-DE" dirty="0"/>
+              <a:t>Fehler frühzeitig erkannt, hohe Codequalität durch automatisierte Tests</a:t>
             </a:r>
             <a:endParaRPr lang="en-US" dirty="0"/>
           </a:p>
@@ -9761,7 +9516,7 @@
         <p:cNvPr id="1" name="">
           <a:extLst>
             <a:ext uri="{FF2B5EF4-FFF2-40B4-BE49-F238E27FC236}">
-              <a16:creationId xmlns:a16="http://schemas.microsoft.com/office/drawing/2014/main" id="{B19BCA2F-AEF7-8FFD-C015-31C926A0C211}"/>
+              <a16:creationId xmlns:a16="http://schemas.microsoft.com/office/drawing/2014/main" id="{E38C1EE9-E675-6C93-29D8-1B0C83F66500}"/>
             </a:ext>
           </a:extLst>
         </p:cNvPr>
@@ -9781,7 +9536,7 @@
           <p:cNvPr id="14" name="Rectangle 13">
             <a:extLst>
               <a:ext uri="{FF2B5EF4-FFF2-40B4-BE49-F238E27FC236}">
-                <a16:creationId xmlns:a16="http://schemas.microsoft.com/office/drawing/2014/main" id="{C1B700D7-B8B2-956D-1869-55D9E0607549}"/>
+                <a16:creationId xmlns:a16="http://schemas.microsoft.com/office/drawing/2014/main" id="{B5A4CB3D-DCA5-98C5-20D2-29B6AE459677}"/>
               </a:ext>
               <a:ext uri="{C183D7F6-B498-43B3-948B-1728B52AA6E4}">
                 <adec:decorative xmlns:adec="http://schemas.microsoft.com/office/drawing/2017/decorative" val="1"/>
@@ -9865,12 +9620,48 @@
           </a:p>
         </p:txBody>
       </p:sp>
+      <p:pic>
+        <p:nvPicPr>
+          <p:cNvPr id="10" name="Grafik 9" descr="Ein Bild, das Text, Screenshot, Diagramm, Reihe enthält.&#10;&#10;KI-generierte Inhalte können fehlerhaft sein.">
+            <a:extLst>
+              <a:ext uri="{FF2B5EF4-FFF2-40B4-BE49-F238E27FC236}">
+                <a16:creationId xmlns:a16="http://schemas.microsoft.com/office/drawing/2014/main" id="{7475FDE3-A3DB-185A-BBC2-64DB25CA6293}"/>
+              </a:ext>
+            </a:extLst>
+          </p:cNvPr>
+          <p:cNvPicPr>
+            <a:picLocks noChangeAspect="1"/>
+          </p:cNvPicPr>
+          <p:nvPr/>
+        </p:nvPicPr>
+        <p:blipFill>
+          <a:blip r:embed="rId2">
+            <a:extLst>
+              <a:ext uri="{28A0092B-C50C-407E-A947-70E740481C1C}">
+                <a14:useLocalDpi xmlns:a14="http://schemas.microsoft.com/office/drawing/2010/main" val="0"/>
+              </a:ext>
+            </a:extLst>
+          </a:blip>
+          <a:stretch>
+            <a:fillRect/>
+          </a:stretch>
+        </p:blipFill>
+        <p:spPr>
+          <a:xfrm>
+            <a:off x="213826" y="794885"/>
+            <a:ext cx="7099578" cy="5722814"/>
+          </a:xfrm>
+          <a:prstGeom prst="rect">
+            <a:avLst/>
+          </a:prstGeom>
+        </p:spPr>
+      </p:pic>
       <p:sp>
         <p:nvSpPr>
           <p:cNvPr id="2" name="Titel 1">
             <a:extLst>
               <a:ext uri="{FF2B5EF4-FFF2-40B4-BE49-F238E27FC236}">
-                <a16:creationId xmlns:a16="http://schemas.microsoft.com/office/drawing/2014/main" id="{D37FDA65-741A-6793-237F-7C7DFEAB6DD3}"/>
+                <a16:creationId xmlns:a16="http://schemas.microsoft.com/office/drawing/2014/main" id="{1482B47D-DDDF-E118-3648-7763570FA381}"/>
               </a:ext>
             </a:extLst>
           </p:cNvPr>
@@ -9895,7 +9686,15 @@
           <a:p>
             <a:r>
               <a:rPr lang="en-US" sz="2400" dirty="0" err="1"/>
-              <a:t>Übersicht</a:t>
+              <a:t>Wirtschaftliche</a:t>
+            </a:r>
+            <a:r>
+              <a:rPr lang="en-US" sz="2400" dirty="0"/>
+              <a:t> </a:t>
+            </a:r>
+            <a:r>
+              <a:rPr lang="en-US" sz="2400" dirty="0" err="1"/>
+              <a:t>Zeitersparnis</a:t>
             </a:r>
             <a:endParaRPr lang="en-DE" sz="2400" dirty="0"/>
           </a:p>
@@ -9903,45 +9702,10 @@
       </p:sp>
       <p:sp>
         <p:nvSpPr>
-          <p:cNvPr id="3" name="Inhaltsplatzhalter 2">
-            <a:extLst>
-              <a:ext uri="{FF2B5EF4-FFF2-40B4-BE49-F238E27FC236}">
-                <a16:creationId xmlns:a16="http://schemas.microsoft.com/office/drawing/2014/main" id="{CF386355-4666-B8CE-9529-CA6918CA4510}"/>
-              </a:ext>
-            </a:extLst>
-          </p:cNvPr>
-          <p:cNvSpPr>
-            <a:spLocks noGrp="1"/>
-          </p:cNvSpPr>
-          <p:nvPr>
-            <p:ph idx="1"/>
-          </p:nvPr>
-        </p:nvSpPr>
-        <p:spPr>
-          <a:xfrm>
-            <a:off x="640078" y="1756644"/>
-            <a:ext cx="10890929" cy="4463185"/>
-          </a:xfrm>
-        </p:spPr>
-        <p:txBody>
-          <a:bodyPr>
-            <a:normAutofit/>
-          </a:bodyPr>
-          <a:lstStyle/>
-          <a:p>
-            <a:pPr marL="0" indent="0">
-              <a:buNone/>
-            </a:pPr>
-            <a:endParaRPr lang="en-DE" dirty="0"/>
-          </a:p>
-        </p:txBody>
-      </p:sp>
-      <p:sp>
-        <p:nvSpPr>
           <p:cNvPr id="9" name="Datumsplatzhalter 8">
             <a:extLst>
               <a:ext uri="{FF2B5EF4-FFF2-40B4-BE49-F238E27FC236}">
-                <a16:creationId xmlns:a16="http://schemas.microsoft.com/office/drawing/2014/main" id="{5803F9A7-F00C-EBB5-CFD6-4D52E45617A1}"/>
+                <a16:creationId xmlns:a16="http://schemas.microsoft.com/office/drawing/2014/main" id="{DB05F6E4-5B43-9CF7-DED8-9C79F4604262}"/>
               </a:ext>
             </a:extLst>
           </p:cNvPr>
@@ -9987,7 +9751,7 @@
           <p:cNvPr id="7" name="Fußzeilenplatzhalter 6">
             <a:extLst>
               <a:ext uri="{FF2B5EF4-FFF2-40B4-BE49-F238E27FC236}">
-                <a16:creationId xmlns:a16="http://schemas.microsoft.com/office/drawing/2014/main" id="{23AAAD6D-D9A0-A8CC-7A53-67D18F48E6A1}"/>
+                <a16:creationId xmlns:a16="http://schemas.microsoft.com/office/drawing/2014/main" id="{DFD2DAC7-276B-B493-DACB-A15E2423C9E2}"/>
               </a:ext>
             </a:extLst>
           </p:cNvPr>
@@ -10053,7 +9817,7 @@
           <p:cNvPr id="8" name="Foliennummernplatzhalter 7">
             <a:extLst>
               <a:ext uri="{FF2B5EF4-FFF2-40B4-BE49-F238E27FC236}">
-                <a16:creationId xmlns:a16="http://schemas.microsoft.com/office/drawing/2014/main" id="{5ADBF082-9CB3-C2CE-8504-A258BAB35BD9}"/>
+                <a16:creationId xmlns:a16="http://schemas.microsoft.com/office/drawing/2014/main" id="{664E600D-62AA-7C2A-55EA-395A9E9F7BA5}"/>
               </a:ext>
             </a:extLst>
           </p:cNvPr>
@@ -10111,7 +9875,7 @@
           <p:cNvPr id="11" name="Gerader Verbinder 10">
             <a:extLst>
               <a:ext uri="{FF2B5EF4-FFF2-40B4-BE49-F238E27FC236}">
-                <a16:creationId xmlns:a16="http://schemas.microsoft.com/office/drawing/2014/main" id="{0490582C-117E-8929-A135-1342D187EB84}"/>
+                <a16:creationId xmlns:a16="http://schemas.microsoft.com/office/drawing/2014/main" id="{1E37BBA7-0099-F575-5B6C-E653C174BF9F}"/>
               </a:ext>
             </a:extLst>
           </p:cNvPr>
@@ -10149,7 +9913,7 @@
           <p:cNvPr id="15" name="Grafik 14" descr="Ein Bild, das Farbigkeit, Grafiken, Design enthält.">
             <a:extLst>
               <a:ext uri="{FF2B5EF4-FFF2-40B4-BE49-F238E27FC236}">
-                <a16:creationId xmlns:a16="http://schemas.microsoft.com/office/drawing/2014/main" id="{3E024C52-4269-8E7B-7EF0-039D21DD31BB}"/>
+                <a16:creationId xmlns:a16="http://schemas.microsoft.com/office/drawing/2014/main" id="{6B8C54E6-7301-18B2-40EF-252B52D8D559}"/>
               </a:ext>
             </a:extLst>
           </p:cNvPr>
@@ -10159,7 +9923,7 @@
           <p:nvPr/>
         </p:nvPicPr>
         <p:blipFill>
-          <a:blip r:embed="rId2">
+          <a:blip r:embed="rId3">
             <a:extLst>
               <a:ext uri="{28A0092B-C50C-407E-A947-70E740481C1C}">
                 <a14:useLocalDpi xmlns:a14="http://schemas.microsoft.com/office/drawing/2010/main" val="0"/>
@@ -10180,54 +9944,1372 @@
           </a:prstGeom>
         </p:spPr>
       </p:pic>
-      <p:sp>
-        <p:nvSpPr>
-          <p:cNvPr id="16" name="Textfeld 15">
-            <a:extLst>
-              <a:ext uri="{FF2B5EF4-FFF2-40B4-BE49-F238E27FC236}">
-                <a16:creationId xmlns:a16="http://schemas.microsoft.com/office/drawing/2014/main" id="{9234B789-5581-6290-0B09-981C65B9D169}"/>
-              </a:ext>
-            </a:extLst>
-          </p:cNvPr>
-          <p:cNvSpPr txBox="1"/>
-          <p:nvPr/>
-        </p:nvSpPr>
-        <p:spPr>
-          <a:xfrm>
-            <a:off x="640079" y="1047987"/>
-            <a:ext cx="10890930" cy="523220"/>
-          </a:xfrm>
-          <a:prstGeom prst="rect">
-            <a:avLst/>
-          </a:prstGeom>
-          <a:noFill/>
-        </p:spPr>
-        <p:txBody>
-          <a:bodyPr wrap="square" rtlCol="0">
-            <a:spAutoFit/>
-          </a:bodyPr>
-          <a:lstStyle/>
-          <a:p>
-            <a:r>
-              <a:rPr lang="en-US" sz="2800" dirty="0" err="1"/>
-              <a:t>Wirtschaftlicher</a:t>
-            </a:r>
-            <a:r>
-              <a:rPr lang="en-US" sz="2800" dirty="0"/>
-              <a:t> </a:t>
-            </a:r>
-            <a:r>
-              <a:rPr lang="en-US" sz="2800" dirty="0" err="1"/>
-              <a:t>Nutzen</a:t>
-            </a:r>
-            <a:endParaRPr lang="en-DE" sz="2800" dirty="0"/>
-          </a:p>
-        </p:txBody>
-      </p:sp>
+      <mc:AlternateContent xmlns:mc="http://schemas.openxmlformats.org/markup-compatibility/2006">
+        <mc:Choice xmlns:a14="http://schemas.microsoft.com/office/drawing/2010/main" Requires="a14">
+          <p:graphicFrame>
+            <p:nvGraphicFramePr>
+              <p:cNvPr id="17" name="Tabelle 16">
+                <a:extLst>
+                  <a:ext uri="{FF2B5EF4-FFF2-40B4-BE49-F238E27FC236}">
+                    <a16:creationId xmlns:a16="http://schemas.microsoft.com/office/drawing/2014/main" id="{A6A1F7FF-ED0F-EFA9-E181-8ECC362C7C7C}"/>
+                  </a:ext>
+                </a:extLst>
+              </p:cNvPr>
+              <p:cNvGraphicFramePr>
+                <a:graphicFrameLocks noGrp="1"/>
+              </p:cNvGraphicFramePr>
+              <p:nvPr>
+                <p:extLst>
+                  <p:ext uri="{D42A27DB-BD31-4B8C-83A1-F6EECF244321}">
+                    <p14:modId xmlns:p14="http://schemas.microsoft.com/office/powerpoint/2010/main" val="908690034"/>
+                  </p:ext>
+                </p:extLst>
+              </p:nvPr>
+            </p:nvGraphicFramePr>
+            <p:xfrm>
+              <a:off x="5786858" y="3100032"/>
+              <a:ext cx="6087621" cy="1483360"/>
+            </p:xfrm>
+            <a:graphic>
+              <a:graphicData uri="http://schemas.openxmlformats.org/drawingml/2006/table">
+                <a:tbl>
+                  <a:tblPr firstRow="1" bandRow="1">
+                    <a:tableStyleId>{5C22544A-7EE6-4342-B048-85BDC9FD1C3A}</a:tableStyleId>
+                  </a:tblPr>
+                  <a:tblGrid>
+                    <a:gridCol w="6087621">
+                      <a:extLst>
+                        <a:ext uri="{9D8B030D-6E8A-4147-A177-3AD203B41FA5}">
+                          <a16:colId xmlns:a16="http://schemas.microsoft.com/office/drawing/2014/main" val="2182090040"/>
+                        </a:ext>
+                      </a:extLst>
+                    </a:gridCol>
+                  </a:tblGrid>
+                  <a:tr h="370840">
+                    <a:tc>
+                      <a:txBody>
+                        <a:bodyPr/>
+                        <a:lstStyle/>
+                        <a:p>
+                          <a:pPr algn="ctr"/>
+                          <a:r>
+                            <a:rPr lang="en-US" sz="1600" b="1" dirty="0">
+                              <a:solidFill>
+                                <a:schemeClr val="tx1"/>
+                              </a:solidFill>
+                              <a:latin typeface="+mn-lt"/>
+                            </a:rPr>
+                            <a:t>V = </a:t>
+                          </a:r>
+                          <a:r>
+                            <a:rPr lang="en-US" sz="1600" b="1" dirty="0" err="1">
+                              <a:solidFill>
+                                <a:schemeClr val="tx1"/>
+                              </a:solidFill>
+                              <a:latin typeface="+mn-lt"/>
+                            </a:rPr>
+                            <a:t>Vorgang</a:t>
+                          </a:r>
+                          <a:r>
+                            <a:rPr lang="en-US" sz="1600" b="1" dirty="0">
+                              <a:solidFill>
+                                <a:schemeClr val="tx1"/>
+                              </a:solidFill>
+                              <a:latin typeface="+mn-lt"/>
+                            </a:rPr>
+                            <a:t>, M = Minute, T = Tage, Mo = Monat, Std = </a:t>
+                          </a:r>
+                          <a:r>
+                            <a:rPr lang="en-US" sz="1600" b="1" dirty="0" err="1">
+                              <a:solidFill>
+                                <a:schemeClr val="tx1"/>
+                              </a:solidFill>
+                              <a:latin typeface="+mn-lt"/>
+                            </a:rPr>
+                            <a:t>Stunde</a:t>
+                          </a:r>
+                          <a:endParaRPr lang="en-DE" sz="1600" b="1" dirty="0">
+                            <a:solidFill>
+                              <a:schemeClr val="tx1"/>
+                            </a:solidFill>
+                            <a:latin typeface="+mn-lt"/>
+                          </a:endParaRPr>
+                        </a:p>
+                      </a:txBody>
+                      <a:tcPr>
+                        <a:lnL w="12700" cap="flat" cmpd="sng" algn="ctr">
+                          <a:solidFill>
+                            <a:schemeClr val="tx1"/>
+                          </a:solidFill>
+                          <a:prstDash val="solid"/>
+                          <a:round/>
+                          <a:headEnd type="none" w="med" len="med"/>
+                          <a:tailEnd type="none" w="med" len="med"/>
+                        </a:lnL>
+                        <a:lnR w="12700" cap="flat" cmpd="sng" algn="ctr">
+                          <a:solidFill>
+                            <a:schemeClr val="tx1"/>
+                          </a:solidFill>
+                          <a:prstDash val="solid"/>
+                          <a:round/>
+                          <a:headEnd type="none" w="med" len="med"/>
+                          <a:tailEnd type="none" w="med" len="med"/>
+                        </a:lnR>
+                        <a:lnT w="12700" cap="flat" cmpd="sng" algn="ctr">
+                          <a:solidFill>
+                            <a:schemeClr val="tx1"/>
+                          </a:solidFill>
+                          <a:prstDash val="solid"/>
+                          <a:round/>
+                          <a:headEnd type="none" w="med" len="med"/>
+                          <a:tailEnd type="none" w="med" len="med"/>
+                        </a:lnT>
+                        <a:lnB w="12700" cap="flat" cmpd="sng" algn="ctr">
+                          <a:solidFill>
+                            <a:schemeClr val="tx1"/>
+                          </a:solidFill>
+                          <a:prstDash val="solid"/>
+                          <a:round/>
+                          <a:headEnd type="none" w="med" len="med"/>
+                          <a:tailEnd type="none" w="med" len="med"/>
+                        </a:lnB>
+                        <a:lnTlToBr w="12700" cmpd="sng">
+                          <a:noFill/>
+                          <a:prstDash val="solid"/>
+                        </a:lnTlToBr>
+                        <a:lnBlToTr w="12700" cmpd="sng">
+                          <a:noFill/>
+                          <a:prstDash val="solid"/>
+                        </a:lnBlToTr>
+                        <a:solidFill>
+                          <a:schemeClr val="accent1">
+                            <a:lumMod val="60000"/>
+                            <a:lumOff val="40000"/>
+                          </a:schemeClr>
+                        </a:solidFill>
+                      </a:tcPr>
+                    </a:tc>
+                    <a:extLst>
+                      <a:ext uri="{0D108BD9-81ED-4DB2-BD59-A6C34878D82A}">
+                        <a16:rowId xmlns:a16="http://schemas.microsoft.com/office/drawing/2014/main" val="2320307384"/>
+                      </a:ext>
+                    </a:extLst>
+                  </a:tr>
+                  <a:tr h="370840">
+                    <a:tc>
+                      <a:txBody>
+                        <a:bodyPr/>
+                        <a:lstStyle/>
+                        <a:p>
+                          <a:pPr/>
+                          <a14:m>
+                            <m:oMathPara xmlns:m="http://schemas.openxmlformats.org/officeDocument/2006/math">
+                              <m:oMathParaPr>
+                                <m:jc m:val="centerGroup"/>
+                              </m:oMathParaPr>
+                              <m:oMath xmlns:m="http://schemas.openxmlformats.org/officeDocument/2006/math">
+                                <m:r>
+                                  <a:rPr lang="en-US" b="1" i="1" smtClean="0">
+                                    <a:solidFill>
+                                      <a:schemeClr val="tx1"/>
+                                    </a:solidFill>
+                                    <a:latin typeface="+mn-lt"/>
+                                  </a:rPr>
+                                  <m:t>𝟑</m:t>
+                                </m:r>
+                                <m:r>
+                                  <a:rPr lang="en-US" b="1" i="1" smtClean="0">
+                                    <a:solidFill>
+                                      <a:schemeClr val="tx1"/>
+                                    </a:solidFill>
+                                    <a:latin typeface="+mn-lt"/>
+                                  </a:rPr>
+                                  <m:t> </m:t>
+                                </m:r>
+                                <m:r>
+                                  <a:rPr lang="en-US" b="1" i="1" smtClean="0">
+                                    <a:solidFill>
+                                      <a:schemeClr val="tx1"/>
+                                    </a:solidFill>
+                                    <a:latin typeface="+mn-lt"/>
+                                  </a:rPr>
+                                  <m:t>𝑽</m:t>
+                                </m:r>
+                                <m:r>
+                                  <a:rPr lang="en-US" b="1" i="1" smtClean="0">
+                                    <a:solidFill>
+                                      <a:schemeClr val="tx1"/>
+                                    </a:solidFill>
+                                    <a:latin typeface="+mn-lt"/>
+                                  </a:rPr>
+                                  <m:t> </m:t>
+                                </m:r>
+                                <m:r>
+                                  <a:rPr lang="en-US" b="1" i="1" smtClean="0">
+                                    <a:solidFill>
+                                      <a:schemeClr val="tx1"/>
+                                    </a:solidFill>
+                                    <a:latin typeface="+mn-lt"/>
+                                  </a:rPr>
+                                  <m:t>𝒙</m:t>
+                                </m:r>
+                                <m:r>
+                                  <a:rPr lang="en-US" b="1" i="1" smtClean="0">
+                                    <a:solidFill>
+                                      <a:schemeClr val="tx1"/>
+                                    </a:solidFill>
+                                    <a:latin typeface="+mn-lt"/>
+                                  </a:rPr>
+                                  <m:t> </m:t>
+                                </m:r>
+                                <m:r>
+                                  <a:rPr lang="en-US" b="1" i="1" smtClean="0">
+                                    <a:solidFill>
+                                      <a:schemeClr val="tx1"/>
+                                    </a:solidFill>
+                                    <a:latin typeface="+mn-lt"/>
+                                  </a:rPr>
+                                  <m:t>𝟐𝟎</m:t>
+                                </m:r>
+                                <m:r>
+                                  <a:rPr lang="en-US" b="1" i="1" smtClean="0">
+                                    <a:solidFill>
+                                      <a:schemeClr val="tx1"/>
+                                    </a:solidFill>
+                                    <a:latin typeface="+mn-lt"/>
+                                  </a:rPr>
+                                  <m:t> </m:t>
+                                </m:r>
+                                <m:r>
+                                  <a:rPr lang="en-US" b="1" i="1" smtClean="0">
+                                    <a:solidFill>
+                                      <a:schemeClr val="tx1"/>
+                                    </a:solidFill>
+                                    <a:latin typeface="+mn-lt"/>
+                                  </a:rPr>
+                                  <m:t>𝑴</m:t>
+                                </m:r>
+                                <m:r>
+                                  <a:rPr lang="en-US" b="1" i="1" smtClean="0">
+                                    <a:solidFill>
+                                      <a:schemeClr val="tx1"/>
+                                    </a:solidFill>
+                                    <a:latin typeface="+mn-lt"/>
+                                  </a:rPr>
+                                  <m:t> </m:t>
+                                </m:r>
+                                <m:r>
+                                  <a:rPr lang="en-US" b="1" i="1" smtClean="0">
+                                    <a:solidFill>
+                                      <a:schemeClr val="tx1"/>
+                                    </a:solidFill>
+                                    <a:latin typeface="+mn-lt"/>
+                                  </a:rPr>
+                                  <m:t>𝒙</m:t>
+                                </m:r>
+                                <m:r>
+                                  <a:rPr lang="en-US" b="1" i="1" smtClean="0">
+                                    <a:solidFill>
+                                      <a:schemeClr val="tx1"/>
+                                    </a:solidFill>
+                                    <a:latin typeface="+mn-lt"/>
+                                  </a:rPr>
+                                  <m:t> </m:t>
+                                </m:r>
+                                <m:r>
+                                  <a:rPr lang="en-US" b="1" i="1" smtClean="0">
+                                    <a:solidFill>
+                                      <a:schemeClr val="tx1"/>
+                                    </a:solidFill>
+                                    <a:latin typeface="+mn-lt"/>
+                                  </a:rPr>
+                                  <m:t>𝟐𝟎</m:t>
+                                </m:r>
+                                <m:r>
+                                  <a:rPr lang="en-US" b="1" i="1" smtClean="0">
+                                    <a:solidFill>
+                                      <a:schemeClr val="tx1"/>
+                                    </a:solidFill>
+                                    <a:latin typeface="+mn-lt"/>
+                                  </a:rPr>
+                                  <m:t> </m:t>
+                                </m:r>
+                                <m:r>
+                                  <a:rPr lang="en-US" b="1" i="1" smtClean="0">
+                                    <a:solidFill>
+                                      <a:schemeClr val="tx1"/>
+                                    </a:solidFill>
+                                    <a:latin typeface="+mn-lt"/>
+                                  </a:rPr>
+                                  <m:t>𝑻</m:t>
+                                </m:r>
+                                <m:r>
+                                  <a:rPr lang="en-US" b="1" i="1" smtClean="0">
+                                    <a:solidFill>
+                                      <a:schemeClr val="tx1"/>
+                                    </a:solidFill>
+                                    <a:latin typeface="+mn-lt"/>
+                                  </a:rPr>
+                                  <m:t> = </m:t>
+                                </m:r>
+                                <m:r>
+                                  <a:rPr lang="en-US" b="1" i="1" smtClean="0">
+                                    <a:solidFill>
+                                      <a:schemeClr val="tx1"/>
+                                    </a:solidFill>
+                                    <a:latin typeface="+mn-lt"/>
+                                  </a:rPr>
+                                  <m:t>𝟏</m:t>
+                                </m:r>
+                                <m:r>
+                                  <a:rPr lang="en-US" b="1" i="1" smtClean="0">
+                                    <a:solidFill>
+                                      <a:schemeClr val="tx1"/>
+                                    </a:solidFill>
+                                    <a:latin typeface="+mn-lt"/>
+                                  </a:rPr>
+                                  <m:t>.</m:t>
+                                </m:r>
+                                <m:r>
+                                  <a:rPr lang="en-US" b="1" i="1" smtClean="0">
+                                    <a:solidFill>
+                                      <a:schemeClr val="tx1"/>
+                                    </a:solidFill>
+                                    <a:latin typeface="+mn-lt"/>
+                                  </a:rPr>
+                                  <m:t>𝟐𝟎𝟎</m:t>
+                                </m:r>
+                                <m:r>
+                                  <a:rPr lang="en-US" b="1" i="1" smtClean="0">
+                                    <a:solidFill>
+                                      <a:schemeClr val="tx1"/>
+                                    </a:solidFill>
+                                    <a:latin typeface="+mn-lt"/>
+                                  </a:rPr>
+                                  <m:t> </m:t>
+                                </m:r>
+                                <m:r>
+                                  <a:rPr lang="en-US" b="1" i="1" smtClean="0">
+                                    <a:solidFill>
+                                      <a:schemeClr val="tx1"/>
+                                    </a:solidFill>
+                                    <a:latin typeface="+mn-lt"/>
+                                  </a:rPr>
+                                  <m:t>𝑴</m:t>
+                                </m:r>
+                                <m:r>
+                                  <a:rPr lang="en-US" b="1" i="1" smtClean="0">
+                                    <a:solidFill>
+                                      <a:schemeClr val="tx1"/>
+                                    </a:solidFill>
+                                    <a:latin typeface="+mn-lt"/>
+                                  </a:rPr>
+                                  <m:t>/</m:t>
+                                </m:r>
+                                <m:r>
+                                  <a:rPr lang="en-US" b="1" i="1" smtClean="0">
+                                    <a:solidFill>
+                                      <a:schemeClr val="tx1"/>
+                                    </a:solidFill>
+                                    <a:latin typeface="+mn-lt"/>
+                                  </a:rPr>
+                                  <m:t>𝑴𝒐</m:t>
+                                </m:r>
+                                <m:r>
+                                  <a:rPr lang="en-US" b="1" i="1" smtClean="0">
+                                    <a:solidFill>
+                                      <a:schemeClr val="tx1"/>
+                                    </a:solidFill>
+                                    <a:latin typeface="+mn-lt"/>
+                                  </a:rPr>
+                                  <m:t> (~</m:t>
+                                </m:r>
+                                <m:r>
+                                  <a:rPr lang="en-US" b="1" i="1" smtClean="0">
+                                    <a:solidFill>
+                                      <a:schemeClr val="tx1"/>
+                                    </a:solidFill>
+                                    <a:latin typeface="+mn-lt"/>
+                                  </a:rPr>
+                                  <m:t>𝟐𝟎</m:t>
+                                </m:r>
+                                <m:r>
+                                  <a:rPr lang="en-US" b="1" i="1" smtClean="0">
+                                    <a:solidFill>
+                                      <a:schemeClr val="tx1"/>
+                                    </a:solidFill>
+                                    <a:latin typeface="+mn-lt"/>
+                                  </a:rPr>
+                                  <m:t> </m:t>
+                                </m:r>
+                                <m:r>
+                                  <a:rPr lang="en-US" b="1" i="1" smtClean="0">
+                                    <a:solidFill>
+                                      <a:schemeClr val="tx1"/>
+                                    </a:solidFill>
+                                    <a:latin typeface="+mn-lt"/>
+                                  </a:rPr>
+                                  <m:t>𝑺𝒕𝒅</m:t>
+                                </m:r>
+                                <m:r>
+                                  <a:rPr lang="en-US" b="1" i="1" smtClean="0">
+                                    <a:solidFill>
+                                      <a:schemeClr val="tx1"/>
+                                    </a:solidFill>
+                                    <a:latin typeface="+mn-lt"/>
+                                  </a:rPr>
+                                  <m:t>)</m:t>
+                                </m:r>
+                              </m:oMath>
+                            </m:oMathPara>
+                          </a14:m>
+                          <a:endParaRPr lang="en-DE" b="1" dirty="0">
+                            <a:solidFill>
+                              <a:schemeClr val="tx1"/>
+                            </a:solidFill>
+                            <a:latin typeface="+mn-lt"/>
+                          </a:endParaRPr>
+                        </a:p>
+                      </a:txBody>
+                      <a:tcPr>
+                        <a:lnL w="12700" cap="flat" cmpd="sng" algn="ctr">
+                          <a:solidFill>
+                            <a:schemeClr val="tx1"/>
+                          </a:solidFill>
+                          <a:prstDash val="solid"/>
+                          <a:round/>
+                          <a:headEnd type="none" w="med" len="med"/>
+                          <a:tailEnd type="none" w="med" len="med"/>
+                        </a:lnL>
+                        <a:lnR w="12700" cap="flat" cmpd="sng" algn="ctr">
+                          <a:solidFill>
+                            <a:schemeClr val="tx1"/>
+                          </a:solidFill>
+                          <a:prstDash val="solid"/>
+                          <a:round/>
+                          <a:headEnd type="none" w="med" len="med"/>
+                          <a:tailEnd type="none" w="med" len="med"/>
+                        </a:lnR>
+                        <a:lnT w="12700" cap="flat" cmpd="sng" algn="ctr">
+                          <a:solidFill>
+                            <a:schemeClr val="tx1"/>
+                          </a:solidFill>
+                          <a:prstDash val="solid"/>
+                          <a:round/>
+                          <a:headEnd type="none" w="med" len="med"/>
+                          <a:tailEnd type="none" w="med" len="med"/>
+                        </a:lnT>
+                        <a:lnB w="12700" cap="flat" cmpd="sng" algn="ctr">
+                          <a:solidFill>
+                            <a:schemeClr val="tx1"/>
+                          </a:solidFill>
+                          <a:prstDash val="solid"/>
+                          <a:round/>
+                          <a:headEnd type="none" w="med" len="med"/>
+                          <a:tailEnd type="none" w="med" len="med"/>
+                        </a:lnB>
+                        <a:lnTlToBr w="12700" cmpd="sng">
+                          <a:noFill/>
+                          <a:prstDash val="solid"/>
+                        </a:lnTlToBr>
+                        <a:lnBlToTr w="12700" cmpd="sng">
+                          <a:noFill/>
+                          <a:prstDash val="solid"/>
+                        </a:lnBlToTr>
+                        <a:solidFill>
+                          <a:schemeClr val="bg1"/>
+                        </a:solidFill>
+                      </a:tcPr>
+                    </a:tc>
+                    <a:extLst>
+                      <a:ext uri="{0D108BD9-81ED-4DB2-BD59-A6C34878D82A}">
+                        <a16:rowId xmlns:a16="http://schemas.microsoft.com/office/drawing/2014/main" val="2616547755"/>
+                      </a:ext>
+                    </a:extLst>
+                  </a:tr>
+                  <a:tr h="370840">
+                    <a:tc>
+                      <a:txBody>
+                        <a:bodyPr/>
+                        <a:lstStyle/>
+                        <a:p>
+                          <a:pPr marL="0" marR="0" lvl="0" indent="0" algn="l" defTabSz="914400" rtl="0" eaLnBrk="1" fontAlgn="auto" latinLnBrk="0" hangingPunct="1">
+                            <a:lnSpc>
+                              <a:spcPct val="100000"/>
+                            </a:lnSpc>
+                            <a:spcBef>
+                              <a:spcPts val="0"/>
+                            </a:spcBef>
+                            <a:spcAft>
+                              <a:spcPts val="0"/>
+                            </a:spcAft>
+                            <a:buClrTx/>
+                            <a:buSzTx/>
+                            <a:buFontTx/>
+                            <a:buNone/>
+                            <a:tabLst/>
+                            <a:defRPr/>
+                          </a:pPr>
+                          <a14:m>
+                            <m:oMathPara xmlns:m="http://schemas.openxmlformats.org/officeDocument/2006/math">
+                              <m:oMathParaPr>
+                                <m:jc m:val="centerGroup"/>
+                              </m:oMathParaPr>
+                              <m:oMath xmlns:m="http://schemas.openxmlformats.org/officeDocument/2006/math">
+                                <m:r>
+                                  <a:rPr lang="en-US" b="1" i="1" smtClean="0">
+                                    <a:solidFill>
+                                      <a:schemeClr val="tx1"/>
+                                    </a:solidFill>
+                                    <a:latin typeface="+mn-lt"/>
+                                  </a:rPr>
+                                  <m:t>𝟑</m:t>
+                                </m:r>
+                                <m:r>
+                                  <a:rPr lang="en-US" b="1" i="1" smtClean="0">
+                                    <a:solidFill>
+                                      <a:schemeClr val="tx1"/>
+                                    </a:solidFill>
+                                    <a:latin typeface="+mn-lt"/>
+                                  </a:rPr>
+                                  <m:t> </m:t>
+                                </m:r>
+                                <m:r>
+                                  <a:rPr lang="en-US" b="1" i="1" smtClean="0">
+                                    <a:solidFill>
+                                      <a:schemeClr val="tx1"/>
+                                    </a:solidFill>
+                                    <a:latin typeface="+mn-lt"/>
+                                  </a:rPr>
+                                  <m:t>𝑽</m:t>
+                                </m:r>
+                                <m:r>
+                                  <a:rPr lang="en-US" b="1" i="1" smtClean="0">
+                                    <a:solidFill>
+                                      <a:schemeClr val="tx1"/>
+                                    </a:solidFill>
+                                    <a:latin typeface="+mn-lt"/>
+                                  </a:rPr>
+                                  <m:t> </m:t>
+                                </m:r>
+                                <m:r>
+                                  <a:rPr lang="en-US" b="1" i="1" smtClean="0">
+                                    <a:solidFill>
+                                      <a:schemeClr val="tx1"/>
+                                    </a:solidFill>
+                                    <a:latin typeface="+mn-lt"/>
+                                  </a:rPr>
+                                  <m:t>𝒙</m:t>
+                                </m:r>
+                                <m:r>
+                                  <a:rPr lang="en-US" b="1" i="1" smtClean="0">
+                                    <a:solidFill>
+                                      <a:schemeClr val="tx1"/>
+                                    </a:solidFill>
+                                    <a:latin typeface="+mn-lt"/>
+                                  </a:rPr>
+                                  <m:t> </m:t>
+                                </m:r>
+                                <m:r>
+                                  <a:rPr lang="en-US" b="1" i="1" smtClean="0">
+                                    <a:solidFill>
+                                      <a:schemeClr val="tx1"/>
+                                    </a:solidFill>
+                                    <a:latin typeface="+mn-lt"/>
+                                  </a:rPr>
+                                  <m:t>𝟐</m:t>
+                                </m:r>
+                                <m:r>
+                                  <a:rPr lang="en-US" b="1" i="1" smtClean="0">
+                                    <a:solidFill>
+                                      <a:schemeClr val="tx1"/>
+                                    </a:solidFill>
+                                    <a:latin typeface="+mn-lt"/>
+                                  </a:rPr>
+                                  <m:t> </m:t>
+                                </m:r>
+                                <m:r>
+                                  <a:rPr lang="en-US" b="1" i="1" smtClean="0">
+                                    <a:solidFill>
+                                      <a:schemeClr val="tx1"/>
+                                    </a:solidFill>
+                                    <a:latin typeface="+mn-lt"/>
+                                  </a:rPr>
+                                  <m:t>𝑴</m:t>
+                                </m:r>
+                                <m:r>
+                                  <a:rPr lang="en-US" b="1" i="1" smtClean="0">
+                                    <a:solidFill>
+                                      <a:schemeClr val="tx1"/>
+                                    </a:solidFill>
+                                    <a:latin typeface="+mn-lt"/>
+                                  </a:rPr>
+                                  <m:t> </m:t>
+                                </m:r>
+                                <m:r>
+                                  <a:rPr lang="en-US" b="1" i="1" smtClean="0">
+                                    <a:solidFill>
+                                      <a:schemeClr val="tx1"/>
+                                    </a:solidFill>
+                                    <a:latin typeface="+mn-lt"/>
+                                  </a:rPr>
+                                  <m:t>𝒙</m:t>
+                                </m:r>
+                                <m:r>
+                                  <a:rPr lang="en-US" b="1" i="1" smtClean="0">
+                                    <a:solidFill>
+                                      <a:schemeClr val="tx1"/>
+                                    </a:solidFill>
+                                    <a:latin typeface="+mn-lt"/>
+                                  </a:rPr>
+                                  <m:t> </m:t>
+                                </m:r>
+                                <m:r>
+                                  <a:rPr lang="en-US" b="1" i="1" smtClean="0">
+                                    <a:solidFill>
+                                      <a:schemeClr val="tx1"/>
+                                    </a:solidFill>
+                                    <a:latin typeface="+mn-lt"/>
+                                  </a:rPr>
+                                  <m:t>𝟐𝟎</m:t>
+                                </m:r>
+                                <m:r>
+                                  <a:rPr lang="en-US" b="1" i="1" smtClean="0">
+                                    <a:solidFill>
+                                      <a:schemeClr val="tx1"/>
+                                    </a:solidFill>
+                                    <a:latin typeface="+mn-lt"/>
+                                  </a:rPr>
+                                  <m:t> </m:t>
+                                </m:r>
+                                <m:r>
+                                  <a:rPr lang="en-US" b="1" i="1" smtClean="0">
+                                    <a:solidFill>
+                                      <a:schemeClr val="tx1"/>
+                                    </a:solidFill>
+                                    <a:latin typeface="+mn-lt"/>
+                                  </a:rPr>
+                                  <m:t>𝑻</m:t>
+                                </m:r>
+                                <m:r>
+                                  <a:rPr lang="en-US" b="1" i="1" smtClean="0">
+                                    <a:solidFill>
+                                      <a:schemeClr val="tx1"/>
+                                    </a:solidFill>
+                                    <a:latin typeface="+mn-lt"/>
+                                  </a:rPr>
+                                  <m:t> = </m:t>
+                                </m:r>
+                                <m:r>
+                                  <a:rPr lang="en-US" b="1" i="1" smtClean="0">
+                                    <a:solidFill>
+                                      <a:schemeClr val="tx1"/>
+                                    </a:solidFill>
+                                    <a:latin typeface="+mn-lt"/>
+                                  </a:rPr>
+                                  <m:t>𝟏𝟐𝟎</m:t>
+                                </m:r>
+                                <m:r>
+                                  <a:rPr lang="en-US" b="1" i="1" smtClean="0">
+                                    <a:solidFill>
+                                      <a:schemeClr val="tx1"/>
+                                    </a:solidFill>
+                                    <a:latin typeface="+mn-lt"/>
+                                  </a:rPr>
+                                  <m:t> </m:t>
+                                </m:r>
+                                <m:r>
+                                  <a:rPr lang="en-US" b="1" i="1" smtClean="0">
+                                    <a:solidFill>
+                                      <a:schemeClr val="tx1"/>
+                                    </a:solidFill>
+                                    <a:latin typeface="+mn-lt"/>
+                                  </a:rPr>
+                                  <m:t>𝑴</m:t>
+                                </m:r>
+                                <m:r>
+                                  <a:rPr lang="en-US" b="1" i="1" smtClean="0">
+                                    <a:solidFill>
+                                      <a:schemeClr val="tx1"/>
+                                    </a:solidFill>
+                                    <a:latin typeface="+mn-lt"/>
+                                  </a:rPr>
+                                  <m:t>/</m:t>
+                                </m:r>
+                                <m:r>
+                                  <a:rPr lang="en-US" b="1" i="1" smtClean="0">
+                                    <a:solidFill>
+                                      <a:schemeClr val="tx1"/>
+                                    </a:solidFill>
+                                    <a:latin typeface="+mn-lt"/>
+                                  </a:rPr>
+                                  <m:t>𝑴𝒐</m:t>
+                                </m:r>
+                                <m:r>
+                                  <a:rPr lang="en-US" b="1" i="1" smtClean="0">
+                                    <a:solidFill>
+                                      <a:schemeClr val="tx1"/>
+                                    </a:solidFill>
+                                    <a:latin typeface="+mn-lt"/>
+                                  </a:rPr>
+                                  <m:t> (~</m:t>
+                                </m:r>
+                                <m:r>
+                                  <a:rPr lang="en-US" b="1" i="1" smtClean="0">
+                                    <a:solidFill>
+                                      <a:schemeClr val="tx1"/>
+                                    </a:solidFill>
+                                    <a:latin typeface="+mn-lt"/>
+                                  </a:rPr>
+                                  <m:t>𝟐</m:t>
+                                </m:r>
+                                <m:r>
+                                  <a:rPr lang="en-US" b="1" i="1" smtClean="0">
+                                    <a:solidFill>
+                                      <a:schemeClr val="tx1"/>
+                                    </a:solidFill>
+                                    <a:latin typeface="+mn-lt"/>
+                                  </a:rPr>
+                                  <m:t> </m:t>
+                                </m:r>
+                                <m:r>
+                                  <a:rPr lang="en-US" b="1" i="1" smtClean="0">
+                                    <a:solidFill>
+                                      <a:schemeClr val="tx1"/>
+                                    </a:solidFill>
+                                    <a:latin typeface="+mn-lt"/>
+                                  </a:rPr>
+                                  <m:t>𝑺𝒕𝒅</m:t>
+                                </m:r>
+                                <m:r>
+                                  <a:rPr lang="en-US" b="1" i="1" smtClean="0">
+                                    <a:solidFill>
+                                      <a:schemeClr val="tx1"/>
+                                    </a:solidFill>
+                                    <a:latin typeface="+mn-lt"/>
+                                  </a:rPr>
+                                  <m:t>)</m:t>
+                                </m:r>
+                              </m:oMath>
+                            </m:oMathPara>
+                          </a14:m>
+                          <a:endParaRPr lang="en-DE" b="1" dirty="0">
+                            <a:solidFill>
+                              <a:schemeClr val="tx1"/>
+                            </a:solidFill>
+                            <a:latin typeface="+mn-lt"/>
+                          </a:endParaRPr>
+                        </a:p>
+                      </a:txBody>
+                      <a:tcPr>
+                        <a:lnL w="12700" cap="flat" cmpd="sng" algn="ctr">
+                          <a:solidFill>
+                            <a:schemeClr val="tx1"/>
+                          </a:solidFill>
+                          <a:prstDash val="solid"/>
+                          <a:round/>
+                          <a:headEnd type="none" w="med" len="med"/>
+                          <a:tailEnd type="none" w="med" len="med"/>
+                        </a:lnL>
+                        <a:lnR w="12700" cap="flat" cmpd="sng" algn="ctr">
+                          <a:solidFill>
+                            <a:schemeClr val="tx1"/>
+                          </a:solidFill>
+                          <a:prstDash val="solid"/>
+                          <a:round/>
+                          <a:headEnd type="none" w="med" len="med"/>
+                          <a:tailEnd type="none" w="med" len="med"/>
+                        </a:lnR>
+                        <a:lnT w="12700" cap="flat" cmpd="sng" algn="ctr">
+                          <a:solidFill>
+                            <a:schemeClr val="tx1"/>
+                          </a:solidFill>
+                          <a:prstDash val="solid"/>
+                          <a:round/>
+                          <a:headEnd type="none" w="med" len="med"/>
+                          <a:tailEnd type="none" w="med" len="med"/>
+                        </a:lnT>
+                        <a:lnB w="12700" cap="flat" cmpd="sng" algn="ctr">
+                          <a:solidFill>
+                            <a:schemeClr val="tx1"/>
+                          </a:solidFill>
+                          <a:prstDash val="solid"/>
+                          <a:round/>
+                          <a:headEnd type="none" w="med" len="med"/>
+                          <a:tailEnd type="none" w="med" len="med"/>
+                        </a:lnB>
+                        <a:lnTlToBr w="12700" cmpd="sng">
+                          <a:noFill/>
+                          <a:prstDash val="solid"/>
+                        </a:lnTlToBr>
+                        <a:lnBlToTr w="12700" cmpd="sng">
+                          <a:noFill/>
+                          <a:prstDash val="solid"/>
+                        </a:lnBlToTr>
+                        <a:solidFill>
+                          <a:schemeClr val="bg1">
+                            <a:lumMod val="85000"/>
+                          </a:schemeClr>
+                        </a:solidFill>
+                      </a:tcPr>
+                    </a:tc>
+                    <a:extLst>
+                      <a:ext uri="{0D108BD9-81ED-4DB2-BD59-A6C34878D82A}">
+                        <a16:rowId xmlns:a16="http://schemas.microsoft.com/office/drawing/2014/main" val="3403722926"/>
+                      </a:ext>
+                    </a:extLst>
+                  </a:tr>
+                  <a:tr h="370840">
+                    <a:tc>
+                      <a:txBody>
+                        <a:bodyPr/>
+                        <a:lstStyle/>
+                        <a:p>
+                          <a:pPr marL="0" marR="0" lvl="0" indent="0" algn="ctr" defTabSz="914400" rtl="0" eaLnBrk="1" fontAlgn="auto" latinLnBrk="0" hangingPunct="1">
+                            <a:lnSpc>
+                              <a:spcPct val="100000"/>
+                            </a:lnSpc>
+                            <a:spcBef>
+                              <a:spcPts val="0"/>
+                            </a:spcBef>
+                            <a:spcAft>
+                              <a:spcPts val="0"/>
+                            </a:spcAft>
+                            <a:buClrTx/>
+                            <a:buSzTx/>
+                            <a:buFontTx/>
+                            <a:buNone/>
+                            <a:tabLst/>
+                            <a:defRPr/>
+                          </a:pPr>
+                          <a:r>
+                            <a:rPr lang="de-DE" b="1" dirty="0">
+                              <a:solidFill>
+                                <a:schemeClr val="bg1"/>
+                              </a:solidFill>
+                              <a:latin typeface="+mn-lt"/>
+                            </a:rPr>
+                            <a:t>Einsparung: ca. </a:t>
+                          </a:r>
+                          <a:r>
+                            <a:rPr lang="de-DE" b="1" u="sng" dirty="0">
+                              <a:solidFill>
+                                <a:schemeClr val="bg1"/>
+                              </a:solidFill>
+                              <a:latin typeface="+mn-lt"/>
+                            </a:rPr>
+                            <a:t>18 Stunden</a:t>
+                          </a:r>
+                          <a:r>
+                            <a:rPr lang="de-DE" b="1" u="none" dirty="0">
+                              <a:solidFill>
+                                <a:schemeClr val="bg1"/>
+                              </a:solidFill>
+                              <a:latin typeface="+mn-lt"/>
+                            </a:rPr>
+                            <a:t> </a:t>
+                          </a:r>
+                          <a:r>
+                            <a:rPr lang="de-DE" b="1" dirty="0">
+                              <a:solidFill>
+                                <a:schemeClr val="bg1"/>
+                              </a:solidFill>
+                              <a:latin typeface="+mn-lt"/>
+                            </a:rPr>
+                            <a:t>Arbeitszeit pro Monat</a:t>
+                          </a:r>
+                          <a:endParaRPr lang="en-DE" b="1" dirty="0">
+                            <a:solidFill>
+                              <a:schemeClr val="bg1"/>
+                            </a:solidFill>
+                            <a:latin typeface="+mn-lt"/>
+                          </a:endParaRPr>
+                        </a:p>
+                      </a:txBody>
+                      <a:tcPr>
+                        <a:lnL w="12700" cap="flat" cmpd="sng" algn="ctr">
+                          <a:solidFill>
+                            <a:schemeClr val="tx1"/>
+                          </a:solidFill>
+                          <a:prstDash val="solid"/>
+                          <a:round/>
+                          <a:headEnd type="none" w="med" len="med"/>
+                          <a:tailEnd type="none" w="med" len="med"/>
+                        </a:lnL>
+                        <a:lnR w="12700" cap="flat" cmpd="sng" algn="ctr">
+                          <a:solidFill>
+                            <a:schemeClr val="tx1"/>
+                          </a:solidFill>
+                          <a:prstDash val="solid"/>
+                          <a:round/>
+                          <a:headEnd type="none" w="med" len="med"/>
+                          <a:tailEnd type="none" w="med" len="med"/>
+                        </a:lnR>
+                        <a:lnT w="12700" cap="flat" cmpd="sng" algn="ctr">
+                          <a:solidFill>
+                            <a:schemeClr val="tx1"/>
+                          </a:solidFill>
+                          <a:prstDash val="solid"/>
+                          <a:round/>
+                          <a:headEnd type="none" w="med" len="med"/>
+                          <a:tailEnd type="none" w="med" len="med"/>
+                        </a:lnT>
+                        <a:lnB w="12700" cap="flat" cmpd="sng" algn="ctr">
+                          <a:solidFill>
+                            <a:schemeClr val="tx1"/>
+                          </a:solidFill>
+                          <a:prstDash val="solid"/>
+                          <a:round/>
+                          <a:headEnd type="none" w="med" len="med"/>
+                          <a:tailEnd type="none" w="med" len="med"/>
+                        </a:lnB>
+                        <a:lnTlToBr w="12700" cmpd="sng">
+                          <a:noFill/>
+                          <a:prstDash val="solid"/>
+                        </a:lnTlToBr>
+                        <a:lnBlToTr w="12700" cmpd="sng">
+                          <a:noFill/>
+                          <a:prstDash val="solid"/>
+                        </a:lnBlToTr>
+                        <a:solidFill>
+                          <a:schemeClr val="accent5">
+                            <a:lumMod val="75000"/>
+                          </a:schemeClr>
+                        </a:solidFill>
+                      </a:tcPr>
+                    </a:tc>
+                    <a:extLst>
+                      <a:ext uri="{0D108BD9-81ED-4DB2-BD59-A6C34878D82A}">
+                        <a16:rowId xmlns:a16="http://schemas.microsoft.com/office/drawing/2014/main" val="1045319767"/>
+                      </a:ext>
+                    </a:extLst>
+                  </a:tr>
+                </a:tbl>
+              </a:graphicData>
+            </a:graphic>
+          </p:graphicFrame>
+        </mc:Choice>
+        <mc:Fallback>
+          <p:graphicFrame>
+            <p:nvGraphicFramePr>
+              <p:cNvPr id="17" name="Tabelle 16">
+                <a:extLst>
+                  <a:ext uri="{FF2B5EF4-FFF2-40B4-BE49-F238E27FC236}">
+                    <a16:creationId xmlns:a16="http://schemas.microsoft.com/office/drawing/2014/main" id="{A6A1F7FF-ED0F-EFA9-E181-8ECC362C7C7C}"/>
+                  </a:ext>
+                </a:extLst>
+              </p:cNvPr>
+              <p:cNvGraphicFramePr>
+                <a:graphicFrameLocks noGrp="1"/>
+              </p:cNvGraphicFramePr>
+              <p:nvPr>
+                <p:extLst>
+                  <p:ext uri="{D42A27DB-BD31-4B8C-83A1-F6EECF244321}">
+                    <p14:modId xmlns:p14="http://schemas.microsoft.com/office/powerpoint/2010/main" val="908690034"/>
+                  </p:ext>
+                </p:extLst>
+              </p:nvPr>
+            </p:nvGraphicFramePr>
+            <p:xfrm>
+              <a:off x="5786858" y="3100032"/>
+              <a:ext cx="6087621" cy="1483360"/>
+            </p:xfrm>
+            <a:graphic>
+              <a:graphicData uri="http://schemas.openxmlformats.org/drawingml/2006/table">
+                <a:tbl>
+                  <a:tblPr firstRow="1" bandRow="1">
+                    <a:tableStyleId>{5C22544A-7EE6-4342-B048-85BDC9FD1C3A}</a:tableStyleId>
+                  </a:tblPr>
+                  <a:tblGrid>
+                    <a:gridCol w="6087621">
+                      <a:extLst>
+                        <a:ext uri="{9D8B030D-6E8A-4147-A177-3AD203B41FA5}">
+                          <a16:colId xmlns:a16="http://schemas.microsoft.com/office/drawing/2014/main" val="2182090040"/>
+                        </a:ext>
+                      </a:extLst>
+                    </a:gridCol>
+                  </a:tblGrid>
+                  <a:tr h="370840">
+                    <a:tc>
+                      <a:txBody>
+                        <a:bodyPr/>
+                        <a:lstStyle/>
+                        <a:p>
+                          <a:pPr algn="ctr"/>
+                          <a:r>
+                            <a:rPr lang="en-US" sz="1600" b="1" dirty="0">
+                              <a:solidFill>
+                                <a:schemeClr val="tx1"/>
+                              </a:solidFill>
+                              <a:latin typeface="+mn-lt"/>
+                            </a:rPr>
+                            <a:t>V = </a:t>
+                          </a:r>
+                          <a:r>
+                            <a:rPr lang="en-US" sz="1600" b="1" dirty="0" err="1">
+                              <a:solidFill>
+                                <a:schemeClr val="tx1"/>
+                              </a:solidFill>
+                              <a:latin typeface="+mn-lt"/>
+                            </a:rPr>
+                            <a:t>Vorgang</a:t>
+                          </a:r>
+                          <a:r>
+                            <a:rPr lang="en-US" sz="1600" b="1" dirty="0">
+                              <a:solidFill>
+                                <a:schemeClr val="tx1"/>
+                              </a:solidFill>
+                              <a:latin typeface="+mn-lt"/>
+                            </a:rPr>
+                            <a:t>, M = Minute, T = Tage, Mo = Monat, Std = </a:t>
+                          </a:r>
+                          <a:r>
+                            <a:rPr lang="en-US" sz="1600" b="1" dirty="0" err="1">
+                              <a:solidFill>
+                                <a:schemeClr val="tx1"/>
+                              </a:solidFill>
+                              <a:latin typeface="+mn-lt"/>
+                            </a:rPr>
+                            <a:t>Stunde</a:t>
+                          </a:r>
+                          <a:endParaRPr lang="en-DE" sz="1600" b="1" dirty="0">
+                            <a:solidFill>
+                              <a:schemeClr val="tx1"/>
+                            </a:solidFill>
+                            <a:latin typeface="+mn-lt"/>
+                          </a:endParaRPr>
+                        </a:p>
+                      </a:txBody>
+                      <a:tcPr>
+                        <a:lnL w="12700" cap="flat" cmpd="sng" algn="ctr">
+                          <a:solidFill>
+                            <a:schemeClr val="tx1"/>
+                          </a:solidFill>
+                          <a:prstDash val="solid"/>
+                          <a:round/>
+                          <a:headEnd type="none" w="med" len="med"/>
+                          <a:tailEnd type="none" w="med" len="med"/>
+                        </a:lnL>
+                        <a:lnR w="12700" cap="flat" cmpd="sng" algn="ctr">
+                          <a:solidFill>
+                            <a:schemeClr val="tx1"/>
+                          </a:solidFill>
+                          <a:prstDash val="solid"/>
+                          <a:round/>
+                          <a:headEnd type="none" w="med" len="med"/>
+                          <a:tailEnd type="none" w="med" len="med"/>
+                        </a:lnR>
+                        <a:lnT w="12700" cap="flat" cmpd="sng" algn="ctr">
+                          <a:solidFill>
+                            <a:schemeClr val="tx1"/>
+                          </a:solidFill>
+                          <a:prstDash val="solid"/>
+                          <a:round/>
+                          <a:headEnd type="none" w="med" len="med"/>
+                          <a:tailEnd type="none" w="med" len="med"/>
+                        </a:lnT>
+                        <a:lnB w="12700" cap="flat" cmpd="sng" algn="ctr">
+                          <a:solidFill>
+                            <a:schemeClr val="tx1"/>
+                          </a:solidFill>
+                          <a:prstDash val="solid"/>
+                          <a:round/>
+                          <a:headEnd type="none" w="med" len="med"/>
+                          <a:tailEnd type="none" w="med" len="med"/>
+                        </a:lnB>
+                        <a:lnTlToBr w="12700" cmpd="sng">
+                          <a:noFill/>
+                          <a:prstDash val="solid"/>
+                        </a:lnTlToBr>
+                        <a:lnBlToTr w="12700" cmpd="sng">
+                          <a:noFill/>
+                          <a:prstDash val="solid"/>
+                        </a:lnBlToTr>
+                        <a:solidFill>
+                          <a:schemeClr val="accent1">
+                            <a:lumMod val="60000"/>
+                            <a:lumOff val="40000"/>
+                          </a:schemeClr>
+                        </a:solidFill>
+                      </a:tcPr>
+                    </a:tc>
+                    <a:extLst>
+                      <a:ext uri="{0D108BD9-81ED-4DB2-BD59-A6C34878D82A}">
+                        <a16:rowId xmlns:a16="http://schemas.microsoft.com/office/drawing/2014/main" val="2320307384"/>
+                      </a:ext>
+                    </a:extLst>
+                  </a:tr>
+                  <a:tr h="370840">
+                    <a:tc>
+                      <a:txBody>
+                        <a:bodyPr/>
+                        <a:lstStyle/>
+                        <a:p>
+                          <a:endParaRPr lang="en-DE"/>
+                        </a:p>
+                      </a:txBody>
+                      <a:tcPr>
+                        <a:lnL w="12700" cap="flat" cmpd="sng" algn="ctr">
+                          <a:solidFill>
+                            <a:schemeClr val="tx1"/>
+                          </a:solidFill>
+                          <a:prstDash val="solid"/>
+                          <a:round/>
+                          <a:headEnd type="none" w="med" len="med"/>
+                          <a:tailEnd type="none" w="med" len="med"/>
+                        </a:lnL>
+                        <a:lnR w="12700" cap="flat" cmpd="sng" algn="ctr">
+                          <a:solidFill>
+                            <a:schemeClr val="tx1"/>
+                          </a:solidFill>
+                          <a:prstDash val="solid"/>
+                          <a:round/>
+                          <a:headEnd type="none" w="med" len="med"/>
+                          <a:tailEnd type="none" w="med" len="med"/>
+                        </a:lnR>
+                        <a:lnT w="12700" cap="flat" cmpd="sng" algn="ctr">
+                          <a:solidFill>
+                            <a:schemeClr val="tx1"/>
+                          </a:solidFill>
+                          <a:prstDash val="solid"/>
+                          <a:round/>
+                          <a:headEnd type="none" w="med" len="med"/>
+                          <a:tailEnd type="none" w="med" len="med"/>
+                        </a:lnT>
+                        <a:lnB w="12700" cap="flat" cmpd="sng" algn="ctr">
+                          <a:solidFill>
+                            <a:schemeClr val="tx1"/>
+                          </a:solidFill>
+                          <a:prstDash val="solid"/>
+                          <a:round/>
+                          <a:headEnd type="none" w="med" len="med"/>
+                          <a:tailEnd type="none" w="med" len="med"/>
+                        </a:lnB>
+                        <a:lnTlToBr w="12700" cmpd="sng">
+                          <a:noFill/>
+                          <a:prstDash val="solid"/>
+                        </a:lnTlToBr>
+                        <a:lnBlToTr w="12700" cmpd="sng">
+                          <a:noFill/>
+                          <a:prstDash val="solid"/>
+                        </a:lnBlToTr>
+                        <a:blipFill>
+                          <a:blip r:embed="rId4"/>
+                          <a:stretch>
+                            <a:fillRect l="-100" t="-103279" r="-200" b="-224590"/>
+                          </a:stretch>
+                        </a:blipFill>
+                      </a:tcPr>
+                    </a:tc>
+                    <a:extLst>
+                      <a:ext uri="{0D108BD9-81ED-4DB2-BD59-A6C34878D82A}">
+                        <a16:rowId xmlns:a16="http://schemas.microsoft.com/office/drawing/2014/main" val="2616547755"/>
+                      </a:ext>
+                    </a:extLst>
+                  </a:tr>
+                  <a:tr h="370840">
+                    <a:tc>
+                      <a:txBody>
+                        <a:bodyPr/>
+                        <a:lstStyle/>
+                        <a:p>
+                          <a:endParaRPr lang="en-DE"/>
+                        </a:p>
+                      </a:txBody>
+                      <a:tcPr>
+                        <a:lnL w="12700" cap="flat" cmpd="sng" algn="ctr">
+                          <a:solidFill>
+                            <a:schemeClr val="tx1"/>
+                          </a:solidFill>
+                          <a:prstDash val="solid"/>
+                          <a:round/>
+                          <a:headEnd type="none" w="med" len="med"/>
+                          <a:tailEnd type="none" w="med" len="med"/>
+                        </a:lnL>
+                        <a:lnR w="12700" cap="flat" cmpd="sng" algn="ctr">
+                          <a:solidFill>
+                            <a:schemeClr val="tx1"/>
+                          </a:solidFill>
+                          <a:prstDash val="solid"/>
+                          <a:round/>
+                          <a:headEnd type="none" w="med" len="med"/>
+                          <a:tailEnd type="none" w="med" len="med"/>
+                        </a:lnR>
+                        <a:lnT w="12700" cap="flat" cmpd="sng" algn="ctr">
+                          <a:solidFill>
+                            <a:schemeClr val="tx1"/>
+                          </a:solidFill>
+                          <a:prstDash val="solid"/>
+                          <a:round/>
+                          <a:headEnd type="none" w="med" len="med"/>
+                          <a:tailEnd type="none" w="med" len="med"/>
+                        </a:lnT>
+                        <a:lnB w="12700" cap="flat" cmpd="sng" algn="ctr">
+                          <a:solidFill>
+                            <a:schemeClr val="tx1"/>
+                          </a:solidFill>
+                          <a:prstDash val="solid"/>
+                          <a:round/>
+                          <a:headEnd type="none" w="med" len="med"/>
+                          <a:tailEnd type="none" w="med" len="med"/>
+                        </a:lnB>
+                        <a:lnTlToBr w="12700" cmpd="sng">
+                          <a:noFill/>
+                          <a:prstDash val="solid"/>
+                        </a:lnTlToBr>
+                        <a:lnBlToTr w="12700" cmpd="sng">
+                          <a:noFill/>
+                          <a:prstDash val="solid"/>
+                        </a:lnBlToTr>
+                        <a:blipFill>
+                          <a:blip r:embed="rId4"/>
+                          <a:stretch>
+                            <a:fillRect l="-100" t="-203279" r="-200" b="-124590"/>
+                          </a:stretch>
+                        </a:blipFill>
+                      </a:tcPr>
+                    </a:tc>
+                    <a:extLst>
+                      <a:ext uri="{0D108BD9-81ED-4DB2-BD59-A6C34878D82A}">
+                        <a16:rowId xmlns:a16="http://schemas.microsoft.com/office/drawing/2014/main" val="3403722926"/>
+                      </a:ext>
+                    </a:extLst>
+                  </a:tr>
+                  <a:tr h="370840">
+                    <a:tc>
+                      <a:txBody>
+                        <a:bodyPr/>
+                        <a:lstStyle/>
+                        <a:p>
+                          <a:pPr marL="0" marR="0" lvl="0" indent="0" algn="ctr" defTabSz="914400" rtl="0" eaLnBrk="1" fontAlgn="auto" latinLnBrk="0" hangingPunct="1">
+                            <a:lnSpc>
+                              <a:spcPct val="100000"/>
+                            </a:lnSpc>
+                            <a:spcBef>
+                              <a:spcPts val="0"/>
+                            </a:spcBef>
+                            <a:spcAft>
+                              <a:spcPts val="0"/>
+                            </a:spcAft>
+                            <a:buClrTx/>
+                            <a:buSzTx/>
+                            <a:buFontTx/>
+                            <a:buNone/>
+                            <a:tabLst/>
+                            <a:defRPr/>
+                          </a:pPr>
+                          <a:r>
+                            <a:rPr lang="de-DE" b="1" dirty="0">
+                              <a:solidFill>
+                                <a:schemeClr val="bg1"/>
+                              </a:solidFill>
+                              <a:latin typeface="+mn-lt"/>
+                            </a:rPr>
+                            <a:t>Einsparung: ca. </a:t>
+                          </a:r>
+                          <a:r>
+                            <a:rPr lang="de-DE" b="1" u="sng" dirty="0">
+                              <a:solidFill>
+                                <a:schemeClr val="bg1"/>
+                              </a:solidFill>
+                              <a:latin typeface="+mn-lt"/>
+                            </a:rPr>
+                            <a:t>18 Stunden</a:t>
+                          </a:r>
+                          <a:r>
+                            <a:rPr lang="de-DE" b="1" u="none" dirty="0">
+                              <a:solidFill>
+                                <a:schemeClr val="bg1"/>
+                              </a:solidFill>
+                              <a:latin typeface="+mn-lt"/>
+                            </a:rPr>
+                            <a:t> </a:t>
+                          </a:r>
+                          <a:r>
+                            <a:rPr lang="de-DE" b="1" dirty="0">
+                              <a:solidFill>
+                                <a:schemeClr val="bg1"/>
+                              </a:solidFill>
+                              <a:latin typeface="+mn-lt"/>
+                            </a:rPr>
+                            <a:t>Arbeitszeit pro Monat</a:t>
+                          </a:r>
+                          <a:endParaRPr lang="en-DE" b="1" dirty="0">
+                            <a:solidFill>
+                              <a:schemeClr val="bg1"/>
+                            </a:solidFill>
+                            <a:latin typeface="+mn-lt"/>
+                          </a:endParaRPr>
+                        </a:p>
+                      </a:txBody>
+                      <a:tcPr>
+                        <a:lnL w="12700" cap="flat" cmpd="sng" algn="ctr">
+                          <a:solidFill>
+                            <a:schemeClr val="tx1"/>
+                          </a:solidFill>
+                          <a:prstDash val="solid"/>
+                          <a:round/>
+                          <a:headEnd type="none" w="med" len="med"/>
+                          <a:tailEnd type="none" w="med" len="med"/>
+                        </a:lnL>
+                        <a:lnR w="12700" cap="flat" cmpd="sng" algn="ctr">
+                          <a:solidFill>
+                            <a:schemeClr val="tx1"/>
+                          </a:solidFill>
+                          <a:prstDash val="solid"/>
+                          <a:round/>
+                          <a:headEnd type="none" w="med" len="med"/>
+                          <a:tailEnd type="none" w="med" len="med"/>
+                        </a:lnR>
+                        <a:lnT w="12700" cap="flat" cmpd="sng" algn="ctr">
+                          <a:solidFill>
+                            <a:schemeClr val="tx1"/>
+                          </a:solidFill>
+                          <a:prstDash val="solid"/>
+                          <a:round/>
+                          <a:headEnd type="none" w="med" len="med"/>
+                          <a:tailEnd type="none" w="med" len="med"/>
+                        </a:lnT>
+                        <a:lnB w="12700" cap="flat" cmpd="sng" algn="ctr">
+                          <a:solidFill>
+                            <a:schemeClr val="tx1"/>
+                          </a:solidFill>
+                          <a:prstDash val="solid"/>
+                          <a:round/>
+                          <a:headEnd type="none" w="med" len="med"/>
+                          <a:tailEnd type="none" w="med" len="med"/>
+                        </a:lnB>
+                        <a:lnTlToBr w="12700" cmpd="sng">
+                          <a:noFill/>
+                          <a:prstDash val="solid"/>
+                        </a:lnTlToBr>
+                        <a:lnBlToTr w="12700" cmpd="sng">
+                          <a:noFill/>
+                          <a:prstDash val="solid"/>
+                        </a:lnBlToTr>
+                        <a:solidFill>
+                          <a:schemeClr val="accent5">
+                            <a:lumMod val="75000"/>
+                          </a:schemeClr>
+                        </a:solidFill>
+                      </a:tcPr>
+                    </a:tc>
+                    <a:extLst>
+                      <a:ext uri="{0D108BD9-81ED-4DB2-BD59-A6C34878D82A}">
+                        <a16:rowId xmlns:a16="http://schemas.microsoft.com/office/drawing/2014/main" val="1045319767"/>
+                      </a:ext>
+                    </a:extLst>
+                  </a:tr>
+                </a:tbl>
+              </a:graphicData>
+            </a:graphic>
+          </p:graphicFrame>
+        </mc:Fallback>
+      </mc:AlternateContent>
     </p:spTree>
     <p:extLst>
       <p:ext uri="{BB962C8B-B14F-4D97-AF65-F5344CB8AC3E}">
-        <p14:creationId xmlns:p14="http://schemas.microsoft.com/office/powerpoint/2010/main" val="3051184308"/>
+        <p14:creationId xmlns:p14="http://schemas.microsoft.com/office/powerpoint/2010/main" val="603444831"/>
       </p:ext>
     </p:extLst>
   </p:cSld>

--- a/Präsentation/Entwicklung eines Odoo-Moduls zur ZIP-komprimierten Dateiverwaltung im Dokumentenmanagementsystem.pptx
+++ b/Präsentation/Entwicklung eines Odoo-Moduls zur ZIP-komprimierten Dateiverwaltung im Dokumentenmanagementsystem.pptx
@@ -6276,7 +6276,7 @@
         <p:spPr>
           <a:xfrm>
             <a:off x="3623110" y="1432562"/>
-            <a:ext cx="6334808" cy="5106350"/>
+            <a:ext cx="6191829" cy="4991098"/>
           </a:xfrm>
           <a:prstGeom prst="rect">
             <a:avLst/>
@@ -7163,6 +7163,15 @@
             <a:pPr marL="0" indent="0">
               <a:buNone/>
             </a:pPr>
+            <a:endParaRPr lang="en-US" sz="2000" dirty="0">
+              <a:latin typeface="Arial" panose="020B0604020202020204" pitchFamily="34" charset="0"/>
+              <a:cs typeface="Arial" panose="020B0604020202020204" pitchFamily="34" charset="0"/>
+            </a:endParaRPr>
+          </a:p>
+          <a:p>
+            <a:pPr marL="0" indent="0">
+              <a:buNone/>
+            </a:pPr>
             <a:r>
               <a:rPr lang="en-US" sz="2000" dirty="0">
                 <a:latin typeface="Arial" panose="020B0604020202020204" pitchFamily="34" charset="0"/>
@@ -9035,6 +9044,649 @@
   <p:clrMapOvr>
     <a:masterClrMapping/>
   </p:clrMapOvr>
+  <p:timing>
+    <p:tnLst>
+      <p:par>
+        <p:cTn id="1" dur="indefinite" restart="never" nodeType="tmRoot">
+          <p:childTnLst>
+            <p:seq concurrent="1" nextAc="seek">
+              <p:cTn id="2" dur="indefinite" nodeType="mainSeq">
+                <p:childTnLst>
+                  <p:par>
+                    <p:cTn id="3" fill="hold">
+                      <p:stCondLst>
+                        <p:cond delay="indefinite"/>
+                      </p:stCondLst>
+                      <p:childTnLst>
+                        <p:par>
+                          <p:cTn id="4" fill="hold">
+                            <p:stCondLst>
+                              <p:cond delay="0"/>
+                            </p:stCondLst>
+                            <p:childTnLst>
+                              <p:par>
+                                <p:cTn id="5" presetID="10" presetClass="entr" presetSubtype="0" fill="hold" grpId="0" nodeType="clickEffect">
+                                  <p:stCondLst>
+                                    <p:cond delay="0"/>
+                                  </p:stCondLst>
+                                  <p:childTnLst>
+                                    <p:set>
+                                      <p:cBhvr>
+                                        <p:cTn id="6" dur="1" fill="hold">
+                                          <p:stCondLst>
+                                            <p:cond delay="0"/>
+                                          </p:stCondLst>
+                                        </p:cTn>
+                                        <p:tgtEl>
+                                          <p:spTgt spid="3">
+                                            <p:txEl>
+                                              <p:pRg st="0" end="0"/>
+                                            </p:txEl>
+                                          </p:spTgt>
+                                        </p:tgtEl>
+                                        <p:attrNameLst>
+                                          <p:attrName>style.visibility</p:attrName>
+                                        </p:attrNameLst>
+                                      </p:cBhvr>
+                                      <p:to>
+                                        <p:strVal val="visible"/>
+                                      </p:to>
+                                    </p:set>
+                                    <p:animEffect transition="in" filter="fade">
+                                      <p:cBhvr>
+                                        <p:cTn id="7" dur="500"/>
+                                        <p:tgtEl>
+                                          <p:spTgt spid="3">
+                                            <p:txEl>
+                                              <p:pRg st="0" end="0"/>
+                                            </p:txEl>
+                                          </p:spTgt>
+                                        </p:tgtEl>
+                                      </p:cBhvr>
+                                    </p:animEffect>
+                                  </p:childTnLst>
+                                </p:cTn>
+                              </p:par>
+                            </p:childTnLst>
+                          </p:cTn>
+                        </p:par>
+                      </p:childTnLst>
+                    </p:cTn>
+                  </p:par>
+                  <p:par>
+                    <p:cTn id="8" fill="hold">
+                      <p:stCondLst>
+                        <p:cond delay="indefinite"/>
+                      </p:stCondLst>
+                      <p:childTnLst>
+                        <p:par>
+                          <p:cTn id="9" fill="hold">
+                            <p:stCondLst>
+                              <p:cond delay="0"/>
+                            </p:stCondLst>
+                            <p:childTnLst>
+                              <p:par>
+                                <p:cTn id="10" presetID="10" presetClass="entr" presetSubtype="0" fill="hold" grpId="0" nodeType="clickEffect">
+                                  <p:stCondLst>
+                                    <p:cond delay="0"/>
+                                  </p:stCondLst>
+                                  <p:childTnLst>
+                                    <p:set>
+                                      <p:cBhvr>
+                                        <p:cTn id="11" dur="1" fill="hold">
+                                          <p:stCondLst>
+                                            <p:cond delay="0"/>
+                                          </p:stCondLst>
+                                        </p:cTn>
+                                        <p:tgtEl>
+                                          <p:spTgt spid="3">
+                                            <p:txEl>
+                                              <p:pRg st="1" end="1"/>
+                                            </p:txEl>
+                                          </p:spTgt>
+                                        </p:tgtEl>
+                                        <p:attrNameLst>
+                                          <p:attrName>style.visibility</p:attrName>
+                                        </p:attrNameLst>
+                                      </p:cBhvr>
+                                      <p:to>
+                                        <p:strVal val="visible"/>
+                                      </p:to>
+                                    </p:set>
+                                    <p:animEffect transition="in" filter="fade">
+                                      <p:cBhvr>
+                                        <p:cTn id="12" dur="500"/>
+                                        <p:tgtEl>
+                                          <p:spTgt spid="3">
+                                            <p:txEl>
+                                              <p:pRg st="1" end="1"/>
+                                            </p:txEl>
+                                          </p:spTgt>
+                                        </p:tgtEl>
+                                      </p:cBhvr>
+                                    </p:animEffect>
+                                  </p:childTnLst>
+                                </p:cTn>
+                              </p:par>
+                            </p:childTnLst>
+                          </p:cTn>
+                        </p:par>
+                      </p:childTnLst>
+                    </p:cTn>
+                  </p:par>
+                  <p:par>
+                    <p:cTn id="13" fill="hold">
+                      <p:stCondLst>
+                        <p:cond delay="indefinite"/>
+                      </p:stCondLst>
+                      <p:childTnLst>
+                        <p:par>
+                          <p:cTn id="14" fill="hold">
+                            <p:stCondLst>
+                              <p:cond delay="0"/>
+                            </p:stCondLst>
+                            <p:childTnLst>
+                              <p:par>
+                                <p:cTn id="15" presetID="10" presetClass="entr" presetSubtype="0" fill="hold" grpId="0" nodeType="clickEffect">
+                                  <p:stCondLst>
+                                    <p:cond delay="0"/>
+                                  </p:stCondLst>
+                                  <p:childTnLst>
+                                    <p:set>
+                                      <p:cBhvr>
+                                        <p:cTn id="16" dur="1" fill="hold">
+                                          <p:stCondLst>
+                                            <p:cond delay="0"/>
+                                          </p:stCondLst>
+                                        </p:cTn>
+                                        <p:tgtEl>
+                                          <p:spTgt spid="3">
+                                            <p:txEl>
+                                              <p:pRg st="2" end="2"/>
+                                            </p:txEl>
+                                          </p:spTgt>
+                                        </p:tgtEl>
+                                        <p:attrNameLst>
+                                          <p:attrName>style.visibility</p:attrName>
+                                        </p:attrNameLst>
+                                      </p:cBhvr>
+                                      <p:to>
+                                        <p:strVal val="visible"/>
+                                      </p:to>
+                                    </p:set>
+                                    <p:animEffect transition="in" filter="fade">
+                                      <p:cBhvr>
+                                        <p:cTn id="17" dur="500"/>
+                                        <p:tgtEl>
+                                          <p:spTgt spid="3">
+                                            <p:txEl>
+                                              <p:pRg st="2" end="2"/>
+                                            </p:txEl>
+                                          </p:spTgt>
+                                        </p:tgtEl>
+                                      </p:cBhvr>
+                                    </p:animEffect>
+                                  </p:childTnLst>
+                                </p:cTn>
+                              </p:par>
+                            </p:childTnLst>
+                          </p:cTn>
+                        </p:par>
+                      </p:childTnLst>
+                    </p:cTn>
+                  </p:par>
+                  <p:par>
+                    <p:cTn id="18" fill="hold">
+                      <p:stCondLst>
+                        <p:cond delay="indefinite"/>
+                      </p:stCondLst>
+                      <p:childTnLst>
+                        <p:par>
+                          <p:cTn id="19" fill="hold">
+                            <p:stCondLst>
+                              <p:cond delay="0"/>
+                            </p:stCondLst>
+                            <p:childTnLst>
+                              <p:par>
+                                <p:cTn id="20" presetID="10" presetClass="entr" presetSubtype="0" fill="hold" grpId="0" nodeType="clickEffect">
+                                  <p:stCondLst>
+                                    <p:cond delay="0"/>
+                                  </p:stCondLst>
+                                  <p:childTnLst>
+                                    <p:set>
+                                      <p:cBhvr>
+                                        <p:cTn id="21" dur="1" fill="hold">
+                                          <p:stCondLst>
+                                            <p:cond delay="0"/>
+                                          </p:stCondLst>
+                                        </p:cTn>
+                                        <p:tgtEl>
+                                          <p:spTgt spid="3">
+                                            <p:txEl>
+                                              <p:pRg st="3" end="3"/>
+                                            </p:txEl>
+                                          </p:spTgt>
+                                        </p:tgtEl>
+                                        <p:attrNameLst>
+                                          <p:attrName>style.visibility</p:attrName>
+                                        </p:attrNameLst>
+                                      </p:cBhvr>
+                                      <p:to>
+                                        <p:strVal val="visible"/>
+                                      </p:to>
+                                    </p:set>
+                                    <p:animEffect transition="in" filter="fade">
+                                      <p:cBhvr>
+                                        <p:cTn id="22" dur="500"/>
+                                        <p:tgtEl>
+                                          <p:spTgt spid="3">
+                                            <p:txEl>
+                                              <p:pRg st="3" end="3"/>
+                                            </p:txEl>
+                                          </p:spTgt>
+                                        </p:tgtEl>
+                                      </p:cBhvr>
+                                    </p:animEffect>
+                                  </p:childTnLst>
+                                </p:cTn>
+                              </p:par>
+                            </p:childTnLst>
+                          </p:cTn>
+                        </p:par>
+                      </p:childTnLst>
+                    </p:cTn>
+                  </p:par>
+                  <p:par>
+                    <p:cTn id="23" fill="hold">
+                      <p:stCondLst>
+                        <p:cond delay="indefinite"/>
+                      </p:stCondLst>
+                      <p:childTnLst>
+                        <p:par>
+                          <p:cTn id="24" fill="hold">
+                            <p:stCondLst>
+                              <p:cond delay="0"/>
+                            </p:stCondLst>
+                            <p:childTnLst>
+                              <p:par>
+                                <p:cTn id="25" presetID="10" presetClass="entr" presetSubtype="0" fill="hold" grpId="0" nodeType="clickEffect">
+                                  <p:stCondLst>
+                                    <p:cond delay="0"/>
+                                  </p:stCondLst>
+                                  <p:childTnLst>
+                                    <p:set>
+                                      <p:cBhvr>
+                                        <p:cTn id="26" dur="1" fill="hold">
+                                          <p:stCondLst>
+                                            <p:cond delay="0"/>
+                                          </p:stCondLst>
+                                        </p:cTn>
+                                        <p:tgtEl>
+                                          <p:spTgt spid="3">
+                                            <p:txEl>
+                                              <p:pRg st="4" end="4"/>
+                                            </p:txEl>
+                                          </p:spTgt>
+                                        </p:tgtEl>
+                                        <p:attrNameLst>
+                                          <p:attrName>style.visibility</p:attrName>
+                                        </p:attrNameLst>
+                                      </p:cBhvr>
+                                      <p:to>
+                                        <p:strVal val="visible"/>
+                                      </p:to>
+                                    </p:set>
+                                    <p:animEffect transition="in" filter="fade">
+                                      <p:cBhvr>
+                                        <p:cTn id="27" dur="500"/>
+                                        <p:tgtEl>
+                                          <p:spTgt spid="3">
+                                            <p:txEl>
+                                              <p:pRg st="4" end="4"/>
+                                            </p:txEl>
+                                          </p:spTgt>
+                                        </p:tgtEl>
+                                      </p:cBhvr>
+                                    </p:animEffect>
+                                  </p:childTnLst>
+                                </p:cTn>
+                              </p:par>
+                            </p:childTnLst>
+                          </p:cTn>
+                        </p:par>
+                      </p:childTnLst>
+                    </p:cTn>
+                  </p:par>
+                  <p:par>
+                    <p:cTn id="28" fill="hold">
+                      <p:stCondLst>
+                        <p:cond delay="indefinite"/>
+                      </p:stCondLst>
+                      <p:childTnLst>
+                        <p:par>
+                          <p:cTn id="29" fill="hold">
+                            <p:stCondLst>
+                              <p:cond delay="0"/>
+                            </p:stCondLst>
+                            <p:childTnLst>
+                              <p:par>
+                                <p:cTn id="30" presetID="10" presetClass="entr" presetSubtype="0" fill="hold" grpId="0" nodeType="clickEffect">
+                                  <p:stCondLst>
+                                    <p:cond delay="0"/>
+                                  </p:stCondLst>
+                                  <p:childTnLst>
+                                    <p:set>
+                                      <p:cBhvr>
+                                        <p:cTn id="31" dur="1" fill="hold">
+                                          <p:stCondLst>
+                                            <p:cond delay="0"/>
+                                          </p:stCondLst>
+                                        </p:cTn>
+                                        <p:tgtEl>
+                                          <p:spTgt spid="3">
+                                            <p:txEl>
+                                              <p:pRg st="5" end="5"/>
+                                            </p:txEl>
+                                          </p:spTgt>
+                                        </p:tgtEl>
+                                        <p:attrNameLst>
+                                          <p:attrName>style.visibility</p:attrName>
+                                        </p:attrNameLst>
+                                      </p:cBhvr>
+                                      <p:to>
+                                        <p:strVal val="visible"/>
+                                      </p:to>
+                                    </p:set>
+                                    <p:animEffect transition="in" filter="fade">
+                                      <p:cBhvr>
+                                        <p:cTn id="32" dur="500"/>
+                                        <p:tgtEl>
+                                          <p:spTgt spid="3">
+                                            <p:txEl>
+                                              <p:pRg st="5" end="5"/>
+                                            </p:txEl>
+                                          </p:spTgt>
+                                        </p:tgtEl>
+                                      </p:cBhvr>
+                                    </p:animEffect>
+                                  </p:childTnLst>
+                                </p:cTn>
+                              </p:par>
+                            </p:childTnLst>
+                          </p:cTn>
+                        </p:par>
+                      </p:childTnLst>
+                    </p:cTn>
+                  </p:par>
+                  <p:par>
+                    <p:cTn id="33" fill="hold">
+                      <p:stCondLst>
+                        <p:cond delay="indefinite"/>
+                      </p:stCondLst>
+                      <p:childTnLst>
+                        <p:par>
+                          <p:cTn id="34" fill="hold">
+                            <p:stCondLst>
+                              <p:cond delay="0"/>
+                            </p:stCondLst>
+                            <p:childTnLst>
+                              <p:par>
+                                <p:cTn id="35" presetID="10" presetClass="entr" presetSubtype="0" fill="hold" grpId="0" nodeType="clickEffect">
+                                  <p:stCondLst>
+                                    <p:cond delay="0"/>
+                                  </p:stCondLst>
+                                  <p:childTnLst>
+                                    <p:set>
+                                      <p:cBhvr>
+                                        <p:cTn id="36" dur="1" fill="hold">
+                                          <p:stCondLst>
+                                            <p:cond delay="0"/>
+                                          </p:stCondLst>
+                                        </p:cTn>
+                                        <p:tgtEl>
+                                          <p:spTgt spid="3">
+                                            <p:txEl>
+                                              <p:pRg st="6" end="6"/>
+                                            </p:txEl>
+                                          </p:spTgt>
+                                        </p:tgtEl>
+                                        <p:attrNameLst>
+                                          <p:attrName>style.visibility</p:attrName>
+                                        </p:attrNameLst>
+                                      </p:cBhvr>
+                                      <p:to>
+                                        <p:strVal val="visible"/>
+                                      </p:to>
+                                    </p:set>
+                                    <p:animEffect transition="in" filter="fade">
+                                      <p:cBhvr>
+                                        <p:cTn id="37" dur="500"/>
+                                        <p:tgtEl>
+                                          <p:spTgt spid="3">
+                                            <p:txEl>
+                                              <p:pRg st="6" end="6"/>
+                                            </p:txEl>
+                                          </p:spTgt>
+                                        </p:tgtEl>
+                                      </p:cBhvr>
+                                    </p:animEffect>
+                                  </p:childTnLst>
+                                </p:cTn>
+                              </p:par>
+                            </p:childTnLst>
+                          </p:cTn>
+                        </p:par>
+                      </p:childTnLst>
+                    </p:cTn>
+                  </p:par>
+                  <p:par>
+                    <p:cTn id="38" fill="hold">
+                      <p:stCondLst>
+                        <p:cond delay="indefinite"/>
+                      </p:stCondLst>
+                      <p:childTnLst>
+                        <p:par>
+                          <p:cTn id="39" fill="hold">
+                            <p:stCondLst>
+                              <p:cond delay="0"/>
+                            </p:stCondLst>
+                            <p:childTnLst>
+                              <p:par>
+                                <p:cTn id="40" presetID="10" presetClass="entr" presetSubtype="0" fill="hold" grpId="0" nodeType="clickEffect">
+                                  <p:stCondLst>
+                                    <p:cond delay="0"/>
+                                  </p:stCondLst>
+                                  <p:childTnLst>
+                                    <p:set>
+                                      <p:cBhvr>
+                                        <p:cTn id="41" dur="1" fill="hold">
+                                          <p:stCondLst>
+                                            <p:cond delay="0"/>
+                                          </p:stCondLst>
+                                        </p:cTn>
+                                        <p:tgtEl>
+                                          <p:spTgt spid="3">
+                                            <p:txEl>
+                                              <p:pRg st="7" end="7"/>
+                                            </p:txEl>
+                                          </p:spTgt>
+                                        </p:tgtEl>
+                                        <p:attrNameLst>
+                                          <p:attrName>style.visibility</p:attrName>
+                                        </p:attrNameLst>
+                                      </p:cBhvr>
+                                      <p:to>
+                                        <p:strVal val="visible"/>
+                                      </p:to>
+                                    </p:set>
+                                    <p:animEffect transition="in" filter="fade">
+                                      <p:cBhvr>
+                                        <p:cTn id="42" dur="500"/>
+                                        <p:tgtEl>
+                                          <p:spTgt spid="3">
+                                            <p:txEl>
+                                              <p:pRg st="7" end="7"/>
+                                            </p:txEl>
+                                          </p:spTgt>
+                                        </p:tgtEl>
+                                      </p:cBhvr>
+                                    </p:animEffect>
+                                  </p:childTnLst>
+                                </p:cTn>
+                              </p:par>
+                            </p:childTnLst>
+                          </p:cTn>
+                        </p:par>
+                      </p:childTnLst>
+                    </p:cTn>
+                  </p:par>
+                  <p:par>
+                    <p:cTn id="43" fill="hold">
+                      <p:stCondLst>
+                        <p:cond delay="indefinite"/>
+                      </p:stCondLst>
+                      <p:childTnLst>
+                        <p:par>
+                          <p:cTn id="44" fill="hold">
+                            <p:stCondLst>
+                              <p:cond delay="0"/>
+                            </p:stCondLst>
+                            <p:childTnLst>
+                              <p:par>
+                                <p:cTn id="45" presetID="10" presetClass="entr" presetSubtype="0" fill="hold" grpId="0" nodeType="clickEffect">
+                                  <p:stCondLst>
+                                    <p:cond delay="0"/>
+                                  </p:stCondLst>
+                                  <p:childTnLst>
+                                    <p:set>
+                                      <p:cBhvr>
+                                        <p:cTn id="46" dur="1" fill="hold">
+                                          <p:stCondLst>
+                                            <p:cond delay="0"/>
+                                          </p:stCondLst>
+                                        </p:cTn>
+                                        <p:tgtEl>
+                                          <p:spTgt spid="3">
+                                            <p:txEl>
+                                              <p:pRg st="8" end="8"/>
+                                            </p:txEl>
+                                          </p:spTgt>
+                                        </p:tgtEl>
+                                        <p:attrNameLst>
+                                          <p:attrName>style.visibility</p:attrName>
+                                        </p:attrNameLst>
+                                      </p:cBhvr>
+                                      <p:to>
+                                        <p:strVal val="visible"/>
+                                      </p:to>
+                                    </p:set>
+                                    <p:animEffect transition="in" filter="fade">
+                                      <p:cBhvr>
+                                        <p:cTn id="47" dur="500"/>
+                                        <p:tgtEl>
+                                          <p:spTgt spid="3">
+                                            <p:txEl>
+                                              <p:pRg st="8" end="8"/>
+                                            </p:txEl>
+                                          </p:spTgt>
+                                        </p:tgtEl>
+                                      </p:cBhvr>
+                                    </p:animEffect>
+                                  </p:childTnLst>
+                                </p:cTn>
+                              </p:par>
+                            </p:childTnLst>
+                          </p:cTn>
+                        </p:par>
+                      </p:childTnLst>
+                    </p:cTn>
+                  </p:par>
+                  <p:par>
+                    <p:cTn id="48" fill="hold">
+                      <p:stCondLst>
+                        <p:cond delay="indefinite"/>
+                      </p:stCondLst>
+                      <p:childTnLst>
+                        <p:par>
+                          <p:cTn id="49" fill="hold">
+                            <p:stCondLst>
+                              <p:cond delay="0"/>
+                            </p:stCondLst>
+                            <p:childTnLst>
+                              <p:par>
+                                <p:cTn id="50" presetID="10" presetClass="entr" presetSubtype="0" fill="hold" grpId="0" nodeType="clickEffect">
+                                  <p:stCondLst>
+                                    <p:cond delay="0"/>
+                                  </p:stCondLst>
+                                  <p:childTnLst>
+                                    <p:set>
+                                      <p:cBhvr>
+                                        <p:cTn id="51" dur="1" fill="hold">
+                                          <p:stCondLst>
+                                            <p:cond delay="0"/>
+                                          </p:stCondLst>
+                                        </p:cTn>
+                                        <p:tgtEl>
+                                          <p:spTgt spid="3">
+                                            <p:txEl>
+                                              <p:pRg st="9" end="9"/>
+                                            </p:txEl>
+                                          </p:spTgt>
+                                        </p:tgtEl>
+                                        <p:attrNameLst>
+                                          <p:attrName>style.visibility</p:attrName>
+                                        </p:attrNameLst>
+                                      </p:cBhvr>
+                                      <p:to>
+                                        <p:strVal val="visible"/>
+                                      </p:to>
+                                    </p:set>
+                                    <p:animEffect transition="in" filter="fade">
+                                      <p:cBhvr>
+                                        <p:cTn id="52" dur="500"/>
+                                        <p:tgtEl>
+                                          <p:spTgt spid="3">
+                                            <p:txEl>
+                                              <p:pRg st="9" end="9"/>
+                                            </p:txEl>
+                                          </p:spTgt>
+                                        </p:tgtEl>
+                                      </p:cBhvr>
+                                    </p:animEffect>
+                                  </p:childTnLst>
+                                </p:cTn>
+                              </p:par>
+                            </p:childTnLst>
+                          </p:cTn>
+                        </p:par>
+                      </p:childTnLst>
+                    </p:cTn>
+                  </p:par>
+                </p:childTnLst>
+              </p:cTn>
+              <p:prevCondLst>
+                <p:cond evt="onPrev" delay="0">
+                  <p:tgtEl>
+                    <p:sldTgt/>
+                  </p:tgtEl>
+                </p:cond>
+              </p:prevCondLst>
+              <p:nextCondLst>
+                <p:cond evt="onNext" delay="0">
+                  <p:tgtEl>
+                    <p:sldTgt/>
+                  </p:tgtEl>
+                </p:cond>
+              </p:nextCondLst>
+            </p:seq>
+          </p:childTnLst>
+        </p:cTn>
+      </p:par>
+    </p:tnLst>
+    <p:bldLst>
+      <p:bldP spid="3" grpId="0" uiExpand="1" build="p"/>
+    </p:bldLst>
+  </p:timing>
 </p:sld>
 </file>
 
@@ -11050,179 +11702,6 @@
             <a:pPr marL="0" indent="0">
               <a:buNone/>
             </a:pPr>
-            <a:r>
-              <a:rPr lang="en-US" sz="2000" b="1" dirty="0">
-                <a:latin typeface="Arial" panose="020B0604020202020204" pitchFamily="34" charset="0"/>
-                <a:cs typeface="Arial" panose="020B0604020202020204" pitchFamily="34" charset="0"/>
-              </a:rPr>
-              <a:t>Problem</a:t>
-            </a:r>
-            <a:r>
-              <a:rPr lang="en-US" sz="2000" dirty="0">
-                <a:latin typeface="Arial" panose="020B0604020202020204" pitchFamily="34" charset="0"/>
-                <a:cs typeface="Arial" panose="020B0604020202020204" pitchFamily="34" charset="0"/>
-              </a:rPr>
-              <a:t>:</a:t>
-            </a:r>
-          </a:p>
-          <a:p>
-            <a:pPr marL="0" indent="0">
-              <a:buNone/>
-            </a:pPr>
-            <a:r>
-              <a:rPr lang="en-US" sz="2000" dirty="0">
-                <a:latin typeface="Arial" panose="020B0604020202020204" pitchFamily="34" charset="0"/>
-                <a:cs typeface="Arial" panose="020B0604020202020204" pitchFamily="34" charset="0"/>
-              </a:rPr>
-              <a:t>Kein Massen-Download von </a:t>
-            </a:r>
-            <a:r>
-              <a:rPr lang="en-US" sz="2000" dirty="0" err="1">
-                <a:latin typeface="Arial" panose="020B0604020202020204" pitchFamily="34" charset="0"/>
-                <a:cs typeface="Arial" panose="020B0604020202020204" pitchFamily="34" charset="0"/>
-              </a:rPr>
-              <a:t>Dokumenten</a:t>
-            </a:r>
-            <a:r>
-              <a:rPr lang="en-US" sz="2000" dirty="0">
-                <a:latin typeface="Arial" panose="020B0604020202020204" pitchFamily="34" charset="0"/>
-                <a:cs typeface="Arial" panose="020B0604020202020204" pitchFamily="34" charset="0"/>
-              </a:rPr>
-              <a:t>, </a:t>
-            </a:r>
-            <a:r>
-              <a:rPr lang="en-US" sz="2000" dirty="0" err="1">
-                <a:latin typeface="Arial" panose="020B0604020202020204" pitchFamily="34" charset="0"/>
-                <a:cs typeface="Arial" panose="020B0604020202020204" pitchFamily="34" charset="0"/>
-              </a:rPr>
-              <a:t>hoher</a:t>
-            </a:r>
-            <a:r>
-              <a:rPr lang="en-US" sz="2000" dirty="0">
-                <a:latin typeface="Arial" panose="020B0604020202020204" pitchFamily="34" charset="0"/>
-                <a:cs typeface="Arial" panose="020B0604020202020204" pitchFamily="34" charset="0"/>
-              </a:rPr>
-              <a:t> </a:t>
-            </a:r>
-            <a:r>
-              <a:rPr lang="en-US" sz="2000" dirty="0" err="1">
-                <a:latin typeface="Arial" panose="020B0604020202020204" pitchFamily="34" charset="0"/>
-                <a:cs typeface="Arial" panose="020B0604020202020204" pitchFamily="34" charset="0"/>
-              </a:rPr>
-              <a:t>manueller</a:t>
-            </a:r>
-            <a:r>
-              <a:rPr lang="en-US" sz="2000" dirty="0">
-                <a:latin typeface="Arial" panose="020B0604020202020204" pitchFamily="34" charset="0"/>
-                <a:cs typeface="Arial" panose="020B0604020202020204" pitchFamily="34" charset="0"/>
-              </a:rPr>
-              <a:t> </a:t>
-            </a:r>
-            <a:r>
-              <a:rPr lang="en-US" sz="2000" dirty="0" err="1">
-                <a:latin typeface="Arial" panose="020B0604020202020204" pitchFamily="34" charset="0"/>
-                <a:cs typeface="Arial" panose="020B0604020202020204" pitchFamily="34" charset="0"/>
-              </a:rPr>
-              <a:t>Aufwand</a:t>
-            </a:r>
-            <a:endParaRPr lang="en-US" sz="2000" dirty="0">
-              <a:latin typeface="Arial" panose="020B0604020202020204" pitchFamily="34" charset="0"/>
-              <a:cs typeface="Arial" panose="020B0604020202020204" pitchFamily="34" charset="0"/>
-            </a:endParaRPr>
-          </a:p>
-          <a:p>
-            <a:pPr marL="0" indent="0">
-              <a:buNone/>
-            </a:pPr>
-            <a:endParaRPr lang="en-US" sz="2000" dirty="0">
-              <a:latin typeface="Arial" panose="020B0604020202020204" pitchFamily="34" charset="0"/>
-              <a:cs typeface="Arial" panose="020B0604020202020204" pitchFamily="34" charset="0"/>
-            </a:endParaRPr>
-          </a:p>
-          <a:p>
-            <a:pPr marL="0" indent="0">
-              <a:buNone/>
-            </a:pPr>
-            <a:r>
-              <a:rPr lang="en-US" sz="2000" b="1" dirty="0">
-                <a:latin typeface="Arial" panose="020B0604020202020204" pitchFamily="34" charset="0"/>
-                <a:cs typeface="Arial" panose="020B0604020202020204" pitchFamily="34" charset="0"/>
-              </a:rPr>
-              <a:t>Ziel </a:t>
-            </a:r>
-            <a:r>
-              <a:rPr lang="en-US" sz="2000" dirty="0">
-                <a:latin typeface="Arial" panose="020B0604020202020204" pitchFamily="34" charset="0"/>
-                <a:cs typeface="Arial" panose="020B0604020202020204" pitchFamily="34" charset="0"/>
-              </a:rPr>
-              <a:t>:</a:t>
-            </a:r>
-          </a:p>
-          <a:p>
-            <a:pPr marL="0" indent="0">
-              <a:buNone/>
-            </a:pPr>
-            <a:r>
-              <a:rPr lang="en-US" sz="2000" dirty="0" err="1">
-                <a:latin typeface="Arial" panose="020B0604020202020204" pitchFamily="34" charset="0"/>
-                <a:cs typeface="Arial" panose="020B0604020202020204" pitchFamily="34" charset="0"/>
-              </a:rPr>
-              <a:t>Einfache</a:t>
-            </a:r>
-            <a:r>
-              <a:rPr lang="en-US" sz="2000" dirty="0">
-                <a:latin typeface="Arial" panose="020B0604020202020204" pitchFamily="34" charset="0"/>
-                <a:cs typeface="Arial" panose="020B0604020202020204" pitchFamily="34" charset="0"/>
-              </a:rPr>
-              <a:t> </a:t>
-            </a:r>
-            <a:r>
-              <a:rPr lang="en-US" sz="2000" dirty="0" err="1">
-                <a:latin typeface="Arial" panose="020B0604020202020204" pitchFamily="34" charset="0"/>
-                <a:cs typeface="Arial" panose="020B0604020202020204" pitchFamily="34" charset="0"/>
-              </a:rPr>
-              <a:t>Filterung</a:t>
-            </a:r>
-            <a:r>
-              <a:rPr lang="en-US" sz="2000" dirty="0">
-                <a:latin typeface="Arial" panose="020B0604020202020204" pitchFamily="34" charset="0"/>
-                <a:cs typeface="Arial" panose="020B0604020202020204" pitchFamily="34" charset="0"/>
-              </a:rPr>
-              <a:t> + ZIP-Download </a:t>
-            </a:r>
-            <a:r>
-              <a:rPr lang="en-US" sz="2000" dirty="0" err="1">
-                <a:latin typeface="Arial" panose="020B0604020202020204" pitchFamily="34" charset="0"/>
-                <a:cs typeface="Arial" panose="020B0604020202020204" pitchFamily="34" charset="0"/>
-              </a:rPr>
-              <a:t>direkt</a:t>
-            </a:r>
-            <a:r>
-              <a:rPr lang="en-US" sz="2000" dirty="0">
-                <a:latin typeface="Arial" panose="020B0604020202020204" pitchFamily="34" charset="0"/>
-                <a:cs typeface="Arial" panose="020B0604020202020204" pitchFamily="34" charset="0"/>
-              </a:rPr>
-              <a:t> </a:t>
-            </a:r>
-            <a:r>
-              <a:rPr lang="en-US" sz="2000" dirty="0" err="1">
-                <a:latin typeface="Arial" panose="020B0604020202020204" pitchFamily="34" charset="0"/>
-                <a:cs typeface="Arial" panose="020B0604020202020204" pitchFamily="34" charset="0"/>
-              </a:rPr>
-              <a:t>im</a:t>
-            </a:r>
-            <a:r>
-              <a:rPr lang="en-US" sz="2000" dirty="0">
-                <a:latin typeface="Arial" panose="020B0604020202020204" pitchFamily="34" charset="0"/>
-                <a:cs typeface="Arial" panose="020B0604020202020204" pitchFamily="34" charset="0"/>
-              </a:rPr>
-              <a:t> Odoo-DMS</a:t>
-            </a:r>
-          </a:p>
-          <a:p>
-            <a:pPr marL="0" indent="0">
-              <a:buNone/>
-            </a:pPr>
             <a:endParaRPr lang="en-US" sz="2000" dirty="0">
               <a:latin typeface="Arial" panose="020B0604020202020204" pitchFamily="34" charset="0"/>
               <a:cs typeface="Arial" panose="020B0604020202020204" pitchFamily="34" charset="0"/>
@@ -11683,6 +12162,434 @@
           </a:p>
         </p:txBody>
       </p:sp>
+      <p:pic>
+        <p:nvPicPr>
+          <p:cNvPr id="6" name="Grafik 5" descr="Ein Bild, das Diagramm, Kreis, Text, Reihe enthält.&#10;&#10;KI-generierte Inhalte können fehlerhaft sein.">
+            <a:extLst>
+              <a:ext uri="{FF2B5EF4-FFF2-40B4-BE49-F238E27FC236}">
+                <a16:creationId xmlns:a16="http://schemas.microsoft.com/office/drawing/2014/main" id="{9AE0C224-E151-9CC3-14E1-71222CD65B08}"/>
+              </a:ext>
+            </a:extLst>
+          </p:cNvPr>
+          <p:cNvPicPr>
+            <a:picLocks noChangeAspect="1"/>
+          </p:cNvPicPr>
+          <p:nvPr/>
+        </p:nvPicPr>
+        <p:blipFill>
+          <a:blip r:embed="rId3">
+            <a:extLst>
+              <a:ext uri="{28A0092B-C50C-407E-A947-70E740481C1C}">
+                <a14:useLocalDpi xmlns:a14="http://schemas.microsoft.com/office/drawing/2010/main" val="0"/>
+              </a:ext>
+            </a:extLst>
+          </a:blip>
+          <a:stretch>
+            <a:fillRect/>
+          </a:stretch>
+        </p:blipFill>
+        <p:spPr>
+          <a:xfrm>
+            <a:off x="2292364" y="1814311"/>
+            <a:ext cx="7746207" cy="3672456"/>
+          </a:xfrm>
+          <a:prstGeom prst="rect">
+            <a:avLst/>
+          </a:prstGeom>
+        </p:spPr>
+      </p:pic>
+      <p:sp>
+        <p:nvSpPr>
+          <p:cNvPr id="10" name="Ellipse 9">
+            <a:extLst>
+              <a:ext uri="{FF2B5EF4-FFF2-40B4-BE49-F238E27FC236}">
+                <a16:creationId xmlns:a16="http://schemas.microsoft.com/office/drawing/2014/main" id="{9D8ADFB4-B3CF-D4FB-1B8E-B33E488D0133}"/>
+              </a:ext>
+            </a:extLst>
+          </p:cNvPr>
+          <p:cNvSpPr/>
+          <p:nvPr/>
+        </p:nvSpPr>
+        <p:spPr>
+          <a:xfrm>
+            <a:off x="4145279" y="4356522"/>
+            <a:ext cx="1453009" cy="1017751"/>
+          </a:xfrm>
+          <a:prstGeom prst="ellipse">
+            <a:avLst/>
+          </a:prstGeom>
+          <a:solidFill>
+            <a:schemeClr val="bg1"/>
+          </a:solidFill>
+        </p:spPr>
+        <p:style>
+          <a:lnRef idx="2">
+            <a:schemeClr val="accent1">
+              <a:shade val="15000"/>
+            </a:schemeClr>
+          </a:lnRef>
+          <a:fillRef idx="1">
+            <a:schemeClr val="accent1"/>
+          </a:fillRef>
+          <a:effectRef idx="0">
+            <a:schemeClr val="accent1"/>
+          </a:effectRef>
+          <a:fontRef idx="minor">
+            <a:schemeClr val="lt1"/>
+          </a:fontRef>
+        </p:style>
+        <p:txBody>
+          <a:bodyPr rtlCol="0" anchor="ctr"/>
+          <a:lstStyle/>
+          <a:p>
+            <a:pPr algn="ctr"/>
+            <a:endParaRPr lang="en-DE"/>
+          </a:p>
+        </p:txBody>
+      </p:sp>
+      <p:sp>
+        <p:nvSpPr>
+          <p:cNvPr id="12" name="Ellipse 11">
+            <a:extLst>
+              <a:ext uri="{FF2B5EF4-FFF2-40B4-BE49-F238E27FC236}">
+                <a16:creationId xmlns:a16="http://schemas.microsoft.com/office/drawing/2014/main" id="{F026D104-6219-685F-A699-F50EFFB55BF4}"/>
+              </a:ext>
+            </a:extLst>
+          </p:cNvPr>
+          <p:cNvSpPr/>
+          <p:nvPr/>
+        </p:nvSpPr>
+        <p:spPr>
+          <a:xfrm>
+            <a:off x="6422597" y="4356521"/>
+            <a:ext cx="1453009" cy="1017751"/>
+          </a:xfrm>
+          <a:prstGeom prst="ellipse">
+            <a:avLst/>
+          </a:prstGeom>
+          <a:solidFill>
+            <a:schemeClr val="bg1"/>
+          </a:solidFill>
+        </p:spPr>
+        <p:style>
+          <a:lnRef idx="2">
+            <a:schemeClr val="accent1">
+              <a:shade val="15000"/>
+            </a:schemeClr>
+          </a:lnRef>
+          <a:fillRef idx="1">
+            <a:schemeClr val="accent1"/>
+          </a:fillRef>
+          <a:effectRef idx="0">
+            <a:schemeClr val="accent1"/>
+          </a:effectRef>
+          <a:fontRef idx="minor">
+            <a:schemeClr val="lt1"/>
+          </a:fontRef>
+        </p:style>
+        <p:txBody>
+          <a:bodyPr rtlCol="0" anchor="ctr"/>
+          <a:lstStyle/>
+          <a:p>
+            <a:pPr algn="ctr"/>
+            <a:endParaRPr lang="en-DE"/>
+          </a:p>
+        </p:txBody>
+      </p:sp>
+      <p:sp>
+        <p:nvSpPr>
+          <p:cNvPr id="13" name="Ellipse 12">
+            <a:extLst>
+              <a:ext uri="{FF2B5EF4-FFF2-40B4-BE49-F238E27FC236}">
+                <a16:creationId xmlns:a16="http://schemas.microsoft.com/office/drawing/2014/main" id="{841BA0E0-05C0-2A68-0852-ACBE753F359B}"/>
+              </a:ext>
+            </a:extLst>
+          </p:cNvPr>
+          <p:cNvSpPr/>
+          <p:nvPr/>
+        </p:nvSpPr>
+        <p:spPr>
+          <a:xfrm>
+            <a:off x="7298897" y="1814311"/>
+            <a:ext cx="1453009" cy="1017751"/>
+          </a:xfrm>
+          <a:prstGeom prst="ellipse">
+            <a:avLst/>
+          </a:prstGeom>
+          <a:solidFill>
+            <a:schemeClr val="bg1"/>
+          </a:solidFill>
+        </p:spPr>
+        <p:style>
+          <a:lnRef idx="2">
+            <a:schemeClr val="accent1">
+              <a:shade val="15000"/>
+            </a:schemeClr>
+          </a:lnRef>
+          <a:fillRef idx="1">
+            <a:schemeClr val="accent1"/>
+          </a:fillRef>
+          <a:effectRef idx="0">
+            <a:schemeClr val="accent1"/>
+          </a:effectRef>
+          <a:fontRef idx="minor">
+            <a:schemeClr val="lt1"/>
+          </a:fontRef>
+        </p:style>
+        <p:txBody>
+          <a:bodyPr rtlCol="0" anchor="ctr"/>
+          <a:lstStyle/>
+          <a:p>
+            <a:pPr algn="ctr"/>
+            <a:endParaRPr lang="en-DE"/>
+          </a:p>
+        </p:txBody>
+      </p:sp>
+      <p:sp>
+        <p:nvSpPr>
+          <p:cNvPr id="14" name="Ellipse 13">
+            <a:extLst>
+              <a:ext uri="{FF2B5EF4-FFF2-40B4-BE49-F238E27FC236}">
+                <a16:creationId xmlns:a16="http://schemas.microsoft.com/office/drawing/2014/main" id="{D07BE711-0649-C42F-374B-2F895DF40980}"/>
+              </a:ext>
+            </a:extLst>
+          </p:cNvPr>
+          <p:cNvSpPr/>
+          <p:nvPr/>
+        </p:nvSpPr>
+        <p:spPr>
+          <a:xfrm>
+            <a:off x="5144705" y="1801875"/>
+            <a:ext cx="1507555" cy="1017751"/>
+          </a:xfrm>
+          <a:prstGeom prst="ellipse">
+            <a:avLst/>
+          </a:prstGeom>
+          <a:solidFill>
+            <a:schemeClr val="bg1"/>
+          </a:solidFill>
+        </p:spPr>
+        <p:style>
+          <a:lnRef idx="2">
+            <a:schemeClr val="accent1">
+              <a:shade val="15000"/>
+            </a:schemeClr>
+          </a:lnRef>
+          <a:fillRef idx="1">
+            <a:schemeClr val="accent1"/>
+          </a:fillRef>
+          <a:effectRef idx="0">
+            <a:schemeClr val="accent1"/>
+          </a:effectRef>
+          <a:fontRef idx="minor">
+            <a:schemeClr val="lt1"/>
+          </a:fontRef>
+        </p:style>
+        <p:txBody>
+          <a:bodyPr rtlCol="0" anchor="ctr"/>
+          <a:lstStyle/>
+          <a:p>
+            <a:pPr algn="ctr"/>
+            <a:endParaRPr lang="en-DE"/>
+          </a:p>
+        </p:txBody>
+      </p:sp>
+      <p:sp>
+        <p:nvSpPr>
+          <p:cNvPr id="16" name="Ellipse 15">
+            <a:extLst>
+              <a:ext uri="{FF2B5EF4-FFF2-40B4-BE49-F238E27FC236}">
+                <a16:creationId xmlns:a16="http://schemas.microsoft.com/office/drawing/2014/main" id="{42CD6253-B398-7067-335A-230803BE9F9D}"/>
+              </a:ext>
+            </a:extLst>
+          </p:cNvPr>
+          <p:cNvSpPr/>
+          <p:nvPr/>
+        </p:nvSpPr>
+        <p:spPr>
+          <a:xfrm>
+            <a:off x="8571209" y="4356521"/>
+            <a:ext cx="1453009" cy="1017751"/>
+          </a:xfrm>
+          <a:prstGeom prst="ellipse">
+            <a:avLst/>
+          </a:prstGeom>
+          <a:solidFill>
+            <a:schemeClr val="bg1"/>
+          </a:solidFill>
+        </p:spPr>
+        <p:style>
+          <a:lnRef idx="2">
+            <a:schemeClr val="accent1">
+              <a:shade val="15000"/>
+            </a:schemeClr>
+          </a:lnRef>
+          <a:fillRef idx="1">
+            <a:schemeClr val="accent1"/>
+          </a:fillRef>
+          <a:effectRef idx="0">
+            <a:schemeClr val="accent1"/>
+          </a:effectRef>
+          <a:fontRef idx="minor">
+            <a:schemeClr val="lt1"/>
+          </a:fontRef>
+        </p:style>
+        <p:txBody>
+          <a:bodyPr rtlCol="0" anchor="ctr"/>
+          <a:lstStyle/>
+          <a:p>
+            <a:pPr algn="ctr"/>
+            <a:endParaRPr lang="en-DE"/>
+          </a:p>
+        </p:txBody>
+      </p:sp>
+      <p:sp>
+        <p:nvSpPr>
+          <p:cNvPr id="17" name="Rechteck 16">
+            <a:extLst>
+              <a:ext uri="{FF2B5EF4-FFF2-40B4-BE49-F238E27FC236}">
+                <a16:creationId xmlns:a16="http://schemas.microsoft.com/office/drawing/2014/main" id="{98D08D9E-032C-B6D8-F693-0084C1ED1A61}"/>
+              </a:ext>
+            </a:extLst>
+          </p:cNvPr>
+          <p:cNvSpPr/>
+          <p:nvPr/>
+        </p:nvSpPr>
+        <p:spPr>
+          <a:xfrm>
+            <a:off x="5433060" y="3307080"/>
+            <a:ext cx="876300" cy="271287"/>
+          </a:xfrm>
+          <a:prstGeom prst="rect">
+            <a:avLst/>
+          </a:prstGeom>
+          <a:solidFill>
+            <a:schemeClr val="bg1"/>
+          </a:solidFill>
+        </p:spPr>
+        <p:style>
+          <a:lnRef idx="2">
+            <a:schemeClr val="accent1">
+              <a:shade val="15000"/>
+            </a:schemeClr>
+          </a:lnRef>
+          <a:fillRef idx="1">
+            <a:schemeClr val="accent1"/>
+          </a:fillRef>
+          <a:effectRef idx="0">
+            <a:schemeClr val="accent1"/>
+          </a:effectRef>
+          <a:fontRef idx="minor">
+            <a:schemeClr val="lt1"/>
+          </a:fontRef>
+        </p:style>
+        <p:txBody>
+          <a:bodyPr rtlCol="0" anchor="ctr"/>
+          <a:lstStyle/>
+          <a:p>
+            <a:pPr algn="ctr"/>
+            <a:endParaRPr lang="en-DE"/>
+          </a:p>
+        </p:txBody>
+      </p:sp>
+      <p:sp>
+        <p:nvSpPr>
+          <p:cNvPr id="18" name="Rechteck 17">
+            <a:extLst>
+              <a:ext uri="{FF2B5EF4-FFF2-40B4-BE49-F238E27FC236}">
+                <a16:creationId xmlns:a16="http://schemas.microsoft.com/office/drawing/2014/main" id="{44349C05-DA42-1A66-1044-80A096BAFB27}"/>
+              </a:ext>
+            </a:extLst>
+          </p:cNvPr>
+          <p:cNvSpPr/>
+          <p:nvPr/>
+        </p:nvSpPr>
+        <p:spPr>
+          <a:xfrm>
+            <a:off x="5561537" y="4531281"/>
+            <a:ext cx="876300" cy="271287"/>
+          </a:xfrm>
+          <a:prstGeom prst="rect">
+            <a:avLst/>
+          </a:prstGeom>
+          <a:solidFill>
+            <a:schemeClr val="bg1"/>
+          </a:solidFill>
+        </p:spPr>
+        <p:style>
+          <a:lnRef idx="2">
+            <a:schemeClr val="accent1">
+              <a:shade val="15000"/>
+            </a:schemeClr>
+          </a:lnRef>
+          <a:fillRef idx="1">
+            <a:schemeClr val="accent1"/>
+          </a:fillRef>
+          <a:effectRef idx="0">
+            <a:schemeClr val="accent1"/>
+          </a:effectRef>
+          <a:fontRef idx="minor">
+            <a:schemeClr val="lt1"/>
+          </a:fontRef>
+        </p:style>
+        <p:txBody>
+          <a:bodyPr rtlCol="0" anchor="ctr"/>
+          <a:lstStyle/>
+          <a:p>
+            <a:pPr algn="ctr"/>
+            <a:endParaRPr lang="en-DE"/>
+          </a:p>
+        </p:txBody>
+      </p:sp>
+      <p:sp>
+        <p:nvSpPr>
+          <p:cNvPr id="19" name="Rechteck 18">
+            <a:extLst>
+              <a:ext uri="{FF2B5EF4-FFF2-40B4-BE49-F238E27FC236}">
+                <a16:creationId xmlns:a16="http://schemas.microsoft.com/office/drawing/2014/main" id="{0FBF3341-615E-904E-8396-8A546A6EDE75}"/>
+              </a:ext>
+            </a:extLst>
+          </p:cNvPr>
+          <p:cNvSpPr/>
+          <p:nvPr/>
+        </p:nvSpPr>
+        <p:spPr>
+          <a:xfrm>
+            <a:off x="7587251" y="3338668"/>
+            <a:ext cx="876300" cy="271287"/>
+          </a:xfrm>
+          <a:prstGeom prst="rect">
+            <a:avLst/>
+          </a:prstGeom>
+          <a:solidFill>
+            <a:schemeClr val="bg1"/>
+          </a:solidFill>
+        </p:spPr>
+        <p:style>
+          <a:lnRef idx="2">
+            <a:schemeClr val="accent1">
+              <a:shade val="15000"/>
+            </a:schemeClr>
+          </a:lnRef>
+          <a:fillRef idx="1">
+            <a:schemeClr val="accent1"/>
+          </a:fillRef>
+          <a:effectRef idx="0">
+            <a:schemeClr val="accent1"/>
+          </a:effectRef>
+          <a:fontRef idx="minor">
+            <a:schemeClr val="lt1"/>
+          </a:fontRef>
+        </p:style>
+        <p:txBody>
+          <a:bodyPr rtlCol="0" anchor="ctr"/>
+          <a:lstStyle/>
+          <a:p>
+            <a:pPr algn="ctr"/>
+            <a:endParaRPr lang="en-DE"/>
+          </a:p>
+        </p:txBody>
+      </p:sp>
     </p:spTree>
     <p:extLst>
       <p:ext uri="{BB962C8B-B14F-4D97-AF65-F5344CB8AC3E}">
@@ -11714,7 +12621,954 @@
                             </p:stCondLst>
                             <p:childTnLst>
                               <p:par>
-                                <p:cTn id="5" presetID="10" presetClass="entr" presetSubtype="0" fill="hold" grpId="0" nodeType="clickEffect">
+                                <p:cTn id="5" presetID="10" presetClass="exit" presetSubtype="0" fill="hold" grpId="0" nodeType="clickEffect">
+                                  <p:stCondLst>
+                                    <p:cond delay="0"/>
+                                  </p:stCondLst>
+                                  <p:childTnLst>
+                                    <p:animEffect transition="out" filter="fade">
+                                      <p:cBhvr>
+                                        <p:cTn id="6" dur="500"/>
+                                        <p:tgtEl>
+                                          <p:spTgt spid="10"/>
+                                        </p:tgtEl>
+                                      </p:cBhvr>
+                                    </p:animEffect>
+                                    <p:set>
+                                      <p:cBhvr>
+                                        <p:cTn id="7" dur="1" fill="hold">
+                                          <p:stCondLst>
+                                            <p:cond delay="499"/>
+                                          </p:stCondLst>
+                                        </p:cTn>
+                                        <p:tgtEl>
+                                          <p:spTgt spid="10"/>
+                                        </p:tgtEl>
+                                        <p:attrNameLst>
+                                          <p:attrName>style.visibility</p:attrName>
+                                        </p:attrNameLst>
+                                      </p:cBhvr>
+                                      <p:to>
+                                        <p:strVal val="hidden"/>
+                                      </p:to>
+                                    </p:set>
+                                  </p:childTnLst>
+                                </p:cTn>
+                              </p:par>
+                            </p:childTnLst>
+                          </p:cTn>
+                        </p:par>
+                      </p:childTnLst>
+                    </p:cTn>
+                  </p:par>
+                  <p:par>
+                    <p:cTn id="8" fill="hold">
+                      <p:stCondLst>
+                        <p:cond delay="indefinite"/>
+                      </p:stCondLst>
+                      <p:childTnLst>
+                        <p:par>
+                          <p:cTn id="9" fill="hold">
+                            <p:stCondLst>
+                              <p:cond delay="0"/>
+                            </p:stCondLst>
+                            <p:childTnLst>
+                              <p:par>
+                                <p:cTn id="10" presetID="10" presetClass="exit" presetSubtype="0" fill="hold" grpId="0" nodeType="clickEffect">
+                                  <p:stCondLst>
+                                    <p:cond delay="0"/>
+                                  </p:stCondLst>
+                                  <p:childTnLst>
+                                    <p:animEffect transition="out" filter="fade">
+                                      <p:cBhvr>
+                                        <p:cTn id="11" dur="500"/>
+                                        <p:tgtEl>
+                                          <p:spTgt spid="18"/>
+                                        </p:tgtEl>
+                                      </p:cBhvr>
+                                    </p:animEffect>
+                                    <p:set>
+                                      <p:cBhvr>
+                                        <p:cTn id="12" dur="1" fill="hold">
+                                          <p:stCondLst>
+                                            <p:cond delay="499"/>
+                                          </p:stCondLst>
+                                        </p:cTn>
+                                        <p:tgtEl>
+                                          <p:spTgt spid="18"/>
+                                        </p:tgtEl>
+                                        <p:attrNameLst>
+                                          <p:attrName>style.visibility</p:attrName>
+                                        </p:attrNameLst>
+                                      </p:cBhvr>
+                                      <p:to>
+                                        <p:strVal val="hidden"/>
+                                      </p:to>
+                                    </p:set>
+                                  </p:childTnLst>
+                                </p:cTn>
+                              </p:par>
+                              <p:par>
+                                <p:cTn id="13" presetID="10" presetClass="exit" presetSubtype="0" fill="hold" grpId="0" nodeType="withEffect">
+                                  <p:stCondLst>
+                                    <p:cond delay="0"/>
+                                  </p:stCondLst>
+                                  <p:childTnLst>
+                                    <p:animEffect transition="out" filter="fade">
+                                      <p:cBhvr>
+                                        <p:cTn id="14" dur="500"/>
+                                        <p:tgtEl>
+                                          <p:spTgt spid="12"/>
+                                        </p:tgtEl>
+                                      </p:cBhvr>
+                                    </p:animEffect>
+                                    <p:set>
+                                      <p:cBhvr>
+                                        <p:cTn id="15" dur="1" fill="hold">
+                                          <p:stCondLst>
+                                            <p:cond delay="499"/>
+                                          </p:stCondLst>
+                                        </p:cTn>
+                                        <p:tgtEl>
+                                          <p:spTgt spid="12"/>
+                                        </p:tgtEl>
+                                        <p:attrNameLst>
+                                          <p:attrName>style.visibility</p:attrName>
+                                        </p:attrNameLst>
+                                      </p:cBhvr>
+                                      <p:to>
+                                        <p:strVal val="hidden"/>
+                                      </p:to>
+                                    </p:set>
+                                  </p:childTnLst>
+                                </p:cTn>
+                              </p:par>
+                            </p:childTnLst>
+                          </p:cTn>
+                        </p:par>
+                      </p:childTnLst>
+                    </p:cTn>
+                  </p:par>
+                  <p:par>
+                    <p:cTn id="16" fill="hold">
+                      <p:stCondLst>
+                        <p:cond delay="indefinite"/>
+                      </p:stCondLst>
+                      <p:childTnLst>
+                        <p:par>
+                          <p:cTn id="17" fill="hold">
+                            <p:stCondLst>
+                              <p:cond delay="0"/>
+                            </p:stCondLst>
+                            <p:childTnLst>
+                              <p:par>
+                                <p:cTn id="18" presetID="10" presetClass="exit" presetSubtype="0" fill="hold" grpId="0" nodeType="clickEffect">
+                                  <p:stCondLst>
+                                    <p:cond delay="0"/>
+                                  </p:stCondLst>
+                                  <p:childTnLst>
+                                    <p:animEffect transition="out" filter="fade">
+                                      <p:cBhvr>
+                                        <p:cTn id="19" dur="500"/>
+                                        <p:tgtEl>
+                                          <p:spTgt spid="17"/>
+                                        </p:tgtEl>
+                                      </p:cBhvr>
+                                    </p:animEffect>
+                                    <p:set>
+                                      <p:cBhvr>
+                                        <p:cTn id="20" dur="1" fill="hold">
+                                          <p:stCondLst>
+                                            <p:cond delay="499"/>
+                                          </p:stCondLst>
+                                        </p:cTn>
+                                        <p:tgtEl>
+                                          <p:spTgt spid="17"/>
+                                        </p:tgtEl>
+                                        <p:attrNameLst>
+                                          <p:attrName>style.visibility</p:attrName>
+                                        </p:attrNameLst>
+                                      </p:cBhvr>
+                                      <p:to>
+                                        <p:strVal val="hidden"/>
+                                      </p:to>
+                                    </p:set>
+                                  </p:childTnLst>
+                                </p:cTn>
+                              </p:par>
+                              <p:par>
+                                <p:cTn id="21" presetID="10" presetClass="exit" presetSubtype="0" fill="hold" grpId="0" nodeType="withEffect">
+                                  <p:stCondLst>
+                                    <p:cond delay="0"/>
+                                  </p:stCondLst>
+                                  <p:childTnLst>
+                                    <p:animEffect transition="out" filter="fade">
+                                      <p:cBhvr>
+                                        <p:cTn id="22" dur="500"/>
+                                        <p:tgtEl>
+                                          <p:spTgt spid="14"/>
+                                        </p:tgtEl>
+                                      </p:cBhvr>
+                                    </p:animEffect>
+                                    <p:set>
+                                      <p:cBhvr>
+                                        <p:cTn id="23" dur="1" fill="hold">
+                                          <p:stCondLst>
+                                            <p:cond delay="499"/>
+                                          </p:stCondLst>
+                                        </p:cTn>
+                                        <p:tgtEl>
+                                          <p:spTgt spid="14"/>
+                                        </p:tgtEl>
+                                        <p:attrNameLst>
+                                          <p:attrName>style.visibility</p:attrName>
+                                        </p:attrNameLst>
+                                      </p:cBhvr>
+                                      <p:to>
+                                        <p:strVal val="hidden"/>
+                                      </p:to>
+                                    </p:set>
+                                  </p:childTnLst>
+                                </p:cTn>
+                              </p:par>
+                            </p:childTnLst>
+                          </p:cTn>
+                        </p:par>
+                      </p:childTnLst>
+                    </p:cTn>
+                  </p:par>
+                  <p:par>
+                    <p:cTn id="24" fill="hold">
+                      <p:stCondLst>
+                        <p:cond delay="indefinite"/>
+                      </p:stCondLst>
+                      <p:childTnLst>
+                        <p:par>
+                          <p:cTn id="25" fill="hold">
+                            <p:stCondLst>
+                              <p:cond delay="0"/>
+                            </p:stCondLst>
+                            <p:childTnLst>
+                              <p:par>
+                                <p:cTn id="26" presetID="10" presetClass="exit" presetSubtype="0" fill="hold" grpId="0" nodeType="clickEffect">
+                                  <p:stCondLst>
+                                    <p:cond delay="0"/>
+                                  </p:stCondLst>
+                                  <p:childTnLst>
+                                    <p:animEffect transition="out" filter="fade">
+                                      <p:cBhvr>
+                                        <p:cTn id="27" dur="500"/>
+                                        <p:tgtEl>
+                                          <p:spTgt spid="19"/>
+                                        </p:tgtEl>
+                                      </p:cBhvr>
+                                    </p:animEffect>
+                                    <p:set>
+                                      <p:cBhvr>
+                                        <p:cTn id="28" dur="1" fill="hold">
+                                          <p:stCondLst>
+                                            <p:cond delay="499"/>
+                                          </p:stCondLst>
+                                        </p:cTn>
+                                        <p:tgtEl>
+                                          <p:spTgt spid="19"/>
+                                        </p:tgtEl>
+                                        <p:attrNameLst>
+                                          <p:attrName>style.visibility</p:attrName>
+                                        </p:attrNameLst>
+                                      </p:cBhvr>
+                                      <p:to>
+                                        <p:strVal val="hidden"/>
+                                      </p:to>
+                                    </p:set>
+                                  </p:childTnLst>
+                                </p:cTn>
+                              </p:par>
+                              <p:par>
+                                <p:cTn id="29" presetID="10" presetClass="exit" presetSubtype="0" fill="hold" grpId="0" nodeType="withEffect">
+                                  <p:stCondLst>
+                                    <p:cond delay="0"/>
+                                  </p:stCondLst>
+                                  <p:childTnLst>
+                                    <p:animEffect transition="out" filter="fade">
+                                      <p:cBhvr>
+                                        <p:cTn id="30" dur="500"/>
+                                        <p:tgtEl>
+                                          <p:spTgt spid="13"/>
+                                        </p:tgtEl>
+                                      </p:cBhvr>
+                                    </p:animEffect>
+                                    <p:set>
+                                      <p:cBhvr>
+                                        <p:cTn id="31" dur="1" fill="hold">
+                                          <p:stCondLst>
+                                            <p:cond delay="499"/>
+                                          </p:stCondLst>
+                                        </p:cTn>
+                                        <p:tgtEl>
+                                          <p:spTgt spid="13"/>
+                                        </p:tgtEl>
+                                        <p:attrNameLst>
+                                          <p:attrName>style.visibility</p:attrName>
+                                        </p:attrNameLst>
+                                      </p:cBhvr>
+                                      <p:to>
+                                        <p:strVal val="hidden"/>
+                                      </p:to>
+                                    </p:set>
+                                  </p:childTnLst>
+                                </p:cTn>
+                              </p:par>
+                            </p:childTnLst>
+                          </p:cTn>
+                        </p:par>
+                      </p:childTnLst>
+                    </p:cTn>
+                  </p:par>
+                  <p:par>
+                    <p:cTn id="32" fill="hold">
+                      <p:stCondLst>
+                        <p:cond delay="indefinite"/>
+                      </p:stCondLst>
+                      <p:childTnLst>
+                        <p:par>
+                          <p:cTn id="33" fill="hold">
+                            <p:stCondLst>
+                              <p:cond delay="0"/>
+                            </p:stCondLst>
+                            <p:childTnLst>
+                              <p:par>
+                                <p:cTn id="34" presetID="10" presetClass="exit" presetSubtype="0" fill="hold" grpId="0" nodeType="clickEffect">
+                                  <p:stCondLst>
+                                    <p:cond delay="0"/>
+                                  </p:stCondLst>
+                                  <p:childTnLst>
+                                    <p:animEffect transition="out" filter="fade">
+                                      <p:cBhvr>
+                                        <p:cTn id="35" dur="500"/>
+                                        <p:tgtEl>
+                                          <p:spTgt spid="16"/>
+                                        </p:tgtEl>
+                                      </p:cBhvr>
+                                    </p:animEffect>
+                                    <p:set>
+                                      <p:cBhvr>
+                                        <p:cTn id="36" dur="1" fill="hold">
+                                          <p:stCondLst>
+                                            <p:cond delay="499"/>
+                                          </p:stCondLst>
+                                        </p:cTn>
+                                        <p:tgtEl>
+                                          <p:spTgt spid="16"/>
+                                        </p:tgtEl>
+                                        <p:attrNameLst>
+                                          <p:attrName>style.visibility</p:attrName>
+                                        </p:attrNameLst>
+                                      </p:cBhvr>
+                                      <p:to>
+                                        <p:strVal val="hidden"/>
+                                      </p:to>
+                                    </p:set>
+                                  </p:childTnLst>
+                                </p:cTn>
+                              </p:par>
+                            </p:childTnLst>
+                          </p:cTn>
+                        </p:par>
+                      </p:childTnLst>
+                    </p:cTn>
+                  </p:par>
+                </p:childTnLst>
+              </p:cTn>
+              <p:prevCondLst>
+                <p:cond evt="onPrev" delay="0">
+                  <p:tgtEl>
+                    <p:sldTgt/>
+                  </p:tgtEl>
+                </p:cond>
+              </p:prevCondLst>
+              <p:nextCondLst>
+                <p:cond evt="onNext" delay="0">
+                  <p:tgtEl>
+                    <p:sldTgt/>
+                  </p:tgtEl>
+                </p:cond>
+              </p:nextCondLst>
+            </p:seq>
+          </p:childTnLst>
+        </p:cTn>
+      </p:par>
+    </p:tnLst>
+    <p:bldLst>
+      <p:bldP spid="10" grpId="0" animBg="1"/>
+      <p:bldP spid="12" grpId="0" animBg="1"/>
+      <p:bldP spid="13" grpId="0" animBg="1"/>
+      <p:bldP spid="14" grpId="0" animBg="1"/>
+      <p:bldP spid="16" grpId="0" animBg="1"/>
+      <p:bldP spid="17" grpId="0" animBg="1"/>
+      <p:bldP spid="18" grpId="0" animBg="1"/>
+      <p:bldP spid="19" grpId="0" animBg="1"/>
+    </p:bldLst>
+  </p:timing>
+</p:sld>
+</file>
+
+<file path=ppt/slides/slide6.xml><?xml version="1.0" encoding="utf-8"?>
+<p:sld xmlns:a="http://schemas.openxmlformats.org/drawingml/2006/main" xmlns:r="http://schemas.openxmlformats.org/officeDocument/2006/relationships" xmlns:p="http://schemas.openxmlformats.org/presentationml/2006/main">
+  <p:cSld>
+    <p:spTree>
+      <p:nvGrpSpPr>
+        <p:cNvPr id="1" name="">
+          <a:extLst>
+            <a:ext uri="{FF2B5EF4-FFF2-40B4-BE49-F238E27FC236}">
+              <a16:creationId xmlns:a16="http://schemas.microsoft.com/office/drawing/2014/main" id="{D6AF3B99-E131-4AB7-1BDE-FE8D57A365AC}"/>
+            </a:ext>
+          </a:extLst>
+        </p:cNvPr>
+        <p:cNvGrpSpPr/>
+        <p:nvPr/>
+      </p:nvGrpSpPr>
+      <p:grpSpPr>
+        <a:xfrm>
+          <a:off x="0" y="0"/>
+          <a:ext cx="0" cy="0"/>
+          <a:chOff x="0" y="0"/>
+          <a:chExt cx="0" cy="0"/>
+        </a:xfrm>
+      </p:grpSpPr>
+      <p:sp>
+        <p:nvSpPr>
+          <p:cNvPr id="2" name="Titel 1">
+            <a:extLst>
+              <a:ext uri="{FF2B5EF4-FFF2-40B4-BE49-F238E27FC236}">
+                <a16:creationId xmlns:a16="http://schemas.microsoft.com/office/drawing/2014/main" id="{8A1AB1CC-EED1-CDD6-A8DB-C814EF3CA33B}"/>
+              </a:ext>
+            </a:extLst>
+          </p:cNvPr>
+          <p:cNvSpPr>
+            <a:spLocks noGrp="1"/>
+          </p:cNvSpPr>
+          <p:nvPr>
+            <p:ph type="title"/>
+          </p:nvPr>
+        </p:nvSpPr>
+        <p:spPr>
+          <a:xfrm>
+            <a:off x="977136" y="911949"/>
+            <a:ext cx="8128764" cy="708660"/>
+          </a:xfrm>
+        </p:spPr>
+        <p:txBody>
+          <a:bodyPr anchor="ctr">
+            <a:normAutofit/>
+          </a:bodyPr>
+          <a:lstStyle/>
+          <a:p>
+            <a:r>
+              <a:rPr lang="en-US" sz="3600" dirty="0">
+                <a:latin typeface="Segoe UI Bold" panose="020B0802040204020203" pitchFamily="34" charset="0"/>
+                <a:cs typeface="Segoe UI Bold" panose="020B0802040204020203" pitchFamily="34" charset="0"/>
+              </a:rPr>
+              <a:t>Modul-</a:t>
+            </a:r>
+            <a:r>
+              <a:rPr lang="en-US" sz="3600" dirty="0" err="1">
+                <a:latin typeface="Segoe UI Bold" panose="020B0802040204020203" pitchFamily="34" charset="0"/>
+                <a:cs typeface="Segoe UI Bold" panose="020B0802040204020203" pitchFamily="34" charset="0"/>
+              </a:rPr>
+              <a:t>Funktionalität</a:t>
+            </a:r>
+            <a:endParaRPr lang="en-DE" sz="3600" dirty="0">
+              <a:latin typeface="Segoe UI Bold" panose="020B0802040204020203" pitchFamily="34" charset="0"/>
+              <a:ea typeface="ADLaM Display" panose="020F0502020204030204" pitchFamily="2" charset="0"/>
+              <a:cs typeface="Segoe UI Bold" panose="020B0802040204020203" pitchFamily="34" charset="0"/>
+            </a:endParaRPr>
+          </a:p>
+        </p:txBody>
+      </p:sp>
+      <p:sp>
+        <p:nvSpPr>
+          <p:cNvPr id="3" name="Inhaltsplatzhalter 2">
+            <a:extLst>
+              <a:ext uri="{FF2B5EF4-FFF2-40B4-BE49-F238E27FC236}">
+                <a16:creationId xmlns:a16="http://schemas.microsoft.com/office/drawing/2014/main" id="{34680DEA-2B2D-6519-3AAB-EE1D3A1F3E23}"/>
+              </a:ext>
+            </a:extLst>
+          </p:cNvPr>
+          <p:cNvSpPr>
+            <a:spLocks noGrp="1"/>
+          </p:cNvSpPr>
+          <p:nvPr>
+            <p:ph idx="1"/>
+          </p:nvPr>
+        </p:nvSpPr>
+        <p:spPr>
+          <a:xfrm>
+            <a:off x="977137" y="1752169"/>
+            <a:ext cx="10890929" cy="4463185"/>
+          </a:xfrm>
+        </p:spPr>
+        <p:txBody>
+          <a:bodyPr>
+            <a:normAutofit/>
+          </a:bodyPr>
+          <a:lstStyle/>
+          <a:p>
+            <a:pPr marL="0" indent="0">
+              <a:buNone/>
+            </a:pPr>
+            <a:r>
+              <a:rPr lang="en-US" sz="2000" dirty="0">
+                <a:latin typeface="Arial" panose="020B0604020202020204" pitchFamily="34" charset="0"/>
+                <a:cs typeface="Arial" panose="020B0604020202020204" pitchFamily="34" charset="0"/>
+              </a:rPr>
+              <a:t>Filter </a:t>
+            </a:r>
+            <a:r>
+              <a:rPr lang="en-US" sz="2000" dirty="0" err="1">
+                <a:latin typeface="Arial" panose="020B0604020202020204" pitchFamily="34" charset="0"/>
+                <a:cs typeface="Arial" panose="020B0604020202020204" pitchFamily="34" charset="0"/>
+              </a:rPr>
+              <a:t>nach</a:t>
+            </a:r>
+            <a:r>
+              <a:rPr lang="en-US" sz="2000" dirty="0">
+                <a:latin typeface="Arial" panose="020B0604020202020204" pitchFamily="34" charset="0"/>
+                <a:cs typeface="Arial" panose="020B0604020202020204" pitchFamily="34" charset="0"/>
+              </a:rPr>
+              <a:t> Datum + Modelle</a:t>
+            </a:r>
+          </a:p>
+          <a:p>
+            <a:pPr marL="0" indent="0">
+              <a:buNone/>
+            </a:pPr>
+            <a:endParaRPr lang="en-US" sz="2000" dirty="0">
+              <a:latin typeface="Arial" panose="020B0604020202020204" pitchFamily="34" charset="0"/>
+              <a:cs typeface="Arial" panose="020B0604020202020204" pitchFamily="34" charset="0"/>
+            </a:endParaRPr>
+          </a:p>
+          <a:p>
+            <a:pPr marL="0" indent="0">
+              <a:buNone/>
+            </a:pPr>
+            <a:r>
+              <a:rPr lang="en-US" sz="2000" dirty="0">
+                <a:latin typeface="Arial" panose="020B0604020202020204" pitchFamily="34" charset="0"/>
+                <a:cs typeface="Arial" panose="020B0604020202020204" pitchFamily="34" charset="0"/>
+              </a:rPr>
+              <a:t>Status (Draft -&gt; Open -&gt; Done)</a:t>
+            </a:r>
+          </a:p>
+          <a:p>
+            <a:pPr marL="0" indent="0">
+              <a:buNone/>
+            </a:pPr>
+            <a:endParaRPr lang="en-US" sz="2000" dirty="0">
+              <a:latin typeface="Arial" panose="020B0604020202020204" pitchFamily="34" charset="0"/>
+              <a:cs typeface="Arial" panose="020B0604020202020204" pitchFamily="34" charset="0"/>
+            </a:endParaRPr>
+          </a:p>
+          <a:p>
+            <a:pPr marL="0" indent="0">
+              <a:buNone/>
+            </a:pPr>
+            <a:r>
+              <a:rPr lang="en-US" sz="2000" dirty="0" err="1">
+                <a:latin typeface="Arial" panose="020B0604020202020204" pitchFamily="34" charset="0"/>
+                <a:cs typeface="Arial" panose="020B0604020202020204" pitchFamily="34" charset="0"/>
+              </a:rPr>
+              <a:t>Automatischer</a:t>
+            </a:r>
+            <a:r>
+              <a:rPr lang="en-US" sz="2000" dirty="0">
+                <a:latin typeface="Arial" panose="020B0604020202020204" pitchFamily="34" charset="0"/>
+                <a:cs typeface="Arial" panose="020B0604020202020204" pitchFamily="34" charset="0"/>
+              </a:rPr>
+              <a:t> Export Name</a:t>
+            </a:r>
+          </a:p>
+          <a:p>
+            <a:pPr marL="0" indent="0">
+              <a:buNone/>
+            </a:pPr>
+            <a:endParaRPr lang="en-US" sz="2000" dirty="0">
+              <a:latin typeface="Arial" panose="020B0604020202020204" pitchFamily="34" charset="0"/>
+              <a:cs typeface="Arial" panose="020B0604020202020204" pitchFamily="34" charset="0"/>
+            </a:endParaRPr>
+          </a:p>
+          <a:p>
+            <a:pPr marL="0" indent="0">
+              <a:buNone/>
+            </a:pPr>
+            <a:r>
+              <a:rPr lang="en-US" sz="2000" dirty="0">
+                <a:latin typeface="Arial" panose="020B0604020202020204" pitchFamily="34" charset="0"/>
+                <a:cs typeface="Arial" panose="020B0604020202020204" pitchFamily="34" charset="0"/>
+              </a:rPr>
+              <a:t>ZIP-</a:t>
+            </a:r>
+            <a:r>
+              <a:rPr lang="en-US" sz="2000" dirty="0" err="1">
+                <a:latin typeface="Arial" panose="020B0604020202020204" pitchFamily="34" charset="0"/>
+                <a:cs typeface="Arial" panose="020B0604020202020204" pitchFamily="34" charset="0"/>
+              </a:rPr>
+              <a:t>Erstellung</a:t>
+            </a:r>
+            <a:r>
+              <a:rPr lang="en-US" sz="2000" dirty="0">
+                <a:latin typeface="Arial" panose="020B0604020202020204" pitchFamily="34" charset="0"/>
+                <a:cs typeface="Arial" panose="020B0604020202020204" pitchFamily="34" charset="0"/>
+              </a:rPr>
+              <a:t> per Button</a:t>
+            </a:r>
+          </a:p>
+          <a:p>
+            <a:pPr marL="0" indent="0">
+              <a:buNone/>
+            </a:pPr>
+            <a:endParaRPr lang="en-US" sz="2000" dirty="0">
+              <a:latin typeface="Arial" panose="020B0604020202020204" pitchFamily="34" charset="0"/>
+              <a:cs typeface="Arial" panose="020B0604020202020204" pitchFamily="34" charset="0"/>
+            </a:endParaRPr>
+          </a:p>
+          <a:p>
+            <a:pPr marL="0" indent="0">
+              <a:buNone/>
+            </a:pPr>
+            <a:r>
+              <a:rPr lang="en-US" sz="2000" dirty="0" err="1">
+                <a:latin typeface="Arial" panose="020B0604020202020204" pitchFamily="34" charset="0"/>
+                <a:cs typeface="Arial" panose="020B0604020202020204" pitchFamily="34" charset="0"/>
+              </a:rPr>
+              <a:t>Speicherung</a:t>
+            </a:r>
+            <a:r>
+              <a:rPr lang="en-US" sz="2000" dirty="0">
+                <a:latin typeface="Arial" panose="020B0604020202020204" pitchFamily="34" charset="0"/>
+                <a:cs typeface="Arial" panose="020B0604020202020204" pitchFamily="34" charset="0"/>
+              </a:rPr>
+              <a:t> </a:t>
+            </a:r>
+            <a:r>
+              <a:rPr lang="en-US" sz="2000" dirty="0" err="1">
+                <a:latin typeface="Arial" panose="020B0604020202020204" pitchFamily="34" charset="0"/>
+                <a:cs typeface="Arial" panose="020B0604020202020204" pitchFamily="34" charset="0"/>
+              </a:rPr>
+              <a:t>als</a:t>
+            </a:r>
+            <a:r>
+              <a:rPr lang="en-US" sz="2000" dirty="0">
+                <a:latin typeface="Arial" panose="020B0604020202020204" pitchFamily="34" charset="0"/>
+                <a:cs typeface="Arial" panose="020B0604020202020204" pitchFamily="34" charset="0"/>
+              </a:rPr>
+              <a:t> </a:t>
+            </a:r>
+            <a:r>
+              <a:rPr lang="en-US" sz="2000" dirty="0" err="1">
+                <a:latin typeface="Arial" panose="020B0604020202020204" pitchFamily="34" charset="0"/>
+                <a:cs typeface="Arial" panose="020B0604020202020204" pitchFamily="34" charset="0"/>
+              </a:rPr>
+              <a:t>Datensatz</a:t>
+            </a:r>
+            <a:r>
+              <a:rPr lang="en-US" sz="2000" dirty="0">
+                <a:latin typeface="Arial" panose="020B0604020202020204" pitchFamily="34" charset="0"/>
+                <a:cs typeface="Arial" panose="020B0604020202020204" pitchFamily="34" charset="0"/>
+              </a:rPr>
+              <a:t> </a:t>
+            </a:r>
+            <a:r>
+              <a:rPr lang="en-US" sz="2000" dirty="0" err="1">
+                <a:latin typeface="Arial" panose="020B0604020202020204" pitchFamily="34" charset="0"/>
+                <a:cs typeface="Arial" panose="020B0604020202020204" pitchFamily="34" charset="0"/>
+              </a:rPr>
+              <a:t>im</a:t>
+            </a:r>
+            <a:r>
+              <a:rPr lang="en-US" sz="2000" dirty="0">
+                <a:latin typeface="Arial" panose="020B0604020202020204" pitchFamily="34" charset="0"/>
+                <a:cs typeface="Arial" panose="020B0604020202020204" pitchFamily="34" charset="0"/>
+              </a:rPr>
+              <a:t> DMS</a:t>
+            </a:r>
+          </a:p>
+        </p:txBody>
+      </p:sp>
+      <p:sp>
+        <p:nvSpPr>
+          <p:cNvPr id="9" name="Datumsplatzhalter 8">
+            <a:extLst>
+              <a:ext uri="{FF2B5EF4-FFF2-40B4-BE49-F238E27FC236}">
+                <a16:creationId xmlns:a16="http://schemas.microsoft.com/office/drawing/2014/main" id="{B609178F-2CF7-6D6A-62E0-92B2ABB3244D}"/>
+              </a:ext>
+            </a:extLst>
+          </p:cNvPr>
+          <p:cNvSpPr>
+            <a:spLocks noGrp="1"/>
+          </p:cNvSpPr>
+          <p:nvPr>
+            <p:ph type="dt" sz="half" idx="10"/>
+          </p:nvPr>
+        </p:nvSpPr>
+        <p:spPr/>
+        <p:txBody>
+          <a:bodyPr>
+            <a:normAutofit/>
+          </a:bodyPr>
+          <a:lstStyle/>
+          <a:p>
+            <a:pPr>
+              <a:spcAft>
+                <a:spcPts val="600"/>
+              </a:spcAft>
+            </a:pPr>
+            <a:r>
+              <a:rPr lang="en-US" dirty="0">
+                <a:solidFill>
+                  <a:schemeClr val="bg1">
+                    <a:lumMod val="50000"/>
+                  </a:schemeClr>
+                </a:solidFill>
+              </a:rPr>
+              <a:t>Mark Albers</a:t>
+            </a:r>
+          </a:p>
+        </p:txBody>
+      </p:sp>
+      <p:sp>
+        <p:nvSpPr>
+          <p:cNvPr id="7" name="Fußzeilenplatzhalter 6">
+            <a:extLst>
+              <a:ext uri="{FF2B5EF4-FFF2-40B4-BE49-F238E27FC236}">
+                <a16:creationId xmlns:a16="http://schemas.microsoft.com/office/drawing/2014/main" id="{53E08773-5E38-DA80-0F50-9899EAAC1E99}"/>
+              </a:ext>
+            </a:extLst>
+          </p:cNvPr>
+          <p:cNvSpPr>
+            <a:spLocks noGrp="1"/>
+          </p:cNvSpPr>
+          <p:nvPr>
+            <p:ph type="ftr" sz="quarter" idx="11"/>
+          </p:nvPr>
+        </p:nvSpPr>
+        <p:spPr>
+          <a:xfrm>
+            <a:off x="4074289" y="6357620"/>
+            <a:ext cx="4040373" cy="365125"/>
+          </a:xfrm>
+        </p:spPr>
+        <p:txBody>
+          <a:bodyPr>
+            <a:normAutofit/>
+          </a:bodyPr>
+          <a:lstStyle/>
+          <a:p>
+            <a:pPr algn="ctr">
+              <a:spcAft>
+                <a:spcPts val="600"/>
+              </a:spcAft>
+            </a:pPr>
+            <a:r>
+              <a:rPr lang="en-US" dirty="0">
+                <a:solidFill>
+                  <a:schemeClr val="bg1">
+                    <a:lumMod val="50000"/>
+                  </a:schemeClr>
+                </a:solidFill>
+              </a:rPr>
+              <a:t>2025 </a:t>
+            </a:r>
+            <a:r>
+              <a:rPr lang="en-US" dirty="0" err="1">
+                <a:solidFill>
+                  <a:schemeClr val="bg1">
+                    <a:lumMod val="50000"/>
+                  </a:schemeClr>
+                </a:solidFill>
+              </a:rPr>
+              <a:t>Sirum</a:t>
+            </a:r>
+            <a:r>
+              <a:rPr lang="en-US" dirty="0">
+                <a:solidFill>
+                  <a:schemeClr val="bg1">
+                    <a:lumMod val="50000"/>
+                  </a:schemeClr>
+                </a:solidFill>
+              </a:rPr>
+              <a:t> GmbH</a:t>
+            </a:r>
+          </a:p>
+        </p:txBody>
+      </p:sp>
+      <p:sp>
+        <p:nvSpPr>
+          <p:cNvPr id="8" name="Foliennummernplatzhalter 7">
+            <a:extLst>
+              <a:ext uri="{FF2B5EF4-FFF2-40B4-BE49-F238E27FC236}">
+                <a16:creationId xmlns:a16="http://schemas.microsoft.com/office/drawing/2014/main" id="{CB4BE3C1-7E13-7EE2-0054-9AE11DECD54F}"/>
+              </a:ext>
+            </a:extLst>
+          </p:cNvPr>
+          <p:cNvSpPr>
+            <a:spLocks noGrp="1"/>
+          </p:cNvSpPr>
+          <p:nvPr>
+            <p:ph type="sldNum" sz="quarter" idx="12"/>
+          </p:nvPr>
+        </p:nvSpPr>
+        <p:spPr/>
+        <p:txBody>
+          <a:bodyPr>
+            <a:normAutofit/>
+          </a:bodyPr>
+          <a:lstStyle/>
+          <a:p>
+            <a:pPr>
+              <a:spcAft>
+                <a:spcPts val="600"/>
+              </a:spcAft>
+            </a:pPr>
+            <a:fld id="{70C12960-6E85-460F-B6E3-5B82CB31AF3D}" type="slidenum">
+              <a:rPr lang="en-US" smtClean="0">
+                <a:solidFill>
+                  <a:schemeClr val="bg1">
+                    <a:lumMod val="50000"/>
+                  </a:schemeClr>
+                </a:solidFill>
+              </a:rPr>
+              <a:pPr>
+                <a:spcAft>
+                  <a:spcPts val="600"/>
+                </a:spcAft>
+              </a:pPr>
+              <a:t>6</a:t>
+            </a:fld>
+            <a:endParaRPr lang="en-US" dirty="0">
+              <a:solidFill>
+                <a:schemeClr val="bg1">
+                  <a:lumMod val="50000"/>
+                </a:schemeClr>
+              </a:solidFill>
+            </a:endParaRPr>
+          </a:p>
+        </p:txBody>
+      </p:sp>
+      <p:cxnSp>
+        <p:nvCxnSpPr>
+          <p:cNvPr id="11" name="Gerader Verbinder 10">
+            <a:extLst>
+              <a:ext uri="{FF2B5EF4-FFF2-40B4-BE49-F238E27FC236}">
+                <a16:creationId xmlns:a16="http://schemas.microsoft.com/office/drawing/2014/main" id="{991FC67D-826D-623D-4676-97E9C903325E}"/>
+              </a:ext>
+            </a:extLst>
+          </p:cNvPr>
+          <p:cNvCxnSpPr>
+            <a:cxnSpLocks/>
+          </p:cNvCxnSpPr>
+          <p:nvPr/>
+        </p:nvCxnSpPr>
+        <p:spPr>
+          <a:xfrm>
+            <a:off x="838200" y="822960"/>
+            <a:ext cx="0" cy="810895"/>
+          </a:xfrm>
+          <a:prstGeom prst="line">
+            <a:avLst/>
+          </a:prstGeom>
+          <a:ln>
+            <a:solidFill>
+              <a:schemeClr val="accent4">
+                <a:lumMod val="40000"/>
+                <a:lumOff val="60000"/>
+              </a:schemeClr>
+            </a:solidFill>
+          </a:ln>
+        </p:spPr>
+        <p:style>
+          <a:lnRef idx="2">
+            <a:schemeClr val="dk1"/>
+          </a:lnRef>
+          <a:fillRef idx="0">
+            <a:schemeClr val="dk1"/>
+          </a:fillRef>
+          <a:effectRef idx="1">
+            <a:schemeClr val="dk1"/>
+          </a:effectRef>
+          <a:fontRef idx="minor">
+            <a:schemeClr val="tx1"/>
+          </a:fontRef>
+        </p:style>
+      </p:cxnSp>
+      <p:pic>
+        <p:nvPicPr>
+          <p:cNvPr id="15" name="Grafik 14" descr="Ein Bild, das Farbigkeit, Grafiken, Design enthält.">
+            <a:extLst>
+              <a:ext uri="{FF2B5EF4-FFF2-40B4-BE49-F238E27FC236}">
+                <a16:creationId xmlns:a16="http://schemas.microsoft.com/office/drawing/2014/main" id="{D5847712-2BDD-60DF-F9B0-61DE0CFC90ED}"/>
+              </a:ext>
+            </a:extLst>
+          </p:cNvPr>
+          <p:cNvPicPr>
+            <a:picLocks noChangeAspect="1"/>
+          </p:cNvPicPr>
+          <p:nvPr/>
+        </p:nvPicPr>
+        <p:blipFill>
+          <a:blip r:embed="rId2">
+            <a:extLst>
+              <a:ext uri="{28A0092B-C50C-407E-A947-70E740481C1C}">
+                <a14:useLocalDpi xmlns:a14="http://schemas.microsoft.com/office/drawing/2010/main" val="0"/>
+              </a:ext>
+            </a:extLst>
+          </a:blip>
+          <a:stretch>
+            <a:fillRect/>
+          </a:stretch>
+        </p:blipFill>
+        <p:spPr>
+          <a:xfrm>
+            <a:off x="10360829" y="136525"/>
+            <a:ext cx="1617345" cy="634428"/>
+          </a:xfrm>
+          <a:prstGeom prst="rect">
+            <a:avLst/>
+          </a:prstGeom>
+        </p:spPr>
+      </p:pic>
+    </p:spTree>
+    <p:extLst>
+      <p:ext uri="{BB962C8B-B14F-4D97-AF65-F5344CB8AC3E}">
+        <p14:creationId xmlns:p14="http://schemas.microsoft.com/office/powerpoint/2010/main" val="2592849330"/>
+      </p:ext>
+    </p:extLst>
+  </p:cSld>
+  <p:clrMapOvr>
+    <a:masterClrMapping/>
+  </p:clrMapOvr>
+  <p:timing>
+    <p:tnLst>
+      <p:par>
+        <p:cTn id="1" dur="indefinite" restart="never" nodeType="tmRoot">
+          <p:childTnLst>
+            <p:seq concurrent="1" nextAc="seek">
+              <p:cTn id="2" dur="indefinite" nodeType="mainSeq">
+                <p:childTnLst>
+                  <p:par>
+                    <p:cTn id="3" fill="hold">
+                      <p:stCondLst>
+                        <p:cond delay="indefinite"/>
+                      </p:stCondLst>
+                      <p:childTnLst>
+                        <p:par>
+                          <p:cTn id="4" fill="hold">
+                            <p:stCondLst>
+                              <p:cond delay="0"/>
+                            </p:stCondLst>
+                            <p:childTnLst>
+                              <p:par>
+                                <p:cTn id="5" presetID="10" presetClass="entr" presetSubtype="0" fill="hold" nodeType="clickEffect">
                                   <p:stCondLst>
                                     <p:cond delay="0"/>
                                   </p:stCondLst>
@@ -11775,7 +13629,7 @@
                             </p:stCondLst>
                             <p:childTnLst>
                               <p:par>
-                                <p:cTn id="10" presetID="10" presetClass="entr" presetSubtype="0" fill="hold" grpId="0" nodeType="clickEffect">
+                                <p:cTn id="10" presetID="10" presetClass="entr" presetSubtype="0" fill="hold" nodeType="clickEffect">
                                   <p:stCondLst>
                                     <p:cond delay="0"/>
                                   </p:stCondLst>
@@ -11790,7 +13644,7 @@
                                         <p:tgtEl>
                                           <p:spTgt spid="3">
                                             <p:txEl>
-                                              <p:pRg st="1" end="1"/>
+                                              <p:pRg st="2" end="2"/>
                                             </p:txEl>
                                           </p:spTgt>
                                         </p:tgtEl>
@@ -11808,7 +13662,7 @@
                                         <p:tgtEl>
                                           <p:spTgt spid="3">
                                             <p:txEl>
-                                              <p:pRg st="1" end="1"/>
+                                              <p:pRg st="2" end="2"/>
                                             </p:txEl>
                                           </p:spTgt>
                                         </p:tgtEl>
@@ -11836,7 +13690,7 @@
                             </p:stCondLst>
                             <p:childTnLst>
                               <p:par>
-                                <p:cTn id="15" presetID="10" presetClass="entr" presetSubtype="0" fill="hold" grpId="0" nodeType="clickEffect">
+                                <p:cTn id="15" presetID="10" presetClass="entr" presetSubtype="0" fill="hold" nodeType="clickEffect">
                                   <p:stCondLst>
                                     <p:cond delay="0"/>
                                   </p:stCondLst>
@@ -11851,7 +13705,7 @@
                                         <p:tgtEl>
                                           <p:spTgt spid="3">
                                             <p:txEl>
-                                              <p:pRg st="3" end="3"/>
+                                              <p:pRg st="4" end="4"/>
                                             </p:txEl>
                                           </p:spTgt>
                                         </p:tgtEl>
@@ -11869,7 +13723,7 @@
                                         <p:tgtEl>
                                           <p:spTgt spid="3">
                                             <p:txEl>
-                                              <p:pRg st="3" end="3"/>
+                                              <p:pRg st="4" end="4"/>
                                             </p:txEl>
                                           </p:spTgt>
                                         </p:tgtEl>
@@ -11897,7 +13751,7 @@
                             </p:stCondLst>
                             <p:childTnLst>
                               <p:par>
-                                <p:cTn id="20" presetID="10" presetClass="entr" presetSubtype="0" fill="hold" grpId="0" nodeType="clickEffect">
+                                <p:cTn id="20" presetID="10" presetClass="entr" presetSubtype="0" fill="hold" nodeType="clickEffect">
                                   <p:stCondLst>
                                     <p:cond delay="0"/>
                                   </p:stCondLst>
@@ -11912,7 +13766,7 @@
                                         <p:tgtEl>
                                           <p:spTgt spid="3">
                                             <p:txEl>
-                                              <p:pRg st="4" end="4"/>
+                                              <p:pRg st="6" end="6"/>
                                             </p:txEl>
                                           </p:spTgt>
                                         </p:tgtEl>
@@ -11930,7 +13784,68 @@
                                         <p:tgtEl>
                                           <p:spTgt spid="3">
                                             <p:txEl>
-                                              <p:pRg st="4" end="4"/>
+                                              <p:pRg st="6" end="6"/>
+                                            </p:txEl>
+                                          </p:spTgt>
+                                        </p:tgtEl>
+                                      </p:cBhvr>
+                                    </p:animEffect>
+                                  </p:childTnLst>
+                                </p:cTn>
+                              </p:par>
+                            </p:childTnLst>
+                          </p:cTn>
+                        </p:par>
+                      </p:childTnLst>
+                    </p:cTn>
+                  </p:par>
+                  <p:par>
+                    <p:cTn id="23" fill="hold">
+                      <p:stCondLst>
+                        <p:cond delay="indefinite"/>
+                      </p:stCondLst>
+                      <p:childTnLst>
+                        <p:par>
+                          <p:cTn id="24" fill="hold">
+                            <p:stCondLst>
+                              <p:cond delay="0"/>
+                            </p:stCondLst>
+                            <p:childTnLst>
+                              <p:par>
+                                <p:cTn id="25" presetID="10" presetClass="entr" presetSubtype="0" fill="hold" nodeType="clickEffect">
+                                  <p:stCondLst>
+                                    <p:cond delay="0"/>
+                                  </p:stCondLst>
+                                  <p:childTnLst>
+                                    <p:set>
+                                      <p:cBhvr>
+                                        <p:cTn id="26" dur="1" fill="hold">
+                                          <p:stCondLst>
+                                            <p:cond delay="0"/>
+                                          </p:stCondLst>
+                                        </p:cTn>
+                                        <p:tgtEl>
+                                          <p:spTgt spid="3">
+                                            <p:txEl>
+                                              <p:pRg st="8" end="8"/>
+                                            </p:txEl>
+                                          </p:spTgt>
+                                        </p:tgtEl>
+                                        <p:attrNameLst>
+                                          <p:attrName>style.visibility</p:attrName>
+                                        </p:attrNameLst>
+                                      </p:cBhvr>
+                                      <p:to>
+                                        <p:strVal val="visible"/>
+                                      </p:to>
+                                    </p:set>
+                                    <p:animEffect transition="in" filter="fade">
+                                      <p:cBhvr>
+                                        <p:cTn id="27" dur="500"/>
+                                        <p:tgtEl>
+                                          <p:spTgt spid="3">
+                                            <p:txEl>
+                                              <p:pRg st="8" end="8"/>
                                             </p:txEl>
                                           </p:spTgt>
                                         </p:tgtEl>
@@ -11966,537 +13881,7 @@
         </p:cTn>
       </p:par>
     </p:tnLst>
-    <p:bldLst>
-      <p:bldP spid="3" grpId="0" uiExpand="1" build="p"/>
-    </p:bldLst>
   </p:timing>
-</p:sld>
-</file>
-
-<file path=ppt/slides/slide6.xml><?xml version="1.0" encoding="utf-8"?>
-<p:sld xmlns:a="http://schemas.openxmlformats.org/drawingml/2006/main" xmlns:r="http://schemas.openxmlformats.org/officeDocument/2006/relationships" xmlns:p="http://schemas.openxmlformats.org/presentationml/2006/main">
-  <p:cSld>
-    <p:spTree>
-      <p:nvGrpSpPr>
-        <p:cNvPr id="1" name="">
-          <a:extLst>
-            <a:ext uri="{FF2B5EF4-FFF2-40B4-BE49-F238E27FC236}">
-              <a16:creationId xmlns:a16="http://schemas.microsoft.com/office/drawing/2014/main" id="{D6AF3B99-E131-4AB7-1BDE-FE8D57A365AC}"/>
-            </a:ext>
-          </a:extLst>
-        </p:cNvPr>
-        <p:cNvGrpSpPr/>
-        <p:nvPr/>
-      </p:nvGrpSpPr>
-      <p:grpSpPr>
-        <a:xfrm>
-          <a:off x="0" y="0"/>
-          <a:ext cx="0" cy="0"/>
-          <a:chOff x="0" y="0"/>
-          <a:chExt cx="0" cy="0"/>
-        </a:xfrm>
-      </p:grpSpPr>
-      <p:sp>
-        <p:nvSpPr>
-          <p:cNvPr id="2" name="Titel 1">
-            <a:extLst>
-              <a:ext uri="{FF2B5EF4-FFF2-40B4-BE49-F238E27FC236}">
-                <a16:creationId xmlns:a16="http://schemas.microsoft.com/office/drawing/2014/main" id="{8A1AB1CC-EED1-CDD6-A8DB-C814EF3CA33B}"/>
-              </a:ext>
-            </a:extLst>
-          </p:cNvPr>
-          <p:cNvSpPr>
-            <a:spLocks noGrp="1"/>
-          </p:cNvSpPr>
-          <p:nvPr>
-            <p:ph type="title"/>
-          </p:nvPr>
-        </p:nvSpPr>
-        <p:spPr>
-          <a:xfrm>
-            <a:off x="977136" y="911949"/>
-            <a:ext cx="8128764" cy="708660"/>
-          </a:xfrm>
-        </p:spPr>
-        <p:txBody>
-          <a:bodyPr anchor="ctr">
-            <a:normAutofit/>
-          </a:bodyPr>
-          <a:lstStyle/>
-          <a:p>
-            <a:r>
-              <a:rPr lang="en-US" sz="3600" dirty="0">
-                <a:latin typeface="Segoe UI Bold" panose="020B0802040204020203" pitchFamily="34" charset="0"/>
-                <a:cs typeface="Segoe UI Bold" panose="020B0802040204020203" pitchFamily="34" charset="0"/>
-              </a:rPr>
-              <a:t>Modul und die </a:t>
-            </a:r>
-            <a:r>
-              <a:rPr lang="en-US" sz="3600" dirty="0" err="1">
-                <a:latin typeface="Segoe UI Bold" panose="020B0802040204020203" pitchFamily="34" charset="0"/>
-                <a:cs typeface="Segoe UI Bold" panose="020B0802040204020203" pitchFamily="34" charset="0"/>
-              </a:rPr>
-              <a:t>Fuktionalität</a:t>
-            </a:r>
-            <a:endParaRPr lang="en-DE" sz="3600" dirty="0">
-              <a:latin typeface="Segoe UI Bold" panose="020B0802040204020203" pitchFamily="34" charset="0"/>
-              <a:ea typeface="ADLaM Display" panose="020F0502020204030204" pitchFamily="2" charset="0"/>
-              <a:cs typeface="Segoe UI Bold" panose="020B0802040204020203" pitchFamily="34" charset="0"/>
-            </a:endParaRPr>
-          </a:p>
-        </p:txBody>
-      </p:sp>
-      <p:sp>
-        <p:nvSpPr>
-          <p:cNvPr id="3" name="Inhaltsplatzhalter 2">
-            <a:extLst>
-              <a:ext uri="{FF2B5EF4-FFF2-40B4-BE49-F238E27FC236}">
-                <a16:creationId xmlns:a16="http://schemas.microsoft.com/office/drawing/2014/main" id="{34680DEA-2B2D-6519-3AAB-EE1D3A1F3E23}"/>
-              </a:ext>
-            </a:extLst>
-          </p:cNvPr>
-          <p:cNvSpPr>
-            <a:spLocks noGrp="1"/>
-          </p:cNvSpPr>
-          <p:nvPr>
-            <p:ph idx="1"/>
-          </p:nvPr>
-        </p:nvSpPr>
-        <p:spPr>
-          <a:xfrm>
-            <a:off x="977137" y="1752169"/>
-            <a:ext cx="10890929" cy="4463185"/>
-          </a:xfrm>
-        </p:spPr>
-        <p:txBody>
-          <a:bodyPr>
-            <a:normAutofit/>
-          </a:bodyPr>
-          <a:lstStyle/>
-          <a:p>
-            <a:pPr marL="0" indent="0">
-              <a:buNone/>
-            </a:pPr>
-            <a:endParaRPr lang="en-US" sz="2000" dirty="0">
-              <a:latin typeface="Arial" panose="020B0604020202020204" pitchFamily="34" charset="0"/>
-              <a:cs typeface="Arial" panose="020B0604020202020204" pitchFamily="34" charset="0"/>
-            </a:endParaRPr>
-          </a:p>
-          <a:p>
-            <a:pPr marL="0" indent="0">
-              <a:buNone/>
-            </a:pPr>
-            <a:endParaRPr lang="en-US" sz="2000" dirty="0">
-              <a:latin typeface="Arial" panose="020B0604020202020204" pitchFamily="34" charset="0"/>
-              <a:cs typeface="Arial" panose="020B0604020202020204" pitchFamily="34" charset="0"/>
-            </a:endParaRPr>
-          </a:p>
-          <a:p>
-            <a:pPr marL="0" indent="0">
-              <a:buNone/>
-            </a:pPr>
-            <a:endParaRPr lang="en-US" sz="2000" dirty="0">
-              <a:latin typeface="Arial" panose="020B0604020202020204" pitchFamily="34" charset="0"/>
-              <a:cs typeface="Arial" panose="020B0604020202020204" pitchFamily="34" charset="0"/>
-            </a:endParaRPr>
-          </a:p>
-          <a:p>
-            <a:pPr marL="0" indent="0">
-              <a:buNone/>
-            </a:pPr>
-            <a:r>
-              <a:rPr lang="en-US" sz="2000" dirty="0">
-                <a:latin typeface="Arial" panose="020B0604020202020204" pitchFamily="34" charset="0"/>
-                <a:cs typeface="Arial" panose="020B0604020202020204" pitchFamily="34" charset="0"/>
-              </a:rPr>
-              <a:t>Filter </a:t>
-            </a:r>
-            <a:r>
-              <a:rPr lang="en-US" sz="2000" dirty="0" err="1">
-                <a:latin typeface="Arial" panose="020B0604020202020204" pitchFamily="34" charset="0"/>
-                <a:cs typeface="Arial" panose="020B0604020202020204" pitchFamily="34" charset="0"/>
-              </a:rPr>
-              <a:t>nach</a:t>
-            </a:r>
-            <a:r>
-              <a:rPr lang="en-US" sz="2000" dirty="0">
-                <a:latin typeface="Arial" panose="020B0604020202020204" pitchFamily="34" charset="0"/>
-                <a:cs typeface="Arial" panose="020B0604020202020204" pitchFamily="34" charset="0"/>
-              </a:rPr>
-              <a:t> Datum + Modell</a:t>
-            </a:r>
-          </a:p>
-          <a:p>
-            <a:pPr marL="0" indent="0">
-              <a:buNone/>
-            </a:pPr>
-            <a:r>
-              <a:rPr lang="en-US" sz="2000" dirty="0">
-                <a:latin typeface="Arial" panose="020B0604020202020204" pitchFamily="34" charset="0"/>
-                <a:cs typeface="Arial" panose="020B0604020202020204" pitchFamily="34" charset="0"/>
-              </a:rPr>
-              <a:t>Status (Draft -&gt; Open -&gt; Done)</a:t>
-            </a:r>
-          </a:p>
-          <a:p>
-            <a:pPr marL="0" indent="0">
-              <a:buNone/>
-            </a:pPr>
-            <a:r>
-              <a:rPr lang="en-US" sz="2000" dirty="0">
-                <a:latin typeface="Arial" panose="020B0604020202020204" pitchFamily="34" charset="0"/>
-                <a:cs typeface="Arial" panose="020B0604020202020204" pitchFamily="34" charset="0"/>
-              </a:rPr>
-              <a:t>ZIP-</a:t>
-            </a:r>
-            <a:r>
-              <a:rPr lang="en-US" sz="2000" dirty="0" err="1">
-                <a:latin typeface="Arial" panose="020B0604020202020204" pitchFamily="34" charset="0"/>
-                <a:cs typeface="Arial" panose="020B0604020202020204" pitchFamily="34" charset="0"/>
-              </a:rPr>
-              <a:t>Erstellung</a:t>
-            </a:r>
-            <a:r>
-              <a:rPr lang="en-US" sz="2000" dirty="0">
-                <a:latin typeface="Arial" panose="020B0604020202020204" pitchFamily="34" charset="0"/>
-                <a:cs typeface="Arial" panose="020B0604020202020204" pitchFamily="34" charset="0"/>
-              </a:rPr>
-              <a:t> per Button</a:t>
-            </a:r>
-          </a:p>
-          <a:p>
-            <a:pPr marL="0" indent="0">
-              <a:buNone/>
-            </a:pPr>
-            <a:r>
-              <a:rPr lang="en-US" sz="2000" dirty="0" err="1">
-                <a:latin typeface="Arial" panose="020B0604020202020204" pitchFamily="34" charset="0"/>
-                <a:cs typeface="Arial" panose="020B0604020202020204" pitchFamily="34" charset="0"/>
-              </a:rPr>
-              <a:t>Speicherung</a:t>
-            </a:r>
-            <a:r>
-              <a:rPr lang="en-US" sz="2000" dirty="0">
-                <a:latin typeface="Arial" panose="020B0604020202020204" pitchFamily="34" charset="0"/>
-                <a:cs typeface="Arial" panose="020B0604020202020204" pitchFamily="34" charset="0"/>
-              </a:rPr>
-              <a:t> </a:t>
-            </a:r>
-            <a:r>
-              <a:rPr lang="en-US" sz="2000" dirty="0" err="1">
-                <a:latin typeface="Arial" panose="020B0604020202020204" pitchFamily="34" charset="0"/>
-                <a:cs typeface="Arial" panose="020B0604020202020204" pitchFamily="34" charset="0"/>
-              </a:rPr>
-              <a:t>im</a:t>
-            </a:r>
-            <a:r>
-              <a:rPr lang="en-US" sz="2000" dirty="0">
-                <a:latin typeface="Arial" panose="020B0604020202020204" pitchFamily="34" charset="0"/>
-                <a:cs typeface="Arial" panose="020B0604020202020204" pitchFamily="34" charset="0"/>
-              </a:rPr>
-              <a:t> DMS (</a:t>
-            </a:r>
-            <a:r>
-              <a:rPr lang="en-US" sz="2000" dirty="0" err="1">
-                <a:latin typeface="Arial" panose="020B0604020202020204" pitchFamily="34" charset="0"/>
-                <a:cs typeface="Arial" panose="020B0604020202020204" pitchFamily="34" charset="0"/>
-              </a:rPr>
-              <a:t>kein</a:t>
-            </a:r>
-            <a:r>
-              <a:rPr lang="en-US" sz="2000" dirty="0">
-                <a:latin typeface="Arial" panose="020B0604020202020204" pitchFamily="34" charset="0"/>
-                <a:cs typeface="Arial" panose="020B0604020202020204" pitchFamily="34" charset="0"/>
-              </a:rPr>
-              <a:t> </a:t>
-            </a:r>
-            <a:r>
-              <a:rPr lang="en-US" sz="2000" dirty="0" err="1">
-                <a:latin typeface="Arial" panose="020B0604020202020204" pitchFamily="34" charset="0"/>
-                <a:cs typeface="Arial" panose="020B0604020202020204" pitchFamily="34" charset="0"/>
-              </a:rPr>
-              <a:t>lokaler</a:t>
-            </a:r>
-            <a:r>
-              <a:rPr lang="en-US" sz="2000" dirty="0">
-                <a:latin typeface="Arial" panose="020B0604020202020204" pitchFamily="34" charset="0"/>
-                <a:cs typeface="Arial" panose="020B0604020202020204" pitchFamily="34" charset="0"/>
-              </a:rPr>
-              <a:t> Speicher </a:t>
-            </a:r>
-            <a:r>
-              <a:rPr lang="en-US" sz="2000" dirty="0" err="1">
-                <a:latin typeface="Arial" panose="020B0604020202020204" pitchFamily="34" charset="0"/>
-                <a:cs typeface="Arial" panose="020B0604020202020204" pitchFamily="34" charset="0"/>
-              </a:rPr>
-              <a:t>nötig</a:t>
-            </a:r>
-            <a:r>
-              <a:rPr lang="en-US" sz="2000" dirty="0">
-                <a:latin typeface="Arial" panose="020B0604020202020204" pitchFamily="34" charset="0"/>
-                <a:cs typeface="Arial" panose="020B0604020202020204" pitchFamily="34" charset="0"/>
-              </a:rPr>
-              <a:t>)</a:t>
-            </a:r>
-            <a:endParaRPr lang="en-DE" sz="2000" dirty="0">
-              <a:latin typeface="Arial" panose="020B0604020202020204" pitchFamily="34" charset="0"/>
-              <a:cs typeface="Arial" panose="020B0604020202020204" pitchFamily="34" charset="0"/>
-            </a:endParaRPr>
-          </a:p>
-        </p:txBody>
-      </p:sp>
-      <p:sp>
-        <p:nvSpPr>
-          <p:cNvPr id="9" name="Datumsplatzhalter 8">
-            <a:extLst>
-              <a:ext uri="{FF2B5EF4-FFF2-40B4-BE49-F238E27FC236}">
-                <a16:creationId xmlns:a16="http://schemas.microsoft.com/office/drawing/2014/main" id="{B609178F-2CF7-6D6A-62E0-92B2ABB3244D}"/>
-              </a:ext>
-            </a:extLst>
-          </p:cNvPr>
-          <p:cNvSpPr>
-            <a:spLocks noGrp="1"/>
-          </p:cNvSpPr>
-          <p:nvPr>
-            <p:ph type="dt" sz="half" idx="10"/>
-          </p:nvPr>
-        </p:nvSpPr>
-        <p:spPr/>
-        <p:txBody>
-          <a:bodyPr>
-            <a:normAutofit/>
-          </a:bodyPr>
-          <a:lstStyle/>
-          <a:p>
-            <a:pPr>
-              <a:spcAft>
-                <a:spcPts val="600"/>
-              </a:spcAft>
-            </a:pPr>
-            <a:r>
-              <a:rPr lang="en-US" dirty="0">
-                <a:solidFill>
-                  <a:schemeClr val="bg1">
-                    <a:lumMod val="50000"/>
-                  </a:schemeClr>
-                </a:solidFill>
-              </a:rPr>
-              <a:t>Mark Albers</a:t>
-            </a:r>
-          </a:p>
-        </p:txBody>
-      </p:sp>
-      <p:sp>
-        <p:nvSpPr>
-          <p:cNvPr id="7" name="Fußzeilenplatzhalter 6">
-            <a:extLst>
-              <a:ext uri="{FF2B5EF4-FFF2-40B4-BE49-F238E27FC236}">
-                <a16:creationId xmlns:a16="http://schemas.microsoft.com/office/drawing/2014/main" id="{53E08773-5E38-DA80-0F50-9899EAAC1E99}"/>
-              </a:ext>
-            </a:extLst>
-          </p:cNvPr>
-          <p:cNvSpPr>
-            <a:spLocks noGrp="1"/>
-          </p:cNvSpPr>
-          <p:nvPr>
-            <p:ph type="ftr" sz="quarter" idx="11"/>
-          </p:nvPr>
-        </p:nvSpPr>
-        <p:spPr>
-          <a:xfrm>
-            <a:off x="4074289" y="6357620"/>
-            <a:ext cx="4040373" cy="365125"/>
-          </a:xfrm>
-        </p:spPr>
-        <p:txBody>
-          <a:bodyPr>
-            <a:normAutofit/>
-          </a:bodyPr>
-          <a:lstStyle/>
-          <a:p>
-            <a:pPr algn="ctr">
-              <a:spcAft>
-                <a:spcPts val="600"/>
-              </a:spcAft>
-            </a:pPr>
-            <a:r>
-              <a:rPr lang="en-US" dirty="0">
-                <a:solidFill>
-                  <a:schemeClr val="bg1">
-                    <a:lumMod val="50000"/>
-                  </a:schemeClr>
-                </a:solidFill>
-              </a:rPr>
-              <a:t>2025 </a:t>
-            </a:r>
-            <a:r>
-              <a:rPr lang="en-US" dirty="0" err="1">
-                <a:solidFill>
-                  <a:schemeClr val="bg1">
-                    <a:lumMod val="50000"/>
-                  </a:schemeClr>
-                </a:solidFill>
-              </a:rPr>
-              <a:t>Sirum</a:t>
-            </a:r>
-            <a:r>
-              <a:rPr lang="en-US" dirty="0">
-                <a:solidFill>
-                  <a:schemeClr val="bg1">
-                    <a:lumMod val="50000"/>
-                  </a:schemeClr>
-                </a:solidFill>
-              </a:rPr>
-              <a:t> GmbH</a:t>
-            </a:r>
-          </a:p>
-        </p:txBody>
-      </p:sp>
-      <p:sp>
-        <p:nvSpPr>
-          <p:cNvPr id="8" name="Foliennummernplatzhalter 7">
-            <a:extLst>
-              <a:ext uri="{FF2B5EF4-FFF2-40B4-BE49-F238E27FC236}">
-                <a16:creationId xmlns:a16="http://schemas.microsoft.com/office/drawing/2014/main" id="{CB4BE3C1-7E13-7EE2-0054-9AE11DECD54F}"/>
-              </a:ext>
-            </a:extLst>
-          </p:cNvPr>
-          <p:cNvSpPr>
-            <a:spLocks noGrp="1"/>
-          </p:cNvSpPr>
-          <p:nvPr>
-            <p:ph type="sldNum" sz="quarter" idx="12"/>
-          </p:nvPr>
-        </p:nvSpPr>
-        <p:spPr/>
-        <p:txBody>
-          <a:bodyPr>
-            <a:normAutofit/>
-          </a:bodyPr>
-          <a:lstStyle/>
-          <a:p>
-            <a:pPr>
-              <a:spcAft>
-                <a:spcPts val="600"/>
-              </a:spcAft>
-            </a:pPr>
-            <a:fld id="{70C12960-6E85-460F-B6E3-5B82CB31AF3D}" type="slidenum">
-              <a:rPr lang="en-US" smtClean="0">
-                <a:solidFill>
-                  <a:schemeClr val="bg1">
-                    <a:lumMod val="50000"/>
-                  </a:schemeClr>
-                </a:solidFill>
-              </a:rPr>
-              <a:pPr>
-                <a:spcAft>
-                  <a:spcPts val="600"/>
-                </a:spcAft>
-              </a:pPr>
-              <a:t>6</a:t>
-            </a:fld>
-            <a:endParaRPr lang="en-US" dirty="0">
-              <a:solidFill>
-                <a:schemeClr val="bg1">
-                  <a:lumMod val="50000"/>
-                </a:schemeClr>
-              </a:solidFill>
-            </a:endParaRPr>
-          </a:p>
-        </p:txBody>
-      </p:sp>
-      <p:cxnSp>
-        <p:nvCxnSpPr>
-          <p:cNvPr id="11" name="Gerader Verbinder 10">
-            <a:extLst>
-              <a:ext uri="{FF2B5EF4-FFF2-40B4-BE49-F238E27FC236}">
-                <a16:creationId xmlns:a16="http://schemas.microsoft.com/office/drawing/2014/main" id="{991FC67D-826D-623D-4676-97E9C903325E}"/>
-              </a:ext>
-            </a:extLst>
-          </p:cNvPr>
-          <p:cNvCxnSpPr>
-            <a:cxnSpLocks/>
-          </p:cNvCxnSpPr>
-          <p:nvPr/>
-        </p:nvCxnSpPr>
-        <p:spPr>
-          <a:xfrm>
-            <a:off x="838200" y="822960"/>
-            <a:ext cx="0" cy="810895"/>
-          </a:xfrm>
-          <a:prstGeom prst="line">
-            <a:avLst/>
-          </a:prstGeom>
-          <a:ln>
-            <a:solidFill>
-              <a:schemeClr val="accent4">
-                <a:lumMod val="40000"/>
-                <a:lumOff val="60000"/>
-              </a:schemeClr>
-            </a:solidFill>
-          </a:ln>
-        </p:spPr>
-        <p:style>
-          <a:lnRef idx="2">
-            <a:schemeClr val="dk1"/>
-          </a:lnRef>
-          <a:fillRef idx="0">
-            <a:schemeClr val="dk1"/>
-          </a:fillRef>
-          <a:effectRef idx="1">
-            <a:schemeClr val="dk1"/>
-          </a:effectRef>
-          <a:fontRef idx="minor">
-            <a:schemeClr val="tx1"/>
-          </a:fontRef>
-        </p:style>
-      </p:cxnSp>
-      <p:pic>
-        <p:nvPicPr>
-          <p:cNvPr id="15" name="Grafik 14" descr="Ein Bild, das Farbigkeit, Grafiken, Design enthält.">
-            <a:extLst>
-              <a:ext uri="{FF2B5EF4-FFF2-40B4-BE49-F238E27FC236}">
-                <a16:creationId xmlns:a16="http://schemas.microsoft.com/office/drawing/2014/main" id="{D5847712-2BDD-60DF-F9B0-61DE0CFC90ED}"/>
-              </a:ext>
-            </a:extLst>
-          </p:cNvPr>
-          <p:cNvPicPr>
-            <a:picLocks noChangeAspect="1"/>
-          </p:cNvPicPr>
-          <p:nvPr/>
-        </p:nvPicPr>
-        <p:blipFill>
-          <a:blip r:embed="rId2">
-            <a:extLst>
-              <a:ext uri="{28A0092B-C50C-407E-A947-70E740481C1C}">
-                <a14:useLocalDpi xmlns:a14="http://schemas.microsoft.com/office/drawing/2010/main" val="0"/>
-              </a:ext>
-            </a:extLst>
-          </a:blip>
-          <a:stretch>
-            <a:fillRect/>
-          </a:stretch>
-        </p:blipFill>
-        <p:spPr>
-          <a:xfrm>
-            <a:off x="10360829" y="136525"/>
-            <a:ext cx="1617345" cy="634428"/>
-          </a:xfrm>
-          <a:prstGeom prst="rect">
-            <a:avLst/>
-          </a:prstGeom>
-        </p:spPr>
-      </p:pic>
-    </p:spTree>
-    <p:extLst>
-      <p:ext uri="{BB962C8B-B14F-4D97-AF65-F5344CB8AC3E}">
-        <p14:creationId xmlns:p14="http://schemas.microsoft.com/office/powerpoint/2010/main" val="2592849330"/>
-      </p:ext>
-    </p:extLst>
-  </p:cSld>
-  <p:clrMapOvr>
-    <a:masterClrMapping/>
-  </p:clrMapOvr>
 </p:sld>
 </file>
 
@@ -18096,32 +19481,21 @@
           </a:bodyPr>
           <a:lstStyle/>
           <a:p>
-            <a:pPr marL="0" indent="0">
-              <a:buNone/>
-            </a:pPr>
             <a:r>
               <a:rPr lang="en-US" sz="2000" dirty="0">
                 <a:latin typeface="Arial" panose="020B0604020202020204" pitchFamily="34" charset="0"/>
                 <a:cs typeface="Arial" panose="020B0604020202020204" pitchFamily="34" charset="0"/>
               </a:rPr>
-              <a:t>Unit-Tests </a:t>
-            </a:r>
-            <a:r>
-              <a:rPr lang="en-US" sz="2000" dirty="0" err="1">
-                <a:latin typeface="Arial" panose="020B0604020202020204" pitchFamily="34" charset="0"/>
-                <a:cs typeface="Arial" panose="020B0604020202020204" pitchFamily="34" charset="0"/>
-              </a:rPr>
-              <a:t>vorhanden</a:t>
-            </a:r>
+              <a:t>Unit-Tests</a:t>
+            </a:r>
+          </a:p>
+          <a:p>
             <a:endParaRPr lang="en-US" sz="2000" dirty="0">
               <a:latin typeface="Arial" panose="020B0604020202020204" pitchFamily="34" charset="0"/>
               <a:cs typeface="Arial" panose="020B0604020202020204" pitchFamily="34" charset="0"/>
             </a:endParaRPr>
           </a:p>
           <a:p>
-            <a:pPr marL="0" indent="0">
-              <a:buNone/>
-            </a:pPr>
             <a:r>
               <a:rPr lang="en-US" sz="2000" dirty="0">
                 <a:latin typeface="Arial" panose="020B0604020202020204" pitchFamily="34" charset="0"/>
@@ -18145,59 +19519,48 @@
             </a:r>
           </a:p>
           <a:p>
-            <a:pPr marL="0" indent="0">
-              <a:buNone/>
-            </a:pPr>
-            <a:r>
-              <a:rPr lang="en-US" sz="2000" dirty="0">
-                <a:latin typeface="Arial" panose="020B0604020202020204" pitchFamily="34" charset="0"/>
-                <a:cs typeface="Arial" panose="020B0604020202020204" pitchFamily="34" charset="0"/>
-              </a:rPr>
-              <a:t>Merge erst </a:t>
-            </a:r>
-            <a:r>
-              <a:rPr lang="en-US" sz="2000" dirty="0" err="1">
-                <a:latin typeface="Arial" panose="020B0604020202020204" pitchFamily="34" charset="0"/>
-                <a:cs typeface="Arial" panose="020B0604020202020204" pitchFamily="34" charset="0"/>
-              </a:rPr>
-              <a:t>nach</a:t>
-            </a:r>
-            <a:r>
-              <a:rPr lang="en-US" sz="2000" dirty="0">
-                <a:latin typeface="Arial" panose="020B0604020202020204" pitchFamily="34" charset="0"/>
-                <a:cs typeface="Arial" panose="020B0604020202020204" pitchFamily="34" charset="0"/>
-              </a:rPr>
-              <a:t> Review </a:t>
-            </a:r>
-            <a:r>
-              <a:rPr lang="en-US" sz="2000" dirty="0" err="1">
-                <a:latin typeface="Arial" panose="020B0604020202020204" pitchFamily="34" charset="0"/>
-                <a:cs typeface="Arial" panose="020B0604020202020204" pitchFamily="34" charset="0"/>
-              </a:rPr>
-              <a:t>möglich</a:t>
-            </a:r>
             <a:endParaRPr lang="en-US" sz="2000" dirty="0">
               <a:latin typeface="Arial" panose="020B0604020202020204" pitchFamily="34" charset="0"/>
               <a:cs typeface="Arial" panose="020B0604020202020204" pitchFamily="34" charset="0"/>
             </a:endParaRPr>
           </a:p>
           <a:p>
+            <a:r>
+              <a:rPr lang="en-US" sz="2000" dirty="0">
+                <a:latin typeface="Arial" panose="020B0604020202020204" pitchFamily="34" charset="0"/>
+                <a:cs typeface="Arial" panose="020B0604020202020204" pitchFamily="34" charset="0"/>
+              </a:rPr>
+              <a:t>Merge erst </a:t>
+            </a:r>
+            <a:r>
+              <a:rPr lang="en-US" sz="2000" dirty="0" err="1">
+                <a:latin typeface="Arial" panose="020B0604020202020204" pitchFamily="34" charset="0"/>
+                <a:cs typeface="Arial" panose="020B0604020202020204" pitchFamily="34" charset="0"/>
+              </a:rPr>
+              <a:t>nach</a:t>
+            </a:r>
+            <a:r>
+              <a:rPr lang="en-US" sz="2000" dirty="0">
+                <a:latin typeface="Arial" panose="020B0604020202020204" pitchFamily="34" charset="0"/>
+                <a:cs typeface="Arial" panose="020B0604020202020204" pitchFamily="34" charset="0"/>
+              </a:rPr>
+              <a:t> Review</a:t>
+            </a:r>
+          </a:p>
+          <a:p>
             <a:pPr marL="0" indent="0">
               <a:buNone/>
             </a:pPr>
-            <a:r>
-              <a:rPr lang="de-DE" sz="2000" dirty="0">
-                <a:latin typeface="Arial" panose="020B0604020202020204" pitchFamily="34" charset="0"/>
-                <a:cs typeface="Arial" panose="020B0604020202020204" pitchFamily="34" charset="0"/>
-              </a:rPr>
-              <a:t>Fehler frühzeitig erkannt, hohe Codequalität durch automatisierte Tests</a:t>
-            </a:r>
+            <a:endParaRPr lang="en-US" sz="2000" dirty="0">
+              <a:latin typeface="Arial" panose="020B0604020202020204" pitchFamily="34" charset="0"/>
+              <a:cs typeface="Arial" panose="020B0604020202020204" pitchFamily="34" charset="0"/>
+            </a:endParaRPr>
           </a:p>
           <a:p>
             <a:pPr marL="0" indent="0">
               <a:buNone/>
             </a:pPr>
-            <a:endParaRPr lang="de-DE" sz="2000" dirty="0">
+            <a:endParaRPr lang="en-US" sz="2000" dirty="0">
               <a:latin typeface="Arial" panose="020B0604020202020204" pitchFamily="34" charset="0"/>
               <a:cs typeface="Arial" panose="020B0604020202020204" pitchFamily="34" charset="0"/>
             </a:endParaRPr>
@@ -18206,7 +19569,7 @@
             <a:pPr marL="0" indent="0">
               <a:buNone/>
             </a:pPr>
-            <a:endParaRPr lang="de-DE" sz="2000" dirty="0">
+            <a:endParaRPr lang="en-US" sz="2000" dirty="0">
               <a:latin typeface="Arial" panose="020B0604020202020204" pitchFamily="34" charset="0"/>
               <a:cs typeface="Arial" panose="020B0604020202020204" pitchFamily="34" charset="0"/>
             </a:endParaRPr>
@@ -18217,40 +19580,73 @@
             </a:pPr>
             <a:r>
               <a:rPr lang="de-DE" sz="2000" dirty="0">
+                <a:solidFill>
+                  <a:srgbClr val="FF0000"/>
+                </a:solidFill>
                 <a:latin typeface="Arial" panose="020B0604020202020204" pitchFamily="34" charset="0"/>
                 <a:cs typeface="Arial" panose="020B0604020202020204" pitchFamily="34" charset="0"/>
               </a:rPr>
-              <a:t>Damit sie keine </a:t>
-            </a:r>
-            <a:r>
-              <a:rPr lang="de-DE" sz="2000" dirty="0" err="1">
+              <a:t>Fehler frühzeitig erkannt, hohe Codequalität durch automatisierte Tests</a:t>
+            </a:r>
+          </a:p>
+          <a:p>
+            <a:pPr marL="0" indent="0">
+              <a:buNone/>
+            </a:pPr>
+            <a:r>
+              <a:rPr lang="de-DE" sz="2000" dirty="0">
+                <a:solidFill>
+                  <a:srgbClr val="FF0000"/>
+                </a:solidFill>
                 <a:latin typeface="Arial" panose="020B0604020202020204" pitchFamily="34" charset="0"/>
                 <a:cs typeface="Arial" panose="020B0604020202020204" pitchFamily="34" charset="0"/>
               </a:rPr>
-              <a:t>schwierigkeiten</a:t>
-            </a:r>
-            <a:r>
-              <a:rPr lang="de-DE" sz="2000" dirty="0">
+              <a:t>Damit sie keine </a:t>
+            </a:r>
+            <a:r>
+              <a:rPr lang="de-DE" sz="2000" dirty="0" err="1">
+                <a:solidFill>
+                  <a:srgbClr val="FF0000"/>
+                </a:solidFill>
                 <a:latin typeface="Arial" panose="020B0604020202020204" pitchFamily="34" charset="0"/>
                 <a:cs typeface="Arial" panose="020B0604020202020204" pitchFamily="34" charset="0"/>
               </a:rPr>
-              <a:t> haben, haben wir das ausführlich getestet. (</a:t>
-            </a:r>
-            <a:r>
-              <a:rPr lang="de-DE" sz="2000" dirty="0" err="1">
+              <a:t>schwierigkeiten</a:t>
+            </a:r>
+            <a:r>
+              <a:rPr lang="de-DE" sz="2000" dirty="0">
+                <a:solidFill>
+                  <a:srgbClr val="FF0000"/>
+                </a:solidFill>
                 <a:latin typeface="Arial" panose="020B0604020202020204" pitchFamily="34" charset="0"/>
                 <a:cs typeface="Arial" panose="020B0604020202020204" pitchFamily="34" charset="0"/>
               </a:rPr>
-              <a:t>Example</a:t>
-            </a:r>
-            <a:r>
-              <a:rPr lang="de-DE" sz="2000" dirty="0">
+              <a:t> haben, haben wir das ausführlich getestet. (</a:t>
+            </a:r>
+            <a:r>
+              <a:rPr lang="de-DE" sz="2000" dirty="0" err="1">
+                <a:solidFill>
+                  <a:srgbClr val="FF0000"/>
+                </a:solidFill>
                 <a:latin typeface="Arial" panose="020B0604020202020204" pitchFamily="34" charset="0"/>
                 <a:cs typeface="Arial" panose="020B0604020202020204" pitchFamily="34" charset="0"/>
               </a:rPr>
+              <a:t>Example</a:t>
+            </a:r>
+            <a:r>
+              <a:rPr lang="de-DE" sz="2000" dirty="0">
+                <a:solidFill>
+                  <a:srgbClr val="FF0000"/>
+                </a:solidFill>
+                <a:latin typeface="Arial" panose="020B0604020202020204" pitchFamily="34" charset="0"/>
+                <a:cs typeface="Arial" panose="020B0604020202020204" pitchFamily="34" charset="0"/>
+              </a:rPr>
               <a:t>)</a:t>
             </a:r>
             <a:endParaRPr lang="en-US" sz="2000" dirty="0">
+              <a:solidFill>
+                <a:srgbClr val="FF0000"/>
+              </a:solidFill>
               <a:latin typeface="Arial" panose="020B0604020202020204" pitchFamily="34" charset="0"/>
               <a:cs typeface="Arial" panose="020B0604020202020204" pitchFamily="34" charset="0"/>
             </a:endParaRPr>
@@ -18509,6 +19905,219 @@
   <p:clrMapOvr>
     <a:masterClrMapping/>
   </p:clrMapOvr>
+  <p:timing>
+    <p:tnLst>
+      <p:par>
+        <p:cTn id="1" dur="indefinite" restart="never" nodeType="tmRoot">
+          <p:childTnLst>
+            <p:seq concurrent="1" nextAc="seek">
+              <p:cTn id="2" dur="indefinite" nodeType="mainSeq">
+                <p:childTnLst>
+                  <p:par>
+                    <p:cTn id="3" fill="hold">
+                      <p:stCondLst>
+                        <p:cond delay="indefinite"/>
+                      </p:stCondLst>
+                      <p:childTnLst>
+                        <p:par>
+                          <p:cTn id="4" fill="hold">
+                            <p:stCondLst>
+                              <p:cond delay="0"/>
+                            </p:stCondLst>
+                            <p:childTnLst>
+                              <p:par>
+                                <p:cTn id="5" presetID="10" presetClass="entr" presetSubtype="0" fill="hold" nodeType="clickEffect">
+                                  <p:stCondLst>
+                                    <p:cond delay="0"/>
+                                  </p:stCondLst>
+                                  <p:childTnLst>
+                                    <p:set>
+                                      <p:cBhvr>
+                                        <p:cTn id="6" dur="1" fill="hold">
+                                          <p:stCondLst>
+                                            <p:cond delay="0"/>
+                                          </p:stCondLst>
+                                        </p:cTn>
+                                        <p:tgtEl>
+                                          <p:spTgt spid="3">
+                                            <p:txEl>
+                                              <p:pRg st="0" end="0"/>
+                                            </p:txEl>
+                                          </p:spTgt>
+                                        </p:tgtEl>
+                                        <p:attrNameLst>
+                                          <p:attrName>style.visibility</p:attrName>
+                                        </p:attrNameLst>
+                                      </p:cBhvr>
+                                      <p:to>
+                                        <p:strVal val="visible"/>
+                                      </p:to>
+                                    </p:set>
+                                    <p:animEffect transition="in" filter="fade">
+                                      <p:cBhvr>
+                                        <p:cTn id="7" dur="500"/>
+                                        <p:tgtEl>
+                                          <p:spTgt spid="3">
+                                            <p:txEl>
+                                              <p:pRg st="0" end="0"/>
+                                            </p:txEl>
+                                          </p:spTgt>
+                                        </p:tgtEl>
+                                      </p:cBhvr>
+                                    </p:animEffect>
+                                  </p:childTnLst>
+                                </p:cTn>
+                              </p:par>
+                            </p:childTnLst>
+                          </p:cTn>
+                        </p:par>
+                      </p:childTnLst>
+                    </p:cTn>
+                  </p:par>
+                  <p:par>
+                    <p:cTn id="8" fill="hold">
+                      <p:stCondLst>
+                        <p:cond delay="indefinite"/>
+                      </p:stCondLst>
+                      <p:childTnLst>
+                        <p:par>
+                          <p:cTn id="9" fill="hold">
+                            <p:stCondLst>
+                              <p:cond delay="0"/>
+                            </p:stCondLst>
+                            <p:childTnLst>
+                              <p:par>
+                                <p:cTn id="10" presetID="10" presetClass="entr" presetSubtype="0" fill="hold" nodeType="clickEffect">
+                                  <p:stCondLst>
+                                    <p:cond delay="0"/>
+                                  </p:stCondLst>
+                                  <p:childTnLst>
+                                    <p:set>
+                                      <p:cBhvr>
+                                        <p:cTn id="11" dur="1" fill="hold">
+                                          <p:stCondLst>
+                                            <p:cond delay="0"/>
+                                          </p:stCondLst>
+                                        </p:cTn>
+                                        <p:tgtEl>
+                                          <p:spTgt spid="3">
+                                            <p:txEl>
+                                              <p:pRg st="2" end="2"/>
+                                            </p:txEl>
+                                          </p:spTgt>
+                                        </p:tgtEl>
+                                        <p:attrNameLst>
+                                          <p:attrName>style.visibility</p:attrName>
+                                        </p:attrNameLst>
+                                      </p:cBhvr>
+                                      <p:to>
+                                        <p:strVal val="visible"/>
+                                      </p:to>
+                                    </p:set>
+                                    <p:animEffect transition="in" filter="fade">
+                                      <p:cBhvr>
+                                        <p:cTn id="12" dur="500"/>
+                                        <p:tgtEl>
+                                          <p:spTgt spid="3">
+                                            <p:txEl>
+                                              <p:pRg st="2" end="2"/>
+                                            </p:txEl>
+                                          </p:spTgt>
+                                        </p:tgtEl>
+                                      </p:cBhvr>
+                                    </p:animEffect>
+                                  </p:childTnLst>
+                                </p:cTn>
+                              </p:par>
+                            </p:childTnLst>
+                          </p:cTn>
+                        </p:par>
+                      </p:childTnLst>
+                    </p:cTn>
+                  </p:par>
+                  <p:par>
+                    <p:cTn id="13" fill="hold">
+                      <p:stCondLst>
+                        <p:cond delay="indefinite"/>
+                      </p:stCondLst>
+                      <p:childTnLst>
+                        <p:par>
+                          <p:cTn id="14" fill="hold">
+                            <p:stCondLst>
+                              <p:cond delay="0"/>
+                            </p:stCondLst>
+                            <p:childTnLst>
+                              <p:par>
+                                <p:cTn id="15" presetID="10" presetClass="entr" presetSubtype="0" fill="hold" nodeType="clickEffect">
+                                  <p:stCondLst>
+                                    <p:cond delay="0"/>
+                                  </p:stCondLst>
+                                  <p:childTnLst>
+                                    <p:set>
+                                      <p:cBhvr>
+                                        <p:cTn id="16" dur="1" fill="hold">
+                                          <p:stCondLst>
+                                            <p:cond delay="0"/>
+                                          </p:stCondLst>
+                                        </p:cTn>
+                                        <p:tgtEl>
+                                          <p:spTgt spid="3">
+                                            <p:txEl>
+                                              <p:pRg st="4" end="4"/>
+                                            </p:txEl>
+                                          </p:spTgt>
+                                        </p:tgtEl>
+                                        <p:attrNameLst>
+                                          <p:attrName>style.visibility</p:attrName>
+                                        </p:attrNameLst>
+                                      </p:cBhvr>
+                                      <p:to>
+                                        <p:strVal val="visible"/>
+                                      </p:to>
+                                    </p:set>
+                                    <p:animEffect transition="in" filter="fade">
+                                      <p:cBhvr>
+                                        <p:cTn id="17" dur="500"/>
+                                        <p:tgtEl>
+                                          <p:spTgt spid="3">
+                                            <p:txEl>
+                                              <p:pRg st="4" end="4"/>
+                                            </p:txEl>
+                                          </p:spTgt>
+                                        </p:tgtEl>
+                                      </p:cBhvr>
+                                    </p:animEffect>
+                                  </p:childTnLst>
+                                </p:cTn>
+                              </p:par>
+                            </p:childTnLst>
+                          </p:cTn>
+                        </p:par>
+                      </p:childTnLst>
+                    </p:cTn>
+                  </p:par>
+                </p:childTnLst>
+              </p:cTn>
+              <p:prevCondLst>
+                <p:cond evt="onPrev" delay="0">
+                  <p:tgtEl>
+                    <p:sldTgt/>
+                  </p:tgtEl>
+                </p:cond>
+              </p:prevCondLst>
+              <p:nextCondLst>
+                <p:cond evt="onNext" delay="0">
+                  <p:tgtEl>
+                    <p:sldTgt/>
+                  </p:tgtEl>
+                </p:cond>
+              </p:nextCondLst>
+            </p:seq>
+          </p:childTnLst>
+        </p:cTn>
+      </p:par>
+    </p:tnLst>
+  </p:timing>
 </p:sld>
 </file>
 
@@ -18851,14 +20460,14 @@
               <p:nvPr>
                 <p:extLst>
                   <p:ext uri="{D42A27DB-BD31-4B8C-83A1-F6EECF244321}">
-                    <p14:modId xmlns:p14="http://schemas.microsoft.com/office/powerpoint/2010/main" val="1566639826"/>
+                    <p14:modId xmlns:p14="http://schemas.microsoft.com/office/powerpoint/2010/main" val="2229128978"/>
                   </p:ext>
                 </p:extLst>
               </p:nvPr>
             </p:nvGraphicFramePr>
             <p:xfrm>
-              <a:off x="3033139" y="2687317"/>
-              <a:ext cx="6087621" cy="1483360"/>
+              <a:off x="2205990" y="2308860"/>
+              <a:ext cx="7780019" cy="1889760"/>
             </p:xfrm>
             <a:graphic>
               <a:graphicData uri="http://schemas.openxmlformats.org/drawingml/2006/table">
@@ -18867,7 +20476,7 @@
                     <a:tableStyleId>{5C22544A-7EE6-4342-B048-85BDC9FD1C3A}</a:tableStyleId>
                   </a:tblPr>
                   <a:tblGrid>
-                    <a:gridCol w="6087621">
+                    <a:gridCol w="7780019">
                       <a:extLst>
                         <a:ext uri="{9D8B030D-6E8A-4147-A177-3AD203B41FA5}">
                           <a16:colId xmlns:a16="http://schemas.microsoft.com/office/drawing/2014/main" val="2182090040"/>
@@ -18875,7 +20484,7 @@
                       </a:extLst>
                     </a:gridCol>
                   </a:tblGrid>
-                  <a:tr h="370840">
+                  <a:tr h="472440">
                     <a:tc>
                       <a:txBody>
                         <a:bodyPr/>
@@ -18883,46 +20492,71 @@
                         <a:p>
                           <a:pPr algn="ctr"/>
                           <a:r>
+                            <a:rPr lang="en-US" sz="1600" b="1" dirty="0" err="1">
+                              <a:solidFill>
+                                <a:schemeClr val="tx1"/>
+                              </a:solidFill>
+                              <a:latin typeface="Arial" panose="020B0604020202020204" pitchFamily="34" charset="0"/>
+                              <a:cs typeface="Arial" panose="020B0604020202020204" pitchFamily="34" charset="0"/>
+                            </a:rPr>
+                            <a:t>Zeitaufwand</a:t>
+                          </a:r>
+                          <a:r>
                             <a:rPr lang="en-US" sz="1600" b="1" dirty="0">
                               <a:solidFill>
                                 <a:schemeClr val="tx1"/>
                               </a:solidFill>
-                              <a:latin typeface="+mn-lt"/>
+                              <a:latin typeface="Arial" panose="020B0604020202020204" pitchFamily="34" charset="0"/>
+                              <a:cs typeface="Arial" panose="020B0604020202020204" pitchFamily="34" charset="0"/>
                             </a:rPr>
-                            <a:t>V = </a:t>
+                            <a:t> für </a:t>
                           </a:r>
                           <a:r>
                             <a:rPr lang="en-US" sz="1600" b="1" dirty="0" err="1">
                               <a:solidFill>
                                 <a:schemeClr val="tx1"/>
                               </a:solidFill>
-                              <a:latin typeface="+mn-lt"/>
+                              <a:latin typeface="Arial" panose="020B0604020202020204" pitchFamily="34" charset="0"/>
+                              <a:cs typeface="Arial" panose="020B0604020202020204" pitchFamily="34" charset="0"/>
                             </a:rPr>
-                            <a:t>Vorgang</a:t>
+                            <a:t>Dokumentenexport</a:t>
                           </a:r>
                           <a:r>
                             <a:rPr lang="en-US" sz="1600" b="1" dirty="0">
                               <a:solidFill>
                                 <a:schemeClr val="tx1"/>
                               </a:solidFill>
-                              <a:latin typeface="+mn-lt"/>
+                              <a:latin typeface="Arial" panose="020B0604020202020204" pitchFamily="34" charset="0"/>
+                              <a:cs typeface="Arial" panose="020B0604020202020204" pitchFamily="34" charset="0"/>
                             </a:rPr>
-                            <a:t>, M = Minute, T = Tage, Mo = Monat, Std = </a:t>
+                            <a:t> (</a:t>
                           </a:r>
                           <a:r>
                             <a:rPr lang="en-US" sz="1600" b="1" dirty="0" err="1">
                               <a:solidFill>
                                 <a:schemeClr val="tx1"/>
                               </a:solidFill>
-                              <a:latin typeface="+mn-lt"/>
+                              <a:latin typeface="Arial" panose="020B0604020202020204" pitchFamily="34" charset="0"/>
+                              <a:cs typeface="Arial" panose="020B0604020202020204" pitchFamily="34" charset="0"/>
                             </a:rPr>
-                            <a:t>Stunde</a:t>
+                            <a:t>Beispielrechnung</a:t>
+                          </a:r>
+                          <a:r>
+                            <a:rPr lang="en-US" sz="1600" b="1" dirty="0">
+                              <a:solidFill>
+                                <a:schemeClr val="tx1"/>
+                              </a:solidFill>
+                              <a:latin typeface="Arial" panose="020B0604020202020204" pitchFamily="34" charset="0"/>
+                              <a:cs typeface="Arial" panose="020B0604020202020204" pitchFamily="34" charset="0"/>
+                            </a:rPr>
+                            <a:t>)</a:t>
                           </a:r>
                           <a:endParaRPr lang="en-DE" sz="1600" b="1" dirty="0">
                             <a:solidFill>
                               <a:schemeClr val="tx1"/>
                             </a:solidFill>
-                            <a:latin typeface="+mn-lt"/>
+                            <a:latin typeface="Arial" panose="020B0604020202020204" pitchFamily="34" charset="0"/>
+                            <a:cs typeface="Arial" panose="020B0604020202020204" pitchFamily="34" charset="0"/>
                           </a:endParaRPr>
                         </a:p>
                       </a:txBody>
@@ -18972,9 +20606,9 @@
                           <a:prstDash val="solid"/>
                         </a:lnBlToTr>
                         <a:solidFill>
-                          <a:schemeClr val="accent1">
-                            <a:lumMod val="60000"/>
-                            <a:lumOff val="40000"/>
+                          <a:schemeClr val="tx2">
+                            <a:lumMod val="50000"/>
+                            <a:lumOff val="50000"/>
                           </a:schemeClr>
                         </a:solidFill>
                       </a:tcPr>
@@ -18985,7 +20619,7 @@
                       </a:ext>
                     </a:extLst>
                   </a:tr>
-                  <a:tr h="370840">
+                  <a:tr h="472440">
                     <a:tc>
                       <a:txBody>
                         <a:bodyPr/>
@@ -19257,7 +20891,8 @@
                             <a:solidFill>
                               <a:schemeClr val="tx1"/>
                             </a:solidFill>
-                            <a:latin typeface="+mn-lt"/>
+                            <a:latin typeface="Arial" panose="020B0604020202020204" pitchFamily="34" charset="0"/>
+                            <a:cs typeface="Arial" panose="020B0604020202020204" pitchFamily="34" charset="0"/>
                           </a:endParaRPr>
                         </a:p>
                       </a:txBody>
@@ -19317,7 +20952,7 @@
                       </a:ext>
                     </a:extLst>
                   </a:tr>
-                  <a:tr h="370840">
+                  <a:tr h="472440">
                     <a:tc>
                       <a:txBody>
                         <a:bodyPr/>
@@ -19587,7 +21222,8 @@
                             <a:solidFill>
                               <a:schemeClr val="tx1"/>
                             </a:solidFill>
-                            <a:latin typeface="+mn-lt"/>
+                            <a:latin typeface="Arial" panose="020B0604020202020204" pitchFamily="34" charset="0"/>
+                            <a:cs typeface="Arial" panose="020B0604020202020204" pitchFamily="34" charset="0"/>
                           </a:endParaRPr>
                         </a:p>
                       </a:txBody>
@@ -19649,7 +21285,7 @@
                       </a:ext>
                     </a:extLst>
                   </a:tr>
-                  <a:tr h="370840">
+                  <a:tr h="472440">
                     <a:tc>
                       <a:txBody>
                         <a:bodyPr/>
@@ -19677,7 +21313,8 @@
                               <a:solidFill>
                                 <a:schemeClr val="bg1"/>
                               </a:solidFill>
-                              <a:latin typeface="+mn-lt"/>
+                              <a:latin typeface="Arial" panose="020B0604020202020204" pitchFamily="34" charset="0"/>
+                              <a:cs typeface="Arial" panose="020B0604020202020204" pitchFamily="34" charset="0"/>
                             </a:rPr>
                             <a:t>Einsparung: ca. </a:t>
                           </a:r>
@@ -19686,7 +21323,8 @@
                               <a:solidFill>
                                 <a:schemeClr val="bg1"/>
                               </a:solidFill>
-                              <a:latin typeface="+mn-lt"/>
+                              <a:latin typeface="Arial" panose="020B0604020202020204" pitchFamily="34" charset="0"/>
+                              <a:cs typeface="Arial" panose="020B0604020202020204" pitchFamily="34" charset="0"/>
                             </a:rPr>
                             <a:t>18 Stunden</a:t>
                           </a:r>
@@ -19695,7 +21333,8 @@
                               <a:solidFill>
                                 <a:schemeClr val="bg1"/>
                               </a:solidFill>
-                              <a:latin typeface="+mn-lt"/>
+                              <a:latin typeface="Arial" panose="020B0604020202020204" pitchFamily="34" charset="0"/>
+                              <a:cs typeface="Arial" panose="020B0604020202020204" pitchFamily="34" charset="0"/>
                             </a:rPr>
                             <a:t> </a:t>
                           </a:r>
@@ -19704,7 +21343,8 @@
                               <a:solidFill>
                                 <a:schemeClr val="bg1"/>
                               </a:solidFill>
-                              <a:latin typeface="+mn-lt"/>
+                              <a:latin typeface="Arial" panose="020B0604020202020204" pitchFamily="34" charset="0"/>
+                              <a:cs typeface="Arial" panose="020B0604020202020204" pitchFamily="34" charset="0"/>
                             </a:rPr>
                             <a:t>Arbeitszeit pro Monat</a:t>
                           </a:r>
@@ -19712,7 +21352,8 @@
                             <a:solidFill>
                               <a:schemeClr val="bg1"/>
                             </a:solidFill>
-                            <a:latin typeface="+mn-lt"/>
+                            <a:latin typeface="Arial" panose="020B0604020202020204" pitchFamily="34" charset="0"/>
+                            <a:cs typeface="Arial" panose="020B0604020202020204" pitchFamily="34" charset="0"/>
                           </a:endParaRPr>
                         </a:p>
                       </a:txBody>
@@ -19762,9 +21403,7 @@
                           <a:prstDash val="solid"/>
                         </a:lnBlToTr>
                         <a:solidFill>
-                          <a:schemeClr val="accent5">
-                            <a:lumMod val="75000"/>
-                          </a:schemeClr>
+                          <a:srgbClr val="FF0000"/>
                         </a:solidFill>
                       </a:tcPr>
                     </a:tc>
@@ -19795,14 +21434,14 @@
               <p:nvPr>
                 <p:extLst>
                   <p:ext uri="{D42A27DB-BD31-4B8C-83A1-F6EECF244321}">
-                    <p14:modId xmlns:p14="http://schemas.microsoft.com/office/powerpoint/2010/main" val="1566639826"/>
+                    <p14:modId xmlns:p14="http://schemas.microsoft.com/office/powerpoint/2010/main" val="2229128978"/>
                   </p:ext>
                 </p:extLst>
               </p:nvPr>
             </p:nvGraphicFramePr>
             <p:xfrm>
-              <a:off x="3033139" y="2687317"/>
-              <a:ext cx="6087621" cy="1483360"/>
+              <a:off x="2205990" y="2308860"/>
+              <a:ext cx="7780019" cy="1889760"/>
             </p:xfrm>
             <a:graphic>
               <a:graphicData uri="http://schemas.openxmlformats.org/drawingml/2006/table">
@@ -19811,7 +21450,7 @@
                     <a:tableStyleId>{5C22544A-7EE6-4342-B048-85BDC9FD1C3A}</a:tableStyleId>
                   </a:tblPr>
                   <a:tblGrid>
-                    <a:gridCol w="6087621">
+                    <a:gridCol w="7780019">
                       <a:extLst>
                         <a:ext uri="{9D8B030D-6E8A-4147-A177-3AD203B41FA5}">
                           <a16:colId xmlns:a16="http://schemas.microsoft.com/office/drawing/2014/main" val="2182090040"/>
@@ -19819,7 +21458,7 @@
                       </a:extLst>
                     </a:gridCol>
                   </a:tblGrid>
-                  <a:tr h="370840">
+                  <a:tr h="472440">
                     <a:tc>
                       <a:txBody>
                         <a:bodyPr/>
@@ -19827,46 +21466,71 @@
                         <a:p>
                           <a:pPr algn="ctr"/>
                           <a:r>
+                            <a:rPr lang="en-US" sz="1600" b="1" dirty="0" err="1">
+                              <a:solidFill>
+                                <a:schemeClr val="tx1"/>
+                              </a:solidFill>
+                              <a:latin typeface="Arial" panose="020B0604020202020204" pitchFamily="34" charset="0"/>
+                              <a:cs typeface="Arial" panose="020B0604020202020204" pitchFamily="34" charset="0"/>
+                            </a:rPr>
+                            <a:t>Zeitaufwand</a:t>
+                          </a:r>
+                          <a:r>
                             <a:rPr lang="en-US" sz="1600" b="1" dirty="0">
                               <a:solidFill>
                                 <a:schemeClr val="tx1"/>
                               </a:solidFill>
-                              <a:latin typeface="+mn-lt"/>
+                              <a:latin typeface="Arial" panose="020B0604020202020204" pitchFamily="34" charset="0"/>
+                              <a:cs typeface="Arial" panose="020B0604020202020204" pitchFamily="34" charset="0"/>
                             </a:rPr>
-                            <a:t>V = </a:t>
+                            <a:t> für </a:t>
                           </a:r>
                           <a:r>
                             <a:rPr lang="en-US" sz="1600" b="1" dirty="0" err="1">
                               <a:solidFill>
                                 <a:schemeClr val="tx1"/>
                               </a:solidFill>
-                              <a:latin typeface="+mn-lt"/>
+                              <a:latin typeface="Arial" panose="020B0604020202020204" pitchFamily="34" charset="0"/>
+                              <a:cs typeface="Arial" panose="020B0604020202020204" pitchFamily="34" charset="0"/>
                             </a:rPr>
-                            <a:t>Vorgang</a:t>
+                            <a:t>Dokumentenexport</a:t>
                           </a:r>
                           <a:r>
                             <a:rPr lang="en-US" sz="1600" b="1" dirty="0">
                               <a:solidFill>
                                 <a:schemeClr val="tx1"/>
                               </a:solidFill>
-                              <a:latin typeface="+mn-lt"/>
+                              <a:latin typeface="Arial" panose="020B0604020202020204" pitchFamily="34" charset="0"/>
+                              <a:cs typeface="Arial" panose="020B0604020202020204" pitchFamily="34" charset="0"/>
                             </a:rPr>
-                            <a:t>, M = Minute, T = Tage, Mo = Monat, Std = </a:t>
+                            <a:t> (</a:t>
                           </a:r>
                           <a:r>
                             <a:rPr lang="en-US" sz="1600" b="1" dirty="0" err="1">
                               <a:solidFill>
                                 <a:schemeClr val="tx1"/>
                               </a:solidFill>
-                              <a:latin typeface="+mn-lt"/>
+                              <a:latin typeface="Arial" panose="020B0604020202020204" pitchFamily="34" charset="0"/>
+                              <a:cs typeface="Arial" panose="020B0604020202020204" pitchFamily="34" charset="0"/>
                             </a:rPr>
-                            <a:t>Stunde</a:t>
+                            <a:t>Beispielrechnung</a:t>
+                          </a:r>
+                          <a:r>
+                            <a:rPr lang="en-US" sz="1600" b="1" dirty="0">
+                              <a:solidFill>
+                                <a:schemeClr val="tx1"/>
+                              </a:solidFill>
+                              <a:latin typeface="Arial" panose="020B0604020202020204" pitchFamily="34" charset="0"/>
+                              <a:cs typeface="Arial" panose="020B0604020202020204" pitchFamily="34" charset="0"/>
+                            </a:rPr>
+                            <a:t>)</a:t>
                           </a:r>
                           <a:endParaRPr lang="en-DE" sz="1600" b="1" dirty="0">
                             <a:solidFill>
                               <a:schemeClr val="tx1"/>
                             </a:solidFill>
-                            <a:latin typeface="+mn-lt"/>
+                            <a:latin typeface="Arial" panose="020B0604020202020204" pitchFamily="34" charset="0"/>
+                            <a:cs typeface="Arial" panose="020B0604020202020204" pitchFamily="34" charset="0"/>
                           </a:endParaRPr>
                         </a:p>
                       </a:txBody>
@@ -19916,9 +21580,9 @@
                           <a:prstDash val="solid"/>
                         </a:lnBlToTr>
                         <a:solidFill>
-                          <a:schemeClr val="accent1">
-                            <a:lumMod val="60000"/>
-                            <a:lumOff val="40000"/>
+                          <a:schemeClr val="tx2">
+                            <a:lumMod val="50000"/>
+                            <a:lumOff val="50000"/>
                           </a:schemeClr>
                         </a:solidFill>
                       </a:tcPr>
@@ -19929,7 +21593,7 @@
                       </a:ext>
                     </a:extLst>
                   </a:tr>
-                  <a:tr h="370840">
+                  <a:tr h="472440">
                     <a:tc>
                       <a:txBody>
                         <a:bodyPr/>
@@ -19986,7 +21650,7 @@
                         <a:blipFill>
                           <a:blip r:embed="rId3"/>
                           <a:stretch>
-                            <a:fillRect l="-100" t="-101613" r="-200" b="-220968"/>
+                            <a:fillRect l="-78" t="-102564" r="-156" b="-201282"/>
                           </a:stretch>
                         </a:blipFill>
                       </a:tcPr>
@@ -19997,7 +21661,7 @@
                       </a:ext>
                     </a:extLst>
                   </a:tr>
-                  <a:tr h="370840">
+                  <a:tr h="472440">
                     <a:tc>
                       <a:txBody>
                         <a:bodyPr/>
@@ -20054,7 +21718,7 @@
                         <a:blipFill>
                           <a:blip r:embed="rId3"/>
                           <a:stretch>
-                            <a:fillRect l="-100" t="-204918" r="-200" b="-124590"/>
+                            <a:fillRect l="-78" t="-205195" r="-156" b="-103896"/>
                           </a:stretch>
                         </a:blipFill>
                       </a:tcPr>
@@ -20065,7 +21729,7 @@
                       </a:ext>
                     </a:extLst>
                   </a:tr>
-                  <a:tr h="370840">
+                  <a:tr h="472440">
                     <a:tc>
                       <a:txBody>
                         <a:bodyPr/>
@@ -20093,7 +21757,8 @@
                               <a:solidFill>
                                 <a:schemeClr val="bg1"/>
                               </a:solidFill>
-                              <a:latin typeface="+mn-lt"/>
+                              <a:latin typeface="Arial" panose="020B0604020202020204" pitchFamily="34" charset="0"/>
+                              <a:cs typeface="Arial" panose="020B0604020202020204" pitchFamily="34" charset="0"/>
                             </a:rPr>
                             <a:t>Einsparung: ca. </a:t>
                           </a:r>
@@ -20102,7 +21767,8 @@
                               <a:solidFill>
                                 <a:schemeClr val="bg1"/>
                               </a:solidFill>
-                              <a:latin typeface="+mn-lt"/>
+                              <a:latin typeface="Arial" panose="020B0604020202020204" pitchFamily="34" charset="0"/>
+                              <a:cs typeface="Arial" panose="020B0604020202020204" pitchFamily="34" charset="0"/>
                             </a:rPr>
                             <a:t>18 Stunden</a:t>
                           </a:r>
@@ -20111,7 +21777,8 @@
                               <a:solidFill>
                                 <a:schemeClr val="bg1"/>
                               </a:solidFill>
-                              <a:latin typeface="+mn-lt"/>
+                              <a:latin typeface="Arial" panose="020B0604020202020204" pitchFamily="34" charset="0"/>
+                              <a:cs typeface="Arial" panose="020B0604020202020204" pitchFamily="34" charset="0"/>
                             </a:rPr>
                             <a:t> </a:t>
                           </a:r>
@@ -20120,7 +21787,8 @@
                               <a:solidFill>
                                 <a:schemeClr val="bg1"/>
                               </a:solidFill>
-                              <a:latin typeface="+mn-lt"/>
+                              <a:latin typeface="Arial" panose="020B0604020202020204" pitchFamily="34" charset="0"/>
+                              <a:cs typeface="Arial" panose="020B0604020202020204" pitchFamily="34" charset="0"/>
                             </a:rPr>
                             <a:t>Arbeitszeit pro Monat</a:t>
                           </a:r>
@@ -20128,7 +21796,8 @@
                             <a:solidFill>
                               <a:schemeClr val="bg1"/>
                             </a:solidFill>
-                            <a:latin typeface="+mn-lt"/>
+                            <a:latin typeface="Arial" panose="020B0604020202020204" pitchFamily="34" charset="0"/>
+                            <a:cs typeface="Arial" panose="020B0604020202020204" pitchFamily="34" charset="0"/>
                           </a:endParaRPr>
                         </a:p>
                       </a:txBody>
@@ -20178,9 +21847,7 @@
                           <a:prstDash val="solid"/>
                         </a:lnBlToTr>
                         <a:solidFill>
-                          <a:schemeClr val="accent5">
-                            <a:lumMod val="75000"/>
-                          </a:schemeClr>
+                          <a:srgbClr val="FF0000"/>
                         </a:solidFill>
                       </a:tcPr>
                     </a:tc>
@@ -20196,6 +21863,85 @@
           </p:graphicFrame>
         </mc:Fallback>
       </mc:AlternateContent>
+      <p:sp>
+        <p:nvSpPr>
+          <p:cNvPr id="10" name="Textfeld 9">
+            <a:extLst>
+              <a:ext uri="{FF2B5EF4-FFF2-40B4-BE49-F238E27FC236}">
+                <a16:creationId xmlns:a16="http://schemas.microsoft.com/office/drawing/2014/main" id="{5D4A751D-2F24-18C3-5FA4-37BB25DB59CB}"/>
+              </a:ext>
+            </a:extLst>
+          </p:cNvPr>
+          <p:cNvSpPr txBox="1"/>
+          <p:nvPr/>
+        </p:nvSpPr>
+        <p:spPr>
+          <a:xfrm>
+            <a:off x="4869180" y="4198620"/>
+            <a:ext cx="5113020" cy="307777"/>
+          </a:xfrm>
+          <a:prstGeom prst="rect">
+            <a:avLst/>
+          </a:prstGeom>
+          <a:noFill/>
+        </p:spPr>
+        <p:txBody>
+          <a:bodyPr wrap="square" rtlCol="0">
+            <a:spAutoFit/>
+          </a:bodyPr>
+          <a:lstStyle/>
+          <a:p>
+            <a:pPr algn="ctr"/>
+            <a:r>
+              <a:rPr lang="en-US" sz="1400" dirty="0">
+                <a:highlight>
+                  <a:srgbClr val="C0C0C0"/>
+                </a:highlight>
+                <a:latin typeface="Arial" panose="020B0604020202020204" pitchFamily="34" charset="0"/>
+                <a:cs typeface="Arial" panose="020B0604020202020204" pitchFamily="34" charset="0"/>
+              </a:rPr>
+              <a:t>V = </a:t>
+            </a:r>
+            <a:r>
+              <a:rPr lang="en-US" sz="1400" dirty="0" err="1">
+                <a:highlight>
+                  <a:srgbClr val="C0C0C0"/>
+                </a:highlight>
+                <a:latin typeface="Arial" panose="020B0604020202020204" pitchFamily="34" charset="0"/>
+                <a:cs typeface="Arial" panose="020B0604020202020204" pitchFamily="34" charset="0"/>
+              </a:rPr>
+              <a:t>Vorgang</a:t>
+            </a:r>
+            <a:r>
+              <a:rPr lang="en-US" sz="1400" dirty="0">
+                <a:highlight>
+                  <a:srgbClr val="C0C0C0"/>
+                </a:highlight>
+                <a:latin typeface="Arial" panose="020B0604020202020204" pitchFamily="34" charset="0"/>
+                <a:cs typeface="Arial" panose="020B0604020202020204" pitchFamily="34" charset="0"/>
+              </a:rPr>
+              <a:t>, M = Minute, T = Tage, Mo = Monat, Std = </a:t>
+            </a:r>
+            <a:r>
+              <a:rPr lang="en-US" sz="1400" dirty="0" err="1">
+                <a:highlight>
+                  <a:srgbClr val="C0C0C0"/>
+                </a:highlight>
+                <a:latin typeface="Arial" panose="020B0604020202020204" pitchFamily="34" charset="0"/>
+                <a:cs typeface="Arial" panose="020B0604020202020204" pitchFamily="34" charset="0"/>
+              </a:rPr>
+              <a:t>Stunde</a:t>
+            </a:r>
+            <a:endParaRPr lang="en-DE" sz="1400" dirty="0">
+              <a:highlight>
+                <a:srgbClr val="C0C0C0"/>
+              </a:highlight>
+              <a:latin typeface="Arial" panose="020B0604020202020204" pitchFamily="34" charset="0"/>
+              <a:cs typeface="Arial" panose="020B0604020202020204" pitchFamily="34" charset="0"/>
+            </a:endParaRPr>
+          </a:p>
+        </p:txBody>
+      </p:sp>
     </p:spTree>
     <p:extLst>
       <p:ext uri="{BB962C8B-B14F-4D97-AF65-F5344CB8AC3E}">

--- a/Präsentation/Entwicklung eines Odoo-Moduls zur ZIP-komprimierten Dateiverwaltung im Dokumentenmanagementsystem.pptx
+++ b/Präsentation/Entwicklung eines Odoo-Moduls zur ZIP-komprimierten Dateiverwaltung im Dokumentenmanagementsystem.pptx
@@ -5,7 +5,7 @@
     <p:sldMasterId id="2147483708" r:id="rId1"/>
   </p:sldMasterIdLst>
   <p:notesMasterIdLst>
-    <p:notesMasterId r:id="rId16"/>
+    <p:notesMasterId r:id="rId17"/>
   </p:notesMasterIdLst>
   <p:sldIdLst>
     <p:sldId id="256" r:id="rId2"/>
@@ -20,8 +20,9 @@
     <p:sldId id="282" r:id="rId11"/>
     <p:sldId id="283" r:id="rId12"/>
     <p:sldId id="284" r:id="rId13"/>
-    <p:sldId id="285" r:id="rId14"/>
-    <p:sldId id="286" r:id="rId15"/>
+    <p:sldId id="288" r:id="rId14"/>
+    <p:sldId id="285" r:id="rId15"/>
+    <p:sldId id="286" r:id="rId16"/>
   </p:sldIdLst>
   <p:sldSz cx="12192000" cy="6858000"/>
   <p:notesSz cx="6858000" cy="9144000"/>
@@ -3924,7 +3925,10 @@
             <a:r>
               <a:rPr lang="en-US" sz="1100" dirty="0">
                 <a:solidFill>
-                  <a:schemeClr val="tx2"/>
+                  <a:schemeClr val="tx1">
+                    <a:lumMod val="85000"/>
+                    <a:lumOff val="15000"/>
+                  </a:schemeClr>
                 </a:solidFill>
               </a:rPr>
               <a:t>Mark Albers</a:t>
@@ -3935,7 +3939,10 @@
             <a:r>
               <a:rPr lang="en-US" sz="1100" dirty="0" err="1">
                 <a:solidFill>
-                  <a:schemeClr val="tx2"/>
+                  <a:schemeClr val="tx1">
+                    <a:lumMod val="85000"/>
+                    <a:lumOff val="15000"/>
+                  </a:schemeClr>
                 </a:solidFill>
               </a:rPr>
               <a:t>Fachinformatiker</a:t>
@@ -3943,7 +3950,10 @@
             <a:r>
               <a:rPr lang="en-US" sz="1100" dirty="0">
                 <a:solidFill>
-                  <a:schemeClr val="tx2"/>
+                  <a:schemeClr val="tx1">
+                    <a:lumMod val="85000"/>
+                    <a:lumOff val="15000"/>
+                  </a:schemeClr>
                 </a:solidFill>
               </a:rPr>
               <a:t> für </a:t>
@@ -3951,14 +3961,20 @@
             <a:r>
               <a:rPr lang="en-US" sz="1100" dirty="0" err="1">
                 <a:solidFill>
-                  <a:schemeClr val="tx2"/>
+                  <a:schemeClr val="tx1">
+                    <a:lumMod val="85000"/>
+                    <a:lumOff val="15000"/>
+                  </a:schemeClr>
                 </a:solidFill>
               </a:rPr>
               <a:t>Anwendungsentwicklung</a:t>
             </a:r>
             <a:endParaRPr lang="en-US" sz="1100" dirty="0">
               <a:solidFill>
-                <a:schemeClr val="tx2"/>
+                <a:schemeClr val="tx1">
+                  <a:lumMod val="85000"/>
+                  <a:lumOff val="15000"/>
+                </a:schemeClr>
               </a:solidFill>
             </a:endParaRPr>
           </a:p>
@@ -3967,7 +3983,10 @@
             <a:r>
               <a:rPr lang="en-US" sz="1100" dirty="0">
                 <a:solidFill>
-                  <a:schemeClr val="tx2"/>
+                  <a:schemeClr val="tx1">
+                    <a:lumMod val="85000"/>
+                    <a:lumOff val="15000"/>
+                  </a:schemeClr>
                 </a:solidFill>
               </a:rPr>
               <a:t>Sommer 2025</a:t>
@@ -6144,70 +6163,189 @@
               </a:spcAft>
             </a:pPr>
             <a:r>
-              <a:rPr lang="en-US" sz="1800" dirty="0" err="1"/>
+              <a:rPr lang="en-US" sz="1800" dirty="0" err="1">
+                <a:solidFill>
+                  <a:schemeClr val="tx1">
+                    <a:lumMod val="85000"/>
+                    <a:lumOff val="15000"/>
+                  </a:schemeClr>
+                </a:solidFill>
+              </a:rPr>
               <a:t>Entwicklung</a:t>
             </a:r>
             <a:r>
-              <a:rPr lang="en-US" sz="1800" dirty="0"/>
+              <a:rPr lang="en-US" sz="1800" dirty="0">
+                <a:solidFill>
+                  <a:schemeClr val="tx1">
+                    <a:lumMod val="85000"/>
+                    <a:lumOff val="15000"/>
+                  </a:schemeClr>
+                </a:solidFill>
+              </a:rPr>
               <a:t> </a:t>
             </a:r>
             <a:r>
-              <a:rPr lang="en-US" sz="1800" dirty="0" err="1"/>
+              <a:rPr lang="en-US" sz="1800" dirty="0" err="1">
+                <a:solidFill>
+                  <a:schemeClr val="tx1">
+                    <a:lumMod val="85000"/>
+                    <a:lumOff val="15000"/>
+                  </a:schemeClr>
+                </a:solidFill>
+              </a:rPr>
               <a:t>eines</a:t>
             </a:r>
             <a:r>
-              <a:rPr lang="en-US" sz="1800" dirty="0"/>
+              <a:rPr lang="en-US" sz="1800" dirty="0">
+                <a:solidFill>
+                  <a:schemeClr val="tx1">
+                    <a:lumMod val="85000"/>
+                    <a:lumOff val="15000"/>
+                  </a:schemeClr>
+                </a:solidFill>
+              </a:rPr>
               <a:t> Odoo-</a:t>
             </a:r>
             <a:r>
-              <a:rPr lang="en-US" sz="1800" dirty="0" err="1"/>
+              <a:rPr lang="en-US" sz="1800" dirty="0" err="1">
+                <a:solidFill>
+                  <a:schemeClr val="tx1">
+                    <a:lumMod val="85000"/>
+                    <a:lumOff val="15000"/>
+                  </a:schemeClr>
+                </a:solidFill>
+              </a:rPr>
               <a:t>Moduls</a:t>
             </a:r>
             <a:r>
-              <a:rPr lang="en-US" sz="1800" dirty="0"/>
+              <a:rPr lang="en-US" sz="1800" dirty="0">
+                <a:solidFill>
+                  <a:schemeClr val="tx1">
+                    <a:lumMod val="85000"/>
+                    <a:lumOff val="15000"/>
+                  </a:schemeClr>
+                </a:solidFill>
+              </a:rPr>
               <a:t> </a:t>
             </a:r>
             <a:r>
-              <a:rPr lang="en-US" sz="1800" dirty="0" err="1"/>
+              <a:rPr lang="en-US" sz="1800" dirty="0" err="1">
+                <a:solidFill>
+                  <a:schemeClr val="tx1">
+                    <a:lumMod val="85000"/>
+                    <a:lumOff val="15000"/>
+                  </a:schemeClr>
+                </a:solidFill>
+              </a:rPr>
               <a:t>zur</a:t>
             </a:r>
             <a:r>
-              <a:rPr lang="en-US" sz="1800" dirty="0"/>
+              <a:rPr lang="en-US" sz="1800" dirty="0">
+                <a:solidFill>
+                  <a:schemeClr val="tx1">
+                    <a:lumMod val="85000"/>
+                    <a:lumOff val="15000"/>
+                  </a:schemeClr>
+                </a:solidFill>
+              </a:rPr>
               <a:t> ZIP-</a:t>
             </a:r>
             <a:r>
-              <a:rPr lang="en-US" sz="1800" dirty="0" err="1"/>
+              <a:rPr lang="en-US" sz="1800" dirty="0" err="1">
+                <a:solidFill>
+                  <a:schemeClr val="tx1">
+                    <a:lumMod val="85000"/>
+                    <a:lumOff val="15000"/>
+                  </a:schemeClr>
+                </a:solidFill>
+              </a:rPr>
               <a:t>komprimierten</a:t>
             </a:r>
             <a:r>
-              <a:rPr lang="en-US" sz="1800" dirty="0"/>
+              <a:rPr lang="en-US" sz="1800" dirty="0">
+                <a:solidFill>
+                  <a:schemeClr val="tx1">
+                    <a:lumMod val="85000"/>
+                    <a:lumOff val="15000"/>
+                  </a:schemeClr>
+                </a:solidFill>
+              </a:rPr>
               <a:t> </a:t>
             </a:r>
             <a:r>
-              <a:rPr lang="en-US" sz="1800" dirty="0" err="1"/>
+              <a:rPr lang="en-US" sz="1800" dirty="0" err="1">
+                <a:solidFill>
+                  <a:schemeClr val="tx1">
+                    <a:lumMod val="85000"/>
+                    <a:lumOff val="15000"/>
+                  </a:schemeClr>
+                </a:solidFill>
+              </a:rPr>
               <a:t>Dateiverwaltung</a:t>
             </a:r>
             <a:r>
-              <a:rPr lang="en-US" sz="1800" dirty="0"/>
+              <a:rPr lang="en-US" sz="1800" dirty="0">
+                <a:solidFill>
+                  <a:schemeClr val="tx1">
+                    <a:lumMod val="85000"/>
+                    <a:lumOff val="15000"/>
+                  </a:schemeClr>
+                </a:solidFill>
+              </a:rPr>
               <a:t> </a:t>
             </a:r>
             <a:r>
-              <a:rPr lang="en-US" sz="1800" dirty="0" err="1"/>
+              <a:rPr lang="en-US" sz="1800" dirty="0" err="1">
+                <a:solidFill>
+                  <a:schemeClr val="tx1">
+                    <a:lumMod val="85000"/>
+                    <a:lumOff val="15000"/>
+                  </a:schemeClr>
+                </a:solidFill>
+              </a:rPr>
               <a:t>im</a:t>
             </a:r>
             <a:r>
-              <a:rPr lang="en-US" sz="1800" dirty="0"/>
+              <a:rPr lang="en-US" sz="1800" dirty="0">
+                <a:solidFill>
+                  <a:schemeClr val="tx1">
+                    <a:lumMod val="85000"/>
+                    <a:lumOff val="15000"/>
+                  </a:schemeClr>
+                </a:solidFill>
+              </a:rPr>
               <a:t> </a:t>
             </a:r>
             <a:r>
-              <a:rPr lang="en-US" sz="1800" dirty="0" err="1"/>
+              <a:rPr lang="en-US" sz="1800" dirty="0" err="1">
+                <a:solidFill>
+                  <a:schemeClr val="tx1">
+                    <a:lumMod val="85000"/>
+                    <a:lumOff val="15000"/>
+                  </a:schemeClr>
+                </a:solidFill>
+              </a:rPr>
               <a:t>Dokumentenmanagementsystem</a:t>
             </a:r>
             <a:r>
-              <a:rPr lang="en-US" sz="1800" dirty="0"/>
+              <a:rPr lang="en-US" sz="1800" dirty="0">
+                <a:solidFill>
+                  <a:schemeClr val="tx1">
+                    <a:lumMod val="85000"/>
+                    <a:lumOff val="15000"/>
+                  </a:schemeClr>
+                </a:solidFill>
+              </a:rPr>
               <a:t> (DMS)</a:t>
             </a:r>
-            <a:endParaRPr lang="en-DE" sz="1800" dirty="0"/>
+            <a:endParaRPr lang="en-DE" sz="1800" dirty="0">
+              <a:solidFill>
+                <a:schemeClr val="tx1">
+                  <a:lumMod val="85000"/>
+                  <a:lumOff val="15000"/>
+                </a:schemeClr>
+              </a:solidFill>
+            </a:endParaRPr>
           </a:p>
         </p:txBody>
       </p:sp>
@@ -6307,32 +6445,30 @@
         </p:spPr>
         <p:txBody>
           <a:bodyPr anchor="ctr">
-            <a:normAutofit fontScale="90000"/>
+            <a:normAutofit/>
           </a:bodyPr>
           <a:lstStyle/>
           <a:p>
             <a:r>
               <a:rPr lang="en-US" sz="3600" dirty="0" err="1">
-                <a:latin typeface="Segoe UI Bold" panose="020B0802040204020203" pitchFamily="34" charset="0"/>
-                <a:cs typeface="Segoe UI Bold" panose="020B0802040204020203" pitchFamily="34" charset="0"/>
-              </a:rPr>
-              <a:t>Wirtschaftliche</a:t>
-            </a:r>
-            <a:r>
-              <a:rPr lang="en-US" sz="3600" dirty="0">
-                <a:latin typeface="Segoe UI Bold" panose="020B0802040204020203" pitchFamily="34" charset="0"/>
-                <a:cs typeface="Segoe UI Bold" panose="020B0802040204020203" pitchFamily="34" charset="0"/>
-              </a:rPr>
-              <a:t> </a:t>
-            </a:r>
-            <a:r>
-              <a:rPr lang="en-US" sz="3600" dirty="0" err="1">
+                <a:solidFill>
+                  <a:schemeClr val="tx1">
+                    <a:lumMod val="85000"/>
+                    <a:lumOff val="15000"/>
+                  </a:schemeClr>
+                </a:solidFill>
                 <a:latin typeface="Segoe UI Bold" panose="020B0802040204020203" pitchFamily="34" charset="0"/>
                 <a:cs typeface="Segoe UI Bold" panose="020B0802040204020203" pitchFamily="34" charset="0"/>
               </a:rPr>
               <a:t>Zeitersparnis</a:t>
             </a:r>
             <a:endParaRPr lang="en-DE" sz="3600" dirty="0">
+              <a:solidFill>
+                <a:schemeClr val="tx1">
+                  <a:lumMod val="85000"/>
+                  <a:lumOff val="15000"/>
+                </a:schemeClr>
+              </a:solidFill>
               <a:latin typeface="Segoe UI Bold" panose="020B0802040204020203" pitchFamily="34" charset="0"/>
               <a:ea typeface="ADLaM Display" panose="020F0502020204030204" pitchFamily="2" charset="0"/>
               <a:cs typeface="Segoe UI Bold" panose="020B0802040204020203" pitchFamily="34" charset="0"/>
@@ -6620,6 +6756,53 @@
       </p:grpSpPr>
       <p:sp>
         <p:nvSpPr>
+          <p:cNvPr id="20" name="Textfeld 19">
+            <a:extLst>
+              <a:ext uri="{FF2B5EF4-FFF2-40B4-BE49-F238E27FC236}">
+                <a16:creationId xmlns:a16="http://schemas.microsoft.com/office/drawing/2014/main" id="{699F5DAB-53A7-F8C6-BA8C-FBCD8519DCEC}"/>
+              </a:ext>
+            </a:extLst>
+          </p:cNvPr>
+          <p:cNvSpPr txBox="1"/>
+          <p:nvPr/>
+        </p:nvSpPr>
+        <p:spPr>
+          <a:xfrm>
+            <a:off x="946148" y="2554651"/>
+            <a:ext cx="454025" cy="369332"/>
+          </a:xfrm>
+          <a:prstGeom prst="rect">
+            <a:avLst/>
+          </a:prstGeom>
+          <a:noFill/>
+        </p:spPr>
+        <p:txBody>
+          <a:bodyPr wrap="square">
+            <a:spAutoFit/>
+          </a:bodyPr>
+          <a:lstStyle/>
+          <a:p>
+            <a:pPr marL="0" indent="0">
+              <a:buNone/>
+            </a:pPr>
+            <a:r>
+              <a:rPr lang="en-DE" sz="1800" dirty="0">
+                <a:solidFill>
+                  <a:srgbClr val="2D2D2D"/>
+                </a:solidFill>
+                <a:latin typeface="Verdana" panose="020B0604030504040204" pitchFamily="34" charset="0"/>
+              </a:rPr>
+              <a:t>✅</a:t>
+            </a:r>
+            <a:endParaRPr lang="en-US" sz="1800" dirty="0">
+              <a:latin typeface="Arial" panose="020B0604020202020204" pitchFamily="34" charset="0"/>
+              <a:cs typeface="Arial" panose="020B0604020202020204" pitchFamily="34" charset="0"/>
+            </a:endParaRPr>
+          </a:p>
+        </p:txBody>
+      </p:sp>
+      <p:sp>
+        <p:nvSpPr>
           <p:cNvPr id="2" name="Titel 1">
             <a:extLst>
               <a:ext uri="{FF2B5EF4-FFF2-40B4-BE49-F238E27FC236}">
@@ -6648,6 +6831,12 @@
           <a:p>
             <a:r>
               <a:rPr lang="en-US" sz="3600" dirty="0" err="1">
+                <a:solidFill>
+                  <a:schemeClr val="tx1">
+                    <a:lumMod val="85000"/>
+                    <a:lumOff val="15000"/>
+                  </a:schemeClr>
+                </a:solidFill>
                 <a:latin typeface="Segoe UI Bold" panose="020B0802040204020203" pitchFamily="34" charset="0"/>
                 <a:cs typeface="Segoe UI Bold" panose="020B0802040204020203" pitchFamily="34" charset="0"/>
               </a:rPr>
@@ -6655,6 +6844,12 @@
             </a:r>
             <a:r>
               <a:rPr lang="en-US" sz="3600" dirty="0">
+                <a:solidFill>
+                  <a:schemeClr val="tx1">
+                    <a:lumMod val="85000"/>
+                    <a:lumOff val="15000"/>
+                  </a:schemeClr>
+                </a:solidFill>
                 <a:latin typeface="Segoe UI Bold" panose="020B0802040204020203" pitchFamily="34" charset="0"/>
                 <a:cs typeface="Segoe UI Bold" panose="020B0802040204020203" pitchFamily="34" charset="0"/>
               </a:rPr>
@@ -6662,144 +6857,27 @@
             </a:r>
             <a:r>
               <a:rPr lang="en-US" sz="3600" dirty="0" err="1">
+                <a:solidFill>
+                  <a:schemeClr val="tx1">
+                    <a:lumMod val="85000"/>
+                    <a:lumOff val="15000"/>
+                  </a:schemeClr>
+                </a:solidFill>
                 <a:latin typeface="Segoe UI Bold" panose="020B0802040204020203" pitchFamily="34" charset="0"/>
                 <a:cs typeface="Segoe UI Bold" panose="020B0802040204020203" pitchFamily="34" charset="0"/>
               </a:rPr>
               <a:t>Einführungsphase</a:t>
             </a:r>
             <a:endParaRPr lang="en-DE" sz="3600" dirty="0">
+              <a:solidFill>
+                <a:schemeClr val="tx1">
+                  <a:lumMod val="85000"/>
+                  <a:lumOff val="15000"/>
+                </a:schemeClr>
+              </a:solidFill>
               <a:latin typeface="Segoe UI Bold" panose="020B0802040204020203" pitchFamily="34" charset="0"/>
               <a:ea typeface="ADLaM Display" panose="020F0502020204030204" pitchFamily="2" charset="0"/>
               <a:cs typeface="Segoe UI Bold" panose="020B0802040204020203" pitchFamily="34" charset="0"/>
-            </a:endParaRPr>
-          </a:p>
-        </p:txBody>
-      </p:sp>
-      <p:sp>
-        <p:nvSpPr>
-          <p:cNvPr id="3" name="Inhaltsplatzhalter 2">
-            <a:extLst>
-              <a:ext uri="{FF2B5EF4-FFF2-40B4-BE49-F238E27FC236}">
-                <a16:creationId xmlns:a16="http://schemas.microsoft.com/office/drawing/2014/main" id="{EADE62D4-27D6-9085-775A-5A25E551517F}"/>
-              </a:ext>
-            </a:extLst>
-          </p:cNvPr>
-          <p:cNvSpPr>
-            <a:spLocks noGrp="1"/>
-          </p:cNvSpPr>
-          <p:nvPr>
-            <p:ph idx="1"/>
-          </p:nvPr>
-        </p:nvSpPr>
-        <p:spPr>
-          <a:xfrm>
-            <a:off x="977137" y="1752169"/>
-            <a:ext cx="10890929" cy="4463185"/>
-          </a:xfrm>
-        </p:spPr>
-        <p:txBody>
-          <a:bodyPr>
-            <a:normAutofit/>
-          </a:bodyPr>
-          <a:lstStyle/>
-          <a:p>
-            <a:pPr marL="0" indent="0">
-              <a:buNone/>
-            </a:pPr>
-            <a:r>
-              <a:rPr lang="en-GB" sz="2000" dirty="0" err="1">
-                <a:latin typeface="Arial" panose="020B0604020202020204" pitchFamily="34" charset="0"/>
-                <a:cs typeface="Arial" panose="020B0604020202020204" pitchFamily="34" charset="0"/>
-              </a:rPr>
-              <a:t>Letzten</a:t>
-            </a:r>
-            <a:r>
-              <a:rPr lang="en-GB" sz="2000" dirty="0">
-                <a:latin typeface="Arial" panose="020B0604020202020204" pitchFamily="34" charset="0"/>
-                <a:cs typeface="Arial" panose="020B0604020202020204" pitchFamily="34" charset="0"/>
-              </a:rPr>
-              <a:t> tests </a:t>
-            </a:r>
-            <a:r>
-              <a:rPr lang="en-GB" sz="2000" dirty="0" err="1">
-                <a:latin typeface="Arial" panose="020B0604020202020204" pitchFamily="34" charset="0"/>
-                <a:cs typeface="Arial" panose="020B0604020202020204" pitchFamily="34" charset="0"/>
-              </a:rPr>
-              <a:t>laufen</a:t>
-            </a:r>
-            <a:r>
-              <a:rPr lang="en-GB" sz="2000" dirty="0">
-                <a:latin typeface="Arial" panose="020B0604020202020204" pitchFamily="34" charset="0"/>
-                <a:cs typeface="Arial" panose="020B0604020202020204" pitchFamily="34" charset="0"/>
-              </a:rPr>
-              <a:t> und </a:t>
-            </a:r>
-            <a:r>
-              <a:rPr lang="en-GB" sz="2000" dirty="0" err="1">
-                <a:latin typeface="Arial" panose="020B0604020202020204" pitchFamily="34" charset="0"/>
-                <a:cs typeface="Arial" panose="020B0604020202020204" pitchFamily="34" charset="0"/>
-              </a:rPr>
-              <a:t>demnächst</a:t>
-            </a:r>
-            <a:r>
-              <a:rPr lang="en-GB" sz="2000" dirty="0">
-                <a:latin typeface="Arial" panose="020B0604020202020204" pitchFamily="34" charset="0"/>
-                <a:cs typeface="Arial" panose="020B0604020202020204" pitchFamily="34" charset="0"/>
-              </a:rPr>
-              <a:t> </a:t>
-            </a:r>
-            <a:r>
-              <a:rPr lang="en-GB" sz="2000" dirty="0" err="1">
-                <a:latin typeface="Arial" panose="020B0604020202020204" pitchFamily="34" charset="0"/>
-                <a:cs typeface="Arial" panose="020B0604020202020204" pitchFamily="34" charset="0"/>
-              </a:rPr>
-              <a:t>wird</a:t>
-            </a:r>
-            <a:r>
-              <a:rPr lang="en-GB" sz="2000" dirty="0">
-                <a:latin typeface="Arial" panose="020B0604020202020204" pitchFamily="34" charset="0"/>
-                <a:cs typeface="Arial" panose="020B0604020202020204" pitchFamily="34" charset="0"/>
-              </a:rPr>
-              <a:t> es </a:t>
-            </a:r>
-            <a:r>
-              <a:rPr lang="en-GB" sz="2000" dirty="0" err="1">
-                <a:latin typeface="Arial" panose="020B0604020202020204" pitchFamily="34" charset="0"/>
-                <a:cs typeface="Arial" panose="020B0604020202020204" pitchFamily="34" charset="0"/>
-              </a:rPr>
-              <a:t>zur</a:t>
-            </a:r>
-            <a:r>
-              <a:rPr lang="en-GB" sz="2000" dirty="0">
-                <a:latin typeface="Arial" panose="020B0604020202020204" pitchFamily="34" charset="0"/>
-                <a:cs typeface="Arial" panose="020B0604020202020204" pitchFamily="34" charset="0"/>
-              </a:rPr>
-              <a:t> </a:t>
-            </a:r>
-            <a:r>
-              <a:rPr lang="en-GB" sz="2000" dirty="0" err="1">
-                <a:latin typeface="Arial" panose="020B0604020202020204" pitchFamily="34" charset="0"/>
-                <a:cs typeface="Arial" panose="020B0604020202020204" pitchFamily="34" charset="0"/>
-              </a:rPr>
-              <a:t>verfügung</a:t>
-            </a:r>
-            <a:r>
-              <a:rPr lang="en-GB" sz="2000" dirty="0">
-                <a:latin typeface="Arial" panose="020B0604020202020204" pitchFamily="34" charset="0"/>
-                <a:cs typeface="Arial" panose="020B0604020202020204" pitchFamily="34" charset="0"/>
-              </a:rPr>
-              <a:t> </a:t>
-            </a:r>
-            <a:r>
-              <a:rPr lang="en-GB" sz="2000" dirty="0" err="1">
-                <a:latin typeface="Arial" panose="020B0604020202020204" pitchFamily="34" charset="0"/>
-                <a:cs typeface="Arial" panose="020B0604020202020204" pitchFamily="34" charset="0"/>
-              </a:rPr>
-              <a:t>stehen</a:t>
-            </a:r>
-            <a:endParaRPr lang="en-DE" sz="2000" dirty="0">
-              <a:latin typeface="Arial" panose="020B0604020202020204" pitchFamily="34" charset="0"/>
-              <a:cs typeface="Arial" panose="020B0604020202020204" pitchFamily="34" charset="0"/>
             </a:endParaRPr>
           </a:p>
         </p:txBody>
@@ -7046,6 +7124,363 @@
           </a:prstGeom>
         </p:spPr>
       </p:pic>
+      <p:sp>
+        <p:nvSpPr>
+          <p:cNvPr id="19" name="Textfeld 18">
+            <a:extLst>
+              <a:ext uri="{FF2B5EF4-FFF2-40B4-BE49-F238E27FC236}">
+                <a16:creationId xmlns:a16="http://schemas.microsoft.com/office/drawing/2014/main" id="{323475F8-FE23-531A-5C57-B194DA30C7B2}"/>
+              </a:ext>
+            </a:extLst>
+          </p:cNvPr>
+          <p:cNvSpPr txBox="1"/>
+          <p:nvPr/>
+        </p:nvSpPr>
+        <p:spPr>
+          <a:xfrm>
+            <a:off x="946149" y="1752169"/>
+            <a:ext cx="454025" cy="369332"/>
+          </a:xfrm>
+          <a:prstGeom prst="rect">
+            <a:avLst/>
+          </a:prstGeom>
+          <a:noFill/>
+        </p:spPr>
+        <p:txBody>
+          <a:bodyPr wrap="square">
+            <a:spAutoFit/>
+          </a:bodyPr>
+          <a:lstStyle/>
+          <a:p>
+            <a:pPr marL="0" indent="0">
+              <a:buNone/>
+            </a:pPr>
+            <a:r>
+              <a:rPr lang="en-DE" sz="1800" dirty="0">
+                <a:solidFill>
+                  <a:srgbClr val="2D2D2D"/>
+                </a:solidFill>
+                <a:latin typeface="Verdana" panose="020B0604030504040204" pitchFamily="34" charset="0"/>
+              </a:rPr>
+              <a:t>✅</a:t>
+            </a:r>
+            <a:endParaRPr lang="en-US" sz="1800" dirty="0">
+              <a:latin typeface="Arial" panose="020B0604020202020204" pitchFamily="34" charset="0"/>
+              <a:cs typeface="Arial" panose="020B0604020202020204" pitchFamily="34" charset="0"/>
+            </a:endParaRPr>
+          </a:p>
+        </p:txBody>
+      </p:sp>
+      <p:sp>
+        <p:nvSpPr>
+          <p:cNvPr id="14" name="Inhaltsplatzhalter 2">
+            <a:extLst>
+              <a:ext uri="{FF2B5EF4-FFF2-40B4-BE49-F238E27FC236}">
+                <a16:creationId xmlns:a16="http://schemas.microsoft.com/office/drawing/2014/main" id="{EE42DA38-D718-F133-B3A8-AC1227B026A6}"/>
+              </a:ext>
+            </a:extLst>
+          </p:cNvPr>
+          <p:cNvSpPr>
+            <a:spLocks noGrp="1"/>
+          </p:cNvSpPr>
+          <p:nvPr>
+            <p:ph idx="1"/>
+          </p:nvPr>
+        </p:nvSpPr>
+        <p:spPr>
+          <a:xfrm>
+            <a:off x="977137" y="1752169"/>
+            <a:ext cx="10890929" cy="4463185"/>
+          </a:xfrm>
+        </p:spPr>
+        <p:txBody>
+          <a:bodyPr>
+            <a:normAutofit/>
+          </a:bodyPr>
+          <a:lstStyle/>
+          <a:p>
+            <a:pPr>
+              <a:buFont typeface="Webdings" panose="05030102010509060703" pitchFamily="18" charset="2"/>
+              <a:buChar char=""/>
+            </a:pPr>
+            <a:r>
+              <a:rPr lang="en-US" sz="2000" dirty="0">
+                <a:solidFill>
+                  <a:schemeClr val="tx1">
+                    <a:lumMod val="85000"/>
+                    <a:lumOff val="15000"/>
+                  </a:schemeClr>
+                </a:solidFill>
+                <a:latin typeface="Arial" panose="020B0604020202020204" pitchFamily="34" charset="0"/>
+                <a:cs typeface="Arial" panose="020B0604020202020204" pitchFamily="34" charset="0"/>
+              </a:rPr>
+              <a:t> </a:t>
+            </a:r>
+            <a:r>
+              <a:rPr lang="en-US" sz="2000" dirty="0" err="1">
+                <a:solidFill>
+                  <a:schemeClr val="tx1">
+                    <a:lumMod val="85000"/>
+                    <a:lumOff val="15000"/>
+                  </a:schemeClr>
+                </a:solidFill>
+                <a:latin typeface="Arial" panose="020B0604020202020204" pitchFamily="34" charset="0"/>
+                <a:cs typeface="Arial" panose="020B0604020202020204" pitchFamily="34" charset="0"/>
+              </a:rPr>
+              <a:t>Entwicklung</a:t>
+            </a:r>
+            <a:endParaRPr lang="en-US" sz="2000" dirty="0">
+              <a:solidFill>
+                <a:schemeClr val="tx1">
+                  <a:lumMod val="85000"/>
+                  <a:lumOff val="15000"/>
+                </a:schemeClr>
+              </a:solidFill>
+              <a:latin typeface="Arial" panose="020B0604020202020204" pitchFamily="34" charset="0"/>
+              <a:cs typeface="Arial" panose="020B0604020202020204" pitchFamily="34" charset="0"/>
+            </a:endParaRPr>
+          </a:p>
+          <a:p>
+            <a:pPr marL="0" indent="0">
+              <a:buNone/>
+            </a:pPr>
+            <a:endParaRPr lang="en-US" sz="2000" dirty="0">
+              <a:solidFill>
+                <a:schemeClr val="tx1">
+                  <a:lumMod val="85000"/>
+                  <a:lumOff val="15000"/>
+                </a:schemeClr>
+              </a:solidFill>
+              <a:latin typeface="Arial" panose="020B0604020202020204" pitchFamily="34" charset="0"/>
+              <a:cs typeface="Arial" panose="020B0604020202020204" pitchFamily="34" charset="0"/>
+            </a:endParaRPr>
+          </a:p>
+          <a:p>
+            <a:pPr>
+              <a:buFont typeface="Webdings" panose="05030102010509060703" pitchFamily="18" charset="2"/>
+              <a:buChar char=""/>
+            </a:pPr>
+            <a:r>
+              <a:rPr lang="en-US" sz="2000" dirty="0">
+                <a:solidFill>
+                  <a:schemeClr val="tx1">
+                    <a:lumMod val="85000"/>
+                    <a:lumOff val="15000"/>
+                  </a:schemeClr>
+                </a:solidFill>
+                <a:latin typeface="Arial" panose="020B0604020202020204" pitchFamily="34" charset="0"/>
+                <a:cs typeface="Arial" panose="020B0604020202020204" pitchFamily="34" charset="0"/>
+              </a:rPr>
+              <a:t> Tests </a:t>
+            </a:r>
+            <a:r>
+              <a:rPr lang="en-US" sz="2000" dirty="0" err="1">
+                <a:solidFill>
+                  <a:schemeClr val="tx1">
+                    <a:lumMod val="85000"/>
+                    <a:lumOff val="15000"/>
+                  </a:schemeClr>
+                </a:solidFill>
+                <a:latin typeface="Arial" panose="020B0604020202020204" pitchFamily="34" charset="0"/>
+                <a:cs typeface="Arial" panose="020B0604020202020204" pitchFamily="34" charset="0"/>
+              </a:rPr>
+              <a:t>erfolgreich</a:t>
+            </a:r>
+            <a:endParaRPr lang="en-US" sz="2000" dirty="0">
+              <a:solidFill>
+                <a:schemeClr val="tx1">
+                  <a:lumMod val="85000"/>
+                  <a:lumOff val="15000"/>
+                </a:schemeClr>
+              </a:solidFill>
+              <a:latin typeface="Arial" panose="020B0604020202020204" pitchFamily="34" charset="0"/>
+              <a:cs typeface="Arial" panose="020B0604020202020204" pitchFamily="34" charset="0"/>
+            </a:endParaRPr>
+          </a:p>
+          <a:p>
+            <a:pPr marL="0" indent="0">
+              <a:buNone/>
+            </a:pPr>
+            <a:endParaRPr lang="en-US" sz="2000" dirty="0">
+              <a:solidFill>
+                <a:schemeClr val="tx1">
+                  <a:lumMod val="85000"/>
+                  <a:lumOff val="15000"/>
+                </a:schemeClr>
+              </a:solidFill>
+              <a:latin typeface="Arial" panose="020B0604020202020204" pitchFamily="34" charset="0"/>
+              <a:cs typeface="Arial" panose="020B0604020202020204" pitchFamily="34" charset="0"/>
+            </a:endParaRPr>
+          </a:p>
+          <a:p>
+            <a:pPr>
+              <a:buFont typeface="Webdings" panose="05030102010509060703" pitchFamily="18" charset="2"/>
+              <a:buChar char=""/>
+            </a:pPr>
+            <a:r>
+              <a:rPr lang="en-US" sz="2000" dirty="0">
+                <a:solidFill>
+                  <a:schemeClr val="tx1">
+                    <a:lumMod val="85000"/>
+                    <a:lumOff val="15000"/>
+                  </a:schemeClr>
+                </a:solidFill>
+                <a:latin typeface="Arial" panose="020B0604020202020204" pitchFamily="34" charset="0"/>
+                <a:cs typeface="Arial" panose="020B0604020202020204" pitchFamily="34" charset="0"/>
+              </a:rPr>
+              <a:t> </a:t>
+            </a:r>
+            <a:r>
+              <a:rPr lang="de-DE" sz="2000" dirty="0">
+                <a:solidFill>
+                  <a:schemeClr val="tx1">
+                    <a:lumMod val="85000"/>
+                    <a:lumOff val="15000"/>
+                  </a:schemeClr>
+                </a:solidFill>
+                <a:latin typeface="Arial" panose="020B0604020202020204" pitchFamily="34" charset="0"/>
+                <a:cs typeface="Arial" panose="020B0604020202020204" pitchFamily="34" charset="0"/>
+              </a:rPr>
+              <a:t>Letzter Feinschliff &amp; Review steht aus</a:t>
+            </a:r>
+          </a:p>
+          <a:p>
+            <a:pPr marL="0" indent="0">
+              <a:buNone/>
+            </a:pPr>
+            <a:endParaRPr lang="en-US" sz="2000" dirty="0">
+              <a:solidFill>
+                <a:schemeClr val="tx1">
+                  <a:lumMod val="85000"/>
+                  <a:lumOff val="15000"/>
+                </a:schemeClr>
+              </a:solidFill>
+              <a:latin typeface="Arial" panose="020B0604020202020204" pitchFamily="34" charset="0"/>
+              <a:cs typeface="Arial" panose="020B0604020202020204" pitchFamily="34" charset="0"/>
+            </a:endParaRPr>
+          </a:p>
+          <a:p>
+            <a:pPr>
+              <a:buFont typeface="Webdings" panose="05030102010509060703" pitchFamily="18" charset="2"/>
+              <a:buChar char=""/>
+            </a:pPr>
+            <a:r>
+              <a:rPr lang="en-US" sz="2000" dirty="0">
+                <a:solidFill>
+                  <a:schemeClr val="tx1">
+                    <a:lumMod val="85000"/>
+                    <a:lumOff val="15000"/>
+                  </a:schemeClr>
+                </a:solidFill>
+                <a:latin typeface="Arial" panose="020B0604020202020204" pitchFamily="34" charset="0"/>
+                <a:cs typeface="Arial" panose="020B0604020202020204" pitchFamily="34" charset="0"/>
+              </a:rPr>
+              <a:t> </a:t>
+            </a:r>
+            <a:r>
+              <a:rPr lang="en-US" sz="2000" dirty="0" err="1">
+                <a:solidFill>
+                  <a:schemeClr val="tx1">
+                    <a:lumMod val="85000"/>
+                    <a:lumOff val="15000"/>
+                  </a:schemeClr>
+                </a:solidFill>
+                <a:latin typeface="Arial" panose="020B0604020202020204" pitchFamily="34" charset="0"/>
+                <a:cs typeface="Arial" panose="020B0604020202020204" pitchFamily="34" charset="0"/>
+              </a:rPr>
+              <a:t>Geplante</a:t>
+            </a:r>
+            <a:r>
+              <a:rPr lang="en-US" sz="2000" dirty="0">
+                <a:solidFill>
+                  <a:schemeClr val="tx1">
+                    <a:lumMod val="85000"/>
+                    <a:lumOff val="15000"/>
+                  </a:schemeClr>
+                </a:solidFill>
+                <a:latin typeface="Arial" panose="020B0604020202020204" pitchFamily="34" charset="0"/>
+                <a:cs typeface="Arial" panose="020B0604020202020204" pitchFamily="34" charset="0"/>
+              </a:rPr>
+              <a:t> </a:t>
+            </a:r>
+            <a:r>
+              <a:rPr lang="en-US" sz="2000" dirty="0" err="1">
+                <a:solidFill>
+                  <a:schemeClr val="tx1">
+                    <a:lumMod val="85000"/>
+                    <a:lumOff val="15000"/>
+                  </a:schemeClr>
+                </a:solidFill>
+                <a:latin typeface="Arial" panose="020B0604020202020204" pitchFamily="34" charset="0"/>
+                <a:cs typeface="Arial" panose="020B0604020202020204" pitchFamily="34" charset="0"/>
+              </a:rPr>
+              <a:t>Einführung</a:t>
+            </a:r>
+            <a:r>
+              <a:rPr lang="en-US" sz="2000" dirty="0">
+                <a:solidFill>
+                  <a:schemeClr val="tx1">
+                    <a:lumMod val="85000"/>
+                    <a:lumOff val="15000"/>
+                  </a:schemeClr>
+                </a:solidFill>
+                <a:latin typeface="Arial" panose="020B0604020202020204" pitchFamily="34" charset="0"/>
+                <a:cs typeface="Arial" panose="020B0604020202020204" pitchFamily="34" charset="0"/>
+              </a:rPr>
+              <a:t> </a:t>
+            </a:r>
+            <a:r>
+              <a:rPr lang="en-US" sz="2000" dirty="0" err="1">
+                <a:solidFill>
+                  <a:schemeClr val="tx1">
+                    <a:lumMod val="85000"/>
+                    <a:lumOff val="15000"/>
+                  </a:schemeClr>
+                </a:solidFill>
+                <a:latin typeface="Arial" panose="020B0604020202020204" pitchFamily="34" charset="0"/>
+                <a:cs typeface="Arial" panose="020B0604020202020204" pitchFamily="34" charset="0"/>
+              </a:rPr>
+              <a:t>nach</a:t>
+            </a:r>
+            <a:r>
+              <a:rPr lang="en-US" sz="2000" dirty="0">
+                <a:solidFill>
+                  <a:schemeClr val="tx1">
+                    <a:lumMod val="85000"/>
+                    <a:lumOff val="15000"/>
+                  </a:schemeClr>
+                </a:solidFill>
+                <a:latin typeface="Arial" panose="020B0604020202020204" pitchFamily="34" charset="0"/>
+                <a:cs typeface="Arial" panose="020B0604020202020204" pitchFamily="34" charset="0"/>
+              </a:rPr>
+              <a:t> </a:t>
+            </a:r>
+            <a:r>
+              <a:rPr lang="en-US" sz="2000" dirty="0" err="1">
+                <a:solidFill>
+                  <a:schemeClr val="tx1">
+                    <a:lumMod val="85000"/>
+                    <a:lumOff val="15000"/>
+                  </a:schemeClr>
+                </a:solidFill>
+                <a:latin typeface="Arial" panose="020B0604020202020204" pitchFamily="34" charset="0"/>
+                <a:cs typeface="Arial" panose="020B0604020202020204" pitchFamily="34" charset="0"/>
+              </a:rPr>
+              <a:t>Freigabe</a:t>
+            </a:r>
+            <a:endParaRPr lang="en-US" sz="2000" dirty="0">
+              <a:solidFill>
+                <a:schemeClr val="tx1">
+                  <a:lumMod val="85000"/>
+                  <a:lumOff val="15000"/>
+                </a:schemeClr>
+              </a:solidFill>
+              <a:latin typeface="Arial" panose="020B0604020202020204" pitchFamily="34" charset="0"/>
+              <a:cs typeface="Arial" panose="020B0604020202020204" pitchFamily="34" charset="0"/>
+            </a:endParaRPr>
+          </a:p>
+        </p:txBody>
+      </p:sp>
     </p:spTree>
     <p:extLst>
       <p:ext uri="{BB962C8B-B14F-4D97-AF65-F5344CB8AC3E}">
@@ -7056,6 +7491,372 @@
   <p:clrMapOvr>
     <a:masterClrMapping/>
   </p:clrMapOvr>
+  <p:timing>
+    <p:tnLst>
+      <p:par>
+        <p:cTn id="1" dur="indefinite" restart="never" nodeType="tmRoot">
+          <p:childTnLst>
+            <p:seq concurrent="1" nextAc="seek">
+              <p:cTn id="2" dur="indefinite" nodeType="mainSeq">
+                <p:childTnLst>
+                  <p:par>
+                    <p:cTn id="3" fill="hold">
+                      <p:stCondLst>
+                        <p:cond delay="indefinite"/>
+                      </p:stCondLst>
+                      <p:childTnLst>
+                        <p:par>
+                          <p:cTn id="4" fill="hold">
+                            <p:stCondLst>
+                              <p:cond delay="0"/>
+                            </p:stCondLst>
+                            <p:childTnLst>
+                              <p:par>
+                                <p:cTn id="5" presetID="10" presetClass="entr" presetSubtype="0" fill="hold" nodeType="clickEffect">
+                                  <p:stCondLst>
+                                    <p:cond delay="0"/>
+                                  </p:stCondLst>
+                                  <p:childTnLst>
+                                    <p:set>
+                                      <p:cBhvr>
+                                        <p:cTn id="6" dur="1" fill="hold">
+                                          <p:stCondLst>
+                                            <p:cond delay="0"/>
+                                          </p:stCondLst>
+                                        </p:cTn>
+                                        <p:tgtEl>
+                                          <p:spTgt spid="14">
+                                            <p:txEl>
+                                              <p:pRg st="0" end="0"/>
+                                            </p:txEl>
+                                          </p:spTgt>
+                                        </p:tgtEl>
+                                        <p:attrNameLst>
+                                          <p:attrName>style.visibility</p:attrName>
+                                        </p:attrNameLst>
+                                      </p:cBhvr>
+                                      <p:to>
+                                        <p:strVal val="visible"/>
+                                      </p:to>
+                                    </p:set>
+                                    <p:animEffect transition="in" filter="fade">
+                                      <p:cBhvr>
+                                        <p:cTn id="7" dur="500"/>
+                                        <p:tgtEl>
+                                          <p:spTgt spid="14">
+                                            <p:txEl>
+                                              <p:pRg st="0" end="0"/>
+                                            </p:txEl>
+                                          </p:spTgt>
+                                        </p:tgtEl>
+                                      </p:cBhvr>
+                                    </p:animEffect>
+                                  </p:childTnLst>
+                                </p:cTn>
+                              </p:par>
+                            </p:childTnLst>
+                          </p:cTn>
+                        </p:par>
+                      </p:childTnLst>
+                    </p:cTn>
+                  </p:par>
+                  <p:par>
+                    <p:cTn id="8" fill="hold">
+                      <p:stCondLst>
+                        <p:cond delay="indefinite"/>
+                      </p:stCondLst>
+                      <p:childTnLst>
+                        <p:par>
+                          <p:cTn id="9" fill="hold">
+                            <p:stCondLst>
+                              <p:cond delay="0"/>
+                            </p:stCondLst>
+                            <p:childTnLst>
+                              <p:par>
+                                <p:cTn id="10" presetID="10" presetClass="entr" presetSubtype="0" fill="hold" nodeType="clickEffect">
+                                  <p:stCondLst>
+                                    <p:cond delay="0"/>
+                                  </p:stCondLst>
+                                  <p:childTnLst>
+                                    <p:set>
+                                      <p:cBhvr>
+                                        <p:cTn id="11" dur="1" fill="hold">
+                                          <p:stCondLst>
+                                            <p:cond delay="0"/>
+                                          </p:stCondLst>
+                                        </p:cTn>
+                                        <p:tgtEl>
+                                          <p:spTgt spid="14">
+                                            <p:txEl>
+                                              <p:pRg st="2" end="2"/>
+                                            </p:txEl>
+                                          </p:spTgt>
+                                        </p:tgtEl>
+                                        <p:attrNameLst>
+                                          <p:attrName>style.visibility</p:attrName>
+                                        </p:attrNameLst>
+                                      </p:cBhvr>
+                                      <p:to>
+                                        <p:strVal val="visible"/>
+                                      </p:to>
+                                    </p:set>
+                                    <p:animEffect transition="in" filter="fade">
+                                      <p:cBhvr>
+                                        <p:cTn id="12" dur="500"/>
+                                        <p:tgtEl>
+                                          <p:spTgt spid="14">
+                                            <p:txEl>
+                                              <p:pRg st="2" end="2"/>
+                                            </p:txEl>
+                                          </p:spTgt>
+                                        </p:tgtEl>
+                                      </p:cBhvr>
+                                    </p:animEffect>
+                                  </p:childTnLst>
+                                </p:cTn>
+                              </p:par>
+                            </p:childTnLst>
+                          </p:cTn>
+                        </p:par>
+                      </p:childTnLst>
+                    </p:cTn>
+                  </p:par>
+                  <p:par>
+                    <p:cTn id="13" fill="hold">
+                      <p:stCondLst>
+                        <p:cond delay="indefinite"/>
+                      </p:stCondLst>
+                      <p:childTnLst>
+                        <p:par>
+                          <p:cTn id="14" fill="hold">
+                            <p:stCondLst>
+                              <p:cond delay="0"/>
+                            </p:stCondLst>
+                            <p:childTnLst>
+                              <p:par>
+                                <p:cTn id="15" presetID="10" presetClass="entr" presetSubtype="0" fill="hold" nodeType="clickEffect">
+                                  <p:stCondLst>
+                                    <p:cond delay="0"/>
+                                  </p:stCondLst>
+                                  <p:childTnLst>
+                                    <p:set>
+                                      <p:cBhvr>
+                                        <p:cTn id="16" dur="1" fill="hold">
+                                          <p:stCondLst>
+                                            <p:cond delay="0"/>
+                                          </p:stCondLst>
+                                        </p:cTn>
+                                        <p:tgtEl>
+                                          <p:spTgt spid="14">
+                                            <p:txEl>
+                                              <p:pRg st="4" end="4"/>
+                                            </p:txEl>
+                                          </p:spTgt>
+                                        </p:tgtEl>
+                                        <p:attrNameLst>
+                                          <p:attrName>style.visibility</p:attrName>
+                                        </p:attrNameLst>
+                                      </p:cBhvr>
+                                      <p:to>
+                                        <p:strVal val="visible"/>
+                                      </p:to>
+                                    </p:set>
+                                    <p:animEffect transition="in" filter="fade">
+                                      <p:cBhvr>
+                                        <p:cTn id="17" dur="500"/>
+                                        <p:tgtEl>
+                                          <p:spTgt spid="14">
+                                            <p:txEl>
+                                              <p:pRg st="4" end="4"/>
+                                            </p:txEl>
+                                          </p:spTgt>
+                                        </p:tgtEl>
+                                      </p:cBhvr>
+                                    </p:animEffect>
+                                  </p:childTnLst>
+                                </p:cTn>
+                              </p:par>
+                            </p:childTnLst>
+                          </p:cTn>
+                        </p:par>
+                      </p:childTnLst>
+                    </p:cTn>
+                  </p:par>
+                  <p:par>
+                    <p:cTn id="18" fill="hold">
+                      <p:stCondLst>
+                        <p:cond delay="indefinite"/>
+                      </p:stCondLst>
+                      <p:childTnLst>
+                        <p:par>
+                          <p:cTn id="19" fill="hold">
+                            <p:stCondLst>
+                              <p:cond delay="0"/>
+                            </p:stCondLst>
+                            <p:childTnLst>
+                              <p:par>
+                                <p:cTn id="20" presetID="10" presetClass="entr" presetSubtype="0" fill="hold" nodeType="clickEffect">
+                                  <p:stCondLst>
+                                    <p:cond delay="0"/>
+                                  </p:stCondLst>
+                                  <p:childTnLst>
+                                    <p:set>
+                                      <p:cBhvr>
+                                        <p:cTn id="21" dur="1" fill="hold">
+                                          <p:stCondLst>
+                                            <p:cond delay="0"/>
+                                          </p:stCondLst>
+                                        </p:cTn>
+                                        <p:tgtEl>
+                                          <p:spTgt spid="14">
+                                            <p:txEl>
+                                              <p:pRg st="6" end="6"/>
+                                            </p:txEl>
+                                          </p:spTgt>
+                                        </p:tgtEl>
+                                        <p:attrNameLst>
+                                          <p:attrName>style.visibility</p:attrName>
+                                        </p:attrNameLst>
+                                      </p:cBhvr>
+                                      <p:to>
+                                        <p:strVal val="visible"/>
+                                      </p:to>
+                                    </p:set>
+                                    <p:animEffect transition="in" filter="fade">
+                                      <p:cBhvr>
+                                        <p:cTn id="22" dur="500"/>
+                                        <p:tgtEl>
+                                          <p:spTgt spid="14">
+                                            <p:txEl>
+                                              <p:pRg st="6" end="6"/>
+                                            </p:txEl>
+                                          </p:spTgt>
+                                        </p:tgtEl>
+                                      </p:cBhvr>
+                                    </p:animEffect>
+                                  </p:childTnLst>
+                                </p:cTn>
+                              </p:par>
+                            </p:childTnLst>
+                          </p:cTn>
+                        </p:par>
+                      </p:childTnLst>
+                    </p:cTn>
+                  </p:par>
+                  <p:par>
+                    <p:cTn id="23" fill="hold">
+                      <p:stCondLst>
+                        <p:cond delay="indefinite"/>
+                      </p:stCondLst>
+                      <p:childTnLst>
+                        <p:par>
+                          <p:cTn id="24" fill="hold">
+                            <p:stCondLst>
+                              <p:cond delay="0"/>
+                            </p:stCondLst>
+                            <p:childTnLst>
+                              <p:par>
+                                <p:cTn id="25" presetID="10" presetClass="entr" presetSubtype="0" fill="hold" grpId="0" nodeType="clickEffect">
+                                  <p:stCondLst>
+                                    <p:cond delay="0"/>
+                                  </p:stCondLst>
+                                  <p:childTnLst>
+                                    <p:set>
+                                      <p:cBhvr>
+                                        <p:cTn id="26" dur="1" fill="hold">
+                                          <p:stCondLst>
+                                            <p:cond delay="0"/>
+                                          </p:stCondLst>
+                                        </p:cTn>
+                                        <p:tgtEl>
+                                          <p:spTgt spid="19"/>
+                                        </p:tgtEl>
+                                        <p:attrNameLst>
+                                          <p:attrName>style.visibility</p:attrName>
+                                        </p:attrNameLst>
+                                      </p:cBhvr>
+                                      <p:to>
+                                        <p:strVal val="visible"/>
+                                      </p:to>
+                                    </p:set>
+                                    <p:animEffect transition="in" filter="fade">
+                                      <p:cBhvr>
+                                        <p:cTn id="27" dur="500"/>
+                                        <p:tgtEl>
+                                          <p:spTgt spid="19"/>
+                                        </p:tgtEl>
+                                      </p:cBhvr>
+                                    </p:animEffect>
+                                  </p:childTnLst>
+                                </p:cTn>
+                              </p:par>
+                              <p:par>
+                                <p:cTn id="28" presetID="10" presetClass="entr" presetSubtype="0" fill="hold" grpId="0" nodeType="withEffect">
+                                  <p:stCondLst>
+                                    <p:cond delay="0"/>
+                                  </p:stCondLst>
+                                  <p:childTnLst>
+                                    <p:set>
+                                      <p:cBhvr>
+                                        <p:cTn id="29" dur="1" fill="hold">
+                                          <p:stCondLst>
+                                            <p:cond delay="0"/>
+                                          </p:stCondLst>
+                                        </p:cTn>
+                                        <p:tgtEl>
+                                          <p:spTgt spid="20"/>
+                                        </p:tgtEl>
+                                        <p:attrNameLst>
+                                          <p:attrName>style.visibility</p:attrName>
+                                        </p:attrNameLst>
+                                      </p:cBhvr>
+                                      <p:to>
+                                        <p:strVal val="visible"/>
+                                      </p:to>
+                                    </p:set>
+                                    <p:animEffect transition="in" filter="fade">
+                                      <p:cBhvr>
+                                        <p:cTn id="30" dur="500"/>
+                                        <p:tgtEl>
+                                          <p:spTgt spid="20"/>
+                                        </p:tgtEl>
+                                      </p:cBhvr>
+                                    </p:animEffect>
+                                  </p:childTnLst>
+                                </p:cTn>
+                              </p:par>
+                            </p:childTnLst>
+                          </p:cTn>
+                        </p:par>
+                      </p:childTnLst>
+                    </p:cTn>
+                  </p:par>
+                </p:childTnLst>
+              </p:cTn>
+              <p:prevCondLst>
+                <p:cond evt="onPrev" delay="0">
+                  <p:tgtEl>
+                    <p:sldTgt/>
+                  </p:tgtEl>
+                </p:cond>
+              </p:prevCondLst>
+              <p:nextCondLst>
+                <p:cond evt="onNext" delay="0">
+                  <p:tgtEl>
+                    <p:sldTgt/>
+                  </p:tgtEl>
+                </p:cond>
+              </p:nextCondLst>
+            </p:seq>
+          </p:childTnLst>
+        </p:cTn>
+      </p:par>
+    </p:tnLst>
+    <p:bldLst>
+      <p:bldP spid="20" grpId="0"/>
+      <p:bldP spid="19" grpId="0"/>
+    </p:bldLst>
+  </p:timing>
 </p:sld>
 </file>
 
@@ -7112,6 +7913,12 @@
           <a:p>
             <a:r>
               <a:rPr lang="en-US" sz="3600" dirty="0" err="1">
+                <a:solidFill>
+                  <a:schemeClr val="tx1">
+                    <a:lumMod val="85000"/>
+                    <a:lumOff val="15000"/>
+                  </a:schemeClr>
+                </a:solidFill>
                 <a:latin typeface="Segoe UI Bold" panose="020B0802040204020203" pitchFamily="34" charset="0"/>
                 <a:cs typeface="Segoe UI Bold" panose="020B0802040204020203" pitchFamily="34" charset="0"/>
               </a:rPr>
@@ -7119,12 +7926,24 @@
             </a:r>
             <a:r>
               <a:rPr lang="en-US" sz="3600" dirty="0">
+                <a:solidFill>
+                  <a:schemeClr val="tx1">
+                    <a:lumMod val="85000"/>
+                    <a:lumOff val="15000"/>
+                  </a:schemeClr>
+                </a:solidFill>
                 <a:latin typeface="Segoe UI Bold" panose="020B0802040204020203" pitchFamily="34" charset="0"/>
                 <a:cs typeface="Segoe UI Bold" panose="020B0802040204020203" pitchFamily="34" charset="0"/>
               </a:rPr>
               <a:t> &amp; Zukunft</a:t>
             </a:r>
             <a:endParaRPr lang="en-DE" sz="3600" dirty="0">
+              <a:solidFill>
+                <a:schemeClr val="tx1">
+                  <a:lumMod val="85000"/>
+                  <a:lumOff val="15000"/>
+                </a:schemeClr>
+              </a:solidFill>
               <a:latin typeface="Segoe UI Bold" panose="020B0802040204020203" pitchFamily="34" charset="0"/>
               <a:ea typeface="ADLaM Display" panose="020F0502020204030204" pitchFamily="2" charset="0"/>
               <a:cs typeface="Segoe UI Bold" panose="020B0802040204020203" pitchFamily="34" charset="0"/>
@@ -7164,6 +7983,12 @@
               <a:buNone/>
             </a:pPr>
             <a:endParaRPr lang="en-US" sz="2000" dirty="0">
+              <a:solidFill>
+                <a:schemeClr val="tx1">
+                  <a:lumMod val="85000"/>
+                  <a:lumOff val="15000"/>
+                </a:schemeClr>
+              </a:solidFill>
               <a:latin typeface="Arial" panose="020B0604020202020204" pitchFamily="34" charset="0"/>
               <a:cs typeface="Arial" panose="020B0604020202020204" pitchFamily="34" charset="0"/>
             </a:endParaRPr>
@@ -7173,21 +7998,138 @@
               <a:buNone/>
             </a:pPr>
             <a:r>
-              <a:rPr lang="en-US" sz="2000" dirty="0">
+              <a:rPr lang="en-US" sz="2000" b="1" dirty="0" err="1">
+                <a:solidFill>
+                  <a:schemeClr val="tx1">
+                    <a:lumMod val="85000"/>
+                    <a:lumOff val="15000"/>
+                  </a:schemeClr>
+                </a:solidFill>
                 <a:latin typeface="Arial" panose="020B0604020202020204" pitchFamily="34" charset="0"/>
                 <a:cs typeface="Arial" panose="020B0604020202020204" pitchFamily="34" charset="0"/>
               </a:rPr>
-              <a:t>1 </a:t>
-            </a:r>
-            <a:r>
-              <a:rPr lang="en-US" sz="2000" dirty="0" err="1">
+              <a:t>Beispiel</a:t>
+            </a:r>
+            <a:r>
+              <a:rPr lang="en-US" sz="2000" dirty="0">
+                <a:solidFill>
+                  <a:schemeClr val="tx1">
+                    <a:lumMod val="85000"/>
+                    <a:lumOff val="15000"/>
+                  </a:schemeClr>
+                </a:solidFill>
                 <a:latin typeface="Arial" panose="020B0604020202020204" pitchFamily="34" charset="0"/>
                 <a:cs typeface="Arial" panose="020B0604020202020204" pitchFamily="34" charset="0"/>
               </a:rPr>
-              <a:t>beispiel</a:t>
+              <a:t>:</a:t>
+            </a:r>
+          </a:p>
+          <a:p>
+            <a:r>
+              <a:rPr lang="en-US" sz="2000" dirty="0" err="1">
+                <a:solidFill>
+                  <a:schemeClr val="tx1">
+                    <a:lumMod val="85000"/>
+                    <a:lumOff val="15000"/>
+                  </a:schemeClr>
+                </a:solidFill>
+                <a:latin typeface="Arial" panose="020B0604020202020204" pitchFamily="34" charset="0"/>
+                <a:cs typeface="Arial" panose="020B0604020202020204" pitchFamily="34" charset="0"/>
+              </a:rPr>
+              <a:t>Automatische</a:t>
             </a:r>
             <a:r>
               <a:rPr lang="en-US" sz="2000" dirty="0">
+                <a:solidFill>
+                  <a:schemeClr val="tx1">
+                    <a:lumMod val="85000"/>
+                    <a:lumOff val="15000"/>
+                  </a:schemeClr>
+                </a:solidFill>
+                <a:latin typeface="Arial" panose="020B0604020202020204" pitchFamily="34" charset="0"/>
+                <a:cs typeface="Arial" panose="020B0604020202020204" pitchFamily="34" charset="0"/>
+              </a:rPr>
+              <a:t> Exports </a:t>
+            </a:r>
+            <a:r>
+              <a:rPr lang="en-US" sz="2000" dirty="0" err="1">
+                <a:solidFill>
+                  <a:schemeClr val="tx1">
+                    <a:lumMod val="85000"/>
+                    <a:lumOff val="15000"/>
+                  </a:schemeClr>
+                </a:solidFill>
+                <a:latin typeface="Arial" panose="020B0604020202020204" pitchFamily="34" charset="0"/>
+                <a:cs typeface="Arial" panose="020B0604020202020204" pitchFamily="34" charset="0"/>
+              </a:rPr>
+              <a:t>wöchentlich</a:t>
+            </a:r>
+            <a:endParaRPr lang="en-US" sz="2000" dirty="0">
+              <a:solidFill>
+                <a:schemeClr val="tx1">
+                  <a:lumMod val="85000"/>
+                  <a:lumOff val="15000"/>
+                </a:schemeClr>
+              </a:solidFill>
+              <a:latin typeface="Arial" panose="020B0604020202020204" pitchFamily="34" charset="0"/>
+              <a:cs typeface="Arial" panose="020B0604020202020204" pitchFamily="34" charset="0"/>
+            </a:endParaRPr>
+          </a:p>
+          <a:p>
+            <a:r>
+              <a:rPr lang="en-US" sz="2000" dirty="0">
+                <a:solidFill>
+                  <a:schemeClr val="tx1">
+                    <a:lumMod val="85000"/>
+                    <a:lumOff val="15000"/>
+                  </a:schemeClr>
+                </a:solidFill>
+                <a:latin typeface="Arial" panose="020B0604020202020204" pitchFamily="34" charset="0"/>
+                <a:cs typeface="Arial" panose="020B0604020202020204" pitchFamily="34" charset="0"/>
+              </a:rPr>
+              <a:t>…</a:t>
+            </a:r>
+          </a:p>
+          <a:p>
+            <a:pPr marL="0" indent="0">
+              <a:buNone/>
+            </a:pPr>
+            <a:endParaRPr lang="en-US" sz="2000" dirty="0">
+              <a:solidFill>
+                <a:schemeClr val="tx1">
+                  <a:lumMod val="85000"/>
+                  <a:lumOff val="15000"/>
+                </a:schemeClr>
+              </a:solidFill>
+              <a:latin typeface="Arial" panose="020B0604020202020204" pitchFamily="34" charset="0"/>
+              <a:cs typeface="Arial" panose="020B0604020202020204" pitchFamily="34" charset="0"/>
+            </a:endParaRPr>
+          </a:p>
+          <a:p>
+            <a:pPr marL="0" indent="0">
+              <a:buNone/>
+            </a:pPr>
+            <a:r>
+              <a:rPr lang="en-US" sz="2000" dirty="0" err="1">
+                <a:solidFill>
+                  <a:schemeClr val="tx1">
+                    <a:lumMod val="85000"/>
+                    <a:lumOff val="15000"/>
+                  </a:schemeClr>
+                </a:solidFill>
+                <a:latin typeface="Arial" panose="020B0604020202020204" pitchFamily="34" charset="0"/>
+                <a:cs typeface="Arial" panose="020B0604020202020204" pitchFamily="34" charset="0"/>
+              </a:rPr>
+              <a:t>Erweiterungen</a:t>
+            </a:r>
+            <a:r>
+              <a:rPr lang="en-US" sz="2000" dirty="0">
+                <a:solidFill>
+                  <a:schemeClr val="tx1">
+                    <a:lumMod val="85000"/>
+                    <a:lumOff val="15000"/>
+                  </a:schemeClr>
+                </a:solidFill>
                 <a:latin typeface="Arial" panose="020B0604020202020204" pitchFamily="34" charset="0"/>
                 <a:cs typeface="Arial" panose="020B0604020202020204" pitchFamily="34" charset="0"/>
               </a:rPr>
@@ -7195,115 +8137,56 @@
             </a:r>
             <a:r>
               <a:rPr lang="en-US" sz="2000" dirty="0" err="1">
+                <a:solidFill>
+                  <a:schemeClr val="tx1">
+                    <a:lumMod val="85000"/>
+                    <a:lumOff val="15000"/>
+                  </a:schemeClr>
+                </a:solidFill>
                 <a:latin typeface="Arial" panose="020B0604020202020204" pitchFamily="34" charset="0"/>
                 <a:cs typeface="Arial" panose="020B0604020202020204" pitchFamily="34" charset="0"/>
               </a:rPr>
-              <a:t>Grundsätzlich</a:t>
+              <a:t>Wünsche</a:t>
             </a:r>
             <a:r>
               <a:rPr lang="en-US" sz="2000" dirty="0">
+                <a:solidFill>
+                  <a:schemeClr val="tx1">
+                    <a:lumMod val="85000"/>
+                    <a:lumOff val="15000"/>
+                  </a:schemeClr>
+                </a:solidFill>
                 <a:latin typeface="Arial" panose="020B0604020202020204" pitchFamily="34" charset="0"/>
                 <a:cs typeface="Arial" panose="020B0604020202020204" pitchFamily="34" charset="0"/>
               </a:rPr>
-              <a:t> </a:t>
+              <a:t> an </a:t>
             </a:r>
             <a:r>
               <a:rPr lang="en-US" sz="2000" dirty="0" err="1">
+                <a:solidFill>
+                  <a:schemeClr val="tx1">
+                    <a:lumMod val="85000"/>
+                    <a:lumOff val="15000"/>
+                  </a:schemeClr>
+                </a:solidFill>
                 <a:latin typeface="Arial" panose="020B0604020202020204" pitchFamily="34" charset="0"/>
                 <a:cs typeface="Arial" panose="020B0604020202020204" pitchFamily="34" charset="0"/>
               </a:rPr>
-              <a:t>potenzial</a:t>
+              <a:t>Sirum</a:t>
             </a:r>
             <a:r>
               <a:rPr lang="en-US" sz="2000" dirty="0">
+                <a:solidFill>
+                  <a:schemeClr val="tx1">
+                    <a:lumMod val="85000"/>
+                    <a:lumOff val="15000"/>
+                  </a:schemeClr>
+                </a:solidFill>
                 <a:latin typeface="Arial" panose="020B0604020202020204" pitchFamily="34" charset="0"/>
                 <a:cs typeface="Arial" panose="020B0604020202020204" pitchFamily="34" charset="0"/>
               </a:rPr>
-              <a:t> für </a:t>
-            </a:r>
-            <a:r>
-              <a:rPr lang="en-US" sz="2000" dirty="0" err="1">
-                <a:latin typeface="Arial" panose="020B0604020202020204" pitchFamily="34" charset="0"/>
-                <a:cs typeface="Arial" panose="020B0604020202020204" pitchFamily="34" charset="0"/>
-              </a:rPr>
-              <a:t>wünsche</a:t>
-            </a:r>
-            <a:endParaRPr lang="en-US" sz="2000" dirty="0">
-              <a:latin typeface="Arial" panose="020B0604020202020204" pitchFamily="34" charset="0"/>
-              <a:cs typeface="Arial" panose="020B0604020202020204" pitchFamily="34" charset="0"/>
-            </a:endParaRPr>
-          </a:p>
-          <a:p>
-            <a:pPr marL="0" indent="0">
-              <a:buNone/>
-            </a:pPr>
-            <a:r>
-              <a:rPr lang="en-US" sz="2000" dirty="0">
-                <a:latin typeface="Arial" panose="020B0604020202020204" pitchFamily="34" charset="0"/>
-                <a:cs typeface="Arial" panose="020B0604020202020204" pitchFamily="34" charset="0"/>
-              </a:rPr>
-              <a:t>(</a:t>
-            </a:r>
-            <a:r>
-              <a:rPr lang="en-US" sz="2000" dirty="0" err="1">
-                <a:latin typeface="Arial" panose="020B0604020202020204" pitchFamily="34" charset="0"/>
-                <a:cs typeface="Arial" panose="020B0604020202020204" pitchFamily="34" charset="0"/>
-              </a:rPr>
-              <a:t>Nicht</a:t>
-            </a:r>
-            <a:r>
-              <a:rPr lang="en-US" sz="2000" dirty="0">
-                <a:latin typeface="Arial" panose="020B0604020202020204" pitchFamily="34" charset="0"/>
-                <a:cs typeface="Arial" panose="020B0604020202020204" pitchFamily="34" charset="0"/>
-              </a:rPr>
-              <a:t> </a:t>
-            </a:r>
-            <a:r>
-              <a:rPr lang="en-US" sz="2000" dirty="0" err="1">
-                <a:latin typeface="Arial" panose="020B0604020202020204" pitchFamily="34" charset="0"/>
-                <a:cs typeface="Arial" panose="020B0604020202020204" pitchFamily="34" charset="0"/>
-              </a:rPr>
-              <a:t>zu</a:t>
-            </a:r>
-            <a:r>
-              <a:rPr lang="en-US" sz="2000" dirty="0">
-                <a:latin typeface="Arial" panose="020B0604020202020204" pitchFamily="34" charset="0"/>
-                <a:cs typeface="Arial" panose="020B0604020202020204" pitchFamily="34" charset="0"/>
-              </a:rPr>
-              <a:t> </a:t>
-            </a:r>
-            <a:r>
-              <a:rPr lang="en-US" sz="2000" dirty="0" err="1">
-                <a:latin typeface="Arial" panose="020B0604020202020204" pitchFamily="34" charset="0"/>
-                <a:cs typeface="Arial" panose="020B0604020202020204" pitchFamily="34" charset="0"/>
-              </a:rPr>
-              <a:t>viel</a:t>
-            </a:r>
-            <a:r>
-              <a:rPr lang="en-US" sz="2000" dirty="0">
-                <a:latin typeface="Arial" panose="020B0604020202020204" pitchFamily="34" charset="0"/>
-                <a:cs typeface="Arial" panose="020B0604020202020204" pitchFamily="34" charset="0"/>
-              </a:rPr>
-              <a:t> </a:t>
-            </a:r>
-            <a:r>
-              <a:rPr lang="en-US" sz="2000" dirty="0" err="1">
-                <a:latin typeface="Arial" panose="020B0604020202020204" pitchFamily="34" charset="0"/>
-                <a:cs typeface="Arial" panose="020B0604020202020204" pitchFamily="34" charset="0"/>
-              </a:rPr>
-              <a:t>eingehen</a:t>
-            </a:r>
-            <a:r>
-              <a:rPr lang="en-US" sz="2000" dirty="0">
-                <a:latin typeface="Arial" panose="020B0604020202020204" pitchFamily="34" charset="0"/>
-                <a:cs typeface="Arial" panose="020B0604020202020204" pitchFamily="34" charset="0"/>
-              </a:rPr>
-              <a:t>)</a:t>
-            </a:r>
-            <a:endParaRPr lang="en-DE" sz="2000" dirty="0">
-              <a:latin typeface="Arial" panose="020B0604020202020204" pitchFamily="34" charset="0"/>
-              <a:cs typeface="Arial" panose="020B0604020202020204" pitchFamily="34" charset="0"/>
-            </a:endParaRPr>
+              <a:t> GmbH</a:t>
+            </a:r>
           </a:p>
         </p:txBody>
       </p:sp>
@@ -7559,10 +8442,986 @@
   <p:clrMapOvr>
     <a:masterClrMapping/>
   </p:clrMapOvr>
+  <p:timing>
+    <p:tnLst>
+      <p:par>
+        <p:cTn id="1" dur="indefinite" restart="never" nodeType="tmRoot">
+          <p:childTnLst>
+            <p:seq concurrent="1" nextAc="seek">
+              <p:cTn id="2" dur="indefinite" nodeType="mainSeq">
+                <p:childTnLst>
+                  <p:par>
+                    <p:cTn id="3" fill="hold">
+                      <p:stCondLst>
+                        <p:cond delay="indefinite"/>
+                      </p:stCondLst>
+                      <p:childTnLst>
+                        <p:par>
+                          <p:cTn id="4" fill="hold">
+                            <p:stCondLst>
+                              <p:cond delay="0"/>
+                            </p:stCondLst>
+                            <p:childTnLst>
+                              <p:par>
+                                <p:cTn id="5" presetID="10" presetClass="entr" presetSubtype="0" fill="hold" nodeType="clickEffect">
+                                  <p:stCondLst>
+                                    <p:cond delay="0"/>
+                                  </p:stCondLst>
+                                  <p:childTnLst>
+                                    <p:set>
+                                      <p:cBhvr>
+                                        <p:cTn id="6" dur="1" fill="hold">
+                                          <p:stCondLst>
+                                            <p:cond delay="0"/>
+                                          </p:stCondLst>
+                                        </p:cTn>
+                                        <p:tgtEl>
+                                          <p:spTgt spid="3">
+                                            <p:txEl>
+                                              <p:pRg st="1" end="1"/>
+                                            </p:txEl>
+                                          </p:spTgt>
+                                        </p:tgtEl>
+                                        <p:attrNameLst>
+                                          <p:attrName>style.visibility</p:attrName>
+                                        </p:attrNameLst>
+                                      </p:cBhvr>
+                                      <p:to>
+                                        <p:strVal val="visible"/>
+                                      </p:to>
+                                    </p:set>
+                                    <p:animEffect transition="in" filter="fade">
+                                      <p:cBhvr>
+                                        <p:cTn id="7" dur="500"/>
+                                        <p:tgtEl>
+                                          <p:spTgt spid="3">
+                                            <p:txEl>
+                                              <p:pRg st="1" end="1"/>
+                                            </p:txEl>
+                                          </p:spTgt>
+                                        </p:tgtEl>
+                                      </p:cBhvr>
+                                    </p:animEffect>
+                                  </p:childTnLst>
+                                </p:cTn>
+                              </p:par>
+                            </p:childTnLst>
+                          </p:cTn>
+                        </p:par>
+                      </p:childTnLst>
+                    </p:cTn>
+                  </p:par>
+                  <p:par>
+                    <p:cTn id="8" fill="hold">
+                      <p:stCondLst>
+                        <p:cond delay="indefinite"/>
+                      </p:stCondLst>
+                      <p:childTnLst>
+                        <p:par>
+                          <p:cTn id="9" fill="hold">
+                            <p:stCondLst>
+                              <p:cond delay="0"/>
+                            </p:stCondLst>
+                            <p:childTnLst>
+                              <p:par>
+                                <p:cTn id="10" presetID="10" presetClass="entr" presetSubtype="0" fill="hold" nodeType="clickEffect">
+                                  <p:stCondLst>
+                                    <p:cond delay="0"/>
+                                  </p:stCondLst>
+                                  <p:childTnLst>
+                                    <p:set>
+                                      <p:cBhvr>
+                                        <p:cTn id="11" dur="1" fill="hold">
+                                          <p:stCondLst>
+                                            <p:cond delay="0"/>
+                                          </p:stCondLst>
+                                        </p:cTn>
+                                        <p:tgtEl>
+                                          <p:spTgt spid="3">
+                                            <p:txEl>
+                                              <p:pRg st="2" end="2"/>
+                                            </p:txEl>
+                                          </p:spTgt>
+                                        </p:tgtEl>
+                                        <p:attrNameLst>
+                                          <p:attrName>style.visibility</p:attrName>
+                                        </p:attrNameLst>
+                                      </p:cBhvr>
+                                      <p:to>
+                                        <p:strVal val="visible"/>
+                                      </p:to>
+                                    </p:set>
+                                    <p:animEffect transition="in" filter="fade">
+                                      <p:cBhvr>
+                                        <p:cTn id="12" dur="500"/>
+                                        <p:tgtEl>
+                                          <p:spTgt spid="3">
+                                            <p:txEl>
+                                              <p:pRg st="2" end="2"/>
+                                            </p:txEl>
+                                          </p:spTgt>
+                                        </p:tgtEl>
+                                      </p:cBhvr>
+                                    </p:animEffect>
+                                  </p:childTnLst>
+                                </p:cTn>
+                              </p:par>
+                              <p:par>
+                                <p:cTn id="13" presetID="10" presetClass="entr" presetSubtype="0" fill="hold" nodeType="withEffect">
+                                  <p:stCondLst>
+                                    <p:cond delay="0"/>
+                                  </p:stCondLst>
+                                  <p:childTnLst>
+                                    <p:set>
+                                      <p:cBhvr>
+                                        <p:cTn id="14" dur="1" fill="hold">
+                                          <p:stCondLst>
+                                            <p:cond delay="0"/>
+                                          </p:stCondLst>
+                                        </p:cTn>
+                                        <p:tgtEl>
+                                          <p:spTgt spid="3">
+                                            <p:txEl>
+                                              <p:pRg st="3" end="3"/>
+                                            </p:txEl>
+                                          </p:spTgt>
+                                        </p:tgtEl>
+                                        <p:attrNameLst>
+                                          <p:attrName>style.visibility</p:attrName>
+                                        </p:attrNameLst>
+                                      </p:cBhvr>
+                                      <p:to>
+                                        <p:strVal val="visible"/>
+                                      </p:to>
+                                    </p:set>
+                                    <p:animEffect transition="in" filter="fade">
+                                      <p:cBhvr>
+                                        <p:cTn id="15" dur="500"/>
+                                        <p:tgtEl>
+                                          <p:spTgt spid="3">
+                                            <p:txEl>
+                                              <p:pRg st="3" end="3"/>
+                                            </p:txEl>
+                                          </p:spTgt>
+                                        </p:tgtEl>
+                                      </p:cBhvr>
+                                    </p:animEffect>
+                                  </p:childTnLst>
+                                </p:cTn>
+                              </p:par>
+                            </p:childTnLst>
+                          </p:cTn>
+                        </p:par>
+                      </p:childTnLst>
+                    </p:cTn>
+                  </p:par>
+                  <p:par>
+                    <p:cTn id="16" fill="hold">
+                      <p:stCondLst>
+                        <p:cond delay="indefinite"/>
+                      </p:stCondLst>
+                      <p:childTnLst>
+                        <p:par>
+                          <p:cTn id="17" fill="hold">
+                            <p:stCondLst>
+                              <p:cond delay="0"/>
+                            </p:stCondLst>
+                            <p:childTnLst>
+                              <p:par>
+                                <p:cTn id="18" presetID="10" presetClass="entr" presetSubtype="0" fill="hold" nodeType="clickEffect">
+                                  <p:stCondLst>
+                                    <p:cond delay="0"/>
+                                  </p:stCondLst>
+                                  <p:childTnLst>
+                                    <p:set>
+                                      <p:cBhvr>
+                                        <p:cTn id="19" dur="1" fill="hold">
+                                          <p:stCondLst>
+                                            <p:cond delay="0"/>
+                                          </p:stCondLst>
+                                        </p:cTn>
+                                        <p:tgtEl>
+                                          <p:spTgt spid="3">
+                                            <p:txEl>
+                                              <p:pRg st="5" end="5"/>
+                                            </p:txEl>
+                                          </p:spTgt>
+                                        </p:tgtEl>
+                                        <p:attrNameLst>
+                                          <p:attrName>style.visibility</p:attrName>
+                                        </p:attrNameLst>
+                                      </p:cBhvr>
+                                      <p:to>
+                                        <p:strVal val="visible"/>
+                                      </p:to>
+                                    </p:set>
+                                    <p:animEffect transition="in" filter="fade">
+                                      <p:cBhvr>
+                                        <p:cTn id="20" dur="500"/>
+                                        <p:tgtEl>
+                                          <p:spTgt spid="3">
+                                            <p:txEl>
+                                              <p:pRg st="5" end="5"/>
+                                            </p:txEl>
+                                          </p:spTgt>
+                                        </p:tgtEl>
+                                      </p:cBhvr>
+                                    </p:animEffect>
+                                  </p:childTnLst>
+                                </p:cTn>
+                              </p:par>
+                            </p:childTnLst>
+                          </p:cTn>
+                        </p:par>
+                      </p:childTnLst>
+                    </p:cTn>
+                  </p:par>
+                </p:childTnLst>
+              </p:cTn>
+              <p:prevCondLst>
+                <p:cond evt="onPrev" delay="0">
+                  <p:tgtEl>
+                    <p:sldTgt/>
+                  </p:tgtEl>
+                </p:cond>
+              </p:prevCondLst>
+              <p:nextCondLst>
+                <p:cond evt="onNext" delay="0">
+                  <p:tgtEl>
+                    <p:sldTgt/>
+                  </p:tgtEl>
+                </p:cond>
+              </p:nextCondLst>
+            </p:seq>
+          </p:childTnLst>
+        </p:cTn>
+      </p:par>
+    </p:tnLst>
+  </p:timing>
 </p:sld>
 </file>
 
 <file path=ppt/slides/slide13.xml><?xml version="1.0" encoding="utf-8"?>
+<p:sld xmlns:a="http://schemas.openxmlformats.org/drawingml/2006/main" xmlns:r="http://schemas.openxmlformats.org/officeDocument/2006/relationships" xmlns:p="http://schemas.openxmlformats.org/presentationml/2006/main">
+  <p:cSld>
+    <p:spTree>
+      <p:nvGrpSpPr>
+        <p:cNvPr id="1" name="">
+          <a:extLst>
+            <a:ext uri="{FF2B5EF4-FFF2-40B4-BE49-F238E27FC236}">
+              <a16:creationId xmlns:a16="http://schemas.microsoft.com/office/drawing/2014/main" id="{3CE5F48D-66A9-7E9B-732A-03FB5F8BCA66}"/>
+            </a:ext>
+          </a:extLst>
+        </p:cNvPr>
+        <p:cNvGrpSpPr/>
+        <p:nvPr/>
+      </p:nvGrpSpPr>
+      <p:grpSpPr>
+        <a:xfrm>
+          <a:off x="0" y="0"/>
+          <a:ext cx="0" cy="0"/>
+          <a:chOff x="0" y="0"/>
+          <a:chExt cx="0" cy="0"/>
+        </a:xfrm>
+      </p:grpSpPr>
+      <p:sp>
+        <p:nvSpPr>
+          <p:cNvPr id="2" name="Titel 1">
+            <a:extLst>
+              <a:ext uri="{FF2B5EF4-FFF2-40B4-BE49-F238E27FC236}">
+                <a16:creationId xmlns:a16="http://schemas.microsoft.com/office/drawing/2014/main" id="{59C93D3F-D039-6A4A-30FF-EF344424FB9B}"/>
+              </a:ext>
+            </a:extLst>
+          </p:cNvPr>
+          <p:cNvSpPr>
+            <a:spLocks noGrp="1"/>
+          </p:cNvSpPr>
+          <p:nvPr>
+            <p:ph type="title"/>
+          </p:nvPr>
+        </p:nvSpPr>
+        <p:spPr>
+          <a:xfrm>
+            <a:off x="977136" y="911949"/>
+            <a:ext cx="7237221" cy="708660"/>
+          </a:xfrm>
+        </p:spPr>
+        <p:txBody>
+          <a:bodyPr anchor="ctr">
+            <a:normAutofit/>
+          </a:bodyPr>
+          <a:lstStyle/>
+          <a:p>
+            <a:r>
+              <a:rPr lang="en-US" sz="3600" dirty="0" err="1">
+                <a:solidFill>
+                  <a:schemeClr val="tx1">
+                    <a:lumMod val="85000"/>
+                    <a:lumOff val="15000"/>
+                  </a:schemeClr>
+                </a:solidFill>
+                <a:latin typeface="Segoe UI Bold" panose="020B0802040204020203" pitchFamily="34" charset="0"/>
+                <a:cs typeface="Segoe UI Bold" panose="020B0802040204020203" pitchFamily="34" charset="0"/>
+              </a:rPr>
+              <a:t>Nächste</a:t>
+            </a:r>
+            <a:r>
+              <a:rPr lang="en-US" sz="3600" dirty="0">
+                <a:solidFill>
+                  <a:schemeClr val="tx1">
+                    <a:lumMod val="85000"/>
+                    <a:lumOff val="15000"/>
+                  </a:schemeClr>
+                </a:solidFill>
+                <a:latin typeface="Segoe UI Bold" panose="020B0802040204020203" pitchFamily="34" charset="0"/>
+                <a:cs typeface="Segoe UI Bold" panose="020B0802040204020203" pitchFamily="34" charset="0"/>
+              </a:rPr>
+              <a:t> </a:t>
+            </a:r>
+            <a:r>
+              <a:rPr lang="en-US" sz="3600" dirty="0" err="1">
+                <a:solidFill>
+                  <a:schemeClr val="tx1">
+                    <a:lumMod val="85000"/>
+                    <a:lumOff val="15000"/>
+                  </a:schemeClr>
+                </a:solidFill>
+                <a:latin typeface="Segoe UI Bold" panose="020B0802040204020203" pitchFamily="34" charset="0"/>
+                <a:cs typeface="Segoe UI Bold" panose="020B0802040204020203" pitchFamily="34" charset="0"/>
+              </a:rPr>
+              <a:t>Schritte</a:t>
+            </a:r>
+            <a:endParaRPr lang="en-DE" sz="3600" dirty="0">
+              <a:solidFill>
+                <a:schemeClr val="tx1">
+                  <a:lumMod val="85000"/>
+                  <a:lumOff val="15000"/>
+                </a:schemeClr>
+              </a:solidFill>
+              <a:latin typeface="Segoe UI Bold" panose="020B0802040204020203" pitchFamily="34" charset="0"/>
+              <a:ea typeface="ADLaM Display" panose="020F0502020204030204" pitchFamily="2" charset="0"/>
+              <a:cs typeface="Segoe UI Bold" panose="020B0802040204020203" pitchFamily="34" charset="0"/>
+            </a:endParaRPr>
+          </a:p>
+        </p:txBody>
+      </p:sp>
+      <p:sp>
+        <p:nvSpPr>
+          <p:cNvPr id="3" name="Inhaltsplatzhalter 2">
+            <a:extLst>
+              <a:ext uri="{FF2B5EF4-FFF2-40B4-BE49-F238E27FC236}">
+                <a16:creationId xmlns:a16="http://schemas.microsoft.com/office/drawing/2014/main" id="{7E4BB98C-194C-F40C-34DC-0DD9FC3AAA28}"/>
+              </a:ext>
+            </a:extLst>
+          </p:cNvPr>
+          <p:cNvSpPr>
+            <a:spLocks noGrp="1"/>
+          </p:cNvSpPr>
+          <p:nvPr>
+            <p:ph idx="1"/>
+          </p:nvPr>
+        </p:nvSpPr>
+        <p:spPr>
+          <a:xfrm>
+            <a:off x="977137" y="1752169"/>
+            <a:ext cx="10890929" cy="4463185"/>
+          </a:xfrm>
+        </p:spPr>
+        <p:txBody>
+          <a:bodyPr>
+            <a:normAutofit/>
+          </a:bodyPr>
+          <a:lstStyle/>
+          <a:p>
+            <a:pPr marL="0" indent="0">
+              <a:buNone/>
+            </a:pPr>
+            <a:r>
+              <a:rPr lang="en-US" sz="2000" dirty="0">
+                <a:solidFill>
+                  <a:schemeClr val="tx1">
+                    <a:lumMod val="85000"/>
+                    <a:lumOff val="15000"/>
+                  </a:schemeClr>
+                </a:solidFill>
+                <a:latin typeface="Arial" panose="020B0604020202020204" pitchFamily="34" charset="0"/>
+                <a:cs typeface="Arial" panose="020B0604020202020204" pitchFamily="34" charset="0"/>
+              </a:rPr>
+              <a:t>Kleine Hotfixes</a:t>
+            </a:r>
+          </a:p>
+          <a:p>
+            <a:pPr marL="0" indent="0">
+              <a:buNone/>
+            </a:pPr>
+            <a:endParaRPr lang="en-US" sz="2000" dirty="0">
+              <a:solidFill>
+                <a:schemeClr val="tx1">
+                  <a:lumMod val="85000"/>
+                  <a:lumOff val="15000"/>
+                </a:schemeClr>
+              </a:solidFill>
+              <a:latin typeface="Arial" panose="020B0604020202020204" pitchFamily="34" charset="0"/>
+              <a:cs typeface="Arial" panose="020B0604020202020204" pitchFamily="34" charset="0"/>
+            </a:endParaRPr>
+          </a:p>
+          <a:p>
+            <a:pPr marL="0" indent="0">
+              <a:buNone/>
+            </a:pPr>
+            <a:r>
+              <a:rPr lang="en-US" sz="2000" dirty="0" err="1">
+                <a:solidFill>
+                  <a:schemeClr val="tx1">
+                    <a:lumMod val="85000"/>
+                    <a:lumOff val="15000"/>
+                  </a:schemeClr>
+                </a:solidFill>
+                <a:latin typeface="Arial" panose="020B0604020202020204" pitchFamily="34" charset="0"/>
+                <a:cs typeface="Arial" panose="020B0604020202020204" pitchFamily="34" charset="0"/>
+              </a:rPr>
+              <a:t>Fertigstellung</a:t>
+            </a:r>
+            <a:endParaRPr lang="en-US" sz="2000" dirty="0">
+              <a:solidFill>
+                <a:schemeClr val="tx1">
+                  <a:lumMod val="85000"/>
+                  <a:lumOff val="15000"/>
+                </a:schemeClr>
+              </a:solidFill>
+              <a:latin typeface="Arial" panose="020B0604020202020204" pitchFamily="34" charset="0"/>
+              <a:cs typeface="Arial" panose="020B0604020202020204" pitchFamily="34" charset="0"/>
+            </a:endParaRPr>
+          </a:p>
+          <a:p>
+            <a:pPr marL="0" indent="0">
+              <a:buNone/>
+            </a:pPr>
+            <a:endParaRPr lang="en-US" sz="2000" dirty="0">
+              <a:solidFill>
+                <a:schemeClr val="tx1">
+                  <a:lumMod val="85000"/>
+                  <a:lumOff val="15000"/>
+                </a:schemeClr>
+              </a:solidFill>
+              <a:latin typeface="Arial" panose="020B0604020202020204" pitchFamily="34" charset="0"/>
+              <a:cs typeface="Arial" panose="020B0604020202020204" pitchFamily="34" charset="0"/>
+            </a:endParaRPr>
+          </a:p>
+          <a:p>
+            <a:pPr marL="0" indent="0">
+              <a:buNone/>
+            </a:pPr>
+            <a:r>
+              <a:rPr lang="en-US" sz="2000" dirty="0" err="1">
+                <a:solidFill>
+                  <a:schemeClr val="tx1">
+                    <a:lumMod val="85000"/>
+                    <a:lumOff val="15000"/>
+                  </a:schemeClr>
+                </a:solidFill>
+                <a:latin typeface="Arial" panose="020B0604020202020204" pitchFamily="34" charset="0"/>
+                <a:cs typeface="Arial" panose="020B0604020202020204" pitchFamily="34" charset="0"/>
+              </a:rPr>
+              <a:t>Einführung</a:t>
+            </a:r>
+            <a:endParaRPr lang="en-US" sz="2000" dirty="0">
+              <a:solidFill>
+                <a:schemeClr val="tx1">
+                  <a:lumMod val="85000"/>
+                  <a:lumOff val="15000"/>
+                </a:schemeClr>
+              </a:solidFill>
+              <a:latin typeface="Arial" panose="020B0604020202020204" pitchFamily="34" charset="0"/>
+              <a:cs typeface="Arial" panose="020B0604020202020204" pitchFamily="34" charset="0"/>
+            </a:endParaRPr>
+          </a:p>
+          <a:p>
+            <a:pPr marL="0" indent="0">
+              <a:buNone/>
+            </a:pPr>
+            <a:endParaRPr lang="en-US" sz="2000" dirty="0">
+              <a:solidFill>
+                <a:schemeClr val="tx1">
+                  <a:lumMod val="85000"/>
+                  <a:lumOff val="15000"/>
+                </a:schemeClr>
+              </a:solidFill>
+              <a:latin typeface="Arial" panose="020B0604020202020204" pitchFamily="34" charset="0"/>
+              <a:cs typeface="Arial" panose="020B0604020202020204" pitchFamily="34" charset="0"/>
+            </a:endParaRPr>
+          </a:p>
+        </p:txBody>
+      </p:sp>
+      <p:sp>
+        <p:nvSpPr>
+          <p:cNvPr id="9" name="Datumsplatzhalter 8">
+            <a:extLst>
+              <a:ext uri="{FF2B5EF4-FFF2-40B4-BE49-F238E27FC236}">
+                <a16:creationId xmlns:a16="http://schemas.microsoft.com/office/drawing/2014/main" id="{4CC6D0E4-0ACC-0DDF-71A5-9FAC053EA2F0}"/>
+              </a:ext>
+            </a:extLst>
+          </p:cNvPr>
+          <p:cNvSpPr>
+            <a:spLocks noGrp="1"/>
+          </p:cNvSpPr>
+          <p:nvPr>
+            <p:ph type="dt" sz="half" idx="10"/>
+          </p:nvPr>
+        </p:nvSpPr>
+        <p:spPr/>
+        <p:txBody>
+          <a:bodyPr>
+            <a:normAutofit/>
+          </a:bodyPr>
+          <a:lstStyle/>
+          <a:p>
+            <a:pPr>
+              <a:spcAft>
+                <a:spcPts val="600"/>
+              </a:spcAft>
+            </a:pPr>
+            <a:r>
+              <a:rPr lang="en-US" dirty="0">
+                <a:solidFill>
+                  <a:schemeClr val="bg1">
+                    <a:lumMod val="50000"/>
+                  </a:schemeClr>
+                </a:solidFill>
+              </a:rPr>
+              <a:t>Mark Albers</a:t>
+            </a:r>
+          </a:p>
+        </p:txBody>
+      </p:sp>
+      <p:sp>
+        <p:nvSpPr>
+          <p:cNvPr id="7" name="Fußzeilenplatzhalter 6">
+            <a:extLst>
+              <a:ext uri="{FF2B5EF4-FFF2-40B4-BE49-F238E27FC236}">
+                <a16:creationId xmlns:a16="http://schemas.microsoft.com/office/drawing/2014/main" id="{4CF62F45-D012-631F-9B3E-AE1EDC235B52}"/>
+              </a:ext>
+            </a:extLst>
+          </p:cNvPr>
+          <p:cNvSpPr>
+            <a:spLocks noGrp="1"/>
+          </p:cNvSpPr>
+          <p:nvPr>
+            <p:ph type="ftr" sz="quarter" idx="11"/>
+          </p:nvPr>
+        </p:nvSpPr>
+        <p:spPr>
+          <a:xfrm>
+            <a:off x="4074289" y="6357620"/>
+            <a:ext cx="4040373" cy="365125"/>
+          </a:xfrm>
+        </p:spPr>
+        <p:txBody>
+          <a:bodyPr>
+            <a:normAutofit/>
+          </a:bodyPr>
+          <a:lstStyle/>
+          <a:p>
+            <a:pPr algn="ctr">
+              <a:spcAft>
+                <a:spcPts val="600"/>
+              </a:spcAft>
+            </a:pPr>
+            <a:r>
+              <a:rPr lang="en-US" dirty="0">
+                <a:solidFill>
+                  <a:schemeClr val="bg1">
+                    <a:lumMod val="50000"/>
+                  </a:schemeClr>
+                </a:solidFill>
+              </a:rPr>
+              <a:t>2025 </a:t>
+            </a:r>
+            <a:r>
+              <a:rPr lang="en-US" dirty="0" err="1">
+                <a:solidFill>
+                  <a:schemeClr val="bg1">
+                    <a:lumMod val="50000"/>
+                  </a:schemeClr>
+                </a:solidFill>
+              </a:rPr>
+              <a:t>Sirum</a:t>
+            </a:r>
+            <a:r>
+              <a:rPr lang="en-US" dirty="0">
+                <a:solidFill>
+                  <a:schemeClr val="bg1">
+                    <a:lumMod val="50000"/>
+                  </a:schemeClr>
+                </a:solidFill>
+              </a:rPr>
+              <a:t> GmbH</a:t>
+            </a:r>
+          </a:p>
+        </p:txBody>
+      </p:sp>
+      <p:sp>
+        <p:nvSpPr>
+          <p:cNvPr id="8" name="Foliennummernplatzhalter 7">
+            <a:extLst>
+              <a:ext uri="{FF2B5EF4-FFF2-40B4-BE49-F238E27FC236}">
+                <a16:creationId xmlns:a16="http://schemas.microsoft.com/office/drawing/2014/main" id="{480B4A18-36D2-73C2-E774-11779E97B6FD}"/>
+              </a:ext>
+            </a:extLst>
+          </p:cNvPr>
+          <p:cNvSpPr>
+            <a:spLocks noGrp="1"/>
+          </p:cNvSpPr>
+          <p:nvPr>
+            <p:ph type="sldNum" sz="quarter" idx="12"/>
+          </p:nvPr>
+        </p:nvSpPr>
+        <p:spPr/>
+        <p:txBody>
+          <a:bodyPr>
+            <a:normAutofit/>
+          </a:bodyPr>
+          <a:lstStyle/>
+          <a:p>
+            <a:pPr>
+              <a:spcAft>
+                <a:spcPts val="600"/>
+              </a:spcAft>
+            </a:pPr>
+            <a:fld id="{70C12960-6E85-460F-B6E3-5B82CB31AF3D}" type="slidenum">
+              <a:rPr lang="en-US" smtClean="0">
+                <a:solidFill>
+                  <a:schemeClr val="bg1">
+                    <a:lumMod val="50000"/>
+                  </a:schemeClr>
+                </a:solidFill>
+              </a:rPr>
+              <a:pPr>
+                <a:spcAft>
+                  <a:spcPts val="600"/>
+                </a:spcAft>
+              </a:pPr>
+              <a:t>13</a:t>
+            </a:fld>
+            <a:endParaRPr lang="en-US" dirty="0">
+              <a:solidFill>
+                <a:schemeClr val="bg1">
+                  <a:lumMod val="50000"/>
+                </a:schemeClr>
+              </a:solidFill>
+            </a:endParaRPr>
+          </a:p>
+        </p:txBody>
+      </p:sp>
+      <p:cxnSp>
+        <p:nvCxnSpPr>
+          <p:cNvPr id="11" name="Gerader Verbinder 10">
+            <a:extLst>
+              <a:ext uri="{FF2B5EF4-FFF2-40B4-BE49-F238E27FC236}">
+                <a16:creationId xmlns:a16="http://schemas.microsoft.com/office/drawing/2014/main" id="{5D5F9880-B56E-7CC8-BFF9-5D3A64FF85BD}"/>
+              </a:ext>
+            </a:extLst>
+          </p:cNvPr>
+          <p:cNvCxnSpPr>
+            <a:cxnSpLocks/>
+          </p:cNvCxnSpPr>
+          <p:nvPr/>
+        </p:nvCxnSpPr>
+        <p:spPr>
+          <a:xfrm>
+            <a:off x="838200" y="822960"/>
+            <a:ext cx="0" cy="810895"/>
+          </a:xfrm>
+          <a:prstGeom prst="line">
+            <a:avLst/>
+          </a:prstGeom>
+          <a:ln>
+            <a:solidFill>
+              <a:schemeClr val="accent4">
+                <a:lumMod val="40000"/>
+                <a:lumOff val="60000"/>
+              </a:schemeClr>
+            </a:solidFill>
+          </a:ln>
+        </p:spPr>
+        <p:style>
+          <a:lnRef idx="2">
+            <a:schemeClr val="dk1"/>
+          </a:lnRef>
+          <a:fillRef idx="0">
+            <a:schemeClr val="dk1"/>
+          </a:fillRef>
+          <a:effectRef idx="1">
+            <a:schemeClr val="dk1"/>
+          </a:effectRef>
+          <a:fontRef idx="minor">
+            <a:schemeClr val="tx1"/>
+          </a:fontRef>
+        </p:style>
+      </p:cxnSp>
+      <p:pic>
+        <p:nvPicPr>
+          <p:cNvPr id="15" name="Grafik 14" descr="Ein Bild, das Farbigkeit, Grafiken, Design enthält.">
+            <a:extLst>
+              <a:ext uri="{FF2B5EF4-FFF2-40B4-BE49-F238E27FC236}">
+                <a16:creationId xmlns:a16="http://schemas.microsoft.com/office/drawing/2014/main" id="{D6F47A24-41A7-C765-E54C-D5BFEC76CECA}"/>
+              </a:ext>
+            </a:extLst>
+          </p:cNvPr>
+          <p:cNvPicPr>
+            <a:picLocks noChangeAspect="1"/>
+          </p:cNvPicPr>
+          <p:nvPr/>
+        </p:nvPicPr>
+        <p:blipFill>
+          <a:blip r:embed="rId2">
+            <a:extLst>
+              <a:ext uri="{28A0092B-C50C-407E-A947-70E740481C1C}">
+                <a14:useLocalDpi xmlns:a14="http://schemas.microsoft.com/office/drawing/2010/main" val="0"/>
+              </a:ext>
+            </a:extLst>
+          </a:blip>
+          <a:stretch>
+            <a:fillRect/>
+          </a:stretch>
+        </p:blipFill>
+        <p:spPr>
+          <a:xfrm>
+            <a:off x="10360829" y="136525"/>
+            <a:ext cx="1617345" cy="634428"/>
+          </a:xfrm>
+          <a:prstGeom prst="rect">
+            <a:avLst/>
+          </a:prstGeom>
+        </p:spPr>
+      </p:pic>
+    </p:spTree>
+    <p:extLst>
+      <p:ext uri="{BB962C8B-B14F-4D97-AF65-F5344CB8AC3E}">
+        <p14:creationId xmlns:p14="http://schemas.microsoft.com/office/powerpoint/2010/main" val="3835083582"/>
+      </p:ext>
+    </p:extLst>
+  </p:cSld>
+  <p:clrMapOvr>
+    <a:masterClrMapping/>
+  </p:clrMapOvr>
+  <p:timing>
+    <p:tnLst>
+      <p:par>
+        <p:cTn id="1" dur="indefinite" restart="never" nodeType="tmRoot">
+          <p:childTnLst>
+            <p:seq concurrent="1" nextAc="seek">
+              <p:cTn id="2" dur="indefinite" nodeType="mainSeq">
+                <p:childTnLst>
+                  <p:par>
+                    <p:cTn id="3" fill="hold">
+                      <p:stCondLst>
+                        <p:cond delay="indefinite"/>
+                      </p:stCondLst>
+                      <p:childTnLst>
+                        <p:par>
+                          <p:cTn id="4" fill="hold">
+                            <p:stCondLst>
+                              <p:cond delay="0"/>
+                            </p:stCondLst>
+                            <p:childTnLst>
+                              <p:par>
+                                <p:cTn id="5" presetID="10" presetClass="entr" presetSubtype="0" fill="hold" nodeType="clickEffect">
+                                  <p:stCondLst>
+                                    <p:cond delay="0"/>
+                                  </p:stCondLst>
+                                  <p:childTnLst>
+                                    <p:set>
+                                      <p:cBhvr>
+                                        <p:cTn id="6" dur="1" fill="hold">
+                                          <p:stCondLst>
+                                            <p:cond delay="0"/>
+                                          </p:stCondLst>
+                                        </p:cTn>
+                                        <p:tgtEl>
+                                          <p:spTgt spid="3">
+                                            <p:txEl>
+                                              <p:pRg st="0" end="0"/>
+                                            </p:txEl>
+                                          </p:spTgt>
+                                        </p:tgtEl>
+                                        <p:attrNameLst>
+                                          <p:attrName>style.visibility</p:attrName>
+                                        </p:attrNameLst>
+                                      </p:cBhvr>
+                                      <p:to>
+                                        <p:strVal val="visible"/>
+                                      </p:to>
+                                    </p:set>
+                                    <p:animEffect transition="in" filter="fade">
+                                      <p:cBhvr>
+                                        <p:cTn id="7" dur="500"/>
+                                        <p:tgtEl>
+                                          <p:spTgt spid="3">
+                                            <p:txEl>
+                                              <p:pRg st="0" end="0"/>
+                                            </p:txEl>
+                                          </p:spTgt>
+                                        </p:tgtEl>
+                                      </p:cBhvr>
+                                    </p:animEffect>
+                                  </p:childTnLst>
+                                </p:cTn>
+                              </p:par>
+                            </p:childTnLst>
+                          </p:cTn>
+                        </p:par>
+                      </p:childTnLst>
+                    </p:cTn>
+                  </p:par>
+                  <p:par>
+                    <p:cTn id="8" fill="hold">
+                      <p:stCondLst>
+                        <p:cond delay="indefinite"/>
+                      </p:stCondLst>
+                      <p:childTnLst>
+                        <p:par>
+                          <p:cTn id="9" fill="hold">
+                            <p:stCondLst>
+                              <p:cond delay="0"/>
+                            </p:stCondLst>
+                            <p:childTnLst>
+                              <p:par>
+                                <p:cTn id="10" presetID="10" presetClass="entr" presetSubtype="0" fill="hold" nodeType="clickEffect">
+                                  <p:stCondLst>
+                                    <p:cond delay="0"/>
+                                  </p:stCondLst>
+                                  <p:childTnLst>
+                                    <p:set>
+                                      <p:cBhvr>
+                                        <p:cTn id="11" dur="1" fill="hold">
+                                          <p:stCondLst>
+                                            <p:cond delay="0"/>
+                                          </p:stCondLst>
+                                        </p:cTn>
+                                        <p:tgtEl>
+                                          <p:spTgt spid="3">
+                                            <p:txEl>
+                                              <p:pRg st="2" end="2"/>
+                                            </p:txEl>
+                                          </p:spTgt>
+                                        </p:tgtEl>
+                                        <p:attrNameLst>
+                                          <p:attrName>style.visibility</p:attrName>
+                                        </p:attrNameLst>
+                                      </p:cBhvr>
+                                      <p:to>
+                                        <p:strVal val="visible"/>
+                                      </p:to>
+                                    </p:set>
+                                    <p:animEffect transition="in" filter="fade">
+                                      <p:cBhvr>
+                                        <p:cTn id="12" dur="500"/>
+                                        <p:tgtEl>
+                                          <p:spTgt spid="3">
+                                            <p:txEl>
+                                              <p:pRg st="2" end="2"/>
+                                            </p:txEl>
+                                          </p:spTgt>
+                                        </p:tgtEl>
+                                      </p:cBhvr>
+                                    </p:animEffect>
+                                  </p:childTnLst>
+                                </p:cTn>
+                              </p:par>
+                            </p:childTnLst>
+                          </p:cTn>
+                        </p:par>
+                      </p:childTnLst>
+                    </p:cTn>
+                  </p:par>
+                  <p:par>
+                    <p:cTn id="13" fill="hold">
+                      <p:stCondLst>
+                        <p:cond delay="indefinite"/>
+                      </p:stCondLst>
+                      <p:childTnLst>
+                        <p:par>
+                          <p:cTn id="14" fill="hold">
+                            <p:stCondLst>
+                              <p:cond delay="0"/>
+                            </p:stCondLst>
+                            <p:childTnLst>
+                              <p:par>
+                                <p:cTn id="15" presetID="10" presetClass="entr" presetSubtype="0" fill="hold" nodeType="clickEffect">
+                                  <p:stCondLst>
+                                    <p:cond delay="0"/>
+                                  </p:stCondLst>
+                                  <p:childTnLst>
+                                    <p:set>
+                                      <p:cBhvr>
+                                        <p:cTn id="16" dur="1" fill="hold">
+                                          <p:stCondLst>
+                                            <p:cond delay="0"/>
+                                          </p:stCondLst>
+                                        </p:cTn>
+                                        <p:tgtEl>
+                                          <p:spTgt spid="3">
+                                            <p:txEl>
+                                              <p:pRg st="4" end="4"/>
+                                            </p:txEl>
+                                          </p:spTgt>
+                                        </p:tgtEl>
+                                        <p:attrNameLst>
+                                          <p:attrName>style.visibility</p:attrName>
+                                        </p:attrNameLst>
+                                      </p:cBhvr>
+                                      <p:to>
+                                        <p:strVal val="visible"/>
+                                      </p:to>
+                                    </p:set>
+                                    <p:animEffect transition="in" filter="fade">
+                                      <p:cBhvr>
+                                        <p:cTn id="17" dur="500"/>
+                                        <p:tgtEl>
+                                          <p:spTgt spid="3">
+                                            <p:txEl>
+                                              <p:pRg st="4" end="4"/>
+                                            </p:txEl>
+                                          </p:spTgt>
+                                        </p:tgtEl>
+                                      </p:cBhvr>
+                                    </p:animEffect>
+                                  </p:childTnLst>
+                                </p:cTn>
+                              </p:par>
+                            </p:childTnLst>
+                          </p:cTn>
+                        </p:par>
+                      </p:childTnLst>
+                    </p:cTn>
+                  </p:par>
+                </p:childTnLst>
+              </p:cTn>
+              <p:prevCondLst>
+                <p:cond evt="onPrev" delay="0">
+                  <p:tgtEl>
+                    <p:sldTgt/>
+                  </p:tgtEl>
+                </p:cond>
+              </p:prevCondLst>
+              <p:nextCondLst>
+                <p:cond evt="onNext" delay="0">
+                  <p:tgtEl>
+                    <p:sldTgt/>
+                  </p:tgtEl>
+                </p:cond>
+              </p:nextCondLst>
+            </p:seq>
+          </p:childTnLst>
+        </p:cTn>
+      </p:par>
+    </p:tnLst>
+  </p:timing>
+</p:sld>
+</file>
+
+<file path=ppt/slides/slide14.xml><?xml version="1.0" encoding="utf-8"?>
 <p:sld xmlns:a="http://schemas.openxmlformats.org/drawingml/2006/main" xmlns:r="http://schemas.openxmlformats.org/officeDocument/2006/relationships" xmlns:p="http://schemas.openxmlformats.org/presentationml/2006/main">
   <p:cSld>
     <p:spTree>
@@ -7615,12 +9474,24 @@
           <a:p>
             <a:r>
               <a:rPr lang="en-US" sz="3600" dirty="0" err="1">
+                <a:solidFill>
+                  <a:schemeClr val="tx1">
+                    <a:lumMod val="85000"/>
+                    <a:lumOff val="15000"/>
+                  </a:schemeClr>
+                </a:solidFill>
                 <a:latin typeface="Segoe UI Bold" panose="020B0802040204020203" pitchFamily="34" charset="0"/>
                 <a:cs typeface="Segoe UI Bold" panose="020B0802040204020203" pitchFamily="34" charset="0"/>
               </a:rPr>
               <a:t>Fazit</a:t>
             </a:r>
             <a:endParaRPr lang="en-DE" sz="3600" dirty="0">
+              <a:solidFill>
+                <a:schemeClr val="tx1">
+                  <a:lumMod val="85000"/>
+                  <a:lumOff val="15000"/>
+                </a:schemeClr>
+              </a:solidFill>
               <a:latin typeface="Segoe UI Bold" panose="020B0802040204020203" pitchFamily="34" charset="0"/>
               <a:ea typeface="ADLaM Display" panose="020F0502020204030204" pitchFamily="2" charset="0"/>
               <a:cs typeface="Segoe UI Bold" panose="020B0802040204020203" pitchFamily="34" charset="0"/>
@@ -7660,62 +9531,150 @@
               <a:buNone/>
             </a:pPr>
             <a:r>
-              <a:rPr lang="en-GB" sz="2000" dirty="0">
+              <a:rPr lang="en-US" sz="2000" dirty="0" err="1">
                 <a:latin typeface="Arial" panose="020B0604020202020204" pitchFamily="34" charset="0"/>
                 <a:cs typeface="Arial" panose="020B0604020202020204" pitchFamily="34" charset="0"/>
               </a:rPr>
-              <a:t>Ziel </a:t>
-            </a:r>
-            <a:r>
-              <a:rPr lang="en-GB" sz="2000" dirty="0" err="1">
-                <a:latin typeface="Arial" panose="020B0604020202020204" pitchFamily="34" charset="0"/>
-                <a:cs typeface="Arial" panose="020B0604020202020204" pitchFamily="34" charset="0"/>
-              </a:rPr>
-              <a:t>wurde</a:t>
-            </a:r>
-            <a:r>
-              <a:rPr lang="en-GB" sz="2000" dirty="0">
+              <a:t>Exportfunktion</a:t>
+            </a:r>
+            <a:r>
+              <a:rPr lang="en-US" sz="2000" dirty="0">
                 <a:latin typeface="Arial" panose="020B0604020202020204" pitchFamily="34" charset="0"/>
                 <a:cs typeface="Arial" panose="020B0604020202020204" pitchFamily="34" charset="0"/>
               </a:rPr>
               <a:t> </a:t>
             </a:r>
             <a:r>
-              <a:rPr lang="en-GB" sz="2000" dirty="0" err="1">
+              <a:rPr lang="en-US" sz="2000" dirty="0" err="1">
                 <a:latin typeface="Arial" panose="020B0604020202020204" pitchFamily="34" charset="0"/>
                 <a:cs typeface="Arial" panose="020B0604020202020204" pitchFamily="34" charset="0"/>
               </a:rPr>
-              <a:t>erreicht</a:t>
-            </a:r>
-            <a:r>
-              <a:rPr lang="en-GB" sz="2000" dirty="0">
-                <a:latin typeface="Arial" panose="020B0604020202020204" pitchFamily="34" charset="0"/>
-                <a:cs typeface="Arial" panose="020B0604020202020204" pitchFamily="34" charset="0"/>
-              </a:rPr>
-              <a:t>, </a:t>
-            </a:r>
-            <a:r>
-              <a:rPr lang="en-GB" sz="2000" dirty="0" err="1">
-                <a:latin typeface="Arial" panose="020B0604020202020204" pitchFamily="34" charset="0"/>
-                <a:cs typeface="Arial" panose="020B0604020202020204" pitchFamily="34" charset="0"/>
-              </a:rPr>
-              <a:t>modul</a:t>
-            </a:r>
-            <a:r>
-              <a:rPr lang="en-GB" sz="2000" dirty="0">
+              <a:t>erfolgreich</a:t>
+            </a:r>
+            <a:r>
+              <a:rPr lang="en-US" sz="2000" dirty="0">
                 <a:latin typeface="Arial" panose="020B0604020202020204" pitchFamily="34" charset="0"/>
                 <a:cs typeface="Arial" panose="020B0604020202020204" pitchFamily="34" charset="0"/>
               </a:rPr>
               <a:t> </a:t>
             </a:r>
             <a:r>
-              <a:rPr lang="en-GB" sz="2000" dirty="0" err="1">
+              <a:rPr lang="en-US" sz="2000" dirty="0" err="1">
                 <a:latin typeface="Arial" panose="020B0604020202020204" pitchFamily="34" charset="0"/>
                 <a:cs typeface="Arial" panose="020B0604020202020204" pitchFamily="34" charset="0"/>
               </a:rPr>
-              <a:t>funktioniert</a:t>
+              <a:t>umgesetzt</a:t>
+            </a:r>
+            <a:endParaRPr lang="en-US" sz="2000" dirty="0">
+              <a:latin typeface="Arial" panose="020B0604020202020204" pitchFamily="34" charset="0"/>
+              <a:cs typeface="Arial" panose="020B0604020202020204" pitchFamily="34" charset="0"/>
+            </a:endParaRPr>
+          </a:p>
+          <a:p>
+            <a:pPr marL="0" indent="0">
+              <a:buNone/>
+            </a:pPr>
+            <a:endParaRPr lang="de-DE" sz="2000" dirty="0">
+              <a:solidFill>
+                <a:schemeClr val="tx1">
+                  <a:lumMod val="85000"/>
+                  <a:lumOff val="15000"/>
+                </a:schemeClr>
+              </a:solidFill>
+              <a:latin typeface="Arial" panose="020B0604020202020204" pitchFamily="34" charset="0"/>
+              <a:cs typeface="Arial" panose="020B0604020202020204" pitchFamily="34" charset="0"/>
+            </a:endParaRPr>
+          </a:p>
+          <a:p>
+            <a:pPr marL="0" indent="0">
+              <a:buNone/>
+            </a:pPr>
+            <a:r>
+              <a:rPr lang="de-DE" sz="2000" dirty="0">
+                <a:solidFill>
+                  <a:schemeClr val="tx1">
+                    <a:lumMod val="85000"/>
+                    <a:lumOff val="15000"/>
+                  </a:schemeClr>
+                </a:solidFill>
+                <a:latin typeface="Arial" panose="020B0604020202020204" pitchFamily="34" charset="0"/>
+                <a:cs typeface="Arial" panose="020B0604020202020204" pitchFamily="34" charset="0"/>
+              </a:rPr>
+              <a:t>Deutliche Zeitersparnis </a:t>
+            </a:r>
+          </a:p>
+          <a:p>
+            <a:pPr marL="0" indent="0">
+              <a:buNone/>
+            </a:pPr>
+            <a:endParaRPr lang="de-DE" sz="2000" dirty="0">
+              <a:solidFill>
+                <a:schemeClr val="tx1">
+                  <a:lumMod val="85000"/>
+                  <a:lumOff val="15000"/>
+                </a:schemeClr>
+              </a:solidFill>
+              <a:latin typeface="Arial" panose="020B0604020202020204" pitchFamily="34" charset="0"/>
+              <a:cs typeface="Arial" panose="020B0604020202020204" pitchFamily="34" charset="0"/>
+            </a:endParaRPr>
+          </a:p>
+          <a:p>
+            <a:pPr marL="0" indent="0">
+              <a:buNone/>
+            </a:pPr>
+            <a:r>
+              <a:rPr lang="de-DE" sz="2000" dirty="0">
+                <a:solidFill>
+                  <a:schemeClr val="tx1">
+                    <a:lumMod val="85000"/>
+                    <a:lumOff val="15000"/>
+                  </a:schemeClr>
+                </a:solidFill>
+                <a:latin typeface="Arial" panose="020B0604020202020204" pitchFamily="34" charset="0"/>
+                <a:cs typeface="Arial" panose="020B0604020202020204" pitchFamily="34" charset="0"/>
+              </a:rPr>
+              <a:t>Kein externer Aufwand</a:t>
+            </a:r>
+          </a:p>
+          <a:p>
+            <a:pPr marL="0" indent="0">
+              <a:buNone/>
+            </a:pPr>
+            <a:endParaRPr lang="de-DE" sz="2000" dirty="0">
+              <a:solidFill>
+                <a:schemeClr val="tx1">
+                  <a:lumMod val="85000"/>
+                  <a:lumOff val="15000"/>
+                </a:schemeClr>
+              </a:solidFill>
+              <a:latin typeface="Arial" panose="020B0604020202020204" pitchFamily="34" charset="0"/>
+              <a:cs typeface="Arial" panose="020B0604020202020204" pitchFamily="34" charset="0"/>
+            </a:endParaRPr>
+          </a:p>
+          <a:p>
+            <a:pPr marL="0" indent="0">
+              <a:buNone/>
+            </a:pPr>
+            <a:r>
+              <a:rPr lang="de-DE" sz="2000" dirty="0">
+                <a:solidFill>
+                  <a:schemeClr val="tx1">
+                    <a:lumMod val="85000"/>
+                    <a:lumOff val="15000"/>
+                  </a:schemeClr>
+                </a:solidFill>
+                <a:latin typeface="Arial" panose="020B0604020202020204" pitchFamily="34" charset="0"/>
+                <a:cs typeface="Arial" panose="020B0604020202020204" pitchFamily="34" charset="0"/>
+              </a:rPr>
+              <a:t>Technisch stabil, modular erweiterbar</a:t>
             </a:r>
             <a:endParaRPr lang="en-DE" sz="2000" dirty="0">
+              <a:solidFill>
+                <a:schemeClr val="tx1">
+                  <a:lumMod val="85000"/>
+                  <a:lumOff val="15000"/>
+                </a:schemeClr>
+              </a:solidFill>
               <a:latin typeface="Arial" panose="020B0604020202020204" pitchFamily="34" charset="0"/>
               <a:cs typeface="Arial" panose="020B0604020202020204" pitchFamily="34" charset="0"/>
             </a:endParaRPr>
@@ -7870,7 +9829,7 @@
                   <a:spcPts val="600"/>
                 </a:spcAft>
               </a:pPr>
-              <a:t>13</a:t>
+              <a:t>14</a:t>
             </a:fld>
             <a:endParaRPr lang="en-US" dirty="0">
               <a:solidFill>
@@ -7974,10 +9933,284 @@
   <p:clrMapOvr>
     <a:masterClrMapping/>
   </p:clrMapOvr>
+  <p:timing>
+    <p:tnLst>
+      <p:par>
+        <p:cTn id="1" dur="indefinite" restart="never" nodeType="tmRoot">
+          <p:childTnLst>
+            <p:seq concurrent="1" nextAc="seek">
+              <p:cTn id="2" dur="indefinite" nodeType="mainSeq">
+                <p:childTnLst>
+                  <p:par>
+                    <p:cTn id="3" fill="hold">
+                      <p:stCondLst>
+                        <p:cond delay="indefinite"/>
+                      </p:stCondLst>
+                      <p:childTnLst>
+                        <p:par>
+                          <p:cTn id="4" fill="hold">
+                            <p:stCondLst>
+                              <p:cond delay="0"/>
+                            </p:stCondLst>
+                            <p:childTnLst>
+                              <p:par>
+                                <p:cTn id="5" presetID="10" presetClass="entr" presetSubtype="0" fill="hold" nodeType="clickEffect">
+                                  <p:stCondLst>
+                                    <p:cond delay="0"/>
+                                  </p:stCondLst>
+                                  <p:childTnLst>
+                                    <p:set>
+                                      <p:cBhvr>
+                                        <p:cTn id="6" dur="1" fill="hold">
+                                          <p:stCondLst>
+                                            <p:cond delay="0"/>
+                                          </p:stCondLst>
+                                        </p:cTn>
+                                        <p:tgtEl>
+                                          <p:spTgt spid="3">
+                                            <p:txEl>
+                                              <p:pRg st="0" end="0"/>
+                                            </p:txEl>
+                                          </p:spTgt>
+                                        </p:tgtEl>
+                                        <p:attrNameLst>
+                                          <p:attrName>style.visibility</p:attrName>
+                                        </p:attrNameLst>
+                                      </p:cBhvr>
+                                      <p:to>
+                                        <p:strVal val="visible"/>
+                                      </p:to>
+                                    </p:set>
+                                    <p:animEffect transition="in" filter="fade">
+                                      <p:cBhvr>
+                                        <p:cTn id="7" dur="500"/>
+                                        <p:tgtEl>
+                                          <p:spTgt spid="3">
+                                            <p:txEl>
+                                              <p:pRg st="0" end="0"/>
+                                            </p:txEl>
+                                          </p:spTgt>
+                                        </p:tgtEl>
+                                      </p:cBhvr>
+                                    </p:animEffect>
+                                  </p:childTnLst>
+                                </p:cTn>
+                              </p:par>
+                            </p:childTnLst>
+                          </p:cTn>
+                        </p:par>
+                      </p:childTnLst>
+                    </p:cTn>
+                  </p:par>
+                  <p:par>
+                    <p:cTn id="8" fill="hold">
+                      <p:stCondLst>
+                        <p:cond delay="indefinite"/>
+                      </p:stCondLst>
+                      <p:childTnLst>
+                        <p:par>
+                          <p:cTn id="9" fill="hold">
+                            <p:stCondLst>
+                              <p:cond delay="0"/>
+                            </p:stCondLst>
+                            <p:childTnLst>
+                              <p:par>
+                                <p:cTn id="10" presetID="10" presetClass="entr" presetSubtype="0" fill="hold" nodeType="clickEffect">
+                                  <p:stCondLst>
+                                    <p:cond delay="0"/>
+                                  </p:stCondLst>
+                                  <p:childTnLst>
+                                    <p:set>
+                                      <p:cBhvr>
+                                        <p:cTn id="11" dur="1" fill="hold">
+                                          <p:stCondLst>
+                                            <p:cond delay="0"/>
+                                          </p:stCondLst>
+                                        </p:cTn>
+                                        <p:tgtEl>
+                                          <p:spTgt spid="3">
+                                            <p:txEl>
+                                              <p:pRg st="2" end="2"/>
+                                            </p:txEl>
+                                          </p:spTgt>
+                                        </p:tgtEl>
+                                        <p:attrNameLst>
+                                          <p:attrName>style.visibility</p:attrName>
+                                        </p:attrNameLst>
+                                      </p:cBhvr>
+                                      <p:to>
+                                        <p:strVal val="visible"/>
+                                      </p:to>
+                                    </p:set>
+                                    <p:animEffect transition="in" filter="fade">
+                                      <p:cBhvr>
+                                        <p:cTn id="12" dur="500"/>
+                                        <p:tgtEl>
+                                          <p:spTgt spid="3">
+                                            <p:txEl>
+                                              <p:pRg st="2" end="2"/>
+                                            </p:txEl>
+                                          </p:spTgt>
+                                        </p:tgtEl>
+                                      </p:cBhvr>
+                                    </p:animEffect>
+                                  </p:childTnLst>
+                                </p:cTn>
+                              </p:par>
+                            </p:childTnLst>
+                          </p:cTn>
+                        </p:par>
+                      </p:childTnLst>
+                    </p:cTn>
+                  </p:par>
+                  <p:par>
+                    <p:cTn id="13" fill="hold">
+                      <p:stCondLst>
+                        <p:cond delay="indefinite"/>
+                      </p:stCondLst>
+                      <p:childTnLst>
+                        <p:par>
+                          <p:cTn id="14" fill="hold">
+                            <p:stCondLst>
+                              <p:cond delay="0"/>
+                            </p:stCondLst>
+                            <p:childTnLst>
+                              <p:par>
+                                <p:cTn id="15" presetID="10" presetClass="entr" presetSubtype="0" fill="hold" nodeType="clickEffect">
+                                  <p:stCondLst>
+                                    <p:cond delay="0"/>
+                                  </p:stCondLst>
+                                  <p:childTnLst>
+                                    <p:set>
+                                      <p:cBhvr>
+                                        <p:cTn id="16" dur="1" fill="hold">
+                                          <p:stCondLst>
+                                            <p:cond delay="0"/>
+                                          </p:stCondLst>
+                                        </p:cTn>
+                                        <p:tgtEl>
+                                          <p:spTgt spid="3">
+                                            <p:txEl>
+                                              <p:pRg st="4" end="4"/>
+                                            </p:txEl>
+                                          </p:spTgt>
+                                        </p:tgtEl>
+                                        <p:attrNameLst>
+                                          <p:attrName>style.visibility</p:attrName>
+                                        </p:attrNameLst>
+                                      </p:cBhvr>
+                                      <p:to>
+                                        <p:strVal val="visible"/>
+                                      </p:to>
+                                    </p:set>
+                                    <p:animEffect transition="in" filter="fade">
+                                      <p:cBhvr>
+                                        <p:cTn id="17" dur="500"/>
+                                        <p:tgtEl>
+                                          <p:spTgt spid="3">
+                                            <p:txEl>
+                                              <p:pRg st="4" end="4"/>
+                                            </p:txEl>
+                                          </p:spTgt>
+                                        </p:tgtEl>
+                                      </p:cBhvr>
+                                    </p:animEffect>
+                                  </p:childTnLst>
+                                </p:cTn>
+                              </p:par>
+                            </p:childTnLst>
+                          </p:cTn>
+                        </p:par>
+                      </p:childTnLst>
+                    </p:cTn>
+                  </p:par>
+                  <p:par>
+                    <p:cTn id="18" fill="hold">
+                      <p:stCondLst>
+                        <p:cond delay="indefinite"/>
+                      </p:stCondLst>
+                      <p:childTnLst>
+                        <p:par>
+                          <p:cTn id="19" fill="hold">
+                            <p:stCondLst>
+                              <p:cond delay="0"/>
+                            </p:stCondLst>
+                            <p:childTnLst>
+                              <p:par>
+                                <p:cTn id="20" presetID="10" presetClass="entr" presetSubtype="0" fill="hold" nodeType="clickEffect">
+                                  <p:stCondLst>
+                                    <p:cond delay="0"/>
+                                  </p:stCondLst>
+                                  <p:childTnLst>
+                                    <p:set>
+                                      <p:cBhvr>
+                                        <p:cTn id="21" dur="1" fill="hold">
+                                          <p:stCondLst>
+                                            <p:cond delay="0"/>
+                                          </p:stCondLst>
+                                        </p:cTn>
+                                        <p:tgtEl>
+                                          <p:spTgt spid="3">
+                                            <p:txEl>
+                                              <p:pRg st="6" end="6"/>
+                                            </p:txEl>
+                                          </p:spTgt>
+                                        </p:tgtEl>
+                                        <p:attrNameLst>
+                                          <p:attrName>style.visibility</p:attrName>
+                                        </p:attrNameLst>
+                                      </p:cBhvr>
+                                      <p:to>
+                                        <p:strVal val="visible"/>
+                                      </p:to>
+                                    </p:set>
+                                    <p:animEffect transition="in" filter="fade">
+                                      <p:cBhvr>
+                                        <p:cTn id="22" dur="500"/>
+                                        <p:tgtEl>
+                                          <p:spTgt spid="3">
+                                            <p:txEl>
+                                              <p:pRg st="6" end="6"/>
+                                            </p:txEl>
+                                          </p:spTgt>
+                                        </p:tgtEl>
+                                      </p:cBhvr>
+                                    </p:animEffect>
+                                  </p:childTnLst>
+                                </p:cTn>
+                              </p:par>
+                            </p:childTnLst>
+                          </p:cTn>
+                        </p:par>
+                      </p:childTnLst>
+                    </p:cTn>
+                  </p:par>
+                </p:childTnLst>
+              </p:cTn>
+              <p:prevCondLst>
+                <p:cond evt="onPrev" delay="0">
+                  <p:tgtEl>
+                    <p:sldTgt/>
+                  </p:tgtEl>
+                </p:cond>
+              </p:prevCondLst>
+              <p:nextCondLst>
+                <p:cond evt="onNext" delay="0">
+                  <p:tgtEl>
+                    <p:sldTgt/>
+                  </p:tgtEl>
+                </p:cond>
+              </p:nextCondLst>
+            </p:seq>
+          </p:childTnLst>
+        </p:cTn>
+      </p:par>
+    </p:tnLst>
+  </p:timing>
 </p:sld>
 </file>
 
-<file path=ppt/slides/slide14.xml><?xml version="1.0" encoding="utf-8"?>
+<file path=ppt/slides/slide15.xml><?xml version="1.0" encoding="utf-8"?>
 <p:sld xmlns:a="http://schemas.openxmlformats.org/drawingml/2006/main" xmlns:r="http://schemas.openxmlformats.org/officeDocument/2006/relationships" xmlns:p="http://schemas.openxmlformats.org/presentationml/2006/main">
   <p:cSld>
     <p:spTree>
@@ -8030,12 +10263,24 @@
           <a:p>
             <a:r>
               <a:rPr lang="en-US" sz="3600" dirty="0" err="1">
+                <a:solidFill>
+                  <a:schemeClr val="tx1">
+                    <a:lumMod val="85000"/>
+                    <a:lumOff val="15000"/>
+                  </a:schemeClr>
+                </a:solidFill>
                 <a:latin typeface="Segoe UI Bold" panose="020B0802040204020203" pitchFamily="34" charset="0"/>
                 <a:cs typeface="Segoe UI Bold" panose="020B0802040204020203" pitchFamily="34" charset="0"/>
               </a:rPr>
               <a:t>Abschluss</a:t>
             </a:r>
             <a:endParaRPr lang="en-DE" sz="3600" dirty="0">
+              <a:solidFill>
+                <a:schemeClr val="tx1">
+                  <a:lumMod val="85000"/>
+                  <a:lumOff val="15000"/>
+                </a:schemeClr>
+              </a:solidFill>
               <a:latin typeface="Segoe UI Bold" panose="020B0802040204020203" pitchFamily="34" charset="0"/>
               <a:ea typeface="ADLaM Display" panose="020F0502020204030204" pitchFamily="2" charset="0"/>
               <a:cs typeface="Segoe UI Bold" panose="020B0802040204020203" pitchFamily="34" charset="0"/>
@@ -8191,7 +10436,7 @@
                   <a:spcPts val="600"/>
                 </a:spcAft>
               </a:pPr>
-              <a:t>14</a:t>
+              <a:t>15</a:t>
             </a:fld>
             <a:endParaRPr lang="en-US" dirty="0">
               <a:solidFill>
@@ -8316,6 +10561,12 @@
             <a:pPr algn="ctr"/>
             <a:r>
               <a:rPr lang="en-US" sz="3200" dirty="0" err="1">
+                <a:solidFill>
+                  <a:schemeClr val="tx1">
+                    <a:lumMod val="85000"/>
+                    <a:lumOff val="15000"/>
+                  </a:schemeClr>
+                </a:solidFill>
                 <a:latin typeface="Arial" panose="020B0604020202020204" pitchFamily="34" charset="0"/>
                 <a:cs typeface="Arial" panose="020B0604020202020204" pitchFamily="34" charset="0"/>
               </a:rPr>
@@ -8323,6 +10574,12 @@
             </a:r>
             <a:r>
               <a:rPr lang="en-US" sz="3200" dirty="0">
+                <a:solidFill>
+                  <a:schemeClr val="tx1">
+                    <a:lumMod val="85000"/>
+                    <a:lumOff val="15000"/>
+                  </a:schemeClr>
+                </a:solidFill>
                 <a:latin typeface="Arial" panose="020B0604020202020204" pitchFamily="34" charset="0"/>
                 <a:cs typeface="Arial" panose="020B0604020202020204" pitchFamily="34" charset="0"/>
               </a:rPr>
@@ -8330,6 +10587,12 @@
             </a:r>
             <a:r>
               <a:rPr lang="en-US" sz="3200" dirty="0" err="1">
+                <a:solidFill>
+                  <a:schemeClr val="tx1">
+                    <a:lumMod val="85000"/>
+                    <a:lumOff val="15000"/>
+                  </a:schemeClr>
+                </a:solidFill>
                 <a:latin typeface="Arial" panose="020B0604020202020204" pitchFamily="34" charset="0"/>
                 <a:cs typeface="Arial" panose="020B0604020202020204" pitchFamily="34" charset="0"/>
               </a:rPr>
@@ -8337,6 +10600,12 @@
             </a:r>
             <a:r>
               <a:rPr lang="en-US" sz="3200" dirty="0">
+                <a:solidFill>
+                  <a:schemeClr val="tx1">
+                    <a:lumMod val="85000"/>
+                    <a:lumOff val="15000"/>
+                  </a:schemeClr>
+                </a:solidFill>
                 <a:latin typeface="Arial" panose="020B0604020202020204" pitchFamily="34" charset="0"/>
                 <a:cs typeface="Arial" panose="020B0604020202020204" pitchFamily="34" charset="0"/>
               </a:rPr>
@@ -8344,6 +10613,12 @@
             </a:r>
             <a:r>
               <a:rPr lang="en-US" sz="3200" dirty="0" err="1">
+                <a:solidFill>
+                  <a:schemeClr val="tx1">
+                    <a:lumMod val="85000"/>
+                    <a:lumOff val="15000"/>
+                  </a:schemeClr>
+                </a:solidFill>
                 <a:latin typeface="Arial" panose="020B0604020202020204" pitchFamily="34" charset="0"/>
                 <a:cs typeface="Arial" panose="020B0604020202020204" pitchFamily="34" charset="0"/>
               </a:rPr>
@@ -8351,6 +10626,12 @@
             </a:r>
             <a:r>
               <a:rPr lang="en-US" sz="3200" dirty="0">
+                <a:solidFill>
+                  <a:schemeClr val="tx1">
+                    <a:lumMod val="85000"/>
+                    <a:lumOff val="15000"/>
+                  </a:schemeClr>
+                </a:solidFill>
                 <a:latin typeface="Arial" panose="020B0604020202020204" pitchFamily="34" charset="0"/>
                 <a:cs typeface="Arial" panose="020B0604020202020204" pitchFamily="34" charset="0"/>
               </a:rPr>
@@ -8361,12 +10642,24 @@
             <a:pPr algn="ctr"/>
             <a:r>
               <a:rPr lang="de-DE" sz="3200" dirty="0">
+                <a:solidFill>
+                  <a:schemeClr val="tx1">
+                    <a:lumMod val="85000"/>
+                    <a:lumOff val="15000"/>
+                  </a:schemeClr>
+                </a:solidFill>
                 <a:latin typeface="Arial" panose="020B0604020202020204" pitchFamily="34" charset="0"/>
                 <a:cs typeface="Arial" panose="020B0604020202020204" pitchFamily="34" charset="0"/>
               </a:rPr>
               <a:t>Bei Fragen stehe ich gerne zur Verfügung.</a:t>
             </a:r>
             <a:endParaRPr lang="en-DE" sz="3200" dirty="0">
+              <a:solidFill>
+                <a:schemeClr val="tx1">
+                  <a:lumMod val="85000"/>
+                  <a:lumOff val="15000"/>
+                </a:schemeClr>
+              </a:solidFill>
               <a:latin typeface="Arial" panose="020B0604020202020204" pitchFamily="34" charset="0"/>
               <a:cs typeface="Arial" panose="020B0604020202020204" pitchFamily="34" charset="0"/>
             </a:endParaRPr>
@@ -8439,6 +10732,12 @@
           <a:p>
             <a:r>
               <a:rPr lang="en-US" sz="3600" dirty="0" err="1">
+                <a:solidFill>
+                  <a:schemeClr val="tx1">
+                    <a:lumMod val="85000"/>
+                    <a:lumOff val="15000"/>
+                  </a:schemeClr>
+                </a:solidFill>
                 <a:latin typeface="Segoe UI Bold" panose="020B0802040204020203" pitchFamily="34" charset="0"/>
                 <a:ea typeface="ADLaM Display" panose="020F0502020204030204" pitchFamily="2" charset="0"/>
                 <a:cs typeface="Segoe UI Bold" panose="020B0802040204020203" pitchFamily="34" charset="0"/>
@@ -8446,6 +10745,12 @@
               <a:t>Überblick</a:t>
             </a:r>
             <a:endParaRPr lang="en-DE" sz="3600" dirty="0">
+              <a:solidFill>
+                <a:schemeClr val="tx1">
+                  <a:lumMod val="85000"/>
+                  <a:lumOff val="15000"/>
+                </a:schemeClr>
+              </a:solidFill>
               <a:latin typeface="Segoe UI Bold" panose="020B0802040204020203" pitchFamily="34" charset="0"/>
               <a:ea typeface="ADLaM Display" panose="020F0502020204030204" pitchFamily="2" charset="0"/>
               <a:cs typeface="Segoe UI Bold" panose="020B0802040204020203" pitchFamily="34" charset="0"/>
@@ -8472,12 +10777,12 @@
         <p:spPr>
           <a:xfrm>
             <a:off x="977137" y="1752169"/>
-            <a:ext cx="10890929" cy="4463185"/>
+            <a:ext cx="10772903" cy="4463185"/>
           </a:xfrm>
         </p:spPr>
         <p:txBody>
           <a:bodyPr>
-            <a:normAutofit/>
+            <a:normAutofit lnSpcReduction="10000"/>
           </a:bodyPr>
           <a:lstStyle/>
           <a:p>
@@ -8489,6 +10794,12 @@
             </a:pPr>
             <a:r>
               <a:rPr lang="en-US" sz="2000" dirty="0" err="1">
+                <a:solidFill>
+                  <a:schemeClr val="tx1">
+                    <a:lumMod val="85000"/>
+                    <a:lumOff val="15000"/>
+                  </a:schemeClr>
+                </a:solidFill>
                 <a:latin typeface="Arial" panose="020B0604020202020204" pitchFamily="34" charset="0"/>
                 <a:ea typeface="Calibri Light" panose="020F0302020204030204" pitchFamily="34" charset="0"/>
                 <a:cs typeface="Arial" panose="020B0604020202020204" pitchFamily="34" charset="0"/>
@@ -8496,6 +10807,12 @@
               <a:t>Kurzvorstellung</a:t>
             </a:r>
             <a:endParaRPr lang="en-US" sz="2000" dirty="0">
+              <a:solidFill>
+                <a:schemeClr val="tx1">
+                  <a:lumMod val="85000"/>
+                  <a:lumOff val="15000"/>
+                </a:schemeClr>
+              </a:solidFill>
               <a:latin typeface="Arial" panose="020B0604020202020204" pitchFamily="34" charset="0"/>
               <a:ea typeface="Calibri Light" panose="020F0302020204030204" pitchFamily="34" charset="0"/>
               <a:cs typeface="Arial" panose="020B0604020202020204" pitchFamily="34" charset="0"/>
@@ -8510,6 +10827,12 @@
             </a:pPr>
             <a:r>
               <a:rPr lang="en-US" sz="2000" dirty="0" err="1">
+                <a:solidFill>
+                  <a:schemeClr val="tx1">
+                    <a:lumMod val="85000"/>
+                    <a:lumOff val="15000"/>
+                  </a:schemeClr>
+                </a:solidFill>
                 <a:latin typeface="Arial" panose="020B0604020202020204" pitchFamily="34" charset="0"/>
                 <a:ea typeface="Calibri Light" panose="020F0302020204030204" pitchFamily="34" charset="0"/>
                 <a:cs typeface="Arial" panose="020B0604020202020204" pitchFamily="34" charset="0"/>
@@ -8518,6 +10841,12 @@
             </a:r>
             <a:r>
               <a:rPr lang="en-US" sz="2000" dirty="0">
+                <a:solidFill>
+                  <a:schemeClr val="tx1">
+                    <a:lumMod val="85000"/>
+                    <a:lumOff val="15000"/>
+                  </a:schemeClr>
+                </a:solidFill>
                 <a:latin typeface="Arial" panose="020B0604020202020204" pitchFamily="34" charset="0"/>
                 <a:ea typeface="Calibri Light" panose="020F0302020204030204" pitchFamily="34" charset="0"/>
                 <a:cs typeface="Arial" panose="020B0604020202020204" pitchFamily="34" charset="0"/>
@@ -8526,6 +10855,12 @@
             </a:r>
             <a:r>
               <a:rPr lang="en-US" sz="2000" dirty="0" err="1">
+                <a:solidFill>
+                  <a:schemeClr val="tx1">
+                    <a:lumMod val="85000"/>
+                    <a:lumOff val="15000"/>
+                  </a:schemeClr>
+                </a:solidFill>
                 <a:latin typeface="Arial" panose="020B0604020202020204" pitchFamily="34" charset="0"/>
                 <a:ea typeface="Calibri Light" panose="020F0302020204030204" pitchFamily="34" charset="0"/>
                 <a:cs typeface="Arial" panose="020B0604020202020204" pitchFamily="34" charset="0"/>
@@ -8533,6 +10868,12 @@
               <a:t>Zielsetzung</a:t>
             </a:r>
             <a:endParaRPr lang="en-US" sz="2000" dirty="0">
+              <a:solidFill>
+                <a:schemeClr val="tx1">
+                  <a:lumMod val="85000"/>
+                  <a:lumOff val="15000"/>
+                </a:schemeClr>
+              </a:solidFill>
               <a:latin typeface="Arial" panose="020B0604020202020204" pitchFamily="34" charset="0"/>
               <a:ea typeface="Calibri Light" panose="020F0302020204030204" pitchFamily="34" charset="0"/>
               <a:cs typeface="Arial" panose="020B0604020202020204" pitchFamily="34" charset="0"/>
@@ -8547,12 +10888,24 @@
             </a:pPr>
             <a:r>
               <a:rPr lang="de-DE" sz="2000" dirty="0">
+                <a:solidFill>
+                  <a:schemeClr val="tx1">
+                    <a:lumMod val="85000"/>
+                    <a:lumOff val="15000"/>
+                  </a:schemeClr>
+                </a:solidFill>
                 <a:latin typeface="Arial" panose="020B0604020202020204" pitchFamily="34" charset="0"/>
                 <a:cs typeface="Arial" panose="020B0604020202020204" pitchFamily="34" charset="0"/>
               </a:rPr>
               <a:t>Technische Anforderungen aus dem Ziel</a:t>
             </a:r>
             <a:endParaRPr lang="en-US" sz="2000" dirty="0">
+              <a:solidFill>
+                <a:schemeClr val="tx1">
+                  <a:lumMod val="85000"/>
+                  <a:lumOff val="15000"/>
+                </a:schemeClr>
+              </a:solidFill>
               <a:latin typeface="Arial" panose="020B0604020202020204" pitchFamily="34" charset="0"/>
               <a:ea typeface="Calibri Light" panose="020F0302020204030204" pitchFamily="34" charset="0"/>
               <a:cs typeface="Arial" panose="020B0604020202020204" pitchFamily="34" charset="0"/>
@@ -8567,6 +10920,12 @@
             </a:pPr>
             <a:r>
               <a:rPr lang="en-US" sz="2000" dirty="0">
+                <a:solidFill>
+                  <a:schemeClr val="tx1">
+                    <a:lumMod val="85000"/>
+                    <a:lumOff val="15000"/>
+                  </a:schemeClr>
+                </a:solidFill>
                 <a:latin typeface="Arial" panose="020B0604020202020204" pitchFamily="34" charset="0"/>
                 <a:ea typeface="Calibri Light" panose="020F0302020204030204" pitchFamily="34" charset="0"/>
                 <a:cs typeface="Arial" panose="020B0604020202020204" pitchFamily="34" charset="0"/>
@@ -8575,6 +10934,12 @@
             </a:r>
             <a:r>
               <a:rPr lang="en-US" sz="2000" dirty="0" err="1">
+                <a:solidFill>
+                  <a:schemeClr val="tx1">
+                    <a:lumMod val="85000"/>
+                    <a:lumOff val="15000"/>
+                  </a:schemeClr>
+                </a:solidFill>
                 <a:latin typeface="Arial" panose="020B0604020202020204" pitchFamily="34" charset="0"/>
                 <a:ea typeface="Calibri Light" panose="020F0302020204030204" pitchFamily="34" charset="0"/>
                 <a:cs typeface="Arial" panose="020B0604020202020204" pitchFamily="34" charset="0"/>
@@ -8582,6 +10947,12 @@
               <a:t>Funktionalität</a:t>
             </a:r>
             <a:endParaRPr lang="en-US" sz="2000" dirty="0">
+              <a:solidFill>
+                <a:schemeClr val="tx1">
+                  <a:lumMod val="85000"/>
+                  <a:lumOff val="15000"/>
+                </a:schemeClr>
+              </a:solidFill>
               <a:latin typeface="Arial" panose="020B0604020202020204" pitchFamily="34" charset="0"/>
               <a:ea typeface="Calibri Light" panose="020F0302020204030204" pitchFamily="34" charset="0"/>
               <a:cs typeface="Arial" panose="020B0604020202020204" pitchFamily="34" charset="0"/>
@@ -8596,6 +10967,12 @@
             </a:pPr>
             <a:r>
               <a:rPr lang="en-US" sz="2000" dirty="0" err="1">
+                <a:solidFill>
+                  <a:schemeClr val="tx1">
+                    <a:lumMod val="85000"/>
+                    <a:lumOff val="15000"/>
+                  </a:schemeClr>
+                </a:solidFill>
                 <a:latin typeface="Arial" panose="020B0604020202020204" pitchFamily="34" charset="0"/>
                 <a:ea typeface="Calibri Light" panose="020F0302020204030204" pitchFamily="34" charset="0"/>
                 <a:cs typeface="Arial" panose="020B0604020202020204" pitchFamily="34" charset="0"/>
@@ -8604,6 +10981,12 @@
             </a:r>
             <a:r>
               <a:rPr lang="en-US" sz="2000" dirty="0">
+                <a:solidFill>
+                  <a:schemeClr val="tx1">
+                    <a:lumMod val="85000"/>
+                    <a:lumOff val="15000"/>
+                  </a:schemeClr>
+                </a:solidFill>
                 <a:latin typeface="Arial" panose="020B0604020202020204" pitchFamily="34" charset="0"/>
                 <a:ea typeface="Calibri Light" panose="020F0302020204030204" pitchFamily="34" charset="0"/>
                 <a:cs typeface="Arial" panose="020B0604020202020204" pitchFamily="34" charset="0"/>
@@ -8612,6 +10995,12 @@
             </a:r>
             <a:r>
               <a:rPr lang="en-US" sz="2000" dirty="0" err="1">
+                <a:solidFill>
+                  <a:schemeClr val="tx1">
+                    <a:lumMod val="85000"/>
+                    <a:lumOff val="15000"/>
+                  </a:schemeClr>
+                </a:solidFill>
                 <a:latin typeface="Arial" panose="020B0604020202020204" pitchFamily="34" charset="0"/>
                 <a:ea typeface="Calibri Light" panose="020F0302020204030204" pitchFamily="34" charset="0"/>
                 <a:cs typeface="Arial" panose="020B0604020202020204" pitchFamily="34" charset="0"/>
@@ -8619,6 +11008,12 @@
               <a:t>Moduls</a:t>
             </a:r>
             <a:endParaRPr lang="en-US" sz="2000" dirty="0">
+              <a:solidFill>
+                <a:schemeClr val="tx1">
+                  <a:lumMod val="85000"/>
+                  <a:lumOff val="15000"/>
+                </a:schemeClr>
+              </a:solidFill>
               <a:latin typeface="Arial" panose="020B0604020202020204" pitchFamily="34" charset="0"/>
               <a:ea typeface="Calibri Light" panose="020F0302020204030204" pitchFamily="34" charset="0"/>
               <a:cs typeface="Arial" panose="020B0604020202020204" pitchFamily="34" charset="0"/>
@@ -8633,6 +11028,12 @@
             </a:pPr>
             <a:r>
               <a:rPr lang="en-US" sz="2000" dirty="0" err="1">
+                <a:solidFill>
+                  <a:schemeClr val="tx1">
+                    <a:lumMod val="85000"/>
+                    <a:lumOff val="15000"/>
+                  </a:schemeClr>
+                </a:solidFill>
                 <a:latin typeface="Arial" panose="020B0604020202020204" pitchFamily="34" charset="0"/>
                 <a:ea typeface="Calibri Light" panose="020F0302020204030204" pitchFamily="34" charset="0"/>
                 <a:cs typeface="Arial" panose="020B0604020202020204" pitchFamily="34" charset="0"/>
@@ -8640,6 +11041,12 @@
               <a:t>Qualitätssicherung</a:t>
             </a:r>
             <a:endParaRPr lang="en-US" sz="2000" dirty="0">
+              <a:solidFill>
+                <a:schemeClr val="tx1">
+                  <a:lumMod val="85000"/>
+                  <a:lumOff val="15000"/>
+                </a:schemeClr>
+              </a:solidFill>
               <a:latin typeface="Arial" panose="020B0604020202020204" pitchFamily="34" charset="0"/>
               <a:ea typeface="Calibri Light" panose="020F0302020204030204" pitchFamily="34" charset="0"/>
               <a:cs typeface="Arial" panose="020B0604020202020204" pitchFamily="34" charset="0"/>
@@ -8654,6 +11061,12 @@
             </a:pPr>
             <a:r>
               <a:rPr lang="en-US" sz="2000" dirty="0" err="1">
+                <a:solidFill>
+                  <a:schemeClr val="tx1">
+                    <a:lumMod val="85000"/>
+                    <a:lumOff val="15000"/>
+                  </a:schemeClr>
+                </a:solidFill>
                 <a:latin typeface="Arial" panose="020B0604020202020204" pitchFamily="34" charset="0"/>
                 <a:ea typeface="Calibri Light" panose="020F0302020204030204" pitchFamily="34" charset="0"/>
                 <a:cs typeface="Arial" panose="020B0604020202020204" pitchFamily="34" charset="0"/>
@@ -8662,6 +11075,12 @@
             </a:r>
             <a:r>
               <a:rPr lang="en-US" sz="2000" dirty="0">
+                <a:solidFill>
+                  <a:schemeClr val="tx1">
+                    <a:lumMod val="85000"/>
+                    <a:lumOff val="15000"/>
+                  </a:schemeClr>
+                </a:solidFill>
                 <a:latin typeface="Arial" panose="020B0604020202020204" pitchFamily="34" charset="0"/>
                 <a:ea typeface="Calibri Light" panose="020F0302020204030204" pitchFamily="34" charset="0"/>
                 <a:cs typeface="Arial" panose="020B0604020202020204" pitchFamily="34" charset="0"/>
@@ -8670,6 +11089,12 @@
             </a:r>
             <a:r>
               <a:rPr lang="en-US" sz="2000" dirty="0" err="1">
+                <a:solidFill>
+                  <a:schemeClr val="tx1">
+                    <a:lumMod val="85000"/>
+                    <a:lumOff val="15000"/>
+                  </a:schemeClr>
+                </a:solidFill>
                 <a:latin typeface="Arial" panose="020B0604020202020204" pitchFamily="34" charset="0"/>
                 <a:ea typeface="Calibri Light" panose="020F0302020204030204" pitchFamily="34" charset="0"/>
                 <a:cs typeface="Arial" panose="020B0604020202020204" pitchFamily="34" charset="0"/>
@@ -8677,6 +11102,12 @@
               <a:t>Einführungsphase</a:t>
             </a:r>
             <a:endParaRPr lang="en-US" sz="2000" dirty="0">
+              <a:solidFill>
+                <a:schemeClr val="tx1">
+                  <a:lumMod val="85000"/>
+                  <a:lumOff val="15000"/>
+                </a:schemeClr>
+              </a:solidFill>
               <a:latin typeface="Arial" panose="020B0604020202020204" pitchFamily="34" charset="0"/>
               <a:ea typeface="Calibri Light" panose="020F0302020204030204" pitchFamily="34" charset="0"/>
               <a:cs typeface="Arial" panose="020B0604020202020204" pitchFamily="34" charset="0"/>
@@ -8691,52 +11122,29 @@
             </a:pPr>
             <a:r>
               <a:rPr lang="en-US" sz="2000" dirty="0" err="1">
-                <a:latin typeface="Arial" panose="020B0604020202020204" pitchFamily="34" charset="0"/>
-                <a:ea typeface="Calibri Light" panose="020F0302020204030204" pitchFamily="34" charset="0"/>
-                <a:cs typeface="Arial" panose="020B0604020202020204" pitchFamily="34" charset="0"/>
-              </a:rPr>
-              <a:t>Wirtschaftliche</a:t>
-            </a:r>
-            <a:r>
-              <a:rPr lang="en-US" sz="2000" dirty="0">
-                <a:latin typeface="Arial" panose="020B0604020202020204" pitchFamily="34" charset="0"/>
-                <a:ea typeface="Calibri Light" panose="020F0302020204030204" pitchFamily="34" charset="0"/>
-                <a:cs typeface="Arial" panose="020B0604020202020204" pitchFamily="34" charset="0"/>
-              </a:rPr>
-              <a:t> </a:t>
-            </a:r>
-            <a:r>
-              <a:rPr lang="en-US" sz="2000" dirty="0" err="1">
+                <a:solidFill>
+                  <a:schemeClr val="tx1">
+                    <a:lumMod val="85000"/>
+                    <a:lumOff val="15000"/>
+                  </a:schemeClr>
+                </a:solidFill>
                 <a:latin typeface="Arial" panose="020B0604020202020204" pitchFamily="34" charset="0"/>
                 <a:ea typeface="Calibri Light" panose="020F0302020204030204" pitchFamily="34" charset="0"/>
                 <a:cs typeface="Arial" panose="020B0604020202020204" pitchFamily="34" charset="0"/>
               </a:rPr>
               <a:t>Zeitersparnis</a:t>
             </a:r>
-            <a:r>
-              <a:rPr lang="en-US" sz="2000" dirty="0">
-                <a:latin typeface="Arial" panose="020B0604020202020204" pitchFamily="34" charset="0"/>
-                <a:ea typeface="Calibri Light" panose="020F0302020204030204" pitchFamily="34" charset="0"/>
-                <a:cs typeface="Arial" panose="020B0604020202020204" pitchFamily="34" charset="0"/>
-              </a:rPr>
-              <a:t> (</a:t>
-            </a:r>
-            <a:r>
-              <a:rPr lang="en-US" sz="2000" dirty="0" err="1">
-                <a:latin typeface="Arial" panose="020B0604020202020204" pitchFamily="34" charset="0"/>
-                <a:ea typeface="Calibri Light" panose="020F0302020204030204" pitchFamily="34" charset="0"/>
-                <a:cs typeface="Arial" panose="020B0604020202020204" pitchFamily="34" charset="0"/>
-              </a:rPr>
-              <a:t>überarbeiten</a:t>
-            </a:r>
-            <a:r>
-              <a:rPr lang="en-US" sz="2000" dirty="0">
-                <a:latin typeface="Arial" panose="020B0604020202020204" pitchFamily="34" charset="0"/>
-                <a:ea typeface="Calibri Light" panose="020F0302020204030204" pitchFamily="34" charset="0"/>
-                <a:cs typeface="Arial" panose="020B0604020202020204" pitchFamily="34" charset="0"/>
-              </a:rPr>
-              <a:t> Title)</a:t>
-            </a:r>
+            <a:endParaRPr lang="en-US" sz="2000" dirty="0">
+              <a:solidFill>
+                <a:schemeClr val="tx1">
+                  <a:lumMod val="85000"/>
+                  <a:lumOff val="15000"/>
+                </a:schemeClr>
+              </a:solidFill>
+              <a:latin typeface="Arial" panose="020B0604020202020204" pitchFamily="34" charset="0"/>
+              <a:ea typeface="Calibri Light" panose="020F0302020204030204" pitchFamily="34" charset="0"/>
+              <a:cs typeface="Arial" panose="020B0604020202020204" pitchFamily="34" charset="0"/>
+            </a:endParaRPr>
           </a:p>
           <a:p>
             <a:pPr marL="0" indent="0">
@@ -8747,6 +11155,12 @@
             </a:pPr>
             <a:r>
               <a:rPr lang="en-US" sz="2000" dirty="0" err="1">
+                <a:solidFill>
+                  <a:schemeClr val="tx1">
+                    <a:lumMod val="85000"/>
+                    <a:lumOff val="15000"/>
+                  </a:schemeClr>
+                </a:solidFill>
                 <a:latin typeface="Arial" panose="020B0604020202020204" pitchFamily="34" charset="0"/>
                 <a:ea typeface="Calibri Light" panose="020F0302020204030204" pitchFamily="34" charset="0"/>
                 <a:cs typeface="Arial" panose="020B0604020202020204" pitchFamily="34" charset="0"/>
@@ -8755,6 +11169,12 @@
             </a:r>
             <a:r>
               <a:rPr lang="en-US" sz="2000" dirty="0">
+                <a:solidFill>
+                  <a:schemeClr val="tx1">
+                    <a:lumMod val="85000"/>
+                    <a:lumOff val="15000"/>
+                  </a:schemeClr>
+                </a:solidFill>
                 <a:latin typeface="Arial" panose="020B0604020202020204" pitchFamily="34" charset="0"/>
                 <a:ea typeface="Calibri Light" panose="020F0302020204030204" pitchFamily="34" charset="0"/>
                 <a:cs typeface="Arial" panose="020B0604020202020204" pitchFamily="34" charset="0"/>
@@ -8771,6 +11191,70 @@
             </a:pPr>
             <a:r>
               <a:rPr lang="en-US" sz="2000" dirty="0" err="1">
+                <a:solidFill>
+                  <a:schemeClr val="tx1">
+                    <a:lumMod val="85000"/>
+                    <a:lumOff val="15000"/>
+                  </a:schemeClr>
+                </a:solidFill>
+                <a:latin typeface="Arial" panose="020B0604020202020204" pitchFamily="34" charset="0"/>
+                <a:cs typeface="Arial" panose="020B0604020202020204" pitchFamily="34" charset="0"/>
+              </a:rPr>
+              <a:t>Nächste</a:t>
+            </a:r>
+            <a:r>
+              <a:rPr lang="en-US" sz="2000" dirty="0">
+                <a:solidFill>
+                  <a:schemeClr val="tx1">
+                    <a:lumMod val="85000"/>
+                    <a:lumOff val="15000"/>
+                  </a:schemeClr>
+                </a:solidFill>
+                <a:latin typeface="Arial" panose="020B0604020202020204" pitchFamily="34" charset="0"/>
+                <a:cs typeface="Arial" panose="020B0604020202020204" pitchFamily="34" charset="0"/>
+              </a:rPr>
+              <a:t> </a:t>
+            </a:r>
+            <a:r>
+              <a:rPr lang="en-US" sz="2000" dirty="0" err="1">
+                <a:solidFill>
+                  <a:schemeClr val="tx1">
+                    <a:lumMod val="85000"/>
+                    <a:lumOff val="15000"/>
+                  </a:schemeClr>
+                </a:solidFill>
+                <a:latin typeface="Arial" panose="020B0604020202020204" pitchFamily="34" charset="0"/>
+                <a:cs typeface="Arial" panose="020B0604020202020204" pitchFamily="34" charset="0"/>
+              </a:rPr>
+              <a:t>Schritte</a:t>
+            </a:r>
+            <a:endParaRPr lang="en-US" sz="2000" dirty="0">
+              <a:solidFill>
+                <a:schemeClr val="tx1">
+                  <a:lumMod val="85000"/>
+                  <a:lumOff val="15000"/>
+                </a:schemeClr>
+              </a:solidFill>
+              <a:latin typeface="Arial" panose="020B0604020202020204" pitchFamily="34" charset="0"/>
+              <a:ea typeface="Calibri Light" panose="020F0302020204030204" pitchFamily="34" charset="0"/>
+              <a:cs typeface="Arial" panose="020B0604020202020204" pitchFamily="34" charset="0"/>
+            </a:endParaRPr>
+          </a:p>
+          <a:p>
+            <a:pPr marL="0" indent="0">
+              <a:lnSpc>
+                <a:spcPct val="100000"/>
+              </a:lnSpc>
+              <a:buNone/>
+            </a:pPr>
+            <a:r>
+              <a:rPr lang="en-US" sz="2000" dirty="0" err="1">
+                <a:solidFill>
+                  <a:schemeClr val="tx1">
+                    <a:lumMod val="85000"/>
+                    <a:lumOff val="15000"/>
+                  </a:schemeClr>
+                </a:solidFill>
                 <a:latin typeface="Arial" panose="020B0604020202020204" pitchFamily="34" charset="0"/>
                 <a:ea typeface="Calibri Light" panose="020F0302020204030204" pitchFamily="34" charset="0"/>
                 <a:cs typeface="Arial" panose="020B0604020202020204" pitchFamily="34" charset="0"/>
@@ -8778,6 +11262,12 @@
               <a:t>Fazit</a:t>
             </a:r>
             <a:endParaRPr lang="en-US" sz="2000" dirty="0">
+              <a:solidFill>
+                <a:schemeClr val="tx1">
+                  <a:lumMod val="85000"/>
+                  <a:lumOff val="15000"/>
+                </a:schemeClr>
+              </a:solidFill>
               <a:latin typeface="Arial" panose="020B0604020202020204" pitchFamily="34" charset="0"/>
               <a:ea typeface="Calibri Light" panose="020F0302020204030204" pitchFamily="34" charset="0"/>
               <a:cs typeface="Arial" panose="020B0604020202020204" pitchFamily="34" charset="0"/>
@@ -8785,6 +11275,12 @@
           </a:p>
           <a:p>
             <a:endParaRPr lang="en-US" sz="2400" dirty="0">
+              <a:solidFill>
+                <a:schemeClr val="tx1">
+                  <a:lumMod val="85000"/>
+                  <a:lumOff val="15000"/>
+                </a:schemeClr>
+              </a:solidFill>
               <a:latin typeface="Arial" panose="020B0604020202020204" pitchFamily="34" charset="0"/>
               <a:ea typeface="Calibri Light" panose="020F0302020204030204" pitchFamily="34" charset="0"/>
               <a:cs typeface="Arial" panose="020B0604020202020204" pitchFamily="34" charset="0"/>
@@ -9662,6 +12158,67 @@
                       </p:childTnLst>
                     </p:cTn>
                   </p:par>
+                  <p:par>
+                    <p:cTn id="53" fill="hold">
+                      <p:stCondLst>
+                        <p:cond delay="indefinite"/>
+                      </p:stCondLst>
+                      <p:childTnLst>
+                        <p:par>
+                          <p:cTn id="54" fill="hold">
+                            <p:stCondLst>
+                              <p:cond delay="0"/>
+                            </p:stCondLst>
+                            <p:childTnLst>
+                              <p:par>
+                                <p:cTn id="55" presetID="10" presetClass="entr" presetSubtype="0" fill="hold" grpId="0" nodeType="clickEffect">
+                                  <p:stCondLst>
+                                    <p:cond delay="0"/>
+                                  </p:stCondLst>
+                                  <p:childTnLst>
+                                    <p:set>
+                                      <p:cBhvr>
+                                        <p:cTn id="56" dur="1" fill="hold">
+                                          <p:stCondLst>
+                                            <p:cond delay="0"/>
+                                          </p:stCondLst>
+                                        </p:cTn>
+                                        <p:tgtEl>
+                                          <p:spTgt spid="3">
+                                            <p:txEl>
+                                              <p:pRg st="10" end="10"/>
+                                            </p:txEl>
+                                          </p:spTgt>
+                                        </p:tgtEl>
+                                        <p:attrNameLst>
+                                          <p:attrName>style.visibility</p:attrName>
+                                        </p:attrNameLst>
+                                      </p:cBhvr>
+                                      <p:to>
+                                        <p:strVal val="visible"/>
+                                      </p:to>
+                                    </p:set>
+                                    <p:animEffect transition="in" filter="fade">
+                                      <p:cBhvr>
+                                        <p:cTn id="57" dur="500"/>
+                                        <p:tgtEl>
+                                          <p:spTgt spid="3">
+                                            <p:txEl>
+                                              <p:pRg st="10" end="10"/>
+                                            </p:txEl>
+                                          </p:spTgt>
+                                        </p:tgtEl>
+                                      </p:cBhvr>
+                                    </p:animEffect>
+                                  </p:childTnLst>
+                                </p:cTn>
+                              </p:par>
+                            </p:childTnLst>
+                          </p:cTn>
+                        </p:par>
+                      </p:childTnLst>
+                    </p:cTn>
+                  </p:par>
                 </p:childTnLst>
               </p:cTn>
               <p:prevCondLst>
@@ -9743,12 +12300,24 @@
           <a:p>
             <a:r>
               <a:rPr lang="en-US" sz="3600" dirty="0" err="1">
+                <a:solidFill>
+                  <a:schemeClr val="tx1">
+                    <a:lumMod val="85000"/>
+                    <a:lumOff val="15000"/>
+                  </a:schemeClr>
+                </a:solidFill>
                 <a:latin typeface="Segoe UI Bold" panose="020B0802040204020203" pitchFamily="34" charset="0"/>
                 <a:cs typeface="Segoe UI Bold" panose="020B0802040204020203" pitchFamily="34" charset="0"/>
               </a:rPr>
               <a:t>Kurzvorstellung</a:t>
             </a:r>
             <a:endParaRPr lang="en-DE" sz="3600" dirty="0">
+              <a:solidFill>
+                <a:schemeClr val="tx1">
+                  <a:lumMod val="85000"/>
+                  <a:lumOff val="15000"/>
+                </a:schemeClr>
+              </a:solidFill>
               <a:latin typeface="Segoe UI Bold" panose="020B0802040204020203" pitchFamily="34" charset="0"/>
               <a:ea typeface="ADLaM Display" panose="020F0502020204030204" pitchFamily="2" charset="0"/>
               <a:cs typeface="Segoe UI Bold" panose="020B0802040204020203" pitchFamily="34" charset="0"/>
@@ -9789,6 +12358,12 @@
             </a:pPr>
             <a:r>
               <a:rPr lang="de-DE" sz="2000" b="1" dirty="0">
+                <a:solidFill>
+                  <a:schemeClr val="tx1">
+                    <a:lumMod val="85000"/>
+                    <a:lumOff val="15000"/>
+                  </a:schemeClr>
+                </a:solidFill>
                 <a:latin typeface="Arial" panose="020B0604020202020204" pitchFamily="34" charset="0"/>
                 <a:cs typeface="Arial" panose="020B0604020202020204" pitchFamily="34" charset="0"/>
               </a:rPr>
@@ -9796,6 +12371,12 @@
             </a:r>
             <a:r>
               <a:rPr lang="de-DE" sz="2000" dirty="0">
+                <a:solidFill>
+                  <a:schemeClr val="tx1">
+                    <a:lumMod val="85000"/>
+                    <a:lumOff val="15000"/>
+                  </a:schemeClr>
+                </a:solidFill>
                 <a:latin typeface="Arial" panose="020B0604020202020204" pitchFamily="34" charset="0"/>
                 <a:cs typeface="Arial" panose="020B0604020202020204" pitchFamily="34" charset="0"/>
               </a:rPr>
@@ -9808,6 +12389,12 @@
             </a:pPr>
             <a:r>
               <a:rPr lang="de-DE" sz="2000" dirty="0">
+                <a:solidFill>
+                  <a:schemeClr val="tx1">
+                    <a:lumMod val="85000"/>
+                    <a:lumOff val="15000"/>
+                  </a:schemeClr>
+                </a:solidFill>
                 <a:latin typeface="Arial" panose="020B0604020202020204" pitchFamily="34" charset="0"/>
                 <a:cs typeface="Arial" panose="020B0604020202020204" pitchFamily="34" charset="0"/>
               </a:rPr>
@@ -9819,6 +12406,12 @@
               <a:buNone/>
             </a:pPr>
             <a:endParaRPr lang="de-DE" sz="2000" dirty="0">
+              <a:solidFill>
+                <a:schemeClr val="tx1">
+                  <a:lumMod val="85000"/>
+                  <a:lumOff val="15000"/>
+                </a:schemeClr>
+              </a:solidFill>
               <a:latin typeface="Arial" panose="020B0604020202020204" pitchFamily="34" charset="0"/>
               <a:cs typeface="Arial" panose="020B0604020202020204" pitchFamily="34" charset="0"/>
             </a:endParaRPr>
@@ -9829,6 +12422,12 @@
             </a:pPr>
             <a:r>
               <a:rPr lang="de-DE" sz="2000" b="1" dirty="0">
+                <a:solidFill>
+                  <a:schemeClr val="tx1">
+                    <a:lumMod val="85000"/>
+                    <a:lumOff val="15000"/>
+                  </a:schemeClr>
+                </a:solidFill>
                 <a:latin typeface="Arial" panose="020B0604020202020204" pitchFamily="34" charset="0"/>
                 <a:cs typeface="Arial" panose="020B0604020202020204" pitchFamily="34" charset="0"/>
               </a:rPr>
@@ -9836,6 +12435,12 @@
             </a:r>
             <a:r>
               <a:rPr lang="de-DE" sz="2000" dirty="0">
+                <a:solidFill>
+                  <a:schemeClr val="tx1">
+                    <a:lumMod val="85000"/>
+                    <a:lumOff val="15000"/>
+                  </a:schemeClr>
+                </a:solidFill>
                 <a:latin typeface="Arial" panose="020B0604020202020204" pitchFamily="34" charset="0"/>
                 <a:cs typeface="Arial" panose="020B0604020202020204" pitchFamily="34" charset="0"/>
               </a:rPr>
@@ -9848,6 +12453,12 @@
             </a:pPr>
             <a:r>
               <a:rPr lang="de-DE" sz="2000" dirty="0" err="1">
+                <a:solidFill>
+                  <a:schemeClr val="tx1">
+                    <a:lumMod val="85000"/>
+                    <a:lumOff val="15000"/>
+                  </a:schemeClr>
+                </a:solidFill>
                 <a:latin typeface="Arial" panose="020B0604020202020204" pitchFamily="34" charset="0"/>
                 <a:cs typeface="Arial" panose="020B0604020202020204" pitchFamily="34" charset="0"/>
               </a:rPr>
@@ -9855,6 +12466,12 @@
             </a:r>
             <a:r>
               <a:rPr lang="de-DE" sz="2000" dirty="0">
+                <a:solidFill>
+                  <a:schemeClr val="tx1">
+                    <a:lumMod val="85000"/>
+                    <a:lumOff val="15000"/>
+                  </a:schemeClr>
+                </a:solidFill>
                 <a:latin typeface="Arial" panose="020B0604020202020204" pitchFamily="34" charset="0"/>
                 <a:cs typeface="Arial" panose="020B0604020202020204" pitchFamily="34" charset="0"/>
               </a:rPr>
@@ -9866,6 +12483,12 @@
               <a:buNone/>
             </a:pPr>
             <a:endParaRPr lang="de-DE" sz="2000" dirty="0">
+              <a:solidFill>
+                <a:schemeClr val="tx1">
+                  <a:lumMod val="85000"/>
+                  <a:lumOff val="15000"/>
+                </a:schemeClr>
+              </a:solidFill>
               <a:latin typeface="Arial" panose="020B0604020202020204" pitchFamily="34" charset="0"/>
               <a:cs typeface="Arial" panose="020B0604020202020204" pitchFamily="34" charset="0"/>
             </a:endParaRPr>
@@ -9876,6 +12499,12 @@
             </a:pPr>
             <a:r>
               <a:rPr lang="de-DE" sz="2000" b="1" dirty="0">
+                <a:solidFill>
+                  <a:schemeClr val="tx1">
+                    <a:lumMod val="85000"/>
+                    <a:lumOff val="15000"/>
+                  </a:schemeClr>
+                </a:solidFill>
                 <a:latin typeface="Arial" panose="020B0604020202020204" pitchFamily="34" charset="0"/>
                 <a:cs typeface="Arial" panose="020B0604020202020204" pitchFamily="34" charset="0"/>
               </a:rPr>
@@ -9883,6 +12512,12 @@
             </a:r>
             <a:r>
               <a:rPr lang="de-DE" sz="2000" dirty="0">
+                <a:solidFill>
+                  <a:schemeClr val="tx1">
+                    <a:lumMod val="85000"/>
+                    <a:lumOff val="15000"/>
+                  </a:schemeClr>
+                </a:solidFill>
                 <a:latin typeface="Arial" panose="020B0604020202020204" pitchFamily="34" charset="0"/>
                 <a:cs typeface="Arial" panose="020B0604020202020204" pitchFamily="34" charset="0"/>
               </a:rPr>
@@ -9895,6 +12530,12 @@
             </a:pPr>
             <a:r>
               <a:rPr lang="de-DE" sz="2000" dirty="0">
+                <a:solidFill>
+                  <a:schemeClr val="tx1">
+                    <a:lumMod val="85000"/>
+                    <a:lumOff val="15000"/>
+                  </a:schemeClr>
+                </a:solidFill>
                 <a:latin typeface="Arial" panose="020B0604020202020204" pitchFamily="34" charset="0"/>
                 <a:cs typeface="Arial" panose="020B0604020202020204" pitchFamily="34" charset="0"/>
               </a:rPr>
@@ -9902,6 +12543,12 @@
             </a:r>
             <a:r>
               <a:rPr lang="de-DE" sz="2000" dirty="0" err="1">
+                <a:solidFill>
+                  <a:schemeClr val="tx1">
+                    <a:lumMod val="85000"/>
+                    <a:lumOff val="15000"/>
+                  </a:schemeClr>
+                </a:solidFill>
                 <a:latin typeface="Arial" panose="020B0604020202020204" pitchFamily="34" charset="0"/>
                 <a:cs typeface="Arial" panose="020B0604020202020204" pitchFamily="34" charset="0"/>
               </a:rPr>
@@ -9909,6 +12556,12 @@
             </a:r>
             <a:r>
               <a:rPr lang="de-DE" sz="2000" dirty="0">
+                <a:solidFill>
+                  <a:schemeClr val="tx1">
+                    <a:lumMod val="85000"/>
+                    <a:lumOff val="15000"/>
+                  </a:schemeClr>
+                </a:solidFill>
                 <a:latin typeface="Arial" panose="020B0604020202020204" pitchFamily="34" charset="0"/>
                 <a:cs typeface="Arial" panose="020B0604020202020204" pitchFamily="34" charset="0"/>
               </a:rPr>
@@ -10624,6 +13277,12 @@
           <a:p>
             <a:r>
               <a:rPr lang="en-US" sz="3600" dirty="0" err="1">
+                <a:solidFill>
+                  <a:schemeClr val="tx1">
+                    <a:lumMod val="85000"/>
+                    <a:lumOff val="15000"/>
+                  </a:schemeClr>
+                </a:solidFill>
                 <a:latin typeface="Segoe UI Bold" panose="020B0802040204020203" pitchFamily="34" charset="0"/>
                 <a:cs typeface="Segoe UI Bold" panose="020B0802040204020203" pitchFamily="34" charset="0"/>
               </a:rPr>
@@ -10631,6 +13290,12 @@
             </a:r>
             <a:r>
               <a:rPr lang="en-US" sz="3600" dirty="0">
+                <a:solidFill>
+                  <a:schemeClr val="tx1">
+                    <a:lumMod val="85000"/>
+                    <a:lumOff val="15000"/>
+                  </a:schemeClr>
+                </a:solidFill>
                 <a:latin typeface="Segoe UI Bold" panose="020B0802040204020203" pitchFamily="34" charset="0"/>
                 <a:cs typeface="Segoe UI Bold" panose="020B0802040204020203" pitchFamily="34" charset="0"/>
               </a:rPr>
@@ -10638,12 +13303,24 @@
             </a:r>
             <a:r>
               <a:rPr lang="en-US" sz="3600" dirty="0" err="1">
+                <a:solidFill>
+                  <a:schemeClr val="tx1">
+                    <a:lumMod val="85000"/>
+                    <a:lumOff val="15000"/>
+                  </a:schemeClr>
+                </a:solidFill>
                 <a:latin typeface="Segoe UI Bold" panose="020B0802040204020203" pitchFamily="34" charset="0"/>
                 <a:cs typeface="Segoe UI Bold" panose="020B0802040204020203" pitchFamily="34" charset="0"/>
               </a:rPr>
               <a:t>Zielsetzung</a:t>
             </a:r>
             <a:endParaRPr lang="en-DE" sz="3600" dirty="0">
+              <a:solidFill>
+                <a:schemeClr val="tx1">
+                  <a:lumMod val="85000"/>
+                  <a:lumOff val="15000"/>
+                </a:schemeClr>
+              </a:solidFill>
               <a:latin typeface="Segoe UI Bold" panose="020B0802040204020203" pitchFamily="34" charset="0"/>
               <a:ea typeface="ADLaM Display" panose="020F0502020204030204" pitchFamily="2" charset="0"/>
               <a:cs typeface="Segoe UI Bold" panose="020B0802040204020203" pitchFamily="34" charset="0"/>
@@ -10684,6 +13361,12 @@
             </a:pPr>
             <a:r>
               <a:rPr lang="en-US" sz="2000" b="1" dirty="0">
+                <a:solidFill>
+                  <a:schemeClr val="tx1">
+                    <a:lumMod val="85000"/>
+                    <a:lumOff val="15000"/>
+                  </a:schemeClr>
+                </a:solidFill>
                 <a:latin typeface="Arial" panose="020B0604020202020204" pitchFamily="34" charset="0"/>
                 <a:cs typeface="Arial" panose="020B0604020202020204" pitchFamily="34" charset="0"/>
               </a:rPr>
@@ -10691,6 +13374,12 @@
             </a:r>
             <a:r>
               <a:rPr lang="en-US" sz="2000" dirty="0">
+                <a:solidFill>
+                  <a:schemeClr val="tx1">
+                    <a:lumMod val="85000"/>
+                    <a:lumOff val="15000"/>
+                  </a:schemeClr>
+                </a:solidFill>
                 <a:latin typeface="Arial" panose="020B0604020202020204" pitchFamily="34" charset="0"/>
                 <a:cs typeface="Arial" panose="020B0604020202020204" pitchFamily="34" charset="0"/>
               </a:rPr>
@@ -10703,6 +13392,12 @@
             </a:pPr>
             <a:r>
               <a:rPr lang="en-US" sz="2000" dirty="0">
+                <a:solidFill>
+                  <a:schemeClr val="tx1">
+                    <a:lumMod val="85000"/>
+                    <a:lumOff val="15000"/>
+                  </a:schemeClr>
+                </a:solidFill>
                 <a:latin typeface="Arial" panose="020B0604020202020204" pitchFamily="34" charset="0"/>
                 <a:cs typeface="Arial" panose="020B0604020202020204" pitchFamily="34" charset="0"/>
               </a:rPr>
@@ -10710,6 +13405,12 @@
             </a:r>
             <a:r>
               <a:rPr lang="en-US" sz="2000" dirty="0" err="1">
+                <a:solidFill>
+                  <a:schemeClr val="tx1">
+                    <a:lumMod val="85000"/>
+                    <a:lumOff val="15000"/>
+                  </a:schemeClr>
+                </a:solidFill>
                 <a:latin typeface="Arial" panose="020B0604020202020204" pitchFamily="34" charset="0"/>
                 <a:cs typeface="Arial" panose="020B0604020202020204" pitchFamily="34" charset="0"/>
               </a:rPr>
@@ -10717,6 +13418,12 @@
             </a:r>
             <a:r>
               <a:rPr lang="en-US" sz="2000" dirty="0">
+                <a:solidFill>
+                  <a:schemeClr val="tx1">
+                    <a:lumMod val="85000"/>
+                    <a:lumOff val="15000"/>
+                  </a:schemeClr>
+                </a:solidFill>
                 <a:latin typeface="Arial" panose="020B0604020202020204" pitchFamily="34" charset="0"/>
                 <a:cs typeface="Arial" panose="020B0604020202020204" pitchFamily="34" charset="0"/>
               </a:rPr>
@@ -10724,6 +13431,12 @@
             </a:r>
             <a:r>
               <a:rPr lang="en-US" sz="2000" dirty="0" err="1">
+                <a:solidFill>
+                  <a:schemeClr val="tx1">
+                    <a:lumMod val="85000"/>
+                    <a:lumOff val="15000"/>
+                  </a:schemeClr>
+                </a:solidFill>
                 <a:latin typeface="Arial" panose="020B0604020202020204" pitchFamily="34" charset="0"/>
                 <a:cs typeface="Arial" panose="020B0604020202020204" pitchFamily="34" charset="0"/>
               </a:rPr>
@@ -10731,6 +13444,12 @@
             </a:r>
             <a:r>
               <a:rPr lang="en-US" sz="2000" dirty="0">
+                <a:solidFill>
+                  <a:schemeClr val="tx1">
+                    <a:lumMod val="85000"/>
+                    <a:lumOff val="15000"/>
+                  </a:schemeClr>
+                </a:solidFill>
                 <a:latin typeface="Arial" panose="020B0604020202020204" pitchFamily="34" charset="0"/>
                 <a:cs typeface="Arial" panose="020B0604020202020204" pitchFamily="34" charset="0"/>
               </a:rPr>
@@ -10738,6 +13457,12 @@
             </a:r>
             <a:r>
               <a:rPr lang="en-US" sz="2000" dirty="0" err="1">
+                <a:solidFill>
+                  <a:schemeClr val="tx1">
+                    <a:lumMod val="85000"/>
+                    <a:lumOff val="15000"/>
+                  </a:schemeClr>
+                </a:solidFill>
                 <a:latin typeface="Arial" panose="020B0604020202020204" pitchFamily="34" charset="0"/>
                 <a:cs typeface="Arial" panose="020B0604020202020204" pitchFamily="34" charset="0"/>
               </a:rPr>
@@ -10745,6 +13470,12 @@
             </a:r>
             <a:r>
               <a:rPr lang="en-US" sz="2000" dirty="0">
+                <a:solidFill>
+                  <a:schemeClr val="tx1">
+                    <a:lumMod val="85000"/>
+                    <a:lumOff val="15000"/>
+                  </a:schemeClr>
+                </a:solidFill>
                 <a:latin typeface="Arial" panose="020B0604020202020204" pitchFamily="34" charset="0"/>
                 <a:cs typeface="Arial" panose="020B0604020202020204" pitchFamily="34" charset="0"/>
               </a:rPr>
@@ -10752,12 +13483,24 @@
             </a:r>
             <a:r>
               <a:rPr lang="en-US" sz="2000" dirty="0" err="1">
+                <a:solidFill>
+                  <a:schemeClr val="tx1">
+                    <a:lumMod val="85000"/>
+                    <a:lumOff val="15000"/>
+                  </a:schemeClr>
+                </a:solidFill>
                 <a:latin typeface="Arial" panose="020B0604020202020204" pitchFamily="34" charset="0"/>
                 <a:cs typeface="Arial" panose="020B0604020202020204" pitchFamily="34" charset="0"/>
               </a:rPr>
               <a:t>Aufwand</a:t>
             </a:r>
             <a:endParaRPr lang="en-US" sz="2000" dirty="0">
+              <a:solidFill>
+                <a:schemeClr val="tx1">
+                  <a:lumMod val="85000"/>
+                  <a:lumOff val="15000"/>
+                </a:schemeClr>
+              </a:solidFill>
               <a:latin typeface="Arial" panose="020B0604020202020204" pitchFamily="34" charset="0"/>
               <a:cs typeface="Arial" panose="020B0604020202020204" pitchFamily="34" charset="0"/>
             </a:endParaRPr>
@@ -10767,6 +13510,12 @@
               <a:buNone/>
             </a:pPr>
             <a:endParaRPr lang="en-US" sz="2000" dirty="0">
+              <a:solidFill>
+                <a:schemeClr val="tx1">
+                  <a:lumMod val="85000"/>
+                  <a:lumOff val="15000"/>
+                </a:schemeClr>
+              </a:solidFill>
               <a:latin typeface="Arial" panose="020B0604020202020204" pitchFamily="34" charset="0"/>
               <a:cs typeface="Arial" panose="020B0604020202020204" pitchFamily="34" charset="0"/>
             </a:endParaRPr>
@@ -10777,6 +13526,12 @@
             </a:pPr>
             <a:r>
               <a:rPr lang="en-US" sz="2000" b="1" dirty="0">
+                <a:solidFill>
+                  <a:schemeClr val="tx1">
+                    <a:lumMod val="85000"/>
+                    <a:lumOff val="15000"/>
+                  </a:schemeClr>
+                </a:solidFill>
                 <a:latin typeface="Arial" panose="020B0604020202020204" pitchFamily="34" charset="0"/>
                 <a:cs typeface="Arial" panose="020B0604020202020204" pitchFamily="34" charset="0"/>
               </a:rPr>
@@ -10784,6 +13539,12 @@
             </a:r>
             <a:r>
               <a:rPr lang="en-US" sz="2000" dirty="0">
+                <a:solidFill>
+                  <a:schemeClr val="tx1">
+                    <a:lumMod val="85000"/>
+                    <a:lumOff val="15000"/>
+                  </a:schemeClr>
+                </a:solidFill>
                 <a:latin typeface="Arial" panose="020B0604020202020204" pitchFamily="34" charset="0"/>
                 <a:cs typeface="Arial" panose="020B0604020202020204" pitchFamily="34" charset="0"/>
               </a:rPr>
@@ -10796,6 +13557,12 @@
             </a:pPr>
             <a:r>
               <a:rPr lang="en-US" sz="2000" dirty="0" err="1">
+                <a:solidFill>
+                  <a:schemeClr val="tx1">
+                    <a:lumMod val="85000"/>
+                    <a:lumOff val="15000"/>
+                  </a:schemeClr>
+                </a:solidFill>
                 <a:latin typeface="Arial" panose="020B0604020202020204" pitchFamily="34" charset="0"/>
                 <a:cs typeface="Arial" panose="020B0604020202020204" pitchFamily="34" charset="0"/>
               </a:rPr>
@@ -10803,6 +13570,12 @@
             </a:r>
             <a:r>
               <a:rPr lang="en-US" sz="2000" dirty="0">
+                <a:solidFill>
+                  <a:schemeClr val="tx1">
+                    <a:lumMod val="85000"/>
+                    <a:lumOff val="15000"/>
+                  </a:schemeClr>
+                </a:solidFill>
                 <a:latin typeface="Arial" panose="020B0604020202020204" pitchFamily="34" charset="0"/>
                 <a:cs typeface="Arial" panose="020B0604020202020204" pitchFamily="34" charset="0"/>
               </a:rPr>
@@ -10810,6 +13583,12 @@
             </a:r>
             <a:r>
               <a:rPr lang="en-US" sz="2000" dirty="0" err="1">
+                <a:solidFill>
+                  <a:schemeClr val="tx1">
+                    <a:lumMod val="85000"/>
+                    <a:lumOff val="15000"/>
+                  </a:schemeClr>
+                </a:solidFill>
                 <a:latin typeface="Arial" panose="020B0604020202020204" pitchFamily="34" charset="0"/>
                 <a:cs typeface="Arial" panose="020B0604020202020204" pitchFamily="34" charset="0"/>
               </a:rPr>
@@ -10817,6 +13596,12 @@
             </a:r>
             <a:r>
               <a:rPr lang="en-US" sz="2000" dirty="0">
+                <a:solidFill>
+                  <a:schemeClr val="tx1">
+                    <a:lumMod val="85000"/>
+                    <a:lumOff val="15000"/>
+                  </a:schemeClr>
+                </a:solidFill>
                 <a:latin typeface="Arial" panose="020B0604020202020204" pitchFamily="34" charset="0"/>
                 <a:cs typeface="Arial" panose="020B0604020202020204" pitchFamily="34" charset="0"/>
               </a:rPr>
@@ -10824,6 +13609,12 @@
             </a:r>
             <a:r>
               <a:rPr lang="en-US" sz="2000" dirty="0" err="1">
+                <a:solidFill>
+                  <a:schemeClr val="tx1">
+                    <a:lumMod val="85000"/>
+                    <a:lumOff val="15000"/>
+                  </a:schemeClr>
+                </a:solidFill>
                 <a:latin typeface="Arial" panose="020B0604020202020204" pitchFamily="34" charset="0"/>
                 <a:cs typeface="Arial" panose="020B0604020202020204" pitchFamily="34" charset="0"/>
               </a:rPr>
@@ -10831,6 +13622,12 @@
             </a:r>
             <a:r>
               <a:rPr lang="en-US" sz="2000" dirty="0">
+                <a:solidFill>
+                  <a:schemeClr val="tx1">
+                    <a:lumMod val="85000"/>
+                    <a:lumOff val="15000"/>
+                  </a:schemeClr>
+                </a:solidFill>
                 <a:latin typeface="Arial" panose="020B0604020202020204" pitchFamily="34" charset="0"/>
                 <a:cs typeface="Arial" panose="020B0604020202020204" pitchFamily="34" charset="0"/>
               </a:rPr>
@@ -10838,6 +13635,12 @@
             </a:r>
             <a:r>
               <a:rPr lang="en-US" sz="2000" dirty="0" err="1">
+                <a:solidFill>
+                  <a:schemeClr val="tx1">
+                    <a:lumMod val="85000"/>
+                    <a:lumOff val="15000"/>
+                  </a:schemeClr>
+                </a:solidFill>
                 <a:latin typeface="Arial" panose="020B0604020202020204" pitchFamily="34" charset="0"/>
                 <a:cs typeface="Arial" panose="020B0604020202020204" pitchFamily="34" charset="0"/>
               </a:rPr>
@@ -10845,6 +13648,12 @@
             </a:r>
             <a:r>
               <a:rPr lang="en-US" sz="2000" dirty="0">
+                <a:solidFill>
+                  <a:schemeClr val="tx1">
+                    <a:lumMod val="85000"/>
+                    <a:lumOff val="15000"/>
+                  </a:schemeClr>
+                </a:solidFill>
                 <a:latin typeface="Arial" panose="020B0604020202020204" pitchFamily="34" charset="0"/>
                 <a:cs typeface="Arial" panose="020B0604020202020204" pitchFamily="34" charset="0"/>
               </a:rPr>
@@ -10856,6 +13665,12 @@
               <a:buNone/>
             </a:pPr>
             <a:endParaRPr lang="en-US" sz="2000" dirty="0">
+              <a:solidFill>
+                <a:schemeClr val="tx1">
+                  <a:lumMod val="85000"/>
+                  <a:lumOff val="15000"/>
+                </a:schemeClr>
+              </a:solidFill>
               <a:latin typeface="Arial" panose="020B0604020202020204" pitchFamily="34" charset="0"/>
               <a:cs typeface="Arial" panose="020B0604020202020204" pitchFamily="34" charset="0"/>
             </a:endParaRPr>
@@ -10865,6 +13680,12 @@
               <a:buNone/>
             </a:pPr>
             <a:endParaRPr lang="en-US" sz="2000" dirty="0">
+              <a:solidFill>
+                <a:schemeClr val="tx1">
+                  <a:lumMod val="85000"/>
+                  <a:lumOff val="15000"/>
+                </a:schemeClr>
+              </a:solidFill>
               <a:latin typeface="Arial" panose="020B0604020202020204" pitchFamily="34" charset="0"/>
               <a:cs typeface="Arial" panose="020B0604020202020204" pitchFamily="34" charset="0"/>
             </a:endParaRPr>
@@ -11658,12 +14479,24 @@
           <a:p>
             <a:r>
               <a:rPr lang="de-DE" sz="3600" dirty="0">
+                <a:solidFill>
+                  <a:schemeClr val="tx1">
+                    <a:lumMod val="85000"/>
+                    <a:lumOff val="15000"/>
+                  </a:schemeClr>
+                </a:solidFill>
                 <a:latin typeface="Segoe UI Bold" panose="020B0802040204020203" pitchFamily="34" charset="0"/>
                 <a:cs typeface="Segoe UI Bold" panose="020B0802040204020203" pitchFamily="34" charset="0"/>
               </a:rPr>
               <a:t>Technische Anforderungen aus dem Ziel</a:t>
             </a:r>
             <a:endParaRPr lang="en-DE" sz="3600" dirty="0">
+              <a:solidFill>
+                <a:schemeClr val="tx1">
+                  <a:lumMod val="85000"/>
+                  <a:lumOff val="15000"/>
+                </a:schemeClr>
+              </a:solidFill>
               <a:latin typeface="Segoe UI Bold" panose="020B0802040204020203" pitchFamily="34" charset="0"/>
               <a:ea typeface="ADLaM Display" panose="020F0502020204030204" pitchFamily="2" charset="0"/>
               <a:cs typeface="Segoe UI Bold" panose="020B0802040204020203" pitchFamily="34" charset="0"/>
@@ -13066,6 +15899,12 @@
           <a:p>
             <a:r>
               <a:rPr lang="en-US" sz="3600" dirty="0">
+                <a:solidFill>
+                  <a:schemeClr val="tx1">
+                    <a:lumMod val="85000"/>
+                    <a:lumOff val="15000"/>
+                  </a:schemeClr>
+                </a:solidFill>
                 <a:latin typeface="Segoe UI Bold" panose="020B0802040204020203" pitchFamily="34" charset="0"/>
                 <a:cs typeface="Segoe UI Bold" panose="020B0802040204020203" pitchFamily="34" charset="0"/>
               </a:rPr>
@@ -13073,12 +15912,24 @@
             </a:r>
             <a:r>
               <a:rPr lang="en-US" sz="3600" dirty="0" err="1">
+                <a:solidFill>
+                  <a:schemeClr val="tx1">
+                    <a:lumMod val="85000"/>
+                    <a:lumOff val="15000"/>
+                  </a:schemeClr>
+                </a:solidFill>
                 <a:latin typeface="Segoe UI Bold" panose="020B0802040204020203" pitchFamily="34" charset="0"/>
                 <a:cs typeface="Segoe UI Bold" panose="020B0802040204020203" pitchFamily="34" charset="0"/>
               </a:rPr>
               <a:t>Funktionalität</a:t>
             </a:r>
             <a:endParaRPr lang="en-DE" sz="3600" dirty="0">
+              <a:solidFill>
+                <a:schemeClr val="tx1">
+                  <a:lumMod val="85000"/>
+                  <a:lumOff val="15000"/>
+                </a:schemeClr>
+              </a:solidFill>
               <a:latin typeface="Segoe UI Bold" panose="020B0802040204020203" pitchFamily="34" charset="0"/>
               <a:ea typeface="ADLaM Display" panose="020F0502020204030204" pitchFamily="2" charset="0"/>
               <a:cs typeface="Segoe UI Bold" panose="020B0802040204020203" pitchFamily="34" charset="0"/>
@@ -13119,6 +15970,12 @@
             </a:pPr>
             <a:r>
               <a:rPr lang="en-US" sz="2000" dirty="0">
+                <a:solidFill>
+                  <a:schemeClr val="tx1">
+                    <a:lumMod val="85000"/>
+                    <a:lumOff val="15000"/>
+                  </a:schemeClr>
+                </a:solidFill>
                 <a:latin typeface="Arial" panose="020B0604020202020204" pitchFamily="34" charset="0"/>
                 <a:cs typeface="Arial" panose="020B0604020202020204" pitchFamily="34" charset="0"/>
               </a:rPr>
@@ -13126,6 +15983,12 @@
             </a:r>
             <a:r>
               <a:rPr lang="en-US" sz="2000" dirty="0" err="1">
+                <a:solidFill>
+                  <a:schemeClr val="tx1">
+                    <a:lumMod val="85000"/>
+                    <a:lumOff val="15000"/>
+                  </a:schemeClr>
+                </a:solidFill>
                 <a:latin typeface="Arial" panose="020B0604020202020204" pitchFamily="34" charset="0"/>
                 <a:cs typeface="Arial" panose="020B0604020202020204" pitchFamily="34" charset="0"/>
               </a:rPr>
@@ -13133,6 +15996,12 @@
             </a:r>
             <a:r>
               <a:rPr lang="en-US" sz="2000" dirty="0">
+                <a:solidFill>
+                  <a:schemeClr val="tx1">
+                    <a:lumMod val="85000"/>
+                    <a:lumOff val="15000"/>
+                  </a:schemeClr>
+                </a:solidFill>
                 <a:latin typeface="Arial" panose="020B0604020202020204" pitchFamily="34" charset="0"/>
                 <a:cs typeface="Arial" panose="020B0604020202020204" pitchFamily="34" charset="0"/>
               </a:rPr>
@@ -13144,6 +16013,12 @@
               <a:buNone/>
             </a:pPr>
             <a:endParaRPr lang="en-US" sz="2000" dirty="0">
+              <a:solidFill>
+                <a:schemeClr val="tx1">
+                  <a:lumMod val="85000"/>
+                  <a:lumOff val="15000"/>
+                </a:schemeClr>
+              </a:solidFill>
               <a:latin typeface="Arial" panose="020B0604020202020204" pitchFamily="34" charset="0"/>
               <a:cs typeface="Arial" panose="020B0604020202020204" pitchFamily="34" charset="0"/>
             </a:endParaRPr>
@@ -13154,6 +16029,12 @@
             </a:pPr>
             <a:r>
               <a:rPr lang="en-US" sz="2000" dirty="0">
+                <a:solidFill>
+                  <a:schemeClr val="tx1">
+                    <a:lumMod val="85000"/>
+                    <a:lumOff val="15000"/>
+                  </a:schemeClr>
+                </a:solidFill>
                 <a:latin typeface="Arial" panose="020B0604020202020204" pitchFamily="34" charset="0"/>
                 <a:cs typeface="Arial" panose="020B0604020202020204" pitchFamily="34" charset="0"/>
               </a:rPr>
@@ -13165,6 +16046,12 @@
               <a:buNone/>
             </a:pPr>
             <a:endParaRPr lang="en-US" sz="2000" dirty="0">
+              <a:solidFill>
+                <a:schemeClr val="tx1">
+                  <a:lumMod val="85000"/>
+                  <a:lumOff val="15000"/>
+                </a:schemeClr>
+              </a:solidFill>
               <a:latin typeface="Arial" panose="020B0604020202020204" pitchFamily="34" charset="0"/>
               <a:cs typeface="Arial" panose="020B0604020202020204" pitchFamily="34" charset="0"/>
             </a:endParaRPr>
@@ -13175,6 +16062,12 @@
             </a:pPr>
             <a:r>
               <a:rPr lang="en-US" sz="2000" dirty="0" err="1">
+                <a:solidFill>
+                  <a:schemeClr val="tx1">
+                    <a:lumMod val="85000"/>
+                    <a:lumOff val="15000"/>
+                  </a:schemeClr>
+                </a:solidFill>
                 <a:latin typeface="Arial" panose="020B0604020202020204" pitchFamily="34" charset="0"/>
                 <a:cs typeface="Arial" panose="020B0604020202020204" pitchFamily="34" charset="0"/>
               </a:rPr>
@@ -13182,6 +16075,12 @@
             </a:r>
             <a:r>
               <a:rPr lang="en-US" sz="2000" dirty="0">
+                <a:solidFill>
+                  <a:schemeClr val="tx1">
+                    <a:lumMod val="85000"/>
+                    <a:lumOff val="15000"/>
+                  </a:schemeClr>
+                </a:solidFill>
                 <a:latin typeface="Arial" panose="020B0604020202020204" pitchFamily="34" charset="0"/>
                 <a:cs typeface="Arial" panose="020B0604020202020204" pitchFamily="34" charset="0"/>
               </a:rPr>
@@ -13193,6 +16092,12 @@
               <a:buNone/>
             </a:pPr>
             <a:endParaRPr lang="en-US" sz="2000" dirty="0">
+              <a:solidFill>
+                <a:schemeClr val="tx1">
+                  <a:lumMod val="85000"/>
+                  <a:lumOff val="15000"/>
+                </a:schemeClr>
+              </a:solidFill>
               <a:latin typeface="Arial" panose="020B0604020202020204" pitchFamily="34" charset="0"/>
               <a:cs typeface="Arial" panose="020B0604020202020204" pitchFamily="34" charset="0"/>
             </a:endParaRPr>
@@ -13203,6 +16108,12 @@
             </a:pPr>
             <a:r>
               <a:rPr lang="en-US" sz="2000" dirty="0">
+                <a:solidFill>
+                  <a:schemeClr val="tx1">
+                    <a:lumMod val="85000"/>
+                    <a:lumOff val="15000"/>
+                  </a:schemeClr>
+                </a:solidFill>
                 <a:latin typeface="Arial" panose="020B0604020202020204" pitchFamily="34" charset="0"/>
                 <a:cs typeface="Arial" panose="020B0604020202020204" pitchFamily="34" charset="0"/>
               </a:rPr>
@@ -13210,6 +16121,12 @@
             </a:r>
             <a:r>
               <a:rPr lang="en-US" sz="2000" dirty="0" err="1">
+                <a:solidFill>
+                  <a:schemeClr val="tx1">
+                    <a:lumMod val="85000"/>
+                    <a:lumOff val="15000"/>
+                  </a:schemeClr>
+                </a:solidFill>
                 <a:latin typeface="Arial" panose="020B0604020202020204" pitchFamily="34" charset="0"/>
                 <a:cs typeface="Arial" panose="020B0604020202020204" pitchFamily="34" charset="0"/>
               </a:rPr>
@@ -13217,6 +16134,12 @@
             </a:r>
             <a:r>
               <a:rPr lang="en-US" sz="2000" dirty="0">
+                <a:solidFill>
+                  <a:schemeClr val="tx1">
+                    <a:lumMod val="85000"/>
+                    <a:lumOff val="15000"/>
+                  </a:schemeClr>
+                </a:solidFill>
                 <a:latin typeface="Arial" panose="020B0604020202020204" pitchFamily="34" charset="0"/>
                 <a:cs typeface="Arial" panose="020B0604020202020204" pitchFamily="34" charset="0"/>
               </a:rPr>
@@ -13228,6 +16151,12 @@
               <a:buNone/>
             </a:pPr>
             <a:endParaRPr lang="en-US" sz="2000" dirty="0">
+              <a:solidFill>
+                <a:schemeClr val="tx1">
+                  <a:lumMod val="85000"/>
+                  <a:lumOff val="15000"/>
+                </a:schemeClr>
+              </a:solidFill>
               <a:latin typeface="Arial" panose="020B0604020202020204" pitchFamily="34" charset="0"/>
               <a:cs typeface="Arial" panose="020B0604020202020204" pitchFamily="34" charset="0"/>
             </a:endParaRPr>
@@ -13238,6 +16167,12 @@
             </a:pPr>
             <a:r>
               <a:rPr lang="en-US" sz="2000" dirty="0" err="1">
+                <a:solidFill>
+                  <a:schemeClr val="tx1">
+                    <a:lumMod val="85000"/>
+                    <a:lumOff val="15000"/>
+                  </a:schemeClr>
+                </a:solidFill>
                 <a:latin typeface="Arial" panose="020B0604020202020204" pitchFamily="34" charset="0"/>
                 <a:cs typeface="Arial" panose="020B0604020202020204" pitchFamily="34" charset="0"/>
               </a:rPr>
@@ -13245,6 +16180,12 @@
             </a:r>
             <a:r>
               <a:rPr lang="en-US" sz="2000" dirty="0">
+                <a:solidFill>
+                  <a:schemeClr val="tx1">
+                    <a:lumMod val="85000"/>
+                    <a:lumOff val="15000"/>
+                  </a:schemeClr>
+                </a:solidFill>
                 <a:latin typeface="Arial" panose="020B0604020202020204" pitchFamily="34" charset="0"/>
                 <a:cs typeface="Arial" panose="020B0604020202020204" pitchFamily="34" charset="0"/>
               </a:rPr>
@@ -13252,6 +16193,12 @@
             </a:r>
             <a:r>
               <a:rPr lang="en-US" sz="2000" dirty="0" err="1">
+                <a:solidFill>
+                  <a:schemeClr val="tx1">
+                    <a:lumMod val="85000"/>
+                    <a:lumOff val="15000"/>
+                  </a:schemeClr>
+                </a:solidFill>
                 <a:latin typeface="Arial" panose="020B0604020202020204" pitchFamily="34" charset="0"/>
                 <a:cs typeface="Arial" panose="020B0604020202020204" pitchFamily="34" charset="0"/>
               </a:rPr>
@@ -13259,6 +16206,12 @@
             </a:r>
             <a:r>
               <a:rPr lang="en-US" sz="2000" dirty="0">
+                <a:solidFill>
+                  <a:schemeClr val="tx1">
+                    <a:lumMod val="85000"/>
+                    <a:lumOff val="15000"/>
+                  </a:schemeClr>
+                </a:solidFill>
                 <a:latin typeface="Arial" panose="020B0604020202020204" pitchFamily="34" charset="0"/>
                 <a:cs typeface="Arial" panose="020B0604020202020204" pitchFamily="34" charset="0"/>
               </a:rPr>
@@ -13266,6 +16219,12 @@
             </a:r>
             <a:r>
               <a:rPr lang="en-US" sz="2000" dirty="0" err="1">
+                <a:solidFill>
+                  <a:schemeClr val="tx1">
+                    <a:lumMod val="85000"/>
+                    <a:lumOff val="15000"/>
+                  </a:schemeClr>
+                </a:solidFill>
                 <a:latin typeface="Arial" panose="020B0604020202020204" pitchFamily="34" charset="0"/>
                 <a:cs typeface="Arial" panose="020B0604020202020204" pitchFamily="34" charset="0"/>
               </a:rPr>
@@ -13273,6 +16232,12 @@
             </a:r>
             <a:r>
               <a:rPr lang="en-US" sz="2000" dirty="0">
+                <a:solidFill>
+                  <a:schemeClr val="tx1">
+                    <a:lumMod val="85000"/>
+                    <a:lumOff val="15000"/>
+                  </a:schemeClr>
+                </a:solidFill>
                 <a:latin typeface="Arial" panose="020B0604020202020204" pitchFamily="34" charset="0"/>
                 <a:cs typeface="Arial" panose="020B0604020202020204" pitchFamily="34" charset="0"/>
               </a:rPr>
@@ -13280,6 +16245,12 @@
             </a:r>
             <a:r>
               <a:rPr lang="en-US" sz="2000" dirty="0" err="1">
+                <a:solidFill>
+                  <a:schemeClr val="tx1">
+                    <a:lumMod val="85000"/>
+                    <a:lumOff val="15000"/>
+                  </a:schemeClr>
+                </a:solidFill>
                 <a:latin typeface="Arial" panose="020B0604020202020204" pitchFamily="34" charset="0"/>
                 <a:cs typeface="Arial" panose="020B0604020202020204" pitchFamily="34" charset="0"/>
               </a:rPr>
@@ -13287,6 +16258,12 @@
             </a:r>
             <a:r>
               <a:rPr lang="en-US" sz="2000" dirty="0">
+                <a:solidFill>
+                  <a:schemeClr val="tx1">
+                    <a:lumMod val="85000"/>
+                    <a:lumOff val="15000"/>
+                  </a:schemeClr>
+                </a:solidFill>
                 <a:latin typeface="Arial" panose="020B0604020202020204" pitchFamily="34" charset="0"/>
                 <a:cs typeface="Arial" panose="020B0604020202020204" pitchFamily="34" charset="0"/>
               </a:rPr>
@@ -14079,6 +17056,12 @@
           <a:p>
             <a:r>
               <a:rPr lang="en-US" sz="3600" dirty="0" err="1">
+                <a:solidFill>
+                  <a:schemeClr val="tx1">
+                    <a:lumMod val="85000"/>
+                    <a:lumOff val="15000"/>
+                  </a:schemeClr>
+                </a:solidFill>
                 <a:latin typeface="Segoe UI Bold" panose="020B0802040204020203" pitchFamily="34" charset="0"/>
                 <a:cs typeface="Segoe UI Bold" panose="020B0802040204020203" pitchFamily="34" charset="0"/>
               </a:rPr>
@@ -14086,6 +17069,12 @@
             </a:r>
             <a:r>
               <a:rPr lang="en-US" sz="3600" dirty="0">
+                <a:solidFill>
+                  <a:schemeClr val="tx1">
+                    <a:lumMod val="85000"/>
+                    <a:lumOff val="15000"/>
+                  </a:schemeClr>
+                </a:solidFill>
                 <a:latin typeface="Segoe UI Bold" panose="020B0802040204020203" pitchFamily="34" charset="0"/>
                 <a:cs typeface="Segoe UI Bold" panose="020B0802040204020203" pitchFamily="34" charset="0"/>
               </a:rPr>
@@ -14093,12 +17082,24 @@
             </a:r>
             <a:r>
               <a:rPr lang="en-US" sz="3600" dirty="0" err="1">
+                <a:solidFill>
+                  <a:schemeClr val="tx1">
+                    <a:lumMod val="85000"/>
+                    <a:lumOff val="15000"/>
+                  </a:schemeClr>
+                </a:solidFill>
                 <a:latin typeface="Segoe UI Bold" panose="020B0802040204020203" pitchFamily="34" charset="0"/>
                 <a:cs typeface="Segoe UI Bold" panose="020B0802040204020203" pitchFamily="34" charset="0"/>
               </a:rPr>
               <a:t>Moduls</a:t>
             </a:r>
             <a:endParaRPr lang="en-DE" sz="3600" dirty="0">
+              <a:solidFill>
+                <a:schemeClr val="tx1">
+                  <a:lumMod val="85000"/>
+                  <a:lumOff val="15000"/>
+                </a:schemeClr>
+              </a:solidFill>
               <a:latin typeface="Segoe UI Bold" panose="020B0802040204020203" pitchFamily="34" charset="0"/>
               <a:ea typeface="ADLaM Display" panose="020F0502020204030204" pitchFamily="2" charset="0"/>
               <a:cs typeface="Segoe UI Bold" panose="020B0802040204020203" pitchFamily="34" charset="0"/>
@@ -19440,12 +22441,24 @@
           <a:p>
             <a:r>
               <a:rPr lang="en-US" sz="3600" dirty="0" err="1">
+                <a:solidFill>
+                  <a:schemeClr val="tx1">
+                    <a:lumMod val="85000"/>
+                    <a:lumOff val="15000"/>
+                  </a:schemeClr>
+                </a:solidFill>
                 <a:latin typeface="Segoe UI Bold" panose="020B0802040204020203" pitchFamily="34" charset="0"/>
                 <a:cs typeface="Segoe UI Bold" panose="020B0802040204020203" pitchFamily="34" charset="0"/>
               </a:rPr>
               <a:t>Qualitätssicherung</a:t>
             </a:r>
             <a:endParaRPr lang="en-DE" sz="3600" dirty="0">
+              <a:solidFill>
+                <a:schemeClr val="tx1">
+                  <a:lumMod val="85000"/>
+                  <a:lumOff val="15000"/>
+                </a:schemeClr>
+              </a:solidFill>
               <a:latin typeface="Segoe UI Bold" panose="020B0802040204020203" pitchFamily="34" charset="0"/>
               <a:ea typeface="ADLaM Display" panose="020F0502020204030204" pitchFamily="2" charset="0"/>
               <a:cs typeface="Segoe UI Bold" panose="020B0802040204020203" pitchFamily="34" charset="0"/>
@@ -19483,6 +22496,12 @@
           <a:p>
             <a:r>
               <a:rPr lang="en-US" sz="2000" dirty="0">
+                <a:solidFill>
+                  <a:schemeClr val="tx1">
+                    <a:lumMod val="85000"/>
+                    <a:lumOff val="15000"/>
+                  </a:schemeClr>
+                </a:solidFill>
                 <a:latin typeface="Arial" panose="020B0604020202020204" pitchFamily="34" charset="0"/>
                 <a:cs typeface="Arial" panose="020B0604020202020204" pitchFamily="34" charset="0"/>
               </a:rPr>
@@ -19491,6 +22510,12 @@
           </a:p>
           <a:p>
             <a:endParaRPr lang="en-US" sz="2000" dirty="0">
+              <a:solidFill>
+                <a:schemeClr val="tx1">
+                  <a:lumMod val="85000"/>
+                  <a:lumOff val="15000"/>
+                </a:schemeClr>
+              </a:solidFill>
               <a:latin typeface="Arial" panose="020B0604020202020204" pitchFamily="34" charset="0"/>
               <a:cs typeface="Arial" panose="020B0604020202020204" pitchFamily="34" charset="0"/>
             </a:endParaRPr>
@@ -19498,6 +22523,12 @@
           <a:p>
             <a:r>
               <a:rPr lang="en-US" sz="2000" dirty="0">
+                <a:solidFill>
+                  <a:schemeClr val="tx1">
+                    <a:lumMod val="85000"/>
+                    <a:lumOff val="15000"/>
+                  </a:schemeClr>
+                </a:solidFill>
                 <a:latin typeface="Arial" panose="020B0604020202020204" pitchFamily="34" charset="0"/>
                 <a:cs typeface="Arial" panose="020B0604020202020204" pitchFamily="34" charset="0"/>
               </a:rPr>
@@ -19505,6 +22536,12 @@
             </a:r>
             <a:r>
               <a:rPr lang="en-US" sz="2000" dirty="0" err="1">
+                <a:solidFill>
+                  <a:schemeClr val="tx1">
+                    <a:lumMod val="85000"/>
+                    <a:lumOff val="15000"/>
+                  </a:schemeClr>
+                </a:solidFill>
                 <a:latin typeface="Arial" panose="020B0604020202020204" pitchFamily="34" charset="0"/>
                 <a:cs typeface="Arial" panose="020B0604020202020204" pitchFamily="34" charset="0"/>
               </a:rPr>
@@ -19512,6 +22549,12 @@
             </a:r>
             <a:r>
               <a:rPr lang="en-US" sz="2000" dirty="0">
+                <a:solidFill>
+                  <a:schemeClr val="tx1">
+                    <a:lumMod val="85000"/>
+                    <a:lumOff val="15000"/>
+                  </a:schemeClr>
+                </a:solidFill>
                 <a:latin typeface="Arial" panose="020B0604020202020204" pitchFamily="34" charset="0"/>
                 <a:cs typeface="Arial" panose="020B0604020202020204" pitchFamily="34" charset="0"/>
               </a:rPr>
@@ -19520,6 +22563,12 @@
           </a:p>
           <a:p>
             <a:endParaRPr lang="en-US" sz="2000" dirty="0">
+              <a:solidFill>
+                <a:schemeClr val="tx1">
+                  <a:lumMod val="85000"/>
+                  <a:lumOff val="15000"/>
+                </a:schemeClr>
+              </a:solidFill>
               <a:latin typeface="Arial" panose="020B0604020202020204" pitchFamily="34" charset="0"/>
               <a:cs typeface="Arial" panose="020B0604020202020204" pitchFamily="34" charset="0"/>
             </a:endParaRPr>
@@ -19527,6 +22576,12 @@
           <a:p>
             <a:r>
               <a:rPr lang="en-US" sz="2000" dirty="0">
+                <a:solidFill>
+                  <a:schemeClr val="tx1">
+                    <a:lumMod val="85000"/>
+                    <a:lumOff val="15000"/>
+                  </a:schemeClr>
+                </a:solidFill>
                 <a:latin typeface="Arial" panose="020B0604020202020204" pitchFamily="34" charset="0"/>
                 <a:cs typeface="Arial" panose="020B0604020202020204" pitchFamily="34" charset="0"/>
               </a:rPr>
@@ -19534,6 +22589,12 @@
             </a:r>
             <a:r>
               <a:rPr lang="en-US" sz="2000" dirty="0" err="1">
+                <a:solidFill>
+                  <a:schemeClr val="tx1">
+                    <a:lumMod val="85000"/>
+                    <a:lumOff val="15000"/>
+                  </a:schemeClr>
+                </a:solidFill>
                 <a:latin typeface="Arial" panose="020B0604020202020204" pitchFamily="34" charset="0"/>
                 <a:cs typeface="Arial" panose="020B0604020202020204" pitchFamily="34" charset="0"/>
               </a:rPr>
@@ -19541,6 +22602,12 @@
             </a:r>
             <a:r>
               <a:rPr lang="en-US" sz="2000" dirty="0">
+                <a:solidFill>
+                  <a:schemeClr val="tx1">
+                    <a:lumMod val="85000"/>
+                    <a:lumOff val="15000"/>
+                  </a:schemeClr>
+                </a:solidFill>
                 <a:latin typeface="Arial" panose="020B0604020202020204" pitchFamily="34" charset="0"/>
                 <a:cs typeface="Arial" panose="020B0604020202020204" pitchFamily="34" charset="0"/>
               </a:rPr>
@@ -19552,6 +22619,12 @@
               <a:buNone/>
             </a:pPr>
             <a:endParaRPr lang="en-US" sz="2000" dirty="0">
+              <a:solidFill>
+                <a:schemeClr val="tx1">
+                  <a:lumMod val="85000"/>
+                  <a:lumOff val="15000"/>
+                </a:schemeClr>
+              </a:solidFill>
               <a:latin typeface="Arial" panose="020B0604020202020204" pitchFamily="34" charset="0"/>
               <a:cs typeface="Arial" panose="020B0604020202020204" pitchFamily="34" charset="0"/>
             </a:endParaRPr>
@@ -19561,6 +22634,12 @@
               <a:buNone/>
             </a:pPr>
             <a:endParaRPr lang="en-US" sz="2000" dirty="0">
+              <a:solidFill>
+                <a:schemeClr val="tx1">
+                  <a:lumMod val="85000"/>
+                  <a:lumOff val="15000"/>
+                </a:schemeClr>
+              </a:solidFill>
               <a:latin typeface="Arial" panose="020B0604020202020204" pitchFamily="34" charset="0"/>
               <a:cs typeface="Arial" panose="020B0604020202020204" pitchFamily="34" charset="0"/>
             </a:endParaRPr>
@@ -19570,6 +22649,12 @@
               <a:buNone/>
             </a:pPr>
             <a:endParaRPr lang="en-US" sz="2000" dirty="0">
+              <a:solidFill>
+                <a:schemeClr val="tx1">
+                  <a:lumMod val="85000"/>
+                  <a:lumOff val="15000"/>
+                </a:schemeClr>
+              </a:solidFill>
               <a:latin typeface="Arial" panose="020B0604020202020204" pitchFamily="34" charset="0"/>
               <a:cs typeface="Arial" panose="020B0604020202020204" pitchFamily="34" charset="0"/>
             </a:endParaRPr>
@@ -19581,7 +22666,10 @@
             <a:r>
               <a:rPr lang="de-DE" sz="2000" dirty="0">
                 <a:solidFill>
-                  <a:srgbClr val="FF0000"/>
+                  <a:schemeClr val="tx1">
+                    <a:lumMod val="85000"/>
+                    <a:lumOff val="15000"/>
+                  </a:schemeClr>
                 </a:solidFill>
                 <a:latin typeface="Arial" panose="020B0604020202020204" pitchFamily="34" charset="0"/>
                 <a:cs typeface="Arial" panose="020B0604020202020204" pitchFamily="34" charset="0"/>
@@ -19596,7 +22684,10 @@
             <a:r>
               <a:rPr lang="de-DE" sz="2000" dirty="0">
                 <a:solidFill>
-                  <a:srgbClr val="FF0000"/>
+                  <a:schemeClr val="tx1">
+                    <a:lumMod val="85000"/>
+                    <a:lumOff val="15000"/>
+                  </a:schemeClr>
                 </a:solidFill>
                 <a:latin typeface="Arial" panose="020B0604020202020204" pitchFamily="34" charset="0"/>
                 <a:cs typeface="Arial" panose="020B0604020202020204" pitchFamily="34" charset="0"/>
@@ -19606,7 +22697,10 @@
             <a:r>
               <a:rPr lang="de-DE" sz="2000" dirty="0" err="1">
                 <a:solidFill>
-                  <a:srgbClr val="FF0000"/>
+                  <a:schemeClr val="tx1">
+                    <a:lumMod val="85000"/>
+                    <a:lumOff val="15000"/>
+                  </a:schemeClr>
                 </a:solidFill>
                 <a:latin typeface="Arial" panose="020B0604020202020204" pitchFamily="34" charset="0"/>
                 <a:cs typeface="Arial" panose="020B0604020202020204" pitchFamily="34" charset="0"/>
@@ -19616,7 +22710,10 @@
             <a:r>
               <a:rPr lang="de-DE" sz="2000" dirty="0">
                 <a:solidFill>
-                  <a:srgbClr val="FF0000"/>
+                  <a:schemeClr val="tx1">
+                    <a:lumMod val="85000"/>
+                    <a:lumOff val="15000"/>
+                  </a:schemeClr>
                 </a:solidFill>
                 <a:latin typeface="Arial" panose="020B0604020202020204" pitchFamily="34" charset="0"/>
                 <a:cs typeface="Arial" panose="020B0604020202020204" pitchFamily="34" charset="0"/>
@@ -19626,7 +22723,10 @@
             <a:r>
               <a:rPr lang="de-DE" sz="2000" dirty="0" err="1">
                 <a:solidFill>
-                  <a:srgbClr val="FF0000"/>
+                  <a:schemeClr val="tx1">
+                    <a:lumMod val="85000"/>
+                    <a:lumOff val="15000"/>
+                  </a:schemeClr>
                 </a:solidFill>
                 <a:latin typeface="Arial" panose="020B0604020202020204" pitchFamily="34" charset="0"/>
                 <a:cs typeface="Arial" panose="020B0604020202020204" pitchFamily="34" charset="0"/>
@@ -19636,7 +22736,10 @@
             <a:r>
               <a:rPr lang="de-DE" sz="2000" dirty="0">
                 <a:solidFill>
-                  <a:srgbClr val="FF0000"/>
+                  <a:schemeClr val="tx1">
+                    <a:lumMod val="85000"/>
+                    <a:lumOff val="15000"/>
+                  </a:schemeClr>
                 </a:solidFill>
                 <a:latin typeface="Arial" panose="020B0604020202020204" pitchFamily="34" charset="0"/>
                 <a:cs typeface="Arial" panose="020B0604020202020204" pitchFamily="34" charset="0"/>
@@ -19645,7 +22748,10 @@
             </a:r>
             <a:endParaRPr lang="en-US" sz="2000" dirty="0">
               <a:solidFill>
-                <a:srgbClr val="FF0000"/>
+                <a:schemeClr val="tx1">
+                  <a:lumMod val="85000"/>
+                  <a:lumOff val="15000"/>
+                </a:schemeClr>
               </a:solidFill>
               <a:latin typeface="Arial" panose="020B0604020202020204" pitchFamily="34" charset="0"/>
               <a:cs typeface="Arial" panose="020B0604020202020204" pitchFamily="34" charset="0"/>
@@ -20168,32 +23274,30 @@
         </p:spPr>
         <p:txBody>
           <a:bodyPr anchor="ctr">
-            <a:normAutofit fontScale="90000"/>
+            <a:normAutofit/>
           </a:bodyPr>
           <a:lstStyle/>
           <a:p>
             <a:r>
               <a:rPr lang="en-US" sz="3600" dirty="0" err="1">
-                <a:latin typeface="Segoe UI Bold" panose="020B0802040204020203" pitchFamily="34" charset="0"/>
-                <a:cs typeface="Segoe UI Bold" panose="020B0802040204020203" pitchFamily="34" charset="0"/>
-              </a:rPr>
-              <a:t>Wirtschaftliche</a:t>
-            </a:r>
-            <a:r>
-              <a:rPr lang="en-US" sz="3600" dirty="0">
-                <a:latin typeface="Segoe UI Bold" panose="020B0802040204020203" pitchFamily="34" charset="0"/>
-                <a:cs typeface="Segoe UI Bold" panose="020B0802040204020203" pitchFamily="34" charset="0"/>
-              </a:rPr>
-              <a:t> </a:t>
-            </a:r>
-            <a:r>
-              <a:rPr lang="en-US" sz="3600" dirty="0" err="1">
+                <a:solidFill>
+                  <a:schemeClr val="tx1">
+                    <a:lumMod val="85000"/>
+                    <a:lumOff val="15000"/>
+                  </a:schemeClr>
+                </a:solidFill>
                 <a:latin typeface="Segoe UI Bold" panose="020B0802040204020203" pitchFamily="34" charset="0"/>
                 <a:cs typeface="Segoe UI Bold" panose="020B0802040204020203" pitchFamily="34" charset="0"/>
               </a:rPr>
               <a:t>Zeitersparnis</a:t>
             </a:r>
             <a:endParaRPr lang="en-DE" sz="3600" dirty="0">
+              <a:solidFill>
+                <a:schemeClr val="tx1">
+                  <a:lumMod val="85000"/>
+                  <a:lumOff val="15000"/>
+                </a:schemeClr>
+              </a:solidFill>
               <a:latin typeface="Segoe UI Bold" panose="020B0802040204020203" pitchFamily="34" charset="0"/>
               <a:ea typeface="ADLaM Display" panose="020F0502020204030204" pitchFamily="2" charset="0"/>
               <a:cs typeface="Segoe UI Bold" panose="020B0802040204020203" pitchFamily="34" charset="0"/>
@@ -20460,7 +23564,7 @@
               <p:nvPr>
                 <p:extLst>
                   <p:ext uri="{D42A27DB-BD31-4B8C-83A1-F6EECF244321}">
-                    <p14:modId xmlns:p14="http://schemas.microsoft.com/office/powerpoint/2010/main" val="2229128978"/>
+                    <p14:modId xmlns:p14="http://schemas.microsoft.com/office/powerpoint/2010/main" val="2857756011"/>
                   </p:ext>
                 </p:extLst>
               </p:nvPr>
@@ -20494,7 +23598,10 @@
                           <a:r>
                             <a:rPr lang="en-US" sz="1600" b="1" dirty="0" err="1">
                               <a:solidFill>
-                                <a:schemeClr val="tx1"/>
+                                <a:schemeClr val="tx1">
+                                  <a:lumMod val="85000"/>
+                                  <a:lumOff val="15000"/>
+                                </a:schemeClr>
                               </a:solidFill>
                               <a:latin typeface="Arial" panose="020B0604020202020204" pitchFamily="34" charset="0"/>
                               <a:cs typeface="Arial" panose="020B0604020202020204" pitchFamily="34" charset="0"/>
@@ -20504,7 +23611,10 @@
                           <a:r>
                             <a:rPr lang="en-US" sz="1600" b="1" dirty="0">
                               <a:solidFill>
-                                <a:schemeClr val="tx1"/>
+                                <a:schemeClr val="tx1">
+                                  <a:lumMod val="85000"/>
+                                  <a:lumOff val="15000"/>
+                                </a:schemeClr>
                               </a:solidFill>
                               <a:latin typeface="Arial" panose="020B0604020202020204" pitchFamily="34" charset="0"/>
                               <a:cs typeface="Arial" panose="020B0604020202020204" pitchFamily="34" charset="0"/>
@@ -20514,7 +23624,10 @@
                           <a:r>
                             <a:rPr lang="en-US" sz="1600" b="1" dirty="0" err="1">
                               <a:solidFill>
-                                <a:schemeClr val="tx1"/>
+                                <a:schemeClr val="tx1">
+                                  <a:lumMod val="85000"/>
+                                  <a:lumOff val="15000"/>
+                                </a:schemeClr>
                               </a:solidFill>
                               <a:latin typeface="Arial" panose="020B0604020202020204" pitchFamily="34" charset="0"/>
                               <a:cs typeface="Arial" panose="020B0604020202020204" pitchFamily="34" charset="0"/>
@@ -20524,7 +23637,10 @@
                           <a:r>
                             <a:rPr lang="en-US" sz="1600" b="1" dirty="0">
                               <a:solidFill>
-                                <a:schemeClr val="tx1"/>
+                                <a:schemeClr val="tx1">
+                                  <a:lumMod val="85000"/>
+                                  <a:lumOff val="15000"/>
+                                </a:schemeClr>
                               </a:solidFill>
                               <a:latin typeface="Arial" panose="020B0604020202020204" pitchFamily="34" charset="0"/>
                               <a:cs typeface="Arial" panose="020B0604020202020204" pitchFamily="34" charset="0"/>
@@ -20534,7 +23650,10 @@
                           <a:r>
                             <a:rPr lang="en-US" sz="1600" b="1" dirty="0" err="1">
                               <a:solidFill>
-                                <a:schemeClr val="tx1"/>
+                                <a:schemeClr val="tx1">
+                                  <a:lumMod val="85000"/>
+                                  <a:lumOff val="15000"/>
+                                </a:schemeClr>
                               </a:solidFill>
                               <a:latin typeface="Arial" panose="020B0604020202020204" pitchFamily="34" charset="0"/>
                               <a:cs typeface="Arial" panose="020B0604020202020204" pitchFamily="34" charset="0"/>
@@ -20544,7 +23663,10 @@
                           <a:r>
                             <a:rPr lang="en-US" sz="1600" b="1" dirty="0">
                               <a:solidFill>
-                                <a:schemeClr val="tx1"/>
+                                <a:schemeClr val="tx1">
+                                  <a:lumMod val="85000"/>
+                                  <a:lumOff val="15000"/>
+                                </a:schemeClr>
                               </a:solidFill>
                               <a:latin typeface="Arial" panose="020B0604020202020204" pitchFamily="34" charset="0"/>
                               <a:cs typeface="Arial" panose="020B0604020202020204" pitchFamily="34" charset="0"/>
@@ -20553,7 +23675,10 @@
                           </a:r>
                           <a:endParaRPr lang="en-DE" sz="1600" b="1" dirty="0">
                             <a:solidFill>
-                              <a:schemeClr val="tx1"/>
+                              <a:schemeClr val="tx1">
+                                <a:lumMod val="85000"/>
+                                <a:lumOff val="15000"/>
+                              </a:schemeClr>
                             </a:solidFill>
                             <a:latin typeface="Arial" panose="020B0604020202020204" pitchFamily="34" charset="0"/>
                             <a:cs typeface="Arial" panose="020B0604020202020204" pitchFamily="34" charset="0"/>
@@ -20635,7 +23760,10 @@
                                 <m:r>
                                   <a:rPr lang="en-US" b="1" i="1" smtClean="0">
                                     <a:solidFill>
-                                      <a:schemeClr val="tx1"/>
+                                      <a:schemeClr val="tx1">
+                                        <a:lumMod val="85000"/>
+                                        <a:lumOff val="15000"/>
+                                      </a:schemeClr>
                                     </a:solidFill>
                                     <a:latin typeface="Cambria Math" panose="02040503050406030204" pitchFamily="18" charset="0"/>
                                   </a:rPr>
@@ -20644,7 +23772,10 @@
                                 <m:r>
                                   <a:rPr lang="en-US" b="1" i="1" smtClean="0">
                                     <a:solidFill>
-                                      <a:schemeClr val="tx1"/>
+                                      <a:schemeClr val="tx1">
+                                        <a:lumMod val="85000"/>
+                                        <a:lumOff val="15000"/>
+                                      </a:schemeClr>
                                     </a:solidFill>
                                     <a:latin typeface="Cambria Math" panose="02040503050406030204" pitchFamily="18" charset="0"/>
                                   </a:rPr>
@@ -20653,7 +23784,10 @@
                                 <m:r>
                                   <a:rPr lang="en-US" b="1" i="1" smtClean="0">
                                     <a:solidFill>
-                                      <a:schemeClr val="tx1"/>
+                                      <a:schemeClr val="tx1">
+                                        <a:lumMod val="85000"/>
+                                        <a:lumOff val="15000"/>
+                                      </a:schemeClr>
                                     </a:solidFill>
                                     <a:latin typeface="Cambria Math" panose="02040503050406030204" pitchFamily="18" charset="0"/>
                                   </a:rPr>
@@ -20662,7 +23796,10 @@
                                 <m:r>
                                   <a:rPr lang="en-US" b="1" i="1" smtClean="0">
                                     <a:solidFill>
-                                      <a:schemeClr val="tx1"/>
+                                      <a:schemeClr val="tx1">
+                                        <a:lumMod val="85000"/>
+                                        <a:lumOff val="15000"/>
+                                      </a:schemeClr>
                                     </a:solidFill>
                                     <a:latin typeface="Cambria Math" panose="02040503050406030204" pitchFamily="18" charset="0"/>
                                   </a:rPr>
@@ -20671,7 +23808,10 @@
                                 <m:r>
                                   <a:rPr lang="en-US" b="1" i="1" smtClean="0">
                                     <a:solidFill>
-                                      <a:schemeClr val="tx1"/>
+                                      <a:schemeClr val="tx1">
+                                        <a:lumMod val="85000"/>
+                                        <a:lumOff val="15000"/>
+                                      </a:schemeClr>
                                     </a:solidFill>
                                     <a:latin typeface="Cambria Math" panose="02040503050406030204" pitchFamily="18" charset="0"/>
                                   </a:rPr>
@@ -20680,7 +23820,10 @@
                                 <m:r>
                                   <a:rPr lang="en-US" b="1" i="1" smtClean="0">
                                     <a:solidFill>
-                                      <a:schemeClr val="tx1"/>
+                                      <a:schemeClr val="tx1">
+                                        <a:lumMod val="85000"/>
+                                        <a:lumOff val="15000"/>
+                                      </a:schemeClr>
                                     </a:solidFill>
                                     <a:latin typeface="Cambria Math" panose="02040503050406030204" pitchFamily="18" charset="0"/>
                                   </a:rPr>
@@ -20689,7 +23832,10 @@
                                 <m:r>
                                   <a:rPr lang="en-US" b="1" i="1" smtClean="0">
                                     <a:solidFill>
-                                      <a:schemeClr val="tx1"/>
+                                      <a:schemeClr val="tx1">
+                                        <a:lumMod val="85000"/>
+                                        <a:lumOff val="15000"/>
+                                      </a:schemeClr>
                                     </a:solidFill>
                                     <a:latin typeface="Cambria Math" panose="02040503050406030204" pitchFamily="18" charset="0"/>
                                   </a:rPr>
@@ -20698,7 +23844,10 @@
                                 <m:r>
                                   <a:rPr lang="en-US" b="1" i="1" smtClean="0">
                                     <a:solidFill>
-                                      <a:schemeClr val="tx1"/>
+                                      <a:schemeClr val="tx1">
+                                        <a:lumMod val="85000"/>
+                                        <a:lumOff val="15000"/>
+                                      </a:schemeClr>
                                     </a:solidFill>
                                     <a:latin typeface="Cambria Math" panose="02040503050406030204" pitchFamily="18" charset="0"/>
                                   </a:rPr>
@@ -20707,7 +23856,10 @@
                                 <m:r>
                                   <a:rPr lang="en-US" b="1" i="1" smtClean="0">
                                     <a:solidFill>
-                                      <a:schemeClr val="tx1"/>
+                                      <a:schemeClr val="tx1">
+                                        <a:lumMod val="85000"/>
+                                        <a:lumOff val="15000"/>
+                                      </a:schemeClr>
                                     </a:solidFill>
                                     <a:latin typeface="Cambria Math" panose="02040503050406030204" pitchFamily="18" charset="0"/>
                                   </a:rPr>
@@ -20716,7 +23868,10 @@
                                 <m:r>
                                   <a:rPr lang="en-US" b="1" i="1" smtClean="0">
                                     <a:solidFill>
-                                      <a:schemeClr val="tx1"/>
+                                      <a:schemeClr val="tx1">
+                                        <a:lumMod val="85000"/>
+                                        <a:lumOff val="15000"/>
+                                      </a:schemeClr>
                                     </a:solidFill>
                                     <a:latin typeface="Cambria Math" panose="02040503050406030204" pitchFamily="18" charset="0"/>
                                   </a:rPr>
@@ -20725,7 +23880,10 @@
                                 <m:r>
                                   <a:rPr lang="en-US" b="1" i="1" smtClean="0">
                                     <a:solidFill>
-                                      <a:schemeClr val="tx1"/>
+                                      <a:schemeClr val="tx1">
+                                        <a:lumMod val="85000"/>
+                                        <a:lumOff val="15000"/>
+                                      </a:schemeClr>
                                     </a:solidFill>
                                     <a:latin typeface="Cambria Math" panose="02040503050406030204" pitchFamily="18" charset="0"/>
                                   </a:rPr>
@@ -20734,7 +23892,10 @@
                                 <m:r>
                                   <a:rPr lang="en-US" b="1" i="1" smtClean="0">
                                     <a:solidFill>
-                                      <a:schemeClr val="tx1"/>
+                                      <a:schemeClr val="tx1">
+                                        <a:lumMod val="85000"/>
+                                        <a:lumOff val="15000"/>
+                                      </a:schemeClr>
                                     </a:solidFill>
                                     <a:latin typeface="Cambria Math" panose="02040503050406030204" pitchFamily="18" charset="0"/>
                                   </a:rPr>
@@ -20743,7 +23904,10 @@
                                 <m:r>
                                   <a:rPr lang="en-US" b="1" i="1" smtClean="0">
                                     <a:solidFill>
-                                      <a:schemeClr val="tx1"/>
+                                      <a:schemeClr val="tx1">
+                                        <a:lumMod val="85000"/>
+                                        <a:lumOff val="15000"/>
+                                      </a:schemeClr>
                                     </a:solidFill>
                                     <a:latin typeface="Cambria Math" panose="02040503050406030204" pitchFamily="18" charset="0"/>
                                   </a:rPr>
@@ -20752,7 +23916,10 @@
                                 <m:r>
                                   <a:rPr lang="en-US" b="1" i="1" smtClean="0">
                                     <a:solidFill>
-                                      <a:schemeClr val="tx1"/>
+                                      <a:schemeClr val="tx1">
+                                        <a:lumMod val="85000"/>
+                                        <a:lumOff val="15000"/>
+                                      </a:schemeClr>
                                     </a:solidFill>
                                     <a:latin typeface="Cambria Math" panose="02040503050406030204" pitchFamily="18" charset="0"/>
                                   </a:rPr>
@@ -20761,7 +23928,10 @@
                                 <m:r>
                                   <a:rPr lang="en-US" b="1" i="1" smtClean="0">
                                     <a:solidFill>
-                                      <a:schemeClr val="tx1"/>
+                                      <a:schemeClr val="tx1">
+                                        <a:lumMod val="85000"/>
+                                        <a:lumOff val="15000"/>
+                                      </a:schemeClr>
                                     </a:solidFill>
                                     <a:latin typeface="Cambria Math" panose="02040503050406030204" pitchFamily="18" charset="0"/>
                                   </a:rPr>
@@ -20770,7 +23940,10 @@
                                 <m:r>
                                   <a:rPr lang="en-US" b="1" i="1" smtClean="0">
                                     <a:solidFill>
-                                      <a:schemeClr val="tx1"/>
+                                      <a:schemeClr val="tx1">
+                                        <a:lumMod val="85000"/>
+                                        <a:lumOff val="15000"/>
+                                      </a:schemeClr>
                                     </a:solidFill>
                                     <a:latin typeface="Cambria Math" panose="02040503050406030204" pitchFamily="18" charset="0"/>
                                   </a:rPr>
@@ -20779,7 +23952,10 @@
                                 <m:r>
                                   <a:rPr lang="en-US" b="1" i="1" smtClean="0">
                                     <a:solidFill>
-                                      <a:schemeClr val="tx1"/>
+                                      <a:schemeClr val="tx1">
+                                        <a:lumMod val="85000"/>
+                                        <a:lumOff val="15000"/>
+                                      </a:schemeClr>
                                     </a:solidFill>
                                     <a:latin typeface="Cambria Math" panose="02040503050406030204" pitchFamily="18" charset="0"/>
                                   </a:rPr>
@@ -20788,7 +23964,10 @@
                                 <m:r>
                                   <a:rPr lang="en-US" b="1" i="1" smtClean="0">
                                     <a:solidFill>
-                                      <a:schemeClr val="tx1"/>
+                                      <a:schemeClr val="tx1">
+                                        <a:lumMod val="85000"/>
+                                        <a:lumOff val="15000"/>
+                                      </a:schemeClr>
                                     </a:solidFill>
                                     <a:latin typeface="Cambria Math" panose="02040503050406030204" pitchFamily="18" charset="0"/>
                                   </a:rPr>
@@ -20797,7 +23976,10 @@
                                 <m:r>
                                   <a:rPr lang="en-US" b="1" i="1" smtClean="0">
                                     <a:solidFill>
-                                      <a:schemeClr val="tx1"/>
+                                      <a:schemeClr val="tx1">
+                                        <a:lumMod val="85000"/>
+                                        <a:lumOff val="15000"/>
+                                      </a:schemeClr>
                                     </a:solidFill>
                                     <a:latin typeface="Cambria Math" panose="02040503050406030204" pitchFamily="18" charset="0"/>
                                   </a:rPr>
@@ -20806,7 +23988,10 @@
                                 <m:r>
                                   <a:rPr lang="en-US" b="1" i="1" smtClean="0">
                                     <a:solidFill>
-                                      <a:schemeClr val="tx1"/>
+                                      <a:schemeClr val="tx1">
+                                        <a:lumMod val="85000"/>
+                                        <a:lumOff val="15000"/>
+                                      </a:schemeClr>
                                     </a:solidFill>
                                     <a:latin typeface="Cambria Math" panose="02040503050406030204" pitchFamily="18" charset="0"/>
                                   </a:rPr>
@@ -20815,7 +24000,10 @@
                                 <m:r>
                                   <a:rPr lang="en-US" b="1" i="1" smtClean="0">
                                     <a:solidFill>
-                                      <a:schemeClr val="tx1"/>
+                                      <a:schemeClr val="tx1">
+                                        <a:lumMod val="85000"/>
+                                        <a:lumOff val="15000"/>
+                                      </a:schemeClr>
                                     </a:solidFill>
                                     <a:latin typeface="Cambria Math" panose="02040503050406030204" pitchFamily="18" charset="0"/>
                                   </a:rPr>
@@ -20824,7 +24012,10 @@
                                 <m:r>
                                   <a:rPr lang="en-US" b="1" i="1" smtClean="0">
                                     <a:solidFill>
-                                      <a:schemeClr val="tx1"/>
+                                      <a:schemeClr val="tx1">
+                                        <a:lumMod val="85000"/>
+                                        <a:lumOff val="15000"/>
+                                      </a:schemeClr>
                                     </a:solidFill>
                                     <a:latin typeface="Cambria Math" panose="02040503050406030204" pitchFamily="18" charset="0"/>
                                   </a:rPr>
@@ -20833,7 +24024,10 @@
                                 <m:r>
                                   <a:rPr lang="en-US" b="1" i="1" smtClean="0">
                                     <a:solidFill>
-                                      <a:schemeClr val="tx1"/>
+                                      <a:schemeClr val="tx1">
+                                        <a:lumMod val="85000"/>
+                                        <a:lumOff val="15000"/>
+                                      </a:schemeClr>
                                     </a:solidFill>
                                     <a:latin typeface="Cambria Math" panose="02040503050406030204" pitchFamily="18" charset="0"/>
                                   </a:rPr>
@@ -20842,7 +24036,10 @@
                                 <m:r>
                                   <a:rPr lang="en-US" b="1" i="1" smtClean="0">
                                     <a:solidFill>
-                                      <a:schemeClr val="tx1"/>
+                                      <a:schemeClr val="tx1">
+                                        <a:lumMod val="85000"/>
+                                        <a:lumOff val="15000"/>
+                                      </a:schemeClr>
                                     </a:solidFill>
                                     <a:latin typeface="Cambria Math" panose="02040503050406030204" pitchFamily="18" charset="0"/>
                                   </a:rPr>
@@ -20851,7 +24048,10 @@
                                 <m:r>
                                   <a:rPr lang="en-US" b="1" i="1" smtClean="0">
                                     <a:solidFill>
-                                      <a:schemeClr val="tx1"/>
+                                      <a:schemeClr val="tx1">
+                                        <a:lumMod val="85000"/>
+                                        <a:lumOff val="15000"/>
+                                      </a:schemeClr>
                                     </a:solidFill>
                                     <a:latin typeface="Cambria Math" panose="02040503050406030204" pitchFamily="18" charset="0"/>
                                   </a:rPr>
@@ -20860,7 +24060,10 @@
                                 <m:r>
                                   <a:rPr lang="en-US" b="1" i="1" smtClean="0">
                                     <a:solidFill>
-                                      <a:schemeClr val="tx1"/>
+                                      <a:schemeClr val="tx1">
+                                        <a:lumMod val="85000"/>
+                                        <a:lumOff val="15000"/>
+                                      </a:schemeClr>
                                     </a:solidFill>
                                     <a:latin typeface="Cambria Math" panose="02040503050406030204" pitchFamily="18" charset="0"/>
                                   </a:rPr>
@@ -20869,7 +24072,10 @@
                                 <m:r>
                                   <a:rPr lang="en-US" b="1" i="1" smtClean="0">
                                     <a:solidFill>
-                                      <a:schemeClr val="tx1"/>
+                                      <a:schemeClr val="tx1">
+                                        <a:lumMod val="85000"/>
+                                        <a:lumOff val="15000"/>
+                                      </a:schemeClr>
                                     </a:solidFill>
                                     <a:latin typeface="Cambria Math" panose="02040503050406030204" pitchFamily="18" charset="0"/>
                                   </a:rPr>
@@ -20878,7 +24084,10 @@
                                 <m:r>
                                   <a:rPr lang="en-US" b="1" i="1" smtClean="0">
                                     <a:solidFill>
-                                      <a:schemeClr val="tx1"/>
+                                      <a:schemeClr val="tx1">
+                                        <a:lumMod val="85000"/>
+                                        <a:lumOff val="15000"/>
+                                      </a:schemeClr>
                                     </a:solidFill>
                                     <a:latin typeface="Cambria Math" panose="02040503050406030204" pitchFamily="18" charset="0"/>
                                   </a:rPr>
@@ -20889,7 +24098,10 @@
                           </a14:m>
                           <a:endParaRPr lang="en-DE" b="1" dirty="0">
                             <a:solidFill>
-                              <a:schemeClr val="tx1"/>
+                              <a:schemeClr val="tx1">
+                                <a:lumMod val="85000"/>
+                                <a:lumOff val="15000"/>
+                              </a:schemeClr>
                             </a:solidFill>
                             <a:latin typeface="Arial" panose="020B0604020202020204" pitchFamily="34" charset="0"/>
                             <a:cs typeface="Arial" panose="020B0604020202020204" pitchFamily="34" charset="0"/>
@@ -20984,7 +24196,10 @@
                                 <m:r>
                                   <a:rPr lang="en-US" b="1" i="1" smtClean="0">
                                     <a:solidFill>
-                                      <a:schemeClr val="tx1"/>
+                                      <a:schemeClr val="tx1">
+                                        <a:lumMod val="85000"/>
+                                        <a:lumOff val="15000"/>
+                                      </a:schemeClr>
                                     </a:solidFill>
                                     <a:latin typeface="Cambria Math" panose="02040503050406030204" pitchFamily="18" charset="0"/>
                                   </a:rPr>
@@ -20993,7 +24208,10 @@
                                 <m:r>
                                   <a:rPr lang="en-US" b="1" i="1" smtClean="0">
                                     <a:solidFill>
-                                      <a:schemeClr val="tx1"/>
+                                      <a:schemeClr val="tx1">
+                                        <a:lumMod val="85000"/>
+                                        <a:lumOff val="15000"/>
+                                      </a:schemeClr>
                                     </a:solidFill>
                                     <a:latin typeface="Cambria Math" panose="02040503050406030204" pitchFamily="18" charset="0"/>
                                   </a:rPr>
@@ -21002,7 +24220,10 @@
                                 <m:r>
                                   <a:rPr lang="en-US" b="1" i="1" smtClean="0">
                                     <a:solidFill>
-                                      <a:schemeClr val="tx1"/>
+                                      <a:schemeClr val="tx1">
+                                        <a:lumMod val="85000"/>
+                                        <a:lumOff val="15000"/>
+                                      </a:schemeClr>
                                     </a:solidFill>
                                     <a:latin typeface="Cambria Math" panose="02040503050406030204" pitchFamily="18" charset="0"/>
                                   </a:rPr>
@@ -21011,7 +24232,10 @@
                                 <m:r>
                                   <a:rPr lang="en-US" b="1" i="1" smtClean="0">
                                     <a:solidFill>
-                                      <a:schemeClr val="tx1"/>
+                                      <a:schemeClr val="tx1">
+                                        <a:lumMod val="85000"/>
+                                        <a:lumOff val="15000"/>
+                                      </a:schemeClr>
                                     </a:solidFill>
                                     <a:latin typeface="Cambria Math" panose="02040503050406030204" pitchFamily="18" charset="0"/>
                                   </a:rPr>
@@ -21020,7 +24244,10 @@
                                 <m:r>
                                   <a:rPr lang="en-US" b="1" i="1" smtClean="0">
                                     <a:solidFill>
-                                      <a:schemeClr val="tx1"/>
+                                      <a:schemeClr val="tx1">
+                                        <a:lumMod val="85000"/>
+                                        <a:lumOff val="15000"/>
+                                      </a:schemeClr>
                                     </a:solidFill>
                                     <a:latin typeface="Cambria Math" panose="02040503050406030204" pitchFamily="18" charset="0"/>
                                   </a:rPr>
@@ -21029,7 +24256,10 @@
                                 <m:r>
                                   <a:rPr lang="en-US" b="1" i="1" smtClean="0">
                                     <a:solidFill>
-                                      <a:schemeClr val="tx1"/>
+                                      <a:schemeClr val="tx1">
+                                        <a:lumMod val="85000"/>
+                                        <a:lumOff val="15000"/>
+                                      </a:schemeClr>
                                     </a:solidFill>
                                     <a:latin typeface="Cambria Math" panose="02040503050406030204" pitchFamily="18" charset="0"/>
                                   </a:rPr>
@@ -21038,7 +24268,10 @@
                                 <m:r>
                                   <a:rPr lang="en-US" b="1" i="1" smtClean="0">
                                     <a:solidFill>
-                                      <a:schemeClr val="tx1"/>
+                                      <a:schemeClr val="tx1">
+                                        <a:lumMod val="85000"/>
+                                        <a:lumOff val="15000"/>
+                                      </a:schemeClr>
                                     </a:solidFill>
                                     <a:latin typeface="Cambria Math" panose="02040503050406030204" pitchFamily="18" charset="0"/>
                                   </a:rPr>
@@ -21047,7 +24280,10 @@
                                 <m:r>
                                   <a:rPr lang="en-US" b="1" i="1" smtClean="0">
                                     <a:solidFill>
-                                      <a:schemeClr val="tx1"/>
+                                      <a:schemeClr val="tx1">
+                                        <a:lumMod val="85000"/>
+                                        <a:lumOff val="15000"/>
+                                      </a:schemeClr>
                                     </a:solidFill>
                                     <a:latin typeface="Cambria Math" panose="02040503050406030204" pitchFamily="18" charset="0"/>
                                   </a:rPr>
@@ -21056,7 +24292,10 @@
                                 <m:r>
                                   <a:rPr lang="en-US" b="1" i="1" smtClean="0">
                                     <a:solidFill>
-                                      <a:schemeClr val="tx1"/>
+                                      <a:schemeClr val="tx1">
+                                        <a:lumMod val="85000"/>
+                                        <a:lumOff val="15000"/>
+                                      </a:schemeClr>
                                     </a:solidFill>
                                     <a:latin typeface="Cambria Math" panose="02040503050406030204" pitchFamily="18" charset="0"/>
                                   </a:rPr>
@@ -21065,7 +24304,10 @@
                                 <m:r>
                                   <a:rPr lang="en-US" b="1" i="1" smtClean="0">
                                     <a:solidFill>
-                                      <a:schemeClr val="tx1"/>
+                                      <a:schemeClr val="tx1">
+                                        <a:lumMod val="85000"/>
+                                        <a:lumOff val="15000"/>
+                                      </a:schemeClr>
                                     </a:solidFill>
                                     <a:latin typeface="Cambria Math" panose="02040503050406030204" pitchFamily="18" charset="0"/>
                                   </a:rPr>
@@ -21074,7 +24316,10 @@
                                 <m:r>
                                   <a:rPr lang="en-US" b="1" i="1" smtClean="0">
                                     <a:solidFill>
-                                      <a:schemeClr val="tx1"/>
+                                      <a:schemeClr val="tx1">
+                                        <a:lumMod val="85000"/>
+                                        <a:lumOff val="15000"/>
+                                      </a:schemeClr>
                                     </a:solidFill>
                                     <a:latin typeface="Cambria Math" panose="02040503050406030204" pitchFamily="18" charset="0"/>
                                   </a:rPr>
@@ -21083,7 +24328,10 @@
                                 <m:r>
                                   <a:rPr lang="en-US" b="1" i="1" smtClean="0">
                                     <a:solidFill>
-                                      <a:schemeClr val="tx1"/>
+                                      <a:schemeClr val="tx1">
+                                        <a:lumMod val="85000"/>
+                                        <a:lumOff val="15000"/>
+                                      </a:schemeClr>
                                     </a:solidFill>
                                     <a:latin typeface="Cambria Math" panose="02040503050406030204" pitchFamily="18" charset="0"/>
                                   </a:rPr>
@@ -21092,7 +24340,10 @@
                                 <m:r>
                                   <a:rPr lang="en-US" b="1" i="1" smtClean="0">
                                     <a:solidFill>
-                                      <a:schemeClr val="tx1"/>
+                                      <a:schemeClr val="tx1">
+                                        <a:lumMod val="85000"/>
+                                        <a:lumOff val="15000"/>
+                                      </a:schemeClr>
                                     </a:solidFill>
                                     <a:latin typeface="Cambria Math" panose="02040503050406030204" pitchFamily="18" charset="0"/>
                                   </a:rPr>
@@ -21101,7 +24352,10 @@
                                 <m:r>
                                   <a:rPr lang="en-US" b="1" i="1" smtClean="0">
                                     <a:solidFill>
-                                      <a:schemeClr val="tx1"/>
+                                      <a:schemeClr val="tx1">
+                                        <a:lumMod val="85000"/>
+                                        <a:lumOff val="15000"/>
+                                      </a:schemeClr>
                                     </a:solidFill>
                                     <a:latin typeface="Cambria Math" panose="02040503050406030204" pitchFamily="18" charset="0"/>
                                   </a:rPr>
@@ -21110,7 +24364,10 @@
                                 <m:r>
                                   <a:rPr lang="en-US" b="1" i="1" smtClean="0">
                                     <a:solidFill>
-                                      <a:schemeClr val="tx1"/>
+                                      <a:schemeClr val="tx1">
+                                        <a:lumMod val="85000"/>
+                                        <a:lumOff val="15000"/>
+                                      </a:schemeClr>
                                     </a:solidFill>
                                     <a:latin typeface="Cambria Math" panose="02040503050406030204" pitchFamily="18" charset="0"/>
                                   </a:rPr>
@@ -21119,7 +24376,10 @@
                                 <m:r>
                                   <a:rPr lang="en-US" b="1" i="1" smtClean="0">
                                     <a:solidFill>
-                                      <a:schemeClr val="tx1"/>
+                                      <a:schemeClr val="tx1">
+                                        <a:lumMod val="85000"/>
+                                        <a:lumOff val="15000"/>
+                                      </a:schemeClr>
                                     </a:solidFill>
                                     <a:latin typeface="Cambria Math" panose="02040503050406030204" pitchFamily="18" charset="0"/>
                                   </a:rPr>
@@ -21128,7 +24388,10 @@
                                 <m:r>
                                   <a:rPr lang="en-US" b="1" i="1" smtClean="0">
                                     <a:solidFill>
-                                      <a:schemeClr val="tx1"/>
+                                      <a:schemeClr val="tx1">
+                                        <a:lumMod val="85000"/>
+                                        <a:lumOff val="15000"/>
+                                      </a:schemeClr>
                                     </a:solidFill>
                                     <a:latin typeface="Cambria Math" panose="02040503050406030204" pitchFamily="18" charset="0"/>
                                   </a:rPr>
@@ -21137,7 +24400,10 @@
                                 <m:r>
                                   <a:rPr lang="en-US" b="1" i="1" smtClean="0">
                                     <a:solidFill>
-                                      <a:schemeClr val="tx1"/>
+                                      <a:schemeClr val="tx1">
+                                        <a:lumMod val="85000"/>
+                                        <a:lumOff val="15000"/>
+                                      </a:schemeClr>
                                     </a:solidFill>
                                     <a:latin typeface="Cambria Math" panose="02040503050406030204" pitchFamily="18" charset="0"/>
                                   </a:rPr>
@@ -21146,7 +24412,10 @@
                                 <m:r>
                                   <a:rPr lang="en-US" b="1" i="1" smtClean="0">
                                     <a:solidFill>
-                                      <a:schemeClr val="tx1"/>
+                                      <a:schemeClr val="tx1">
+                                        <a:lumMod val="85000"/>
+                                        <a:lumOff val="15000"/>
+                                      </a:schemeClr>
                                     </a:solidFill>
                                     <a:latin typeface="Cambria Math" panose="02040503050406030204" pitchFamily="18" charset="0"/>
                                   </a:rPr>
@@ -21155,7 +24424,10 @@
                                 <m:r>
                                   <a:rPr lang="en-US" b="1" i="1" smtClean="0">
                                     <a:solidFill>
-                                      <a:schemeClr val="tx1"/>
+                                      <a:schemeClr val="tx1">
+                                        <a:lumMod val="85000"/>
+                                        <a:lumOff val="15000"/>
+                                      </a:schemeClr>
                                     </a:solidFill>
                                     <a:latin typeface="Cambria Math" panose="02040503050406030204" pitchFamily="18" charset="0"/>
                                   </a:rPr>
@@ -21164,7 +24436,10 @@
                                 <m:r>
                                   <a:rPr lang="en-US" b="1" i="1" smtClean="0">
                                     <a:solidFill>
-                                      <a:schemeClr val="tx1"/>
+                                      <a:schemeClr val="tx1">
+                                        <a:lumMod val="85000"/>
+                                        <a:lumOff val="15000"/>
+                                      </a:schemeClr>
                                     </a:solidFill>
                                     <a:latin typeface="Cambria Math" panose="02040503050406030204" pitchFamily="18" charset="0"/>
                                   </a:rPr>
@@ -21173,7 +24448,10 @@
                                 <m:r>
                                   <a:rPr lang="en-US" b="1" i="1" smtClean="0">
                                     <a:solidFill>
-                                      <a:schemeClr val="tx1"/>
+                                      <a:schemeClr val="tx1">
+                                        <a:lumMod val="85000"/>
+                                        <a:lumOff val="15000"/>
+                                      </a:schemeClr>
                                     </a:solidFill>
                                     <a:latin typeface="Cambria Math" panose="02040503050406030204" pitchFamily="18" charset="0"/>
                                   </a:rPr>
@@ -21182,7 +24460,10 @@
                                 <m:r>
                                   <a:rPr lang="en-US" b="1" i="1" smtClean="0">
                                     <a:solidFill>
-                                      <a:schemeClr val="tx1"/>
+                                      <a:schemeClr val="tx1">
+                                        <a:lumMod val="85000"/>
+                                        <a:lumOff val="15000"/>
+                                      </a:schemeClr>
                                     </a:solidFill>
                                     <a:latin typeface="Cambria Math" panose="02040503050406030204" pitchFamily="18" charset="0"/>
                                   </a:rPr>
@@ -21191,7 +24472,10 @@
                                 <m:r>
                                   <a:rPr lang="en-US" b="1" i="1" smtClean="0">
                                     <a:solidFill>
-                                      <a:schemeClr val="tx1"/>
+                                      <a:schemeClr val="tx1">
+                                        <a:lumMod val="85000"/>
+                                        <a:lumOff val="15000"/>
+                                      </a:schemeClr>
                                     </a:solidFill>
                                     <a:latin typeface="Cambria Math" panose="02040503050406030204" pitchFamily="18" charset="0"/>
                                   </a:rPr>
@@ -21200,7 +24484,10 @@
                                 <m:r>
                                   <a:rPr lang="en-US" b="1" i="1" smtClean="0">
                                     <a:solidFill>
-                                      <a:schemeClr val="tx1"/>
+                                      <a:schemeClr val="tx1">
+                                        <a:lumMod val="85000"/>
+                                        <a:lumOff val="15000"/>
+                                      </a:schemeClr>
                                     </a:solidFill>
                                     <a:latin typeface="Cambria Math" panose="02040503050406030204" pitchFamily="18" charset="0"/>
                                   </a:rPr>
@@ -21209,7 +24496,10 @@
                                 <m:r>
                                   <a:rPr lang="en-US" b="1" i="1" smtClean="0">
                                     <a:solidFill>
-                                      <a:schemeClr val="tx1"/>
+                                      <a:schemeClr val="tx1">
+                                        <a:lumMod val="85000"/>
+                                        <a:lumOff val="15000"/>
+                                      </a:schemeClr>
                                     </a:solidFill>
                                     <a:latin typeface="Cambria Math" panose="02040503050406030204" pitchFamily="18" charset="0"/>
                                   </a:rPr>
@@ -21220,7 +24510,10 @@
                           </a14:m>
                           <a:endParaRPr lang="en-DE" b="1" dirty="0">
                             <a:solidFill>
-                              <a:schemeClr val="tx1"/>
+                              <a:schemeClr val="tx1">
+                                <a:lumMod val="85000"/>
+                                <a:lumOff val="15000"/>
+                              </a:schemeClr>
                             </a:solidFill>
                             <a:latin typeface="Arial" panose="020B0604020202020204" pitchFamily="34" charset="0"/>
                             <a:cs typeface="Arial" panose="020B0604020202020204" pitchFamily="34" charset="0"/>
@@ -21311,7 +24604,10 @@
                           <a:r>
                             <a:rPr lang="de-DE" b="1" dirty="0">
                               <a:solidFill>
-                                <a:schemeClr val="bg1"/>
+                                <a:schemeClr val="tx1">
+                                  <a:lumMod val="85000"/>
+                                  <a:lumOff val="15000"/>
+                                </a:schemeClr>
                               </a:solidFill>
                               <a:latin typeface="Arial" panose="020B0604020202020204" pitchFamily="34" charset="0"/>
                               <a:cs typeface="Arial" panose="020B0604020202020204" pitchFamily="34" charset="0"/>
@@ -21321,7 +24617,10 @@
                           <a:r>
                             <a:rPr lang="de-DE" b="1" u="sng" dirty="0">
                               <a:solidFill>
-                                <a:schemeClr val="bg1"/>
+                                <a:schemeClr val="tx1">
+                                  <a:lumMod val="85000"/>
+                                  <a:lumOff val="15000"/>
+                                </a:schemeClr>
                               </a:solidFill>
                               <a:latin typeface="Arial" panose="020B0604020202020204" pitchFamily="34" charset="0"/>
                               <a:cs typeface="Arial" panose="020B0604020202020204" pitchFamily="34" charset="0"/>
@@ -21331,7 +24630,10 @@
                           <a:r>
                             <a:rPr lang="de-DE" b="1" u="none" dirty="0">
                               <a:solidFill>
-                                <a:schemeClr val="bg1"/>
+                                <a:schemeClr val="tx1">
+                                  <a:lumMod val="85000"/>
+                                  <a:lumOff val="15000"/>
+                                </a:schemeClr>
                               </a:solidFill>
                               <a:latin typeface="Arial" panose="020B0604020202020204" pitchFamily="34" charset="0"/>
                               <a:cs typeface="Arial" panose="020B0604020202020204" pitchFamily="34" charset="0"/>
@@ -21341,7 +24643,10 @@
                           <a:r>
                             <a:rPr lang="de-DE" b="1" dirty="0">
                               <a:solidFill>
-                                <a:schemeClr val="bg1"/>
+                                <a:schemeClr val="tx1">
+                                  <a:lumMod val="85000"/>
+                                  <a:lumOff val="15000"/>
+                                </a:schemeClr>
                               </a:solidFill>
                               <a:latin typeface="Arial" panose="020B0604020202020204" pitchFamily="34" charset="0"/>
                               <a:cs typeface="Arial" panose="020B0604020202020204" pitchFamily="34" charset="0"/>
@@ -21350,7 +24655,10 @@
                           </a:r>
                           <a:endParaRPr lang="en-DE" b="1" dirty="0">
                             <a:solidFill>
-                              <a:schemeClr val="bg1"/>
+                              <a:schemeClr val="tx1">
+                                <a:lumMod val="85000"/>
+                                <a:lumOff val="15000"/>
+                              </a:schemeClr>
                             </a:solidFill>
                             <a:latin typeface="Arial" panose="020B0604020202020204" pitchFamily="34" charset="0"/>
                             <a:cs typeface="Arial" panose="020B0604020202020204" pitchFamily="34" charset="0"/>
@@ -21434,7 +24742,7 @@
               <p:nvPr>
                 <p:extLst>
                   <p:ext uri="{D42A27DB-BD31-4B8C-83A1-F6EECF244321}">
-                    <p14:modId xmlns:p14="http://schemas.microsoft.com/office/powerpoint/2010/main" val="2229128978"/>
+                    <p14:modId xmlns:p14="http://schemas.microsoft.com/office/powerpoint/2010/main" val="2857756011"/>
                   </p:ext>
                 </p:extLst>
               </p:nvPr>
@@ -21468,7 +24776,10 @@
                           <a:r>
                             <a:rPr lang="en-US" sz="1600" b="1" dirty="0" err="1">
                               <a:solidFill>
-                                <a:schemeClr val="tx1"/>
+                                <a:schemeClr val="tx1">
+                                  <a:lumMod val="85000"/>
+                                  <a:lumOff val="15000"/>
+                                </a:schemeClr>
                               </a:solidFill>
                               <a:latin typeface="Arial" panose="020B0604020202020204" pitchFamily="34" charset="0"/>
                               <a:cs typeface="Arial" panose="020B0604020202020204" pitchFamily="34" charset="0"/>
@@ -21478,7 +24789,10 @@
                           <a:r>
                             <a:rPr lang="en-US" sz="1600" b="1" dirty="0">
                               <a:solidFill>
-                                <a:schemeClr val="tx1"/>
+                                <a:schemeClr val="tx1">
+                                  <a:lumMod val="85000"/>
+                                  <a:lumOff val="15000"/>
+                                </a:schemeClr>
                               </a:solidFill>
                               <a:latin typeface="Arial" panose="020B0604020202020204" pitchFamily="34" charset="0"/>
                               <a:cs typeface="Arial" panose="020B0604020202020204" pitchFamily="34" charset="0"/>
@@ -21488,7 +24802,10 @@
                           <a:r>
                             <a:rPr lang="en-US" sz="1600" b="1" dirty="0" err="1">
                               <a:solidFill>
-                                <a:schemeClr val="tx1"/>
+                                <a:schemeClr val="tx1">
+                                  <a:lumMod val="85000"/>
+                                  <a:lumOff val="15000"/>
+                                </a:schemeClr>
                               </a:solidFill>
                               <a:latin typeface="Arial" panose="020B0604020202020204" pitchFamily="34" charset="0"/>
                               <a:cs typeface="Arial" panose="020B0604020202020204" pitchFamily="34" charset="0"/>
@@ -21498,7 +24815,10 @@
                           <a:r>
                             <a:rPr lang="en-US" sz="1600" b="1" dirty="0">
                               <a:solidFill>
-                                <a:schemeClr val="tx1"/>
+                                <a:schemeClr val="tx1">
+                                  <a:lumMod val="85000"/>
+                                  <a:lumOff val="15000"/>
+                                </a:schemeClr>
                               </a:solidFill>
                               <a:latin typeface="Arial" panose="020B0604020202020204" pitchFamily="34" charset="0"/>
                               <a:cs typeface="Arial" panose="020B0604020202020204" pitchFamily="34" charset="0"/>
@@ -21508,7 +24828,10 @@
                           <a:r>
                             <a:rPr lang="en-US" sz="1600" b="1" dirty="0" err="1">
                               <a:solidFill>
-                                <a:schemeClr val="tx1"/>
+                                <a:schemeClr val="tx1">
+                                  <a:lumMod val="85000"/>
+                                  <a:lumOff val="15000"/>
+                                </a:schemeClr>
                               </a:solidFill>
                               <a:latin typeface="Arial" panose="020B0604020202020204" pitchFamily="34" charset="0"/>
                               <a:cs typeface="Arial" panose="020B0604020202020204" pitchFamily="34" charset="0"/>
@@ -21518,7 +24841,10 @@
                           <a:r>
                             <a:rPr lang="en-US" sz="1600" b="1" dirty="0">
                               <a:solidFill>
-                                <a:schemeClr val="tx1"/>
+                                <a:schemeClr val="tx1">
+                                  <a:lumMod val="85000"/>
+                                  <a:lumOff val="15000"/>
+                                </a:schemeClr>
                               </a:solidFill>
                               <a:latin typeface="Arial" panose="020B0604020202020204" pitchFamily="34" charset="0"/>
                               <a:cs typeface="Arial" panose="020B0604020202020204" pitchFamily="34" charset="0"/>
@@ -21527,7 +24853,10 @@
                           </a:r>
                           <a:endParaRPr lang="en-DE" sz="1600" b="1" dirty="0">
                             <a:solidFill>
-                              <a:schemeClr val="tx1"/>
+                              <a:schemeClr val="tx1">
+                                <a:lumMod val="85000"/>
+                                <a:lumOff val="15000"/>
+                              </a:schemeClr>
                             </a:solidFill>
                             <a:latin typeface="Arial" panose="020B0604020202020204" pitchFamily="34" charset="0"/>
                             <a:cs typeface="Arial" panose="020B0604020202020204" pitchFamily="34" charset="0"/>
@@ -21755,7 +25084,10 @@
                           <a:r>
                             <a:rPr lang="de-DE" b="1" dirty="0">
                               <a:solidFill>
-                                <a:schemeClr val="bg1"/>
+                                <a:schemeClr val="tx1">
+                                  <a:lumMod val="85000"/>
+                                  <a:lumOff val="15000"/>
+                                </a:schemeClr>
                               </a:solidFill>
                               <a:latin typeface="Arial" panose="020B0604020202020204" pitchFamily="34" charset="0"/>
                               <a:cs typeface="Arial" panose="020B0604020202020204" pitchFamily="34" charset="0"/>
@@ -21765,7 +25097,10 @@
                           <a:r>
                             <a:rPr lang="de-DE" b="1" u="sng" dirty="0">
                               <a:solidFill>
-                                <a:schemeClr val="bg1"/>
+                                <a:schemeClr val="tx1">
+                                  <a:lumMod val="85000"/>
+                                  <a:lumOff val="15000"/>
+                                </a:schemeClr>
                               </a:solidFill>
                               <a:latin typeface="Arial" panose="020B0604020202020204" pitchFamily="34" charset="0"/>
                               <a:cs typeface="Arial" panose="020B0604020202020204" pitchFamily="34" charset="0"/>
@@ -21775,7 +25110,10 @@
                           <a:r>
                             <a:rPr lang="de-DE" b="1" u="none" dirty="0">
                               <a:solidFill>
-                                <a:schemeClr val="bg1"/>
+                                <a:schemeClr val="tx1">
+                                  <a:lumMod val="85000"/>
+                                  <a:lumOff val="15000"/>
+                                </a:schemeClr>
                               </a:solidFill>
                               <a:latin typeface="Arial" panose="020B0604020202020204" pitchFamily="34" charset="0"/>
                               <a:cs typeface="Arial" panose="020B0604020202020204" pitchFamily="34" charset="0"/>
@@ -21785,7 +25123,10 @@
                           <a:r>
                             <a:rPr lang="de-DE" b="1" dirty="0">
                               <a:solidFill>
-                                <a:schemeClr val="bg1"/>
+                                <a:schemeClr val="tx1">
+                                  <a:lumMod val="85000"/>
+                                  <a:lumOff val="15000"/>
+                                </a:schemeClr>
                               </a:solidFill>
                               <a:latin typeface="Arial" panose="020B0604020202020204" pitchFamily="34" charset="0"/>
                               <a:cs typeface="Arial" panose="020B0604020202020204" pitchFamily="34" charset="0"/>
@@ -21794,7 +25135,10 @@
                           </a:r>
                           <a:endParaRPr lang="en-DE" b="1" dirty="0">
                             <a:solidFill>
-                              <a:schemeClr val="bg1"/>
+                              <a:schemeClr val="tx1">
+                                <a:lumMod val="85000"/>
+                                <a:lumOff val="15000"/>
+                              </a:schemeClr>
                             </a:solidFill>
                             <a:latin typeface="Arial" panose="020B0604020202020204" pitchFamily="34" charset="0"/>
                             <a:cs typeface="Arial" panose="020B0604020202020204" pitchFamily="34" charset="0"/>
@@ -21894,6 +25238,12 @@
             <a:pPr algn="ctr"/>
             <a:r>
               <a:rPr lang="en-US" sz="1400" dirty="0">
+                <a:solidFill>
+                  <a:schemeClr val="tx1">
+                    <a:lumMod val="85000"/>
+                    <a:lumOff val="15000"/>
+                  </a:schemeClr>
+                </a:solidFill>
                 <a:highlight>
                   <a:srgbClr val="C0C0C0"/>
                 </a:highlight>
@@ -21904,6 +25254,12 @@
             </a:r>
             <a:r>
               <a:rPr lang="en-US" sz="1400" dirty="0" err="1">
+                <a:solidFill>
+                  <a:schemeClr val="tx1">
+                    <a:lumMod val="85000"/>
+                    <a:lumOff val="15000"/>
+                  </a:schemeClr>
+                </a:solidFill>
                 <a:highlight>
                   <a:srgbClr val="C0C0C0"/>
                 </a:highlight>
@@ -21914,6 +25270,12 @@
             </a:r>
             <a:r>
               <a:rPr lang="en-US" sz="1400" dirty="0">
+                <a:solidFill>
+                  <a:schemeClr val="tx1">
+                    <a:lumMod val="85000"/>
+                    <a:lumOff val="15000"/>
+                  </a:schemeClr>
+                </a:solidFill>
                 <a:highlight>
                   <a:srgbClr val="C0C0C0"/>
                 </a:highlight>
@@ -21924,6 +25286,12 @@
             </a:r>
             <a:r>
               <a:rPr lang="en-US" sz="1400" dirty="0" err="1">
+                <a:solidFill>
+                  <a:schemeClr val="tx1">
+                    <a:lumMod val="85000"/>
+                    <a:lumOff val="15000"/>
+                  </a:schemeClr>
+                </a:solidFill>
                 <a:highlight>
                   <a:srgbClr val="C0C0C0"/>
                 </a:highlight>
@@ -21933,6 +25301,12 @@
               <a:t>Stunde</a:t>
             </a:r>
             <a:endParaRPr lang="en-DE" sz="1400" dirty="0">
+              <a:solidFill>
+                <a:schemeClr val="tx1">
+                  <a:lumMod val="85000"/>
+                  <a:lumOff val="15000"/>
+                </a:schemeClr>
+              </a:solidFill>
               <a:highlight>
                 <a:srgbClr val="C0C0C0"/>
               </a:highlight>

--- a/Präsentation/Entwicklung eines Odoo-Moduls zur ZIP-komprimierten Dateiverwaltung im Dokumentenmanagementsystem.pptx
+++ b/Präsentation/Entwicklung eines Odoo-Moduls zur ZIP-komprimierten Dateiverwaltung im Dokumentenmanagementsystem.pptx
@@ -5,7 +5,7 @@
     <p:sldMasterId id="2147483708" r:id="rId1"/>
   </p:sldMasterIdLst>
   <p:notesMasterIdLst>
-    <p:notesMasterId r:id="rId17"/>
+    <p:notesMasterId r:id="rId16"/>
   </p:notesMasterIdLst>
   <p:sldIdLst>
     <p:sldId id="292" r:id="rId2"/>
@@ -16,13 +16,12 @@
     <p:sldId id="287" r:id="rId7"/>
     <p:sldId id="279" r:id="rId8"/>
     <p:sldId id="291" r:id="rId9"/>
-    <p:sldId id="289" r:id="rId10"/>
+    <p:sldId id="294" r:id="rId10"/>
     <p:sldId id="280" r:id="rId11"/>
     <p:sldId id="290" r:id="rId12"/>
     <p:sldId id="283" r:id="rId13"/>
-    <p:sldId id="284" r:id="rId14"/>
-    <p:sldId id="285" r:id="rId15"/>
-    <p:sldId id="286" r:id="rId16"/>
+    <p:sldId id="285" r:id="rId14"/>
+    <p:sldId id="286" r:id="rId15"/>
   </p:sldIdLst>
   <p:sldSz cx="12192000" cy="6858000"/>
   <p:notesSz cx="6858000" cy="9144000"/>
@@ -211,7 +210,7 @@
           <a:p>
             <a:fld id="{4C27BFA1-A5AB-42FB-939B-087BECC10B9B}" type="datetimeFigureOut">
               <a:rPr lang="en-DE" smtClean="0"/>
-              <a:t>06/18/2025</a:t>
+              <a:t>23/06/2025</a:t>
             </a:fld>
             <a:endParaRPr lang="en-DE"/>
           </a:p>
@@ -3797,7 +3796,7 @@
           <a:lstStyle/>
           <a:p>
             <a:r>
-              <a:rPr lang="en-US" sz="3600" dirty="0" err="1" smtClean="0">
+              <a:rPr lang="en-US" sz="3600" dirty="0" err="1">
                 <a:solidFill>
                   <a:schemeClr val="tx1">
                     <a:lumMod val="85000"/>
@@ -3855,7 +3854,7 @@
               <a:buNone/>
             </a:pPr>
             <a:r>
-              <a:rPr lang="de-DE" sz="2000" b="1" dirty="0" smtClean="0">
+              <a:rPr lang="de-DE" sz="2000" b="1" dirty="0">
                 <a:solidFill>
                   <a:schemeClr val="tx1">
                     <a:lumMod val="85000"/>
@@ -3873,7 +3872,7 @@
               <a:buNone/>
             </a:pPr>
             <a:r>
-              <a:rPr lang="de-DE" sz="2000" b="1" dirty="0" smtClean="0">
+              <a:rPr lang="de-DE" sz="2000" b="1" dirty="0">
                 <a:solidFill>
                   <a:schemeClr val="tx1">
                     <a:lumMod val="85000"/>
@@ -3886,7 +3885,7 @@
               <a:t>Langsamer </a:t>
             </a:r>
             <a:r>
-              <a:rPr lang="de-DE" sz="2000" b="1" dirty="0" err="1" smtClean="0">
+              <a:rPr lang="de-DE" sz="2000" b="1" dirty="0" err="1">
                 <a:solidFill>
                   <a:schemeClr val="tx1">
                     <a:lumMod val="85000"/>
@@ -3899,7 +3898,7 @@
               <a:t>sachen</a:t>
             </a:r>
             <a:r>
-              <a:rPr lang="de-DE" sz="2000" b="1" dirty="0" smtClean="0">
+              <a:rPr lang="de-DE" sz="2000" b="1" dirty="0">
                 <a:solidFill>
                   <a:schemeClr val="tx1">
                     <a:lumMod val="85000"/>
@@ -3917,7 +3916,7 @@
               <a:buNone/>
             </a:pPr>
             <a:r>
-              <a:rPr lang="de-DE" sz="2000" dirty="0" smtClean="0">
+              <a:rPr lang="de-DE" sz="2000" dirty="0">
                 <a:solidFill>
                   <a:schemeClr val="tx1">
                     <a:lumMod val="85000"/>
@@ -3935,7 +3934,7 @@
               <a:buNone/>
             </a:pPr>
             <a:r>
-              <a:rPr lang="de-DE" sz="2000" dirty="0" smtClean="0">
+              <a:rPr lang="de-DE" sz="2000" dirty="0">
                 <a:solidFill>
                   <a:schemeClr val="tx1">
                     <a:lumMod val="85000"/>
@@ -3953,7 +3952,7 @@
               <a:buNone/>
             </a:pPr>
             <a:r>
-              <a:rPr lang="de-DE" sz="2000" dirty="0" smtClean="0">
+              <a:rPr lang="de-DE" sz="2000" dirty="0">
                 <a:solidFill>
                   <a:schemeClr val="tx1">
                     <a:lumMod val="85000"/>
@@ -3966,7 +3965,7 @@
               <a:t>Error </a:t>
             </a:r>
             <a:r>
-              <a:rPr lang="de-DE" sz="2000" dirty="0" err="1" smtClean="0">
+              <a:rPr lang="de-DE" sz="2000" dirty="0" err="1">
                 <a:solidFill>
                   <a:schemeClr val="tx1">
                     <a:lumMod val="85000"/>
@@ -3979,7 +3978,7 @@
               <a:t>message</a:t>
             </a:r>
             <a:r>
-              <a:rPr lang="de-DE" sz="2000" dirty="0" smtClean="0">
+              <a:rPr lang="de-DE" sz="2000" dirty="0">
                 <a:solidFill>
                   <a:schemeClr val="tx1">
                     <a:lumMod val="85000"/>
@@ -3991,16 +3990,6 @@
               </a:rPr>
               <a:t> beim Ablaufdiagram einfügen</a:t>
             </a:r>
-            <a:endParaRPr lang="de-DE" sz="2000" dirty="0">
-              <a:solidFill>
-                <a:schemeClr val="tx1">
-                  <a:lumMod val="85000"/>
-                  <a:lumOff val="15000"/>
-                </a:schemeClr>
-              </a:solidFill>
-              <a:latin typeface="Arial" panose="020B0604020202020204" pitchFamily="34" charset="0"/>
-              <a:cs typeface="Arial" panose="020B0604020202020204" pitchFamily="34" charset="0"/>
-            </a:endParaRPr>
           </a:p>
         </p:txBody>
       </p:sp>
@@ -4256,344 +4245,6 @@
   <p:clrMapOvr>
     <a:masterClrMapping/>
   </p:clrMapOvr>
-  <p:timing>
-    <p:tnLst>
-      <p:par>
-        <p:cTn id="1" dur="indefinite" restart="never" nodeType="tmRoot">
-          <p:childTnLst>
-            <p:seq concurrent="1" nextAc="seek">
-              <p:cTn id="2" dur="indefinite" nodeType="mainSeq">
-                <p:childTnLst>
-                  <p:par>
-                    <p:cTn id="3" fill="hold">
-                      <p:stCondLst>
-                        <p:cond delay="indefinite"/>
-                      </p:stCondLst>
-                      <p:childTnLst>
-                        <p:par>
-                          <p:cTn id="4" fill="hold">
-                            <p:stCondLst>
-                              <p:cond delay="0"/>
-                            </p:stCondLst>
-                            <p:childTnLst>
-                              <p:par>
-                                <p:cTn id="5" presetID="10" presetClass="entr" presetSubtype="0" fill="hold" grpId="0" nodeType="clickEffect">
-                                  <p:stCondLst>
-                                    <p:cond delay="0"/>
-                                  </p:stCondLst>
-                                  <p:childTnLst>
-                                    <p:set>
-                                      <p:cBhvr>
-                                        <p:cTn id="6" dur="1" fill="hold">
-                                          <p:stCondLst>
-                                            <p:cond delay="0"/>
-                                          </p:stCondLst>
-                                        </p:cTn>
-                                        <p:tgtEl>
-                                          <p:spTgt spid="3">
-                                            <p:txEl>
-                                              <p:pRg st="0" end="0"/>
-                                            </p:txEl>
-                                          </p:spTgt>
-                                        </p:tgtEl>
-                                        <p:attrNameLst>
-                                          <p:attrName>style.visibility</p:attrName>
-                                        </p:attrNameLst>
-                                      </p:cBhvr>
-                                      <p:to>
-                                        <p:strVal val="visible"/>
-                                      </p:to>
-                                    </p:set>
-                                    <p:animEffect transition="in" filter="fade">
-                                      <p:cBhvr>
-                                        <p:cTn id="7" dur="500"/>
-                                        <p:tgtEl>
-                                          <p:spTgt spid="3">
-                                            <p:txEl>
-                                              <p:pRg st="0" end="0"/>
-                                            </p:txEl>
-                                          </p:spTgt>
-                                        </p:tgtEl>
-                                      </p:cBhvr>
-                                    </p:animEffect>
-                                  </p:childTnLst>
-                                </p:cTn>
-                              </p:par>
-                            </p:childTnLst>
-                          </p:cTn>
-                        </p:par>
-                      </p:childTnLst>
-                    </p:cTn>
-                  </p:par>
-                  <p:par>
-                    <p:cTn id="8" fill="hold">
-                      <p:stCondLst>
-                        <p:cond delay="indefinite"/>
-                      </p:stCondLst>
-                      <p:childTnLst>
-                        <p:par>
-                          <p:cTn id="9" fill="hold">
-                            <p:stCondLst>
-                              <p:cond delay="0"/>
-                            </p:stCondLst>
-                            <p:childTnLst>
-                              <p:par>
-                                <p:cTn id="10" presetID="10" presetClass="entr" presetSubtype="0" fill="hold" grpId="0" nodeType="clickEffect">
-                                  <p:stCondLst>
-                                    <p:cond delay="0"/>
-                                  </p:stCondLst>
-                                  <p:childTnLst>
-                                    <p:set>
-                                      <p:cBhvr>
-                                        <p:cTn id="11" dur="1" fill="hold">
-                                          <p:stCondLst>
-                                            <p:cond delay="0"/>
-                                          </p:stCondLst>
-                                        </p:cTn>
-                                        <p:tgtEl>
-                                          <p:spTgt spid="3">
-                                            <p:txEl>
-                                              <p:pRg st="1" end="1"/>
-                                            </p:txEl>
-                                          </p:spTgt>
-                                        </p:tgtEl>
-                                        <p:attrNameLst>
-                                          <p:attrName>style.visibility</p:attrName>
-                                        </p:attrNameLst>
-                                      </p:cBhvr>
-                                      <p:to>
-                                        <p:strVal val="visible"/>
-                                      </p:to>
-                                    </p:set>
-                                    <p:animEffect transition="in" filter="fade">
-                                      <p:cBhvr>
-                                        <p:cTn id="12" dur="500"/>
-                                        <p:tgtEl>
-                                          <p:spTgt spid="3">
-                                            <p:txEl>
-                                              <p:pRg st="1" end="1"/>
-                                            </p:txEl>
-                                          </p:spTgt>
-                                        </p:tgtEl>
-                                      </p:cBhvr>
-                                    </p:animEffect>
-                                  </p:childTnLst>
-                                </p:cTn>
-                              </p:par>
-                            </p:childTnLst>
-                          </p:cTn>
-                        </p:par>
-                      </p:childTnLst>
-                    </p:cTn>
-                  </p:par>
-                  <p:par>
-                    <p:cTn id="13" fill="hold">
-                      <p:stCondLst>
-                        <p:cond delay="indefinite"/>
-                      </p:stCondLst>
-                      <p:childTnLst>
-                        <p:par>
-                          <p:cTn id="14" fill="hold">
-                            <p:stCondLst>
-                              <p:cond delay="0"/>
-                            </p:stCondLst>
-                            <p:childTnLst>
-                              <p:par>
-                                <p:cTn id="15" presetID="10" presetClass="entr" presetSubtype="0" fill="hold" grpId="0" nodeType="clickEffect">
-                                  <p:stCondLst>
-                                    <p:cond delay="0"/>
-                                  </p:stCondLst>
-                                  <p:childTnLst>
-                                    <p:set>
-                                      <p:cBhvr>
-                                        <p:cTn id="16" dur="1" fill="hold">
-                                          <p:stCondLst>
-                                            <p:cond delay="0"/>
-                                          </p:stCondLst>
-                                        </p:cTn>
-                                        <p:tgtEl>
-                                          <p:spTgt spid="3">
-                                            <p:txEl>
-                                              <p:pRg st="2" end="2"/>
-                                            </p:txEl>
-                                          </p:spTgt>
-                                        </p:tgtEl>
-                                        <p:attrNameLst>
-                                          <p:attrName>style.visibility</p:attrName>
-                                        </p:attrNameLst>
-                                      </p:cBhvr>
-                                      <p:to>
-                                        <p:strVal val="visible"/>
-                                      </p:to>
-                                    </p:set>
-                                    <p:animEffect transition="in" filter="fade">
-                                      <p:cBhvr>
-                                        <p:cTn id="17" dur="500"/>
-                                        <p:tgtEl>
-                                          <p:spTgt spid="3">
-                                            <p:txEl>
-                                              <p:pRg st="2" end="2"/>
-                                            </p:txEl>
-                                          </p:spTgt>
-                                        </p:tgtEl>
-                                      </p:cBhvr>
-                                    </p:animEffect>
-                                  </p:childTnLst>
-                                </p:cTn>
-                              </p:par>
-                            </p:childTnLst>
-                          </p:cTn>
-                        </p:par>
-                      </p:childTnLst>
-                    </p:cTn>
-                  </p:par>
-                  <p:par>
-                    <p:cTn id="18" fill="hold">
-                      <p:stCondLst>
-                        <p:cond delay="indefinite"/>
-                      </p:stCondLst>
-                      <p:childTnLst>
-                        <p:par>
-                          <p:cTn id="19" fill="hold">
-                            <p:stCondLst>
-                              <p:cond delay="0"/>
-                            </p:stCondLst>
-                            <p:childTnLst>
-                              <p:par>
-                                <p:cTn id="20" presetID="10" presetClass="entr" presetSubtype="0" fill="hold" grpId="0" nodeType="clickEffect">
-                                  <p:stCondLst>
-                                    <p:cond delay="0"/>
-                                  </p:stCondLst>
-                                  <p:childTnLst>
-                                    <p:set>
-                                      <p:cBhvr>
-                                        <p:cTn id="21" dur="1" fill="hold">
-                                          <p:stCondLst>
-                                            <p:cond delay="0"/>
-                                          </p:stCondLst>
-                                        </p:cTn>
-                                        <p:tgtEl>
-                                          <p:spTgt spid="3">
-                                            <p:txEl>
-                                              <p:pRg st="3" end="3"/>
-                                            </p:txEl>
-                                          </p:spTgt>
-                                        </p:tgtEl>
-                                        <p:attrNameLst>
-                                          <p:attrName>style.visibility</p:attrName>
-                                        </p:attrNameLst>
-                                      </p:cBhvr>
-                                      <p:to>
-                                        <p:strVal val="visible"/>
-                                      </p:to>
-                                    </p:set>
-                                    <p:animEffect transition="in" filter="fade">
-                                      <p:cBhvr>
-                                        <p:cTn id="22" dur="500"/>
-                                        <p:tgtEl>
-                                          <p:spTgt spid="3">
-                                            <p:txEl>
-                                              <p:pRg st="3" end="3"/>
-                                            </p:txEl>
-                                          </p:spTgt>
-                                        </p:tgtEl>
-                                      </p:cBhvr>
-                                    </p:animEffect>
-                                  </p:childTnLst>
-                                </p:cTn>
-                              </p:par>
-                            </p:childTnLst>
-                          </p:cTn>
-                        </p:par>
-                      </p:childTnLst>
-                    </p:cTn>
-                  </p:par>
-                  <p:par>
-                    <p:cTn id="23" fill="hold">
-                      <p:stCondLst>
-                        <p:cond delay="indefinite"/>
-                      </p:stCondLst>
-                      <p:childTnLst>
-                        <p:par>
-                          <p:cTn id="24" fill="hold">
-                            <p:stCondLst>
-                              <p:cond delay="0"/>
-                            </p:stCondLst>
-                            <p:childTnLst>
-                              <p:par>
-                                <p:cTn id="25" presetID="10" presetClass="entr" presetSubtype="0" fill="hold" grpId="0" nodeType="clickEffect">
-                                  <p:stCondLst>
-                                    <p:cond delay="0"/>
-                                  </p:stCondLst>
-                                  <p:childTnLst>
-                                    <p:set>
-                                      <p:cBhvr>
-                                        <p:cTn id="26" dur="1" fill="hold">
-                                          <p:stCondLst>
-                                            <p:cond delay="0"/>
-                                          </p:stCondLst>
-                                        </p:cTn>
-                                        <p:tgtEl>
-                                          <p:spTgt spid="3">
-                                            <p:txEl>
-                                              <p:pRg st="4" end="4"/>
-                                            </p:txEl>
-                                          </p:spTgt>
-                                        </p:tgtEl>
-                                        <p:attrNameLst>
-                                          <p:attrName>style.visibility</p:attrName>
-                                        </p:attrNameLst>
-                                      </p:cBhvr>
-                                      <p:to>
-                                        <p:strVal val="visible"/>
-                                      </p:to>
-                                    </p:set>
-                                    <p:animEffect transition="in" filter="fade">
-                                      <p:cBhvr>
-                                        <p:cTn id="27" dur="500"/>
-                                        <p:tgtEl>
-                                          <p:spTgt spid="3">
-                                            <p:txEl>
-                                              <p:pRg st="4" end="4"/>
-                                            </p:txEl>
-                                          </p:spTgt>
-                                        </p:tgtEl>
-                                      </p:cBhvr>
-                                    </p:animEffect>
-                                  </p:childTnLst>
-                                </p:cTn>
-                              </p:par>
-                            </p:childTnLst>
-                          </p:cTn>
-                        </p:par>
-                      </p:childTnLst>
-                    </p:cTn>
-                  </p:par>
-                </p:childTnLst>
-              </p:cTn>
-              <p:prevCondLst>
-                <p:cond evt="onPrev" delay="0">
-                  <p:tgtEl>
-                    <p:sldTgt/>
-                  </p:tgtEl>
-                </p:cond>
-              </p:prevCondLst>
-              <p:nextCondLst>
-                <p:cond evt="onNext" delay="0">
-                  <p:tgtEl>
-                    <p:sldTgt/>
-                  </p:tgtEl>
-                </p:cond>
-              </p:nextCondLst>
-            </p:seq>
-          </p:childTnLst>
-        </p:cTn>
-      </p:par>
-    </p:tnLst>
-    <p:bldLst>
-      <p:bldP spid="3" grpId="0" uiExpand="1" build="p"/>
-    </p:bldLst>
-  </p:timing>
 </p:sld>
 </file>
 
@@ -4704,26 +4355,7 @@
           <a:lstStyle/>
           <a:p>
             <a:r>
-              <a:rPr lang="en-US" sz="2000" dirty="0" smtClean="0">
-                <a:solidFill>
-                  <a:srgbClr val="FF0000"/>
-                </a:solidFill>
-                <a:latin typeface="Arial" panose="020B0604020202020204" pitchFamily="34" charset="0"/>
-                <a:cs typeface="Arial" panose="020B0604020202020204" pitchFamily="34" charset="0"/>
-              </a:rPr>
-              <a:t>WIR MACHEN**  </a:t>
-            </a:r>
-            <a:endParaRPr lang="en-US" sz="2000" dirty="0">
-              <a:solidFill>
-                <a:srgbClr val="FF0000"/>
-              </a:solidFill>
-              <a:latin typeface="Arial" panose="020B0604020202020204" pitchFamily="34" charset="0"/>
-              <a:cs typeface="Arial" panose="020B0604020202020204" pitchFamily="34" charset="0"/>
-            </a:endParaRPr>
-          </a:p>
-          <a:p>
-            <a:r>
-              <a:rPr lang="en-US" sz="2000" dirty="0" smtClean="0">
+              <a:rPr lang="en-US" sz="2000" dirty="0">
                 <a:solidFill>
                   <a:schemeClr val="tx1">
                     <a:lumMod val="85000"/>
@@ -4735,16 +4367,6 @@
               </a:rPr>
               <a:t>Unit-Tests</a:t>
             </a:r>
-            <a:endParaRPr lang="en-US" sz="2000" dirty="0">
-              <a:solidFill>
-                <a:schemeClr val="tx1">
-                  <a:lumMod val="85000"/>
-                  <a:lumOff val="15000"/>
-                </a:schemeClr>
-              </a:solidFill>
-              <a:latin typeface="Arial" panose="020B0604020202020204" pitchFamily="34" charset="0"/>
-              <a:cs typeface="Arial" panose="020B0604020202020204" pitchFamily="34" charset="0"/>
-            </a:endParaRPr>
           </a:p>
           <a:p>
             <a:endParaRPr lang="en-US" sz="2000" dirty="0">
@@ -4796,23 +4418,10 @@
                 <a:latin typeface="Arial" panose="020B0604020202020204" pitchFamily="34" charset="0"/>
                 <a:cs typeface="Arial" panose="020B0604020202020204" pitchFamily="34" charset="0"/>
               </a:rPr>
-              <a:t> Lint-, Deploy- und </a:t>
-            </a:r>
-            <a:r>
-              <a:rPr lang="en-US" sz="2000" dirty="0" smtClean="0">
-                <a:solidFill>
-                  <a:schemeClr val="tx1">
-                    <a:lumMod val="85000"/>
-                    <a:lumOff val="15000"/>
-                  </a:schemeClr>
-                </a:solidFill>
-                <a:latin typeface="Arial" panose="020B0604020202020204" pitchFamily="34" charset="0"/>
-                <a:cs typeface="Arial" panose="020B0604020202020204" pitchFamily="34" charset="0"/>
-              </a:rPr>
-              <a:t>Translate-Test </a:t>
-            </a:r>
-            <a:r>
-              <a:rPr lang="en-US" sz="2000" dirty="0" smtClean="0">
+              <a:t> Lint-, Deploy- und Translate-Test </a:t>
+            </a:r>
+            <a:r>
+              <a:rPr lang="en-US" sz="2000" dirty="0">
                 <a:solidFill>
                   <a:srgbClr val="FF0000"/>
                 </a:solidFill>
@@ -4821,13 +4430,6 @@
               </a:rPr>
               <a:t>(PROZESS KURZ BESCHREIBEN)</a:t>
             </a:r>
-            <a:endParaRPr lang="en-US" sz="2000" dirty="0">
-              <a:solidFill>
-                <a:srgbClr val="FF0000"/>
-              </a:solidFill>
-              <a:latin typeface="Arial" panose="020B0604020202020204" pitchFamily="34" charset="0"/>
-              <a:cs typeface="Arial" panose="020B0604020202020204" pitchFamily="34" charset="0"/>
-            </a:endParaRPr>
           </a:p>
           <a:p>
             <a:endParaRPr lang="en-US" sz="2000" dirty="0">
@@ -5187,7 +4789,7 @@
                                         <p:tgtEl>
                                           <p:spTgt spid="3">
                                             <p:txEl>
-                                              <p:pRg st="1" end="1"/>
+                                              <p:pRg st="0" end="0"/>
                                             </p:txEl>
                                           </p:spTgt>
                                         </p:tgtEl>
@@ -5205,7 +4807,7 @@
                                         <p:tgtEl>
                                           <p:spTgt spid="3">
                                             <p:txEl>
-                                              <p:pRg st="1" end="1"/>
+                                              <p:pRg st="0" end="0"/>
                                             </p:txEl>
                                           </p:spTgt>
                                         </p:tgtEl>
@@ -5248,7 +4850,7 @@
                                         <p:tgtEl>
                                           <p:spTgt spid="3">
                                             <p:txEl>
-                                              <p:pRg st="0" end="0"/>
+                                              <p:pRg st="2" end="2"/>
                                             </p:txEl>
                                           </p:spTgt>
                                         </p:tgtEl>
@@ -5266,7 +4868,7 @@
                                         <p:tgtEl>
                                           <p:spTgt spid="3">
                                             <p:txEl>
-                                              <p:pRg st="0" end="0"/>
+                                              <p:pRg st="2" end="2"/>
                                             </p:txEl>
                                           </p:spTgt>
                                         </p:tgtEl>
@@ -5309,7 +4911,7 @@
                                         <p:tgtEl>
                                           <p:spTgt spid="3">
                                             <p:txEl>
-                                              <p:pRg st="3" end="3"/>
+                                              <p:pRg st="4" end="4"/>
                                             </p:txEl>
                                           </p:spTgt>
                                         </p:tgtEl>
@@ -5327,68 +4929,7 @@
                                         <p:tgtEl>
                                           <p:spTgt spid="3">
                                             <p:txEl>
-                                              <p:pRg st="3" end="3"/>
-                                            </p:txEl>
-                                          </p:spTgt>
-                                        </p:tgtEl>
-                                      </p:cBhvr>
-                                    </p:animEffect>
-                                  </p:childTnLst>
-                                </p:cTn>
-                              </p:par>
-                            </p:childTnLst>
-                          </p:cTn>
-                        </p:par>
-                      </p:childTnLst>
-                    </p:cTn>
-                  </p:par>
-                  <p:par>
-                    <p:cTn id="18" fill="hold">
-                      <p:stCondLst>
-                        <p:cond delay="indefinite"/>
-                      </p:stCondLst>
-                      <p:childTnLst>
-                        <p:par>
-                          <p:cTn id="19" fill="hold">
-                            <p:stCondLst>
-                              <p:cond delay="0"/>
-                            </p:stCondLst>
-                            <p:childTnLst>
-                              <p:par>
-                                <p:cTn id="20" presetID="10" presetClass="entr" presetSubtype="0" fill="hold" nodeType="clickEffect">
-                                  <p:stCondLst>
-                                    <p:cond delay="0"/>
-                                  </p:stCondLst>
-                                  <p:childTnLst>
-                                    <p:set>
-                                      <p:cBhvr>
-                                        <p:cTn id="21" dur="1" fill="hold">
-                                          <p:stCondLst>
-                                            <p:cond delay="0"/>
-                                          </p:stCondLst>
-                                        </p:cTn>
-                                        <p:tgtEl>
-                                          <p:spTgt spid="3">
-                                            <p:txEl>
-                                              <p:pRg st="5" end="5"/>
-                                            </p:txEl>
-                                          </p:spTgt>
-                                        </p:tgtEl>
-                                        <p:attrNameLst>
-                                          <p:attrName>style.visibility</p:attrName>
-                                        </p:attrNameLst>
-                                      </p:cBhvr>
-                                      <p:to>
-                                        <p:strVal val="visible"/>
-                                      </p:to>
-                                    </p:set>
-                                    <p:animEffect transition="in" filter="fade">
-                                      <p:cBhvr>
-                                        <p:cTn id="22" dur="500"/>
-                                        <p:tgtEl>
-                                          <p:spTgt spid="3">
-                                            <p:txEl>
-                                              <p:pRg st="5" end="5"/>
+                                              <p:pRg st="4" end="4"/>
                                             </p:txEl>
                                           </p:spTgt>
                                         </p:tgtEl>
@@ -5531,42 +5072,6 @@
           </a:p>
         </p:txBody>
       </p:sp>
-      <p:pic>
-        <p:nvPicPr>
-          <p:cNvPr id="8" name="Grafik 7" descr="Ein Bild, das Text, Screenshot, Diagramm, Reihe enthält.&#10;&#10;KI-generierte Inhalte können fehlerhaft sein.">
-            <a:extLst>
-              <a:ext uri="{FF2B5EF4-FFF2-40B4-BE49-F238E27FC236}">
-                <a16:creationId xmlns:a16="http://schemas.microsoft.com/office/drawing/2014/main" id="{8B03DB34-47BF-3015-FDE5-3B61D81BAB6A}"/>
-              </a:ext>
-            </a:extLst>
-          </p:cNvPr>
-          <p:cNvPicPr>
-            <a:picLocks noChangeAspect="1"/>
-          </p:cNvPicPr>
-          <p:nvPr/>
-        </p:nvPicPr>
-        <p:blipFill>
-          <a:blip r:embed="rId2">
-            <a:extLst>
-              <a:ext uri="{28A0092B-C50C-407E-A947-70E740481C1C}">
-                <a14:useLocalDpi xmlns:a14="http://schemas.microsoft.com/office/drawing/2010/main" val="0"/>
-              </a:ext>
-            </a:extLst>
-          </a:blip>
-          <a:stretch>
-            <a:fillRect/>
-          </a:stretch>
-        </p:blipFill>
-        <p:spPr>
-          <a:xfrm>
-            <a:off x="5671836" y="915874"/>
-            <a:ext cx="6240309" cy="5030177"/>
-          </a:xfrm>
-          <a:prstGeom prst="rect">
-            <a:avLst/>
-          </a:prstGeom>
-        </p:spPr>
-      </p:pic>
       <p:sp>
         <p:nvSpPr>
           <p:cNvPr id="9" name="Titel 1">
@@ -5684,8 +5189,8 @@
           </a:fontRef>
         </p:style>
       </p:cxnSp>
-      <mc:AlternateContent xmlns:mc="http://schemas.openxmlformats.org/markup-compatibility/2006">
-        <mc:Choice xmlns:a14="http://schemas.microsoft.com/office/drawing/2010/main" Requires="a14">
+      <mc:AlternateContent xmlns:mc="http://schemas.openxmlformats.org/markup-compatibility/2006" xmlns:a14="http://schemas.microsoft.com/office/drawing/2010/main">
+        <mc:Choice Requires="a14">
           <p:sp>
             <p:nvSpPr>
               <p:cNvPr id="4" name="Textplatzhalter 3">
@@ -5710,7 +5215,7 @@
             </p:spPr>
             <p:txBody>
               <a:bodyPr>
-                <a:normAutofit lnSpcReduction="10000"/>
+                <a:normAutofit/>
               </a:bodyPr>
               <a:lstStyle/>
               <a:p>
@@ -5766,68 +5271,33 @@
                   </a:rPr>
                   <a:t> </a:t>
                 </a:r>
+              </a:p>
+              <a:p>
                 <a:r>
-                  <a:rPr lang="en-US" u="sng" dirty="0">
-                    <a:solidFill>
-                      <a:schemeClr val="tx1">
-                        <a:lumMod val="85000"/>
-                        <a:lumOff val="15000"/>
-                      </a:schemeClr>
-                    </a:solidFill>
+                  <a:rPr lang="en-US" dirty="0">
                     <a:latin typeface="Arial" panose="020B0604020202020204" pitchFamily="34" charset="0"/>
                     <a:cs typeface="Arial" panose="020B0604020202020204" pitchFamily="34" charset="0"/>
                   </a:rPr>
-                  <a:t>(</a:t>
+                  <a:t>(3 </a:t>
                 </a:r>
                 <a:r>
-                  <a:rPr lang="en-US" u="sng" dirty="0" err="1">
-                    <a:solidFill>
-                      <a:schemeClr val="tx1">
-                        <a:lumMod val="85000"/>
-                        <a:lumOff val="15000"/>
-                      </a:schemeClr>
-                    </a:solidFill>
+                  <a:rPr lang="en-US" dirty="0" err="1">
                     <a:latin typeface="Arial" panose="020B0604020202020204" pitchFamily="34" charset="0"/>
                     <a:cs typeface="Arial" panose="020B0604020202020204" pitchFamily="34" charset="0"/>
                   </a:rPr>
-                  <a:t>Beispielrechnung</a:t>
+                  <a:t>Vorgänge</a:t>
                 </a:r>
                 <a:r>
-                  <a:rPr lang="en-US" u="sng" dirty="0">
-                    <a:solidFill>
-                      <a:schemeClr val="tx1">
-                        <a:lumMod val="85000"/>
-                        <a:lumOff val="15000"/>
-                      </a:schemeClr>
-                    </a:solidFill>
+                  <a:rPr lang="en-US" dirty="0">
                     <a:latin typeface="Arial" panose="020B0604020202020204" pitchFamily="34" charset="0"/>
                     <a:cs typeface="Arial" panose="020B0604020202020204" pitchFamily="34" charset="0"/>
                   </a:rPr>
-                  <a:t>)</a:t>
+                  <a:t>, 20 Tage pro Monat)</a:t>
                 </a:r>
               </a:p>
               <a:p>
                 <a:r>
-                  <a:rPr lang="en-US" b="1" u="sng" dirty="0" smtClean="0">
-                    <a:solidFill>
-                      <a:srgbClr val="FF0000"/>
-                    </a:solidFill>
-                    <a:latin typeface="Arial" panose="020B0604020202020204" pitchFamily="34" charset="0"/>
-                    <a:cs typeface="Arial" panose="020B0604020202020204" pitchFamily="34" charset="0"/>
-                  </a:rPr>
-                  <a:t>BESPIELSRECHNUNG</a:t>
-                </a:r>
-                <a:endParaRPr lang="en-US" b="1" u="sng" dirty="0">
-                  <a:solidFill>
-                    <a:srgbClr val="FF0000"/>
-                  </a:solidFill>
-                  <a:latin typeface="Arial" panose="020B0604020202020204" pitchFamily="34" charset="0"/>
-                  <a:cs typeface="Arial" panose="020B0604020202020204" pitchFamily="34" charset="0"/>
-                </a:endParaRPr>
-              </a:p>
-              <a:p>
-                <a:r>
-                  <a:rPr lang="en-US" dirty="0" err="1">
+                  <a:rPr lang="en-US" b="1" dirty="0" err="1">
                     <a:latin typeface="Arial" panose="020B0604020202020204" pitchFamily="34" charset="0"/>
                     <a:cs typeface="Arial" panose="020B0604020202020204" pitchFamily="34" charset="0"/>
                   </a:rPr>
@@ -6100,7 +5570,7 @@
               </a:p>
               <a:p>
                 <a:r>
-                  <a:rPr lang="en-US" dirty="0" err="1">
+                  <a:rPr lang="en-US" b="1" dirty="0" err="1">
                     <a:solidFill>
                       <a:schemeClr val="tx1">
                         <a:lumMod val="85000"/>
@@ -6422,92 +5892,13 @@
                     <a:latin typeface="Arial" panose="020B0604020202020204" pitchFamily="34" charset="0"/>
                     <a:cs typeface="Arial" panose="020B0604020202020204" pitchFamily="34" charset="0"/>
                   </a:rPr>
-                  <a:t>Arbeitszeit pro </a:t>
+                  <a:t>Arbeitszeit pro Monat</a:t>
                 </a:r>
-                <a:r>
-                  <a:rPr lang="de-DE" dirty="0" smtClean="0">
-                    <a:solidFill>
-                      <a:schemeClr val="tx1">
-                        <a:lumMod val="85000"/>
-                        <a:lumOff val="15000"/>
-                      </a:schemeClr>
-                    </a:solidFill>
-                    <a:latin typeface="Arial" panose="020B0604020202020204" pitchFamily="34" charset="0"/>
-                    <a:cs typeface="Arial" panose="020B0604020202020204" pitchFamily="34" charset="0"/>
-                  </a:rPr>
-                  <a:t>Monat</a:t>
-                </a:r>
-              </a:p>
-              <a:p>
-                <a:r>
-                  <a:rPr lang="de-DE" dirty="0" smtClean="0">
-                    <a:solidFill>
-                      <a:srgbClr val="FF0000"/>
-                    </a:solidFill>
-                    <a:latin typeface="Arial" panose="020B0604020202020204" pitchFamily="34" charset="0"/>
-                    <a:cs typeface="Arial" panose="020B0604020202020204" pitchFamily="34" charset="0"/>
-                  </a:rPr>
-                  <a:t>MINI roter </a:t>
-                </a:r>
-                <a:r>
-                  <a:rPr lang="de-DE" dirty="0" err="1" smtClean="0">
-                    <a:solidFill>
-                      <a:srgbClr val="FF0000"/>
-                    </a:solidFill>
-                    <a:latin typeface="Arial" panose="020B0604020202020204" pitchFamily="34" charset="0"/>
-                    <a:cs typeface="Arial" panose="020B0604020202020204" pitchFamily="34" charset="0"/>
-                  </a:rPr>
-                  <a:t>balken</a:t>
-                </a:r>
-                <a:r>
-                  <a:rPr lang="de-DE" dirty="0" smtClean="0">
-                    <a:solidFill>
-                      <a:srgbClr val="FF0000"/>
-                    </a:solidFill>
-                    <a:latin typeface="Arial" panose="020B0604020202020204" pitchFamily="34" charset="0"/>
-                    <a:cs typeface="Arial" panose="020B0604020202020204" pitchFamily="34" charset="0"/>
-                  </a:rPr>
-                  <a:t> bei 2min 		</a:t>
-                </a:r>
-                <a:r>
-                  <a:rPr lang="de-DE" dirty="0" smtClean="0">
-                    <a:solidFill>
-                      <a:srgbClr val="FF0000"/>
-                    </a:solidFill>
-                    <a:latin typeface="Arial" panose="020B0604020202020204" pitchFamily="34" charset="0"/>
-                    <a:cs typeface="Arial" panose="020B0604020202020204" pitchFamily="34" charset="0"/>
-                    <a:sym typeface="Wingdings" panose="05000000000000000000" pitchFamily="2" charset="2"/>
-                  </a:rPr>
-                  <a:t></a:t>
-                </a:r>
-              </a:p>
-              <a:p>
-                <a:r>
-                  <a:rPr lang="de-DE" dirty="0" smtClean="0">
-                    <a:solidFill>
-                      <a:srgbClr val="FF0000"/>
-                    </a:solidFill>
-                    <a:latin typeface="Arial" panose="020B0604020202020204" pitchFamily="34" charset="0"/>
-                    <a:cs typeface="Arial" panose="020B0604020202020204" pitchFamily="34" charset="0"/>
-                    <a:sym typeface="Wingdings" panose="05000000000000000000" pitchFamily="2" charset="2"/>
-                  </a:rPr>
-                  <a:t>LEGENDE LÖSCHEN</a:t>
-                </a:r>
-                <a:endParaRPr lang="en-DE" dirty="0">
-                  <a:solidFill>
-                    <a:srgbClr val="FF0000"/>
-                  </a:solidFill>
-                  <a:latin typeface="Arial" panose="020B0604020202020204" pitchFamily="34" charset="0"/>
-                  <a:cs typeface="Arial" panose="020B0604020202020204" pitchFamily="34" charset="0"/>
-                </a:endParaRPr>
-              </a:p>
-              <a:p>
-                <a:endParaRPr lang="en-DE" dirty="0"/>
               </a:p>
             </p:txBody>
           </p:sp>
         </mc:Choice>
-        <mc:Fallback>
+        <mc:Fallback xmlns="">
           <p:sp>
             <p:nvSpPr>
               <p:cNvPr id="4" name="Textplatzhalter 3">
@@ -6530,9 +5921,9 @@
                 <a:ext cx="4833636" cy="3747771"/>
               </a:xfrm>
               <a:blipFill>
-                <a:blip r:embed="rId3"/>
+                <a:blip r:embed="rId2"/>
                 <a:stretch>
-                  <a:fillRect l="-758" t="-1789" b="-976"/>
+                  <a:fillRect l="-758" t="-1138"/>
                 </a:stretch>
               </a:blipFill>
             </p:spPr>
@@ -6541,7 +5932,7 @@
               <a:lstStyle/>
               <a:p>
                 <a:r>
-                  <a:rPr lang="de-DE">
+                  <a:rPr lang="en-DE">
                     <a:noFill/>
                   </a:rPr>
                   <a:t> </a:t>
@@ -6551,187 +5942,42 @@
           </p:sp>
         </mc:Fallback>
       </mc:AlternateContent>
-      <p:sp>
-        <p:nvSpPr>
-          <p:cNvPr id="15" name="Textfeld 14">
+      <p:pic>
+        <p:nvPicPr>
+          <p:cNvPr id="3" name="Grafik 2" descr="Ein Bild, das Text, Screenshot, Diagramm, Reihe enthält.&#10;&#10;KI-generierte Inhalte können fehlerhaft sein.">
             <a:extLst>
               <a:ext uri="{FF2B5EF4-FFF2-40B4-BE49-F238E27FC236}">
-                <a16:creationId xmlns:a16="http://schemas.microsoft.com/office/drawing/2014/main" id="{90BC9538-9371-E15E-8475-4554ECECE647}"/>
+                <a16:creationId xmlns:a16="http://schemas.microsoft.com/office/drawing/2014/main" id="{0FB58A85-395E-50CA-F3B2-99D17EDA6196}"/>
               </a:ext>
             </a:extLst>
           </p:cNvPr>
-          <p:cNvSpPr txBox="1"/>
+          <p:cNvPicPr>
+            <a:picLocks noChangeAspect="1"/>
+          </p:cNvPicPr>
           <p:nvPr/>
-        </p:nvSpPr>
+        </p:nvPicPr>
+        <p:blipFill>
+          <a:blip r:embed="rId3">
+            <a:extLst>
+              <a:ext uri="{28A0092B-C50C-407E-A947-70E740481C1C}">
+                <a14:useLocalDpi xmlns:a14="http://schemas.microsoft.com/office/drawing/2010/main" val="0"/>
+              </a:ext>
+            </a:extLst>
+          </a:blip>
+          <a:stretch>
+            <a:fillRect/>
+          </a:stretch>
+        </p:blipFill>
         <p:spPr>
           <a:xfrm>
-            <a:off x="6682154" y="1578025"/>
-            <a:ext cx="751458" cy="276999"/>
+            <a:off x="5671836" y="1047114"/>
+            <a:ext cx="6105525" cy="5305425"/>
           </a:xfrm>
           <a:prstGeom prst="rect">
             <a:avLst/>
           </a:prstGeom>
-          <a:noFill/>
         </p:spPr>
-        <p:txBody>
-          <a:bodyPr wrap="square" rtlCol="0">
-            <a:spAutoFit/>
-          </a:bodyPr>
-          <a:lstStyle/>
-          <a:p>
-            <a:r>
-              <a:rPr lang="en-US" sz="1200" dirty="0"/>
-              <a:t>~20 Min</a:t>
-            </a:r>
-            <a:endParaRPr lang="en-DE" sz="1200" dirty="0"/>
-          </a:p>
-        </p:txBody>
-      </p:sp>
-      <p:sp>
-        <p:nvSpPr>
-          <p:cNvPr id="18" name="Textfeld 17">
-            <a:extLst>
-              <a:ext uri="{FF2B5EF4-FFF2-40B4-BE49-F238E27FC236}">
-                <a16:creationId xmlns:a16="http://schemas.microsoft.com/office/drawing/2014/main" id="{2B90D475-F42D-3A53-F7E7-EBFBF4075039}"/>
-              </a:ext>
-            </a:extLst>
-          </p:cNvPr>
-          <p:cNvSpPr txBox="1"/>
-          <p:nvPr/>
-        </p:nvSpPr>
-        <p:spPr>
-          <a:xfrm>
-            <a:off x="8518572" y="5119460"/>
-            <a:ext cx="751458" cy="276999"/>
-          </a:xfrm>
-          <a:prstGeom prst="rect">
-            <a:avLst/>
-          </a:prstGeom>
-          <a:noFill/>
-        </p:spPr>
-        <p:txBody>
-          <a:bodyPr wrap="square" rtlCol="0">
-            <a:spAutoFit/>
-          </a:bodyPr>
-          <a:lstStyle/>
-          <a:p>
-            <a:r>
-              <a:rPr lang="en-US" sz="1200" dirty="0"/>
-              <a:t>~2 Min</a:t>
-            </a:r>
-            <a:endParaRPr lang="en-DE" sz="1200" dirty="0"/>
-          </a:p>
-        </p:txBody>
-      </p:sp>
-      <p:sp>
-        <p:nvSpPr>
-          <p:cNvPr id="19" name="Textfeld 18">
-            <a:extLst>
-              <a:ext uri="{FF2B5EF4-FFF2-40B4-BE49-F238E27FC236}">
-                <a16:creationId xmlns:a16="http://schemas.microsoft.com/office/drawing/2014/main" id="{9F296192-0250-5E56-61FB-081882533DB6}"/>
-              </a:ext>
-            </a:extLst>
-          </p:cNvPr>
-          <p:cNvSpPr txBox="1"/>
-          <p:nvPr/>
-        </p:nvSpPr>
-        <p:spPr>
-          <a:xfrm>
-            <a:off x="-383931" y="6567586"/>
-            <a:ext cx="5843954" cy="307777"/>
-          </a:xfrm>
-          <a:prstGeom prst="rect">
-            <a:avLst/>
-          </a:prstGeom>
-          <a:noFill/>
-        </p:spPr>
-        <p:txBody>
-          <a:bodyPr wrap="square" rtlCol="0">
-            <a:spAutoFit/>
-          </a:bodyPr>
-          <a:lstStyle/>
-          <a:p>
-            <a:pPr algn="ctr"/>
-            <a:r>
-              <a:rPr lang="en-US" sz="1400" dirty="0">
-                <a:solidFill>
-                  <a:schemeClr val="tx1">
-                    <a:lumMod val="85000"/>
-                    <a:lumOff val="15000"/>
-                  </a:schemeClr>
-                </a:solidFill>
-                <a:highlight>
-                  <a:srgbClr val="C0C0C0"/>
-                </a:highlight>
-                <a:latin typeface="Arial" panose="020B0604020202020204" pitchFamily="34" charset="0"/>
-                <a:cs typeface="Arial" panose="020B0604020202020204" pitchFamily="34" charset="0"/>
-              </a:rPr>
-              <a:t>V = </a:t>
-            </a:r>
-            <a:r>
-              <a:rPr lang="en-US" sz="1400" dirty="0" err="1">
-                <a:solidFill>
-                  <a:schemeClr val="tx1">
-                    <a:lumMod val="85000"/>
-                    <a:lumOff val="15000"/>
-                  </a:schemeClr>
-                </a:solidFill>
-                <a:highlight>
-                  <a:srgbClr val="C0C0C0"/>
-                </a:highlight>
-                <a:latin typeface="Arial" panose="020B0604020202020204" pitchFamily="34" charset="0"/>
-                <a:cs typeface="Arial" panose="020B0604020202020204" pitchFamily="34" charset="0"/>
-              </a:rPr>
-              <a:t>Vorgang</a:t>
-            </a:r>
-            <a:r>
-              <a:rPr lang="en-US" sz="1400" dirty="0">
-                <a:solidFill>
-                  <a:schemeClr val="tx1">
-                    <a:lumMod val="85000"/>
-                    <a:lumOff val="15000"/>
-                  </a:schemeClr>
-                </a:solidFill>
-                <a:highlight>
-                  <a:srgbClr val="C0C0C0"/>
-                </a:highlight>
-                <a:latin typeface="Arial" panose="020B0604020202020204" pitchFamily="34" charset="0"/>
-                <a:cs typeface="Arial" panose="020B0604020202020204" pitchFamily="34" charset="0"/>
-              </a:rPr>
-              <a:t>, T = Tage, Mo = Monat, Min = Minute, Std = </a:t>
-            </a:r>
-            <a:r>
-              <a:rPr lang="en-US" sz="1400" dirty="0" err="1">
-                <a:solidFill>
-                  <a:schemeClr val="tx1">
-                    <a:lumMod val="85000"/>
-                    <a:lumOff val="15000"/>
-                  </a:schemeClr>
-                </a:solidFill>
-                <a:highlight>
-                  <a:srgbClr val="C0C0C0"/>
-                </a:highlight>
-                <a:latin typeface="Arial" panose="020B0604020202020204" pitchFamily="34" charset="0"/>
-                <a:cs typeface="Arial" panose="020B0604020202020204" pitchFamily="34" charset="0"/>
-              </a:rPr>
-              <a:t>Stunde</a:t>
-            </a:r>
-            <a:endParaRPr lang="en-DE" sz="1400" dirty="0">
-              <a:solidFill>
-                <a:schemeClr val="tx1">
-                  <a:lumMod val="85000"/>
-                  <a:lumOff val="15000"/>
-                </a:schemeClr>
-              </a:solidFill>
-              <a:highlight>
-                <a:srgbClr val="C0C0C0"/>
-              </a:highlight>
-              <a:latin typeface="Arial" panose="020B0604020202020204" pitchFamily="34" charset="0"/>
-              <a:cs typeface="Arial" panose="020B0604020202020204" pitchFamily="34" charset="0"/>
-            </a:endParaRPr>
-          </a:p>
-        </p:txBody>
-      </p:sp>
+      </p:pic>
     </p:spTree>
     <p:extLst>
       <p:ext uri="{BB962C8B-B14F-4D97-AF65-F5344CB8AC3E}">
@@ -6778,7 +6024,7 @@
                                         <p:tgtEl>
                                           <p:spTgt spid="4">
                                             <p:txEl>
-                                              <p:pRg st="0" end="0"/>
+                                              <p:pRg st="2" end="2"/>
                                             </p:txEl>
                                           </p:spTgt>
                                         </p:tgtEl>
@@ -6796,128 +6042,6 @@
                                         <p:tgtEl>
                                           <p:spTgt spid="4">
                                             <p:txEl>
-                                              <p:pRg st="0" end="0"/>
-                                            </p:txEl>
-                                          </p:spTgt>
-                                        </p:tgtEl>
-                                      </p:cBhvr>
-                                    </p:animEffect>
-                                  </p:childTnLst>
-                                </p:cTn>
-                              </p:par>
-                            </p:childTnLst>
-                          </p:cTn>
-                        </p:par>
-                      </p:childTnLst>
-                    </p:cTn>
-                  </p:par>
-                  <p:par>
-                    <p:cTn id="8" fill="hold">
-                      <p:stCondLst>
-                        <p:cond delay="indefinite"/>
-                      </p:stCondLst>
-                      <p:childTnLst>
-                        <p:par>
-                          <p:cTn id="9" fill="hold">
-                            <p:stCondLst>
-                              <p:cond delay="0"/>
-                            </p:stCondLst>
-                            <p:childTnLst>
-                              <p:par>
-                                <p:cTn id="10" presetID="10" presetClass="entr" presetSubtype="0" fill="hold" grpId="0" nodeType="clickEffect">
-                                  <p:stCondLst>
-                                    <p:cond delay="0"/>
-                                  </p:stCondLst>
-                                  <p:childTnLst>
-                                    <p:set>
-                                      <p:cBhvr>
-                                        <p:cTn id="11" dur="1" fill="hold">
-                                          <p:stCondLst>
-                                            <p:cond delay="0"/>
-                                          </p:stCondLst>
-                                        </p:cTn>
-                                        <p:tgtEl>
-                                          <p:spTgt spid="4">
-                                            <p:txEl>
-                                              <p:pRg st="1" end="1"/>
-                                            </p:txEl>
-                                          </p:spTgt>
-                                        </p:tgtEl>
-                                        <p:attrNameLst>
-                                          <p:attrName>style.visibility</p:attrName>
-                                        </p:attrNameLst>
-                                      </p:cBhvr>
-                                      <p:to>
-                                        <p:strVal val="visible"/>
-                                      </p:to>
-                                    </p:set>
-                                    <p:animEffect transition="in" filter="fade">
-                                      <p:cBhvr>
-                                        <p:cTn id="12" dur="500"/>
-                                        <p:tgtEl>
-                                          <p:spTgt spid="4">
-                                            <p:txEl>
-                                              <p:pRg st="1" end="1"/>
-                                            </p:txEl>
-                                          </p:spTgt>
-                                        </p:tgtEl>
-                                      </p:cBhvr>
-                                    </p:animEffect>
-                                  </p:childTnLst>
-                                </p:cTn>
-                              </p:par>
-                            </p:childTnLst>
-                          </p:cTn>
-                        </p:par>
-                      </p:childTnLst>
-                    </p:cTn>
-                  </p:par>
-                  <p:par>
-                    <p:cTn id="13" fill="hold">
-                      <p:stCondLst>
-                        <p:cond delay="indefinite"/>
-                      </p:stCondLst>
-                      <p:childTnLst>
-                        <p:par>
-                          <p:cTn id="14" fill="hold">
-                            <p:stCondLst>
-                              <p:cond delay="0"/>
-                            </p:stCondLst>
-                            <p:childTnLst>
-                              <p:par>
-                                <p:cTn id="15" presetID="10" presetClass="entr" presetSubtype="0" fill="hold" grpId="0" nodeType="clickEffect">
-                                  <p:stCondLst>
-                                    <p:cond delay="0"/>
-                                  </p:stCondLst>
-                                  <p:childTnLst>
-                                    <p:set>
-                                      <p:cBhvr>
-                                        <p:cTn id="16" dur="1" fill="hold">
-                                          <p:stCondLst>
-                                            <p:cond delay="0"/>
-                                          </p:stCondLst>
-                                        </p:cTn>
-                                        <p:tgtEl>
-                                          <p:spTgt spid="4">
-                                            <p:txEl>
-                                              <p:pRg st="2" end="2"/>
-                                            </p:txEl>
-                                          </p:spTgt>
-                                        </p:tgtEl>
-                                        <p:attrNameLst>
-                                          <p:attrName>style.visibility</p:attrName>
-                                        </p:attrNameLst>
-                                      </p:cBhvr>
-                                      <p:to>
-                                        <p:strVal val="visible"/>
-                                      </p:to>
-                                    </p:set>
-                                    <p:animEffect transition="in" filter="fade">
-                                      <p:cBhvr>
-                                        <p:cTn id="17" dur="500"/>
-                                        <p:tgtEl>
-                                          <p:spTgt spid="4">
-                                            <p:txEl>
                                               <p:pRg st="2" end="2"/>
                                             </p:txEl>
                                           </p:spTgt>
@@ -6928,14 +6052,14 @@
                                 </p:cTn>
                               </p:par>
                               <p:par>
-                                <p:cTn id="18" presetID="10" presetClass="entr" presetSubtype="0" fill="hold" grpId="0" nodeType="withEffect">
+                                <p:cTn id="8" presetID="10" presetClass="entr" presetSubtype="0" fill="hold" grpId="0" nodeType="withEffect">
                                   <p:stCondLst>
                                     <p:cond delay="0"/>
                                   </p:stCondLst>
                                   <p:childTnLst>
                                     <p:set>
                                       <p:cBhvr>
-                                        <p:cTn id="19" dur="1" fill="hold">
+                                        <p:cTn id="9" dur="1" fill="hold">
                                           <p:stCondLst>
                                             <p:cond delay="0"/>
                                           </p:stCondLst>
@@ -6957,7 +6081,7 @@
                                     </p:set>
                                     <p:animEffect transition="in" filter="fade">
                                       <p:cBhvr>
-                                        <p:cTn id="20" dur="500"/>
+                                        <p:cTn id="10" dur="500"/>
                                         <p:tgtEl>
                                           <p:spTgt spid="4">
                                             <p:txEl>
@@ -6970,8 +6094,130 @@
                                   </p:childTnLst>
                                 </p:cTn>
                               </p:par>
+                            </p:childTnLst>
+                          </p:cTn>
+                        </p:par>
+                      </p:childTnLst>
+                    </p:cTn>
+                  </p:par>
+                  <p:par>
+                    <p:cTn id="11" fill="hold">
+                      <p:stCondLst>
+                        <p:cond delay="indefinite"/>
+                      </p:stCondLst>
+                      <p:childTnLst>
+                        <p:par>
+                          <p:cTn id="12" fill="hold">
+                            <p:stCondLst>
+                              <p:cond delay="0"/>
+                            </p:stCondLst>
+                            <p:childTnLst>
                               <p:par>
-                                <p:cTn id="21" presetID="10" presetClass="entr" presetSubtype="0" fill="hold" grpId="0" nodeType="withEffect">
+                                <p:cTn id="13" presetID="10" presetClass="entr" presetSubtype="0" fill="hold" grpId="0" nodeType="clickEffect">
+                                  <p:stCondLst>
+                                    <p:cond delay="0"/>
+                                  </p:stCondLst>
+                                  <p:childTnLst>
+                                    <p:set>
+                                      <p:cBhvr>
+                                        <p:cTn id="14" dur="1" fill="hold">
+                                          <p:stCondLst>
+                                            <p:cond delay="0"/>
+                                          </p:stCondLst>
+                                        </p:cTn>
+                                        <p:tgtEl>
+                                          <p:spTgt spid="4">
+                                            <p:txEl>
+                                              <p:pRg st="5" end="5"/>
+                                            </p:txEl>
+                                          </p:spTgt>
+                                        </p:tgtEl>
+                                        <p:attrNameLst>
+                                          <p:attrName>style.visibility</p:attrName>
+                                        </p:attrNameLst>
+                                      </p:cBhvr>
+                                      <p:to>
+                                        <p:strVal val="visible"/>
+                                      </p:to>
+                                    </p:set>
+                                    <p:animEffect transition="in" filter="fade">
+                                      <p:cBhvr>
+                                        <p:cTn id="15" dur="500"/>
+                                        <p:tgtEl>
+                                          <p:spTgt spid="4">
+                                            <p:txEl>
+                                              <p:pRg st="5" end="5"/>
+                                            </p:txEl>
+                                          </p:spTgt>
+                                        </p:tgtEl>
+                                      </p:cBhvr>
+                                    </p:animEffect>
+                                  </p:childTnLst>
+                                </p:cTn>
+                              </p:par>
+                              <p:par>
+                                <p:cTn id="16" presetID="10" presetClass="entr" presetSubtype="0" fill="hold" grpId="0" nodeType="withEffect">
+                                  <p:stCondLst>
+                                    <p:cond delay="0"/>
+                                  </p:stCondLst>
+                                  <p:childTnLst>
+                                    <p:set>
+                                      <p:cBhvr>
+                                        <p:cTn id="17" dur="1" fill="hold">
+                                          <p:stCondLst>
+                                            <p:cond delay="0"/>
+                                          </p:stCondLst>
+                                        </p:cTn>
+                                        <p:tgtEl>
+                                          <p:spTgt spid="4">
+                                            <p:txEl>
+                                              <p:pRg st="6" end="6"/>
+                                            </p:txEl>
+                                          </p:spTgt>
+                                        </p:tgtEl>
+                                        <p:attrNameLst>
+                                          <p:attrName>style.visibility</p:attrName>
+                                        </p:attrNameLst>
+                                      </p:cBhvr>
+                                      <p:to>
+                                        <p:strVal val="visible"/>
+                                      </p:to>
+                                    </p:set>
+                                    <p:animEffect transition="in" filter="fade">
+                                      <p:cBhvr>
+                                        <p:cTn id="18" dur="500"/>
+                                        <p:tgtEl>
+                                          <p:spTgt spid="4">
+                                            <p:txEl>
+                                              <p:pRg st="6" end="6"/>
+                                            </p:txEl>
+                                          </p:spTgt>
+                                        </p:tgtEl>
+                                      </p:cBhvr>
+                                    </p:animEffect>
+                                  </p:childTnLst>
+                                </p:cTn>
+                              </p:par>
+                            </p:childTnLst>
+                          </p:cTn>
+                        </p:par>
+                      </p:childTnLst>
+                    </p:cTn>
+                  </p:par>
+                  <p:par>
+                    <p:cTn id="19" fill="hold">
+                      <p:stCondLst>
+                        <p:cond delay="indefinite"/>
+                      </p:stCondLst>
+                      <p:childTnLst>
+                        <p:par>
+                          <p:cTn id="20" fill="hold">
+                            <p:stCondLst>
+                              <p:cond delay="0"/>
+                            </p:stCondLst>
+                            <p:childTnLst>
+                              <p:par>
+                                <p:cTn id="21" presetID="10" presetClass="entr" presetSubtype="0" fill="hold" grpId="0" nodeType="clickEffect">
                                   <p:stCondLst>
                                     <p:cond delay="0"/>
                                   </p:stCondLst>
@@ -6984,7 +6230,11 @@
                                           </p:stCondLst>
                                         </p:cTn>
                                         <p:tgtEl>
-                                          <p:spTgt spid="19"/>
+                                          <p:spTgt spid="4">
+                                            <p:txEl>
+                                              <p:pRg st="8" end="8"/>
+                                            </p:txEl>
+                                          </p:spTgt>
                                         </p:tgtEl>
                                         <p:attrNameLst>
                                           <p:attrName>style.visibility</p:attrName>
@@ -6998,7 +6248,11 @@
                                       <p:cBhvr>
                                         <p:cTn id="23" dur="500"/>
                                         <p:tgtEl>
-                                          <p:spTgt spid="19"/>
+                                          <p:spTgt spid="4">
+                                            <p:txEl>
+                                              <p:pRg st="8" end="8"/>
+                                            </p:txEl>
+                                          </p:spTgt>
                                         </p:tgtEl>
                                       </p:cBhvr>
                                     </p:animEffect>
@@ -7024,7 +6278,7 @@
                             </p:stCondLst>
                             <p:childTnLst>
                               <p:par>
-                                <p:cTn id="26" presetID="10" presetClass="entr" presetSubtype="0" fill="hold" grpId="0" nodeType="clickEffect">
+                                <p:cTn id="26" presetID="10" presetClass="entr" presetSubtype="0" fill="hold" nodeType="clickEffect">
                                   <p:stCondLst>
                                     <p:cond delay="0"/>
                                   </p:stCondLst>
@@ -7037,11 +6291,7 @@
                                           </p:stCondLst>
                                         </p:cTn>
                                         <p:tgtEl>
-                                          <p:spTgt spid="4">
-                                            <p:txEl>
-                                              <p:pRg st="5" end="5"/>
-                                            </p:txEl>
-                                          </p:spTgt>
+                                          <p:spTgt spid="3"/>
                                         </p:tgtEl>
                                         <p:attrNameLst>
                                           <p:attrName>style.visibility</p:attrName>
@@ -7055,360 +6305,7 @@
                                       <p:cBhvr>
                                         <p:cTn id="28" dur="500"/>
                                         <p:tgtEl>
-                                          <p:spTgt spid="4">
-                                            <p:txEl>
-                                              <p:pRg st="5" end="5"/>
-                                            </p:txEl>
-                                          </p:spTgt>
-                                        </p:tgtEl>
-                                      </p:cBhvr>
-                                    </p:animEffect>
-                                  </p:childTnLst>
-                                </p:cTn>
-                              </p:par>
-                              <p:par>
-                                <p:cTn id="29" presetID="10" presetClass="entr" presetSubtype="0" fill="hold" grpId="0" nodeType="withEffect">
-                                  <p:stCondLst>
-                                    <p:cond delay="0"/>
-                                  </p:stCondLst>
-                                  <p:childTnLst>
-                                    <p:set>
-                                      <p:cBhvr>
-                                        <p:cTn id="30" dur="1" fill="hold">
-                                          <p:stCondLst>
-                                            <p:cond delay="0"/>
-                                          </p:stCondLst>
-                                        </p:cTn>
-                                        <p:tgtEl>
-                                          <p:spTgt spid="4">
-                                            <p:txEl>
-                                              <p:pRg st="6" end="6"/>
-                                            </p:txEl>
-                                          </p:spTgt>
-                                        </p:tgtEl>
-                                        <p:attrNameLst>
-                                          <p:attrName>style.visibility</p:attrName>
-                                        </p:attrNameLst>
-                                      </p:cBhvr>
-                                      <p:to>
-                                        <p:strVal val="visible"/>
-                                      </p:to>
-                                    </p:set>
-                                    <p:animEffect transition="in" filter="fade">
-                                      <p:cBhvr>
-                                        <p:cTn id="31" dur="500"/>
-                                        <p:tgtEl>
-                                          <p:spTgt spid="4">
-                                            <p:txEl>
-                                              <p:pRg st="6" end="6"/>
-                                            </p:txEl>
-                                          </p:spTgt>
-                                        </p:tgtEl>
-                                      </p:cBhvr>
-                                    </p:animEffect>
-                                  </p:childTnLst>
-                                </p:cTn>
-                              </p:par>
-                            </p:childTnLst>
-                          </p:cTn>
-                        </p:par>
-                      </p:childTnLst>
-                    </p:cTn>
-                  </p:par>
-                  <p:par>
-                    <p:cTn id="32" fill="hold">
-                      <p:stCondLst>
-                        <p:cond delay="indefinite"/>
-                      </p:stCondLst>
-                      <p:childTnLst>
-                        <p:par>
-                          <p:cTn id="33" fill="hold">
-                            <p:stCondLst>
-                              <p:cond delay="0"/>
-                            </p:stCondLst>
-                            <p:childTnLst>
-                              <p:par>
-                                <p:cTn id="34" presetID="10" presetClass="entr" presetSubtype="0" fill="hold" grpId="0" nodeType="clickEffect">
-                                  <p:stCondLst>
-                                    <p:cond delay="0"/>
-                                  </p:stCondLst>
-                                  <p:childTnLst>
-                                    <p:set>
-                                      <p:cBhvr>
-                                        <p:cTn id="35" dur="1" fill="hold">
-                                          <p:stCondLst>
-                                            <p:cond delay="0"/>
-                                          </p:stCondLst>
-                                        </p:cTn>
-                                        <p:tgtEl>
-                                          <p:spTgt spid="4">
-                                            <p:txEl>
-                                              <p:pRg st="8" end="8"/>
-                                            </p:txEl>
-                                          </p:spTgt>
-                                        </p:tgtEl>
-                                        <p:attrNameLst>
-                                          <p:attrName>style.visibility</p:attrName>
-                                        </p:attrNameLst>
-                                      </p:cBhvr>
-                                      <p:to>
-                                        <p:strVal val="visible"/>
-                                      </p:to>
-                                    </p:set>
-                                    <p:animEffect transition="in" filter="fade">
-                                      <p:cBhvr>
-                                        <p:cTn id="36" dur="500"/>
-                                        <p:tgtEl>
-                                          <p:spTgt spid="4">
-                                            <p:txEl>
-                                              <p:pRg st="8" end="8"/>
-                                            </p:txEl>
-                                          </p:spTgt>
-                                        </p:tgtEl>
-                                      </p:cBhvr>
-                                    </p:animEffect>
-                                  </p:childTnLst>
-                                </p:cTn>
-                              </p:par>
-                            </p:childTnLst>
-                          </p:cTn>
-                        </p:par>
-                      </p:childTnLst>
-                    </p:cTn>
-                  </p:par>
-                  <p:par>
-                    <p:cTn id="37" fill="hold">
-                      <p:stCondLst>
-                        <p:cond delay="indefinite"/>
-                      </p:stCondLst>
-                      <p:childTnLst>
-                        <p:par>
-                          <p:cTn id="38" fill="hold">
-                            <p:stCondLst>
-                              <p:cond delay="0"/>
-                            </p:stCondLst>
-                            <p:childTnLst>
-                              <p:par>
-                                <p:cTn id="39" presetID="10" presetClass="entr" presetSubtype="0" fill="hold" grpId="0" nodeType="clickEffect">
-                                  <p:stCondLst>
-                                    <p:cond delay="0"/>
-                                  </p:stCondLst>
-                                  <p:childTnLst>
-                                    <p:set>
-                                      <p:cBhvr>
-                                        <p:cTn id="40" dur="1" fill="hold">
-                                          <p:stCondLst>
-                                            <p:cond delay="0"/>
-                                          </p:stCondLst>
-                                        </p:cTn>
-                                        <p:tgtEl>
-                                          <p:spTgt spid="4">
-                                            <p:txEl>
-                                              <p:pRg st="9" end="9"/>
-                                            </p:txEl>
-                                          </p:spTgt>
-                                        </p:tgtEl>
-                                        <p:attrNameLst>
-                                          <p:attrName>style.visibility</p:attrName>
-                                        </p:attrNameLst>
-                                      </p:cBhvr>
-                                      <p:to>
-                                        <p:strVal val="visible"/>
-                                      </p:to>
-                                    </p:set>
-                                    <p:animEffect transition="in" filter="fade">
-                                      <p:cBhvr>
-                                        <p:cTn id="41" dur="500"/>
-                                        <p:tgtEl>
-                                          <p:spTgt spid="4">
-                                            <p:txEl>
-                                              <p:pRg st="9" end="9"/>
-                                            </p:txEl>
-                                          </p:spTgt>
-                                        </p:tgtEl>
-                                      </p:cBhvr>
-                                    </p:animEffect>
-                                  </p:childTnLst>
-                                </p:cTn>
-                              </p:par>
-                            </p:childTnLst>
-                          </p:cTn>
-                        </p:par>
-                      </p:childTnLst>
-                    </p:cTn>
-                  </p:par>
-                  <p:par>
-                    <p:cTn id="42" fill="hold">
-                      <p:stCondLst>
-                        <p:cond delay="indefinite"/>
-                      </p:stCondLst>
-                      <p:childTnLst>
-                        <p:par>
-                          <p:cTn id="43" fill="hold">
-                            <p:stCondLst>
-                              <p:cond delay="0"/>
-                            </p:stCondLst>
-                            <p:childTnLst>
-                              <p:par>
-                                <p:cTn id="44" presetID="10" presetClass="entr" presetSubtype="0" fill="hold" grpId="0" nodeType="clickEffect">
-                                  <p:stCondLst>
-                                    <p:cond delay="0"/>
-                                  </p:stCondLst>
-                                  <p:childTnLst>
-                                    <p:set>
-                                      <p:cBhvr>
-                                        <p:cTn id="45" dur="1" fill="hold">
-                                          <p:stCondLst>
-                                            <p:cond delay="0"/>
-                                          </p:stCondLst>
-                                        </p:cTn>
-                                        <p:tgtEl>
-                                          <p:spTgt spid="4">
-                                            <p:txEl>
-                                              <p:pRg st="10" end="10"/>
-                                            </p:txEl>
-                                          </p:spTgt>
-                                        </p:tgtEl>
-                                        <p:attrNameLst>
-                                          <p:attrName>style.visibility</p:attrName>
-                                        </p:attrNameLst>
-                                      </p:cBhvr>
-                                      <p:to>
-                                        <p:strVal val="visible"/>
-                                      </p:to>
-                                    </p:set>
-                                    <p:animEffect transition="in" filter="fade">
-                                      <p:cBhvr>
-                                        <p:cTn id="46" dur="500"/>
-                                        <p:tgtEl>
-                                          <p:spTgt spid="4">
-                                            <p:txEl>
-                                              <p:pRg st="10" end="10"/>
-                                            </p:txEl>
-                                          </p:spTgt>
-                                        </p:tgtEl>
-                                      </p:cBhvr>
-                                    </p:animEffect>
-                                  </p:childTnLst>
-                                </p:cTn>
-                              </p:par>
-                            </p:childTnLst>
-                          </p:cTn>
-                        </p:par>
-                      </p:childTnLst>
-                    </p:cTn>
-                  </p:par>
-                  <p:par>
-                    <p:cTn id="47" fill="hold">
-                      <p:stCondLst>
-                        <p:cond delay="indefinite"/>
-                      </p:stCondLst>
-                      <p:childTnLst>
-                        <p:par>
-                          <p:cTn id="48" fill="hold">
-                            <p:stCondLst>
-                              <p:cond delay="0"/>
-                            </p:stCondLst>
-                            <p:childTnLst>
-                              <p:par>
-                                <p:cTn id="49" presetID="10" presetClass="entr" presetSubtype="0" fill="hold" nodeType="clickEffect">
-                                  <p:stCondLst>
-                                    <p:cond delay="0"/>
-                                  </p:stCondLst>
-                                  <p:childTnLst>
-                                    <p:set>
-                                      <p:cBhvr>
-                                        <p:cTn id="50" dur="1" fill="hold">
-                                          <p:stCondLst>
-                                            <p:cond delay="0"/>
-                                          </p:stCondLst>
-                                        </p:cTn>
-                                        <p:tgtEl>
-                                          <p:spTgt spid="8"/>
-                                        </p:tgtEl>
-                                        <p:attrNameLst>
-                                          <p:attrName>style.visibility</p:attrName>
-                                        </p:attrNameLst>
-                                      </p:cBhvr>
-                                      <p:to>
-                                        <p:strVal val="visible"/>
-                                      </p:to>
-                                    </p:set>
-                                    <p:animEffect transition="in" filter="fade">
-                                      <p:cBhvr>
-                                        <p:cTn id="51" dur="500"/>
-                                        <p:tgtEl>
-                                          <p:spTgt spid="8"/>
-                                        </p:tgtEl>
-                                      </p:cBhvr>
-                                    </p:animEffect>
-                                  </p:childTnLst>
-                                </p:cTn>
-                              </p:par>
-                              <p:par>
-                                <p:cTn id="52" presetID="10" presetClass="entr" presetSubtype="0" fill="hold" grpId="0" nodeType="withEffect">
-                                  <p:stCondLst>
-                                    <p:cond delay="0"/>
-                                  </p:stCondLst>
-                                  <p:childTnLst>
-                                    <p:set>
-                                      <p:cBhvr>
-                                        <p:cTn id="53" dur="1" fill="hold">
-                                          <p:stCondLst>
-                                            <p:cond delay="0"/>
-                                          </p:stCondLst>
-                                        </p:cTn>
-                                        <p:tgtEl>
-                                          <p:spTgt spid="18"/>
-                                        </p:tgtEl>
-                                        <p:attrNameLst>
-                                          <p:attrName>style.visibility</p:attrName>
-                                        </p:attrNameLst>
-                                      </p:cBhvr>
-                                      <p:to>
-                                        <p:strVal val="visible"/>
-                                      </p:to>
-                                    </p:set>
-                                    <p:animEffect transition="in" filter="fade">
-                                      <p:cBhvr>
-                                        <p:cTn id="54" dur="500"/>
-                                        <p:tgtEl>
-                                          <p:spTgt spid="18"/>
-                                        </p:tgtEl>
-                                      </p:cBhvr>
-                                    </p:animEffect>
-                                  </p:childTnLst>
-                                </p:cTn>
-                              </p:par>
-                              <p:par>
-                                <p:cTn id="55" presetID="10" presetClass="entr" presetSubtype="0" fill="hold" grpId="0" nodeType="withEffect">
-                                  <p:stCondLst>
-                                    <p:cond delay="0"/>
-                                  </p:stCondLst>
-                                  <p:childTnLst>
-                                    <p:set>
-                                      <p:cBhvr>
-                                        <p:cTn id="56" dur="1" fill="hold">
-                                          <p:stCondLst>
-                                            <p:cond delay="0"/>
-                                          </p:stCondLst>
-                                        </p:cTn>
-                                        <p:tgtEl>
-                                          <p:spTgt spid="15"/>
-                                        </p:tgtEl>
-                                        <p:attrNameLst>
-                                          <p:attrName>style.visibility</p:attrName>
-                                        </p:attrNameLst>
-                                      </p:cBhvr>
-                                      <p:to>
-                                        <p:strVal val="visible"/>
-                                      </p:to>
-                                    </p:set>
-                                    <p:animEffect transition="in" filter="fade">
-                                      <p:cBhvr>
-                                        <p:cTn id="57" dur="500"/>
-                                        <p:tgtEl>
-                                          <p:spTgt spid="15"/>
+                                          <p:spTgt spid="3"/>
                                         </p:tgtEl>
                                       </p:cBhvr>
                                     </p:animEffect>
@@ -7444,9 +6341,6 @@
     </p:tnLst>
     <p:bldLst>
       <p:bldP spid="4" grpId="0" uiExpand="1" build="p"/>
-      <p:bldP spid="15" grpId="0"/>
-      <p:bldP spid="18" grpId="0"/>
-      <p:bldP spid="19" grpId="0"/>
     </p:bldLst>
   </p:timing>
 </p:sld>
@@ -7499,7 +6393,7 @@
         </p:spPr>
         <p:txBody>
           <a:bodyPr anchor="ctr">
-            <a:normAutofit fontScale="90000"/>
+            <a:normAutofit/>
           </a:bodyPr>
           <a:lstStyle/>
           <a:p>
@@ -7514,7 +6408,7 @@
                 <a:latin typeface="Segoe UI Bold" panose="020B0802040204020203" pitchFamily="34" charset="0"/>
                 <a:cs typeface="Segoe UI Bold" panose="020B0802040204020203" pitchFamily="34" charset="0"/>
               </a:rPr>
-              <a:t>Abnahme</a:t>
+              <a:t>Aktueller</a:t>
             </a:r>
             <a:r>
               <a:rPr lang="en-US" sz="3600" dirty="0">
@@ -7527,43 +6421,7 @@
                 <a:latin typeface="Segoe UI Bold" panose="020B0802040204020203" pitchFamily="34" charset="0"/>
                 <a:cs typeface="Segoe UI Bold" panose="020B0802040204020203" pitchFamily="34" charset="0"/>
               </a:rPr>
-              <a:t>- und </a:t>
-            </a:r>
-            <a:r>
-              <a:rPr lang="en-US" sz="3600" dirty="0" err="1" smtClean="0">
-                <a:solidFill>
-                  <a:schemeClr val="tx1">
-                    <a:lumMod val="85000"/>
-                    <a:lumOff val="15000"/>
-                  </a:schemeClr>
-                </a:solidFill>
-                <a:latin typeface="Segoe UI Bold" panose="020B0802040204020203" pitchFamily="34" charset="0"/>
-                <a:cs typeface="Segoe UI Bold" panose="020B0802040204020203" pitchFamily="34" charset="0"/>
-              </a:rPr>
-              <a:t>Einführungsphase</a:t>
-            </a:r>
-            <a:r>
-              <a:rPr lang="en-US" sz="3600" dirty="0" smtClean="0">
-                <a:solidFill>
-                  <a:schemeClr val="tx1">
-                    <a:lumMod val="85000"/>
-                    <a:lumOff val="15000"/>
-                  </a:schemeClr>
-                </a:solidFill>
-                <a:latin typeface="Segoe UI Bold" panose="020B0802040204020203" pitchFamily="34" charset="0"/>
-                <a:cs typeface="Segoe UI Bold" panose="020B0802040204020203" pitchFamily="34" charset="0"/>
-              </a:rPr>
-              <a:t> </a:t>
-            </a:r>
-            <a:r>
-              <a:rPr lang="en-US" sz="3600" dirty="0" smtClean="0">
-                <a:solidFill>
-                  <a:srgbClr val="FF0000"/>
-                </a:solidFill>
-                <a:latin typeface="Segoe UI Bold" panose="020B0802040204020203" pitchFamily="34" charset="0"/>
-                <a:cs typeface="Segoe UI Bold" panose="020B0802040204020203" pitchFamily="34" charset="0"/>
-              </a:rPr>
-              <a:t>(NEUER NAME)</a:t>
+              <a:t> Stand</a:t>
             </a:r>
             <a:endParaRPr lang="en-DE" sz="3600" dirty="0">
               <a:solidFill>
@@ -8103,7 +6961,7 @@
               <a:t> </a:t>
             </a:r>
             <a:r>
-              <a:rPr lang="en-US" sz="2000" dirty="0" err="1" smtClean="0">
+              <a:rPr lang="en-US" sz="2000" dirty="0" err="1">
                 <a:solidFill>
                   <a:schemeClr val="tx1">
                     <a:lumMod val="85000"/>
@@ -8115,22 +6973,6 @@
               </a:rPr>
               <a:t>Freigabe</a:t>
             </a:r>
-            <a:endParaRPr lang="en-US" sz="2000" dirty="0" smtClean="0">
-              <a:solidFill>
-                <a:schemeClr val="tx1">
-                  <a:lumMod val="85000"/>
-                  <a:lumOff val="15000"/>
-                </a:schemeClr>
-              </a:solidFill>
-              <a:latin typeface="Arial" panose="020B0604020202020204" pitchFamily="34" charset="0"/>
-              <a:cs typeface="Arial" panose="020B0604020202020204" pitchFamily="34" charset="0"/>
-            </a:endParaRPr>
-          </a:p>
-          <a:p>
-            <a:pPr>
-              <a:buFont typeface="Webdings" panose="05030102010509060703" pitchFamily="18" charset="2"/>
-              <a:buChar char=""/>
-            </a:pPr>
             <a:endParaRPr lang="en-US" sz="2000" dirty="0">
               <a:solidFill>
                 <a:schemeClr val="tx1">
@@ -8147,23 +6989,40 @@
               <a:buFont typeface="Webdings" panose="05030102010509060703" pitchFamily="18" charset="2"/>
               <a:buChar char=""/>
             </a:pPr>
-            <a:r>
-              <a:rPr lang="en-US" sz="2000" dirty="0" err="1" smtClean="0">
+            <a:endParaRPr lang="en-US" sz="2000" dirty="0">
+              <a:latin typeface="Arial" panose="020B0604020202020204" pitchFamily="34" charset="0"/>
+              <a:cs typeface="Arial" panose="020B0604020202020204" pitchFamily="34" charset="0"/>
+            </a:endParaRPr>
+          </a:p>
+          <a:p>
+            <a:pPr>
+              <a:buFont typeface="Webdings" panose="05030102010509060703" pitchFamily="18" charset="2"/>
+              <a:buChar char=""/>
+            </a:pPr>
+            <a:r>
+              <a:rPr lang="en-US" sz="2000" dirty="0">
+                <a:latin typeface="Arial" panose="020B0604020202020204" pitchFamily="34" charset="0"/>
+                <a:cs typeface="Arial" panose="020B0604020202020204" pitchFamily="34" charset="0"/>
+              </a:rPr>
+              <a:t> </a:t>
+            </a:r>
+            <a:r>
+              <a:rPr lang="en-US" sz="2000" dirty="0" err="1">
+                <a:latin typeface="Arial" panose="020B0604020202020204" pitchFamily="34" charset="0"/>
+                <a:cs typeface="Arial" panose="020B0604020202020204" pitchFamily="34" charset="0"/>
+              </a:rPr>
+              <a:t>Erweitbarkeiten</a:t>
+            </a:r>
+            <a:r>
+              <a:rPr lang="en-US" sz="2000" dirty="0">
                 <a:solidFill>
                   <a:srgbClr val="FF0000"/>
                 </a:solidFill>
                 <a:latin typeface="Arial" panose="020B0604020202020204" pitchFamily="34" charset="0"/>
                 <a:cs typeface="Arial" panose="020B0604020202020204" pitchFamily="34" charset="0"/>
               </a:rPr>
-              <a:t>erweitbarkeit</a:t>
-            </a:r>
-            <a:endParaRPr lang="en-US" sz="2000" dirty="0">
-              <a:solidFill>
-                <a:srgbClr val="FF0000"/>
-              </a:solidFill>
-              <a:latin typeface="Arial" panose="020B0604020202020204" pitchFamily="34" charset="0"/>
-              <a:cs typeface="Arial" panose="020B0604020202020204" pitchFamily="34" charset="0"/>
-            </a:endParaRPr>
+              <a:t> // TEXT FÜR MÖGLICHE ERWEITERUNGEN MIT 1 BEISPIEL</a:t>
+            </a:r>
           </a:p>
         </p:txBody>
       </p:sp>
@@ -8185,7 +7044,7 @@
           <a:blip r:embed="rId3">
             <a:extLst>
               <a:ext uri="{96DAC541-7B7A-43D3-8B79-37D633B846F1}">
-                <asvg:svgBlip xmlns:asvg="http://schemas.microsoft.com/office/drawing/2016/SVG/main" xmlns="" r:embed="rId4"/>
+                <asvg:svgBlip xmlns:asvg="http://schemas.microsoft.com/office/drawing/2016/SVG/main" r:embed="rId4"/>
               </a:ext>
             </a:extLst>
           </a:blip>
@@ -8221,7 +7080,7 @@
           <a:blip r:embed="rId3">
             <a:extLst>
               <a:ext uri="{96DAC541-7B7A-43D3-8B79-37D633B846F1}">
-                <asvg:svgBlip xmlns:asvg="http://schemas.microsoft.com/office/drawing/2016/SVG/main" xmlns="" r:embed="rId4"/>
+                <asvg:svgBlip xmlns:asvg="http://schemas.microsoft.com/office/drawing/2016/SVG/main" r:embed="rId4"/>
               </a:ext>
             </a:extLst>
           </a:blip>
@@ -8257,7 +7116,7 @@
           <a:blip r:embed="rId5">
             <a:extLst>
               <a:ext uri="{96DAC541-7B7A-43D3-8B79-37D633B846F1}">
-                <asvg:svgBlip xmlns:asvg="http://schemas.microsoft.com/office/drawing/2016/SVG/main" xmlns="" r:embed="rId6"/>
+                <asvg:svgBlip xmlns:asvg="http://schemas.microsoft.com/office/drawing/2016/SVG/main" r:embed="rId6"/>
               </a:ext>
             </a:extLst>
           </a:blip>
@@ -8293,7 +7152,7 @@
           <a:blip r:embed="rId5">
             <a:extLst>
               <a:ext uri="{96DAC541-7B7A-43D3-8B79-37D633B846F1}">
-                <asvg:svgBlip xmlns:asvg="http://schemas.microsoft.com/office/drawing/2016/SVG/main" xmlns="" r:embed="rId6"/>
+                <asvg:svgBlip xmlns:asvg="http://schemas.microsoft.com/office/drawing/2016/SVG/main" r:embed="rId6"/>
               </a:ext>
             </a:extLst>
           </a:blip>
@@ -8304,6 +7163,42 @@
         <p:spPr>
           <a:xfrm>
             <a:off x="1081029" y="4226977"/>
+            <a:ext cx="228600" cy="228600"/>
+          </a:xfrm>
+          <a:prstGeom prst="rect">
+            <a:avLst/>
+          </a:prstGeom>
+        </p:spPr>
+      </p:pic>
+      <p:pic>
+        <p:nvPicPr>
+          <p:cNvPr id="4" name="Grafik 3" descr="Pfeil Kreis mit einfarbiger Füllung">
+            <a:extLst>
+              <a:ext uri="{FF2B5EF4-FFF2-40B4-BE49-F238E27FC236}">
+                <a16:creationId xmlns:a16="http://schemas.microsoft.com/office/drawing/2014/main" id="{8BB99E22-5AC3-2D9F-91D9-1A22BAD8917A}"/>
+              </a:ext>
+            </a:extLst>
+          </p:cNvPr>
+          <p:cNvPicPr>
+            <a:picLocks noChangeAspect="1"/>
+          </p:cNvPicPr>
+          <p:nvPr/>
+        </p:nvPicPr>
+        <p:blipFill>
+          <a:blip r:embed="rId5">
+            <a:extLst>
+              <a:ext uri="{96DAC541-7B7A-43D3-8B79-37D633B846F1}">
+                <asvg:svgBlip xmlns:asvg="http://schemas.microsoft.com/office/drawing/2016/SVG/main" r:embed="rId6"/>
+              </a:ext>
+            </a:extLst>
+          </a:blip>
+          <a:stretch>
+            <a:fillRect/>
+          </a:stretch>
+        </p:blipFill>
+        <p:spPr>
+          <a:xfrm>
+            <a:off x="1081029" y="5035100"/>
             <a:ext cx="228600" cy="228600"/>
           </a:xfrm>
           <a:prstGeom prst="rect">
@@ -8384,6 +7279,41 @@
                                   </p:childTnLst>
                                 </p:cTn>
                               </p:par>
+                              <p:par>
+                                <p:cTn id="8" presetID="10" presetClass="entr" presetSubtype="0" fill="hold" nodeType="withEffect">
+                                  <p:stCondLst>
+                                    <p:cond delay="0"/>
+                                  </p:stCondLst>
+                                  <p:childTnLst>
+                                    <p:set>
+                                      <p:cBhvr>
+                                        <p:cTn id="9" dur="1" fill="hold">
+                                          <p:stCondLst>
+                                            <p:cond delay="0"/>
+                                          </p:stCondLst>
+                                        </p:cTn>
+                                        <p:tgtEl>
+                                          <p:spTgt spid="12"/>
+                                        </p:tgtEl>
+                                        <p:attrNameLst>
+                                          <p:attrName>style.visibility</p:attrName>
+                                        </p:attrNameLst>
+                                      </p:cBhvr>
+                                      <p:to>
+                                        <p:strVal val="visible"/>
+                                      </p:to>
+                                    </p:set>
+                                    <p:animEffect transition="in" filter="fade">
+                                      <p:cBhvr>
+                                        <p:cTn id="10" dur="500"/>
+                                        <p:tgtEl>
+                                          <p:spTgt spid="12"/>
+                                        </p:tgtEl>
+                                      </p:cBhvr>
+                                    </p:animEffect>
+                                  </p:childTnLst>
+                                </p:cTn>
+                              </p:par>
                             </p:childTnLst>
                           </p:cTn>
                         </p:par>
@@ -8391,26 +7321,26 @@
                     </p:cTn>
                   </p:par>
                   <p:par>
-                    <p:cTn id="8" fill="hold">
+                    <p:cTn id="11" fill="hold">
                       <p:stCondLst>
                         <p:cond delay="indefinite"/>
                       </p:stCondLst>
                       <p:childTnLst>
                         <p:par>
-                          <p:cTn id="9" fill="hold">
+                          <p:cTn id="12" fill="hold">
                             <p:stCondLst>
                               <p:cond delay="0"/>
                             </p:stCondLst>
                             <p:childTnLst>
                               <p:par>
-                                <p:cTn id="10" presetID="10" presetClass="entr" presetSubtype="0" fill="hold" nodeType="clickEffect">
+                                <p:cTn id="13" presetID="10" presetClass="entr" presetSubtype="0" fill="hold" nodeType="clickEffect">
                                   <p:stCondLst>
                                     <p:cond delay="0"/>
                                   </p:stCondLst>
                                   <p:childTnLst>
                                     <p:set>
                                       <p:cBhvr>
-                                        <p:cTn id="11" dur="1" fill="hold">
+                                        <p:cTn id="14" dur="1" fill="hold">
                                           <p:stCondLst>
                                             <p:cond delay="0"/>
                                           </p:stCondLst>
@@ -8432,13 +7362,48 @@
                                     </p:set>
                                     <p:animEffect transition="in" filter="fade">
                                       <p:cBhvr>
-                                        <p:cTn id="12" dur="500"/>
+                                        <p:cTn id="15" dur="500"/>
                                         <p:tgtEl>
                                           <p:spTgt spid="14">
                                             <p:txEl>
                                               <p:pRg st="2" end="2"/>
                                             </p:txEl>
                                           </p:spTgt>
+                                        </p:tgtEl>
+                                      </p:cBhvr>
+                                    </p:animEffect>
+                                  </p:childTnLst>
+                                </p:cTn>
+                              </p:par>
+                              <p:par>
+                                <p:cTn id="16" presetID="10" presetClass="entr" presetSubtype="0" fill="hold" nodeType="withEffect">
+                                  <p:stCondLst>
+                                    <p:cond delay="0"/>
+                                  </p:stCondLst>
+                                  <p:childTnLst>
+                                    <p:set>
+                                      <p:cBhvr>
+                                        <p:cTn id="17" dur="1" fill="hold">
+                                          <p:stCondLst>
+                                            <p:cond delay="0"/>
+                                          </p:stCondLst>
+                                        </p:cTn>
+                                        <p:tgtEl>
+                                          <p:spTgt spid="13"/>
+                                        </p:tgtEl>
+                                        <p:attrNameLst>
+                                          <p:attrName>style.visibility</p:attrName>
+                                        </p:attrNameLst>
+                                      </p:cBhvr>
+                                      <p:to>
+                                        <p:strVal val="visible"/>
+                                      </p:to>
+                                    </p:set>
+                                    <p:animEffect transition="in" filter="fade">
+                                      <p:cBhvr>
+                                        <p:cTn id="18" dur="500"/>
+                                        <p:tgtEl>
+                                          <p:spTgt spid="13"/>
                                         </p:tgtEl>
                                       </p:cBhvr>
                                     </p:animEffect>
@@ -8452,26 +7417,26 @@
                     </p:cTn>
                   </p:par>
                   <p:par>
-                    <p:cTn id="13" fill="hold">
+                    <p:cTn id="19" fill="hold">
                       <p:stCondLst>
                         <p:cond delay="indefinite"/>
                       </p:stCondLst>
                       <p:childTnLst>
                         <p:par>
-                          <p:cTn id="14" fill="hold">
+                          <p:cTn id="20" fill="hold">
                             <p:stCondLst>
                               <p:cond delay="0"/>
                             </p:stCondLst>
                             <p:childTnLst>
                               <p:par>
-                                <p:cTn id="15" presetID="10" presetClass="entr" presetSubtype="0" fill="hold" nodeType="clickEffect">
+                                <p:cTn id="21" presetID="10" presetClass="entr" presetSubtype="0" fill="hold" nodeType="clickEffect">
                                   <p:stCondLst>
                                     <p:cond delay="0"/>
                                   </p:stCondLst>
                                   <p:childTnLst>
                                     <p:set>
                                       <p:cBhvr>
-                                        <p:cTn id="16" dur="1" fill="hold">
+                                        <p:cTn id="22" dur="1" fill="hold">
                                           <p:stCondLst>
                                             <p:cond delay="0"/>
                                           </p:stCondLst>
@@ -8493,13 +7458,48 @@
                                     </p:set>
                                     <p:animEffect transition="in" filter="fade">
                                       <p:cBhvr>
-                                        <p:cTn id="17" dur="500"/>
+                                        <p:cTn id="23" dur="500"/>
                                         <p:tgtEl>
                                           <p:spTgt spid="14">
                                             <p:txEl>
                                               <p:pRg st="4" end="4"/>
                                             </p:txEl>
                                           </p:spTgt>
+                                        </p:tgtEl>
+                                      </p:cBhvr>
+                                    </p:animEffect>
+                                  </p:childTnLst>
+                                </p:cTn>
+                              </p:par>
+                              <p:par>
+                                <p:cTn id="24" presetID="10" presetClass="entr" presetSubtype="0" fill="hold" nodeType="withEffect">
+                                  <p:stCondLst>
+                                    <p:cond delay="0"/>
+                                  </p:stCondLst>
+                                  <p:childTnLst>
+                                    <p:set>
+                                      <p:cBhvr>
+                                        <p:cTn id="25" dur="1" fill="hold">
+                                          <p:stCondLst>
+                                            <p:cond delay="0"/>
+                                          </p:stCondLst>
+                                        </p:cTn>
+                                        <p:tgtEl>
+                                          <p:spTgt spid="17"/>
+                                        </p:tgtEl>
+                                        <p:attrNameLst>
+                                          <p:attrName>style.visibility</p:attrName>
+                                        </p:attrNameLst>
+                                      </p:cBhvr>
+                                      <p:to>
+                                        <p:strVal val="visible"/>
+                                      </p:to>
+                                    </p:set>
+                                    <p:animEffect transition="in" filter="fade">
+                                      <p:cBhvr>
+                                        <p:cTn id="26" dur="500"/>
+                                        <p:tgtEl>
+                                          <p:spTgt spid="17"/>
                                         </p:tgtEl>
                                       </p:cBhvr>
                                     </p:animEffect>
@@ -8513,26 +7513,26 @@
                     </p:cTn>
                   </p:par>
                   <p:par>
-                    <p:cTn id="18" fill="hold">
+                    <p:cTn id="27" fill="hold">
                       <p:stCondLst>
                         <p:cond delay="indefinite"/>
                       </p:stCondLst>
                       <p:childTnLst>
                         <p:par>
-                          <p:cTn id="19" fill="hold">
+                          <p:cTn id="28" fill="hold">
                             <p:stCondLst>
                               <p:cond delay="0"/>
                             </p:stCondLst>
                             <p:childTnLst>
                               <p:par>
-                                <p:cTn id="20" presetID="10" presetClass="entr" presetSubtype="0" fill="hold" nodeType="clickEffect">
+                                <p:cTn id="29" presetID="10" presetClass="entr" presetSubtype="0" fill="hold" nodeType="clickEffect">
                                   <p:stCondLst>
                                     <p:cond delay="0"/>
                                   </p:stCondLst>
                                   <p:childTnLst>
                                     <p:set>
                                       <p:cBhvr>
-                                        <p:cTn id="21" dur="1" fill="hold">
+                                        <p:cTn id="30" dur="1" fill="hold">
                                           <p:stCondLst>
                                             <p:cond delay="0"/>
                                           </p:stCondLst>
@@ -8554,13 +7554,48 @@
                                     </p:set>
                                     <p:animEffect transition="in" filter="fade">
                                       <p:cBhvr>
-                                        <p:cTn id="22" dur="500"/>
+                                        <p:cTn id="31" dur="500"/>
                                         <p:tgtEl>
                                           <p:spTgt spid="14">
                                             <p:txEl>
                                               <p:pRg st="6" end="6"/>
                                             </p:txEl>
                                           </p:spTgt>
+                                        </p:tgtEl>
+                                      </p:cBhvr>
+                                    </p:animEffect>
+                                  </p:childTnLst>
+                                </p:cTn>
+                              </p:par>
+                              <p:par>
+                                <p:cTn id="32" presetID="10" presetClass="entr" presetSubtype="0" fill="hold" nodeType="withEffect">
+                                  <p:stCondLst>
+                                    <p:cond delay="0"/>
+                                  </p:stCondLst>
+                                  <p:childTnLst>
+                                    <p:set>
+                                      <p:cBhvr>
+                                        <p:cTn id="33" dur="1" fill="hold">
+                                          <p:stCondLst>
+                                            <p:cond delay="0"/>
+                                          </p:stCondLst>
+                                        </p:cTn>
+                                        <p:tgtEl>
+                                          <p:spTgt spid="22"/>
+                                        </p:tgtEl>
+                                        <p:attrNameLst>
+                                          <p:attrName>style.visibility</p:attrName>
+                                        </p:attrNameLst>
+                                      </p:cBhvr>
+                                      <p:to>
+                                        <p:strVal val="visible"/>
+                                      </p:to>
+                                    </p:set>
+                                    <p:animEffect transition="in" filter="fade">
+                                      <p:cBhvr>
+                                        <p:cTn id="34" dur="500"/>
+                                        <p:tgtEl>
+                                          <p:spTgt spid="22"/>
                                         </p:tgtEl>
                                       </p:cBhvr>
                                     </p:animEffect>
@@ -8574,26 +7609,26 @@
                     </p:cTn>
                   </p:par>
                   <p:par>
-                    <p:cTn id="23" fill="hold">
+                    <p:cTn id="35" fill="hold">
                       <p:stCondLst>
                         <p:cond delay="indefinite"/>
                       </p:stCondLst>
                       <p:childTnLst>
                         <p:par>
-                          <p:cTn id="24" fill="hold">
+                          <p:cTn id="36" fill="hold">
                             <p:stCondLst>
                               <p:cond delay="0"/>
                             </p:stCondLst>
                             <p:childTnLst>
                               <p:par>
-                                <p:cTn id="25" presetID="10" presetClass="entr" presetSubtype="0" fill="hold" nodeType="clickEffect">
+                                <p:cTn id="37" presetID="10" presetClass="entr" presetSubtype="0" fill="hold" nodeType="clickEffect">
                                   <p:stCondLst>
                                     <p:cond delay="0"/>
                                   </p:stCondLst>
                                   <p:childTnLst>
                                     <p:set>
                                       <p:cBhvr>
-                                        <p:cTn id="26" dur="1" fill="hold">
+                                        <p:cTn id="38" dur="1" fill="hold">
                                           <p:stCondLst>
                                             <p:cond delay="0"/>
                                           </p:stCondLst>
@@ -8615,13 +7650,48 @@
                                     </p:set>
                                     <p:animEffect transition="in" filter="fade">
                                       <p:cBhvr>
-                                        <p:cTn id="27" dur="500"/>
+                                        <p:cTn id="39" dur="500"/>
                                         <p:tgtEl>
                                           <p:spTgt spid="14">
                                             <p:txEl>
                                               <p:pRg st="8" end="8"/>
                                             </p:txEl>
                                           </p:spTgt>
+                                        </p:tgtEl>
+                                      </p:cBhvr>
+                                    </p:animEffect>
+                                  </p:childTnLst>
+                                </p:cTn>
+                              </p:par>
+                              <p:par>
+                                <p:cTn id="40" presetID="10" presetClass="entr" presetSubtype="0" fill="hold" nodeType="withEffect">
+                                  <p:stCondLst>
+                                    <p:cond delay="0"/>
+                                  </p:stCondLst>
+                                  <p:childTnLst>
+                                    <p:set>
+                                      <p:cBhvr>
+                                        <p:cTn id="41" dur="1" fill="hold">
+                                          <p:stCondLst>
+                                            <p:cond delay="0"/>
+                                          </p:stCondLst>
+                                        </p:cTn>
+                                        <p:tgtEl>
+                                          <p:spTgt spid="4"/>
+                                        </p:tgtEl>
+                                        <p:attrNameLst>
+                                          <p:attrName>style.visibility</p:attrName>
+                                        </p:attrNameLst>
+                                      </p:cBhvr>
+                                      <p:to>
+                                        <p:strVal val="visible"/>
+                                      </p:to>
+                                    </p:set>
+                                    <p:animEffect transition="in" filter="fade">
+                                      <p:cBhvr>
+                                        <p:cTn id="42" dur="500"/>
+                                        <p:tgtEl>
+                                          <p:spTgt spid="4"/>
                                         </p:tgtEl>
                                       </p:cBhvr>
                                     </p:animEffect>
@@ -8667,7 +7737,7 @@
         <p:cNvPr id="1" name="">
           <a:extLst>
             <a:ext uri="{FF2B5EF4-FFF2-40B4-BE49-F238E27FC236}">
-              <a16:creationId xmlns:a16="http://schemas.microsoft.com/office/drawing/2014/main" id="{2E8F13A6-B6A9-3310-B759-294518284B11}"/>
+              <a16:creationId xmlns:a16="http://schemas.microsoft.com/office/drawing/2014/main" id="{27367054-D642-A060-B1D2-12EE5D4F748E}"/>
             </a:ext>
           </a:extLst>
         </p:cNvPr>
@@ -8687,7 +7757,7 @@
           <p:cNvPr id="2" name="Titel 1">
             <a:extLst>
               <a:ext uri="{FF2B5EF4-FFF2-40B4-BE49-F238E27FC236}">
-                <a16:creationId xmlns:a16="http://schemas.microsoft.com/office/drawing/2014/main" id="{630206A7-278C-8C70-E2E3-72CCB6163E52}"/>
+                <a16:creationId xmlns:a16="http://schemas.microsoft.com/office/drawing/2014/main" id="{D7AD632D-DA52-83E3-C673-7599D8289329}"/>
               </a:ext>
             </a:extLst>
           </p:cNvPr>
@@ -8721,20 +7791,7 @@
                 <a:latin typeface="Segoe UI Bold" panose="020B0802040204020203" pitchFamily="34" charset="0"/>
                 <a:cs typeface="Segoe UI Bold" panose="020B0802040204020203" pitchFamily="34" charset="0"/>
               </a:rPr>
-              <a:t>Erweiterbarkeit</a:t>
-            </a:r>
-            <a:r>
-              <a:rPr lang="en-US" sz="3600" dirty="0">
-                <a:solidFill>
-                  <a:schemeClr val="tx1">
-                    <a:lumMod val="85000"/>
-                    <a:lumOff val="15000"/>
-                  </a:schemeClr>
-                </a:solidFill>
-                <a:latin typeface="Segoe UI Bold" panose="020B0802040204020203" pitchFamily="34" charset="0"/>
-                <a:cs typeface="Segoe UI Bold" panose="020B0802040204020203" pitchFamily="34" charset="0"/>
-              </a:rPr>
-              <a:t> &amp; Zukunft</a:t>
+              <a:t>Fazit</a:t>
             </a:r>
             <a:endParaRPr lang="en-DE" sz="3600" dirty="0">
               <a:solidFill>
@@ -8755,7 +7812,7 @@
           <p:cNvPr id="3" name="Inhaltsplatzhalter 2">
             <a:extLst>
               <a:ext uri="{FF2B5EF4-FFF2-40B4-BE49-F238E27FC236}">
-                <a16:creationId xmlns:a16="http://schemas.microsoft.com/office/drawing/2014/main" id="{E3142159-30EB-3144-F4B9-8C77654A14B1}"/>
+                <a16:creationId xmlns:a16="http://schemas.microsoft.com/office/drawing/2014/main" id="{2208BF97-C181-47B6-A4F6-11908BAA0B01}"/>
               </a:ext>
             </a:extLst>
           </p:cNvPr>
@@ -8781,7 +7838,51 @@
             <a:pPr marL="0" indent="0">
               <a:buNone/>
             </a:pPr>
+            <a:r>
+              <a:rPr lang="en-US" sz="2000" dirty="0" err="1">
+                <a:latin typeface="Arial" panose="020B0604020202020204" pitchFamily="34" charset="0"/>
+                <a:cs typeface="Arial" panose="020B0604020202020204" pitchFamily="34" charset="0"/>
+              </a:rPr>
+              <a:t>Exportfunktion</a:t>
+            </a:r>
+            <a:r>
+              <a:rPr lang="en-US" sz="2000" dirty="0">
+                <a:latin typeface="Arial" panose="020B0604020202020204" pitchFamily="34" charset="0"/>
+                <a:cs typeface="Arial" panose="020B0604020202020204" pitchFamily="34" charset="0"/>
+              </a:rPr>
+              <a:t> </a:t>
+            </a:r>
+            <a:r>
+              <a:rPr lang="en-US" sz="2000" dirty="0" err="1">
+                <a:latin typeface="Arial" panose="020B0604020202020204" pitchFamily="34" charset="0"/>
+                <a:cs typeface="Arial" panose="020B0604020202020204" pitchFamily="34" charset="0"/>
+              </a:rPr>
+              <a:t>erfolgreich</a:t>
+            </a:r>
+            <a:r>
+              <a:rPr lang="en-US" sz="2000" dirty="0">
+                <a:latin typeface="Arial" panose="020B0604020202020204" pitchFamily="34" charset="0"/>
+                <a:cs typeface="Arial" panose="020B0604020202020204" pitchFamily="34" charset="0"/>
+              </a:rPr>
+              <a:t> </a:t>
+            </a:r>
+            <a:r>
+              <a:rPr lang="en-US" sz="2000" dirty="0" err="1">
+                <a:latin typeface="Arial" panose="020B0604020202020204" pitchFamily="34" charset="0"/>
+                <a:cs typeface="Arial" panose="020B0604020202020204" pitchFamily="34" charset="0"/>
+              </a:rPr>
+              <a:t>umgesetzt</a:t>
+            </a:r>
             <a:endParaRPr lang="en-US" sz="2000" dirty="0">
+              <a:latin typeface="Arial" panose="020B0604020202020204" pitchFamily="34" charset="0"/>
+              <a:cs typeface="Arial" panose="020B0604020202020204" pitchFamily="34" charset="0"/>
+            </a:endParaRPr>
+          </a:p>
+          <a:p>
+            <a:pPr marL="0" indent="0">
+              <a:buNone/>
+            </a:pPr>
+            <a:endParaRPr lang="de-DE" sz="2000" dirty="0">
               <a:solidFill>
                 <a:schemeClr val="tx1">
                   <a:lumMod val="85000"/>
@@ -8797,7 +7898,7 @@
               <a:buNone/>
             </a:pPr>
             <a:r>
-              <a:rPr lang="en-US" sz="2000" b="1" dirty="0" err="1">
+              <a:rPr lang="de-DE" sz="2000" dirty="0">
                 <a:solidFill>
                   <a:schemeClr val="tx1">
                     <a:lumMod val="85000"/>
@@ -8807,10 +7908,30 @@
                 <a:latin typeface="Arial" panose="020B0604020202020204" pitchFamily="34" charset="0"/>
                 <a:cs typeface="Arial" panose="020B0604020202020204" pitchFamily="34" charset="0"/>
               </a:rPr>
-              <a:t>Beispiel</a:t>
-            </a:r>
-            <a:r>
-              <a:rPr lang="en-US" sz="2000" dirty="0">
+              <a:t>Deutliche Zeitersparnis </a:t>
+            </a:r>
+          </a:p>
+          <a:p>
+            <a:pPr marL="0" indent="0">
+              <a:buNone/>
+            </a:pPr>
+            <a:endParaRPr lang="de-DE" sz="2000" dirty="0">
+              <a:solidFill>
+                <a:schemeClr val="tx1">
+                  <a:lumMod val="85000"/>
+                  <a:lumOff val="15000"/>
+                </a:schemeClr>
+              </a:solidFill>
+              <a:latin typeface="Arial" panose="020B0604020202020204" pitchFamily="34" charset="0"/>
+              <a:cs typeface="Arial" panose="020B0604020202020204" pitchFamily="34" charset="0"/>
+            </a:endParaRPr>
+          </a:p>
+          <a:p>
+            <a:pPr marL="0" indent="0">
+              <a:buNone/>
+            </a:pPr>
+            <a:r>
+              <a:rPr lang="de-DE" sz="2000" dirty="0">
                 <a:solidFill>
                   <a:schemeClr val="tx1">
                     <a:lumMod val="85000"/>
@@ -8820,12 +7941,30 @@
                 <a:latin typeface="Arial" panose="020B0604020202020204" pitchFamily="34" charset="0"/>
                 <a:cs typeface="Arial" panose="020B0604020202020204" pitchFamily="34" charset="0"/>
               </a:rPr>
-              <a:t>:</a:t>
-            </a:r>
-          </a:p>
-          <a:p>
-            <a:r>
-              <a:rPr lang="en-US" sz="2000" dirty="0" err="1">
+              <a:t>Kein externer Aufwand</a:t>
+            </a:r>
+          </a:p>
+          <a:p>
+            <a:pPr marL="0" indent="0">
+              <a:buNone/>
+            </a:pPr>
+            <a:endParaRPr lang="de-DE" sz="2000" dirty="0">
+              <a:solidFill>
+                <a:schemeClr val="tx1">
+                  <a:lumMod val="85000"/>
+                  <a:lumOff val="15000"/>
+                </a:schemeClr>
+              </a:solidFill>
+              <a:latin typeface="Arial" panose="020B0604020202020204" pitchFamily="34" charset="0"/>
+              <a:cs typeface="Arial" panose="020B0604020202020204" pitchFamily="34" charset="0"/>
+            </a:endParaRPr>
+          </a:p>
+          <a:p>
+            <a:pPr marL="0" indent="0">
+              <a:buNone/>
+            </a:pPr>
+            <a:r>
+              <a:rPr lang="de-DE" sz="2000" dirty="0">
                 <a:solidFill>
                   <a:schemeClr val="tx1">
                     <a:lumMod val="85000"/>
@@ -8835,35 +7974,9 @@
                 <a:latin typeface="Arial" panose="020B0604020202020204" pitchFamily="34" charset="0"/>
                 <a:cs typeface="Arial" panose="020B0604020202020204" pitchFamily="34" charset="0"/>
               </a:rPr>
-              <a:t>Automatische</a:t>
-            </a:r>
-            <a:r>
-              <a:rPr lang="en-US" sz="2000" dirty="0">
-                <a:solidFill>
-                  <a:schemeClr val="tx1">
-                    <a:lumMod val="85000"/>
-                    <a:lumOff val="15000"/>
-                  </a:schemeClr>
-                </a:solidFill>
-                <a:latin typeface="Arial" panose="020B0604020202020204" pitchFamily="34" charset="0"/>
-                <a:cs typeface="Arial" panose="020B0604020202020204" pitchFamily="34" charset="0"/>
-              </a:rPr>
-              <a:t> Exports </a:t>
-            </a:r>
-            <a:r>
-              <a:rPr lang="en-US" sz="2000" dirty="0" err="1">
-                <a:solidFill>
-                  <a:schemeClr val="tx1">
-                    <a:lumMod val="85000"/>
-                    <a:lumOff val="15000"/>
-                  </a:schemeClr>
-                </a:solidFill>
-                <a:latin typeface="Arial" panose="020B0604020202020204" pitchFamily="34" charset="0"/>
-                <a:cs typeface="Arial" panose="020B0604020202020204" pitchFamily="34" charset="0"/>
-              </a:rPr>
-              <a:t>wöchentlich</a:t>
-            </a:r>
-            <a:endParaRPr lang="en-US" sz="2000" dirty="0">
+              <a:t>Technisch stabil, modular erweiterbar</a:t>
+            </a:r>
+            <a:endParaRPr lang="en-DE" sz="2000" dirty="0">
               <a:solidFill>
                 <a:schemeClr val="tx1">
                   <a:lumMod val="85000"/>
@@ -8874,119 +7987,6 @@
               <a:cs typeface="Arial" panose="020B0604020202020204" pitchFamily="34" charset="0"/>
             </a:endParaRPr>
           </a:p>
-          <a:p>
-            <a:r>
-              <a:rPr lang="en-US" sz="2000" dirty="0">
-                <a:solidFill>
-                  <a:schemeClr val="tx1">
-                    <a:lumMod val="85000"/>
-                    <a:lumOff val="15000"/>
-                  </a:schemeClr>
-                </a:solidFill>
-                <a:latin typeface="Arial" panose="020B0604020202020204" pitchFamily="34" charset="0"/>
-                <a:cs typeface="Arial" panose="020B0604020202020204" pitchFamily="34" charset="0"/>
-              </a:rPr>
-              <a:t>…</a:t>
-            </a:r>
-          </a:p>
-          <a:p>
-            <a:pPr marL="0" indent="0">
-              <a:buNone/>
-            </a:pPr>
-            <a:endParaRPr lang="en-US" sz="2000" dirty="0">
-              <a:solidFill>
-                <a:schemeClr val="tx1">
-                  <a:lumMod val="85000"/>
-                  <a:lumOff val="15000"/>
-                </a:schemeClr>
-              </a:solidFill>
-              <a:latin typeface="Arial" panose="020B0604020202020204" pitchFamily="34" charset="0"/>
-              <a:cs typeface="Arial" panose="020B0604020202020204" pitchFamily="34" charset="0"/>
-            </a:endParaRPr>
-          </a:p>
-          <a:p>
-            <a:pPr marL="0" indent="0">
-              <a:buNone/>
-            </a:pPr>
-            <a:r>
-              <a:rPr lang="en-US" sz="2000" dirty="0" err="1">
-                <a:solidFill>
-                  <a:schemeClr val="tx1">
-                    <a:lumMod val="85000"/>
-                    <a:lumOff val="15000"/>
-                  </a:schemeClr>
-                </a:solidFill>
-                <a:latin typeface="Arial" panose="020B0604020202020204" pitchFamily="34" charset="0"/>
-                <a:cs typeface="Arial" panose="020B0604020202020204" pitchFamily="34" charset="0"/>
-              </a:rPr>
-              <a:t>Erweiterungen</a:t>
-            </a:r>
-            <a:r>
-              <a:rPr lang="en-US" sz="2000" dirty="0">
-                <a:solidFill>
-                  <a:schemeClr val="tx1">
-                    <a:lumMod val="85000"/>
-                    <a:lumOff val="15000"/>
-                  </a:schemeClr>
-                </a:solidFill>
-                <a:latin typeface="Arial" panose="020B0604020202020204" pitchFamily="34" charset="0"/>
-                <a:cs typeface="Arial" panose="020B0604020202020204" pitchFamily="34" charset="0"/>
-              </a:rPr>
-              <a:t> und </a:t>
-            </a:r>
-            <a:r>
-              <a:rPr lang="en-US" sz="2000" dirty="0" err="1">
-                <a:solidFill>
-                  <a:schemeClr val="tx1">
-                    <a:lumMod val="85000"/>
-                    <a:lumOff val="15000"/>
-                  </a:schemeClr>
-                </a:solidFill>
-                <a:latin typeface="Arial" panose="020B0604020202020204" pitchFamily="34" charset="0"/>
-                <a:cs typeface="Arial" panose="020B0604020202020204" pitchFamily="34" charset="0"/>
-              </a:rPr>
-              <a:t>Wünsche</a:t>
-            </a:r>
-            <a:r>
-              <a:rPr lang="en-US" sz="2000" dirty="0">
-                <a:solidFill>
-                  <a:schemeClr val="tx1">
-                    <a:lumMod val="85000"/>
-                    <a:lumOff val="15000"/>
-                  </a:schemeClr>
-                </a:solidFill>
-                <a:latin typeface="Arial" panose="020B0604020202020204" pitchFamily="34" charset="0"/>
-                <a:cs typeface="Arial" panose="020B0604020202020204" pitchFamily="34" charset="0"/>
-              </a:rPr>
-              <a:t> an </a:t>
-            </a:r>
-            <a:r>
-              <a:rPr lang="en-US" sz="2000" dirty="0" err="1">
-                <a:solidFill>
-                  <a:schemeClr val="tx1">
-                    <a:lumMod val="85000"/>
-                    <a:lumOff val="15000"/>
-                  </a:schemeClr>
-                </a:solidFill>
-                <a:latin typeface="Arial" panose="020B0604020202020204" pitchFamily="34" charset="0"/>
-                <a:cs typeface="Arial" panose="020B0604020202020204" pitchFamily="34" charset="0"/>
-              </a:rPr>
-              <a:t>Sirum</a:t>
-            </a:r>
-            <a:r>
-              <a:rPr lang="en-US" sz="2000" dirty="0">
-                <a:solidFill>
-                  <a:schemeClr val="tx1">
-                    <a:lumMod val="85000"/>
-                    <a:lumOff val="15000"/>
-                  </a:schemeClr>
-                </a:solidFill>
-                <a:latin typeface="Arial" panose="020B0604020202020204" pitchFamily="34" charset="0"/>
-                <a:cs typeface="Arial" panose="020B0604020202020204" pitchFamily="34" charset="0"/>
-              </a:rPr>
-              <a:t> GmbH</a:t>
-            </a:r>
-          </a:p>
         </p:txBody>
       </p:sp>
       <p:sp>
@@ -8994,7 +7994,7 @@
           <p:cNvPr id="9" name="Datumsplatzhalter 8">
             <a:extLst>
               <a:ext uri="{FF2B5EF4-FFF2-40B4-BE49-F238E27FC236}">
-                <a16:creationId xmlns:a16="http://schemas.microsoft.com/office/drawing/2014/main" id="{3FFBD644-10E1-FE90-B2D5-4FB89EC7D2C8}"/>
+                <a16:creationId xmlns:a16="http://schemas.microsoft.com/office/drawing/2014/main" id="{24825547-38B1-C1DA-9935-306F7909F93A}"/>
               </a:ext>
             </a:extLst>
           </p:cNvPr>
@@ -9035,7 +8035,7 @@
           <p:cNvPr id="7" name="Fußzeilenplatzhalter 6">
             <a:extLst>
               <a:ext uri="{FF2B5EF4-FFF2-40B4-BE49-F238E27FC236}">
-                <a16:creationId xmlns:a16="http://schemas.microsoft.com/office/drawing/2014/main" id="{BCFCFF41-1EB6-CBAC-40B9-9BB8A25CD511}"/>
+                <a16:creationId xmlns:a16="http://schemas.microsoft.com/office/drawing/2014/main" id="{AB255982-B693-CBF8-A6D9-410E844D35B1}"/>
               </a:ext>
             </a:extLst>
           </p:cNvPr>
@@ -9101,7 +8101,7 @@
           <p:cNvPr id="8" name="Foliennummernplatzhalter 7">
             <a:extLst>
               <a:ext uri="{FF2B5EF4-FFF2-40B4-BE49-F238E27FC236}">
-                <a16:creationId xmlns:a16="http://schemas.microsoft.com/office/drawing/2014/main" id="{09B23EC8-86F0-B572-D7F2-B6A23500063F}"/>
+                <a16:creationId xmlns:a16="http://schemas.microsoft.com/office/drawing/2014/main" id="{F703E7D9-CAF7-DADD-2D88-9FCA9F99B481}"/>
               </a:ext>
             </a:extLst>
           </p:cNvPr>
@@ -9138,777 +8138,6 @@
                 </a:spcAft>
               </a:pPr>
               <a:t>13</a:t>
-            </a:fld>
-            <a:endParaRPr lang="en-US" dirty="0">
-              <a:solidFill>
-                <a:schemeClr val="bg1">
-                  <a:lumMod val="50000"/>
-                </a:schemeClr>
-              </a:solidFill>
-            </a:endParaRPr>
-          </a:p>
-        </p:txBody>
-      </p:sp>
-      <p:cxnSp>
-        <p:nvCxnSpPr>
-          <p:cNvPr id="11" name="Gerader Verbinder 10">
-            <a:extLst>
-              <a:ext uri="{FF2B5EF4-FFF2-40B4-BE49-F238E27FC236}">
-                <a16:creationId xmlns:a16="http://schemas.microsoft.com/office/drawing/2014/main" id="{0ADD92C4-8763-6C06-95BD-9A2600DFD571}"/>
-              </a:ext>
-            </a:extLst>
-          </p:cNvPr>
-          <p:cNvCxnSpPr>
-            <a:cxnSpLocks/>
-          </p:cNvCxnSpPr>
-          <p:nvPr/>
-        </p:nvCxnSpPr>
-        <p:spPr>
-          <a:xfrm>
-            <a:off x="838200" y="822960"/>
-            <a:ext cx="0" cy="810895"/>
-          </a:xfrm>
-          <a:prstGeom prst="line">
-            <a:avLst/>
-          </a:prstGeom>
-          <a:ln>
-            <a:solidFill>
-              <a:schemeClr val="accent4">
-                <a:lumMod val="40000"/>
-                <a:lumOff val="60000"/>
-              </a:schemeClr>
-            </a:solidFill>
-          </a:ln>
-        </p:spPr>
-        <p:style>
-          <a:lnRef idx="2">
-            <a:schemeClr val="dk1"/>
-          </a:lnRef>
-          <a:fillRef idx="0">
-            <a:schemeClr val="dk1"/>
-          </a:fillRef>
-          <a:effectRef idx="1">
-            <a:schemeClr val="dk1"/>
-          </a:effectRef>
-          <a:fontRef idx="minor">
-            <a:schemeClr val="tx1"/>
-          </a:fontRef>
-        </p:style>
-      </p:cxnSp>
-      <p:pic>
-        <p:nvPicPr>
-          <p:cNvPr id="15" name="Grafik 14" descr="Ein Bild, das Farbigkeit, Grafiken, Design enthält.">
-            <a:extLst>
-              <a:ext uri="{FF2B5EF4-FFF2-40B4-BE49-F238E27FC236}">
-                <a16:creationId xmlns:a16="http://schemas.microsoft.com/office/drawing/2014/main" id="{D3C0DEF3-56D4-0810-B5E4-B66BF7C16B76}"/>
-              </a:ext>
-            </a:extLst>
-          </p:cNvPr>
-          <p:cNvPicPr>
-            <a:picLocks noChangeAspect="1"/>
-          </p:cNvPicPr>
-          <p:nvPr/>
-        </p:nvPicPr>
-        <p:blipFill>
-          <a:blip r:embed="rId2">
-            <a:extLst>
-              <a:ext uri="{28A0092B-C50C-407E-A947-70E740481C1C}">
-                <a14:useLocalDpi xmlns:a14="http://schemas.microsoft.com/office/drawing/2010/main" val="0"/>
-              </a:ext>
-            </a:extLst>
-          </a:blip>
-          <a:stretch>
-            <a:fillRect/>
-          </a:stretch>
-        </p:blipFill>
-        <p:spPr>
-          <a:xfrm>
-            <a:off x="10360829" y="136525"/>
-            <a:ext cx="1617345" cy="634428"/>
-          </a:xfrm>
-          <a:prstGeom prst="rect">
-            <a:avLst/>
-          </a:prstGeom>
-        </p:spPr>
-      </p:pic>
-    </p:spTree>
-    <p:extLst>
-      <p:ext uri="{BB962C8B-B14F-4D97-AF65-F5344CB8AC3E}">
-        <p14:creationId xmlns:p14="http://schemas.microsoft.com/office/powerpoint/2010/main" val="184409858"/>
-      </p:ext>
-    </p:extLst>
-  </p:cSld>
-  <p:clrMapOvr>
-    <a:masterClrMapping/>
-  </p:clrMapOvr>
-  <p:timing>
-    <p:tnLst>
-      <p:par>
-        <p:cTn id="1" dur="indefinite" restart="never" nodeType="tmRoot">
-          <p:childTnLst>
-            <p:seq concurrent="1" nextAc="seek">
-              <p:cTn id="2" dur="indefinite" nodeType="mainSeq">
-                <p:childTnLst>
-                  <p:par>
-                    <p:cTn id="3" fill="hold">
-                      <p:stCondLst>
-                        <p:cond delay="indefinite"/>
-                      </p:stCondLst>
-                      <p:childTnLst>
-                        <p:par>
-                          <p:cTn id="4" fill="hold">
-                            <p:stCondLst>
-                              <p:cond delay="0"/>
-                            </p:stCondLst>
-                            <p:childTnLst>
-                              <p:par>
-                                <p:cTn id="5" presetID="10" presetClass="entr" presetSubtype="0" fill="hold" nodeType="clickEffect">
-                                  <p:stCondLst>
-                                    <p:cond delay="0"/>
-                                  </p:stCondLst>
-                                  <p:childTnLst>
-                                    <p:set>
-                                      <p:cBhvr>
-                                        <p:cTn id="6" dur="1" fill="hold">
-                                          <p:stCondLst>
-                                            <p:cond delay="0"/>
-                                          </p:stCondLst>
-                                        </p:cTn>
-                                        <p:tgtEl>
-                                          <p:spTgt spid="3">
-                                            <p:txEl>
-                                              <p:pRg st="1" end="1"/>
-                                            </p:txEl>
-                                          </p:spTgt>
-                                        </p:tgtEl>
-                                        <p:attrNameLst>
-                                          <p:attrName>style.visibility</p:attrName>
-                                        </p:attrNameLst>
-                                      </p:cBhvr>
-                                      <p:to>
-                                        <p:strVal val="visible"/>
-                                      </p:to>
-                                    </p:set>
-                                    <p:animEffect transition="in" filter="fade">
-                                      <p:cBhvr>
-                                        <p:cTn id="7" dur="500"/>
-                                        <p:tgtEl>
-                                          <p:spTgt spid="3">
-                                            <p:txEl>
-                                              <p:pRg st="1" end="1"/>
-                                            </p:txEl>
-                                          </p:spTgt>
-                                        </p:tgtEl>
-                                      </p:cBhvr>
-                                    </p:animEffect>
-                                  </p:childTnLst>
-                                </p:cTn>
-                              </p:par>
-                            </p:childTnLst>
-                          </p:cTn>
-                        </p:par>
-                      </p:childTnLst>
-                    </p:cTn>
-                  </p:par>
-                  <p:par>
-                    <p:cTn id="8" fill="hold">
-                      <p:stCondLst>
-                        <p:cond delay="indefinite"/>
-                      </p:stCondLst>
-                      <p:childTnLst>
-                        <p:par>
-                          <p:cTn id="9" fill="hold">
-                            <p:stCondLst>
-                              <p:cond delay="0"/>
-                            </p:stCondLst>
-                            <p:childTnLst>
-                              <p:par>
-                                <p:cTn id="10" presetID="10" presetClass="entr" presetSubtype="0" fill="hold" nodeType="clickEffect">
-                                  <p:stCondLst>
-                                    <p:cond delay="0"/>
-                                  </p:stCondLst>
-                                  <p:childTnLst>
-                                    <p:set>
-                                      <p:cBhvr>
-                                        <p:cTn id="11" dur="1" fill="hold">
-                                          <p:stCondLst>
-                                            <p:cond delay="0"/>
-                                          </p:stCondLst>
-                                        </p:cTn>
-                                        <p:tgtEl>
-                                          <p:spTgt spid="3">
-                                            <p:txEl>
-                                              <p:pRg st="2" end="2"/>
-                                            </p:txEl>
-                                          </p:spTgt>
-                                        </p:tgtEl>
-                                        <p:attrNameLst>
-                                          <p:attrName>style.visibility</p:attrName>
-                                        </p:attrNameLst>
-                                      </p:cBhvr>
-                                      <p:to>
-                                        <p:strVal val="visible"/>
-                                      </p:to>
-                                    </p:set>
-                                    <p:animEffect transition="in" filter="fade">
-                                      <p:cBhvr>
-                                        <p:cTn id="12" dur="500"/>
-                                        <p:tgtEl>
-                                          <p:spTgt spid="3">
-                                            <p:txEl>
-                                              <p:pRg st="2" end="2"/>
-                                            </p:txEl>
-                                          </p:spTgt>
-                                        </p:tgtEl>
-                                      </p:cBhvr>
-                                    </p:animEffect>
-                                  </p:childTnLst>
-                                </p:cTn>
-                              </p:par>
-                              <p:par>
-                                <p:cTn id="13" presetID="10" presetClass="entr" presetSubtype="0" fill="hold" nodeType="withEffect">
-                                  <p:stCondLst>
-                                    <p:cond delay="0"/>
-                                  </p:stCondLst>
-                                  <p:childTnLst>
-                                    <p:set>
-                                      <p:cBhvr>
-                                        <p:cTn id="14" dur="1" fill="hold">
-                                          <p:stCondLst>
-                                            <p:cond delay="0"/>
-                                          </p:stCondLst>
-                                        </p:cTn>
-                                        <p:tgtEl>
-                                          <p:spTgt spid="3">
-                                            <p:txEl>
-                                              <p:pRg st="3" end="3"/>
-                                            </p:txEl>
-                                          </p:spTgt>
-                                        </p:tgtEl>
-                                        <p:attrNameLst>
-                                          <p:attrName>style.visibility</p:attrName>
-                                        </p:attrNameLst>
-                                      </p:cBhvr>
-                                      <p:to>
-                                        <p:strVal val="visible"/>
-                                      </p:to>
-                                    </p:set>
-                                    <p:animEffect transition="in" filter="fade">
-                                      <p:cBhvr>
-                                        <p:cTn id="15" dur="500"/>
-                                        <p:tgtEl>
-                                          <p:spTgt spid="3">
-                                            <p:txEl>
-                                              <p:pRg st="3" end="3"/>
-                                            </p:txEl>
-                                          </p:spTgt>
-                                        </p:tgtEl>
-                                      </p:cBhvr>
-                                    </p:animEffect>
-                                  </p:childTnLst>
-                                </p:cTn>
-                              </p:par>
-                            </p:childTnLst>
-                          </p:cTn>
-                        </p:par>
-                      </p:childTnLst>
-                    </p:cTn>
-                  </p:par>
-                  <p:par>
-                    <p:cTn id="16" fill="hold">
-                      <p:stCondLst>
-                        <p:cond delay="indefinite"/>
-                      </p:stCondLst>
-                      <p:childTnLst>
-                        <p:par>
-                          <p:cTn id="17" fill="hold">
-                            <p:stCondLst>
-                              <p:cond delay="0"/>
-                            </p:stCondLst>
-                            <p:childTnLst>
-                              <p:par>
-                                <p:cTn id="18" presetID="10" presetClass="entr" presetSubtype="0" fill="hold" nodeType="clickEffect">
-                                  <p:stCondLst>
-                                    <p:cond delay="0"/>
-                                  </p:stCondLst>
-                                  <p:childTnLst>
-                                    <p:set>
-                                      <p:cBhvr>
-                                        <p:cTn id="19" dur="1" fill="hold">
-                                          <p:stCondLst>
-                                            <p:cond delay="0"/>
-                                          </p:stCondLst>
-                                        </p:cTn>
-                                        <p:tgtEl>
-                                          <p:spTgt spid="3">
-                                            <p:txEl>
-                                              <p:pRg st="5" end="5"/>
-                                            </p:txEl>
-                                          </p:spTgt>
-                                        </p:tgtEl>
-                                        <p:attrNameLst>
-                                          <p:attrName>style.visibility</p:attrName>
-                                        </p:attrNameLst>
-                                      </p:cBhvr>
-                                      <p:to>
-                                        <p:strVal val="visible"/>
-                                      </p:to>
-                                    </p:set>
-                                    <p:animEffect transition="in" filter="fade">
-                                      <p:cBhvr>
-                                        <p:cTn id="20" dur="500"/>
-                                        <p:tgtEl>
-                                          <p:spTgt spid="3">
-                                            <p:txEl>
-                                              <p:pRg st="5" end="5"/>
-                                            </p:txEl>
-                                          </p:spTgt>
-                                        </p:tgtEl>
-                                      </p:cBhvr>
-                                    </p:animEffect>
-                                  </p:childTnLst>
-                                </p:cTn>
-                              </p:par>
-                            </p:childTnLst>
-                          </p:cTn>
-                        </p:par>
-                      </p:childTnLst>
-                    </p:cTn>
-                  </p:par>
-                </p:childTnLst>
-              </p:cTn>
-              <p:prevCondLst>
-                <p:cond evt="onPrev" delay="0">
-                  <p:tgtEl>
-                    <p:sldTgt/>
-                  </p:tgtEl>
-                </p:cond>
-              </p:prevCondLst>
-              <p:nextCondLst>
-                <p:cond evt="onNext" delay="0">
-                  <p:tgtEl>
-                    <p:sldTgt/>
-                  </p:tgtEl>
-                </p:cond>
-              </p:nextCondLst>
-            </p:seq>
-          </p:childTnLst>
-        </p:cTn>
-      </p:par>
-    </p:tnLst>
-  </p:timing>
-</p:sld>
-</file>
-
-<file path=ppt/slides/slide14.xml><?xml version="1.0" encoding="utf-8"?>
-<p:sld xmlns:a="http://schemas.openxmlformats.org/drawingml/2006/main" xmlns:r="http://schemas.openxmlformats.org/officeDocument/2006/relationships" xmlns:p="http://schemas.openxmlformats.org/presentationml/2006/main">
-  <p:cSld>
-    <p:spTree>
-      <p:nvGrpSpPr>
-        <p:cNvPr id="1" name="">
-          <a:extLst>
-            <a:ext uri="{FF2B5EF4-FFF2-40B4-BE49-F238E27FC236}">
-              <a16:creationId xmlns:a16="http://schemas.microsoft.com/office/drawing/2014/main" id="{27367054-D642-A060-B1D2-12EE5D4F748E}"/>
-            </a:ext>
-          </a:extLst>
-        </p:cNvPr>
-        <p:cNvGrpSpPr/>
-        <p:nvPr/>
-      </p:nvGrpSpPr>
-      <p:grpSpPr>
-        <a:xfrm>
-          <a:off x="0" y="0"/>
-          <a:ext cx="0" cy="0"/>
-          <a:chOff x="0" y="0"/>
-          <a:chExt cx="0" cy="0"/>
-        </a:xfrm>
-      </p:grpSpPr>
-      <p:sp>
-        <p:nvSpPr>
-          <p:cNvPr id="2" name="Titel 1">
-            <a:extLst>
-              <a:ext uri="{FF2B5EF4-FFF2-40B4-BE49-F238E27FC236}">
-                <a16:creationId xmlns:a16="http://schemas.microsoft.com/office/drawing/2014/main" id="{D7AD632D-DA52-83E3-C673-7599D8289329}"/>
-              </a:ext>
-            </a:extLst>
-          </p:cNvPr>
-          <p:cNvSpPr>
-            <a:spLocks noGrp="1"/>
-          </p:cNvSpPr>
-          <p:nvPr>
-            <p:ph type="title"/>
-          </p:nvPr>
-        </p:nvSpPr>
-        <p:spPr>
-          <a:xfrm>
-            <a:off x="977136" y="911949"/>
-            <a:ext cx="7237221" cy="708660"/>
-          </a:xfrm>
-        </p:spPr>
-        <p:txBody>
-          <a:bodyPr anchor="ctr">
-            <a:normAutofit/>
-          </a:bodyPr>
-          <a:lstStyle/>
-          <a:p>
-            <a:r>
-              <a:rPr lang="en-US" sz="3600" dirty="0" err="1">
-                <a:solidFill>
-                  <a:schemeClr val="tx1">
-                    <a:lumMod val="85000"/>
-                    <a:lumOff val="15000"/>
-                  </a:schemeClr>
-                </a:solidFill>
-                <a:latin typeface="Segoe UI Bold" panose="020B0802040204020203" pitchFamily="34" charset="0"/>
-                <a:cs typeface="Segoe UI Bold" panose="020B0802040204020203" pitchFamily="34" charset="0"/>
-              </a:rPr>
-              <a:t>Fazit</a:t>
-            </a:r>
-            <a:endParaRPr lang="en-DE" sz="3600" dirty="0">
-              <a:solidFill>
-                <a:schemeClr val="tx1">
-                  <a:lumMod val="85000"/>
-                  <a:lumOff val="15000"/>
-                </a:schemeClr>
-              </a:solidFill>
-              <a:latin typeface="Segoe UI Bold" panose="020B0802040204020203" pitchFamily="34" charset="0"/>
-              <a:ea typeface="ADLaM Display" panose="020F0502020204030204" pitchFamily="2" charset="0"/>
-              <a:cs typeface="Segoe UI Bold" panose="020B0802040204020203" pitchFamily="34" charset="0"/>
-            </a:endParaRPr>
-          </a:p>
-        </p:txBody>
-      </p:sp>
-      <p:sp>
-        <p:nvSpPr>
-          <p:cNvPr id="3" name="Inhaltsplatzhalter 2">
-            <a:extLst>
-              <a:ext uri="{FF2B5EF4-FFF2-40B4-BE49-F238E27FC236}">
-                <a16:creationId xmlns:a16="http://schemas.microsoft.com/office/drawing/2014/main" id="{2208BF97-C181-47B6-A4F6-11908BAA0B01}"/>
-              </a:ext>
-            </a:extLst>
-          </p:cNvPr>
-          <p:cNvSpPr>
-            <a:spLocks noGrp="1"/>
-          </p:cNvSpPr>
-          <p:nvPr>
-            <p:ph idx="1"/>
-          </p:nvPr>
-        </p:nvSpPr>
-        <p:spPr>
-          <a:xfrm>
-            <a:off x="977137" y="1752169"/>
-            <a:ext cx="10890929" cy="4463185"/>
-          </a:xfrm>
-        </p:spPr>
-        <p:txBody>
-          <a:bodyPr>
-            <a:normAutofit/>
-          </a:bodyPr>
-          <a:lstStyle/>
-          <a:p>
-            <a:pPr marL="0" indent="0">
-              <a:buNone/>
-            </a:pPr>
-            <a:r>
-              <a:rPr lang="en-US" sz="2000" dirty="0" err="1">
-                <a:latin typeface="Arial" panose="020B0604020202020204" pitchFamily="34" charset="0"/>
-                <a:cs typeface="Arial" panose="020B0604020202020204" pitchFamily="34" charset="0"/>
-              </a:rPr>
-              <a:t>Exportfunktion</a:t>
-            </a:r>
-            <a:r>
-              <a:rPr lang="en-US" sz="2000" dirty="0">
-                <a:latin typeface="Arial" panose="020B0604020202020204" pitchFamily="34" charset="0"/>
-                <a:cs typeface="Arial" panose="020B0604020202020204" pitchFamily="34" charset="0"/>
-              </a:rPr>
-              <a:t> </a:t>
-            </a:r>
-            <a:r>
-              <a:rPr lang="en-US" sz="2000" dirty="0" err="1">
-                <a:latin typeface="Arial" panose="020B0604020202020204" pitchFamily="34" charset="0"/>
-                <a:cs typeface="Arial" panose="020B0604020202020204" pitchFamily="34" charset="0"/>
-              </a:rPr>
-              <a:t>erfolgreich</a:t>
-            </a:r>
-            <a:r>
-              <a:rPr lang="en-US" sz="2000" dirty="0">
-                <a:latin typeface="Arial" panose="020B0604020202020204" pitchFamily="34" charset="0"/>
-                <a:cs typeface="Arial" panose="020B0604020202020204" pitchFamily="34" charset="0"/>
-              </a:rPr>
-              <a:t> </a:t>
-            </a:r>
-            <a:r>
-              <a:rPr lang="en-US" sz="2000" dirty="0" err="1">
-                <a:latin typeface="Arial" panose="020B0604020202020204" pitchFamily="34" charset="0"/>
-                <a:cs typeface="Arial" panose="020B0604020202020204" pitchFamily="34" charset="0"/>
-              </a:rPr>
-              <a:t>umgesetzt</a:t>
-            </a:r>
-            <a:endParaRPr lang="en-US" sz="2000" dirty="0">
-              <a:latin typeface="Arial" panose="020B0604020202020204" pitchFamily="34" charset="0"/>
-              <a:cs typeface="Arial" panose="020B0604020202020204" pitchFamily="34" charset="0"/>
-            </a:endParaRPr>
-          </a:p>
-          <a:p>
-            <a:pPr marL="0" indent="0">
-              <a:buNone/>
-            </a:pPr>
-            <a:endParaRPr lang="de-DE" sz="2000" dirty="0">
-              <a:solidFill>
-                <a:schemeClr val="tx1">
-                  <a:lumMod val="85000"/>
-                  <a:lumOff val="15000"/>
-                </a:schemeClr>
-              </a:solidFill>
-              <a:latin typeface="Arial" panose="020B0604020202020204" pitchFamily="34" charset="0"/>
-              <a:cs typeface="Arial" panose="020B0604020202020204" pitchFamily="34" charset="0"/>
-            </a:endParaRPr>
-          </a:p>
-          <a:p>
-            <a:pPr marL="0" indent="0">
-              <a:buNone/>
-            </a:pPr>
-            <a:r>
-              <a:rPr lang="de-DE" sz="2000" dirty="0">
-                <a:solidFill>
-                  <a:schemeClr val="tx1">
-                    <a:lumMod val="85000"/>
-                    <a:lumOff val="15000"/>
-                  </a:schemeClr>
-                </a:solidFill>
-                <a:latin typeface="Arial" panose="020B0604020202020204" pitchFamily="34" charset="0"/>
-                <a:cs typeface="Arial" panose="020B0604020202020204" pitchFamily="34" charset="0"/>
-              </a:rPr>
-              <a:t>Deutliche Zeitersparnis </a:t>
-            </a:r>
-          </a:p>
-          <a:p>
-            <a:pPr marL="0" indent="0">
-              <a:buNone/>
-            </a:pPr>
-            <a:endParaRPr lang="de-DE" sz="2000" dirty="0">
-              <a:solidFill>
-                <a:schemeClr val="tx1">
-                  <a:lumMod val="85000"/>
-                  <a:lumOff val="15000"/>
-                </a:schemeClr>
-              </a:solidFill>
-              <a:latin typeface="Arial" panose="020B0604020202020204" pitchFamily="34" charset="0"/>
-              <a:cs typeface="Arial" panose="020B0604020202020204" pitchFamily="34" charset="0"/>
-            </a:endParaRPr>
-          </a:p>
-          <a:p>
-            <a:pPr marL="0" indent="0">
-              <a:buNone/>
-            </a:pPr>
-            <a:r>
-              <a:rPr lang="de-DE" sz="2000" dirty="0">
-                <a:solidFill>
-                  <a:schemeClr val="tx1">
-                    <a:lumMod val="85000"/>
-                    <a:lumOff val="15000"/>
-                  </a:schemeClr>
-                </a:solidFill>
-                <a:latin typeface="Arial" panose="020B0604020202020204" pitchFamily="34" charset="0"/>
-                <a:cs typeface="Arial" panose="020B0604020202020204" pitchFamily="34" charset="0"/>
-              </a:rPr>
-              <a:t>Kein externer Aufwand</a:t>
-            </a:r>
-          </a:p>
-          <a:p>
-            <a:pPr marL="0" indent="0">
-              <a:buNone/>
-            </a:pPr>
-            <a:endParaRPr lang="de-DE" sz="2000" dirty="0">
-              <a:solidFill>
-                <a:schemeClr val="tx1">
-                  <a:lumMod val="85000"/>
-                  <a:lumOff val="15000"/>
-                </a:schemeClr>
-              </a:solidFill>
-              <a:latin typeface="Arial" panose="020B0604020202020204" pitchFamily="34" charset="0"/>
-              <a:cs typeface="Arial" panose="020B0604020202020204" pitchFamily="34" charset="0"/>
-            </a:endParaRPr>
-          </a:p>
-          <a:p>
-            <a:pPr marL="0" indent="0">
-              <a:buNone/>
-            </a:pPr>
-            <a:r>
-              <a:rPr lang="de-DE" sz="2000" dirty="0">
-                <a:solidFill>
-                  <a:schemeClr val="tx1">
-                    <a:lumMod val="85000"/>
-                    <a:lumOff val="15000"/>
-                  </a:schemeClr>
-                </a:solidFill>
-                <a:latin typeface="Arial" panose="020B0604020202020204" pitchFamily="34" charset="0"/>
-                <a:cs typeface="Arial" panose="020B0604020202020204" pitchFamily="34" charset="0"/>
-              </a:rPr>
-              <a:t>Technisch stabil, modular erweiterbar</a:t>
-            </a:r>
-            <a:endParaRPr lang="en-DE" sz="2000" dirty="0">
-              <a:solidFill>
-                <a:schemeClr val="tx1">
-                  <a:lumMod val="85000"/>
-                  <a:lumOff val="15000"/>
-                </a:schemeClr>
-              </a:solidFill>
-              <a:latin typeface="Arial" panose="020B0604020202020204" pitchFamily="34" charset="0"/>
-              <a:cs typeface="Arial" panose="020B0604020202020204" pitchFamily="34" charset="0"/>
-            </a:endParaRPr>
-          </a:p>
-        </p:txBody>
-      </p:sp>
-      <p:sp>
-        <p:nvSpPr>
-          <p:cNvPr id="9" name="Datumsplatzhalter 8">
-            <a:extLst>
-              <a:ext uri="{FF2B5EF4-FFF2-40B4-BE49-F238E27FC236}">
-                <a16:creationId xmlns:a16="http://schemas.microsoft.com/office/drawing/2014/main" id="{24825547-38B1-C1DA-9935-306F7909F93A}"/>
-              </a:ext>
-            </a:extLst>
-          </p:cNvPr>
-          <p:cNvSpPr>
-            <a:spLocks noGrp="1"/>
-          </p:cNvSpPr>
-          <p:nvPr>
-            <p:ph type="dt" sz="half" idx="10"/>
-          </p:nvPr>
-        </p:nvSpPr>
-        <p:spPr/>
-        <p:txBody>
-          <a:bodyPr>
-            <a:normAutofit/>
-          </a:bodyPr>
-          <a:lstStyle/>
-          <a:p>
-            <a:pPr>
-              <a:spcAft>
-                <a:spcPts val="600"/>
-              </a:spcAft>
-            </a:pPr>
-            <a:r>
-              <a:rPr lang="en-US" dirty="0">
-                <a:solidFill>
-                  <a:schemeClr val="bg1">
-                    <a:lumMod val="50000"/>
-                  </a:schemeClr>
-                </a:solidFill>
-              </a:rPr>
-              <a:t>Mark Albers</a:t>
-            </a:r>
-          </a:p>
-        </p:txBody>
-      </p:sp>
-      <p:sp>
-        <p:nvSpPr>
-          <p:cNvPr id="7" name="Fußzeilenplatzhalter 6">
-            <a:extLst>
-              <a:ext uri="{FF2B5EF4-FFF2-40B4-BE49-F238E27FC236}">
-                <a16:creationId xmlns:a16="http://schemas.microsoft.com/office/drawing/2014/main" id="{AB255982-B693-CBF8-A6D9-410E844D35B1}"/>
-              </a:ext>
-            </a:extLst>
-          </p:cNvPr>
-          <p:cNvSpPr>
-            <a:spLocks noGrp="1"/>
-          </p:cNvSpPr>
-          <p:nvPr>
-            <p:ph type="ftr" sz="quarter" idx="11"/>
-          </p:nvPr>
-        </p:nvSpPr>
-        <p:spPr>
-          <a:xfrm>
-            <a:off x="4074289" y="6357620"/>
-            <a:ext cx="4040373" cy="365125"/>
-          </a:xfrm>
-        </p:spPr>
-        <p:txBody>
-          <a:bodyPr>
-            <a:normAutofit/>
-          </a:bodyPr>
-          <a:lstStyle/>
-          <a:p>
-            <a:pPr algn="ctr">
-              <a:spcAft>
-                <a:spcPts val="600"/>
-              </a:spcAft>
-            </a:pPr>
-            <a:r>
-              <a:rPr lang="en-US" dirty="0">
-                <a:solidFill>
-                  <a:schemeClr val="bg1">
-                    <a:lumMod val="50000"/>
-                  </a:schemeClr>
-                </a:solidFill>
-              </a:rPr>
-              <a:t>2025 </a:t>
-            </a:r>
-            <a:r>
-              <a:rPr lang="en-US" dirty="0" err="1">
-                <a:solidFill>
-                  <a:schemeClr val="bg1">
-                    <a:lumMod val="50000"/>
-                  </a:schemeClr>
-                </a:solidFill>
-              </a:rPr>
-              <a:t>Sirum</a:t>
-            </a:r>
-            <a:r>
-              <a:rPr lang="en-US" dirty="0">
-                <a:solidFill>
-                  <a:schemeClr val="bg1">
-                    <a:lumMod val="50000"/>
-                  </a:schemeClr>
-                </a:solidFill>
-              </a:rPr>
-              <a:t> GmbH</a:t>
-            </a:r>
-          </a:p>
-        </p:txBody>
-      </p:sp>
-      <p:sp>
-        <p:nvSpPr>
-          <p:cNvPr id="8" name="Foliennummernplatzhalter 7">
-            <a:extLst>
-              <a:ext uri="{FF2B5EF4-FFF2-40B4-BE49-F238E27FC236}">
-                <a16:creationId xmlns:a16="http://schemas.microsoft.com/office/drawing/2014/main" id="{F703E7D9-CAF7-DADD-2D88-9FCA9F99B481}"/>
-              </a:ext>
-            </a:extLst>
-          </p:cNvPr>
-          <p:cNvSpPr>
-            <a:spLocks noGrp="1"/>
-          </p:cNvSpPr>
-          <p:nvPr>
-            <p:ph type="sldNum" sz="quarter" idx="12"/>
-          </p:nvPr>
-        </p:nvSpPr>
-        <p:spPr/>
-        <p:txBody>
-          <a:bodyPr>
-            <a:normAutofit/>
-          </a:bodyPr>
-          <a:lstStyle/>
-          <a:p>
-            <a:pPr>
-              <a:spcAft>
-                <a:spcPts val="600"/>
-              </a:spcAft>
-            </a:pPr>
-            <a:fld id="{70C12960-6E85-460F-B6E3-5B82CB31AF3D}" type="slidenum">
-              <a:rPr lang="en-US" smtClean="0">
-                <a:solidFill>
-                  <a:schemeClr val="bg1">
-                    <a:lumMod val="50000"/>
-                  </a:schemeClr>
-                </a:solidFill>
-              </a:rPr>
-              <a:pPr>
-                <a:spcAft>
-                  <a:spcPts val="600"/>
-                </a:spcAft>
-              </a:pPr>
-              <a:t>14</a:t>
             </a:fld>
             <a:endParaRPr lang="en-US" dirty="0">
               <a:solidFill>
@@ -10289,7 +8518,7 @@
 </p:sld>
 </file>
 
-<file path=ppt/slides/slide15.xml><?xml version="1.0" encoding="utf-8"?>
+<file path=ppt/slides/slide14.xml><?xml version="1.0" encoding="utf-8"?>
 <p:sld xmlns:a="http://schemas.openxmlformats.org/drawingml/2006/main" xmlns:r="http://schemas.openxmlformats.org/officeDocument/2006/relationships" xmlns:p="http://schemas.openxmlformats.org/presentationml/2006/main">
   <p:cSld>
     <p:spTree>
@@ -10515,7 +8744,7 @@
                   <a:spcPts val="600"/>
                 </a:spcAft>
               </a:pPr>
-              <a:t>15</a:t>
+              <a:t>14</a:t>
             </a:fld>
             <a:endParaRPr lang="en-US" dirty="0">
               <a:solidFill>
@@ -10662,31 +8891,8 @@
                 <a:latin typeface="Arial" panose="020B0604020202020204" pitchFamily="34" charset="0"/>
                 <a:cs typeface="Arial" panose="020B0604020202020204" pitchFamily="34" charset="0"/>
               </a:rPr>
-              <a:t> </a:t>
-            </a:r>
-            <a:r>
-              <a:rPr lang="en-US" sz="3200" dirty="0" smtClean="0">
-                <a:solidFill>
-                  <a:schemeClr val="tx1">
-                    <a:lumMod val="85000"/>
-                    <a:lumOff val="15000"/>
-                  </a:schemeClr>
-                </a:solidFill>
-                <a:latin typeface="Arial" panose="020B0604020202020204" pitchFamily="34" charset="0"/>
-                <a:cs typeface="Arial" panose="020B0604020202020204" pitchFamily="34" charset="0"/>
-              </a:rPr>
-              <a:t>Dank!</a:t>
-            </a:r>
-            <a:endParaRPr lang="en-US" sz="3200" dirty="0">
-              <a:solidFill>
-                <a:schemeClr val="tx1">
-                  <a:lumMod val="85000"/>
-                  <a:lumOff val="15000"/>
-                </a:schemeClr>
-              </a:solidFill>
-              <a:latin typeface="Arial" panose="020B0604020202020204" pitchFamily="34" charset="0"/>
-              <a:cs typeface="Arial" panose="020B0604020202020204" pitchFamily="34" charset="0"/>
-            </a:endParaRPr>
+              <a:t> Dank!</a:t>
+            </a:r>
           </a:p>
           <a:p>
             <a:pPr algn="ctr"/>
@@ -10726,13 +8932,6 @@
   <p:clrMapOvr>
     <a:masterClrMapping/>
   </p:clrMapOvr>
-  <p:timing>
-    <p:tnLst>
-      <p:par>
-        <p:cTn id="1" dur="indefinite" restart="never" nodeType="tmRoot"/>
-      </p:par>
-    </p:tnLst>
-  </p:timing>
 </p:sld>
 </file>
 
@@ -10769,7 +8968,7 @@
                 <a16:creationId xmlns:a16="http://schemas.microsoft.com/office/drawing/2014/main" id="{A3363022-C969-41E9-8EB2-E4C94908C1FA}"/>
               </a:ext>
               <a:ext uri="{C183D7F6-B498-43B3-948B-1728B52AA6E4}">
-                <adec:decorative xmlns:adec="http://schemas.microsoft.com/office/drawing/2017/decorative" xmlns="" val="1"/>
+                <adec:decorative xmlns:adec="http://schemas.microsoft.com/office/drawing/2017/decorative" val="1"/>
               </a:ext>
             </a:extLst>
           </p:cNvPr>
@@ -10829,7 +9028,7 @@
                 <a16:creationId xmlns:a16="http://schemas.microsoft.com/office/drawing/2014/main" id="{8D1AD6B3-BE88-4CEB-BA17-790657CC4729}"/>
               </a:ext>
               <a:ext uri="{C183D7F6-B498-43B3-948B-1728B52AA6E4}">
-                <adec:decorative xmlns:adec="http://schemas.microsoft.com/office/drawing/2017/decorative" xmlns="" val="1"/>
+                <adec:decorative xmlns:adec="http://schemas.microsoft.com/office/drawing/2017/decorative" val="1"/>
               </a:ext>
             </a:extLst>
           </p:cNvPr>
@@ -11050,7 +9249,7 @@
                 <a16:creationId xmlns:a16="http://schemas.microsoft.com/office/drawing/2014/main" id="{89D1390B-7E13-4B4F-9CB2-391063412E54}"/>
               </a:ext>
               <a:ext uri="{C183D7F6-B498-43B3-948B-1728B52AA6E4}">
-                <adec:decorative xmlns:adec="http://schemas.microsoft.com/office/drawing/2017/decorative" xmlns="" val="1"/>
+                <adec:decorative xmlns:adec="http://schemas.microsoft.com/office/drawing/2017/decorative" val="1"/>
               </a:ext>
             </a:extLst>
           </p:cNvPr>
@@ -11081,7 +9280,7 @@
                   <a16:creationId xmlns:a16="http://schemas.microsoft.com/office/drawing/2014/main" id="{9E720206-AA49-4786-A932-A2650DE09183}"/>
                 </a:ext>
                 <a:ext uri="{C183D7F6-B498-43B3-948B-1728B52AA6E4}">
-                  <adec:decorative xmlns:adec="http://schemas.microsoft.com/office/drawing/2017/decorative" xmlns="" val="1"/>
+                  <adec:decorative xmlns:adec="http://schemas.microsoft.com/office/drawing/2017/decorative" val="1"/>
                 </a:ext>
               </a:extLst>
             </p:cNvPr>
@@ -11722,7 +9921,7 @@
                   <a16:creationId xmlns:a16="http://schemas.microsoft.com/office/drawing/2014/main" id="{C72F6EE6-EDE9-45A5-8F6D-02B9B7CB2C2F}"/>
                 </a:ext>
                 <a:ext uri="{C183D7F6-B498-43B3-948B-1728B52AA6E4}">
-                  <adec:decorative xmlns:adec="http://schemas.microsoft.com/office/drawing/2017/decorative" xmlns="" val="1"/>
+                  <adec:decorative xmlns:adec="http://schemas.microsoft.com/office/drawing/2017/decorative" val="1"/>
                 </a:ext>
               </a:extLst>
             </p:cNvPr>
@@ -12415,7 +10614,7 @@
                   <a16:creationId xmlns:a16="http://schemas.microsoft.com/office/drawing/2014/main" id="{C093DC50-3BD7-46B1-A300-CD207E152FF4}"/>
                 </a:ext>
                 <a:ext uri="{C183D7F6-B498-43B3-948B-1728B52AA6E4}">
-                  <adec:decorative xmlns:adec="http://schemas.microsoft.com/office/drawing/2017/decorative" xmlns="" val="1"/>
+                  <adec:decorative xmlns:adec="http://schemas.microsoft.com/office/drawing/2017/decorative" val="1"/>
                 </a:ext>
               </a:extLst>
             </p:cNvPr>
@@ -13350,13 +11549,6 @@
   <p:clrMapOvr>
     <a:masterClrMapping/>
   </p:clrMapOvr>
-  <p:timing>
-    <p:tnLst>
-      <p:par>
-        <p:cTn id="1" dur="indefinite" restart="never" nodeType="tmRoot"/>
-      </p:par>
-    </p:tnLst>
-  </p:timing>
 </p:sld>
 </file>
 
@@ -13470,7 +11662,7 @@
               <a:buNone/>
             </a:pPr>
             <a:r>
-              <a:rPr lang="de-DE" sz="2000" b="1" dirty="0" smtClean="0">
+              <a:rPr lang="de-DE" sz="2000" b="1" dirty="0">
                 <a:solidFill>
                   <a:schemeClr val="tx1">
                     <a:lumMod val="85000"/>
@@ -13483,7 +11675,7 @@
               <a:t>Wer sind wir?</a:t>
             </a:r>
             <a:r>
-              <a:rPr lang="de-DE" sz="2000" dirty="0" smtClean="0">
+              <a:rPr lang="de-DE" sz="2000" dirty="0">
                 <a:solidFill>
                   <a:schemeClr val="tx1">
                     <a:lumMod val="85000"/>
@@ -13495,16 +11687,6 @@
               </a:rPr>
               <a:t> </a:t>
             </a:r>
-            <a:endParaRPr lang="de-DE" sz="2000" dirty="0">
-              <a:solidFill>
-                <a:schemeClr val="tx1">
-                  <a:lumMod val="85000"/>
-                  <a:lumOff val="15000"/>
-                </a:schemeClr>
-              </a:solidFill>
-              <a:latin typeface="Arial" panose="020B0604020202020204" pitchFamily="34" charset="0"/>
-              <a:cs typeface="Arial" panose="020B0604020202020204" pitchFamily="34" charset="0"/>
-            </a:endParaRPr>
           </a:p>
           <a:p>
             <a:pPr marL="0" indent="0">
@@ -13534,55 +11716,7 @@
                 <a:latin typeface="Arial" panose="020B0604020202020204" pitchFamily="34" charset="0"/>
                 <a:cs typeface="Arial" panose="020B0604020202020204" pitchFamily="34" charset="0"/>
               </a:rPr>
-              <a:t> </a:t>
-            </a:r>
-            <a:r>
-              <a:rPr lang="de-DE" sz="2000" dirty="0" smtClean="0">
-                <a:solidFill>
-                  <a:schemeClr val="tx1">
-                    <a:lumMod val="85000"/>
-                    <a:lumOff val="15000"/>
-                  </a:schemeClr>
-                </a:solidFill>
-                <a:latin typeface="Arial" panose="020B0604020202020204" pitchFamily="34" charset="0"/>
-                <a:cs typeface="Arial" panose="020B0604020202020204" pitchFamily="34" charset="0"/>
-              </a:rPr>
-              <a:t>GmbH</a:t>
-            </a:r>
-          </a:p>
-          <a:p>
-            <a:pPr marL="0" indent="0">
-              <a:buNone/>
-            </a:pPr>
-            <a:r>
-              <a:rPr lang="de-DE" sz="2000" b="1" dirty="0" smtClean="0">
-                <a:solidFill>
-                  <a:srgbClr val="FF0000"/>
-                </a:solidFill>
-                <a:latin typeface="Arial" panose="020B0604020202020204" pitchFamily="34" charset="0"/>
-                <a:cs typeface="Arial" panose="020B0604020202020204" pitchFamily="34" charset="0"/>
-              </a:rPr>
-              <a:t>Kurz über </a:t>
-            </a:r>
-            <a:r>
-              <a:rPr lang="de-DE" sz="2000" b="1" dirty="0" err="1" smtClean="0">
-                <a:solidFill>
-                  <a:srgbClr val="FF0000"/>
-                </a:solidFill>
-                <a:latin typeface="Arial" panose="020B0604020202020204" pitchFamily="34" charset="0"/>
-                <a:cs typeface="Arial" panose="020B0604020202020204" pitchFamily="34" charset="0"/>
-              </a:rPr>
-              <a:t>sirum</a:t>
-            </a:r>
-            <a:r>
-              <a:rPr lang="de-DE" sz="2000" b="1" dirty="0" smtClean="0">
-                <a:solidFill>
-                  <a:srgbClr val="FF0000"/>
-                </a:solidFill>
-                <a:latin typeface="Arial" panose="020B0604020202020204" pitchFamily="34" charset="0"/>
-                <a:cs typeface="Arial" panose="020B0604020202020204" pitchFamily="34" charset="0"/>
-              </a:rPr>
-              <a:t> was sagen</a:t>
+              <a:t> GmbH</a:t>
             </a:r>
           </a:p>
           <a:p>
@@ -13605,7 +11739,7 @@
               <a:buNone/>
             </a:pPr>
             <a:r>
-              <a:rPr lang="de-DE" sz="2000" b="1" dirty="0" smtClean="0">
+              <a:rPr lang="de-DE" sz="2000" b="1" dirty="0">
                 <a:solidFill>
                   <a:schemeClr val="tx1">
                     <a:lumMod val="85000"/>
@@ -13643,20 +11777,7 @@
                 <a:latin typeface="Arial" panose="020B0604020202020204" pitchFamily="34" charset="0"/>
                 <a:cs typeface="Arial" panose="020B0604020202020204" pitchFamily="34" charset="0"/>
               </a:rPr>
-              <a:t>Mark </a:t>
-            </a:r>
-            <a:r>
-              <a:rPr lang="de-DE" sz="2000" dirty="0" smtClean="0">
-                <a:solidFill>
-                  <a:schemeClr val="tx1">
-                    <a:lumMod val="85000"/>
-                    <a:lumOff val="15000"/>
-                  </a:schemeClr>
-                </a:solidFill>
-                <a:latin typeface="Arial" panose="020B0604020202020204" pitchFamily="34" charset="0"/>
-                <a:cs typeface="Arial" panose="020B0604020202020204" pitchFamily="34" charset="0"/>
-              </a:rPr>
-              <a:t>Albers</a:t>
+              <a:t>Mark Albers</a:t>
             </a:r>
           </a:p>
           <a:p>
@@ -13679,7 +11800,7 @@
               <a:buNone/>
             </a:pPr>
             <a:r>
-              <a:rPr lang="de-DE" sz="2000" b="1" dirty="0" smtClean="0">
+              <a:rPr lang="de-DE" sz="2000" b="1" dirty="0">
                 <a:solidFill>
                   <a:schemeClr val="tx1">
                     <a:lumMod val="85000"/>
@@ -13692,7 +11813,7 @@
               <a:t>Modulthema</a:t>
             </a:r>
             <a:r>
-              <a:rPr lang="de-DE" sz="2000" dirty="0" smtClean="0">
+              <a:rPr lang="de-DE" sz="2000" dirty="0">
                 <a:solidFill>
                   <a:schemeClr val="tx1">
                     <a:lumMod val="85000"/>
@@ -13704,16 +11825,6 @@
               </a:rPr>
               <a:t> </a:t>
             </a:r>
-            <a:endParaRPr lang="de-DE" sz="2000" dirty="0">
-              <a:solidFill>
-                <a:schemeClr val="tx1">
-                  <a:lumMod val="85000"/>
-                  <a:lumOff val="15000"/>
-                </a:schemeClr>
-              </a:solidFill>
-              <a:latin typeface="Arial" panose="020B0604020202020204" pitchFamily="34" charset="0"/>
-              <a:cs typeface="Arial" panose="020B0604020202020204" pitchFamily="34" charset="0"/>
-            </a:endParaRPr>
           </a:p>
           <a:p>
             <a:pPr marL="0" indent="0">
@@ -14034,7 +12145,7 @@
                             </p:stCondLst>
                             <p:childTnLst>
                               <p:par>
-                                <p:cTn id="5" presetID="10" presetClass="entr" presetSubtype="0" fill="hold" grpId="0" nodeType="clickEffect">
+                                <p:cTn id="5" presetID="10" presetClass="entr" presetSubtype="0" fill="hold" nodeType="clickEffect">
                                   <p:stCondLst>
                                     <p:cond delay="0"/>
                                   </p:stCondLst>
@@ -14049,7 +12160,7 @@
                                         <p:tgtEl>
                                           <p:spTgt spid="3">
                                             <p:txEl>
-                                              <p:pRg st="0" end="0"/>
+                                              <p:pRg st="1" end="1"/>
                                             </p:txEl>
                                           </p:spTgt>
                                         </p:tgtEl>
@@ -14067,7 +12178,7 @@
                                         <p:tgtEl>
                                           <p:spTgt spid="3">
                                             <p:txEl>
-                                              <p:pRg st="0" end="0"/>
+                                              <p:pRg st="1" end="1"/>
                                             </p:txEl>
                                           </p:spTgt>
                                         </p:tgtEl>
@@ -14095,7 +12206,7 @@
                             </p:stCondLst>
                             <p:childTnLst>
                               <p:par>
-                                <p:cTn id="10" presetID="10" presetClass="entr" presetSubtype="0" fill="hold" grpId="0" nodeType="clickEffect">
+                                <p:cTn id="10" presetID="10" presetClass="entr" presetSubtype="0" fill="hold" nodeType="clickEffect">
                                   <p:stCondLst>
                                     <p:cond delay="0"/>
                                   </p:stCondLst>
@@ -14103,128 +12214,6 @@
                                     <p:set>
                                       <p:cBhvr>
                                         <p:cTn id="11" dur="1" fill="hold">
-                                          <p:stCondLst>
-                                            <p:cond delay="0"/>
-                                          </p:stCondLst>
-                                        </p:cTn>
-                                        <p:tgtEl>
-                                          <p:spTgt spid="3">
-                                            <p:txEl>
-                                              <p:pRg st="1" end="1"/>
-                                            </p:txEl>
-                                          </p:spTgt>
-                                        </p:tgtEl>
-                                        <p:attrNameLst>
-                                          <p:attrName>style.visibility</p:attrName>
-                                        </p:attrNameLst>
-                                      </p:cBhvr>
-                                      <p:to>
-                                        <p:strVal val="visible"/>
-                                      </p:to>
-                                    </p:set>
-                                    <p:animEffect transition="in" filter="fade">
-                                      <p:cBhvr>
-                                        <p:cTn id="12" dur="500"/>
-                                        <p:tgtEl>
-                                          <p:spTgt spid="3">
-                                            <p:txEl>
-                                              <p:pRg st="1" end="1"/>
-                                            </p:txEl>
-                                          </p:spTgt>
-                                        </p:tgtEl>
-                                      </p:cBhvr>
-                                    </p:animEffect>
-                                  </p:childTnLst>
-                                </p:cTn>
-                              </p:par>
-                            </p:childTnLst>
-                          </p:cTn>
-                        </p:par>
-                      </p:childTnLst>
-                    </p:cTn>
-                  </p:par>
-                  <p:par>
-                    <p:cTn id="13" fill="hold">
-                      <p:stCondLst>
-                        <p:cond delay="indefinite"/>
-                      </p:stCondLst>
-                      <p:childTnLst>
-                        <p:par>
-                          <p:cTn id="14" fill="hold">
-                            <p:stCondLst>
-                              <p:cond delay="0"/>
-                            </p:stCondLst>
-                            <p:childTnLst>
-                              <p:par>
-                                <p:cTn id="15" presetID="10" presetClass="entr" presetSubtype="0" fill="hold" grpId="0" nodeType="clickEffect">
-                                  <p:stCondLst>
-                                    <p:cond delay="0"/>
-                                  </p:stCondLst>
-                                  <p:childTnLst>
-                                    <p:set>
-                                      <p:cBhvr>
-                                        <p:cTn id="16" dur="1" fill="hold">
-                                          <p:stCondLst>
-                                            <p:cond delay="0"/>
-                                          </p:stCondLst>
-                                        </p:cTn>
-                                        <p:tgtEl>
-                                          <p:spTgt spid="3">
-                                            <p:txEl>
-                                              <p:pRg st="2" end="2"/>
-                                            </p:txEl>
-                                          </p:spTgt>
-                                        </p:tgtEl>
-                                        <p:attrNameLst>
-                                          <p:attrName>style.visibility</p:attrName>
-                                        </p:attrNameLst>
-                                      </p:cBhvr>
-                                      <p:to>
-                                        <p:strVal val="visible"/>
-                                      </p:to>
-                                    </p:set>
-                                    <p:animEffect transition="in" filter="fade">
-                                      <p:cBhvr>
-                                        <p:cTn id="17" dur="500"/>
-                                        <p:tgtEl>
-                                          <p:spTgt spid="3">
-                                            <p:txEl>
-                                              <p:pRg st="2" end="2"/>
-                                            </p:txEl>
-                                          </p:spTgt>
-                                        </p:tgtEl>
-                                      </p:cBhvr>
-                                    </p:animEffect>
-                                  </p:childTnLst>
-                                </p:cTn>
-                              </p:par>
-                            </p:childTnLst>
-                          </p:cTn>
-                        </p:par>
-                      </p:childTnLst>
-                    </p:cTn>
-                  </p:par>
-                  <p:par>
-                    <p:cTn id="18" fill="hold">
-                      <p:stCondLst>
-                        <p:cond delay="indefinite"/>
-                      </p:stCondLst>
-                      <p:childTnLst>
-                        <p:par>
-                          <p:cTn id="19" fill="hold">
-                            <p:stCondLst>
-                              <p:cond delay="0"/>
-                            </p:stCondLst>
-                            <p:childTnLst>
-                              <p:par>
-                                <p:cTn id="20" presetID="10" presetClass="entr" presetSubtype="0" fill="hold" grpId="0" nodeType="clickEffect">
-                                  <p:stCondLst>
-                                    <p:cond delay="0"/>
-                                  </p:stCondLst>
-                                  <p:childTnLst>
-                                    <p:set>
-                                      <p:cBhvr>
-                                        <p:cTn id="21" dur="1" fill="hold">
                                           <p:stCondLst>
                                             <p:cond delay="0"/>
                                           </p:stCondLst>
@@ -14246,7 +12235,7 @@
                                     </p:set>
                                     <p:animEffect transition="in" filter="fade">
                                       <p:cBhvr>
-                                        <p:cTn id="22" dur="500"/>
+                                        <p:cTn id="12" dur="500"/>
                                         <p:tgtEl>
                                           <p:spTgt spid="3">
                                             <p:txEl>
@@ -14259,94 +12248,15 @@
                                   </p:childTnLst>
                                 </p:cTn>
                               </p:par>
-                            </p:childTnLst>
-                          </p:cTn>
-                        </p:par>
-                      </p:childTnLst>
-                    </p:cTn>
-                  </p:par>
-                  <p:par>
-                    <p:cTn id="23" fill="hold">
-                      <p:stCondLst>
-                        <p:cond delay="indefinite"/>
-                      </p:stCondLst>
-                      <p:childTnLst>
-                        <p:par>
-                          <p:cTn id="24" fill="hold">
-                            <p:stCondLst>
-                              <p:cond delay="0"/>
-                            </p:stCondLst>
-                            <p:childTnLst>
                               <p:par>
-                                <p:cTn id="25" presetID="10" presetClass="entr" presetSubtype="0" fill="hold" grpId="0" nodeType="clickEffect">
+                                <p:cTn id="13" presetID="10" presetClass="entr" presetSubtype="0" fill="hold" nodeType="withEffect">
                                   <p:stCondLst>
                                     <p:cond delay="0"/>
                                   </p:stCondLst>
                                   <p:childTnLst>
                                     <p:set>
                                       <p:cBhvr>
-                                        <p:cTn id="26" dur="1" fill="hold">
-                                          <p:stCondLst>
-                                            <p:cond delay="0"/>
-                                          </p:stCondLst>
-                                        </p:cTn>
-                                        <p:tgtEl>
-                                          <p:spTgt spid="3">
-                                            <p:txEl>
-                                              <p:pRg st="5" end="5"/>
-                                            </p:txEl>
-                                          </p:spTgt>
-                                        </p:tgtEl>
-                                        <p:attrNameLst>
-                                          <p:attrName>style.visibility</p:attrName>
-                                        </p:attrNameLst>
-                                      </p:cBhvr>
-                                      <p:to>
-                                        <p:strVal val="visible"/>
-                                      </p:to>
-                                    </p:set>
-                                    <p:animEffect transition="in" filter="fade">
-                                      <p:cBhvr>
-                                        <p:cTn id="27" dur="500"/>
-                                        <p:tgtEl>
-                                          <p:spTgt spid="3">
-                                            <p:txEl>
-                                              <p:pRg st="5" end="5"/>
-                                            </p:txEl>
-                                          </p:spTgt>
-                                        </p:tgtEl>
-                                      </p:cBhvr>
-                                    </p:animEffect>
-                                  </p:childTnLst>
-                                </p:cTn>
-                              </p:par>
-                            </p:childTnLst>
-                          </p:cTn>
-                        </p:par>
-                      </p:childTnLst>
-                    </p:cTn>
-                  </p:par>
-                  <p:par>
-                    <p:cTn id="28" fill="hold">
-                      <p:stCondLst>
-                        <p:cond delay="indefinite"/>
-                      </p:stCondLst>
-                      <p:childTnLst>
-                        <p:par>
-                          <p:cTn id="29" fill="hold">
-                            <p:stCondLst>
-                              <p:cond delay="0"/>
-                            </p:stCondLst>
-                            <p:childTnLst>
-                              <p:par>
-                                <p:cTn id="30" presetID="10" presetClass="entr" presetSubtype="0" fill="hold" grpId="0" nodeType="clickEffect">
-                                  <p:stCondLst>
-                                    <p:cond delay="0"/>
-                                  </p:stCondLst>
-                                  <p:childTnLst>
-                                    <p:set>
-                                      <p:cBhvr>
-                                        <p:cTn id="31" dur="1" fill="hold">
+                                        <p:cTn id="14" dur="1" fill="hold">
                                           <p:stCondLst>
                                             <p:cond delay="0"/>
                                           </p:stCondLst>
@@ -14368,72 +12278,11 @@
                                     </p:set>
                                     <p:animEffect transition="in" filter="fade">
                                       <p:cBhvr>
-                                        <p:cTn id="32" dur="500"/>
+                                        <p:cTn id="15" dur="500"/>
                                         <p:tgtEl>
                                           <p:spTgt spid="3">
                                             <p:txEl>
                                               <p:pRg st="7" end="7"/>
-                                            </p:txEl>
-                                          </p:spTgt>
-                                        </p:tgtEl>
-                                      </p:cBhvr>
-                                    </p:animEffect>
-                                  </p:childTnLst>
-                                </p:cTn>
-                              </p:par>
-                            </p:childTnLst>
-                          </p:cTn>
-                        </p:par>
-                      </p:childTnLst>
-                    </p:cTn>
-                  </p:par>
-                  <p:par>
-                    <p:cTn id="33" fill="hold">
-                      <p:stCondLst>
-                        <p:cond delay="indefinite"/>
-                      </p:stCondLst>
-                      <p:childTnLst>
-                        <p:par>
-                          <p:cTn id="34" fill="hold">
-                            <p:stCondLst>
-                              <p:cond delay="0"/>
-                            </p:stCondLst>
-                            <p:childTnLst>
-                              <p:par>
-                                <p:cTn id="35" presetID="10" presetClass="entr" presetSubtype="0" fill="hold" grpId="0" nodeType="clickEffect">
-                                  <p:stCondLst>
-                                    <p:cond delay="0"/>
-                                  </p:stCondLst>
-                                  <p:childTnLst>
-                                    <p:set>
-                                      <p:cBhvr>
-                                        <p:cTn id="36" dur="1" fill="hold">
-                                          <p:stCondLst>
-                                            <p:cond delay="0"/>
-                                          </p:stCondLst>
-                                        </p:cTn>
-                                        <p:tgtEl>
-                                          <p:spTgt spid="3">
-                                            <p:txEl>
-                                              <p:pRg st="8" end="8"/>
-                                            </p:txEl>
-                                          </p:spTgt>
-                                        </p:tgtEl>
-                                        <p:attrNameLst>
-                                          <p:attrName>style.visibility</p:attrName>
-                                        </p:attrNameLst>
-                                      </p:cBhvr>
-                                      <p:to>
-                                        <p:strVal val="visible"/>
-                                      </p:to>
-                                    </p:set>
-                                    <p:animEffect transition="in" filter="fade">
-                                      <p:cBhvr>
-                                        <p:cTn id="37" dur="500"/>
-                                        <p:tgtEl>
-                                          <p:spTgt spid="3">
-                                            <p:txEl>
-                                              <p:pRg st="8" end="8"/>
                                             </p:txEl>
                                           </p:spTgt>
                                         </p:tgtEl>
@@ -14469,9 +12318,6 @@
         </p:cTn>
       </p:par>
     </p:tnLst>
-    <p:bldLst>
-      <p:bldP spid="3" grpId="0" uiExpand="1" build="p"/>
-    </p:bldLst>
   </p:timing>
 </p:sld>
 </file>
@@ -14590,58 +12436,10 @@
               <a:buNone/>
             </a:pPr>
             <a:r>
-              <a:rPr lang="en-US" sz="2000" dirty="0" err="1">
-                <a:solidFill>
-                  <a:schemeClr val="tx1">
-                    <a:lumMod val="85000"/>
-                    <a:lumOff val="15000"/>
-                  </a:schemeClr>
-                </a:solidFill>
-                <a:latin typeface="Arial" panose="020B0604020202020204" pitchFamily="34" charset="0"/>
-                <a:ea typeface="Calibri Light" panose="020F0302020204030204" pitchFamily="34" charset="0"/>
-                <a:cs typeface="Arial" panose="020B0604020202020204" pitchFamily="34" charset="0"/>
-              </a:rPr>
-              <a:t>Problemstellung</a:t>
-            </a:r>
-            <a:r>
-              <a:rPr lang="en-US" sz="2000" dirty="0">
-                <a:solidFill>
-                  <a:schemeClr val="tx1">
-                    <a:lumMod val="85000"/>
-                    <a:lumOff val="15000"/>
-                  </a:schemeClr>
-                </a:solidFill>
-                <a:latin typeface="Arial" panose="020B0604020202020204" pitchFamily="34" charset="0"/>
-                <a:ea typeface="Calibri Light" panose="020F0302020204030204" pitchFamily="34" charset="0"/>
-                <a:cs typeface="Arial" panose="020B0604020202020204" pitchFamily="34" charset="0"/>
-              </a:rPr>
-              <a:t> &amp; </a:t>
-            </a:r>
-            <a:r>
-              <a:rPr lang="en-US" sz="2000" dirty="0" err="1">
-                <a:solidFill>
-                  <a:schemeClr val="tx1">
-                    <a:lumMod val="85000"/>
-                    <a:lumOff val="15000"/>
-                  </a:schemeClr>
-                </a:solidFill>
-                <a:latin typeface="Arial" panose="020B0604020202020204" pitchFamily="34" charset="0"/>
-                <a:ea typeface="Calibri Light" panose="020F0302020204030204" pitchFamily="34" charset="0"/>
-                <a:cs typeface="Arial" panose="020B0604020202020204" pitchFamily="34" charset="0"/>
-              </a:rPr>
-              <a:t>Zielsetzung</a:t>
-            </a:r>
-            <a:endParaRPr lang="en-US" sz="2000" dirty="0">
-              <a:solidFill>
-                <a:schemeClr val="tx1">
-                  <a:lumMod val="85000"/>
-                  <a:lumOff val="15000"/>
-                </a:schemeClr>
-              </a:solidFill>
-              <a:latin typeface="Arial" panose="020B0604020202020204" pitchFamily="34" charset="0"/>
-              <a:ea typeface="Calibri Light" panose="020F0302020204030204" pitchFamily="34" charset="0"/>
-              <a:cs typeface="Arial" panose="020B0604020202020204" pitchFamily="34" charset="0"/>
-            </a:endParaRPr>
+              <a:rPr lang="en-US" sz="2000" dirty="0" err="1"/>
+              <a:t>Ausgangslage</a:t>
+            </a:r>
+            <a:endParaRPr lang="en-US" sz="2000" dirty="0"/>
           </a:p>
           <a:p>
             <a:pPr marL="0" indent="0">
@@ -14651,179 +12449,13 @@
               <a:buNone/>
             </a:pPr>
             <a:r>
-              <a:rPr lang="de-DE" sz="2000" dirty="0">
-                <a:solidFill>
-                  <a:schemeClr val="tx1">
-                    <a:lumMod val="85000"/>
-                    <a:lumOff val="15000"/>
-                  </a:schemeClr>
-                </a:solidFill>
-                <a:latin typeface="Arial" panose="020B0604020202020204" pitchFamily="34" charset="0"/>
-                <a:cs typeface="Arial" panose="020B0604020202020204" pitchFamily="34" charset="0"/>
-              </a:rPr>
-              <a:t>Technische Anforderungen aus dem </a:t>
-            </a:r>
-            <a:r>
-              <a:rPr lang="de-DE" sz="2000" dirty="0" smtClean="0">
-                <a:solidFill>
-                  <a:schemeClr val="tx1">
-                    <a:lumMod val="85000"/>
-                    <a:lumOff val="15000"/>
-                  </a:schemeClr>
-                </a:solidFill>
-                <a:latin typeface="Arial" panose="020B0604020202020204" pitchFamily="34" charset="0"/>
-                <a:cs typeface="Arial" panose="020B0604020202020204" pitchFamily="34" charset="0"/>
-              </a:rPr>
-              <a:t>Ziel </a:t>
-            </a:r>
-            <a:r>
-              <a:rPr lang="de-DE" sz="2000" dirty="0" smtClean="0">
-                <a:solidFill>
-                  <a:srgbClr val="FF0000"/>
-                </a:solidFill>
-                <a:latin typeface="Arial" panose="020B0604020202020204" pitchFamily="34" charset="0"/>
-                <a:cs typeface="Arial" panose="020B0604020202020204" pitchFamily="34" charset="0"/>
-              </a:rPr>
-              <a:t>ZUSAMMEN MIT OBEN</a:t>
-            </a:r>
-            <a:endParaRPr lang="en-US" sz="2000" dirty="0">
-              <a:solidFill>
-                <a:srgbClr val="FF0000"/>
-              </a:solidFill>
-              <a:latin typeface="Arial" panose="020B0604020202020204" pitchFamily="34" charset="0"/>
-              <a:ea typeface="Calibri Light" panose="020F0302020204030204" pitchFamily="34" charset="0"/>
-              <a:cs typeface="Arial" panose="020B0604020202020204" pitchFamily="34" charset="0"/>
-            </a:endParaRPr>
-          </a:p>
-          <a:p>
-            <a:pPr marL="0" indent="0">
-              <a:lnSpc>
-                <a:spcPct val="100000"/>
-              </a:lnSpc>
-              <a:buNone/>
-            </a:pPr>
-            <a:r>
-              <a:rPr lang="en-US" sz="2000" dirty="0">
-                <a:solidFill>
-                  <a:schemeClr val="tx1">
-                    <a:lumMod val="85000"/>
-                    <a:lumOff val="15000"/>
-                  </a:schemeClr>
-                </a:solidFill>
-                <a:latin typeface="Arial" panose="020B0604020202020204" pitchFamily="34" charset="0"/>
-                <a:ea typeface="Calibri Light" panose="020F0302020204030204" pitchFamily="34" charset="0"/>
-                <a:cs typeface="Arial" panose="020B0604020202020204" pitchFamily="34" charset="0"/>
-              </a:rPr>
-              <a:t>Modul-</a:t>
-            </a:r>
-            <a:r>
-              <a:rPr lang="en-US" sz="2000" dirty="0" err="1">
-                <a:solidFill>
-                  <a:schemeClr val="tx1">
-                    <a:lumMod val="85000"/>
-                    <a:lumOff val="15000"/>
-                  </a:schemeClr>
-                </a:solidFill>
-                <a:latin typeface="Arial" panose="020B0604020202020204" pitchFamily="34" charset="0"/>
-                <a:ea typeface="Calibri Light" panose="020F0302020204030204" pitchFamily="34" charset="0"/>
-                <a:cs typeface="Arial" panose="020B0604020202020204" pitchFamily="34" charset="0"/>
-              </a:rPr>
-              <a:t>Funktionalität</a:t>
-            </a:r>
-            <a:endParaRPr lang="en-US" sz="2000" dirty="0">
-              <a:solidFill>
-                <a:schemeClr val="tx1">
-                  <a:lumMod val="85000"/>
-                  <a:lumOff val="15000"/>
-                </a:schemeClr>
-              </a:solidFill>
-              <a:latin typeface="Arial" panose="020B0604020202020204" pitchFamily="34" charset="0"/>
-              <a:ea typeface="Calibri Light" panose="020F0302020204030204" pitchFamily="34" charset="0"/>
-              <a:cs typeface="Arial" panose="020B0604020202020204" pitchFamily="34" charset="0"/>
-            </a:endParaRPr>
-          </a:p>
-          <a:p>
-            <a:pPr marL="0" indent="0">
-              <a:lnSpc>
-                <a:spcPct val="100000"/>
-              </a:lnSpc>
-              <a:buNone/>
-            </a:pPr>
-            <a:r>
-              <a:rPr lang="en-US" sz="2000" dirty="0" err="1">
-                <a:solidFill>
-                  <a:schemeClr val="tx1">
-                    <a:lumMod val="85000"/>
-                    <a:lumOff val="15000"/>
-                  </a:schemeClr>
-                </a:solidFill>
-                <a:latin typeface="Arial" panose="020B0604020202020204" pitchFamily="34" charset="0"/>
-                <a:ea typeface="Calibri Light" panose="020F0302020204030204" pitchFamily="34" charset="0"/>
-                <a:cs typeface="Arial" panose="020B0604020202020204" pitchFamily="34" charset="0"/>
-              </a:rPr>
-              <a:t>Ablauf</a:t>
-            </a:r>
-            <a:r>
-              <a:rPr lang="en-US" sz="2000" dirty="0">
-                <a:solidFill>
-                  <a:schemeClr val="tx1">
-                    <a:lumMod val="85000"/>
-                    <a:lumOff val="15000"/>
-                  </a:schemeClr>
-                </a:solidFill>
-                <a:latin typeface="Arial" panose="020B0604020202020204" pitchFamily="34" charset="0"/>
-                <a:ea typeface="Calibri Light" panose="020F0302020204030204" pitchFamily="34" charset="0"/>
-                <a:cs typeface="Arial" panose="020B0604020202020204" pitchFamily="34" charset="0"/>
-              </a:rPr>
-              <a:t> des </a:t>
-            </a:r>
-            <a:r>
-              <a:rPr lang="en-US" sz="2000" dirty="0" err="1" smtClean="0">
-                <a:solidFill>
-                  <a:schemeClr val="tx1">
-                    <a:lumMod val="85000"/>
-                    <a:lumOff val="15000"/>
-                  </a:schemeClr>
-                </a:solidFill>
-                <a:latin typeface="Arial" panose="020B0604020202020204" pitchFamily="34" charset="0"/>
-                <a:ea typeface="Calibri Light" panose="020F0302020204030204" pitchFamily="34" charset="0"/>
-                <a:cs typeface="Arial" panose="020B0604020202020204" pitchFamily="34" charset="0"/>
-              </a:rPr>
-              <a:t>Moduls</a:t>
-            </a:r>
-            <a:r>
-              <a:rPr lang="en-US" sz="2000" dirty="0" smtClean="0">
-                <a:solidFill>
-                  <a:schemeClr val="tx1">
-                    <a:lumMod val="85000"/>
-                    <a:lumOff val="15000"/>
-                  </a:schemeClr>
-                </a:solidFill>
-                <a:latin typeface="Arial" panose="020B0604020202020204" pitchFamily="34" charset="0"/>
-                <a:ea typeface="Calibri Light" panose="020F0302020204030204" pitchFamily="34" charset="0"/>
-                <a:cs typeface="Arial" panose="020B0604020202020204" pitchFamily="34" charset="0"/>
-              </a:rPr>
+              <a:rPr lang="en-US" sz="2000" dirty="0" err="1"/>
+              <a:t>Modulübersicht</a:t>
+            </a:r>
+            <a:r>
+              <a:rPr lang="en-US" sz="2000" dirty="0"/>
               <a:t> </a:t>
             </a:r>
-            <a:r>
-              <a:rPr lang="en-US" sz="2000" dirty="0" smtClean="0">
-                <a:solidFill>
-                  <a:srgbClr val="FF0000"/>
-                </a:solidFill>
-                <a:latin typeface="Arial" panose="020B0604020202020204" pitchFamily="34" charset="0"/>
-                <a:ea typeface="Calibri Light" panose="020F0302020204030204" pitchFamily="34" charset="0"/>
-                <a:cs typeface="Arial" panose="020B0604020202020204" pitchFamily="34" charset="0"/>
-              </a:rPr>
-              <a:t>ZUSAMMEN MIT OBEN</a:t>
-            </a:r>
-            <a:endParaRPr lang="en-US" sz="2000" dirty="0">
-              <a:solidFill>
-                <a:srgbClr val="FF0000"/>
-              </a:solidFill>
-              <a:latin typeface="Arial" panose="020B0604020202020204" pitchFamily="34" charset="0"/>
-              <a:ea typeface="Calibri Light" panose="020F0302020204030204" pitchFamily="34" charset="0"/>
-              <a:cs typeface="Arial" panose="020B0604020202020204" pitchFamily="34" charset="0"/>
-            </a:endParaRPr>
           </a:p>
           <a:p>
             <a:pPr marL="0" indent="0">
@@ -14910,7 +12542,7 @@
                 <a:ea typeface="Calibri Light" panose="020F0302020204030204" pitchFamily="34" charset="0"/>
                 <a:cs typeface="Arial" panose="020B0604020202020204" pitchFamily="34" charset="0"/>
               </a:rPr>
-              <a:t>Abnahme</a:t>
+              <a:t>Aktueller</a:t>
             </a:r>
             <a:r>
               <a:rPr lang="en-US" sz="2000" dirty="0">
@@ -14924,68 +12556,7 @@
                 <a:ea typeface="Calibri Light" panose="020F0302020204030204" pitchFamily="34" charset="0"/>
                 <a:cs typeface="Arial" panose="020B0604020202020204" pitchFamily="34" charset="0"/>
               </a:rPr>
-              <a:t>- und </a:t>
-            </a:r>
-            <a:r>
-              <a:rPr lang="en-US" sz="2000" dirty="0" err="1">
-                <a:solidFill>
-                  <a:schemeClr val="tx1">
-                    <a:lumMod val="85000"/>
-                    <a:lumOff val="15000"/>
-                  </a:schemeClr>
-                </a:solidFill>
-                <a:latin typeface="Arial" panose="020B0604020202020204" pitchFamily="34" charset="0"/>
-                <a:ea typeface="Calibri Light" panose="020F0302020204030204" pitchFamily="34" charset="0"/>
-                <a:cs typeface="Arial" panose="020B0604020202020204" pitchFamily="34" charset="0"/>
-              </a:rPr>
-              <a:t>Einführungsphase</a:t>
-            </a:r>
-            <a:endParaRPr lang="en-US" sz="2000" dirty="0">
-              <a:solidFill>
-                <a:schemeClr val="tx1">
-                  <a:lumMod val="85000"/>
-                  <a:lumOff val="15000"/>
-                </a:schemeClr>
-              </a:solidFill>
-              <a:latin typeface="Arial" panose="020B0604020202020204" pitchFamily="34" charset="0"/>
-              <a:ea typeface="Calibri Light" panose="020F0302020204030204" pitchFamily="34" charset="0"/>
-              <a:cs typeface="Arial" panose="020B0604020202020204" pitchFamily="34" charset="0"/>
-            </a:endParaRPr>
-          </a:p>
-          <a:p>
-            <a:pPr marL="0" indent="0">
-              <a:lnSpc>
-                <a:spcPct val="100000"/>
-              </a:lnSpc>
-              <a:buNone/>
-            </a:pPr>
-            <a:r>
-              <a:rPr lang="en-US" sz="2000" dirty="0" err="1">
-                <a:solidFill>
-                  <a:schemeClr val="tx1">
-                    <a:lumMod val="85000"/>
-                    <a:lumOff val="15000"/>
-                  </a:schemeClr>
-                </a:solidFill>
-                <a:latin typeface="Arial" panose="020B0604020202020204" pitchFamily="34" charset="0"/>
-                <a:ea typeface="Calibri Light" panose="020F0302020204030204" pitchFamily="34" charset="0"/>
-                <a:cs typeface="Arial" panose="020B0604020202020204" pitchFamily="34" charset="0"/>
-              </a:rPr>
-              <a:t>Erweiterbarkeit</a:t>
-            </a:r>
-            <a:r>
-              <a:rPr lang="en-US" sz="2000" dirty="0">
-                <a:solidFill>
-                  <a:schemeClr val="tx1">
-                    <a:lumMod val="85000"/>
-                    <a:lumOff val="15000"/>
-                  </a:schemeClr>
-                </a:solidFill>
-                <a:latin typeface="Arial" panose="020B0604020202020204" pitchFamily="34" charset="0"/>
-                <a:ea typeface="Calibri Light" panose="020F0302020204030204" pitchFamily="34" charset="0"/>
-                <a:cs typeface="Arial" panose="020B0604020202020204" pitchFamily="34" charset="0"/>
-              </a:rPr>
-              <a:t> &amp; Zukunft</a:t>
+              <a:t> Stand</a:t>
             </a:r>
           </a:p>
           <a:p>
@@ -15662,189 +13233,6 @@
                       </p:childTnLst>
                     </p:cTn>
                   </p:par>
-                  <p:par>
-                    <p:cTn id="33" fill="hold">
-                      <p:stCondLst>
-                        <p:cond delay="indefinite"/>
-                      </p:stCondLst>
-                      <p:childTnLst>
-                        <p:par>
-                          <p:cTn id="34" fill="hold">
-                            <p:stCondLst>
-                              <p:cond delay="0"/>
-                            </p:stCondLst>
-                            <p:childTnLst>
-                              <p:par>
-                                <p:cTn id="35" presetID="10" presetClass="entr" presetSubtype="0" fill="hold" grpId="0" nodeType="clickEffect">
-                                  <p:stCondLst>
-                                    <p:cond delay="0"/>
-                                  </p:stCondLst>
-                                  <p:childTnLst>
-                                    <p:set>
-                                      <p:cBhvr>
-                                        <p:cTn id="36" dur="1" fill="hold">
-                                          <p:stCondLst>
-                                            <p:cond delay="0"/>
-                                          </p:stCondLst>
-                                        </p:cTn>
-                                        <p:tgtEl>
-                                          <p:spTgt spid="3">
-                                            <p:txEl>
-                                              <p:pRg st="6" end="6"/>
-                                            </p:txEl>
-                                          </p:spTgt>
-                                        </p:tgtEl>
-                                        <p:attrNameLst>
-                                          <p:attrName>style.visibility</p:attrName>
-                                        </p:attrNameLst>
-                                      </p:cBhvr>
-                                      <p:to>
-                                        <p:strVal val="visible"/>
-                                      </p:to>
-                                    </p:set>
-                                    <p:animEffect transition="in" filter="fade">
-                                      <p:cBhvr>
-                                        <p:cTn id="37" dur="500"/>
-                                        <p:tgtEl>
-                                          <p:spTgt spid="3">
-                                            <p:txEl>
-                                              <p:pRg st="6" end="6"/>
-                                            </p:txEl>
-                                          </p:spTgt>
-                                        </p:tgtEl>
-                                      </p:cBhvr>
-                                    </p:animEffect>
-                                  </p:childTnLst>
-                                </p:cTn>
-                              </p:par>
-                            </p:childTnLst>
-                          </p:cTn>
-                        </p:par>
-                      </p:childTnLst>
-                    </p:cTn>
-                  </p:par>
-                  <p:par>
-                    <p:cTn id="38" fill="hold">
-                      <p:stCondLst>
-                        <p:cond delay="indefinite"/>
-                      </p:stCondLst>
-                      <p:childTnLst>
-                        <p:par>
-                          <p:cTn id="39" fill="hold">
-                            <p:stCondLst>
-                              <p:cond delay="0"/>
-                            </p:stCondLst>
-                            <p:childTnLst>
-                              <p:par>
-                                <p:cTn id="40" presetID="10" presetClass="entr" presetSubtype="0" fill="hold" grpId="0" nodeType="clickEffect">
-                                  <p:stCondLst>
-                                    <p:cond delay="0"/>
-                                  </p:stCondLst>
-                                  <p:childTnLst>
-                                    <p:set>
-                                      <p:cBhvr>
-                                        <p:cTn id="41" dur="1" fill="hold">
-                                          <p:stCondLst>
-                                            <p:cond delay="0"/>
-                                          </p:stCondLst>
-                                        </p:cTn>
-                                        <p:tgtEl>
-                                          <p:spTgt spid="3">
-                                            <p:txEl>
-                                              <p:pRg st="7" end="7"/>
-                                            </p:txEl>
-                                          </p:spTgt>
-                                        </p:tgtEl>
-                                        <p:attrNameLst>
-                                          <p:attrName>style.visibility</p:attrName>
-                                        </p:attrNameLst>
-                                      </p:cBhvr>
-                                      <p:to>
-                                        <p:strVal val="visible"/>
-                                      </p:to>
-                                    </p:set>
-                                    <p:animEffect transition="in" filter="fade">
-                                      <p:cBhvr>
-                                        <p:cTn id="42" dur="500"/>
-                                        <p:tgtEl>
-                                          <p:spTgt spid="3">
-                                            <p:txEl>
-                                              <p:pRg st="7" end="7"/>
-                                            </p:txEl>
-                                          </p:spTgt>
-                                        </p:tgtEl>
-                                      </p:cBhvr>
-                                    </p:animEffect>
-                                  </p:childTnLst>
-                                </p:cTn>
-                              </p:par>
-                            </p:childTnLst>
-                          </p:cTn>
-                        </p:par>
-                      </p:childTnLst>
-                    </p:cTn>
-                  </p:par>
-                  <p:par>
-                    <p:cTn id="43" fill="hold">
-                      <p:stCondLst>
-                        <p:cond delay="indefinite"/>
-                      </p:stCondLst>
-                      <p:childTnLst>
-                        <p:par>
-                          <p:cTn id="44" fill="hold">
-                            <p:stCondLst>
-                              <p:cond delay="0"/>
-                            </p:stCondLst>
-                            <p:childTnLst>
-                              <p:par>
-                                <p:cTn id="45" presetID="10" presetClass="entr" presetSubtype="0" fill="hold" grpId="0" nodeType="clickEffect">
-                                  <p:stCondLst>
-                                    <p:cond delay="0"/>
-                                  </p:stCondLst>
-                                  <p:childTnLst>
-                                    <p:set>
-                                      <p:cBhvr>
-                                        <p:cTn id="46" dur="1" fill="hold">
-                                          <p:stCondLst>
-                                            <p:cond delay="0"/>
-                                          </p:stCondLst>
-                                        </p:cTn>
-                                        <p:tgtEl>
-                                          <p:spTgt spid="3">
-                                            <p:txEl>
-                                              <p:pRg st="8" end="8"/>
-                                            </p:txEl>
-                                          </p:spTgt>
-                                        </p:tgtEl>
-                                        <p:attrNameLst>
-                                          <p:attrName>style.visibility</p:attrName>
-                                        </p:attrNameLst>
-                                      </p:cBhvr>
-                                      <p:to>
-                                        <p:strVal val="visible"/>
-                                      </p:to>
-                                    </p:set>
-                                    <p:animEffect transition="in" filter="fade">
-                                      <p:cBhvr>
-                                        <p:cTn id="47" dur="500"/>
-                                        <p:tgtEl>
-                                          <p:spTgt spid="3">
-                                            <p:txEl>
-                                              <p:pRg st="8" end="8"/>
-                                            </p:txEl>
-                                          </p:spTgt>
-                                        </p:tgtEl>
-                                      </p:cBhvr>
-                                    </p:animEffect>
-                                  </p:childTnLst>
-                                </p:cTn>
-                              </p:par>
-                            </p:childTnLst>
-                          </p:cTn>
-                        </p:par>
-                      </p:childTnLst>
-                    </p:cTn>
-                  </p:par>
                 </p:childTnLst>
               </p:cTn>
               <p:prevCondLst>
@@ -16831,7 +14219,7 @@
                                         <p:tgtEl>
                                           <p:spTgt spid="3">
                                             <p:txEl>
-                                              <p:pRg st="0" end="0"/>
+                                              <p:pRg st="1" end="1"/>
                                             </p:txEl>
                                           </p:spTgt>
                                         </p:tgtEl>
@@ -16849,7 +14237,7 @@
                                         <p:tgtEl>
                                           <p:spTgt spid="3">
                                             <p:txEl>
-                                              <p:pRg st="0" end="0"/>
+                                              <p:pRg st="1" end="1"/>
                                             </p:txEl>
                                           </p:spTgt>
                                         </p:tgtEl>
@@ -16892,7 +14280,7 @@
                                         <p:tgtEl>
                                           <p:spTgt spid="3">
                                             <p:txEl>
-                                              <p:pRg st="1" end="1"/>
+                                              <p:pRg st="4" end="4"/>
                                             </p:txEl>
                                           </p:spTgt>
                                         </p:tgtEl>
@@ -16907,128 +14295,6 @@
                                     <p:animEffect transition="in" filter="fade">
                                       <p:cBhvr>
                                         <p:cTn id="12" dur="500"/>
-                                        <p:tgtEl>
-                                          <p:spTgt spid="3">
-                                            <p:txEl>
-                                              <p:pRg st="1" end="1"/>
-                                            </p:txEl>
-                                          </p:spTgt>
-                                        </p:tgtEl>
-                                      </p:cBhvr>
-                                    </p:animEffect>
-                                  </p:childTnLst>
-                                </p:cTn>
-                              </p:par>
-                            </p:childTnLst>
-                          </p:cTn>
-                        </p:par>
-                      </p:childTnLst>
-                    </p:cTn>
-                  </p:par>
-                  <p:par>
-                    <p:cTn id="13" fill="hold">
-                      <p:stCondLst>
-                        <p:cond delay="indefinite"/>
-                      </p:stCondLst>
-                      <p:childTnLst>
-                        <p:par>
-                          <p:cTn id="14" fill="hold">
-                            <p:stCondLst>
-                              <p:cond delay="0"/>
-                            </p:stCondLst>
-                            <p:childTnLst>
-                              <p:par>
-                                <p:cTn id="15" presetID="10" presetClass="entr" presetSubtype="0" fill="hold" grpId="0" nodeType="clickEffect">
-                                  <p:stCondLst>
-                                    <p:cond delay="0"/>
-                                  </p:stCondLst>
-                                  <p:childTnLst>
-                                    <p:set>
-                                      <p:cBhvr>
-                                        <p:cTn id="16" dur="1" fill="hold">
-                                          <p:stCondLst>
-                                            <p:cond delay="0"/>
-                                          </p:stCondLst>
-                                        </p:cTn>
-                                        <p:tgtEl>
-                                          <p:spTgt spid="3">
-                                            <p:txEl>
-                                              <p:pRg st="3" end="3"/>
-                                            </p:txEl>
-                                          </p:spTgt>
-                                        </p:tgtEl>
-                                        <p:attrNameLst>
-                                          <p:attrName>style.visibility</p:attrName>
-                                        </p:attrNameLst>
-                                      </p:cBhvr>
-                                      <p:to>
-                                        <p:strVal val="visible"/>
-                                      </p:to>
-                                    </p:set>
-                                    <p:animEffect transition="in" filter="fade">
-                                      <p:cBhvr>
-                                        <p:cTn id="17" dur="500"/>
-                                        <p:tgtEl>
-                                          <p:spTgt spid="3">
-                                            <p:txEl>
-                                              <p:pRg st="3" end="3"/>
-                                            </p:txEl>
-                                          </p:spTgt>
-                                        </p:tgtEl>
-                                      </p:cBhvr>
-                                    </p:animEffect>
-                                  </p:childTnLst>
-                                </p:cTn>
-                              </p:par>
-                            </p:childTnLst>
-                          </p:cTn>
-                        </p:par>
-                      </p:childTnLst>
-                    </p:cTn>
-                  </p:par>
-                  <p:par>
-                    <p:cTn id="18" fill="hold">
-                      <p:stCondLst>
-                        <p:cond delay="indefinite"/>
-                      </p:stCondLst>
-                      <p:childTnLst>
-                        <p:par>
-                          <p:cTn id="19" fill="hold">
-                            <p:stCondLst>
-                              <p:cond delay="0"/>
-                            </p:stCondLst>
-                            <p:childTnLst>
-                              <p:par>
-                                <p:cTn id="20" presetID="10" presetClass="entr" presetSubtype="0" fill="hold" grpId="0" nodeType="clickEffect">
-                                  <p:stCondLst>
-                                    <p:cond delay="0"/>
-                                  </p:stCondLst>
-                                  <p:childTnLst>
-                                    <p:set>
-                                      <p:cBhvr>
-                                        <p:cTn id="21" dur="1" fill="hold">
-                                          <p:stCondLst>
-                                            <p:cond delay="0"/>
-                                          </p:stCondLst>
-                                        </p:cTn>
-                                        <p:tgtEl>
-                                          <p:spTgt spid="3">
-                                            <p:txEl>
-                                              <p:pRg st="4" end="4"/>
-                                            </p:txEl>
-                                          </p:spTgt>
-                                        </p:tgtEl>
-                                        <p:attrNameLst>
-                                          <p:attrName>style.visibility</p:attrName>
-                                        </p:attrNameLst>
-                                      </p:cBhvr>
-                                      <p:to>
-                                        <p:strVal val="visible"/>
-                                      </p:to>
-                                    </p:set>
-                                    <p:animEffect transition="in" filter="fade">
-                                      <p:cBhvr>
-                                        <p:cTn id="22" dur="500"/>
                                         <p:tgtEl>
                                           <p:spTgt spid="3">
                                             <p:txEl>
@@ -17173,23 +14439,10 @@
                 <a:latin typeface="Segoe UI Bold" panose="020B0802040204020203" pitchFamily="34" charset="0"/>
                 <a:cs typeface="Segoe UI Bold" panose="020B0802040204020203" pitchFamily="34" charset="0"/>
               </a:rPr>
-              <a:t>Technische Anforderungen aus dem </a:t>
-            </a:r>
-            <a:r>
-              <a:rPr lang="de-DE" sz="3600" dirty="0" smtClean="0">
-                <a:solidFill>
-                  <a:schemeClr val="tx1">
-                    <a:lumMod val="85000"/>
-                    <a:lumOff val="15000"/>
-                  </a:schemeClr>
-                </a:solidFill>
-                <a:latin typeface="Segoe UI Bold" panose="020B0802040204020203" pitchFamily="34" charset="0"/>
-                <a:cs typeface="Segoe UI Bold" panose="020B0802040204020203" pitchFamily="34" charset="0"/>
-              </a:rPr>
-              <a:t>Ziel </a:t>
-            </a:r>
-            <a:r>
-              <a:rPr lang="de-DE" sz="3600" dirty="0" smtClean="0">
+              <a:t>Technische Anforderungen aus dem Ziel </a:t>
+            </a:r>
+            <a:r>
+              <a:rPr lang="de-DE" sz="3600" dirty="0">
                 <a:solidFill>
                   <a:srgbClr val="FF0000"/>
                 </a:solidFill>
@@ -19433,6 +16686,41 @@
           <a:chExt cx="0" cy="0"/>
         </a:xfrm>
       </p:grpSpPr>
+      <p:pic>
+        <p:nvPicPr>
+          <p:cNvPr id="16" name="Inhaltsplatzhalter 15" descr="Ein Bild, das Text, Screenshot, Software, Computersymbol enthält.&#10;&#10;KI-generierte Inhalte können fehlerhaft sein.">
+            <a:extLst>
+              <a:ext uri="{FF2B5EF4-FFF2-40B4-BE49-F238E27FC236}">
+                <a16:creationId xmlns:a16="http://schemas.microsoft.com/office/drawing/2014/main" id="{7B23E90C-A7FE-28A4-D581-7341AC02956D}"/>
+              </a:ext>
+            </a:extLst>
+          </p:cNvPr>
+          <p:cNvPicPr>
+            <a:picLocks noGrp="1" noChangeAspect="1"/>
+          </p:cNvPicPr>
+          <p:nvPr>
+            <p:ph idx="1"/>
+          </p:nvPr>
+        </p:nvPicPr>
+        <p:blipFill>
+          <a:blip r:embed="rId2">
+            <a:extLst>
+              <a:ext uri="{28A0092B-C50C-407E-A947-70E740481C1C}">
+                <a14:useLocalDpi xmlns:a14="http://schemas.microsoft.com/office/drawing/2010/main" val="0"/>
+              </a:ext>
+            </a:extLst>
+          </a:blip>
+          <a:stretch>
+            <a:fillRect/>
+          </a:stretch>
+        </p:blipFill>
+        <p:spPr>
+          <a:xfrm>
+            <a:off x="1406770" y="1512582"/>
+            <a:ext cx="9378460" cy="4977424"/>
+          </a:xfrm>
+        </p:spPr>
+      </p:pic>
       <p:sp>
         <p:nvSpPr>
           <p:cNvPr id="2" name="Titel 1">
@@ -19462,34 +16750,11 @@
           <a:lstStyle/>
           <a:p>
             <a:r>
-              <a:rPr lang="en-US" sz="3600" dirty="0" err="1" smtClean="0">
-                <a:solidFill>
-                  <a:srgbClr val="FF0000"/>
-                </a:solidFill>
+              <a:rPr lang="en-US" sz="3600" dirty="0" err="1">
                 <a:latin typeface="Segoe UI Bold" panose="020B0802040204020203" pitchFamily="34" charset="0"/>
                 <a:cs typeface="Segoe UI Bold" panose="020B0802040204020203" pitchFamily="34" charset="0"/>
               </a:rPr>
-              <a:t>Oberfläche</a:t>
-            </a:r>
-            <a:r>
-              <a:rPr lang="en-US" sz="3600" dirty="0" smtClean="0">
-                <a:solidFill>
-                  <a:srgbClr val="FF0000"/>
-                </a:solidFill>
-                <a:latin typeface="Segoe UI Bold" panose="020B0802040204020203" pitchFamily="34" charset="0"/>
-                <a:cs typeface="Segoe UI Bold" panose="020B0802040204020203" pitchFamily="34" charset="0"/>
-              </a:rPr>
-              <a:t> </a:t>
-            </a:r>
-            <a:r>
-              <a:rPr lang="en-US" sz="3600" dirty="0" err="1" smtClean="0">
-                <a:solidFill>
-                  <a:srgbClr val="FF0000"/>
-                </a:solidFill>
-                <a:latin typeface="Segoe UI Bold" panose="020B0802040204020203" pitchFamily="34" charset="0"/>
-                <a:cs typeface="Segoe UI Bold" panose="020B0802040204020203" pitchFamily="34" charset="0"/>
-              </a:rPr>
-              <a:t>zeigen</a:t>
+              <a:t>Benutzeroberfläche</a:t>
             </a:r>
             <a:endParaRPr lang="en-DE" sz="3600" dirty="0">
               <a:solidFill>
@@ -19723,7 +16988,7 @@
           <p:nvPr/>
         </p:nvPicPr>
         <p:blipFill>
-          <a:blip r:embed="rId2">
+          <a:blip r:embed="rId3">
             <a:extLst>
               <a:ext uri="{28A0092B-C50C-407E-A947-70E740481C1C}">
                 <a14:useLocalDpi xmlns:a14="http://schemas.microsoft.com/office/drawing/2010/main" val="0"/>
@@ -19744,25 +17009,6 @@
           </a:prstGeom>
         </p:spPr>
       </p:pic>
-      <p:sp>
-        <p:nvSpPr>
-          <p:cNvPr id="4" name="Inhaltsplatzhalter 3"/>
-          <p:cNvSpPr>
-            <a:spLocks noGrp="1"/>
-          </p:cNvSpPr>
-          <p:nvPr>
-            <p:ph idx="1"/>
-          </p:nvPr>
-        </p:nvSpPr>
-        <p:spPr/>
-        <p:txBody>
-          <a:bodyPr/>
-          <a:lstStyle/>
-          <a:p>
-            <a:endParaRPr lang="de-DE" dirty="0"/>
-          </a:p>
-        </p:txBody>
-      </p:sp>
     </p:spTree>
     <p:extLst>
       <p:ext uri="{BB962C8B-B14F-4D97-AF65-F5344CB8AC3E}">
@@ -19773,13 +17019,6 @@
   <p:clrMapOvr>
     <a:masterClrMapping/>
   </p:clrMapOvr>
-  <p:timing>
-    <p:tnLst>
-      <p:par>
-        <p:cTn id="1" dur="indefinite" restart="never" nodeType="tmRoot"/>
-      </p:par>
-    </p:tnLst>
-  </p:timing>
 </p:sld>
 </file>
 
@@ -19791,7 +17030,7 @@
         <p:cNvPr id="1" name="">
           <a:extLst>
             <a:ext uri="{FF2B5EF4-FFF2-40B4-BE49-F238E27FC236}">
-              <a16:creationId xmlns:a16="http://schemas.microsoft.com/office/drawing/2014/main" id="{4ADDCD42-6096-6C05-BF3B-65C2318FB3BD}"/>
+              <a16:creationId xmlns:a16="http://schemas.microsoft.com/office/drawing/2014/main" id="{10A05243-DA15-F1CB-A1EA-3D46BA7AC6F6}"/>
             </a:ext>
           </a:extLst>
         </p:cNvPr>
@@ -19806,12 +17045,52 @@
           <a:chExt cx="0" cy="0"/>
         </a:xfrm>
       </p:grpSpPr>
+      <p:pic>
+        <p:nvPicPr>
+          <p:cNvPr id="4" name="Ablaufdiagramm" descr="Ein Bild, das Text, Diagramm, Plan, technische Zeichnung enthält.&#10;&#10;KI-generierte Inhalte können fehlerhaft sein.">
+            <a:extLst>
+              <a:ext uri="{FF2B5EF4-FFF2-40B4-BE49-F238E27FC236}">
+                <a16:creationId xmlns:a16="http://schemas.microsoft.com/office/drawing/2014/main" id="{7C4D90FC-1C92-1F2E-1B54-154E403DDD7B}"/>
+              </a:ext>
+            </a:extLst>
+          </p:cNvPr>
+          <p:cNvPicPr>
+            <a:picLocks noChangeAspect="1"/>
+          </p:cNvPicPr>
+          <p:nvPr/>
+        </p:nvPicPr>
+        <p:blipFill>
+          <a:blip r:embed="rId2">
+            <a:extLst>
+              <a:ext uri="{28A0092B-C50C-407E-A947-70E740481C1C}">
+                <a14:useLocalDpi xmlns:a14="http://schemas.microsoft.com/office/drawing/2010/main" val="0"/>
+              </a:ext>
+            </a:extLst>
+          </a:blip>
+          <a:stretch>
+            <a:fillRect/>
+          </a:stretch>
+        </p:blipFill>
+        <p:spPr>
+          <a:xfrm>
+            <a:off x="2043112" y="1138237"/>
+            <a:ext cx="8105775" cy="4581525"/>
+          </a:xfrm>
+          <a:prstGeom prst="rect">
+            <a:avLst/>
+          </a:prstGeom>
+          <a:ln w="38100">
+            <a:noFill/>
+          </a:ln>
+          <a:effectLst/>
+        </p:spPr>
+      </p:pic>
       <p:cxnSp>
         <p:nvCxnSpPr>
-          <p:cNvPr id="120" name="Gerader Verbinder 119">
+          <p:cNvPr id="120" name="Blauer Strich Title">
             <a:extLst>
               <a:ext uri="{FF2B5EF4-FFF2-40B4-BE49-F238E27FC236}">
-                <a16:creationId xmlns:a16="http://schemas.microsoft.com/office/drawing/2014/main" id="{3BCDDD8D-579E-D6ED-2116-E0628C4FF98D}"/>
+                <a16:creationId xmlns:a16="http://schemas.microsoft.com/office/drawing/2014/main" id="{9D22B361-97E4-DF5C-5D47-201C1B102FB1}"/>
               </a:ext>
             </a:extLst>
           </p:cNvPr>
@@ -19852,88 +17131,12 @@
           </a:fontRef>
         </p:style>
       </p:cxnSp>
-      <p:pic>
-        <p:nvPicPr>
-          <p:cNvPr id="123" name="Grafik 122" descr="Ein Bild, das Farbigkeit, Grafiken, Design enthält.">
-            <a:extLst>
-              <a:ext uri="{FF2B5EF4-FFF2-40B4-BE49-F238E27FC236}">
-                <a16:creationId xmlns:a16="http://schemas.microsoft.com/office/drawing/2014/main" id="{1D90EFAB-8B1F-87FD-1FCB-701D8BA3B55D}"/>
-              </a:ext>
-            </a:extLst>
-          </p:cNvPr>
-          <p:cNvPicPr>
-            <a:picLocks noChangeAspect="1"/>
-          </p:cNvPicPr>
-          <p:nvPr/>
-        </p:nvPicPr>
-        <p:blipFill>
-          <a:blip r:embed="rId2">
-            <a:extLst>
-              <a:ext uri="{28A0092B-C50C-407E-A947-70E740481C1C}">
-                <a14:useLocalDpi xmlns:a14="http://schemas.microsoft.com/office/drawing/2010/main" val="0"/>
-              </a:ext>
-            </a:extLst>
-          </a:blip>
-          <a:stretch>
-            <a:fillRect/>
-          </a:stretch>
-        </p:blipFill>
-        <p:spPr>
-          <a:xfrm>
-            <a:off x="10360829" y="136525"/>
-            <a:ext cx="1617345" cy="634428"/>
-          </a:xfrm>
-          <a:prstGeom prst="rect">
-            <a:avLst/>
-          </a:prstGeom>
-        </p:spPr>
-      </p:pic>
-      <p:pic>
-        <p:nvPicPr>
-          <p:cNvPr id="4" name="Grafik 3" descr="Ein Bild, das Text, Diagramm, Plan, technische Zeichnung enthält.&#10;&#10;KI-generierte Inhalte können fehlerhaft sein.">
-            <a:extLst>
-              <a:ext uri="{FF2B5EF4-FFF2-40B4-BE49-F238E27FC236}">
-                <a16:creationId xmlns:a16="http://schemas.microsoft.com/office/drawing/2014/main" id="{DDB1854B-4029-6E34-D3D8-716CCECB3154}"/>
-              </a:ext>
-            </a:extLst>
-          </p:cNvPr>
-          <p:cNvPicPr>
-            <a:picLocks noChangeAspect="1"/>
-          </p:cNvPicPr>
-          <p:nvPr/>
-        </p:nvPicPr>
-        <p:blipFill>
-          <a:blip r:embed="rId3">
-            <a:extLst>
-              <a:ext uri="{28A0092B-C50C-407E-A947-70E740481C1C}">
-                <a14:useLocalDpi xmlns:a14="http://schemas.microsoft.com/office/drawing/2010/main" val="0"/>
-              </a:ext>
-            </a:extLst>
-          </a:blip>
-          <a:stretch>
-            <a:fillRect/>
-          </a:stretch>
-        </p:blipFill>
-        <p:spPr>
-          <a:xfrm>
-            <a:off x="2043112" y="1138237"/>
-            <a:ext cx="8105775" cy="4581525"/>
-          </a:xfrm>
-          <a:prstGeom prst="rect">
-            <a:avLst/>
-          </a:prstGeom>
-          <a:ln w="38100">
-            <a:noFill/>
-          </a:ln>
-          <a:effectLst/>
-        </p:spPr>
-      </p:pic>
       <p:sp>
         <p:nvSpPr>
-          <p:cNvPr id="119" name="Titel 1">
+          <p:cNvPr id="119" name="Titel">
             <a:extLst>
               <a:ext uri="{FF2B5EF4-FFF2-40B4-BE49-F238E27FC236}">
-                <a16:creationId xmlns:a16="http://schemas.microsoft.com/office/drawing/2014/main" id="{B8BBA56F-8581-68C4-9757-E7D20DE636AC}"/>
+                <a16:creationId xmlns:a16="http://schemas.microsoft.com/office/drawing/2014/main" id="{22DA43DC-5722-8887-6538-91CF8D58A206}"/>
               </a:ext>
             </a:extLst>
           </p:cNvPr>
@@ -20028,12 +17231,208 @@
           </a:p>
         </p:txBody>
       </p:sp>
+      <p:pic>
+        <p:nvPicPr>
+          <p:cNvPr id="123" name="Logo" descr="Ein Bild, das Farbigkeit, Grafiken, Design enthält.">
+            <a:extLst>
+              <a:ext uri="{FF2B5EF4-FFF2-40B4-BE49-F238E27FC236}">
+                <a16:creationId xmlns:a16="http://schemas.microsoft.com/office/drawing/2014/main" id="{0BF68C83-12A4-83D1-306B-23FB1C181777}"/>
+              </a:ext>
+            </a:extLst>
+          </p:cNvPr>
+          <p:cNvPicPr>
+            <a:picLocks noChangeAspect="1"/>
+          </p:cNvPicPr>
+          <p:nvPr/>
+        </p:nvPicPr>
+        <p:blipFill>
+          <a:blip r:embed="rId3">
+            <a:extLst>
+              <a:ext uri="{28A0092B-C50C-407E-A947-70E740481C1C}">
+                <a14:useLocalDpi xmlns:a14="http://schemas.microsoft.com/office/drawing/2010/main" val="0"/>
+              </a:ext>
+            </a:extLst>
+          </a:blip>
+          <a:stretch>
+            <a:fillRect/>
+          </a:stretch>
+        </p:blipFill>
+        <p:spPr>
+          <a:xfrm>
+            <a:off x="10360829" y="136525"/>
+            <a:ext cx="1617345" cy="634428"/>
+          </a:xfrm>
+          <a:prstGeom prst="rect">
+            <a:avLst/>
+          </a:prstGeom>
+        </p:spPr>
+      </p:pic>
       <p:sp>
         <p:nvSpPr>
-          <p:cNvPr id="12" name="Rechteck 11">
+          <p:cNvPr id="9" name="Name Fuß">
             <a:extLst>
               <a:ext uri="{FF2B5EF4-FFF2-40B4-BE49-F238E27FC236}">
-                <a16:creationId xmlns:a16="http://schemas.microsoft.com/office/drawing/2014/main" id="{665F7395-B737-A9D3-741A-679FB4860B78}"/>
+                <a16:creationId xmlns:a16="http://schemas.microsoft.com/office/drawing/2014/main" id="{695C6584-3610-C1A6-2D8E-3DA1B1D39E21}"/>
+              </a:ext>
+            </a:extLst>
+          </p:cNvPr>
+          <p:cNvSpPr>
+            <a:spLocks noGrp="1"/>
+          </p:cNvSpPr>
+          <p:nvPr>
+            <p:ph type="dt" sz="half" idx="10"/>
+          </p:nvPr>
+        </p:nvSpPr>
+        <p:spPr/>
+        <p:txBody>
+          <a:bodyPr>
+            <a:normAutofit/>
+          </a:bodyPr>
+          <a:lstStyle/>
+          <a:p>
+            <a:pPr>
+              <a:spcAft>
+                <a:spcPts val="600"/>
+              </a:spcAft>
+            </a:pPr>
+            <a:r>
+              <a:rPr lang="en-US" dirty="0">
+                <a:solidFill>
+                  <a:schemeClr val="bg1">
+                    <a:lumMod val="50000"/>
+                  </a:schemeClr>
+                </a:solidFill>
+              </a:rPr>
+              <a:t>Mark Albers</a:t>
+            </a:r>
+          </a:p>
+        </p:txBody>
+      </p:sp>
+      <p:sp>
+        <p:nvSpPr>
+          <p:cNvPr id="8" name="Nr Fuß">
+            <a:extLst>
+              <a:ext uri="{FF2B5EF4-FFF2-40B4-BE49-F238E27FC236}">
+                <a16:creationId xmlns:a16="http://schemas.microsoft.com/office/drawing/2014/main" id="{0980297B-C0F9-DB23-6F82-FB0D82482B26}"/>
+              </a:ext>
+            </a:extLst>
+          </p:cNvPr>
+          <p:cNvSpPr>
+            <a:spLocks noGrp="1"/>
+          </p:cNvSpPr>
+          <p:nvPr>
+            <p:ph type="sldNum" sz="quarter" idx="12"/>
+          </p:nvPr>
+        </p:nvSpPr>
+        <p:spPr/>
+        <p:txBody>
+          <a:bodyPr>
+            <a:normAutofit/>
+          </a:bodyPr>
+          <a:lstStyle/>
+          <a:p>
+            <a:pPr>
+              <a:spcAft>
+                <a:spcPts val="600"/>
+              </a:spcAft>
+            </a:pPr>
+            <a:fld id="{70C12960-6E85-460F-B6E3-5B82CB31AF3D}" type="slidenum">
+              <a:rPr lang="en-US" smtClean="0">
+                <a:solidFill>
+                  <a:schemeClr val="bg1">
+                    <a:lumMod val="50000"/>
+                  </a:schemeClr>
+                </a:solidFill>
+              </a:rPr>
+              <a:pPr>
+                <a:spcAft>
+                  <a:spcPts val="600"/>
+                </a:spcAft>
+              </a:pPr>
+              <a:t>9</a:t>
+            </a:fld>
+            <a:endParaRPr lang="en-US" dirty="0">
+              <a:solidFill>
+                <a:schemeClr val="bg1">
+                  <a:lumMod val="50000"/>
+                </a:schemeClr>
+              </a:solidFill>
+            </a:endParaRPr>
+          </a:p>
+        </p:txBody>
+      </p:sp>
+      <p:sp>
+        <p:nvSpPr>
+          <p:cNvPr id="7" name="Firma Fuß">
+            <a:extLst>
+              <a:ext uri="{FF2B5EF4-FFF2-40B4-BE49-F238E27FC236}">
+                <a16:creationId xmlns:a16="http://schemas.microsoft.com/office/drawing/2014/main" id="{A7465793-4860-AF27-446F-4CB39D63FC6A}"/>
+              </a:ext>
+            </a:extLst>
+          </p:cNvPr>
+          <p:cNvSpPr>
+            <a:spLocks noGrp="1"/>
+          </p:cNvSpPr>
+          <p:nvPr>
+            <p:ph type="ftr" sz="quarter" idx="11"/>
+          </p:nvPr>
+        </p:nvSpPr>
+        <p:spPr>
+          <a:xfrm>
+            <a:off x="4074289" y="6357620"/>
+            <a:ext cx="4040373" cy="365125"/>
+          </a:xfrm>
+        </p:spPr>
+        <p:txBody>
+          <a:bodyPr>
+            <a:normAutofit/>
+          </a:bodyPr>
+          <a:lstStyle/>
+          <a:p>
+            <a:pPr algn="ctr">
+              <a:spcAft>
+                <a:spcPts val="600"/>
+              </a:spcAft>
+            </a:pPr>
+            <a:r>
+              <a:rPr lang="en-US" dirty="0">
+                <a:solidFill>
+                  <a:schemeClr val="bg1">
+                    <a:lumMod val="50000"/>
+                  </a:schemeClr>
+                </a:solidFill>
+              </a:rPr>
+              <a:t>2025 </a:t>
+            </a:r>
+            <a:r>
+              <a:rPr lang="en-US" dirty="0" err="1">
+                <a:solidFill>
+                  <a:schemeClr val="bg1">
+                    <a:lumMod val="50000"/>
+                  </a:schemeClr>
+                </a:solidFill>
+              </a:rPr>
+              <a:t>Sirum</a:t>
+            </a:r>
+            <a:r>
+              <a:rPr lang="en-US" dirty="0">
+                <a:solidFill>
+                  <a:schemeClr val="bg1">
+                    <a:lumMod val="50000"/>
+                  </a:schemeClr>
+                </a:solidFill>
+              </a:rPr>
+              <a:t> GmbH</a:t>
+            </a:r>
+          </a:p>
+        </p:txBody>
+      </p:sp>
+      <p:sp>
+        <p:nvSpPr>
+          <p:cNvPr id="12" name="Rechteck 1">
+            <a:extLst>
+              <a:ext uri="{FF2B5EF4-FFF2-40B4-BE49-F238E27FC236}">
+                <a16:creationId xmlns:a16="http://schemas.microsoft.com/office/drawing/2014/main" id="{0964A204-8F03-C880-FE46-8BB9206BDE12}"/>
               </a:ext>
             </a:extLst>
           </p:cNvPr>
@@ -20079,10 +17478,10 @@
       </p:sp>
       <p:sp>
         <p:nvSpPr>
-          <p:cNvPr id="13" name="Rechteck 12">
+          <p:cNvPr id="13" name="Rechteck 2">
             <a:extLst>
               <a:ext uri="{FF2B5EF4-FFF2-40B4-BE49-F238E27FC236}">
-                <a16:creationId xmlns:a16="http://schemas.microsoft.com/office/drawing/2014/main" id="{252C4F2D-5178-FBF1-437F-F56B217D50E5}"/>
+                <a16:creationId xmlns:a16="http://schemas.microsoft.com/office/drawing/2014/main" id="{172765D0-3E79-A71C-2D02-82F5381D0EC2}"/>
               </a:ext>
             </a:extLst>
           </p:cNvPr>
@@ -20128,10 +17527,10 @@
       </p:sp>
       <p:sp>
         <p:nvSpPr>
-          <p:cNvPr id="14" name="Rechteck 13">
+          <p:cNvPr id="14" name="Rechteck 3">
             <a:extLst>
               <a:ext uri="{FF2B5EF4-FFF2-40B4-BE49-F238E27FC236}">
-                <a16:creationId xmlns:a16="http://schemas.microsoft.com/office/drawing/2014/main" id="{B6DDDCC1-D48E-FAF6-A576-76CB2AD3856C}"/>
+                <a16:creationId xmlns:a16="http://schemas.microsoft.com/office/drawing/2014/main" id="{AAEA5DC1-51D8-1A41-7C99-9A2AE4AE4326}"/>
               </a:ext>
             </a:extLst>
           </p:cNvPr>
@@ -20177,10 +17576,10 @@
       </p:sp>
       <p:sp>
         <p:nvSpPr>
-          <p:cNvPr id="16" name="Rechteck 15">
+          <p:cNvPr id="16" name="Rechteck 4">
             <a:extLst>
               <a:ext uri="{FF2B5EF4-FFF2-40B4-BE49-F238E27FC236}">
-                <a16:creationId xmlns:a16="http://schemas.microsoft.com/office/drawing/2014/main" id="{3EE5D6FA-5AAD-DF65-6185-A67D1C242C10}"/>
+                <a16:creationId xmlns:a16="http://schemas.microsoft.com/office/drawing/2014/main" id="{CD8CD6D5-4B00-01D9-23AA-A19446FD0509}"/>
               </a:ext>
             </a:extLst>
           </p:cNvPr>
@@ -20226,10 +17625,10 @@
       </p:sp>
       <p:sp>
         <p:nvSpPr>
-          <p:cNvPr id="17" name="Rechteck 16">
+          <p:cNvPr id="17" name="Rechteck 5">
             <a:extLst>
               <a:ext uri="{FF2B5EF4-FFF2-40B4-BE49-F238E27FC236}">
-                <a16:creationId xmlns:a16="http://schemas.microsoft.com/office/drawing/2014/main" id="{934717BD-CA7E-74F4-5D49-3B4325847020}"/>
+                <a16:creationId xmlns:a16="http://schemas.microsoft.com/office/drawing/2014/main" id="{7BDDA920-D3E6-8FBF-A240-250D03EDEA54}"/>
               </a:ext>
             </a:extLst>
           </p:cNvPr>
@@ -20275,10 +17674,10 @@
       </p:sp>
       <p:sp>
         <p:nvSpPr>
-          <p:cNvPr id="18" name="Rechteck 17">
+          <p:cNvPr id="18" name="Rechteck 6">
             <a:extLst>
               <a:ext uri="{FF2B5EF4-FFF2-40B4-BE49-F238E27FC236}">
-                <a16:creationId xmlns:a16="http://schemas.microsoft.com/office/drawing/2014/main" id="{DD8BC124-9CEE-0763-C28B-4ADA7CA6FEC1}"/>
+                <a16:creationId xmlns:a16="http://schemas.microsoft.com/office/drawing/2014/main" id="{FE7CB6A0-1AD4-BA2F-E4EC-A0CEE22B8D43}"/>
               </a:ext>
             </a:extLst>
           </p:cNvPr>
@@ -20324,10 +17723,10 @@
       </p:sp>
       <p:sp>
         <p:nvSpPr>
-          <p:cNvPr id="19" name="Rechteck 18">
+          <p:cNvPr id="19" name="Rechteck 7">
             <a:extLst>
               <a:ext uri="{FF2B5EF4-FFF2-40B4-BE49-F238E27FC236}">
-                <a16:creationId xmlns:a16="http://schemas.microsoft.com/office/drawing/2014/main" id="{87B859C8-8EC5-CDC9-8D41-F5E3773D5692}"/>
+                <a16:creationId xmlns:a16="http://schemas.microsoft.com/office/drawing/2014/main" id="{C925054F-02B8-4EFF-2C21-F67E898631A8}"/>
               </a:ext>
             </a:extLst>
           </p:cNvPr>
@@ -20373,10 +17772,10 @@
       </p:sp>
       <p:sp>
         <p:nvSpPr>
-          <p:cNvPr id="20" name="Rechteck 19">
+          <p:cNvPr id="20" name="Rechteck 8">
             <a:extLst>
               <a:ext uri="{FF2B5EF4-FFF2-40B4-BE49-F238E27FC236}">
-                <a16:creationId xmlns:a16="http://schemas.microsoft.com/office/drawing/2014/main" id="{6182E26F-C12C-16E0-DF3F-17074F79778D}"/>
+                <a16:creationId xmlns:a16="http://schemas.microsoft.com/office/drawing/2014/main" id="{117C8D8E-44DB-8116-B379-0A451548B352}"/>
               </a:ext>
             </a:extLst>
           </p:cNvPr>
@@ -20422,10 +17821,10 @@
       </p:sp>
       <p:sp>
         <p:nvSpPr>
-          <p:cNvPr id="21" name="Rechteck 20">
+          <p:cNvPr id="21" name="Rechteck 9">
             <a:extLst>
               <a:ext uri="{FF2B5EF4-FFF2-40B4-BE49-F238E27FC236}">
-                <a16:creationId xmlns:a16="http://schemas.microsoft.com/office/drawing/2014/main" id="{C06CDD3C-AD0D-4E0C-6F80-4AE1331B7EE0}"/>
+                <a16:creationId xmlns:a16="http://schemas.microsoft.com/office/drawing/2014/main" id="{46578434-71B4-C8EA-AE58-563B50FDEF1A}"/>
               </a:ext>
             </a:extLst>
           </p:cNvPr>
@@ -20471,10 +17870,10 @@
       </p:sp>
       <p:sp>
         <p:nvSpPr>
-          <p:cNvPr id="22" name="Ellipse 21">
+          <p:cNvPr id="22" name="EStart">
             <a:extLst>
               <a:ext uri="{FF2B5EF4-FFF2-40B4-BE49-F238E27FC236}">
-                <a16:creationId xmlns:a16="http://schemas.microsoft.com/office/drawing/2014/main" id="{B0D9C517-2000-2279-AD1A-F6A82A637B1F}"/>
+                <a16:creationId xmlns:a16="http://schemas.microsoft.com/office/drawing/2014/main" id="{E32EA672-C6CD-F620-3773-36EDA8C265D5}"/>
               </a:ext>
             </a:extLst>
           </p:cNvPr>
@@ -20514,16 +17913,16 @@
           <a:lstStyle/>
           <a:p>
             <a:pPr algn="ctr"/>
-            <a:endParaRPr lang="en-DE"/>
+            <a:endParaRPr lang="en-DE" dirty="0"/>
           </a:p>
         </p:txBody>
       </p:sp>
       <p:sp>
         <p:nvSpPr>
-          <p:cNvPr id="23" name="Ellipse 22">
+          <p:cNvPr id="23" name="EEnd">
             <a:extLst>
               <a:ext uri="{FF2B5EF4-FFF2-40B4-BE49-F238E27FC236}">
-                <a16:creationId xmlns:a16="http://schemas.microsoft.com/office/drawing/2014/main" id="{4211DE9A-B1D0-4E32-A35E-CE065EFC9A86}"/>
+                <a16:creationId xmlns:a16="http://schemas.microsoft.com/office/drawing/2014/main" id="{9D7CB00E-EA5C-0C81-018B-D3AFE6AB173B}"/>
               </a:ext>
             </a:extLst>
           </p:cNvPr>
@@ -20569,10 +17968,10 @@
       </p:sp>
       <p:sp>
         <p:nvSpPr>
-          <p:cNvPr id="24" name="Raute 23">
+          <p:cNvPr id="24" name="Rau">
             <a:extLst>
               <a:ext uri="{FF2B5EF4-FFF2-40B4-BE49-F238E27FC236}">
-                <a16:creationId xmlns:a16="http://schemas.microsoft.com/office/drawing/2014/main" id="{96BBEA85-A306-73F7-1194-8E76A6DC9A45}"/>
+                <a16:creationId xmlns:a16="http://schemas.microsoft.com/office/drawing/2014/main" id="{C20341E8-3A30-0D76-5461-6316BA667A80}"/>
               </a:ext>
             </a:extLst>
           </p:cNvPr>
@@ -20618,10 +18017,10 @@
       </p:sp>
       <p:sp>
         <p:nvSpPr>
-          <p:cNvPr id="25" name="Rechteck 24">
+          <p:cNvPr id="25" name="RNein">
             <a:extLst>
               <a:ext uri="{FF2B5EF4-FFF2-40B4-BE49-F238E27FC236}">
-                <a16:creationId xmlns:a16="http://schemas.microsoft.com/office/drawing/2014/main" id="{B6A037A9-53A3-9DFC-B477-5C15EA464A81}"/>
+                <a16:creationId xmlns:a16="http://schemas.microsoft.com/office/drawing/2014/main" id="{7DCB9234-979C-A751-688E-783344F7AA50}"/>
               </a:ext>
             </a:extLst>
           </p:cNvPr>
@@ -20661,16 +18060,16 @@
           <a:lstStyle/>
           <a:p>
             <a:pPr algn="ctr"/>
-            <a:endParaRPr lang="en-DE"/>
+            <a:endParaRPr lang="en-DE" dirty="0"/>
           </a:p>
         </p:txBody>
       </p:sp>
       <p:sp>
         <p:nvSpPr>
-          <p:cNvPr id="26" name="Rechteck 25">
+          <p:cNvPr id="26" name="RJa">
             <a:extLst>
               <a:ext uri="{FF2B5EF4-FFF2-40B4-BE49-F238E27FC236}">
-                <a16:creationId xmlns:a16="http://schemas.microsoft.com/office/drawing/2014/main" id="{0E1D1294-4C75-4D74-0EE3-0D7BD5996AA0}"/>
+                <a16:creationId xmlns:a16="http://schemas.microsoft.com/office/drawing/2014/main" id="{F7A35BA4-4AC2-E7A2-D766-3DBF00C0B585}"/>
               </a:ext>
             </a:extLst>
           </p:cNvPr>
@@ -20710,16 +18109,16 @@
           <a:lstStyle/>
           <a:p>
             <a:pPr algn="ctr"/>
-            <a:endParaRPr lang="en-DE"/>
+            <a:endParaRPr lang="en-DE" dirty="0"/>
           </a:p>
         </p:txBody>
       </p:sp>
       <p:pic>
         <p:nvPicPr>
-          <p:cNvPr id="68" name="Grafik 67" descr="Ein Bild, das Text, Screenshot, Zahl, Software enthält.&#10;&#10;KI-generierte Inhalte können fehlerhaft sein.">
+          <p:cNvPr id="68" name="Done" descr="Ein Bild, das Text, Screenshot, Zahl, Software enthält.&#10;&#10;KI-generierte Inhalte können fehlerhaft sein.">
             <a:extLst>
               <a:ext uri="{FF2B5EF4-FFF2-40B4-BE49-F238E27FC236}">
-                <a16:creationId xmlns:a16="http://schemas.microsoft.com/office/drawing/2014/main" id="{DB0D06F3-D6A1-A67F-3302-D4A91EB0F169}"/>
+                <a16:creationId xmlns:a16="http://schemas.microsoft.com/office/drawing/2014/main" id="{7275CDA5-DD76-0259-AA27-C8320A96AD83}"/>
               </a:ext>
             </a:extLst>
           </p:cNvPr>
@@ -20752,10 +18151,46 @@
       </p:pic>
       <p:pic>
         <p:nvPicPr>
-          <p:cNvPr id="69" name="Grafik 68" descr="Ein Bild, das Text, Screenshot, Zahl, Software enthält.&#10;&#10;KI-generierte Inhalte können fehlerhaft sein.">
+          <p:cNvPr id="3" name="Oberfläche" descr="Ein Bild, das Text, Screenshot, Software, Computersymbol enthält.&#10;&#10;KI-generierte Inhalte können fehlerhaft sein.">
             <a:extLst>
               <a:ext uri="{FF2B5EF4-FFF2-40B4-BE49-F238E27FC236}">
-                <a16:creationId xmlns:a16="http://schemas.microsoft.com/office/drawing/2014/main" id="{FA792105-3FBA-C338-62A2-9AB839A8585C}"/>
+                <a16:creationId xmlns:a16="http://schemas.microsoft.com/office/drawing/2014/main" id="{EA220686-ECF4-BB99-7BBF-C44CF050E2DE}"/>
+              </a:ext>
+            </a:extLst>
+          </p:cNvPr>
+          <p:cNvPicPr>
+            <a:picLocks noChangeAspect="1"/>
+          </p:cNvPicPr>
+          <p:nvPr/>
+        </p:nvPicPr>
+        <p:blipFill>
+          <a:blip r:embed="rId5">
+            <a:extLst>
+              <a:ext uri="{28A0092B-C50C-407E-A947-70E740481C1C}">
+                <a14:useLocalDpi xmlns:a14="http://schemas.microsoft.com/office/drawing/2010/main" val="0"/>
+              </a:ext>
+            </a:extLst>
+          </a:blip>
+          <a:stretch>
+            <a:fillRect/>
+          </a:stretch>
+        </p:blipFill>
+        <p:spPr>
+          <a:xfrm>
+            <a:off x="1353372" y="911949"/>
+            <a:ext cx="9485256" cy="5034102"/>
+          </a:xfrm>
+          <a:prstGeom prst="rect">
+            <a:avLst/>
+          </a:prstGeom>
+        </p:spPr>
+      </p:pic>
+      <p:pic>
+        <p:nvPicPr>
+          <p:cNvPr id="69" name="Done Anhang" descr="Ein Bild, das Text, Screenshot, Zahl, Software enthält.&#10;&#10;KI-generierte Inhalte können fehlerhaft sein.">
+            <a:extLst>
+              <a:ext uri="{FF2B5EF4-FFF2-40B4-BE49-F238E27FC236}">
+                <a16:creationId xmlns:a16="http://schemas.microsoft.com/office/drawing/2014/main" id="{88F90910-8AA0-B8C2-B14A-7ACB834BE6DA}"/>
               </a:ext>
             </a:extLst>
           </p:cNvPr>
@@ -20787,56 +18222,12 @@
           </a:prstGeom>
         </p:spPr>
       </p:pic>
-      <p:cxnSp>
-        <p:nvCxnSpPr>
-          <p:cNvPr id="71" name="Gerade Verbindung mit Pfeil 70">
-            <a:extLst>
-              <a:ext uri="{FF2B5EF4-FFF2-40B4-BE49-F238E27FC236}">
-                <a16:creationId xmlns:a16="http://schemas.microsoft.com/office/drawing/2014/main" id="{568ECB33-6E84-0362-30A8-84924D53CBF7}"/>
-              </a:ext>
-            </a:extLst>
-          </p:cNvPr>
-          <p:cNvCxnSpPr>
-            <a:cxnSpLocks/>
-          </p:cNvCxnSpPr>
-          <p:nvPr/>
-        </p:nvCxnSpPr>
-        <p:spPr>
-          <a:xfrm flipH="1">
-            <a:off x="5481637" y="5250915"/>
-            <a:ext cx="612838" cy="850429"/>
-          </a:xfrm>
-          <a:prstGeom prst="straightConnector1">
-            <a:avLst/>
-          </a:prstGeom>
-          <a:ln>
-            <a:solidFill>
-              <a:srgbClr val="FF0000"/>
-            </a:solidFill>
-            <a:tailEnd type="triangle"/>
-          </a:ln>
-        </p:spPr>
-        <p:style>
-          <a:lnRef idx="2">
-            <a:schemeClr val="accent1"/>
-          </a:lnRef>
-          <a:fillRef idx="0">
-            <a:schemeClr val="accent1"/>
-          </a:fillRef>
-          <a:effectRef idx="1">
-            <a:schemeClr val="accent1"/>
-          </a:effectRef>
-          <a:fontRef idx="minor">
-            <a:schemeClr val="tx1"/>
-          </a:fontRef>
-        </p:style>
-      </p:cxnSp>
       <p:pic>
         <p:nvPicPr>
-          <p:cNvPr id="60" name="Grafik 59" descr="Ein Bild, das Text, Screenshot, Software, Zahl enthält.&#10;&#10;KI-generierte Inhalte können fehlerhaft sein.">
+          <p:cNvPr id="29" name="Error Message" descr="Ein Bild, das Text, Screenshot, Schrift, Reihe enthält.&#10;&#10;KI-generierte Inhalte können fehlerhaft sein.">
             <a:extLst>
               <a:ext uri="{FF2B5EF4-FFF2-40B4-BE49-F238E27FC236}">
-                <a16:creationId xmlns:a16="http://schemas.microsoft.com/office/drawing/2014/main" id="{2BBF0DF2-5E98-882E-B33E-959FD2611BD8}"/>
+                <a16:creationId xmlns:a16="http://schemas.microsoft.com/office/drawing/2014/main" id="{0D02ADC7-1B93-F29A-950F-D2ED9268291D}"/>
               </a:ext>
             </a:extLst>
           </p:cNvPr>
@@ -20846,7 +18237,43 @@
           <p:nvPr/>
         </p:nvPicPr>
         <p:blipFill>
-          <a:blip r:embed="rId5">
+          <a:blip r:embed="rId6">
+            <a:extLst>
+              <a:ext uri="{28A0092B-C50C-407E-A947-70E740481C1C}">
+                <a14:useLocalDpi xmlns:a14="http://schemas.microsoft.com/office/drawing/2010/main" val="0"/>
+              </a:ext>
+            </a:extLst>
+          </a:blip>
+          <a:stretch>
+            <a:fillRect/>
+          </a:stretch>
+        </p:blipFill>
+        <p:spPr>
+          <a:xfrm>
+            <a:off x="1913941" y="1981004"/>
+            <a:ext cx="8364117" cy="2896004"/>
+          </a:xfrm>
+          <a:prstGeom prst="rect">
+            <a:avLst/>
+          </a:prstGeom>
+        </p:spPr>
+      </p:pic>
+      <p:pic>
+        <p:nvPicPr>
+          <p:cNvPr id="60" name="Open" descr="Ein Bild, das Text, Screenshot, Software, Zahl enthält.&#10;&#10;KI-generierte Inhalte können fehlerhaft sein.">
+            <a:extLst>
+              <a:ext uri="{FF2B5EF4-FFF2-40B4-BE49-F238E27FC236}">
+                <a16:creationId xmlns:a16="http://schemas.microsoft.com/office/drawing/2014/main" id="{59407EE5-6E22-66A0-7395-EA62D9A0085F}"/>
+              </a:ext>
+            </a:extLst>
+          </p:cNvPr>
+          <p:cNvPicPr>
+            <a:picLocks noChangeAspect="1"/>
+          </p:cNvPicPr>
+          <p:nvPr/>
+        </p:nvPicPr>
+        <p:blipFill>
+          <a:blip r:embed="rId7">
             <a:extLst>
               <a:ext uri="{28A0092B-C50C-407E-A947-70E740481C1C}">
                 <a14:useLocalDpi xmlns:a14="http://schemas.microsoft.com/office/drawing/2010/main" val="0"/>
@@ -20869,10 +18296,10 @@
       </p:pic>
       <p:pic>
         <p:nvPicPr>
-          <p:cNvPr id="64" name="Grafik 63" descr="Ein Bild, das Text, Screenshot, Software, Zahl enthält.&#10;&#10;KI-generierte Inhalte können fehlerhaft sein.">
+          <p:cNvPr id="64" name="Pack as ZIP" descr="Ein Bild, das Text, Screenshot, Software, Zahl enthält.&#10;&#10;KI-generierte Inhalte können fehlerhaft sein.">
             <a:extLst>
               <a:ext uri="{FF2B5EF4-FFF2-40B4-BE49-F238E27FC236}">
-                <a16:creationId xmlns:a16="http://schemas.microsoft.com/office/drawing/2014/main" id="{A90ECF65-298A-A187-9EF1-5BBAA278FDDF}"/>
+                <a16:creationId xmlns:a16="http://schemas.microsoft.com/office/drawing/2014/main" id="{A031F261-E126-2C1B-DD02-458BABE32EF5}"/>
               </a:ext>
             </a:extLst>
           </p:cNvPr>
@@ -20882,7 +18309,7 @@
           <p:nvPr/>
         </p:nvPicPr>
         <p:blipFill>
-          <a:blip r:embed="rId5">
+          <a:blip r:embed="rId7">
             <a:extLst>
               <a:ext uri="{28A0092B-C50C-407E-A947-70E740481C1C}">
                 <a14:useLocalDpi xmlns:a14="http://schemas.microsoft.com/office/drawing/2010/main" val="0"/>
@@ -20904,54 +18331,49 @@
           </a:prstGeom>
         </p:spPr>
       </p:pic>
-      <p:cxnSp>
-        <p:nvCxnSpPr>
-          <p:cNvPr id="66" name="Gerade Verbindung mit Pfeil 65">
+      <p:pic>
+        <p:nvPicPr>
+          <p:cNvPr id="61" name="Details Export" descr="Ein Bild, das Text, Screenshot, Software, Zahl enthält.&#10;&#10;KI-generierte Inhalte können fehlerhaft sein.">
             <a:extLst>
               <a:ext uri="{FF2B5EF4-FFF2-40B4-BE49-F238E27FC236}">
-                <a16:creationId xmlns:a16="http://schemas.microsoft.com/office/drawing/2014/main" id="{1146C155-A976-11C5-200B-2E6F39E22EE1}"/>
+                <a16:creationId xmlns:a16="http://schemas.microsoft.com/office/drawing/2014/main" id="{AD6A79AD-9A58-8FFD-F98A-5280029DF1E2}"/>
               </a:ext>
             </a:extLst>
           </p:cNvPr>
-          <p:cNvCxnSpPr/>
+          <p:cNvPicPr>
+            <a:picLocks noChangeAspect="1"/>
+          </p:cNvPicPr>
           <p:nvPr/>
-        </p:nvCxnSpPr>
+        </p:nvPicPr>
+        <p:blipFill>
+          <a:blip r:embed="rId7">
+            <a:extLst>
+              <a:ext uri="{28A0092B-C50C-407E-A947-70E740481C1C}">
+                <a14:useLocalDpi xmlns:a14="http://schemas.microsoft.com/office/drawing/2010/main" val="0"/>
+              </a:ext>
+            </a:extLst>
+          </a:blip>
+          <a:srcRect l="-6009" t="5554" r="67891" b="66097"/>
+          <a:stretch>
+            <a:fillRect/>
+          </a:stretch>
+        </p:blipFill>
         <p:spPr>
-          <a:xfrm flipH="1" flipV="1">
-            <a:off x="2895600" y="1295400"/>
-            <a:ext cx="1047750" cy="1082550"/>
+          <a:xfrm>
+            <a:off x="3350361" y="1836658"/>
+            <a:ext cx="6587639" cy="3696172"/>
           </a:xfrm>
-          <a:prstGeom prst="straightConnector1">
+          <a:prstGeom prst="ellipse">
             <a:avLst/>
           </a:prstGeom>
-          <a:ln>
-            <a:solidFill>
-              <a:srgbClr val="FF0000"/>
-            </a:solidFill>
-            <a:tailEnd type="triangle"/>
-          </a:ln>
         </p:spPr>
-        <p:style>
-          <a:lnRef idx="2">
-            <a:schemeClr val="accent1"/>
-          </a:lnRef>
-          <a:fillRef idx="0">
-            <a:schemeClr val="accent1"/>
-          </a:fillRef>
-          <a:effectRef idx="1">
-            <a:schemeClr val="accent1"/>
-          </a:effectRef>
-          <a:fontRef idx="minor">
-            <a:schemeClr val="tx1"/>
-          </a:fontRef>
-        </p:style>
-      </p:cxnSp>
+      </p:pic>
       <p:pic>
         <p:nvPicPr>
-          <p:cNvPr id="61" name="Grafik 60" descr="Ein Bild, das Text, Screenshot, Software, Zahl enthält.&#10;&#10;KI-generierte Inhalte können fehlerhaft sein.">
+          <p:cNvPr id="10" name="Erstellen Oberfläche" descr="Ein Bild, das Text, Screenshot, Software, Computersymbol enthält.&#10;&#10;KI-generierte Inhalte können fehlerhaft sein.">
             <a:extLst>
               <a:ext uri="{FF2B5EF4-FFF2-40B4-BE49-F238E27FC236}">
-                <a16:creationId xmlns:a16="http://schemas.microsoft.com/office/drawing/2014/main" id="{F1A3B22E-0A5E-0EFA-5A8C-2109AB329A16}"/>
+                <a16:creationId xmlns:a16="http://schemas.microsoft.com/office/drawing/2014/main" id="{9FD7C00B-6169-9238-C86A-AA08AEF5F82E}"/>
               </a:ext>
             </a:extLst>
           </p:cNvPr>
@@ -20968,71 +18390,27 @@
               </a:ext>
             </a:extLst>
           </a:blip>
-          <a:srcRect l="-4842" t="5523" r="67209" b="66128"/>
+          <a:srcRect t="8588" r="83785" b="82599"/>
           <a:stretch>
             <a:fillRect/>
           </a:stretch>
         </p:blipFill>
         <p:spPr>
           <a:xfrm>
-            <a:off x="3350361" y="1836658"/>
-            <a:ext cx="6503831" cy="3696172"/>
+            <a:off x="2983897" y="2684946"/>
+            <a:ext cx="2309624" cy="666213"/>
           </a:xfrm>
           <a:prstGeom prst="ellipse">
             <a:avLst/>
           </a:prstGeom>
         </p:spPr>
       </p:pic>
-      <p:cxnSp>
-        <p:nvCxnSpPr>
-          <p:cNvPr id="63" name="Gerade Verbindung mit Pfeil 62">
-            <a:extLst>
-              <a:ext uri="{FF2B5EF4-FFF2-40B4-BE49-F238E27FC236}">
-                <a16:creationId xmlns:a16="http://schemas.microsoft.com/office/drawing/2014/main" id="{5E222073-737D-8C6B-69A4-CD1EE738C918}"/>
-              </a:ext>
-            </a:extLst>
-          </p:cNvPr>
-          <p:cNvCxnSpPr>
-            <a:stCxn id="61" idx="1"/>
-          </p:cNvCxnSpPr>
-          <p:nvPr/>
-        </p:nvCxnSpPr>
-        <p:spPr>
-          <a:xfrm flipH="1" flipV="1">
-            <a:off x="3202041" y="1607085"/>
-            <a:ext cx="1100784" cy="770865"/>
-          </a:xfrm>
-          <a:prstGeom prst="straightConnector1">
-            <a:avLst/>
-          </a:prstGeom>
-          <a:ln>
-            <a:solidFill>
-              <a:srgbClr val="FF0000"/>
-            </a:solidFill>
-            <a:tailEnd type="triangle"/>
-          </a:ln>
-        </p:spPr>
-        <p:style>
-          <a:lnRef idx="2">
-            <a:schemeClr val="accent1"/>
-          </a:lnRef>
-          <a:fillRef idx="0">
-            <a:schemeClr val="accent1"/>
-          </a:fillRef>
-          <a:effectRef idx="1">
-            <a:schemeClr val="accent1"/>
-          </a:effectRef>
-          <a:fontRef idx="minor">
-            <a:schemeClr val="tx1"/>
-          </a:fontRef>
-        </p:style>
-      </p:cxnSp>
       <p:pic>
         <p:nvPicPr>
-          <p:cNvPr id="28" name="Grafik 27" descr="Ein Bild, das Text, Screenshot, Software, Betriebssystem enthält.&#10;&#10;KI-generierte Inhalte können fehlerhaft sein.">
+          <p:cNvPr id="37" name="Filter Draft" descr="Ein Bild, das Text, Screenshot, Reihe enthält.&#10;&#10;KI-generierte Inhalte können fehlerhaft sein.">
             <a:extLst>
               <a:ext uri="{FF2B5EF4-FFF2-40B4-BE49-F238E27FC236}">
-                <a16:creationId xmlns:a16="http://schemas.microsoft.com/office/drawing/2014/main" id="{3E32330C-AC46-4D8F-9760-05DBEA69CC65}"/>
+                <a16:creationId xmlns:a16="http://schemas.microsoft.com/office/drawing/2014/main" id="{E2C2B5BF-ECB1-795D-8AD1-0D8D5EC2A678}"/>
               </a:ext>
             </a:extLst>
           </p:cNvPr>
@@ -21042,7 +18420,7 @@
           <p:nvPr/>
         </p:nvPicPr>
         <p:blipFill>
-          <a:blip r:embed="rId6">
+          <a:blip r:embed="rId8">
             <a:extLst>
               <a:ext uri="{28A0092B-C50C-407E-A947-70E740481C1C}">
                 <a14:useLocalDpi xmlns:a14="http://schemas.microsoft.com/office/drawing/2010/main" val="0"/>
@@ -21055,282 +18433,7 @@
         </p:blipFill>
         <p:spPr>
           <a:xfrm>
-            <a:off x="1341629" y="887095"/>
-            <a:ext cx="9623509" cy="5127781"/>
-          </a:xfrm>
-          <a:prstGeom prst="rect">
-            <a:avLst/>
-          </a:prstGeom>
-        </p:spPr>
-      </p:pic>
-      <p:pic>
-        <p:nvPicPr>
-          <p:cNvPr id="33" name="Grafik 32" descr="Ein Bild, das Text, Screenshot, Software, Betriebssystem enthält.&#10;&#10;KI-generierte Inhalte können fehlerhaft sein.">
-            <a:extLst>
-              <a:ext uri="{FF2B5EF4-FFF2-40B4-BE49-F238E27FC236}">
-                <a16:creationId xmlns:a16="http://schemas.microsoft.com/office/drawing/2014/main" id="{208E49DF-3EB7-5F48-0573-0E63D4EE7F66}"/>
-              </a:ext>
-            </a:extLst>
-          </p:cNvPr>
-          <p:cNvPicPr>
-            <a:picLocks noChangeAspect="1"/>
-          </p:cNvPicPr>
-          <p:nvPr/>
-        </p:nvPicPr>
-        <p:blipFill>
-          <a:blip r:embed="rId6">
-            <a:extLst>
-              <a:ext uri="{28A0092B-C50C-407E-A947-70E740481C1C}">
-                <a14:useLocalDpi xmlns:a14="http://schemas.microsoft.com/office/drawing/2010/main" val="0"/>
-              </a:ext>
-            </a:extLst>
-          </a:blip>
-          <a:srcRect l="-1" t="2685" r="91171" b="85497"/>
-          <a:stretch>
-            <a:fillRect/>
-          </a:stretch>
-        </p:blipFill>
-        <p:spPr>
-          <a:xfrm>
-            <a:off x="3048246" y="2162772"/>
-            <a:ext cx="2052085" cy="1380089"/>
-          </a:xfrm>
-          <a:prstGeom prst="ellipse">
-            <a:avLst/>
-          </a:prstGeom>
-        </p:spPr>
-      </p:pic>
-      <p:cxnSp>
-        <p:nvCxnSpPr>
-          <p:cNvPr id="35" name="Gerade Verbindung mit Pfeil 34">
-            <a:extLst>
-              <a:ext uri="{FF2B5EF4-FFF2-40B4-BE49-F238E27FC236}">
-                <a16:creationId xmlns:a16="http://schemas.microsoft.com/office/drawing/2014/main" id="{6EE649DE-19E1-620E-BFAE-EDA673F03859}"/>
-              </a:ext>
-            </a:extLst>
-          </p:cNvPr>
-          <p:cNvCxnSpPr/>
-          <p:nvPr/>
-        </p:nvCxnSpPr>
-        <p:spPr>
-          <a:xfrm flipH="1" flipV="1">
-            <a:off x="1704975" y="1419225"/>
-            <a:ext cx="1343271" cy="1433591"/>
-          </a:xfrm>
-          <a:prstGeom prst="straightConnector1">
-            <a:avLst/>
-          </a:prstGeom>
-          <a:ln>
-            <a:solidFill>
-              <a:srgbClr val="FF0000"/>
-            </a:solidFill>
-            <a:tailEnd type="triangle"/>
-          </a:ln>
-        </p:spPr>
-        <p:style>
-          <a:lnRef idx="2">
-            <a:schemeClr val="dk1"/>
-          </a:lnRef>
-          <a:fillRef idx="0">
-            <a:schemeClr val="dk1"/>
-          </a:fillRef>
-          <a:effectRef idx="1">
-            <a:schemeClr val="dk1"/>
-          </a:effectRef>
-          <a:fontRef idx="minor">
-            <a:schemeClr val="tx1"/>
-          </a:fontRef>
-        </p:style>
-      </p:cxnSp>
-      <p:sp>
-        <p:nvSpPr>
-          <p:cNvPr id="9" name="Datumsplatzhalter 8">
-            <a:extLst>
-              <a:ext uri="{FF2B5EF4-FFF2-40B4-BE49-F238E27FC236}">
-                <a16:creationId xmlns:a16="http://schemas.microsoft.com/office/drawing/2014/main" id="{3F6145EB-BBA9-A702-5F7B-3002A3BB97CB}"/>
-              </a:ext>
-            </a:extLst>
-          </p:cNvPr>
-          <p:cNvSpPr>
-            <a:spLocks noGrp="1"/>
-          </p:cNvSpPr>
-          <p:nvPr>
-            <p:ph type="dt" sz="half" idx="10"/>
-          </p:nvPr>
-        </p:nvSpPr>
-        <p:spPr/>
-        <p:txBody>
-          <a:bodyPr>
-            <a:normAutofit/>
-          </a:bodyPr>
-          <a:lstStyle/>
-          <a:p>
-            <a:pPr>
-              <a:spcAft>
-                <a:spcPts val="600"/>
-              </a:spcAft>
-            </a:pPr>
-            <a:r>
-              <a:rPr lang="en-US" dirty="0">
-                <a:solidFill>
-                  <a:schemeClr val="bg1">
-                    <a:lumMod val="50000"/>
-                  </a:schemeClr>
-                </a:solidFill>
-              </a:rPr>
-              <a:t>Mark Albers</a:t>
-            </a:r>
-          </a:p>
-        </p:txBody>
-      </p:sp>
-      <p:sp>
-        <p:nvSpPr>
-          <p:cNvPr id="7" name="Fußzeilenplatzhalter 6">
-            <a:extLst>
-              <a:ext uri="{FF2B5EF4-FFF2-40B4-BE49-F238E27FC236}">
-                <a16:creationId xmlns:a16="http://schemas.microsoft.com/office/drawing/2014/main" id="{7DFEBBA1-F0BB-2794-1817-EBDF08E6EDB7}"/>
-              </a:ext>
-            </a:extLst>
-          </p:cNvPr>
-          <p:cNvSpPr>
-            <a:spLocks noGrp="1"/>
-          </p:cNvSpPr>
-          <p:nvPr>
-            <p:ph type="ftr" sz="quarter" idx="11"/>
-          </p:nvPr>
-        </p:nvSpPr>
-        <p:spPr>
-          <a:xfrm>
-            <a:off x="4074289" y="6357620"/>
-            <a:ext cx="4040373" cy="365125"/>
-          </a:xfrm>
-        </p:spPr>
-        <p:txBody>
-          <a:bodyPr>
-            <a:normAutofit/>
-          </a:bodyPr>
-          <a:lstStyle/>
-          <a:p>
-            <a:pPr algn="ctr">
-              <a:spcAft>
-                <a:spcPts val="600"/>
-              </a:spcAft>
-            </a:pPr>
-            <a:r>
-              <a:rPr lang="en-US" dirty="0">
-                <a:solidFill>
-                  <a:schemeClr val="bg1">
-                    <a:lumMod val="50000"/>
-                  </a:schemeClr>
-                </a:solidFill>
-              </a:rPr>
-              <a:t>2025 </a:t>
-            </a:r>
-            <a:r>
-              <a:rPr lang="en-US" dirty="0" err="1">
-                <a:solidFill>
-                  <a:schemeClr val="bg1">
-                    <a:lumMod val="50000"/>
-                  </a:schemeClr>
-                </a:solidFill>
-              </a:rPr>
-              <a:t>Sirum</a:t>
-            </a:r>
-            <a:r>
-              <a:rPr lang="en-US" dirty="0">
-                <a:solidFill>
-                  <a:schemeClr val="bg1">
-                    <a:lumMod val="50000"/>
-                  </a:schemeClr>
-                </a:solidFill>
-              </a:rPr>
-              <a:t> GmbH</a:t>
-            </a:r>
-          </a:p>
-        </p:txBody>
-      </p:sp>
-      <p:sp>
-        <p:nvSpPr>
-          <p:cNvPr id="8" name="Foliennummernplatzhalter 7">
-            <a:extLst>
-              <a:ext uri="{FF2B5EF4-FFF2-40B4-BE49-F238E27FC236}">
-                <a16:creationId xmlns:a16="http://schemas.microsoft.com/office/drawing/2014/main" id="{AE750249-A8C9-A08B-5F7D-A55FB8986909}"/>
-              </a:ext>
-            </a:extLst>
-          </p:cNvPr>
-          <p:cNvSpPr>
-            <a:spLocks noGrp="1"/>
-          </p:cNvSpPr>
-          <p:nvPr>
-            <p:ph type="sldNum" sz="quarter" idx="12"/>
-          </p:nvPr>
-        </p:nvSpPr>
-        <p:spPr/>
-        <p:txBody>
-          <a:bodyPr>
-            <a:normAutofit/>
-          </a:bodyPr>
-          <a:lstStyle/>
-          <a:p>
-            <a:pPr>
-              <a:spcAft>
-                <a:spcPts val="600"/>
-              </a:spcAft>
-            </a:pPr>
-            <a:fld id="{70C12960-6E85-460F-B6E3-5B82CB31AF3D}" type="slidenum">
-              <a:rPr lang="en-US" smtClean="0">
-                <a:solidFill>
-                  <a:schemeClr val="bg1">
-                    <a:lumMod val="50000"/>
-                  </a:schemeClr>
-                </a:solidFill>
-              </a:rPr>
-              <a:pPr>
-                <a:spcAft>
-                  <a:spcPts val="600"/>
-                </a:spcAft>
-              </a:pPr>
-              <a:t>9</a:t>
-            </a:fld>
-            <a:endParaRPr lang="en-US" dirty="0">
-              <a:solidFill>
-                <a:schemeClr val="bg1">
-                  <a:lumMod val="50000"/>
-                </a:schemeClr>
-              </a:solidFill>
-            </a:endParaRPr>
-          </a:p>
-        </p:txBody>
-      </p:sp>
-      <p:pic>
-        <p:nvPicPr>
-          <p:cNvPr id="37" name="Grafik 36" descr="Ein Bild, das Text, Screenshot, Reihe enthält.&#10;&#10;KI-generierte Inhalte können fehlerhaft sein.">
-            <a:extLst>
-              <a:ext uri="{FF2B5EF4-FFF2-40B4-BE49-F238E27FC236}">
-                <a16:creationId xmlns:a16="http://schemas.microsoft.com/office/drawing/2014/main" id="{7CA5526B-0339-5DDF-D452-10C52A0BEEBB}"/>
-              </a:ext>
-            </a:extLst>
-          </p:cNvPr>
-          <p:cNvPicPr>
-            <a:picLocks noChangeAspect="1"/>
-          </p:cNvPicPr>
-          <p:nvPr/>
-        </p:nvPicPr>
-        <p:blipFill>
-          <a:blip r:embed="rId7">
-            <a:extLst>
-              <a:ext uri="{28A0092B-C50C-407E-A947-70E740481C1C}">
-                <a14:useLocalDpi xmlns:a14="http://schemas.microsoft.com/office/drawing/2010/main" val="0"/>
-              </a:ext>
-            </a:extLst>
-          </a:blip>
-          <a:stretch>
-            <a:fillRect/>
-          </a:stretch>
-        </p:blipFill>
-        <p:spPr>
-          <a:xfrm>
-            <a:off x="142994" y="1695208"/>
+            <a:off x="142994" y="1707994"/>
             <a:ext cx="11936491" cy="3467584"/>
           </a:xfrm>
           <a:prstGeom prst="rect">
@@ -21340,10 +18443,10 @@
       </p:pic>
       <p:pic>
         <p:nvPicPr>
-          <p:cNvPr id="114" name="Grafik 113" descr="Ein Bild, das Text, Screenshot, Reihe enthält.&#10;&#10;KI-generierte Inhalte können fehlerhaft sein.">
+          <p:cNvPr id="5" name="Open Dokumente" descr="Ein Bild, das Text, Screenshot, Software, Zahl enthält.&#10;&#10;KI-generierte Inhalte können fehlerhaft sein.">
             <a:extLst>
               <a:ext uri="{FF2B5EF4-FFF2-40B4-BE49-F238E27FC236}">
-                <a16:creationId xmlns:a16="http://schemas.microsoft.com/office/drawing/2014/main" id="{117A3FEB-F7A7-6CD0-A6CA-489A3C107F45}"/>
+                <a16:creationId xmlns:a16="http://schemas.microsoft.com/office/drawing/2014/main" id="{5B0A6062-97DC-3C70-EC3D-04C8B6ED06A7}"/>
               </a:ext>
             </a:extLst>
           </p:cNvPr>
@@ -21354,6 +18457,43 @@
         </p:nvPicPr>
         <p:blipFill>
           <a:blip r:embed="rId7">
+            <a:extLst>
+              <a:ext uri="{28A0092B-C50C-407E-A947-70E740481C1C}">
+                <a14:useLocalDpi xmlns:a14="http://schemas.microsoft.com/office/drawing/2010/main" val="0"/>
+              </a:ext>
+            </a:extLst>
+          </a:blip>
+          <a:srcRect l="384" t="34725" r="2068" b="52096"/>
+          <a:stretch>
+            <a:fillRect/>
+          </a:stretch>
+        </p:blipFill>
+        <p:spPr>
+          <a:xfrm>
+            <a:off x="510351" y="3607012"/>
+            <a:ext cx="11538655" cy="1176060"/>
+          </a:xfrm>
+          <a:prstGeom prst="rect">
+            <a:avLst/>
+          </a:prstGeom>
+        </p:spPr>
+      </p:pic>
+      <p:pic>
+        <p:nvPicPr>
+          <p:cNvPr id="114" name="Check Export" descr="Ein Bild, das Text, Screenshot, Reihe enthält.&#10;&#10;KI-generierte Inhalte können fehlerhaft sein.">
+            <a:extLst>
+              <a:ext uri="{FF2B5EF4-FFF2-40B4-BE49-F238E27FC236}">
+                <a16:creationId xmlns:a16="http://schemas.microsoft.com/office/drawing/2014/main" id="{C6E42AB0-F18A-BF4F-291B-0DF26886DA28}"/>
+              </a:ext>
+            </a:extLst>
+          </p:cNvPr>
+          <p:cNvPicPr>
+            <a:picLocks noChangeAspect="1"/>
+          </p:cNvPicPr>
+          <p:nvPr/>
+        </p:nvPicPr>
+        <p:blipFill>
+          <a:blip r:embed="rId8">
             <a:extLst>
               <a:ext uri="{28A0092B-C50C-407E-A947-70E740481C1C}">
                 <a14:useLocalDpi xmlns:a14="http://schemas.microsoft.com/office/drawing/2010/main" val="0"/>
@@ -21377,52 +18517,10 @@
       </p:pic>
       <p:cxnSp>
         <p:nvCxnSpPr>
-          <p:cNvPr id="116" name="Gerade Verbindung mit Pfeil 115">
+          <p:cNvPr id="39" name="Filter Draft-&gt;M2">
             <a:extLst>
               <a:ext uri="{FF2B5EF4-FFF2-40B4-BE49-F238E27FC236}">
-                <a16:creationId xmlns:a16="http://schemas.microsoft.com/office/drawing/2014/main" id="{0C6E2DE9-C682-5791-AA1E-98C8BA51C665}"/>
-              </a:ext>
-            </a:extLst>
-          </p:cNvPr>
-          <p:cNvCxnSpPr/>
-          <p:nvPr/>
-        </p:nvCxnSpPr>
-        <p:spPr>
-          <a:xfrm flipH="1" flipV="1">
-            <a:off x="1011195" y="2449467"/>
-            <a:ext cx="1884405" cy="979531"/>
-          </a:xfrm>
-          <a:prstGeom prst="straightConnector1">
-            <a:avLst/>
-          </a:prstGeom>
-          <a:ln>
-            <a:solidFill>
-              <a:srgbClr val="FF0000"/>
-            </a:solidFill>
-            <a:tailEnd type="triangle"/>
-          </a:ln>
-        </p:spPr>
-        <p:style>
-          <a:lnRef idx="2">
-            <a:schemeClr val="accent1"/>
-          </a:lnRef>
-          <a:fillRef idx="0">
-            <a:schemeClr val="accent1"/>
-          </a:fillRef>
-          <a:effectRef idx="1">
-            <a:schemeClr val="accent1"/>
-          </a:effectRef>
-          <a:fontRef idx="minor">
-            <a:schemeClr val="tx1"/>
-          </a:fontRef>
-        </p:style>
-      </p:cxnSp>
-      <p:cxnSp>
-        <p:nvCxnSpPr>
-          <p:cNvPr id="39" name="Gerade Verbindung mit Pfeil 38">
-            <a:extLst>
-              <a:ext uri="{FF2B5EF4-FFF2-40B4-BE49-F238E27FC236}">
-                <a16:creationId xmlns:a16="http://schemas.microsoft.com/office/drawing/2014/main" id="{C971FAB3-1A7B-92F5-D447-5A4BEAB6EFE5}"/>
+                <a16:creationId xmlns:a16="http://schemas.microsoft.com/office/drawing/2014/main" id="{876831AB-C61F-E5CF-E02E-C4407629A3F4}"/>
               </a:ext>
             </a:extLst>
           </p:cNvPr>
@@ -21461,10 +18559,10 @@
       </p:cxnSp>
       <p:cxnSp>
         <p:nvCxnSpPr>
-          <p:cNvPr id="40" name="Gerade Verbindung mit Pfeil 39">
+          <p:cNvPr id="40" name="Filter Draft-&gt;M">
             <a:extLst>
               <a:ext uri="{FF2B5EF4-FFF2-40B4-BE49-F238E27FC236}">
-                <a16:creationId xmlns:a16="http://schemas.microsoft.com/office/drawing/2014/main" id="{AFAA3E12-EFBB-1DA2-7E28-80A7C7791B08}"/>
+                <a16:creationId xmlns:a16="http://schemas.microsoft.com/office/drawing/2014/main" id="{48C1E775-26AF-6827-75B9-732DC1E1A6DD}"/>
               </a:ext>
             </a:extLst>
           </p:cNvPr>
@@ -21505,10 +18603,10 @@
       </p:cxnSp>
       <p:cxnSp>
         <p:nvCxnSpPr>
-          <p:cNvPr id="43" name="Gerade Verbindung mit Pfeil 42">
+          <p:cNvPr id="43" name="Filter Draft-&gt;AD2">
             <a:extLst>
               <a:ext uri="{FF2B5EF4-FFF2-40B4-BE49-F238E27FC236}">
-                <a16:creationId xmlns:a16="http://schemas.microsoft.com/office/drawing/2014/main" id="{67B98135-2DE5-4221-2FCB-DCD82052D73E}"/>
+                <a16:creationId xmlns:a16="http://schemas.microsoft.com/office/drawing/2014/main" id="{F0B87C97-B430-1373-215F-336F5622F995}"/>
               </a:ext>
             </a:extLst>
           </p:cNvPr>
@@ -21549,10 +18647,10 @@
       </p:cxnSp>
       <p:cxnSp>
         <p:nvCxnSpPr>
-          <p:cNvPr id="44" name="Gerade Verbindung mit Pfeil 43">
+          <p:cNvPr id="44" name="Filter Draft-&gt;AD">
             <a:extLst>
               <a:ext uri="{FF2B5EF4-FFF2-40B4-BE49-F238E27FC236}">
-                <a16:creationId xmlns:a16="http://schemas.microsoft.com/office/drawing/2014/main" id="{36A89EB1-F0D7-E71C-6CD4-B01A4FB28817}"/>
+                <a16:creationId xmlns:a16="http://schemas.microsoft.com/office/drawing/2014/main" id="{BBDE6CBA-9E20-D4AD-AB8A-F78BF08EDDA6}"/>
               </a:ext>
             </a:extLst>
           </p:cNvPr>
@@ -21593,10 +18691,10 @@
       </p:cxnSp>
       <p:cxnSp>
         <p:nvCxnSpPr>
-          <p:cNvPr id="51" name="Gerade Verbindung mit Pfeil 50">
+          <p:cNvPr id="51" name="Filter Draft-&gt;ED2">
             <a:extLst>
               <a:ext uri="{FF2B5EF4-FFF2-40B4-BE49-F238E27FC236}">
-                <a16:creationId xmlns:a16="http://schemas.microsoft.com/office/drawing/2014/main" id="{E066D8FD-6002-9A21-18CC-1B1EC3227E8A}"/>
+                <a16:creationId xmlns:a16="http://schemas.microsoft.com/office/drawing/2014/main" id="{80B1DB3F-3CEE-4BF5-4FE5-EF694B5DEC4F}"/>
               </a:ext>
             </a:extLst>
           </p:cNvPr>
@@ -21637,10 +18735,10 @@
       </p:cxnSp>
       <p:cxnSp>
         <p:nvCxnSpPr>
-          <p:cNvPr id="52" name="Gerade Verbindung mit Pfeil 51">
+          <p:cNvPr id="52" name="Filter Draft-&gt;ED">
             <a:extLst>
               <a:ext uri="{FF2B5EF4-FFF2-40B4-BE49-F238E27FC236}">
-                <a16:creationId xmlns:a16="http://schemas.microsoft.com/office/drawing/2014/main" id="{33AFFA7C-B7E6-CCEB-CCD1-9C05A2797480}"/>
+                <a16:creationId xmlns:a16="http://schemas.microsoft.com/office/drawing/2014/main" id="{2398FE8D-AC4A-5ED7-D14E-028084419020}"/>
               </a:ext>
             </a:extLst>
           </p:cNvPr>
@@ -21679,10 +18777,267 @@
           </a:fontRef>
         </p:style>
       </p:cxnSp>
+      <p:cxnSp>
+        <p:nvCxnSpPr>
+          <p:cNvPr id="28" name="Open Dokumente-&gt;">
+            <a:extLst>
+              <a:ext uri="{FF2B5EF4-FFF2-40B4-BE49-F238E27FC236}">
+                <a16:creationId xmlns:a16="http://schemas.microsoft.com/office/drawing/2014/main" id="{34AFB000-9F69-293E-5D12-FC80F8F4392A}"/>
+              </a:ext>
+            </a:extLst>
+          </p:cNvPr>
+          <p:cNvCxnSpPr/>
+          <p:nvPr/>
+        </p:nvCxnSpPr>
+        <p:spPr>
+          <a:xfrm flipV="1">
+            <a:off x="514350" y="3215160"/>
+            <a:ext cx="1890160" cy="381538"/>
+          </a:xfrm>
+          <a:prstGeom prst="straightConnector1">
+            <a:avLst/>
+          </a:prstGeom>
+          <a:ln>
+            <a:solidFill>
+              <a:srgbClr val="FF0000"/>
+            </a:solidFill>
+            <a:tailEnd type="triangle"/>
+          </a:ln>
+        </p:spPr>
+        <p:style>
+          <a:lnRef idx="2">
+            <a:schemeClr val="accent1"/>
+          </a:lnRef>
+          <a:fillRef idx="0">
+            <a:schemeClr val="accent1"/>
+          </a:fillRef>
+          <a:effectRef idx="1">
+            <a:schemeClr val="accent1"/>
+          </a:effectRef>
+          <a:fontRef idx="minor">
+            <a:schemeClr val="tx1"/>
+          </a:fontRef>
+        </p:style>
+      </p:cxnSp>
+      <p:cxnSp>
+        <p:nvCxnSpPr>
+          <p:cNvPr id="66" name="Gerade Verbindung mit Pfeil 65">
+            <a:extLst>
+              <a:ext uri="{FF2B5EF4-FFF2-40B4-BE49-F238E27FC236}">
+                <a16:creationId xmlns:a16="http://schemas.microsoft.com/office/drawing/2014/main" id="{670C65A7-38BA-CE57-8EB8-65F9D452F038}"/>
+              </a:ext>
+            </a:extLst>
+          </p:cNvPr>
+          <p:cNvCxnSpPr/>
+          <p:nvPr/>
+        </p:nvCxnSpPr>
+        <p:spPr>
+          <a:xfrm flipH="1" flipV="1">
+            <a:off x="2895600" y="1295400"/>
+            <a:ext cx="1047750" cy="1082550"/>
+          </a:xfrm>
+          <a:prstGeom prst="straightConnector1">
+            <a:avLst/>
+          </a:prstGeom>
+          <a:ln>
+            <a:solidFill>
+              <a:srgbClr val="FF0000"/>
+            </a:solidFill>
+            <a:tailEnd type="triangle"/>
+          </a:ln>
+        </p:spPr>
+        <p:style>
+          <a:lnRef idx="2">
+            <a:schemeClr val="accent1"/>
+          </a:lnRef>
+          <a:fillRef idx="0">
+            <a:schemeClr val="accent1"/>
+          </a:fillRef>
+          <a:effectRef idx="1">
+            <a:schemeClr val="accent1"/>
+          </a:effectRef>
+          <a:fontRef idx="minor">
+            <a:schemeClr val="tx1"/>
+          </a:fontRef>
+        </p:style>
+      </p:cxnSp>
+      <p:cxnSp>
+        <p:nvCxnSpPr>
+          <p:cNvPr id="71" name="Done Anhang-&gt;">
+            <a:extLst>
+              <a:ext uri="{FF2B5EF4-FFF2-40B4-BE49-F238E27FC236}">
+                <a16:creationId xmlns:a16="http://schemas.microsoft.com/office/drawing/2014/main" id="{38FEC8F3-AA77-4EB0-D9F8-EB24E0BBD626}"/>
+              </a:ext>
+            </a:extLst>
+          </p:cNvPr>
+          <p:cNvCxnSpPr>
+            <a:cxnSpLocks/>
+          </p:cNvCxnSpPr>
+          <p:nvPr/>
+        </p:nvCxnSpPr>
+        <p:spPr>
+          <a:xfrm flipH="1">
+            <a:off x="5481637" y="5250915"/>
+            <a:ext cx="612838" cy="850429"/>
+          </a:xfrm>
+          <a:prstGeom prst="straightConnector1">
+            <a:avLst/>
+          </a:prstGeom>
+          <a:ln>
+            <a:solidFill>
+              <a:srgbClr val="FF0000"/>
+            </a:solidFill>
+            <a:tailEnd type="triangle"/>
+          </a:ln>
+        </p:spPr>
+        <p:style>
+          <a:lnRef idx="2">
+            <a:schemeClr val="accent1"/>
+          </a:lnRef>
+          <a:fillRef idx="0">
+            <a:schemeClr val="accent1"/>
+          </a:fillRef>
+          <a:effectRef idx="1">
+            <a:schemeClr val="accent1"/>
+          </a:effectRef>
+          <a:fontRef idx="minor">
+            <a:schemeClr val="tx1"/>
+          </a:fontRef>
+        </p:style>
+      </p:cxnSp>
+      <p:cxnSp>
+        <p:nvCxnSpPr>
+          <p:cNvPr id="116" name="Gerade Verbindung mit Pfeil 115">
+            <a:extLst>
+              <a:ext uri="{FF2B5EF4-FFF2-40B4-BE49-F238E27FC236}">
+                <a16:creationId xmlns:a16="http://schemas.microsoft.com/office/drawing/2014/main" id="{39D0BAB3-B4AC-3832-4D82-98C5362B6B30}"/>
+              </a:ext>
+            </a:extLst>
+          </p:cNvPr>
+          <p:cNvCxnSpPr/>
+          <p:nvPr/>
+        </p:nvCxnSpPr>
+        <p:spPr>
+          <a:xfrm flipH="1" flipV="1">
+            <a:off x="1011195" y="2449467"/>
+            <a:ext cx="1884405" cy="979531"/>
+          </a:xfrm>
+          <a:prstGeom prst="straightConnector1">
+            <a:avLst/>
+          </a:prstGeom>
+          <a:ln>
+            <a:solidFill>
+              <a:srgbClr val="FF0000"/>
+            </a:solidFill>
+            <a:tailEnd type="triangle"/>
+          </a:ln>
+        </p:spPr>
+        <p:style>
+          <a:lnRef idx="2">
+            <a:schemeClr val="accent1"/>
+          </a:lnRef>
+          <a:fillRef idx="0">
+            <a:schemeClr val="accent1"/>
+          </a:fillRef>
+          <a:effectRef idx="1">
+            <a:schemeClr val="accent1"/>
+          </a:effectRef>
+          <a:fontRef idx="minor">
+            <a:schemeClr val="tx1"/>
+          </a:fontRef>
+        </p:style>
+      </p:cxnSp>
+      <p:cxnSp>
+        <p:nvCxnSpPr>
+          <p:cNvPr id="63" name="Gerade Verbindung mit Pfeil 62">
+            <a:extLst>
+              <a:ext uri="{FF2B5EF4-FFF2-40B4-BE49-F238E27FC236}">
+                <a16:creationId xmlns:a16="http://schemas.microsoft.com/office/drawing/2014/main" id="{22EE5368-A8FE-2B61-E409-FE92B7D28B54}"/>
+              </a:ext>
+            </a:extLst>
+          </p:cNvPr>
+          <p:cNvCxnSpPr>
+            <a:cxnSpLocks/>
+            <a:stCxn id="61" idx="1"/>
+          </p:cNvCxnSpPr>
+          <p:nvPr/>
+        </p:nvCxnSpPr>
+        <p:spPr>
+          <a:xfrm flipH="1" flipV="1">
+            <a:off x="3882388" y="2038678"/>
+            <a:ext cx="432710" cy="339272"/>
+          </a:xfrm>
+          <a:prstGeom prst="straightConnector1">
+            <a:avLst/>
+          </a:prstGeom>
+          <a:ln>
+            <a:solidFill>
+              <a:srgbClr val="FF0000"/>
+            </a:solidFill>
+            <a:tailEnd type="triangle"/>
+          </a:ln>
+        </p:spPr>
+        <p:style>
+          <a:lnRef idx="2">
+            <a:schemeClr val="accent1"/>
+          </a:lnRef>
+          <a:fillRef idx="0">
+            <a:schemeClr val="accent1"/>
+          </a:fillRef>
+          <a:effectRef idx="1">
+            <a:schemeClr val="accent1"/>
+          </a:effectRef>
+          <a:fontRef idx="minor">
+            <a:schemeClr val="tx1"/>
+          </a:fontRef>
+        </p:style>
+      </p:cxnSp>
+      <p:cxnSp>
+        <p:nvCxnSpPr>
+          <p:cNvPr id="15" name="Gerade Verbindung mit Pfeil 14">
+            <a:extLst>
+              <a:ext uri="{FF2B5EF4-FFF2-40B4-BE49-F238E27FC236}">
+                <a16:creationId xmlns:a16="http://schemas.microsoft.com/office/drawing/2014/main" id="{E79125BF-C8F3-51C3-416F-8ADD28B6555F}"/>
+              </a:ext>
+            </a:extLst>
+          </p:cNvPr>
+          <p:cNvCxnSpPr/>
+          <p:nvPr/>
+        </p:nvCxnSpPr>
+        <p:spPr>
+          <a:xfrm flipH="1" flipV="1">
+            <a:off x="1953397" y="1633855"/>
+            <a:ext cx="1023267" cy="1395095"/>
+          </a:xfrm>
+          <a:prstGeom prst="straightConnector1">
+            <a:avLst/>
+          </a:prstGeom>
+          <a:ln>
+            <a:solidFill>
+              <a:srgbClr val="FF0000"/>
+            </a:solidFill>
+            <a:tailEnd type="triangle"/>
+          </a:ln>
+        </p:spPr>
+        <p:style>
+          <a:lnRef idx="2">
+            <a:schemeClr val="accent1"/>
+          </a:lnRef>
+          <a:fillRef idx="0">
+            <a:schemeClr val="accent1"/>
+          </a:fillRef>
+          <a:effectRef idx="1">
+            <a:schemeClr val="accent1"/>
+          </a:effectRef>
+          <a:fontRef idx="minor">
+            <a:schemeClr val="tx1"/>
+          </a:fontRef>
+        </p:style>
+      </p:cxnSp>
     </p:spTree>
     <p:extLst>
       <p:ext uri="{BB962C8B-B14F-4D97-AF65-F5344CB8AC3E}">
-        <p14:creationId xmlns:p14="http://schemas.microsoft.com/office/powerpoint/2010/main" val="3919344091"/>
+        <p14:creationId xmlns:p14="http://schemas.microsoft.com/office/powerpoint/2010/main" val="2858819990"/>
       </p:ext>
     </p:extLst>
   </p:cSld>
@@ -21744,33 +19099,15 @@
                                   </p:childTnLst>
                                 </p:cTn>
                               </p:par>
-                            </p:childTnLst>
-                          </p:cTn>
-                        </p:par>
-                      </p:childTnLst>
-                    </p:cTn>
-                  </p:par>
-                  <p:par>
-                    <p:cTn id="8" fill="hold">
-                      <p:stCondLst>
-                        <p:cond delay="indefinite"/>
-                      </p:stCondLst>
-                      <p:childTnLst>
-                        <p:par>
-                          <p:cTn id="9" fill="hold">
-                            <p:stCondLst>
-                              <p:cond delay="0"/>
-                            </p:stCondLst>
-                            <p:childTnLst>
                               <p:par>
-                                <p:cTn id="10" presetID="10" presetClass="exit" presetSubtype="0" fill="hold" grpId="0" nodeType="clickEffect">
+                                <p:cTn id="8" presetID="10" presetClass="exit" presetSubtype="0" fill="hold" grpId="0" nodeType="withEffect">
                                   <p:stCondLst>
                                     <p:cond delay="0"/>
                                   </p:stCondLst>
                                   <p:childTnLst>
                                     <p:animEffect transition="out" filter="fade">
                                       <p:cBhvr>
-                                        <p:cTn id="11" dur="500"/>
+                                        <p:cTn id="9" dur="500"/>
                                         <p:tgtEl>
                                           <p:spTgt spid="12"/>
                                         </p:tgtEl>
@@ -21778,7 +19115,7 @@
                                     </p:animEffect>
                                     <p:set>
                                       <p:cBhvr>
-                                        <p:cTn id="12" dur="1" fill="hold">
+                                        <p:cTn id="10" dur="1" fill="hold">
                                           <p:stCondLst>
                                             <p:cond delay="499"/>
                                           </p:stCondLst>
@@ -21804,32 +19141,32 @@
                     </p:cTn>
                   </p:par>
                   <p:par>
-                    <p:cTn id="13" fill="hold">
+                    <p:cTn id="11" fill="hold">
                       <p:stCondLst>
                         <p:cond delay="indefinite"/>
                       </p:stCondLst>
                       <p:childTnLst>
                         <p:par>
-                          <p:cTn id="14" fill="hold">
+                          <p:cTn id="12" fill="hold">
                             <p:stCondLst>
                               <p:cond delay="0"/>
                             </p:stCondLst>
                             <p:childTnLst>
                               <p:par>
-                                <p:cTn id="15" presetID="10" presetClass="entr" presetSubtype="0" fill="hold" nodeType="clickEffect">
+                                <p:cTn id="13" presetID="10" presetClass="entr" presetSubtype="0" fill="hold" nodeType="clickEffect">
                                   <p:stCondLst>
                                     <p:cond delay="0"/>
                                   </p:stCondLst>
                                   <p:childTnLst>
                                     <p:set>
                                       <p:cBhvr>
-                                        <p:cTn id="16" dur="1" fill="hold">
+                                        <p:cTn id="14" dur="1" fill="hold">
                                           <p:stCondLst>
                                             <p:cond delay="0"/>
                                           </p:stCondLst>
                                         </p:cTn>
                                         <p:tgtEl>
-                                          <p:spTgt spid="28"/>
+                                          <p:spTgt spid="3"/>
                                         </p:tgtEl>
                                         <p:attrNameLst>
                                           <p:attrName>style.visibility</p:attrName>
@@ -21841,88 +19178,9 @@
                                     </p:set>
                                     <p:animEffect transition="in" filter="fade">
                                       <p:cBhvr>
-                                        <p:cTn id="17" dur="500"/>
+                                        <p:cTn id="15" dur="500"/>
                                         <p:tgtEl>
-                                          <p:spTgt spid="28"/>
-                                        </p:tgtEl>
-                                      </p:cBhvr>
-                                    </p:animEffect>
-                                  </p:childTnLst>
-                                </p:cTn>
-                              </p:par>
-                            </p:childTnLst>
-                          </p:cTn>
-                        </p:par>
-                        <p:par>
-                          <p:cTn id="18" fill="hold">
-                            <p:stCondLst>
-                              <p:cond delay="500"/>
-                            </p:stCondLst>
-                            <p:childTnLst>
-                              <p:par>
-                                <p:cTn id="19" presetID="10" presetClass="entr" presetSubtype="0" fill="hold" nodeType="afterEffect">
-                                  <p:stCondLst>
-                                    <p:cond delay="0"/>
-                                  </p:stCondLst>
-                                  <p:childTnLst>
-                                    <p:set>
-                                      <p:cBhvr>
-                                        <p:cTn id="20" dur="1" fill="hold">
-                                          <p:stCondLst>
-                                            <p:cond delay="0"/>
-                                          </p:stCondLst>
-                                        </p:cTn>
-                                        <p:tgtEl>
-                                          <p:spTgt spid="33"/>
-                                        </p:tgtEl>
-                                        <p:attrNameLst>
-                                          <p:attrName>style.visibility</p:attrName>
-                                        </p:attrNameLst>
-                                      </p:cBhvr>
-                                      <p:to>
-                                        <p:strVal val="visible"/>
-                                      </p:to>
-                                    </p:set>
-                                    <p:animEffect transition="in" filter="fade">
-                                      <p:cBhvr>
-                                        <p:cTn id="21" dur="500"/>
-                                        <p:tgtEl>
-                                          <p:spTgt spid="33"/>
-                                        </p:tgtEl>
-                                      </p:cBhvr>
-                                    </p:animEffect>
-                                  </p:childTnLst>
-                                </p:cTn>
-                              </p:par>
-                              <p:par>
-                                <p:cTn id="22" presetID="10" presetClass="entr" presetSubtype="0" fill="hold" nodeType="withEffect">
-                                  <p:stCondLst>
-                                    <p:cond delay="0"/>
-                                  </p:stCondLst>
-                                  <p:childTnLst>
-                                    <p:set>
-                                      <p:cBhvr>
-                                        <p:cTn id="23" dur="1" fill="hold">
-                                          <p:stCondLst>
-                                            <p:cond delay="0"/>
-                                          </p:stCondLst>
-                                        </p:cTn>
-                                        <p:tgtEl>
-                                          <p:spTgt spid="35"/>
-                                        </p:tgtEl>
-                                        <p:attrNameLst>
-                                          <p:attrName>style.visibility</p:attrName>
-                                        </p:attrNameLst>
-                                      </p:cBhvr>
-                                      <p:to>
-                                        <p:strVal val="visible"/>
-                                      </p:to>
-                                    </p:set>
-                                    <p:animEffect transition="in" filter="fade">
-                                      <p:cBhvr>
-                                        <p:cTn id="24" dur="500"/>
-                                        <p:tgtEl>
-                                          <p:spTgt spid="35"/>
+                                          <p:spTgt spid="3"/>
                                         </p:tgtEl>
                                       </p:cBhvr>
                                     </p:animEffect>
@@ -21936,40 +19194,128 @@
                     </p:cTn>
                   </p:par>
                   <p:par>
-                    <p:cTn id="25" fill="hold">
+                    <p:cTn id="16" fill="hold">
                       <p:stCondLst>
                         <p:cond delay="indefinite"/>
                       </p:stCondLst>
                       <p:childTnLst>
                         <p:par>
-                          <p:cTn id="26" fill="hold">
+                          <p:cTn id="17" fill="hold">
                             <p:stCondLst>
                               <p:cond delay="0"/>
                             </p:stCondLst>
                             <p:childTnLst>
                               <p:par>
-                                <p:cTn id="27" presetID="10" presetClass="exit" presetSubtype="0" fill="hold" nodeType="clickEffect">
+                                <p:cTn id="18" presetID="10" presetClass="entr" presetSubtype="0" fill="hold" nodeType="clickEffect">
+                                  <p:stCondLst>
+                                    <p:cond delay="0"/>
+                                  </p:stCondLst>
+                                  <p:childTnLst>
+                                    <p:set>
+                                      <p:cBhvr>
+                                        <p:cTn id="19" dur="1" fill="hold">
+                                          <p:stCondLst>
+                                            <p:cond delay="0"/>
+                                          </p:stCondLst>
+                                        </p:cTn>
+                                        <p:tgtEl>
+                                          <p:spTgt spid="10"/>
+                                        </p:tgtEl>
+                                        <p:attrNameLst>
+                                          <p:attrName>style.visibility</p:attrName>
+                                        </p:attrNameLst>
+                                      </p:cBhvr>
+                                      <p:to>
+                                        <p:strVal val="visible"/>
+                                      </p:to>
+                                    </p:set>
+                                    <p:animEffect transition="in" filter="fade">
+                                      <p:cBhvr>
+                                        <p:cTn id="20" dur="500"/>
+                                        <p:tgtEl>
+                                          <p:spTgt spid="10"/>
+                                        </p:tgtEl>
+                                      </p:cBhvr>
+                                    </p:animEffect>
+                                  </p:childTnLst>
+                                </p:cTn>
+                              </p:par>
+                              <p:par>
+                                <p:cTn id="21" presetID="10" presetClass="entr" presetSubtype="0" fill="hold" nodeType="withEffect">
+                                  <p:stCondLst>
+                                    <p:cond delay="0"/>
+                                  </p:stCondLst>
+                                  <p:childTnLst>
+                                    <p:set>
+                                      <p:cBhvr>
+                                        <p:cTn id="22" dur="1" fill="hold">
+                                          <p:stCondLst>
+                                            <p:cond delay="0"/>
+                                          </p:stCondLst>
+                                        </p:cTn>
+                                        <p:tgtEl>
+                                          <p:spTgt spid="15"/>
+                                        </p:tgtEl>
+                                        <p:attrNameLst>
+                                          <p:attrName>style.visibility</p:attrName>
+                                        </p:attrNameLst>
+                                      </p:cBhvr>
+                                      <p:to>
+                                        <p:strVal val="visible"/>
+                                      </p:to>
+                                    </p:set>
+                                    <p:animEffect transition="in" filter="fade">
+                                      <p:cBhvr>
+                                        <p:cTn id="23" dur="500"/>
+                                        <p:tgtEl>
+                                          <p:spTgt spid="15"/>
+                                        </p:tgtEl>
+                                      </p:cBhvr>
+                                    </p:animEffect>
+                                  </p:childTnLst>
+                                </p:cTn>
+                              </p:par>
+                            </p:childTnLst>
+                          </p:cTn>
+                        </p:par>
+                      </p:childTnLst>
+                    </p:cTn>
+                  </p:par>
+                  <p:par>
+                    <p:cTn id="24" fill="hold">
+                      <p:stCondLst>
+                        <p:cond delay="indefinite"/>
+                      </p:stCondLst>
+                      <p:childTnLst>
+                        <p:par>
+                          <p:cTn id="25" fill="hold">
+                            <p:stCondLst>
+                              <p:cond delay="0"/>
+                            </p:stCondLst>
+                            <p:childTnLst>
+                              <p:par>
+                                <p:cTn id="26" presetID="10" presetClass="exit" presetSubtype="0" fill="hold" nodeType="clickEffect">
                                   <p:stCondLst>
                                     <p:cond delay="0"/>
                                   </p:stCondLst>
                                   <p:childTnLst>
                                     <p:animEffect transition="out" filter="fade">
                                       <p:cBhvr>
-                                        <p:cTn id="28" dur="500"/>
+                                        <p:cTn id="27" dur="500"/>
                                         <p:tgtEl>
-                                          <p:spTgt spid="28"/>
+                                          <p:spTgt spid="3"/>
                                         </p:tgtEl>
                                       </p:cBhvr>
                                     </p:animEffect>
                                     <p:set>
                                       <p:cBhvr>
-                                        <p:cTn id="29" dur="1" fill="hold">
+                                        <p:cTn id="28" dur="1" fill="hold">
                                           <p:stCondLst>
                                             <p:cond delay="499"/>
                                           </p:stCondLst>
                                         </p:cTn>
                                         <p:tgtEl>
-                                          <p:spTgt spid="28"/>
+                                          <p:spTgt spid="3"/>
                                         </p:tgtEl>
                                         <p:attrNameLst>
                                           <p:attrName>style.visibility</p:attrName>
@@ -21983,28 +19329,28 @@
                                 </p:cTn>
                               </p:par>
                               <p:par>
-                                <p:cTn id="30" presetID="10" presetClass="exit" presetSubtype="0" fill="hold" nodeType="withEffect">
+                                <p:cTn id="29" presetID="10" presetClass="exit" presetSubtype="0" fill="hold" nodeType="withEffect">
                                   <p:stCondLst>
                                     <p:cond delay="0"/>
                                   </p:stCondLst>
                                   <p:childTnLst>
                                     <p:animEffect transition="out" filter="fade">
                                       <p:cBhvr>
-                                        <p:cTn id="31" dur="500"/>
+                                        <p:cTn id="30" dur="500"/>
                                         <p:tgtEl>
-                                          <p:spTgt spid="33"/>
+                                          <p:spTgt spid="10"/>
                                         </p:tgtEl>
                                       </p:cBhvr>
                                     </p:animEffect>
                                     <p:set>
                                       <p:cBhvr>
-                                        <p:cTn id="32" dur="1" fill="hold">
+                                        <p:cTn id="31" dur="1" fill="hold">
                                           <p:stCondLst>
                                             <p:cond delay="499"/>
                                           </p:stCondLst>
                                         </p:cTn>
                                         <p:tgtEl>
-                                          <p:spTgt spid="33"/>
+                                          <p:spTgt spid="10"/>
                                         </p:tgtEl>
                                         <p:attrNameLst>
                                           <p:attrName>style.visibility</p:attrName>
@@ -22018,28 +19364,28 @@
                                 </p:cTn>
                               </p:par>
                               <p:par>
-                                <p:cTn id="33" presetID="10" presetClass="exit" presetSubtype="0" fill="hold" nodeType="withEffect">
+                                <p:cTn id="32" presetID="10" presetClass="exit" presetSubtype="0" fill="hold" nodeType="withEffect">
                                   <p:stCondLst>
                                     <p:cond delay="0"/>
                                   </p:stCondLst>
                                   <p:childTnLst>
                                     <p:animEffect transition="out" filter="fade">
                                       <p:cBhvr>
-                                        <p:cTn id="34" dur="500"/>
+                                        <p:cTn id="33" dur="500"/>
                                         <p:tgtEl>
-                                          <p:spTgt spid="35"/>
+                                          <p:spTgt spid="15"/>
                                         </p:tgtEl>
                                       </p:cBhvr>
                                     </p:animEffect>
                                     <p:set>
                                       <p:cBhvr>
-                                        <p:cTn id="35" dur="1" fill="hold">
+                                        <p:cTn id="34" dur="1" fill="hold">
                                           <p:stCondLst>
                                             <p:cond delay="499"/>
                                           </p:stCondLst>
                                         </p:cTn>
                                         <p:tgtEl>
-                                          <p:spTgt spid="35"/>
+                                          <p:spTgt spid="15"/>
                                         </p:tgtEl>
                                         <p:attrNameLst>
                                           <p:attrName>style.visibility</p:attrName>
@@ -22059,26 +19405,26 @@
                     </p:cTn>
                   </p:par>
                   <p:par>
-                    <p:cTn id="36" fill="hold">
+                    <p:cTn id="35" fill="hold">
                       <p:stCondLst>
                         <p:cond delay="indefinite"/>
                       </p:stCondLst>
                       <p:childTnLst>
                         <p:par>
-                          <p:cTn id="37" fill="hold">
+                          <p:cTn id="36" fill="hold">
                             <p:stCondLst>
                               <p:cond delay="0"/>
                             </p:stCondLst>
                             <p:childTnLst>
                               <p:par>
-                                <p:cTn id="38" presetID="10" presetClass="exit" presetSubtype="0" fill="hold" grpId="0" nodeType="clickEffect">
+                                <p:cTn id="37" presetID="10" presetClass="exit" presetSubtype="0" fill="hold" grpId="0" nodeType="clickEffect">
                                   <p:stCondLst>
                                     <p:cond delay="0"/>
                                   </p:stCondLst>
                                   <p:childTnLst>
                                     <p:animEffect transition="out" filter="fade">
                                       <p:cBhvr>
-                                        <p:cTn id="39" dur="500"/>
+                                        <p:cTn id="38" dur="500"/>
                                         <p:tgtEl>
                                           <p:spTgt spid="13"/>
                                         </p:tgtEl>
@@ -22086,7 +19432,7 @@
                                     </p:animEffect>
                                     <p:set>
                                       <p:cBhvr>
-                                        <p:cTn id="40" dur="1" fill="hold">
+                                        <p:cTn id="39" dur="1" fill="hold">
                                           <p:stCondLst>
                                             <p:cond delay="499"/>
                                           </p:stCondLst>
@@ -22112,26 +19458,26 @@
                     </p:cTn>
                   </p:par>
                   <p:par>
-                    <p:cTn id="41" fill="hold">
+                    <p:cTn id="40" fill="hold">
                       <p:stCondLst>
                         <p:cond delay="indefinite"/>
                       </p:stCondLst>
                       <p:childTnLst>
                         <p:par>
-                          <p:cTn id="42" fill="hold">
+                          <p:cTn id="41" fill="hold">
                             <p:stCondLst>
                               <p:cond delay="0"/>
                             </p:stCondLst>
                             <p:childTnLst>
                               <p:par>
-                                <p:cTn id="43" presetID="10" presetClass="entr" presetSubtype="0" fill="hold" nodeType="clickEffect">
+                                <p:cTn id="42" presetID="10" presetClass="entr" presetSubtype="0" fill="hold" nodeType="clickEffect">
                                   <p:stCondLst>
                                     <p:cond delay="0"/>
                                   </p:stCondLst>
                                   <p:childTnLst>
                                     <p:set>
                                       <p:cBhvr>
-                                        <p:cTn id="44" dur="1" fill="hold">
+                                        <p:cTn id="43" dur="1" fill="hold">
                                           <p:stCondLst>
                                             <p:cond delay="0"/>
                                           </p:stCondLst>
@@ -22149,7 +19495,7 @@
                                     </p:set>
                                     <p:animEffect transition="in" filter="fade">
                                       <p:cBhvr>
-                                        <p:cTn id="45" dur="500"/>
+                                        <p:cTn id="44" dur="500"/>
                                         <p:tgtEl>
                                           <p:spTgt spid="37"/>
                                         </p:tgtEl>
@@ -22159,14 +19505,14 @@
                                 </p:cTn>
                               </p:par>
                               <p:par>
-                                <p:cTn id="46" presetID="10" presetClass="entr" presetSubtype="0" fill="hold" nodeType="withEffect">
+                                <p:cTn id="45" presetID="10" presetClass="entr" presetSubtype="0" fill="hold" nodeType="withEffect">
                                   <p:stCondLst>
                                     <p:cond delay="500"/>
                                   </p:stCondLst>
                                   <p:childTnLst>
                                     <p:set>
                                       <p:cBhvr>
-                                        <p:cTn id="47" dur="1" fill="hold">
+                                        <p:cTn id="46" dur="1" fill="hold">
                                           <p:stCondLst>
                                             <p:cond delay="0"/>
                                           </p:stCondLst>
@@ -22184,7 +19530,7 @@
                                     </p:set>
                                     <p:animEffect transition="in" filter="fade">
                                       <p:cBhvr>
-                                        <p:cTn id="48" dur="500"/>
+                                        <p:cTn id="47" dur="500"/>
                                         <p:tgtEl>
                                           <p:spTgt spid="39"/>
                                         </p:tgtEl>
@@ -22194,14 +19540,14 @@
                                 </p:cTn>
                               </p:par>
                               <p:par>
-                                <p:cTn id="49" presetID="10" presetClass="entr" presetSubtype="0" fill="hold" nodeType="withEffect">
+                                <p:cTn id="48" presetID="10" presetClass="entr" presetSubtype="0" fill="hold" nodeType="withEffect">
                                   <p:stCondLst>
                                     <p:cond delay="500"/>
                                   </p:stCondLst>
                                   <p:childTnLst>
                                     <p:set>
                                       <p:cBhvr>
-                                        <p:cTn id="50" dur="1" fill="hold">
+                                        <p:cTn id="49" dur="1" fill="hold">
                                           <p:stCondLst>
                                             <p:cond delay="0"/>
                                           </p:stCondLst>
@@ -22219,7 +19565,7 @@
                                     </p:set>
                                     <p:animEffect transition="in" filter="fade">
                                       <p:cBhvr>
-                                        <p:cTn id="51" dur="500"/>
+                                        <p:cTn id="50" dur="500"/>
                                         <p:tgtEl>
                                           <p:spTgt spid="40"/>
                                         </p:tgtEl>
@@ -22229,14 +19575,14 @@
                                 </p:cTn>
                               </p:par>
                               <p:par>
-                                <p:cTn id="52" presetID="10" presetClass="entr" presetSubtype="0" fill="hold" nodeType="withEffect">
+                                <p:cTn id="51" presetID="10" presetClass="entr" presetSubtype="0" fill="hold" nodeType="withEffect">
                                   <p:stCondLst>
                                     <p:cond delay="500"/>
                                   </p:stCondLst>
                                   <p:childTnLst>
                                     <p:set>
                                       <p:cBhvr>
-                                        <p:cTn id="53" dur="1" fill="hold">
+                                        <p:cTn id="52" dur="1" fill="hold">
                                           <p:stCondLst>
                                             <p:cond delay="0"/>
                                           </p:stCondLst>
@@ -22254,7 +19600,7 @@
                                     </p:set>
                                     <p:animEffect transition="in" filter="fade">
                                       <p:cBhvr>
-                                        <p:cTn id="54" dur="500"/>
+                                        <p:cTn id="53" dur="500"/>
                                         <p:tgtEl>
                                           <p:spTgt spid="44"/>
                                         </p:tgtEl>
@@ -22264,14 +19610,14 @@
                                 </p:cTn>
                               </p:par>
                               <p:par>
-                                <p:cTn id="55" presetID="10" presetClass="entr" presetSubtype="0" fill="hold" nodeType="withEffect">
+                                <p:cTn id="54" presetID="10" presetClass="entr" presetSubtype="0" fill="hold" nodeType="withEffect">
                                   <p:stCondLst>
                                     <p:cond delay="500"/>
                                   </p:stCondLst>
                                   <p:childTnLst>
                                     <p:set>
                                       <p:cBhvr>
-                                        <p:cTn id="56" dur="1" fill="hold">
+                                        <p:cTn id="55" dur="1" fill="hold">
                                           <p:stCondLst>
                                             <p:cond delay="0"/>
                                           </p:stCondLst>
@@ -22289,7 +19635,7 @@
                                     </p:set>
                                     <p:animEffect transition="in" filter="fade">
                                       <p:cBhvr>
-                                        <p:cTn id="57" dur="500"/>
+                                        <p:cTn id="56" dur="500"/>
                                         <p:tgtEl>
                                           <p:spTgt spid="43"/>
                                         </p:tgtEl>
@@ -22299,14 +19645,14 @@
                                 </p:cTn>
                               </p:par>
                               <p:par>
-                                <p:cTn id="58" presetID="10" presetClass="entr" presetSubtype="0" fill="hold" nodeType="withEffect">
+                                <p:cTn id="57" presetID="10" presetClass="entr" presetSubtype="0" fill="hold" nodeType="withEffect">
                                   <p:stCondLst>
                                     <p:cond delay="500"/>
                                   </p:stCondLst>
                                   <p:childTnLst>
                                     <p:set>
                                       <p:cBhvr>
-                                        <p:cTn id="59" dur="1" fill="hold">
+                                        <p:cTn id="58" dur="1" fill="hold">
                                           <p:stCondLst>
                                             <p:cond delay="0"/>
                                           </p:stCondLst>
@@ -22324,7 +19670,7 @@
                                     </p:set>
                                     <p:animEffect transition="in" filter="fade">
                                       <p:cBhvr>
-                                        <p:cTn id="60" dur="500"/>
+                                        <p:cTn id="59" dur="500"/>
                                         <p:tgtEl>
                                           <p:spTgt spid="51"/>
                                         </p:tgtEl>
@@ -22334,14 +19680,14 @@
                                 </p:cTn>
                               </p:par>
                               <p:par>
-                                <p:cTn id="61" presetID="10" presetClass="entr" presetSubtype="0" fill="hold" nodeType="withEffect">
+                                <p:cTn id="60" presetID="10" presetClass="entr" presetSubtype="0" fill="hold" nodeType="withEffect">
                                   <p:stCondLst>
                                     <p:cond delay="500"/>
                                   </p:stCondLst>
                                   <p:childTnLst>
                                     <p:set>
                                       <p:cBhvr>
-                                        <p:cTn id="62" dur="1" fill="hold">
+                                        <p:cTn id="61" dur="1" fill="hold">
                                           <p:stCondLst>
                                             <p:cond delay="0"/>
                                           </p:stCondLst>
@@ -22359,7 +19705,7 @@
                                     </p:set>
                                     <p:animEffect transition="in" filter="fade">
                                       <p:cBhvr>
-                                        <p:cTn id="63" dur="500"/>
+                                        <p:cTn id="62" dur="500"/>
                                         <p:tgtEl>
                                           <p:spTgt spid="52"/>
                                         </p:tgtEl>
@@ -22375,26 +19721,26 @@
                     </p:cTn>
                   </p:par>
                   <p:par>
-                    <p:cTn id="64" fill="hold">
+                    <p:cTn id="63" fill="hold">
                       <p:stCondLst>
                         <p:cond delay="indefinite"/>
                       </p:stCondLst>
                       <p:childTnLst>
                         <p:par>
-                          <p:cTn id="65" fill="hold">
+                          <p:cTn id="64" fill="hold">
                             <p:stCondLst>
                               <p:cond delay="0"/>
                             </p:stCondLst>
                             <p:childTnLst>
                               <p:par>
-                                <p:cTn id="66" presetID="10" presetClass="exit" presetSubtype="0" fill="hold" nodeType="clickEffect">
+                                <p:cTn id="65" presetID="10" presetClass="exit" presetSubtype="0" fill="hold" nodeType="clickEffect">
                                   <p:stCondLst>
                                     <p:cond delay="0"/>
                                   </p:stCondLst>
                                   <p:childTnLst>
                                     <p:animEffect transition="out" filter="fade">
                                       <p:cBhvr>
-                                        <p:cTn id="67" dur="500"/>
+                                        <p:cTn id="66" dur="500"/>
                                         <p:tgtEl>
                                           <p:spTgt spid="37"/>
                                         </p:tgtEl>
@@ -22402,7 +19748,7 @@
                                     </p:animEffect>
                                     <p:set>
                                       <p:cBhvr>
-                                        <p:cTn id="68" dur="1" fill="hold">
+                                        <p:cTn id="67" dur="1" fill="hold">
                                           <p:stCondLst>
                                             <p:cond delay="499"/>
                                           </p:stCondLst>
@@ -22422,14 +19768,14 @@
                                 </p:cTn>
                               </p:par>
                               <p:par>
-                                <p:cTn id="69" presetID="10" presetClass="exit" presetSubtype="0" fill="hold" nodeType="withEffect">
+                                <p:cTn id="68" presetID="10" presetClass="exit" presetSubtype="0" fill="hold" nodeType="withEffect">
                                   <p:stCondLst>
                                     <p:cond delay="0"/>
                                   </p:stCondLst>
                                   <p:childTnLst>
                                     <p:animEffect transition="out" filter="fade">
                                       <p:cBhvr>
-                                        <p:cTn id="70" dur="500"/>
+                                        <p:cTn id="69" dur="500"/>
                                         <p:tgtEl>
                                           <p:spTgt spid="39"/>
                                         </p:tgtEl>
@@ -22437,7 +19783,7 @@
                                     </p:animEffect>
                                     <p:set>
                                       <p:cBhvr>
-                                        <p:cTn id="71" dur="1" fill="hold">
+                                        <p:cTn id="70" dur="1" fill="hold">
                                           <p:stCondLst>
                                             <p:cond delay="499"/>
                                           </p:stCondLst>
@@ -22457,14 +19803,14 @@
                                 </p:cTn>
                               </p:par>
                               <p:par>
-                                <p:cTn id="72" presetID="10" presetClass="exit" presetSubtype="0" fill="hold" nodeType="withEffect">
+                                <p:cTn id="71" presetID="10" presetClass="exit" presetSubtype="0" fill="hold" nodeType="withEffect">
                                   <p:stCondLst>
                                     <p:cond delay="0"/>
                                   </p:stCondLst>
                                   <p:childTnLst>
                                     <p:animEffect transition="out" filter="fade">
                                       <p:cBhvr>
-                                        <p:cTn id="73" dur="500"/>
+                                        <p:cTn id="72" dur="500"/>
                                         <p:tgtEl>
                                           <p:spTgt spid="40"/>
                                         </p:tgtEl>
@@ -22472,7 +19818,7 @@
                                     </p:animEffect>
                                     <p:set>
                                       <p:cBhvr>
-                                        <p:cTn id="74" dur="1" fill="hold">
+                                        <p:cTn id="73" dur="1" fill="hold">
                                           <p:stCondLst>
                                             <p:cond delay="499"/>
                                           </p:stCondLst>
@@ -22492,14 +19838,14 @@
                                 </p:cTn>
                               </p:par>
                               <p:par>
-                                <p:cTn id="75" presetID="10" presetClass="exit" presetSubtype="0" fill="hold" nodeType="withEffect">
+                                <p:cTn id="74" presetID="10" presetClass="exit" presetSubtype="0" fill="hold" nodeType="withEffect">
                                   <p:stCondLst>
                                     <p:cond delay="0"/>
                                   </p:stCondLst>
                                   <p:childTnLst>
                                     <p:animEffect transition="out" filter="fade">
                                       <p:cBhvr>
-                                        <p:cTn id="76" dur="500"/>
+                                        <p:cTn id="75" dur="500"/>
                                         <p:tgtEl>
                                           <p:spTgt spid="44"/>
                                         </p:tgtEl>
@@ -22507,7 +19853,7 @@
                                     </p:animEffect>
                                     <p:set>
                                       <p:cBhvr>
-                                        <p:cTn id="77" dur="1" fill="hold">
+                                        <p:cTn id="76" dur="1" fill="hold">
                                           <p:stCondLst>
                                             <p:cond delay="499"/>
                                           </p:stCondLst>
@@ -22527,14 +19873,14 @@
                                 </p:cTn>
                               </p:par>
                               <p:par>
-                                <p:cTn id="78" presetID="10" presetClass="exit" presetSubtype="0" fill="hold" nodeType="withEffect">
+                                <p:cTn id="77" presetID="10" presetClass="exit" presetSubtype="0" fill="hold" nodeType="withEffect">
                                   <p:stCondLst>
                                     <p:cond delay="0"/>
                                   </p:stCondLst>
                                   <p:childTnLst>
                                     <p:animEffect transition="out" filter="fade">
                                       <p:cBhvr>
-                                        <p:cTn id="79" dur="500"/>
+                                        <p:cTn id="78" dur="500"/>
                                         <p:tgtEl>
                                           <p:spTgt spid="43"/>
                                         </p:tgtEl>
@@ -22542,7 +19888,7 @@
                                     </p:animEffect>
                                     <p:set>
                                       <p:cBhvr>
-                                        <p:cTn id="80" dur="1" fill="hold">
+                                        <p:cTn id="79" dur="1" fill="hold">
                                           <p:stCondLst>
                                             <p:cond delay="499"/>
                                           </p:stCondLst>
@@ -22562,14 +19908,14 @@
                                 </p:cTn>
                               </p:par>
                               <p:par>
-                                <p:cTn id="81" presetID="10" presetClass="exit" presetSubtype="0" fill="hold" nodeType="withEffect">
+                                <p:cTn id="80" presetID="10" presetClass="exit" presetSubtype="0" fill="hold" nodeType="withEffect">
                                   <p:stCondLst>
                                     <p:cond delay="0"/>
                                   </p:stCondLst>
                                   <p:childTnLst>
                                     <p:animEffect transition="out" filter="fade">
                                       <p:cBhvr>
-                                        <p:cTn id="82" dur="500"/>
+                                        <p:cTn id="81" dur="500"/>
                                         <p:tgtEl>
                                           <p:spTgt spid="51"/>
                                         </p:tgtEl>
@@ -22577,7 +19923,7 @@
                                     </p:animEffect>
                                     <p:set>
                                       <p:cBhvr>
-                                        <p:cTn id="83" dur="1" fill="hold">
+                                        <p:cTn id="82" dur="1" fill="hold">
                                           <p:stCondLst>
                                             <p:cond delay="499"/>
                                           </p:stCondLst>
@@ -22597,14 +19943,14 @@
                                 </p:cTn>
                               </p:par>
                               <p:par>
-                                <p:cTn id="84" presetID="10" presetClass="exit" presetSubtype="0" fill="hold" nodeType="withEffect">
+                                <p:cTn id="83" presetID="10" presetClass="exit" presetSubtype="0" fill="hold" nodeType="withEffect">
                                   <p:stCondLst>
                                     <p:cond delay="0"/>
                                   </p:stCondLst>
                                   <p:childTnLst>
                                     <p:animEffect transition="out" filter="fade">
                                       <p:cBhvr>
-                                        <p:cTn id="85" dur="500"/>
+                                        <p:cTn id="84" dur="500"/>
                                         <p:tgtEl>
                                           <p:spTgt spid="52"/>
                                         </p:tgtEl>
@@ -22612,7 +19958,7 @@
                                     </p:animEffect>
                                     <p:set>
                                       <p:cBhvr>
-                                        <p:cTn id="86" dur="1" fill="hold">
+                                        <p:cTn id="85" dur="1" fill="hold">
                                           <p:stCondLst>
                                             <p:cond delay="499"/>
                                           </p:stCondLst>
@@ -22638,26 +19984,26 @@
                     </p:cTn>
                   </p:par>
                   <p:par>
-                    <p:cTn id="87" fill="hold">
+                    <p:cTn id="86" fill="hold">
                       <p:stCondLst>
                         <p:cond delay="indefinite"/>
                       </p:stCondLst>
                       <p:childTnLst>
                         <p:par>
-                          <p:cTn id="88" fill="hold">
+                          <p:cTn id="87" fill="hold">
                             <p:stCondLst>
                               <p:cond delay="0"/>
                             </p:stCondLst>
                             <p:childTnLst>
                               <p:par>
-                                <p:cTn id="89" presetID="10" presetClass="exit" presetSubtype="0" fill="hold" grpId="0" nodeType="clickEffect">
+                                <p:cTn id="88" presetID="10" presetClass="exit" presetSubtype="0" fill="hold" grpId="0" nodeType="clickEffect">
                                   <p:stCondLst>
                                     <p:cond delay="0"/>
                                   </p:stCondLst>
                                   <p:childTnLst>
                                     <p:animEffect transition="out" filter="fade">
                                       <p:cBhvr>
-                                        <p:cTn id="90" dur="500"/>
+                                        <p:cTn id="89" dur="500"/>
                                         <p:tgtEl>
                                           <p:spTgt spid="14"/>
                                         </p:tgtEl>
@@ -22665,7 +20011,7 @@
                                     </p:animEffect>
                                     <p:set>
                                       <p:cBhvr>
-                                        <p:cTn id="91" dur="1" fill="hold">
+                                        <p:cTn id="90" dur="1" fill="hold">
                                           <p:stCondLst>
                                             <p:cond delay="499"/>
                                           </p:stCondLst>
@@ -22691,26 +20037,26 @@
                     </p:cTn>
                   </p:par>
                   <p:par>
-                    <p:cTn id="92" fill="hold">
+                    <p:cTn id="91" fill="hold">
                       <p:stCondLst>
                         <p:cond delay="indefinite"/>
                       </p:stCondLst>
                       <p:childTnLst>
                         <p:par>
-                          <p:cTn id="93" fill="hold">
+                          <p:cTn id="92" fill="hold">
                             <p:stCondLst>
                               <p:cond delay="0"/>
                             </p:stCondLst>
                             <p:childTnLst>
                               <p:par>
-                                <p:cTn id="94" presetID="10" presetClass="entr" presetSubtype="0" fill="hold" nodeType="clickEffect">
+                                <p:cTn id="93" presetID="10" presetClass="entr" presetSubtype="0" fill="hold" nodeType="clickEffect">
                                   <p:stCondLst>
                                     <p:cond delay="0"/>
                                   </p:stCondLst>
                                   <p:childTnLst>
                                     <p:set>
                                       <p:cBhvr>
-                                        <p:cTn id="95" dur="1" fill="hold">
+                                        <p:cTn id="94" dur="1" fill="hold">
                                           <p:stCondLst>
                                             <p:cond delay="0"/>
                                           </p:stCondLst>
@@ -22728,7 +20074,7 @@
                                     </p:set>
                                     <p:animEffect transition="in" filter="fade">
                                       <p:cBhvr>
-                                        <p:cTn id="96" dur="500"/>
+                                        <p:cTn id="95" dur="500"/>
                                         <p:tgtEl>
                                           <p:spTgt spid="37"/>
                                         </p:tgtEl>
@@ -22740,14 +20086,23 @@
                             </p:childTnLst>
                           </p:cTn>
                         </p:par>
+                      </p:childTnLst>
+                    </p:cTn>
+                  </p:par>
+                  <p:par>
+                    <p:cTn id="96" fill="hold">
+                      <p:stCondLst>
+                        <p:cond delay="indefinite"/>
+                      </p:stCondLst>
+                      <p:childTnLst>
                         <p:par>
                           <p:cTn id="97" fill="hold">
                             <p:stCondLst>
-                              <p:cond delay="500"/>
+                              <p:cond delay="0"/>
                             </p:stCondLst>
                             <p:childTnLst>
                               <p:par>
-                                <p:cTn id="98" presetID="10" presetClass="entr" presetSubtype="0" fill="hold" nodeType="afterEffect">
+                                <p:cTn id="98" presetID="10" presetClass="entr" presetSubtype="0" fill="hold" nodeType="clickEffect">
                                   <p:stCondLst>
                                     <p:cond delay="0"/>
                                   </p:stCondLst>
@@ -23099,14 +20454,120 @@
                             </p:stCondLst>
                             <p:childTnLst>
                               <p:par>
-                                <p:cTn id="130" presetID="10" presetClass="exit" presetSubtype="0" fill="hold" grpId="0" nodeType="clickEffect">
+                                <p:cTn id="130" presetID="10" presetClass="entr" presetSubtype="0" fill="hold" nodeType="clickEffect">
+                                  <p:stCondLst>
+                                    <p:cond delay="0"/>
+                                  </p:stCondLst>
+                                  <p:childTnLst>
+                                    <p:set>
+                                      <p:cBhvr>
+                                        <p:cTn id="131" dur="1" fill="hold">
+                                          <p:stCondLst>
+                                            <p:cond delay="0"/>
+                                          </p:stCondLst>
+                                        </p:cTn>
+                                        <p:tgtEl>
+                                          <p:spTgt spid="29"/>
+                                        </p:tgtEl>
+                                        <p:attrNameLst>
+                                          <p:attrName>style.visibility</p:attrName>
+                                        </p:attrNameLst>
+                                      </p:cBhvr>
+                                      <p:to>
+                                        <p:strVal val="visible"/>
+                                      </p:to>
+                                    </p:set>
+                                    <p:animEffect transition="in" filter="fade">
+                                      <p:cBhvr>
+                                        <p:cTn id="132" dur="500"/>
+                                        <p:tgtEl>
+                                          <p:spTgt spid="29"/>
+                                        </p:tgtEl>
+                                      </p:cBhvr>
+                                    </p:animEffect>
+                                  </p:childTnLst>
+                                </p:cTn>
+                              </p:par>
+                            </p:childTnLst>
+                          </p:cTn>
+                        </p:par>
+                      </p:childTnLst>
+                    </p:cTn>
+                  </p:par>
+                  <p:par>
+                    <p:cTn id="133" fill="hold">
+                      <p:stCondLst>
+                        <p:cond delay="indefinite"/>
+                      </p:stCondLst>
+                      <p:childTnLst>
+                        <p:par>
+                          <p:cTn id="134" fill="hold">
+                            <p:stCondLst>
+                              <p:cond delay="0"/>
+                            </p:stCondLst>
+                            <p:childTnLst>
+                              <p:par>
+                                <p:cTn id="135" presetID="10" presetClass="exit" presetSubtype="0" fill="hold" nodeType="clickEffect">
                                   <p:stCondLst>
                                     <p:cond delay="0"/>
                                   </p:stCondLst>
                                   <p:childTnLst>
                                     <p:animEffect transition="out" filter="fade">
                                       <p:cBhvr>
-                                        <p:cTn id="131" dur="500"/>
+                                        <p:cTn id="136" dur="500"/>
+                                        <p:tgtEl>
+                                          <p:spTgt spid="29"/>
+                                        </p:tgtEl>
+                                      </p:cBhvr>
+                                    </p:animEffect>
+                                    <p:set>
+                                      <p:cBhvr>
+                                        <p:cTn id="137" dur="1" fill="hold">
+                                          <p:stCondLst>
+                                            <p:cond delay="499"/>
+                                          </p:stCondLst>
+                                        </p:cTn>
+                                        <p:tgtEl>
+                                          <p:spTgt spid="29"/>
+                                        </p:tgtEl>
+                                        <p:attrNameLst>
+                                          <p:attrName>style.visibility</p:attrName>
+                                        </p:attrNameLst>
+                                      </p:cBhvr>
+                                      <p:to>
+                                        <p:strVal val="hidden"/>
+                                      </p:to>
+                                    </p:set>
+                                  </p:childTnLst>
+                                </p:cTn>
+                              </p:par>
+                            </p:childTnLst>
+                          </p:cTn>
+                        </p:par>
+                      </p:childTnLst>
+                    </p:cTn>
+                  </p:par>
+                  <p:par>
+                    <p:cTn id="138" fill="hold">
+                      <p:stCondLst>
+                        <p:cond delay="indefinite"/>
+                      </p:stCondLst>
+                      <p:childTnLst>
+                        <p:par>
+                          <p:cTn id="139" fill="hold">
+                            <p:stCondLst>
+                              <p:cond delay="0"/>
+                            </p:stCondLst>
+                            <p:childTnLst>
+                              <p:par>
+                                <p:cTn id="140" presetID="10" presetClass="exit" presetSubtype="0" fill="hold" grpId="0" nodeType="clickEffect">
+                                  <p:stCondLst>
+                                    <p:cond delay="0"/>
+                                  </p:stCondLst>
+                                  <p:childTnLst>
+                                    <p:animEffect transition="out" filter="fade">
+                                      <p:cBhvr>
+                                        <p:cTn id="141" dur="500"/>
                                         <p:tgtEl>
                                           <p:spTgt spid="26"/>
                                         </p:tgtEl>
@@ -23114,7 +20575,7 @@
                                     </p:animEffect>
                                     <p:set>
                                       <p:cBhvr>
-                                        <p:cTn id="132" dur="1" fill="hold">
+                                        <p:cTn id="142" dur="1" fill="hold">
                                           <p:stCondLst>
                                             <p:cond delay="499"/>
                                           </p:stCondLst>
@@ -23134,14 +20595,14 @@
                                 </p:cTn>
                               </p:par>
                               <p:par>
-                                <p:cTn id="133" presetID="10" presetClass="exit" presetSubtype="0" fill="hold" grpId="0" nodeType="withEffect">
+                                <p:cTn id="143" presetID="10" presetClass="exit" presetSubtype="0" fill="hold" grpId="0" nodeType="withEffect">
                                   <p:stCondLst>
                                     <p:cond delay="0"/>
                                   </p:stCondLst>
                                   <p:childTnLst>
                                     <p:animEffect transition="out" filter="fade">
                                       <p:cBhvr>
-                                        <p:cTn id="134" dur="500"/>
+                                        <p:cTn id="144" dur="500"/>
                                         <p:tgtEl>
                                           <p:spTgt spid="17"/>
                                         </p:tgtEl>
@@ -23149,7 +20610,7 @@
                                     </p:animEffect>
                                     <p:set>
                                       <p:cBhvr>
-                                        <p:cTn id="135" dur="1" fill="hold">
+                                        <p:cTn id="145" dur="1" fill="hold">
                                           <p:stCondLst>
                                             <p:cond delay="499"/>
                                           </p:stCondLst>
@@ -23175,26 +20636,26 @@
                     </p:cTn>
                   </p:par>
                   <p:par>
-                    <p:cTn id="136" fill="hold">
+                    <p:cTn id="146" fill="hold">
                       <p:stCondLst>
                         <p:cond delay="indefinite"/>
                       </p:stCondLst>
                       <p:childTnLst>
                         <p:par>
-                          <p:cTn id="137" fill="hold">
+                          <p:cTn id="147" fill="hold">
                             <p:stCondLst>
                               <p:cond delay="0"/>
                             </p:stCondLst>
                             <p:childTnLst>
                               <p:par>
-                                <p:cTn id="138" presetID="10" presetClass="exit" presetSubtype="0" fill="hold" grpId="0" nodeType="clickEffect">
+                                <p:cTn id="148" presetID="10" presetClass="exit" presetSubtype="0" fill="hold" grpId="0" nodeType="clickEffect">
                                   <p:stCondLst>
                                     <p:cond delay="0"/>
                                   </p:stCondLst>
                                   <p:childTnLst>
                                     <p:animEffect transition="out" filter="fade">
                                       <p:cBhvr>
-                                        <p:cTn id="139" dur="500"/>
+                                        <p:cTn id="149" dur="500"/>
                                         <p:tgtEl>
                                           <p:spTgt spid="18"/>
                                         </p:tgtEl>
@@ -23202,7 +20663,7 @@
                                     </p:animEffect>
                                     <p:set>
                                       <p:cBhvr>
-                                        <p:cTn id="140" dur="1" fill="hold">
+                                        <p:cTn id="150" dur="1" fill="hold">
                                           <p:stCondLst>
                                             <p:cond delay="499"/>
                                           </p:stCondLst>
@@ -23228,26 +20689,26 @@
                     </p:cTn>
                   </p:par>
                   <p:par>
-                    <p:cTn id="141" fill="hold">
+                    <p:cTn id="151" fill="hold">
                       <p:stCondLst>
                         <p:cond delay="indefinite"/>
                       </p:stCondLst>
                       <p:childTnLst>
                         <p:par>
-                          <p:cTn id="142" fill="hold">
+                          <p:cTn id="152" fill="hold">
                             <p:stCondLst>
                               <p:cond delay="0"/>
                             </p:stCondLst>
                             <p:childTnLst>
                               <p:par>
-                                <p:cTn id="143" presetID="10" presetClass="entr" presetSubtype="0" fill="hold" nodeType="clickEffect">
+                                <p:cTn id="153" presetID="10" presetClass="entr" presetSubtype="0" fill="hold" nodeType="clickEffect">
                                   <p:stCondLst>
                                     <p:cond delay="0"/>
                                   </p:stCondLst>
                                   <p:childTnLst>
                                     <p:set>
                                       <p:cBhvr>
-                                        <p:cTn id="144" dur="1" fill="hold">
+                                        <p:cTn id="154" dur="1" fill="hold">
                                           <p:stCondLst>
                                             <p:cond delay="0"/>
                                           </p:stCondLst>
@@ -23265,7 +20726,7 @@
                                     </p:set>
                                     <p:animEffect transition="in" filter="fade">
                                       <p:cBhvr>
-                                        <p:cTn id="145" dur="500"/>
+                                        <p:cTn id="155" dur="500"/>
                                         <p:tgtEl>
                                           <p:spTgt spid="60"/>
                                         </p:tgtEl>
@@ -23277,21 +20738,30 @@
                             </p:childTnLst>
                           </p:cTn>
                         </p:par>
+                      </p:childTnLst>
+                    </p:cTn>
+                  </p:par>
+                  <p:par>
+                    <p:cTn id="156" fill="hold">
+                      <p:stCondLst>
+                        <p:cond delay="indefinite"/>
+                      </p:stCondLst>
+                      <p:childTnLst>
                         <p:par>
-                          <p:cTn id="146" fill="hold">
+                          <p:cTn id="157" fill="hold">
                             <p:stCondLst>
-                              <p:cond delay="500"/>
+                              <p:cond delay="0"/>
                             </p:stCondLst>
                             <p:childTnLst>
                               <p:par>
-                                <p:cTn id="147" presetID="10" presetClass="entr" presetSubtype="0" fill="hold" nodeType="afterEffect">
+                                <p:cTn id="158" presetID="10" presetClass="entr" presetSubtype="0" fill="hold" nodeType="clickEffect">
                                   <p:stCondLst>
                                     <p:cond delay="0"/>
                                   </p:stCondLst>
                                   <p:childTnLst>
                                     <p:set>
                                       <p:cBhvr>
-                                        <p:cTn id="148" dur="1" fill="hold">
+                                        <p:cTn id="159" dur="1" fill="hold">
                                           <p:stCondLst>
                                             <p:cond delay="0"/>
                                           </p:stCondLst>
@@ -23309,7 +20779,7 @@
                                     </p:set>
                                     <p:animEffect transition="in" filter="fade">
                                       <p:cBhvr>
-                                        <p:cTn id="149" dur="500"/>
+                                        <p:cTn id="160" dur="500"/>
                                         <p:tgtEl>
                                           <p:spTgt spid="61"/>
                                         </p:tgtEl>
@@ -23319,14 +20789,14 @@
                                 </p:cTn>
                               </p:par>
                               <p:par>
-                                <p:cTn id="150" presetID="10" presetClass="entr" presetSubtype="0" fill="hold" nodeType="withEffect">
+                                <p:cTn id="161" presetID="10" presetClass="entr" presetSubtype="0" fill="hold" nodeType="withEffect">
                                   <p:stCondLst>
                                     <p:cond delay="0"/>
                                   </p:stCondLst>
                                   <p:childTnLst>
                                     <p:set>
                                       <p:cBhvr>
-                                        <p:cTn id="151" dur="1" fill="hold">
+                                        <p:cTn id="162" dur="1" fill="hold">
                                           <p:stCondLst>
                                             <p:cond delay="0"/>
                                           </p:stCondLst>
@@ -23344,7 +20814,7 @@
                                     </p:set>
                                     <p:animEffect transition="in" filter="fade">
                                       <p:cBhvr>
-                                        <p:cTn id="152" dur="500"/>
+                                        <p:cTn id="163" dur="500"/>
                                         <p:tgtEl>
                                           <p:spTgt spid="63"/>
                                         </p:tgtEl>
@@ -23360,61 +20830,26 @@
                     </p:cTn>
                   </p:par>
                   <p:par>
-                    <p:cTn id="153" fill="hold">
+                    <p:cTn id="164" fill="hold">
                       <p:stCondLst>
                         <p:cond delay="indefinite"/>
                       </p:stCondLst>
                       <p:childTnLst>
                         <p:par>
-                          <p:cTn id="154" fill="hold">
+                          <p:cTn id="165" fill="hold">
                             <p:stCondLst>
                               <p:cond delay="0"/>
                             </p:stCondLst>
                             <p:childTnLst>
                               <p:par>
-                                <p:cTn id="155" presetID="10" presetClass="exit" presetSubtype="0" fill="hold" nodeType="clickEffect">
+                                <p:cTn id="166" presetID="10" presetClass="exit" presetSubtype="0" fill="hold" nodeType="clickEffect">
                                   <p:stCondLst>
                                     <p:cond delay="0"/>
                                   </p:stCondLst>
                                   <p:childTnLst>
                                     <p:animEffect transition="out" filter="fade">
                                       <p:cBhvr>
-                                        <p:cTn id="156" dur="500"/>
-                                        <p:tgtEl>
-                                          <p:spTgt spid="60"/>
-                                        </p:tgtEl>
-                                      </p:cBhvr>
-                                    </p:animEffect>
-                                    <p:set>
-                                      <p:cBhvr>
-                                        <p:cTn id="157" dur="1" fill="hold">
-                                          <p:stCondLst>
-                                            <p:cond delay="499"/>
-                                          </p:stCondLst>
-                                        </p:cTn>
-                                        <p:tgtEl>
-                                          <p:spTgt spid="60"/>
-                                        </p:tgtEl>
-                                        <p:attrNameLst>
-                                          <p:attrName>style.visibility</p:attrName>
-                                        </p:attrNameLst>
-                                      </p:cBhvr>
-                                      <p:to>
-                                        <p:strVal val="hidden"/>
-                                      </p:to>
-                                    </p:set>
-                                  </p:childTnLst>
-                                </p:cTn>
-                              </p:par>
-                              <p:par>
-                                <p:cTn id="158" presetID="10" presetClass="exit" presetSubtype="0" fill="hold" nodeType="withEffect">
-                                  <p:stCondLst>
-                                    <p:cond delay="0"/>
-                                  </p:stCondLst>
-                                  <p:childTnLst>
-                                    <p:animEffect transition="out" filter="fade">
-                                      <p:cBhvr>
-                                        <p:cTn id="159" dur="500"/>
+                                        <p:cTn id="167" dur="500"/>
                                         <p:tgtEl>
                                           <p:spTgt spid="61"/>
                                         </p:tgtEl>
@@ -23422,7 +20857,7 @@
                                     </p:animEffect>
                                     <p:set>
                                       <p:cBhvr>
-                                        <p:cTn id="160" dur="1" fill="hold">
+                                        <p:cTn id="168" dur="1" fill="hold">
                                           <p:stCondLst>
                                             <p:cond delay="499"/>
                                           </p:stCondLst>
@@ -23442,14 +20877,14 @@
                                 </p:cTn>
                               </p:par>
                               <p:par>
-                                <p:cTn id="161" presetID="10" presetClass="exit" presetSubtype="0" fill="hold" nodeType="withEffect">
+                                <p:cTn id="169" presetID="10" presetClass="exit" presetSubtype="0" fill="hold" nodeType="withEffect">
                                   <p:stCondLst>
                                     <p:cond delay="0"/>
                                   </p:stCondLst>
                                   <p:childTnLst>
                                     <p:animEffect transition="out" filter="fade">
                                       <p:cBhvr>
-                                        <p:cTn id="162" dur="500"/>
+                                        <p:cTn id="170" dur="500"/>
                                         <p:tgtEl>
                                           <p:spTgt spid="63"/>
                                         </p:tgtEl>
@@ -23457,7 +20892,7 @@
                                     </p:animEffect>
                                     <p:set>
                                       <p:cBhvr>
-                                        <p:cTn id="163" dur="1" fill="hold">
+                                        <p:cTn id="171" dur="1" fill="hold">
                                           <p:stCondLst>
                                             <p:cond delay="499"/>
                                           </p:stCondLst>
@@ -23483,26 +20918,237 @@
                     </p:cTn>
                   </p:par>
                   <p:par>
-                    <p:cTn id="164" fill="hold">
+                    <p:cTn id="172" fill="hold">
                       <p:stCondLst>
                         <p:cond delay="indefinite"/>
                       </p:stCondLst>
                       <p:childTnLst>
                         <p:par>
-                          <p:cTn id="165" fill="hold">
+                          <p:cTn id="173" fill="hold">
                             <p:stCondLst>
                               <p:cond delay="0"/>
                             </p:stCondLst>
                             <p:childTnLst>
                               <p:par>
-                                <p:cTn id="166" presetID="10" presetClass="exit" presetSubtype="0" fill="hold" grpId="0" nodeType="clickEffect">
+                                <p:cTn id="174" presetID="10" presetClass="entr" presetSubtype="0" fill="hold" nodeType="clickEffect">
+                                  <p:stCondLst>
+                                    <p:cond delay="0"/>
+                                  </p:stCondLst>
+                                  <p:childTnLst>
+                                    <p:set>
+                                      <p:cBhvr>
+                                        <p:cTn id="175" dur="1" fill="hold">
+                                          <p:stCondLst>
+                                            <p:cond delay="0"/>
+                                          </p:stCondLst>
+                                        </p:cTn>
+                                        <p:tgtEl>
+                                          <p:spTgt spid="28"/>
+                                        </p:tgtEl>
+                                        <p:attrNameLst>
+                                          <p:attrName>style.visibility</p:attrName>
+                                        </p:attrNameLst>
+                                      </p:cBhvr>
+                                      <p:to>
+                                        <p:strVal val="visible"/>
+                                      </p:to>
+                                    </p:set>
+                                    <p:animEffect transition="in" filter="fade">
+                                      <p:cBhvr>
+                                        <p:cTn id="176" dur="500"/>
+                                        <p:tgtEl>
+                                          <p:spTgt spid="28"/>
+                                        </p:tgtEl>
+                                      </p:cBhvr>
+                                    </p:animEffect>
+                                  </p:childTnLst>
+                                </p:cTn>
+                              </p:par>
+                              <p:par>
+                                <p:cTn id="177" presetID="10" presetClass="entr" presetSubtype="0" fill="hold" nodeType="withEffect">
+                                  <p:stCondLst>
+                                    <p:cond delay="0"/>
+                                  </p:stCondLst>
+                                  <p:childTnLst>
+                                    <p:set>
+                                      <p:cBhvr>
+                                        <p:cTn id="178" dur="1" fill="hold">
+                                          <p:stCondLst>
+                                            <p:cond delay="0"/>
+                                          </p:stCondLst>
+                                        </p:cTn>
+                                        <p:tgtEl>
+                                          <p:spTgt spid="5"/>
+                                        </p:tgtEl>
+                                        <p:attrNameLst>
+                                          <p:attrName>style.visibility</p:attrName>
+                                        </p:attrNameLst>
+                                      </p:cBhvr>
+                                      <p:to>
+                                        <p:strVal val="visible"/>
+                                      </p:to>
+                                    </p:set>
+                                    <p:animEffect transition="in" filter="fade">
+                                      <p:cBhvr>
+                                        <p:cTn id="179" dur="500"/>
+                                        <p:tgtEl>
+                                          <p:spTgt spid="5"/>
+                                        </p:tgtEl>
+                                      </p:cBhvr>
+                                    </p:animEffect>
+                                  </p:childTnLst>
+                                </p:cTn>
+                              </p:par>
+                            </p:childTnLst>
+                          </p:cTn>
+                        </p:par>
+                      </p:childTnLst>
+                    </p:cTn>
+                  </p:par>
+                  <p:par>
+                    <p:cTn id="180" fill="hold">
+                      <p:stCondLst>
+                        <p:cond delay="indefinite"/>
+                      </p:stCondLst>
+                      <p:childTnLst>
+                        <p:par>
+                          <p:cTn id="181" fill="hold">
+                            <p:stCondLst>
+                              <p:cond delay="0"/>
+                            </p:stCondLst>
+                            <p:childTnLst>
+                              <p:par>
+                                <p:cTn id="182" presetID="10" presetClass="exit" presetSubtype="0" fill="hold" nodeType="clickEffect">
                                   <p:stCondLst>
                                     <p:cond delay="0"/>
                                   </p:stCondLst>
                                   <p:childTnLst>
                                     <p:animEffect transition="out" filter="fade">
                                       <p:cBhvr>
-                                        <p:cTn id="167" dur="500"/>
+                                        <p:cTn id="183" dur="500"/>
+                                        <p:tgtEl>
+                                          <p:spTgt spid="60"/>
+                                        </p:tgtEl>
+                                      </p:cBhvr>
+                                    </p:animEffect>
+                                    <p:set>
+                                      <p:cBhvr>
+                                        <p:cTn id="184" dur="1" fill="hold">
+                                          <p:stCondLst>
+                                            <p:cond delay="499"/>
+                                          </p:stCondLst>
+                                        </p:cTn>
+                                        <p:tgtEl>
+                                          <p:spTgt spid="60"/>
+                                        </p:tgtEl>
+                                        <p:attrNameLst>
+                                          <p:attrName>style.visibility</p:attrName>
+                                        </p:attrNameLst>
+                                      </p:cBhvr>
+                                      <p:to>
+                                        <p:strVal val="hidden"/>
+                                      </p:to>
+                                    </p:set>
+                                  </p:childTnLst>
+                                </p:cTn>
+                              </p:par>
+                              <p:par>
+                                <p:cTn id="185" presetID="10" presetClass="exit" presetSubtype="0" fill="hold" nodeType="withEffect">
+                                  <p:stCondLst>
+                                    <p:cond delay="0"/>
+                                  </p:stCondLst>
+                                  <p:childTnLst>
+                                    <p:animEffect transition="out" filter="fade">
+                                      <p:cBhvr>
+                                        <p:cTn id="186" dur="500"/>
+                                        <p:tgtEl>
+                                          <p:spTgt spid="28"/>
+                                        </p:tgtEl>
+                                      </p:cBhvr>
+                                    </p:animEffect>
+                                    <p:set>
+                                      <p:cBhvr>
+                                        <p:cTn id="187" dur="1" fill="hold">
+                                          <p:stCondLst>
+                                            <p:cond delay="499"/>
+                                          </p:stCondLst>
+                                        </p:cTn>
+                                        <p:tgtEl>
+                                          <p:spTgt spid="28"/>
+                                        </p:tgtEl>
+                                        <p:attrNameLst>
+                                          <p:attrName>style.visibility</p:attrName>
+                                        </p:attrNameLst>
+                                      </p:cBhvr>
+                                      <p:to>
+                                        <p:strVal val="hidden"/>
+                                      </p:to>
+                                    </p:set>
+                                  </p:childTnLst>
+                                </p:cTn>
+                              </p:par>
+                              <p:par>
+                                <p:cTn id="188" presetID="10" presetClass="exit" presetSubtype="0" fill="hold" nodeType="withEffect">
+                                  <p:stCondLst>
+                                    <p:cond delay="0"/>
+                                  </p:stCondLst>
+                                  <p:childTnLst>
+                                    <p:animEffect transition="out" filter="fade">
+                                      <p:cBhvr>
+                                        <p:cTn id="189" dur="500"/>
+                                        <p:tgtEl>
+                                          <p:spTgt spid="5"/>
+                                        </p:tgtEl>
+                                      </p:cBhvr>
+                                    </p:animEffect>
+                                    <p:set>
+                                      <p:cBhvr>
+                                        <p:cTn id="190" dur="1" fill="hold">
+                                          <p:stCondLst>
+                                            <p:cond delay="499"/>
+                                          </p:stCondLst>
+                                        </p:cTn>
+                                        <p:tgtEl>
+                                          <p:spTgt spid="5"/>
+                                        </p:tgtEl>
+                                        <p:attrNameLst>
+                                          <p:attrName>style.visibility</p:attrName>
+                                        </p:attrNameLst>
+                                      </p:cBhvr>
+                                      <p:to>
+                                        <p:strVal val="hidden"/>
+                                      </p:to>
+                                    </p:set>
+                                  </p:childTnLst>
+                                </p:cTn>
+                              </p:par>
+                            </p:childTnLst>
+                          </p:cTn>
+                        </p:par>
+                      </p:childTnLst>
+                    </p:cTn>
+                  </p:par>
+                  <p:par>
+                    <p:cTn id="191" fill="hold">
+                      <p:stCondLst>
+                        <p:cond delay="indefinite"/>
+                      </p:stCondLst>
+                      <p:childTnLst>
+                        <p:par>
+                          <p:cTn id="192" fill="hold">
+                            <p:stCondLst>
+                              <p:cond delay="0"/>
+                            </p:stCondLst>
+                            <p:childTnLst>
+                              <p:par>
+                                <p:cTn id="193" presetID="10" presetClass="exit" presetSubtype="0" fill="hold" grpId="0" nodeType="clickEffect">
+                                  <p:stCondLst>
+                                    <p:cond delay="0"/>
+                                  </p:stCondLst>
+                                  <p:childTnLst>
+                                    <p:animEffect transition="out" filter="fade">
+                                      <p:cBhvr>
+                                        <p:cTn id="194" dur="500"/>
                                         <p:tgtEl>
                                           <p:spTgt spid="19"/>
                                         </p:tgtEl>
@@ -23510,7 +21156,7 @@
                                     </p:animEffect>
                                     <p:set>
                                       <p:cBhvr>
-                                        <p:cTn id="168" dur="1" fill="hold">
+                                        <p:cTn id="195" dur="1" fill="hold">
                                           <p:stCondLst>
                                             <p:cond delay="499"/>
                                           </p:stCondLst>
@@ -23536,26 +21182,26 @@
                     </p:cTn>
                   </p:par>
                   <p:par>
-                    <p:cTn id="169" fill="hold">
+                    <p:cTn id="196" fill="hold">
                       <p:stCondLst>
                         <p:cond delay="indefinite"/>
                       </p:stCondLst>
                       <p:childTnLst>
                         <p:par>
-                          <p:cTn id="170" fill="hold">
+                          <p:cTn id="197" fill="hold">
                             <p:stCondLst>
                               <p:cond delay="0"/>
                             </p:stCondLst>
                             <p:childTnLst>
                               <p:par>
-                                <p:cTn id="171" presetID="10" presetClass="entr" presetSubtype="0" fill="hold" nodeType="clickEffect">
+                                <p:cTn id="198" presetID="10" presetClass="entr" presetSubtype="0" fill="hold" nodeType="clickEffect">
                                   <p:stCondLst>
                                     <p:cond delay="0"/>
                                   </p:stCondLst>
                                   <p:childTnLst>
                                     <p:set>
                                       <p:cBhvr>
-                                        <p:cTn id="172" dur="1" fill="hold">
+                                        <p:cTn id="199" dur="1" fill="hold">
                                           <p:stCondLst>
                                             <p:cond delay="0"/>
                                           </p:stCondLst>
@@ -23573,7 +21219,7 @@
                                     </p:set>
                                     <p:animEffect transition="in" filter="fade">
                                       <p:cBhvr>
-                                        <p:cTn id="173" dur="500"/>
+                                        <p:cTn id="200" dur="500"/>
                                         <p:tgtEl>
                                           <p:spTgt spid="60"/>
                                         </p:tgtEl>
@@ -23585,21 +21231,30 @@
                             </p:childTnLst>
                           </p:cTn>
                         </p:par>
+                      </p:childTnLst>
+                    </p:cTn>
+                  </p:par>
+                  <p:par>
+                    <p:cTn id="201" fill="hold">
+                      <p:stCondLst>
+                        <p:cond delay="indefinite"/>
+                      </p:stCondLst>
+                      <p:childTnLst>
                         <p:par>
-                          <p:cTn id="174" fill="hold">
+                          <p:cTn id="202" fill="hold">
                             <p:stCondLst>
-                              <p:cond delay="500"/>
+                              <p:cond delay="0"/>
                             </p:stCondLst>
                             <p:childTnLst>
                               <p:par>
-                                <p:cTn id="175" presetID="10" presetClass="entr" presetSubtype="0" fill="hold" nodeType="afterEffect">
+                                <p:cTn id="203" presetID="10" presetClass="entr" presetSubtype="0" fill="hold" nodeType="clickEffect">
                                   <p:stCondLst>
                                     <p:cond delay="0"/>
                                   </p:stCondLst>
                                   <p:childTnLst>
                                     <p:set>
                                       <p:cBhvr>
-                                        <p:cTn id="176" dur="1" fill="hold">
+                                        <p:cTn id="204" dur="1" fill="hold">
                                           <p:stCondLst>
                                             <p:cond delay="0"/>
                                           </p:stCondLst>
@@ -23617,7 +21272,7 @@
                                     </p:set>
                                     <p:animEffect transition="in" filter="fade">
                                       <p:cBhvr>
-                                        <p:cTn id="177" dur="500"/>
+                                        <p:cTn id="205" dur="500"/>
                                         <p:tgtEl>
                                           <p:spTgt spid="64"/>
                                         </p:tgtEl>
@@ -23627,14 +21282,14 @@
                                 </p:cTn>
                               </p:par>
                               <p:par>
-                                <p:cTn id="178" presetID="10" presetClass="entr" presetSubtype="0" fill="hold" nodeType="withEffect">
+                                <p:cTn id="206" presetID="10" presetClass="entr" presetSubtype="0" fill="hold" nodeType="withEffect">
                                   <p:stCondLst>
                                     <p:cond delay="0"/>
                                   </p:stCondLst>
                                   <p:childTnLst>
                                     <p:set>
                                       <p:cBhvr>
-                                        <p:cTn id="179" dur="1" fill="hold">
+                                        <p:cTn id="207" dur="1" fill="hold">
                                           <p:stCondLst>
                                             <p:cond delay="0"/>
                                           </p:stCondLst>
@@ -23652,7 +21307,7 @@
                                     </p:set>
                                     <p:animEffect transition="in" filter="fade">
                                       <p:cBhvr>
-                                        <p:cTn id="180" dur="500"/>
+                                        <p:cTn id="208" dur="500"/>
                                         <p:tgtEl>
                                           <p:spTgt spid="66"/>
                                         </p:tgtEl>
@@ -23668,26 +21323,26 @@
                     </p:cTn>
                   </p:par>
                   <p:par>
-                    <p:cTn id="181" fill="hold">
+                    <p:cTn id="209" fill="hold">
                       <p:stCondLst>
                         <p:cond delay="indefinite"/>
                       </p:stCondLst>
                       <p:childTnLst>
                         <p:par>
-                          <p:cTn id="182" fill="hold">
+                          <p:cTn id="210" fill="hold">
                             <p:stCondLst>
                               <p:cond delay="0"/>
                             </p:stCondLst>
                             <p:childTnLst>
                               <p:par>
-                                <p:cTn id="183" presetID="10" presetClass="exit" presetSubtype="0" fill="hold" nodeType="clickEffect">
+                                <p:cTn id="211" presetID="10" presetClass="exit" presetSubtype="0" fill="hold" nodeType="clickEffect">
                                   <p:stCondLst>
                                     <p:cond delay="0"/>
                                   </p:stCondLst>
                                   <p:childTnLst>
                                     <p:animEffect transition="out" filter="fade">
                                       <p:cBhvr>
-                                        <p:cTn id="184" dur="500"/>
+                                        <p:cTn id="212" dur="500"/>
                                         <p:tgtEl>
                                           <p:spTgt spid="60"/>
                                         </p:tgtEl>
@@ -23695,7 +21350,7 @@
                                     </p:animEffect>
                                     <p:set>
                                       <p:cBhvr>
-                                        <p:cTn id="185" dur="1" fill="hold">
+                                        <p:cTn id="213" dur="1" fill="hold">
                                           <p:stCondLst>
                                             <p:cond delay="499"/>
                                           </p:stCondLst>
@@ -23715,14 +21370,14 @@
                                 </p:cTn>
                               </p:par>
                               <p:par>
-                                <p:cTn id="186" presetID="10" presetClass="exit" presetSubtype="0" fill="hold" nodeType="withEffect">
+                                <p:cTn id="214" presetID="10" presetClass="exit" presetSubtype="0" fill="hold" nodeType="withEffect">
                                   <p:stCondLst>
                                     <p:cond delay="0"/>
                                   </p:stCondLst>
                                   <p:childTnLst>
                                     <p:animEffect transition="out" filter="fade">
                                       <p:cBhvr>
-                                        <p:cTn id="187" dur="500"/>
+                                        <p:cTn id="215" dur="500"/>
                                         <p:tgtEl>
                                           <p:spTgt spid="64"/>
                                         </p:tgtEl>
@@ -23730,7 +21385,7 @@
                                     </p:animEffect>
                                     <p:set>
                                       <p:cBhvr>
-                                        <p:cTn id="188" dur="1" fill="hold">
+                                        <p:cTn id="216" dur="1" fill="hold">
                                           <p:stCondLst>
                                             <p:cond delay="499"/>
                                           </p:stCondLst>
@@ -23750,14 +21405,14 @@
                                 </p:cTn>
                               </p:par>
                               <p:par>
-                                <p:cTn id="189" presetID="10" presetClass="exit" presetSubtype="0" fill="hold" nodeType="withEffect">
+                                <p:cTn id="217" presetID="10" presetClass="exit" presetSubtype="0" fill="hold" nodeType="withEffect">
                                   <p:stCondLst>
                                     <p:cond delay="0"/>
                                   </p:stCondLst>
                                   <p:childTnLst>
                                     <p:animEffect transition="out" filter="fade">
                                       <p:cBhvr>
-                                        <p:cTn id="190" dur="500"/>
+                                        <p:cTn id="218" dur="500"/>
                                         <p:tgtEl>
                                           <p:spTgt spid="66"/>
                                         </p:tgtEl>
@@ -23765,7 +21420,7 @@
                                     </p:animEffect>
                                     <p:set>
                                       <p:cBhvr>
-                                        <p:cTn id="191" dur="1" fill="hold">
+                                        <p:cTn id="219" dur="1" fill="hold">
                                           <p:stCondLst>
                                             <p:cond delay="499"/>
                                           </p:stCondLst>
@@ -23791,327 +21446,19 @@
                     </p:cTn>
                   </p:par>
                   <p:par>
-                    <p:cTn id="192" fill="hold">
+                    <p:cTn id="220" fill="hold">
                       <p:stCondLst>
                         <p:cond delay="indefinite"/>
                       </p:stCondLst>
                       <p:childTnLst>
                         <p:par>
-                          <p:cTn id="193" fill="hold">
+                          <p:cTn id="221" fill="hold">
                             <p:stCondLst>
                               <p:cond delay="0"/>
                             </p:stCondLst>
                             <p:childTnLst>
                               <p:par>
-                                <p:cTn id="194" presetID="10" presetClass="exit" presetSubtype="0" fill="hold" grpId="0" nodeType="clickEffect">
-                                  <p:stCondLst>
-                                    <p:cond delay="0"/>
-                                  </p:stCondLst>
-                                  <p:childTnLst>
-                                    <p:animEffect transition="out" filter="fade">
-                                      <p:cBhvr>
-                                        <p:cTn id="195" dur="500"/>
-                                        <p:tgtEl>
-                                          <p:spTgt spid="20"/>
-                                        </p:tgtEl>
-                                      </p:cBhvr>
-                                    </p:animEffect>
-                                    <p:set>
-                                      <p:cBhvr>
-                                        <p:cTn id="196" dur="1" fill="hold">
-                                          <p:stCondLst>
-                                            <p:cond delay="499"/>
-                                          </p:stCondLst>
-                                        </p:cTn>
-                                        <p:tgtEl>
-                                          <p:spTgt spid="20"/>
-                                        </p:tgtEl>
-                                        <p:attrNameLst>
-                                          <p:attrName>style.visibility</p:attrName>
-                                        </p:attrNameLst>
-                                      </p:cBhvr>
-                                      <p:to>
-                                        <p:strVal val="hidden"/>
-                                      </p:to>
-                                    </p:set>
-                                  </p:childTnLst>
-                                </p:cTn>
-                              </p:par>
-                            </p:childTnLst>
-                          </p:cTn>
-                        </p:par>
-                      </p:childTnLst>
-                    </p:cTn>
-                  </p:par>
-                  <p:par>
-                    <p:cTn id="197" fill="hold">
-                      <p:stCondLst>
-                        <p:cond delay="indefinite"/>
-                      </p:stCondLst>
-                      <p:childTnLst>
-                        <p:par>
-                          <p:cTn id="198" fill="hold">
-                            <p:stCondLst>
-                              <p:cond delay="0"/>
-                            </p:stCondLst>
-                            <p:childTnLst>
-                              <p:par>
-                                <p:cTn id="199" presetID="10" presetClass="exit" presetSubtype="0" fill="hold" grpId="0" nodeType="clickEffect">
-                                  <p:stCondLst>
-                                    <p:cond delay="0"/>
-                                  </p:stCondLst>
-                                  <p:childTnLst>
-                                    <p:animEffect transition="out" filter="fade">
-                                      <p:cBhvr>
-                                        <p:cTn id="200" dur="500"/>
-                                        <p:tgtEl>
-                                          <p:spTgt spid="21"/>
-                                        </p:tgtEl>
-                                      </p:cBhvr>
-                                    </p:animEffect>
-                                    <p:set>
-                                      <p:cBhvr>
-                                        <p:cTn id="201" dur="1" fill="hold">
-                                          <p:stCondLst>
-                                            <p:cond delay="499"/>
-                                          </p:stCondLst>
-                                        </p:cTn>
-                                        <p:tgtEl>
-                                          <p:spTgt spid="21"/>
-                                        </p:tgtEl>
-                                        <p:attrNameLst>
-                                          <p:attrName>style.visibility</p:attrName>
-                                        </p:attrNameLst>
-                                      </p:cBhvr>
-                                      <p:to>
-                                        <p:strVal val="hidden"/>
-                                      </p:to>
-                                    </p:set>
-                                  </p:childTnLst>
-                                </p:cTn>
-                              </p:par>
-                            </p:childTnLst>
-                          </p:cTn>
-                        </p:par>
-                      </p:childTnLst>
-                    </p:cTn>
-                  </p:par>
-                  <p:par>
-                    <p:cTn id="202" fill="hold">
-                      <p:stCondLst>
-                        <p:cond delay="indefinite"/>
-                      </p:stCondLst>
-                      <p:childTnLst>
-                        <p:par>
-                          <p:cTn id="203" fill="hold">
-                            <p:stCondLst>
-                              <p:cond delay="0"/>
-                            </p:stCondLst>
-                            <p:childTnLst>
-                              <p:par>
-                                <p:cTn id="204" presetID="10" presetClass="entr" presetSubtype="0" fill="hold" nodeType="clickEffect">
-                                  <p:stCondLst>
-                                    <p:cond delay="0"/>
-                                  </p:stCondLst>
-                                  <p:childTnLst>
-                                    <p:set>
-                                      <p:cBhvr>
-                                        <p:cTn id="205" dur="1" fill="hold">
-                                          <p:stCondLst>
-                                            <p:cond delay="0"/>
-                                          </p:stCondLst>
-                                        </p:cTn>
-                                        <p:tgtEl>
-                                          <p:spTgt spid="68"/>
-                                        </p:tgtEl>
-                                        <p:attrNameLst>
-                                          <p:attrName>style.visibility</p:attrName>
-                                        </p:attrNameLst>
-                                      </p:cBhvr>
-                                      <p:to>
-                                        <p:strVal val="visible"/>
-                                      </p:to>
-                                    </p:set>
-                                    <p:animEffect transition="in" filter="fade">
-                                      <p:cBhvr>
-                                        <p:cTn id="206" dur="500"/>
-                                        <p:tgtEl>
-                                          <p:spTgt spid="68"/>
-                                        </p:tgtEl>
-                                      </p:cBhvr>
-                                    </p:animEffect>
-                                  </p:childTnLst>
-                                </p:cTn>
-                              </p:par>
-                            </p:childTnLst>
-                          </p:cTn>
-                        </p:par>
-                        <p:par>
-                          <p:cTn id="207" fill="hold">
-                            <p:stCondLst>
-                              <p:cond delay="500"/>
-                            </p:stCondLst>
-                            <p:childTnLst>
-                              <p:par>
-                                <p:cTn id="208" presetID="10" presetClass="entr" presetSubtype="0" fill="hold" nodeType="afterEffect">
-                                  <p:stCondLst>
-                                    <p:cond delay="0"/>
-                                  </p:stCondLst>
-                                  <p:childTnLst>
-                                    <p:set>
-                                      <p:cBhvr>
-                                        <p:cTn id="209" dur="1" fill="hold">
-                                          <p:stCondLst>
-                                            <p:cond delay="0"/>
-                                          </p:stCondLst>
-                                        </p:cTn>
-                                        <p:tgtEl>
-                                          <p:spTgt spid="69"/>
-                                        </p:tgtEl>
-                                        <p:attrNameLst>
-                                          <p:attrName>style.visibility</p:attrName>
-                                        </p:attrNameLst>
-                                      </p:cBhvr>
-                                      <p:to>
-                                        <p:strVal val="visible"/>
-                                      </p:to>
-                                    </p:set>
-                                    <p:animEffect transition="in" filter="fade">
-                                      <p:cBhvr>
-                                        <p:cTn id="210" dur="500"/>
-                                        <p:tgtEl>
-                                          <p:spTgt spid="69"/>
-                                        </p:tgtEl>
-                                      </p:cBhvr>
-                                    </p:animEffect>
-                                  </p:childTnLst>
-                                </p:cTn>
-                              </p:par>
-                              <p:par>
-                                <p:cTn id="211" presetID="10" presetClass="entr" presetSubtype="0" fill="hold" nodeType="withEffect">
-                                  <p:stCondLst>
-                                    <p:cond delay="0"/>
-                                  </p:stCondLst>
-                                  <p:childTnLst>
-                                    <p:set>
-                                      <p:cBhvr>
-                                        <p:cTn id="212" dur="1" fill="hold">
-                                          <p:stCondLst>
-                                            <p:cond delay="0"/>
-                                          </p:stCondLst>
-                                        </p:cTn>
-                                        <p:tgtEl>
-                                          <p:spTgt spid="71"/>
-                                        </p:tgtEl>
-                                        <p:attrNameLst>
-                                          <p:attrName>style.visibility</p:attrName>
-                                        </p:attrNameLst>
-                                      </p:cBhvr>
-                                      <p:to>
-                                        <p:strVal val="visible"/>
-                                      </p:to>
-                                    </p:set>
-                                    <p:animEffect transition="in" filter="fade">
-                                      <p:cBhvr>
-                                        <p:cTn id="213" dur="500"/>
-                                        <p:tgtEl>
-                                          <p:spTgt spid="71"/>
-                                        </p:tgtEl>
-                                      </p:cBhvr>
-                                    </p:animEffect>
-                                  </p:childTnLst>
-                                </p:cTn>
-                              </p:par>
-                            </p:childTnLst>
-                          </p:cTn>
-                        </p:par>
-                      </p:childTnLst>
-                    </p:cTn>
-                  </p:par>
-                  <p:par>
-                    <p:cTn id="214" fill="hold">
-                      <p:stCondLst>
-                        <p:cond delay="indefinite"/>
-                      </p:stCondLst>
-                      <p:childTnLst>
-                        <p:par>
-                          <p:cTn id="215" fill="hold">
-                            <p:stCondLst>
-                              <p:cond delay="0"/>
-                            </p:stCondLst>
-                            <p:childTnLst>
-                              <p:par>
-                                <p:cTn id="216" presetID="10" presetClass="exit" presetSubtype="0" fill="hold" nodeType="clickEffect">
-                                  <p:stCondLst>
-                                    <p:cond delay="0"/>
-                                  </p:stCondLst>
-                                  <p:childTnLst>
-                                    <p:animEffect transition="out" filter="fade">
-                                      <p:cBhvr>
-                                        <p:cTn id="217" dur="500"/>
-                                        <p:tgtEl>
-                                          <p:spTgt spid="68"/>
-                                        </p:tgtEl>
-                                      </p:cBhvr>
-                                    </p:animEffect>
-                                    <p:set>
-                                      <p:cBhvr>
-                                        <p:cTn id="218" dur="1" fill="hold">
-                                          <p:stCondLst>
-                                            <p:cond delay="499"/>
-                                          </p:stCondLst>
-                                        </p:cTn>
-                                        <p:tgtEl>
-                                          <p:spTgt spid="68"/>
-                                        </p:tgtEl>
-                                        <p:attrNameLst>
-                                          <p:attrName>style.visibility</p:attrName>
-                                        </p:attrNameLst>
-                                      </p:cBhvr>
-                                      <p:to>
-                                        <p:strVal val="hidden"/>
-                                      </p:to>
-                                    </p:set>
-                                  </p:childTnLst>
-                                </p:cTn>
-                              </p:par>
-                              <p:par>
-                                <p:cTn id="219" presetID="10" presetClass="exit" presetSubtype="0" fill="hold" nodeType="withEffect">
-                                  <p:stCondLst>
-                                    <p:cond delay="0"/>
-                                  </p:stCondLst>
-                                  <p:childTnLst>
-                                    <p:animEffect transition="out" filter="fade">
-                                      <p:cBhvr>
-                                        <p:cTn id="220" dur="500"/>
-                                        <p:tgtEl>
-                                          <p:spTgt spid="69"/>
-                                        </p:tgtEl>
-                                      </p:cBhvr>
-                                    </p:animEffect>
-                                    <p:set>
-                                      <p:cBhvr>
-                                        <p:cTn id="221" dur="1" fill="hold">
-                                          <p:stCondLst>
-                                            <p:cond delay="499"/>
-                                          </p:stCondLst>
-                                        </p:cTn>
-                                        <p:tgtEl>
-                                          <p:spTgt spid="69"/>
-                                        </p:tgtEl>
-                                        <p:attrNameLst>
-                                          <p:attrName>style.visibility</p:attrName>
-                                        </p:attrNameLst>
-                                      </p:cBhvr>
-                                      <p:to>
-                                        <p:strVal val="hidden"/>
-                                      </p:to>
-                                    </p:set>
-                                  </p:childTnLst>
-                                </p:cTn>
-                              </p:par>
-                              <p:par>
-                                <p:cTn id="222" presetID="10" presetClass="exit" presetSubtype="0" fill="hold" nodeType="withEffect">
+                                <p:cTn id="222" presetID="10" presetClass="exit" presetSubtype="0" fill="hold" grpId="0" nodeType="clickEffect">
                                   <p:stCondLst>
                                     <p:cond delay="0"/>
                                   </p:stCondLst>
@@ -24120,7 +21467,7 @@
                                       <p:cBhvr>
                                         <p:cTn id="223" dur="500"/>
                                         <p:tgtEl>
-                                          <p:spTgt spid="71"/>
+                                          <p:spTgt spid="20"/>
                                         </p:tgtEl>
                                       </p:cBhvr>
                                     </p:animEffect>
@@ -24132,7 +21479,7 @@
                                           </p:stCondLst>
                                         </p:cTn>
                                         <p:tgtEl>
-                                          <p:spTgt spid="71"/>
+                                          <p:spTgt spid="20"/>
                                         </p:tgtEl>
                                         <p:attrNameLst>
                                           <p:attrName>style.visibility</p:attrName>
@@ -24173,13 +21520,312 @@
                                       <p:cBhvr>
                                         <p:cTn id="228" dur="500"/>
                                         <p:tgtEl>
+                                          <p:spTgt spid="21"/>
+                                        </p:tgtEl>
+                                      </p:cBhvr>
+                                    </p:animEffect>
+                                    <p:set>
+                                      <p:cBhvr>
+                                        <p:cTn id="229" dur="1" fill="hold">
+                                          <p:stCondLst>
+                                            <p:cond delay="499"/>
+                                          </p:stCondLst>
+                                        </p:cTn>
+                                        <p:tgtEl>
+                                          <p:spTgt spid="21"/>
+                                        </p:tgtEl>
+                                        <p:attrNameLst>
+                                          <p:attrName>style.visibility</p:attrName>
+                                        </p:attrNameLst>
+                                      </p:cBhvr>
+                                      <p:to>
+                                        <p:strVal val="hidden"/>
+                                      </p:to>
+                                    </p:set>
+                                  </p:childTnLst>
+                                </p:cTn>
+                              </p:par>
+                            </p:childTnLst>
+                          </p:cTn>
+                        </p:par>
+                      </p:childTnLst>
+                    </p:cTn>
+                  </p:par>
+                  <p:par>
+                    <p:cTn id="230" fill="hold">
+                      <p:stCondLst>
+                        <p:cond delay="indefinite"/>
+                      </p:stCondLst>
+                      <p:childTnLst>
+                        <p:par>
+                          <p:cTn id="231" fill="hold">
+                            <p:stCondLst>
+                              <p:cond delay="0"/>
+                            </p:stCondLst>
+                            <p:childTnLst>
+                              <p:par>
+                                <p:cTn id="232" presetID="10" presetClass="entr" presetSubtype="0" fill="hold" nodeType="clickEffect">
+                                  <p:stCondLst>
+                                    <p:cond delay="0"/>
+                                  </p:stCondLst>
+                                  <p:childTnLst>
+                                    <p:set>
+                                      <p:cBhvr>
+                                        <p:cTn id="233" dur="1" fill="hold">
+                                          <p:stCondLst>
+                                            <p:cond delay="0"/>
+                                          </p:stCondLst>
+                                        </p:cTn>
+                                        <p:tgtEl>
+                                          <p:spTgt spid="68"/>
+                                        </p:tgtEl>
+                                        <p:attrNameLst>
+                                          <p:attrName>style.visibility</p:attrName>
+                                        </p:attrNameLst>
+                                      </p:cBhvr>
+                                      <p:to>
+                                        <p:strVal val="visible"/>
+                                      </p:to>
+                                    </p:set>
+                                    <p:animEffect transition="in" filter="fade">
+                                      <p:cBhvr>
+                                        <p:cTn id="234" dur="500"/>
+                                        <p:tgtEl>
+                                          <p:spTgt spid="68"/>
+                                        </p:tgtEl>
+                                      </p:cBhvr>
+                                    </p:animEffect>
+                                  </p:childTnLst>
+                                </p:cTn>
+                              </p:par>
+                            </p:childTnLst>
+                          </p:cTn>
+                        </p:par>
+                      </p:childTnLst>
+                    </p:cTn>
+                  </p:par>
+                  <p:par>
+                    <p:cTn id="235" fill="hold">
+                      <p:stCondLst>
+                        <p:cond delay="indefinite"/>
+                      </p:stCondLst>
+                      <p:childTnLst>
+                        <p:par>
+                          <p:cTn id="236" fill="hold">
+                            <p:stCondLst>
+                              <p:cond delay="0"/>
+                            </p:stCondLst>
+                            <p:childTnLst>
+                              <p:par>
+                                <p:cTn id="237" presetID="10" presetClass="entr" presetSubtype="0" fill="hold" nodeType="clickEffect">
+                                  <p:stCondLst>
+                                    <p:cond delay="0"/>
+                                  </p:stCondLst>
+                                  <p:childTnLst>
+                                    <p:set>
+                                      <p:cBhvr>
+                                        <p:cTn id="238" dur="1" fill="hold">
+                                          <p:stCondLst>
+                                            <p:cond delay="0"/>
+                                          </p:stCondLst>
+                                        </p:cTn>
+                                        <p:tgtEl>
+                                          <p:spTgt spid="69"/>
+                                        </p:tgtEl>
+                                        <p:attrNameLst>
+                                          <p:attrName>style.visibility</p:attrName>
+                                        </p:attrNameLst>
+                                      </p:cBhvr>
+                                      <p:to>
+                                        <p:strVal val="visible"/>
+                                      </p:to>
+                                    </p:set>
+                                    <p:animEffect transition="in" filter="fade">
+                                      <p:cBhvr>
+                                        <p:cTn id="239" dur="500"/>
+                                        <p:tgtEl>
+                                          <p:spTgt spid="69"/>
+                                        </p:tgtEl>
+                                      </p:cBhvr>
+                                    </p:animEffect>
+                                  </p:childTnLst>
+                                </p:cTn>
+                              </p:par>
+                              <p:par>
+                                <p:cTn id="240" presetID="10" presetClass="entr" presetSubtype="0" fill="hold" nodeType="withEffect">
+                                  <p:stCondLst>
+                                    <p:cond delay="0"/>
+                                  </p:stCondLst>
+                                  <p:childTnLst>
+                                    <p:set>
+                                      <p:cBhvr>
+                                        <p:cTn id="241" dur="1" fill="hold">
+                                          <p:stCondLst>
+                                            <p:cond delay="0"/>
+                                          </p:stCondLst>
+                                        </p:cTn>
+                                        <p:tgtEl>
+                                          <p:spTgt spid="71"/>
+                                        </p:tgtEl>
+                                        <p:attrNameLst>
+                                          <p:attrName>style.visibility</p:attrName>
+                                        </p:attrNameLst>
+                                      </p:cBhvr>
+                                      <p:to>
+                                        <p:strVal val="visible"/>
+                                      </p:to>
+                                    </p:set>
+                                    <p:animEffect transition="in" filter="fade">
+                                      <p:cBhvr>
+                                        <p:cTn id="242" dur="500"/>
+                                        <p:tgtEl>
+                                          <p:spTgt spid="71"/>
+                                        </p:tgtEl>
+                                      </p:cBhvr>
+                                    </p:animEffect>
+                                  </p:childTnLst>
+                                </p:cTn>
+                              </p:par>
+                            </p:childTnLst>
+                          </p:cTn>
+                        </p:par>
+                      </p:childTnLst>
+                    </p:cTn>
+                  </p:par>
+                  <p:par>
+                    <p:cTn id="243" fill="hold">
+                      <p:stCondLst>
+                        <p:cond delay="indefinite"/>
+                      </p:stCondLst>
+                      <p:childTnLst>
+                        <p:par>
+                          <p:cTn id="244" fill="hold">
+                            <p:stCondLst>
+                              <p:cond delay="0"/>
+                            </p:stCondLst>
+                            <p:childTnLst>
+                              <p:par>
+                                <p:cTn id="245" presetID="10" presetClass="exit" presetSubtype="0" fill="hold" nodeType="clickEffect">
+                                  <p:stCondLst>
+                                    <p:cond delay="0"/>
+                                  </p:stCondLst>
+                                  <p:childTnLst>
+                                    <p:animEffect transition="out" filter="fade">
+                                      <p:cBhvr>
+                                        <p:cTn id="246" dur="500"/>
+                                        <p:tgtEl>
+                                          <p:spTgt spid="68"/>
+                                        </p:tgtEl>
+                                      </p:cBhvr>
+                                    </p:animEffect>
+                                    <p:set>
+                                      <p:cBhvr>
+                                        <p:cTn id="247" dur="1" fill="hold">
+                                          <p:stCondLst>
+                                            <p:cond delay="499"/>
+                                          </p:stCondLst>
+                                        </p:cTn>
+                                        <p:tgtEl>
+                                          <p:spTgt spid="68"/>
+                                        </p:tgtEl>
+                                        <p:attrNameLst>
+                                          <p:attrName>style.visibility</p:attrName>
+                                        </p:attrNameLst>
+                                      </p:cBhvr>
+                                      <p:to>
+                                        <p:strVal val="hidden"/>
+                                      </p:to>
+                                    </p:set>
+                                  </p:childTnLst>
+                                </p:cTn>
+                              </p:par>
+                              <p:par>
+                                <p:cTn id="248" presetID="10" presetClass="exit" presetSubtype="0" fill="hold" nodeType="withEffect">
+                                  <p:stCondLst>
+                                    <p:cond delay="0"/>
+                                  </p:stCondLst>
+                                  <p:childTnLst>
+                                    <p:animEffect transition="out" filter="fade">
+                                      <p:cBhvr>
+                                        <p:cTn id="249" dur="500"/>
+                                        <p:tgtEl>
+                                          <p:spTgt spid="69"/>
+                                        </p:tgtEl>
+                                      </p:cBhvr>
+                                    </p:animEffect>
+                                    <p:set>
+                                      <p:cBhvr>
+                                        <p:cTn id="250" dur="1" fill="hold">
+                                          <p:stCondLst>
+                                            <p:cond delay="499"/>
+                                          </p:stCondLst>
+                                        </p:cTn>
+                                        <p:tgtEl>
+                                          <p:spTgt spid="69"/>
+                                        </p:tgtEl>
+                                        <p:attrNameLst>
+                                          <p:attrName>style.visibility</p:attrName>
+                                        </p:attrNameLst>
+                                      </p:cBhvr>
+                                      <p:to>
+                                        <p:strVal val="hidden"/>
+                                      </p:to>
+                                    </p:set>
+                                  </p:childTnLst>
+                                </p:cTn>
+                              </p:par>
+                              <p:par>
+                                <p:cTn id="251" presetID="10" presetClass="exit" presetSubtype="0" fill="hold" nodeType="withEffect">
+                                  <p:stCondLst>
+                                    <p:cond delay="0"/>
+                                  </p:stCondLst>
+                                  <p:childTnLst>
+                                    <p:animEffect transition="out" filter="fade">
+                                      <p:cBhvr>
+                                        <p:cTn id="252" dur="500"/>
+                                        <p:tgtEl>
+                                          <p:spTgt spid="71"/>
+                                        </p:tgtEl>
+                                      </p:cBhvr>
+                                    </p:animEffect>
+                                    <p:set>
+                                      <p:cBhvr>
+                                        <p:cTn id="253" dur="1" fill="hold">
+                                          <p:stCondLst>
+                                            <p:cond delay="499"/>
+                                          </p:stCondLst>
+                                        </p:cTn>
+                                        <p:tgtEl>
+                                          <p:spTgt spid="71"/>
+                                        </p:tgtEl>
+                                        <p:attrNameLst>
+                                          <p:attrName>style.visibility</p:attrName>
+                                        </p:attrNameLst>
+                                      </p:cBhvr>
+                                      <p:to>
+                                        <p:strVal val="hidden"/>
+                                      </p:to>
+                                    </p:set>
+                                  </p:childTnLst>
+                                </p:cTn>
+                              </p:par>
+                              <p:par>
+                                <p:cTn id="254" presetID="10" presetClass="exit" presetSubtype="0" fill="hold" grpId="0" nodeType="withEffect">
+                                  <p:stCondLst>
+                                    <p:cond delay="0"/>
+                                  </p:stCondLst>
+                                  <p:childTnLst>
+                                    <p:animEffect transition="out" filter="fade">
+                                      <p:cBhvr>
+                                        <p:cTn id="255" dur="500"/>
+                                        <p:tgtEl>
                                           <p:spTgt spid="23"/>
                                         </p:tgtEl>
                                       </p:cBhvr>
                                     </p:animEffect>
                                     <p:set>
                                       <p:cBhvr>
-                                        <p:cTn id="229" dur="1" fill="hold">
+                                        <p:cTn id="256" dur="1" fill="hold">
                                           <p:stCondLst>
                                             <p:cond delay="499"/>
                                           </p:stCondLst>

--- a/Präsentation/Entwicklung eines Odoo-Moduls zur ZIP-komprimierten Dateiverwaltung im Dokumentenmanagementsystem.pptx
+++ b/Präsentation/Entwicklung eines Odoo-Moduls zur ZIP-komprimierten Dateiverwaltung im Dokumentenmanagementsystem.pptx
@@ -211,7 +211,7 @@
           <a:p>
             <a:fld id="{4C27BFA1-A5AB-42FB-939B-087BECC10B9B}" type="datetimeFigureOut">
               <a:rPr lang="en-DE" smtClean="0"/>
-              <a:t>26/06/2025</a:t>
+              <a:t>29/06/2025</a:t>
             </a:fld>
             <a:endParaRPr lang="en-DE"/>
           </a:p>
@@ -5534,42 +5534,6 @@
       </p:pic>
       <p:pic>
         <p:nvPicPr>
-          <p:cNvPr id="37" name="Filter Draft" descr="Ein Bild, das Text, Screenshot, Reihe enthält.&#10;&#10;KI-generierte Inhalte können fehlerhaft sein.">
-            <a:extLst>
-              <a:ext uri="{FF2B5EF4-FFF2-40B4-BE49-F238E27FC236}">
-                <a16:creationId xmlns:a16="http://schemas.microsoft.com/office/drawing/2014/main" id="{E2C2B5BF-ECB1-795D-8AD1-0D8D5EC2A678}"/>
-              </a:ext>
-            </a:extLst>
-          </p:cNvPr>
-          <p:cNvPicPr>
-            <a:picLocks noChangeAspect="1"/>
-          </p:cNvPicPr>
-          <p:nvPr/>
-        </p:nvPicPr>
-        <p:blipFill>
-          <a:blip r:embed="rId8">
-            <a:extLst>
-              <a:ext uri="{28A0092B-C50C-407E-A947-70E740481C1C}">
-                <a14:useLocalDpi xmlns:a14="http://schemas.microsoft.com/office/drawing/2010/main" val="0"/>
-              </a:ext>
-            </a:extLst>
-          </a:blip>
-          <a:stretch>
-            <a:fillRect/>
-          </a:stretch>
-        </p:blipFill>
-        <p:spPr>
-          <a:xfrm>
-            <a:off x="142994" y="1707994"/>
-            <a:ext cx="11936491" cy="3467584"/>
-          </a:xfrm>
-          <a:prstGeom prst="rect">
-            <a:avLst/>
-          </a:prstGeom>
-        </p:spPr>
-      </p:pic>
-      <p:pic>
-        <p:nvPicPr>
           <p:cNvPr id="5" name="Open Dokumente" descr="Ein Bild, das Text, Screenshot, Software, Zahl enthält.&#10;&#10;KI-generierte Inhalte können fehlerhaft sein.">
             <a:extLst>
               <a:ext uri="{FF2B5EF4-FFF2-40B4-BE49-F238E27FC236}">
@@ -5607,10 +5571,10 @@
       </p:pic>
       <p:pic>
         <p:nvPicPr>
-          <p:cNvPr id="114" name="Check Export" descr="Ein Bild, das Text, Screenshot, Reihe enthält.&#10;&#10;KI-generierte Inhalte können fehlerhaft sein.">
+          <p:cNvPr id="6" name="Oberfläche 2" descr="Ein Bild, das Screenshot, Text, Reihe enthält.&#10;&#10;KI-generierte Inhalte können fehlerhaft sein.">
             <a:extLst>
               <a:ext uri="{FF2B5EF4-FFF2-40B4-BE49-F238E27FC236}">
-                <a16:creationId xmlns:a16="http://schemas.microsoft.com/office/drawing/2014/main" id="{C6E42AB0-F18A-BF4F-291B-0DF26886DA28}"/>
+                <a16:creationId xmlns:a16="http://schemas.microsoft.com/office/drawing/2014/main" id="{75F55D2D-2AF3-A1E6-CF2F-1EA4C5CC2743}"/>
               </a:ext>
             </a:extLst>
           </p:cNvPr>
@@ -5627,15 +5591,51 @@
               </a:ext>
             </a:extLst>
           </a:blip>
-          <a:srcRect l="-20" t="12902" r="90105" b="76703"/>
           <a:stretch>
             <a:fillRect/>
           </a:stretch>
         </p:blipFill>
         <p:spPr>
           <a:xfrm>
-            <a:off x="2895600" y="3143250"/>
-            <a:ext cx="2095500" cy="638176"/>
+            <a:off x="107572" y="1724641"/>
+            <a:ext cx="11973805" cy="3466717"/>
+          </a:xfrm>
+          <a:prstGeom prst="rect">
+            <a:avLst/>
+          </a:prstGeom>
+        </p:spPr>
+      </p:pic>
+      <p:pic>
+        <p:nvPicPr>
+          <p:cNvPr id="11" name="button" descr="Ein Bild, das Screenshot, Text, Reihe enthält.&#10;&#10;KI-generierte Inhalte können fehlerhaft sein.">
+            <a:extLst>
+              <a:ext uri="{FF2B5EF4-FFF2-40B4-BE49-F238E27FC236}">
+                <a16:creationId xmlns:a16="http://schemas.microsoft.com/office/drawing/2014/main" id="{A114FDFC-46B0-F12B-8B1C-EFD3766ED2A1}"/>
+              </a:ext>
+            </a:extLst>
+          </p:cNvPr>
+          <p:cNvPicPr>
+            <a:picLocks noChangeAspect="1"/>
+          </p:cNvPicPr>
+          <p:nvPr/>
+        </p:nvPicPr>
+        <p:blipFill>
+          <a:blip r:embed="rId8">
+            <a:extLst>
+              <a:ext uri="{28A0092B-C50C-407E-A947-70E740481C1C}">
+                <a14:useLocalDpi xmlns:a14="http://schemas.microsoft.com/office/drawing/2010/main" val="0"/>
+              </a:ext>
+            </a:extLst>
+          </a:blip>
+          <a:srcRect l="173" t="11264" r="90027" b="76181"/>
+          <a:stretch>
+            <a:fillRect/>
+          </a:stretch>
+        </p:blipFill>
+        <p:spPr>
+          <a:xfrm>
+            <a:off x="2879627" y="3408577"/>
+            <a:ext cx="1855797" cy="688357"/>
           </a:xfrm>
           <a:prstGeom prst="rect">
             <a:avLst/>
@@ -6041,13 +6041,16 @@
               </a:ext>
             </a:extLst>
           </p:cNvPr>
-          <p:cNvCxnSpPr/>
+          <p:cNvCxnSpPr>
+            <a:cxnSpLocks/>
+            <a:stCxn id="11" idx="1"/>
+          </p:cNvCxnSpPr>
           <p:nvPr/>
         </p:nvCxnSpPr>
         <p:spPr>
           <a:xfrm flipH="1" flipV="1">
             <a:off x="1011195" y="2449467"/>
-            <a:ext cx="1884405" cy="979531"/>
+            <a:ext cx="1868432" cy="1303289"/>
           </a:xfrm>
           <a:prstGeom prst="straightConnector1">
             <a:avLst/>
@@ -6609,7 +6612,7 @@
                                           </p:stCondLst>
                                         </p:cTn>
                                         <p:tgtEl>
-                                          <p:spTgt spid="37"/>
+                                          <p:spTgt spid="6"/>
                                         </p:tgtEl>
                                         <p:attrNameLst>
                                           <p:attrName>style.visibility</p:attrName>
@@ -6623,7 +6626,7 @@
                                       <p:cBhvr>
                                         <p:cTn id="44" dur="500"/>
                                         <p:tgtEl>
-                                          <p:spTgt spid="37"/>
+                                          <p:spTgt spid="6"/>
                                         </p:tgtEl>
                                       </p:cBhvr>
                                     </p:animEffect>
@@ -6633,7 +6636,7 @@
                               <p:par>
                                 <p:cTn id="45" presetID="10" presetClass="entr" presetSubtype="0" fill="hold" nodeType="withEffect">
                                   <p:stCondLst>
-                                    <p:cond delay="500"/>
+                                    <p:cond delay="0"/>
                                   </p:stCondLst>
                                   <p:childTnLst>
                                     <p:set>
@@ -6668,7 +6671,7 @@
                               <p:par>
                                 <p:cTn id="48" presetID="10" presetClass="entr" presetSubtype="0" fill="hold" nodeType="withEffect">
                                   <p:stCondLst>
-                                    <p:cond delay="500"/>
+                                    <p:cond delay="0"/>
                                   </p:stCondLst>
                                   <p:childTnLst>
                                     <p:set>
@@ -6703,7 +6706,7 @@
                               <p:par>
                                 <p:cTn id="51" presetID="10" presetClass="entr" presetSubtype="0" fill="hold" nodeType="withEffect">
                                   <p:stCondLst>
-                                    <p:cond delay="500"/>
+                                    <p:cond delay="0"/>
                                   </p:stCondLst>
                                   <p:childTnLst>
                                     <p:set>
@@ -6738,7 +6741,7 @@
                               <p:par>
                                 <p:cTn id="54" presetID="10" presetClass="entr" presetSubtype="0" fill="hold" nodeType="withEffect">
                                   <p:stCondLst>
-                                    <p:cond delay="500"/>
+                                    <p:cond delay="0"/>
                                   </p:stCondLst>
                                   <p:childTnLst>
                                     <p:set>
@@ -6773,7 +6776,7 @@
                               <p:par>
                                 <p:cTn id="57" presetID="10" presetClass="entr" presetSubtype="0" fill="hold" nodeType="withEffect">
                                   <p:stCondLst>
-                                    <p:cond delay="500"/>
+                                    <p:cond delay="0"/>
                                   </p:stCondLst>
                                   <p:childTnLst>
                                     <p:set>
@@ -6808,7 +6811,7 @@
                               <p:par>
                                 <p:cTn id="60" presetID="10" presetClass="entr" presetSubtype="0" fill="hold" nodeType="withEffect">
                                   <p:stCondLst>
-                                    <p:cond delay="500"/>
+                                    <p:cond delay="0"/>
                                   </p:stCondLst>
                                   <p:childTnLst>
                                     <p:set>
@@ -6868,7 +6871,7 @@
                                       <p:cBhvr>
                                         <p:cTn id="66" dur="500"/>
                                         <p:tgtEl>
-                                          <p:spTgt spid="37"/>
+                                          <p:spTgt spid="6"/>
                                         </p:tgtEl>
                                       </p:cBhvr>
                                     </p:animEffect>
@@ -6880,7 +6883,7 @@
                                           </p:stCondLst>
                                         </p:cTn>
                                         <p:tgtEl>
-                                          <p:spTgt spid="37"/>
+                                          <p:spTgt spid="6"/>
                                         </p:tgtEl>
                                         <p:attrNameLst>
                                           <p:attrName>style.visibility</p:attrName>
@@ -7188,7 +7191,7 @@
                                           </p:stCondLst>
                                         </p:cTn>
                                         <p:tgtEl>
-                                          <p:spTgt spid="37"/>
+                                          <p:spTgt spid="6"/>
                                         </p:tgtEl>
                                         <p:attrNameLst>
                                           <p:attrName>style.visibility</p:attrName>
@@ -7202,7 +7205,77 @@
                                       <p:cBhvr>
                                         <p:cTn id="95" dur="500"/>
                                         <p:tgtEl>
-                                          <p:spTgt spid="37"/>
+                                          <p:spTgt spid="6"/>
+                                        </p:tgtEl>
+                                      </p:cBhvr>
+                                    </p:animEffect>
+                                  </p:childTnLst>
+                                </p:cTn>
+                              </p:par>
+                              <p:par>
+                                <p:cTn id="96" presetID="10" presetClass="entr" presetSubtype="0" fill="hold" nodeType="withEffect">
+                                  <p:stCondLst>
+                                    <p:cond delay="0"/>
+                                  </p:stCondLst>
+                                  <p:childTnLst>
+                                    <p:set>
+                                      <p:cBhvr>
+                                        <p:cTn id="97" dur="1" fill="hold">
+                                          <p:stCondLst>
+                                            <p:cond delay="0"/>
+                                          </p:stCondLst>
+                                        </p:cTn>
+                                        <p:tgtEl>
+                                          <p:spTgt spid="11"/>
+                                        </p:tgtEl>
+                                        <p:attrNameLst>
+                                          <p:attrName>style.visibility</p:attrName>
+                                        </p:attrNameLst>
+                                      </p:cBhvr>
+                                      <p:to>
+                                        <p:strVal val="visible"/>
+                                      </p:to>
+                                    </p:set>
+                                    <p:animEffect transition="in" filter="fade">
+                                      <p:cBhvr>
+                                        <p:cTn id="98" dur="500"/>
+                                        <p:tgtEl>
+                                          <p:spTgt spid="11"/>
+                                        </p:tgtEl>
+                                      </p:cBhvr>
+                                    </p:animEffect>
+                                  </p:childTnLst>
+                                </p:cTn>
+                              </p:par>
+                              <p:par>
+                                <p:cTn id="99" presetID="10" presetClass="entr" presetSubtype="0" fill="hold" nodeType="withEffect">
+                                  <p:stCondLst>
+                                    <p:cond delay="0"/>
+                                  </p:stCondLst>
+                                  <p:childTnLst>
+                                    <p:set>
+                                      <p:cBhvr>
+                                        <p:cTn id="100" dur="1" fill="hold">
+                                          <p:stCondLst>
+                                            <p:cond delay="0"/>
+                                          </p:stCondLst>
+                                        </p:cTn>
+                                        <p:tgtEl>
+                                          <p:spTgt spid="116"/>
+                                        </p:tgtEl>
+                                        <p:attrNameLst>
+                                          <p:attrName>style.visibility</p:attrName>
+                                        </p:attrNameLst>
+                                      </p:cBhvr>
+                                      <p:to>
+                                        <p:strVal val="visible"/>
+                                      </p:to>
+                                    </p:set>
+                                    <p:animEffect transition="in" filter="fade">
+                                      <p:cBhvr>
+                                        <p:cTn id="101" dur="500"/>
+                                        <p:tgtEl>
+                                          <p:spTgt spid="116"/>
                                         </p:tgtEl>
                                       </p:cBhvr>
                                     </p:animEffect>
@@ -7216,128 +7289,40 @@
                     </p:cTn>
                   </p:par>
                   <p:par>
-                    <p:cTn id="96" fill="hold">
+                    <p:cTn id="102" fill="hold">
                       <p:stCondLst>
                         <p:cond delay="indefinite"/>
                       </p:stCondLst>
                       <p:childTnLst>
                         <p:par>
-                          <p:cTn id="97" fill="hold">
+                          <p:cTn id="103" fill="hold">
                             <p:stCondLst>
                               <p:cond delay="0"/>
                             </p:stCondLst>
                             <p:childTnLst>
                               <p:par>
-                                <p:cTn id="98" presetID="10" presetClass="entr" presetSubtype="0" fill="hold" nodeType="clickEffect">
-                                  <p:stCondLst>
-                                    <p:cond delay="0"/>
-                                  </p:stCondLst>
-                                  <p:childTnLst>
-                                    <p:set>
-                                      <p:cBhvr>
-                                        <p:cTn id="99" dur="1" fill="hold">
-                                          <p:stCondLst>
-                                            <p:cond delay="0"/>
-                                          </p:stCondLst>
-                                        </p:cTn>
-                                        <p:tgtEl>
-                                          <p:spTgt spid="114"/>
-                                        </p:tgtEl>
-                                        <p:attrNameLst>
-                                          <p:attrName>style.visibility</p:attrName>
-                                        </p:attrNameLst>
-                                      </p:cBhvr>
-                                      <p:to>
-                                        <p:strVal val="visible"/>
-                                      </p:to>
-                                    </p:set>
-                                    <p:animEffect transition="in" filter="fade">
-                                      <p:cBhvr>
-                                        <p:cTn id="100" dur="500"/>
-                                        <p:tgtEl>
-                                          <p:spTgt spid="114"/>
-                                        </p:tgtEl>
-                                      </p:cBhvr>
-                                    </p:animEffect>
-                                  </p:childTnLst>
-                                </p:cTn>
-                              </p:par>
-                              <p:par>
-                                <p:cTn id="101" presetID="10" presetClass="entr" presetSubtype="0" fill="hold" nodeType="withEffect">
-                                  <p:stCondLst>
-                                    <p:cond delay="0"/>
-                                  </p:stCondLst>
-                                  <p:childTnLst>
-                                    <p:set>
-                                      <p:cBhvr>
-                                        <p:cTn id="102" dur="1" fill="hold">
-                                          <p:stCondLst>
-                                            <p:cond delay="0"/>
-                                          </p:stCondLst>
-                                        </p:cTn>
-                                        <p:tgtEl>
-                                          <p:spTgt spid="116"/>
-                                        </p:tgtEl>
-                                        <p:attrNameLst>
-                                          <p:attrName>style.visibility</p:attrName>
-                                        </p:attrNameLst>
-                                      </p:cBhvr>
-                                      <p:to>
-                                        <p:strVal val="visible"/>
-                                      </p:to>
-                                    </p:set>
-                                    <p:animEffect transition="in" filter="fade">
-                                      <p:cBhvr>
-                                        <p:cTn id="103" dur="500"/>
-                                        <p:tgtEl>
-                                          <p:spTgt spid="116"/>
-                                        </p:tgtEl>
-                                      </p:cBhvr>
-                                    </p:animEffect>
-                                  </p:childTnLst>
-                                </p:cTn>
-                              </p:par>
-                            </p:childTnLst>
-                          </p:cTn>
-                        </p:par>
-                      </p:childTnLst>
-                    </p:cTn>
-                  </p:par>
-                  <p:par>
-                    <p:cTn id="104" fill="hold">
-                      <p:stCondLst>
-                        <p:cond delay="indefinite"/>
-                      </p:stCondLst>
-                      <p:childTnLst>
-                        <p:par>
-                          <p:cTn id="105" fill="hold">
-                            <p:stCondLst>
-                              <p:cond delay="0"/>
-                            </p:stCondLst>
-                            <p:childTnLst>
-                              <p:par>
-                                <p:cTn id="106" presetID="10" presetClass="exit" presetSubtype="0" fill="hold" nodeType="clickEffect">
+                                <p:cTn id="104" presetID="10" presetClass="exit" presetSubtype="0" fill="hold" nodeType="clickEffect">
                                   <p:stCondLst>
                                     <p:cond delay="0"/>
                                   </p:stCondLst>
                                   <p:childTnLst>
                                     <p:animEffect transition="out" filter="fade">
                                       <p:cBhvr>
-                                        <p:cTn id="107" dur="500"/>
-                                        <p:tgtEl>
-                                          <p:spTgt spid="37"/>
+                                        <p:cTn id="105" dur="500"/>
+                                        <p:tgtEl>
+                                          <p:spTgt spid="6"/>
                                         </p:tgtEl>
                                       </p:cBhvr>
                                     </p:animEffect>
                                     <p:set>
                                       <p:cBhvr>
-                                        <p:cTn id="108" dur="1" fill="hold">
+                                        <p:cTn id="106" dur="1" fill="hold">
                                           <p:stCondLst>
                                             <p:cond delay="499"/>
                                           </p:stCondLst>
                                         </p:cTn>
                                         <p:tgtEl>
-                                          <p:spTgt spid="37"/>
+                                          <p:spTgt spid="6"/>
                                         </p:tgtEl>
                                         <p:attrNameLst>
                                           <p:attrName>style.visibility</p:attrName>
@@ -7351,28 +7336,28 @@
                                 </p:cTn>
                               </p:par>
                               <p:par>
-                                <p:cTn id="109" presetID="10" presetClass="exit" presetSubtype="0" fill="hold" nodeType="withEffect">
+                                <p:cTn id="107" presetID="10" presetClass="exit" presetSubtype="0" fill="hold" nodeType="withEffect">
                                   <p:stCondLst>
                                     <p:cond delay="0"/>
                                   </p:stCondLst>
                                   <p:childTnLst>
                                     <p:animEffect transition="out" filter="fade">
                                       <p:cBhvr>
-                                        <p:cTn id="110" dur="500"/>
-                                        <p:tgtEl>
-                                          <p:spTgt spid="116"/>
+                                        <p:cTn id="108" dur="500"/>
+                                        <p:tgtEl>
+                                          <p:spTgt spid="11"/>
                                         </p:tgtEl>
                                       </p:cBhvr>
                                     </p:animEffect>
                                     <p:set>
                                       <p:cBhvr>
-                                        <p:cTn id="111" dur="1" fill="hold">
+                                        <p:cTn id="109" dur="1" fill="hold">
                                           <p:stCondLst>
                                             <p:cond delay="499"/>
                                           </p:stCondLst>
                                         </p:cTn>
                                         <p:tgtEl>
-                                          <p:spTgt spid="116"/>
+                                          <p:spTgt spid="11"/>
                                         </p:tgtEl>
                                         <p:attrNameLst>
                                           <p:attrName>style.visibility</p:attrName>
@@ -7386,28 +7371,28 @@
                                 </p:cTn>
                               </p:par>
                               <p:par>
-                                <p:cTn id="112" presetID="10" presetClass="exit" presetSubtype="0" fill="hold" nodeType="withEffect">
+                                <p:cTn id="110" presetID="10" presetClass="exit" presetSubtype="0" fill="hold" nodeType="withEffect">
                                   <p:stCondLst>
                                     <p:cond delay="0"/>
                                   </p:stCondLst>
                                   <p:childTnLst>
                                     <p:animEffect transition="out" filter="fade">
                                       <p:cBhvr>
-                                        <p:cTn id="113" dur="500"/>
-                                        <p:tgtEl>
-                                          <p:spTgt spid="114"/>
+                                        <p:cTn id="111" dur="500"/>
+                                        <p:tgtEl>
+                                          <p:spTgt spid="116"/>
                                         </p:tgtEl>
                                       </p:cBhvr>
                                     </p:animEffect>
                                     <p:set>
                                       <p:cBhvr>
-                                        <p:cTn id="114" dur="1" fill="hold">
+                                        <p:cTn id="112" dur="1" fill="hold">
                                           <p:stCondLst>
                                             <p:cond delay="499"/>
                                           </p:stCondLst>
                                         </p:cTn>
                                         <p:tgtEl>
-                                          <p:spTgt spid="114"/>
+                                          <p:spTgt spid="116"/>
                                         </p:tgtEl>
                                         <p:attrNameLst>
                                           <p:attrName>style.visibility</p:attrName>
@@ -7427,26 +7412,26 @@
                     </p:cTn>
                   </p:par>
                   <p:par>
-                    <p:cTn id="115" fill="hold">
+                    <p:cTn id="113" fill="hold">
                       <p:stCondLst>
                         <p:cond delay="indefinite"/>
                       </p:stCondLst>
                       <p:childTnLst>
                         <p:par>
-                          <p:cTn id="116" fill="hold">
+                          <p:cTn id="114" fill="hold">
                             <p:stCondLst>
                               <p:cond delay="0"/>
                             </p:stCondLst>
                             <p:childTnLst>
                               <p:par>
-                                <p:cTn id="117" presetID="10" presetClass="exit" presetSubtype="0" fill="hold" grpId="0" nodeType="clickEffect">
+                                <p:cTn id="115" presetID="10" presetClass="exit" presetSubtype="0" fill="hold" grpId="0" nodeType="clickEffect">
                                   <p:stCondLst>
                                     <p:cond delay="0"/>
                                   </p:stCondLst>
                                   <p:childTnLst>
                                     <p:animEffect transition="out" filter="fade">
                                       <p:cBhvr>
-                                        <p:cTn id="118" dur="500"/>
+                                        <p:cTn id="116" dur="500"/>
                                         <p:tgtEl>
                                           <p:spTgt spid="24"/>
                                         </p:tgtEl>
@@ -7454,7 +7439,7 @@
                                     </p:animEffect>
                                     <p:set>
                                       <p:cBhvr>
-                                        <p:cTn id="119" dur="1" fill="hold">
+                                        <p:cTn id="117" dur="1" fill="hold">
                                           <p:stCondLst>
                                             <p:cond delay="499"/>
                                           </p:stCondLst>
@@ -7480,26 +7465,26 @@
                     </p:cTn>
                   </p:par>
                   <p:par>
-                    <p:cTn id="120" fill="hold">
+                    <p:cTn id="118" fill="hold">
                       <p:stCondLst>
                         <p:cond delay="indefinite"/>
                       </p:stCondLst>
                       <p:childTnLst>
                         <p:par>
-                          <p:cTn id="121" fill="hold">
+                          <p:cTn id="119" fill="hold">
                             <p:stCondLst>
                               <p:cond delay="0"/>
                             </p:stCondLst>
                             <p:childTnLst>
                               <p:par>
-                                <p:cTn id="122" presetID="10" presetClass="exit" presetSubtype="0" fill="hold" grpId="0" nodeType="clickEffect">
+                                <p:cTn id="120" presetID="10" presetClass="exit" presetSubtype="0" fill="hold" grpId="0" nodeType="clickEffect">
                                   <p:stCondLst>
                                     <p:cond delay="0"/>
                                   </p:stCondLst>
                                   <p:childTnLst>
                                     <p:animEffect transition="out" filter="fade">
                                       <p:cBhvr>
-                                        <p:cTn id="123" dur="500"/>
+                                        <p:cTn id="121" dur="500"/>
                                         <p:tgtEl>
                                           <p:spTgt spid="25"/>
                                         </p:tgtEl>
@@ -7507,7 +7492,7 @@
                                     </p:animEffect>
                                     <p:set>
                                       <p:cBhvr>
-                                        <p:cTn id="124" dur="1" fill="hold">
+                                        <p:cTn id="122" dur="1" fill="hold">
                                           <p:stCondLst>
                                             <p:cond delay="499"/>
                                           </p:stCondLst>
@@ -7527,14 +7512,14 @@
                                 </p:cTn>
                               </p:par>
                               <p:par>
-                                <p:cTn id="125" presetID="10" presetClass="exit" presetSubtype="0" fill="hold" grpId="0" nodeType="withEffect">
+                                <p:cTn id="123" presetID="10" presetClass="exit" presetSubtype="0" fill="hold" grpId="0" nodeType="withEffect">
                                   <p:stCondLst>
                                     <p:cond delay="0"/>
                                   </p:stCondLst>
                                   <p:childTnLst>
                                     <p:animEffect transition="out" filter="fade">
                                       <p:cBhvr>
-                                        <p:cTn id="126" dur="500"/>
+                                        <p:cTn id="124" dur="500"/>
                                         <p:tgtEl>
                                           <p:spTgt spid="16"/>
                                         </p:tgtEl>
@@ -7542,7 +7527,7 @@
                                     </p:animEffect>
                                     <p:set>
                                       <p:cBhvr>
-                                        <p:cTn id="127" dur="1" fill="hold">
+                                        <p:cTn id="125" dur="1" fill="hold">
                                           <p:stCondLst>
                                             <p:cond delay="499"/>
                                           </p:stCondLst>
@@ -7568,26 +7553,26 @@
                     </p:cTn>
                   </p:par>
                   <p:par>
-                    <p:cTn id="128" fill="hold">
+                    <p:cTn id="126" fill="hold">
                       <p:stCondLst>
                         <p:cond delay="indefinite"/>
                       </p:stCondLst>
                       <p:childTnLst>
                         <p:par>
-                          <p:cTn id="129" fill="hold">
+                          <p:cTn id="127" fill="hold">
                             <p:stCondLst>
                               <p:cond delay="0"/>
                             </p:stCondLst>
                             <p:childTnLst>
                               <p:par>
-                                <p:cTn id="130" presetID="10" presetClass="entr" presetSubtype="0" fill="hold" nodeType="clickEffect">
+                                <p:cTn id="128" presetID="10" presetClass="entr" presetSubtype="0" fill="hold" nodeType="clickEffect">
                                   <p:stCondLst>
                                     <p:cond delay="0"/>
                                   </p:stCondLst>
                                   <p:childTnLst>
                                     <p:set>
                                       <p:cBhvr>
-                                        <p:cTn id="131" dur="1" fill="hold">
+                                        <p:cTn id="129" dur="1" fill="hold">
                                           <p:stCondLst>
                                             <p:cond delay="0"/>
                                           </p:stCondLst>
@@ -7605,7 +7590,7 @@
                                     </p:set>
                                     <p:animEffect transition="in" filter="fade">
                                       <p:cBhvr>
-                                        <p:cTn id="132" dur="500"/>
+                                        <p:cTn id="130" dur="500"/>
                                         <p:tgtEl>
                                           <p:spTgt spid="29"/>
                                         </p:tgtEl>
@@ -7621,26 +7606,26 @@
                     </p:cTn>
                   </p:par>
                   <p:par>
-                    <p:cTn id="133" fill="hold">
+                    <p:cTn id="131" fill="hold">
                       <p:stCondLst>
                         <p:cond delay="indefinite"/>
                       </p:stCondLst>
                       <p:childTnLst>
                         <p:par>
-                          <p:cTn id="134" fill="hold">
+                          <p:cTn id="132" fill="hold">
                             <p:stCondLst>
                               <p:cond delay="0"/>
                             </p:stCondLst>
                             <p:childTnLst>
                               <p:par>
-                                <p:cTn id="135" presetID="10" presetClass="exit" presetSubtype="0" fill="hold" nodeType="clickEffect">
+                                <p:cTn id="133" presetID="10" presetClass="exit" presetSubtype="0" fill="hold" nodeType="clickEffect">
                                   <p:stCondLst>
                                     <p:cond delay="0"/>
                                   </p:stCondLst>
                                   <p:childTnLst>
                                     <p:animEffect transition="out" filter="fade">
                                       <p:cBhvr>
-                                        <p:cTn id="136" dur="500"/>
+                                        <p:cTn id="134" dur="500"/>
                                         <p:tgtEl>
                                           <p:spTgt spid="29"/>
                                         </p:tgtEl>
@@ -7648,7 +7633,7 @@
                                     </p:animEffect>
                                     <p:set>
                                       <p:cBhvr>
-                                        <p:cTn id="137" dur="1" fill="hold">
+                                        <p:cTn id="135" dur="1" fill="hold">
                                           <p:stCondLst>
                                             <p:cond delay="499"/>
                                           </p:stCondLst>
@@ -7674,26 +7659,26 @@
                     </p:cTn>
                   </p:par>
                   <p:par>
-                    <p:cTn id="138" fill="hold">
+                    <p:cTn id="136" fill="hold">
                       <p:stCondLst>
                         <p:cond delay="indefinite"/>
                       </p:stCondLst>
                       <p:childTnLst>
                         <p:par>
-                          <p:cTn id="139" fill="hold">
+                          <p:cTn id="137" fill="hold">
                             <p:stCondLst>
                               <p:cond delay="0"/>
                             </p:stCondLst>
                             <p:childTnLst>
                               <p:par>
-                                <p:cTn id="140" presetID="10" presetClass="exit" presetSubtype="0" fill="hold" grpId="0" nodeType="clickEffect">
+                                <p:cTn id="138" presetID="10" presetClass="exit" presetSubtype="0" fill="hold" grpId="0" nodeType="clickEffect">
                                   <p:stCondLst>
                                     <p:cond delay="0"/>
                                   </p:stCondLst>
                                   <p:childTnLst>
                                     <p:animEffect transition="out" filter="fade">
                                       <p:cBhvr>
-                                        <p:cTn id="141" dur="500"/>
+                                        <p:cTn id="139" dur="500"/>
                                         <p:tgtEl>
                                           <p:spTgt spid="26"/>
                                         </p:tgtEl>
@@ -7701,7 +7686,7 @@
                                     </p:animEffect>
                                     <p:set>
                                       <p:cBhvr>
-                                        <p:cTn id="142" dur="1" fill="hold">
+                                        <p:cTn id="140" dur="1" fill="hold">
                                           <p:stCondLst>
                                             <p:cond delay="499"/>
                                           </p:stCondLst>
@@ -7721,14 +7706,14 @@
                                 </p:cTn>
                               </p:par>
                               <p:par>
-                                <p:cTn id="143" presetID="10" presetClass="exit" presetSubtype="0" fill="hold" grpId="0" nodeType="withEffect">
+                                <p:cTn id="141" presetID="10" presetClass="exit" presetSubtype="0" fill="hold" grpId="0" nodeType="withEffect">
                                   <p:stCondLst>
                                     <p:cond delay="0"/>
                                   </p:stCondLst>
                                   <p:childTnLst>
                                     <p:animEffect transition="out" filter="fade">
                                       <p:cBhvr>
-                                        <p:cTn id="144" dur="500"/>
+                                        <p:cTn id="142" dur="500"/>
                                         <p:tgtEl>
                                           <p:spTgt spid="17"/>
                                         </p:tgtEl>
@@ -7736,7 +7721,7 @@
                                     </p:animEffect>
                                     <p:set>
                                       <p:cBhvr>
-                                        <p:cTn id="145" dur="1" fill="hold">
+                                        <p:cTn id="143" dur="1" fill="hold">
                                           <p:stCondLst>
                                             <p:cond delay="499"/>
                                           </p:stCondLst>
@@ -7762,26 +7747,26 @@
                     </p:cTn>
                   </p:par>
                   <p:par>
-                    <p:cTn id="146" fill="hold">
+                    <p:cTn id="144" fill="hold">
                       <p:stCondLst>
                         <p:cond delay="indefinite"/>
                       </p:stCondLst>
                       <p:childTnLst>
                         <p:par>
-                          <p:cTn id="147" fill="hold">
+                          <p:cTn id="145" fill="hold">
                             <p:stCondLst>
                               <p:cond delay="0"/>
                             </p:stCondLst>
                             <p:childTnLst>
                               <p:par>
-                                <p:cTn id="148" presetID="10" presetClass="exit" presetSubtype="0" fill="hold" grpId="0" nodeType="clickEffect">
+                                <p:cTn id="146" presetID="10" presetClass="exit" presetSubtype="0" fill="hold" grpId="0" nodeType="clickEffect">
                                   <p:stCondLst>
                                     <p:cond delay="0"/>
                                   </p:stCondLst>
                                   <p:childTnLst>
                                     <p:animEffect transition="out" filter="fade">
                                       <p:cBhvr>
-                                        <p:cTn id="149" dur="500"/>
+                                        <p:cTn id="147" dur="500"/>
                                         <p:tgtEl>
                                           <p:spTgt spid="18"/>
                                         </p:tgtEl>
@@ -7789,7 +7774,7 @@
                                     </p:animEffect>
                                     <p:set>
                                       <p:cBhvr>
-                                        <p:cTn id="150" dur="1" fill="hold">
+                                        <p:cTn id="148" dur="1" fill="hold">
                                           <p:stCondLst>
                                             <p:cond delay="499"/>
                                           </p:stCondLst>
@@ -7815,26 +7800,26 @@
                     </p:cTn>
                   </p:par>
                   <p:par>
-                    <p:cTn id="151" fill="hold">
+                    <p:cTn id="149" fill="hold">
                       <p:stCondLst>
                         <p:cond delay="indefinite"/>
                       </p:stCondLst>
                       <p:childTnLst>
                         <p:par>
-                          <p:cTn id="152" fill="hold">
+                          <p:cTn id="150" fill="hold">
                             <p:stCondLst>
                               <p:cond delay="0"/>
                             </p:stCondLst>
                             <p:childTnLst>
                               <p:par>
-                                <p:cTn id="153" presetID="10" presetClass="entr" presetSubtype="0" fill="hold" nodeType="clickEffect">
+                                <p:cTn id="151" presetID="10" presetClass="entr" presetSubtype="0" fill="hold" nodeType="clickEffect">
                                   <p:stCondLst>
                                     <p:cond delay="0"/>
                                   </p:stCondLst>
                                   <p:childTnLst>
                                     <p:set>
                                       <p:cBhvr>
-                                        <p:cTn id="154" dur="1" fill="hold">
+                                        <p:cTn id="152" dur="1" fill="hold">
                                           <p:stCondLst>
                                             <p:cond delay="0"/>
                                           </p:stCondLst>
@@ -7852,7 +7837,7 @@
                                     </p:set>
                                     <p:animEffect transition="in" filter="fade">
                                       <p:cBhvr>
-                                        <p:cTn id="155" dur="500"/>
+                                        <p:cTn id="153" dur="500"/>
                                         <p:tgtEl>
                                           <p:spTgt spid="60"/>
                                         </p:tgtEl>
@@ -7868,26 +7853,26 @@
                     </p:cTn>
                   </p:par>
                   <p:par>
-                    <p:cTn id="156" fill="hold">
+                    <p:cTn id="154" fill="hold">
                       <p:stCondLst>
                         <p:cond delay="indefinite"/>
                       </p:stCondLst>
                       <p:childTnLst>
                         <p:par>
-                          <p:cTn id="157" fill="hold">
+                          <p:cTn id="155" fill="hold">
                             <p:stCondLst>
                               <p:cond delay="0"/>
                             </p:stCondLst>
                             <p:childTnLst>
                               <p:par>
-                                <p:cTn id="158" presetID="10" presetClass="entr" presetSubtype="0" fill="hold" nodeType="clickEffect">
+                                <p:cTn id="156" presetID="10" presetClass="entr" presetSubtype="0" fill="hold" nodeType="clickEffect">
                                   <p:stCondLst>
                                     <p:cond delay="0"/>
                                   </p:stCondLst>
                                   <p:childTnLst>
                                     <p:set>
                                       <p:cBhvr>
-                                        <p:cTn id="159" dur="1" fill="hold">
+                                        <p:cTn id="157" dur="1" fill="hold">
                                           <p:stCondLst>
                                             <p:cond delay="0"/>
                                           </p:stCondLst>
@@ -7905,7 +7890,7 @@
                                     </p:set>
                                     <p:animEffect transition="in" filter="fade">
                                       <p:cBhvr>
-                                        <p:cTn id="160" dur="500"/>
+                                        <p:cTn id="158" dur="500"/>
                                         <p:tgtEl>
                                           <p:spTgt spid="61"/>
                                         </p:tgtEl>
@@ -7915,14 +7900,14 @@
                                 </p:cTn>
                               </p:par>
                               <p:par>
-                                <p:cTn id="161" presetID="10" presetClass="entr" presetSubtype="0" fill="hold" nodeType="withEffect">
+                                <p:cTn id="159" presetID="10" presetClass="entr" presetSubtype="0" fill="hold" nodeType="withEffect">
                                   <p:stCondLst>
                                     <p:cond delay="0"/>
                                   </p:stCondLst>
                                   <p:childTnLst>
                                     <p:set>
                                       <p:cBhvr>
-                                        <p:cTn id="162" dur="1" fill="hold">
+                                        <p:cTn id="160" dur="1" fill="hold">
                                           <p:stCondLst>
                                             <p:cond delay="0"/>
                                           </p:stCondLst>
@@ -7940,7 +7925,7 @@
                                     </p:set>
                                     <p:animEffect transition="in" filter="fade">
                                       <p:cBhvr>
-                                        <p:cTn id="163" dur="500"/>
+                                        <p:cTn id="161" dur="500"/>
                                         <p:tgtEl>
                                           <p:spTgt spid="63"/>
                                         </p:tgtEl>
@@ -7956,26 +7941,26 @@
                     </p:cTn>
                   </p:par>
                   <p:par>
-                    <p:cTn id="164" fill="hold">
+                    <p:cTn id="162" fill="hold">
                       <p:stCondLst>
                         <p:cond delay="indefinite"/>
                       </p:stCondLst>
                       <p:childTnLst>
                         <p:par>
-                          <p:cTn id="165" fill="hold">
+                          <p:cTn id="163" fill="hold">
                             <p:stCondLst>
                               <p:cond delay="0"/>
                             </p:stCondLst>
                             <p:childTnLst>
                               <p:par>
-                                <p:cTn id="166" presetID="10" presetClass="exit" presetSubtype="0" fill="hold" nodeType="clickEffect">
+                                <p:cTn id="164" presetID="10" presetClass="exit" presetSubtype="0" fill="hold" nodeType="clickEffect">
                                   <p:stCondLst>
                                     <p:cond delay="0"/>
                                   </p:stCondLst>
                                   <p:childTnLst>
                                     <p:animEffect transition="out" filter="fade">
                                       <p:cBhvr>
-                                        <p:cTn id="167" dur="500"/>
+                                        <p:cTn id="165" dur="500"/>
                                         <p:tgtEl>
                                           <p:spTgt spid="61"/>
                                         </p:tgtEl>
@@ -7983,7 +7968,7 @@
                                     </p:animEffect>
                                     <p:set>
                                       <p:cBhvr>
-                                        <p:cTn id="168" dur="1" fill="hold">
+                                        <p:cTn id="166" dur="1" fill="hold">
                                           <p:stCondLst>
                                             <p:cond delay="499"/>
                                           </p:stCondLst>
@@ -8003,14 +7988,14 @@
                                 </p:cTn>
                               </p:par>
                               <p:par>
-                                <p:cTn id="169" presetID="10" presetClass="exit" presetSubtype="0" fill="hold" nodeType="withEffect">
+                                <p:cTn id="167" presetID="10" presetClass="exit" presetSubtype="0" fill="hold" nodeType="withEffect">
                                   <p:stCondLst>
                                     <p:cond delay="0"/>
                                   </p:stCondLst>
                                   <p:childTnLst>
                                     <p:animEffect transition="out" filter="fade">
                                       <p:cBhvr>
-                                        <p:cTn id="170" dur="500"/>
+                                        <p:cTn id="168" dur="500"/>
                                         <p:tgtEl>
                                           <p:spTgt spid="63"/>
                                         </p:tgtEl>
@@ -8018,13 +8003,206 @@
                                     </p:animEffect>
                                     <p:set>
                                       <p:cBhvr>
-                                        <p:cTn id="171" dur="1" fill="hold">
+                                        <p:cTn id="169" dur="1" fill="hold">
                                           <p:stCondLst>
                                             <p:cond delay="499"/>
                                           </p:stCondLst>
                                         </p:cTn>
                                         <p:tgtEl>
                                           <p:spTgt spid="63"/>
+                                        </p:tgtEl>
+                                        <p:attrNameLst>
+                                          <p:attrName>style.visibility</p:attrName>
+                                        </p:attrNameLst>
+                                      </p:cBhvr>
+                                      <p:to>
+                                        <p:strVal val="hidden"/>
+                                      </p:to>
+                                    </p:set>
+                                  </p:childTnLst>
+                                </p:cTn>
+                              </p:par>
+                              <p:par>
+                                <p:cTn id="170" presetID="10" presetClass="entr" presetSubtype="0" fill="hold" nodeType="withEffect">
+                                  <p:stCondLst>
+                                    <p:cond delay="0"/>
+                                  </p:stCondLst>
+                                  <p:childTnLst>
+                                    <p:set>
+                                      <p:cBhvr>
+                                        <p:cTn id="171" dur="1" fill="hold">
+                                          <p:stCondLst>
+                                            <p:cond delay="0"/>
+                                          </p:stCondLst>
+                                        </p:cTn>
+                                        <p:tgtEl>
+                                          <p:spTgt spid="28"/>
+                                        </p:tgtEl>
+                                        <p:attrNameLst>
+                                          <p:attrName>style.visibility</p:attrName>
+                                        </p:attrNameLst>
+                                      </p:cBhvr>
+                                      <p:to>
+                                        <p:strVal val="visible"/>
+                                      </p:to>
+                                    </p:set>
+                                    <p:animEffect transition="in" filter="fade">
+                                      <p:cBhvr>
+                                        <p:cTn id="172" dur="500"/>
+                                        <p:tgtEl>
+                                          <p:spTgt spid="28"/>
+                                        </p:tgtEl>
+                                      </p:cBhvr>
+                                    </p:animEffect>
+                                  </p:childTnLst>
+                                </p:cTn>
+                              </p:par>
+                              <p:par>
+                                <p:cTn id="173" presetID="10" presetClass="entr" presetSubtype="0" fill="hold" nodeType="withEffect">
+                                  <p:stCondLst>
+                                    <p:cond delay="0"/>
+                                  </p:stCondLst>
+                                  <p:childTnLst>
+                                    <p:set>
+                                      <p:cBhvr>
+                                        <p:cTn id="174" dur="1" fill="hold">
+                                          <p:stCondLst>
+                                            <p:cond delay="0"/>
+                                          </p:stCondLst>
+                                        </p:cTn>
+                                        <p:tgtEl>
+                                          <p:spTgt spid="5"/>
+                                        </p:tgtEl>
+                                        <p:attrNameLst>
+                                          <p:attrName>style.visibility</p:attrName>
+                                        </p:attrNameLst>
+                                      </p:cBhvr>
+                                      <p:to>
+                                        <p:strVal val="visible"/>
+                                      </p:to>
+                                    </p:set>
+                                    <p:animEffect transition="in" filter="fade">
+                                      <p:cBhvr>
+                                        <p:cTn id="175" dur="500"/>
+                                        <p:tgtEl>
+                                          <p:spTgt spid="5"/>
+                                        </p:tgtEl>
+                                      </p:cBhvr>
+                                    </p:animEffect>
+                                  </p:childTnLst>
+                                </p:cTn>
+                              </p:par>
+                            </p:childTnLst>
+                          </p:cTn>
+                        </p:par>
+                      </p:childTnLst>
+                    </p:cTn>
+                  </p:par>
+                  <p:par>
+                    <p:cTn id="176" fill="hold">
+                      <p:stCondLst>
+                        <p:cond delay="indefinite"/>
+                      </p:stCondLst>
+                      <p:childTnLst>
+                        <p:par>
+                          <p:cTn id="177" fill="hold">
+                            <p:stCondLst>
+                              <p:cond delay="0"/>
+                            </p:stCondLst>
+                            <p:childTnLst>
+                              <p:par>
+                                <p:cTn id="178" presetID="10" presetClass="exit" presetSubtype="0" fill="hold" nodeType="clickEffect">
+                                  <p:stCondLst>
+                                    <p:cond delay="0"/>
+                                  </p:stCondLst>
+                                  <p:childTnLst>
+                                    <p:animEffect transition="out" filter="fade">
+                                      <p:cBhvr>
+                                        <p:cTn id="179" dur="500"/>
+                                        <p:tgtEl>
+                                          <p:spTgt spid="60"/>
+                                        </p:tgtEl>
+                                      </p:cBhvr>
+                                    </p:animEffect>
+                                    <p:set>
+                                      <p:cBhvr>
+                                        <p:cTn id="180" dur="1" fill="hold">
+                                          <p:stCondLst>
+                                            <p:cond delay="499"/>
+                                          </p:stCondLst>
+                                        </p:cTn>
+                                        <p:tgtEl>
+                                          <p:spTgt spid="60"/>
+                                        </p:tgtEl>
+                                        <p:attrNameLst>
+                                          <p:attrName>style.visibility</p:attrName>
+                                        </p:attrNameLst>
+                                      </p:cBhvr>
+                                      <p:to>
+                                        <p:strVal val="hidden"/>
+                                      </p:to>
+                                    </p:set>
+                                  </p:childTnLst>
+                                </p:cTn>
+                              </p:par>
+                              <p:par>
+                                <p:cTn id="181" presetID="10" presetClass="exit" presetSubtype="0" fill="hold" nodeType="withEffect">
+                                  <p:stCondLst>
+                                    <p:cond delay="0"/>
+                                  </p:stCondLst>
+                                  <p:childTnLst>
+                                    <p:animEffect transition="out" filter="fade">
+                                      <p:cBhvr>
+                                        <p:cTn id="182" dur="500"/>
+                                        <p:tgtEl>
+                                          <p:spTgt spid="28"/>
+                                        </p:tgtEl>
+                                      </p:cBhvr>
+                                    </p:animEffect>
+                                    <p:set>
+                                      <p:cBhvr>
+                                        <p:cTn id="183" dur="1" fill="hold">
+                                          <p:stCondLst>
+                                            <p:cond delay="499"/>
+                                          </p:stCondLst>
+                                        </p:cTn>
+                                        <p:tgtEl>
+                                          <p:spTgt spid="28"/>
+                                        </p:tgtEl>
+                                        <p:attrNameLst>
+                                          <p:attrName>style.visibility</p:attrName>
+                                        </p:attrNameLst>
+                                      </p:cBhvr>
+                                      <p:to>
+                                        <p:strVal val="hidden"/>
+                                      </p:to>
+                                    </p:set>
+                                  </p:childTnLst>
+                                </p:cTn>
+                              </p:par>
+                              <p:par>
+                                <p:cTn id="184" presetID="10" presetClass="exit" presetSubtype="0" fill="hold" nodeType="withEffect">
+                                  <p:stCondLst>
+                                    <p:cond delay="0"/>
+                                  </p:stCondLst>
+                                  <p:childTnLst>
+                                    <p:animEffect transition="out" filter="fade">
+                                      <p:cBhvr>
+                                        <p:cTn id="185" dur="500"/>
+                                        <p:tgtEl>
+                                          <p:spTgt spid="5"/>
+                                        </p:tgtEl>
+                                      </p:cBhvr>
+                                    </p:animEffect>
+                                    <p:set>
+                                      <p:cBhvr>
+                                        <p:cTn id="186" dur="1" fill="hold">
+                                          <p:stCondLst>
+                                            <p:cond delay="499"/>
+                                          </p:stCondLst>
+                                        </p:cTn>
+                                        <p:tgtEl>
+                                          <p:spTgt spid="5"/>
                                         </p:tgtEl>
                                         <p:attrNameLst>
                                           <p:attrName>style.visibility</p:attrName>
@@ -8044,198 +8222,40 @@
                     </p:cTn>
                   </p:par>
                   <p:par>
-                    <p:cTn id="172" fill="hold">
+                    <p:cTn id="187" fill="hold">
                       <p:stCondLst>
                         <p:cond delay="indefinite"/>
                       </p:stCondLst>
                       <p:childTnLst>
                         <p:par>
-                          <p:cTn id="173" fill="hold">
+                          <p:cTn id="188" fill="hold">
                             <p:stCondLst>
                               <p:cond delay="0"/>
                             </p:stCondLst>
                             <p:childTnLst>
                               <p:par>
-                                <p:cTn id="174" presetID="10" presetClass="entr" presetSubtype="0" fill="hold" nodeType="clickEffect">
-                                  <p:stCondLst>
-                                    <p:cond delay="0"/>
-                                  </p:stCondLst>
-                                  <p:childTnLst>
-                                    <p:set>
-                                      <p:cBhvr>
-                                        <p:cTn id="175" dur="1" fill="hold">
-                                          <p:stCondLst>
-                                            <p:cond delay="0"/>
-                                          </p:stCondLst>
-                                        </p:cTn>
-                                        <p:tgtEl>
-                                          <p:spTgt spid="28"/>
-                                        </p:tgtEl>
-                                        <p:attrNameLst>
-                                          <p:attrName>style.visibility</p:attrName>
-                                        </p:attrNameLst>
-                                      </p:cBhvr>
-                                      <p:to>
-                                        <p:strVal val="visible"/>
-                                      </p:to>
-                                    </p:set>
-                                    <p:animEffect transition="in" filter="fade">
-                                      <p:cBhvr>
-                                        <p:cTn id="176" dur="500"/>
-                                        <p:tgtEl>
-                                          <p:spTgt spid="28"/>
-                                        </p:tgtEl>
-                                      </p:cBhvr>
-                                    </p:animEffect>
-                                  </p:childTnLst>
-                                </p:cTn>
-                              </p:par>
-                              <p:par>
-                                <p:cTn id="177" presetID="10" presetClass="entr" presetSubtype="0" fill="hold" nodeType="withEffect">
-                                  <p:stCondLst>
-                                    <p:cond delay="0"/>
-                                  </p:stCondLst>
-                                  <p:childTnLst>
-                                    <p:set>
-                                      <p:cBhvr>
-                                        <p:cTn id="178" dur="1" fill="hold">
-                                          <p:stCondLst>
-                                            <p:cond delay="0"/>
-                                          </p:stCondLst>
-                                        </p:cTn>
-                                        <p:tgtEl>
-                                          <p:spTgt spid="5"/>
-                                        </p:tgtEl>
-                                        <p:attrNameLst>
-                                          <p:attrName>style.visibility</p:attrName>
-                                        </p:attrNameLst>
-                                      </p:cBhvr>
-                                      <p:to>
-                                        <p:strVal val="visible"/>
-                                      </p:to>
-                                    </p:set>
-                                    <p:animEffect transition="in" filter="fade">
-                                      <p:cBhvr>
-                                        <p:cTn id="179" dur="500"/>
-                                        <p:tgtEl>
-                                          <p:spTgt spid="5"/>
-                                        </p:tgtEl>
-                                      </p:cBhvr>
-                                    </p:animEffect>
-                                  </p:childTnLst>
-                                </p:cTn>
-                              </p:par>
-                            </p:childTnLst>
-                          </p:cTn>
-                        </p:par>
-                      </p:childTnLst>
-                    </p:cTn>
-                  </p:par>
-                  <p:par>
-                    <p:cTn id="180" fill="hold">
-                      <p:stCondLst>
-                        <p:cond delay="indefinite"/>
-                      </p:stCondLst>
-                      <p:childTnLst>
-                        <p:par>
-                          <p:cTn id="181" fill="hold">
-                            <p:stCondLst>
-                              <p:cond delay="0"/>
-                            </p:stCondLst>
-                            <p:childTnLst>
-                              <p:par>
-                                <p:cTn id="182" presetID="10" presetClass="exit" presetSubtype="0" fill="hold" nodeType="clickEffect">
+                                <p:cTn id="189" presetID="10" presetClass="exit" presetSubtype="0" fill="hold" grpId="0" nodeType="clickEffect">
                                   <p:stCondLst>
                                     <p:cond delay="0"/>
                                   </p:stCondLst>
                                   <p:childTnLst>
                                     <p:animEffect transition="out" filter="fade">
                                       <p:cBhvr>
-                                        <p:cTn id="183" dur="500"/>
-                                        <p:tgtEl>
-                                          <p:spTgt spid="60"/>
+                                        <p:cTn id="190" dur="500"/>
+                                        <p:tgtEl>
+                                          <p:spTgt spid="19"/>
                                         </p:tgtEl>
                                       </p:cBhvr>
                                     </p:animEffect>
                                     <p:set>
                                       <p:cBhvr>
-                                        <p:cTn id="184" dur="1" fill="hold">
+                                        <p:cTn id="191" dur="1" fill="hold">
                                           <p:stCondLst>
                                             <p:cond delay="499"/>
                                           </p:stCondLst>
                                         </p:cTn>
                                         <p:tgtEl>
-                                          <p:spTgt spid="60"/>
-                                        </p:tgtEl>
-                                        <p:attrNameLst>
-                                          <p:attrName>style.visibility</p:attrName>
-                                        </p:attrNameLst>
-                                      </p:cBhvr>
-                                      <p:to>
-                                        <p:strVal val="hidden"/>
-                                      </p:to>
-                                    </p:set>
-                                  </p:childTnLst>
-                                </p:cTn>
-                              </p:par>
-                              <p:par>
-                                <p:cTn id="185" presetID="10" presetClass="exit" presetSubtype="0" fill="hold" nodeType="withEffect">
-                                  <p:stCondLst>
-                                    <p:cond delay="0"/>
-                                  </p:stCondLst>
-                                  <p:childTnLst>
-                                    <p:animEffect transition="out" filter="fade">
-                                      <p:cBhvr>
-                                        <p:cTn id="186" dur="500"/>
-                                        <p:tgtEl>
-                                          <p:spTgt spid="28"/>
-                                        </p:tgtEl>
-                                      </p:cBhvr>
-                                    </p:animEffect>
-                                    <p:set>
-                                      <p:cBhvr>
-                                        <p:cTn id="187" dur="1" fill="hold">
-                                          <p:stCondLst>
-                                            <p:cond delay="499"/>
-                                          </p:stCondLst>
-                                        </p:cTn>
-                                        <p:tgtEl>
-                                          <p:spTgt spid="28"/>
-                                        </p:tgtEl>
-                                        <p:attrNameLst>
-                                          <p:attrName>style.visibility</p:attrName>
-                                        </p:attrNameLst>
-                                      </p:cBhvr>
-                                      <p:to>
-                                        <p:strVal val="hidden"/>
-                                      </p:to>
-                                    </p:set>
-                                  </p:childTnLst>
-                                </p:cTn>
-                              </p:par>
-                              <p:par>
-                                <p:cTn id="188" presetID="10" presetClass="exit" presetSubtype="0" fill="hold" nodeType="withEffect">
-                                  <p:stCondLst>
-                                    <p:cond delay="0"/>
-                                  </p:stCondLst>
-                                  <p:childTnLst>
-                                    <p:animEffect transition="out" filter="fade">
-                                      <p:cBhvr>
-                                        <p:cTn id="189" dur="500"/>
-                                        <p:tgtEl>
-                                          <p:spTgt spid="5"/>
-                                        </p:tgtEl>
-                                      </p:cBhvr>
-                                    </p:animEffect>
-                                    <p:set>
-                                      <p:cBhvr>
-                                        <p:cTn id="190" dur="1" fill="hold">
-                                          <p:stCondLst>
-                                            <p:cond delay="499"/>
-                                          </p:stCondLst>
-                                        </p:cTn>
-                                        <p:tgtEl>
-                                          <p:spTgt spid="5"/>
+                                          <p:spTgt spid="19"/>
                                         </p:tgtEl>
                                         <p:attrNameLst>
                                           <p:attrName>style.visibility</p:attrName>
@@ -8255,40 +8275,233 @@
                     </p:cTn>
                   </p:par>
                   <p:par>
-                    <p:cTn id="191" fill="hold">
+                    <p:cTn id="192" fill="hold">
                       <p:stCondLst>
                         <p:cond delay="indefinite"/>
                       </p:stCondLst>
                       <p:childTnLst>
                         <p:par>
-                          <p:cTn id="192" fill="hold">
+                          <p:cTn id="193" fill="hold">
                             <p:stCondLst>
                               <p:cond delay="0"/>
                             </p:stCondLst>
                             <p:childTnLst>
                               <p:par>
-                                <p:cTn id="193" presetID="10" presetClass="exit" presetSubtype="0" fill="hold" grpId="0" nodeType="clickEffect">
+                                <p:cTn id="194" presetID="10" presetClass="entr" presetSubtype="0" fill="hold" nodeType="clickEffect">
+                                  <p:stCondLst>
+                                    <p:cond delay="0"/>
+                                  </p:stCondLst>
+                                  <p:childTnLst>
+                                    <p:set>
+                                      <p:cBhvr>
+                                        <p:cTn id="195" dur="1" fill="hold">
+                                          <p:stCondLst>
+                                            <p:cond delay="0"/>
+                                          </p:stCondLst>
+                                        </p:cTn>
+                                        <p:tgtEl>
+                                          <p:spTgt spid="60"/>
+                                        </p:tgtEl>
+                                        <p:attrNameLst>
+                                          <p:attrName>style.visibility</p:attrName>
+                                        </p:attrNameLst>
+                                      </p:cBhvr>
+                                      <p:to>
+                                        <p:strVal val="visible"/>
+                                      </p:to>
+                                    </p:set>
+                                    <p:animEffect transition="in" filter="fade">
+                                      <p:cBhvr>
+                                        <p:cTn id="196" dur="500"/>
+                                        <p:tgtEl>
+                                          <p:spTgt spid="60"/>
+                                        </p:tgtEl>
+                                      </p:cBhvr>
+                                    </p:animEffect>
+                                  </p:childTnLst>
+                                </p:cTn>
+                              </p:par>
+                              <p:par>
+                                <p:cTn id="197" presetID="10" presetClass="entr" presetSubtype="0" fill="hold" nodeType="withEffect">
+                                  <p:stCondLst>
+                                    <p:cond delay="0"/>
+                                  </p:stCondLst>
+                                  <p:childTnLst>
+                                    <p:set>
+                                      <p:cBhvr>
+                                        <p:cTn id="198" dur="1" fill="hold">
+                                          <p:stCondLst>
+                                            <p:cond delay="0"/>
+                                          </p:stCondLst>
+                                        </p:cTn>
+                                        <p:tgtEl>
+                                          <p:spTgt spid="64"/>
+                                        </p:tgtEl>
+                                        <p:attrNameLst>
+                                          <p:attrName>style.visibility</p:attrName>
+                                        </p:attrNameLst>
+                                      </p:cBhvr>
+                                      <p:to>
+                                        <p:strVal val="visible"/>
+                                      </p:to>
+                                    </p:set>
+                                    <p:animEffect transition="in" filter="fade">
+                                      <p:cBhvr>
+                                        <p:cTn id="199" dur="500"/>
+                                        <p:tgtEl>
+                                          <p:spTgt spid="64"/>
+                                        </p:tgtEl>
+                                      </p:cBhvr>
+                                    </p:animEffect>
+                                  </p:childTnLst>
+                                </p:cTn>
+                              </p:par>
+                              <p:par>
+                                <p:cTn id="200" presetID="10" presetClass="entr" presetSubtype="0" fill="hold" nodeType="withEffect">
+                                  <p:stCondLst>
+                                    <p:cond delay="0"/>
+                                  </p:stCondLst>
+                                  <p:childTnLst>
+                                    <p:set>
+                                      <p:cBhvr>
+                                        <p:cTn id="201" dur="1" fill="hold">
+                                          <p:stCondLst>
+                                            <p:cond delay="0"/>
+                                          </p:stCondLst>
+                                        </p:cTn>
+                                        <p:tgtEl>
+                                          <p:spTgt spid="66"/>
+                                        </p:tgtEl>
+                                        <p:attrNameLst>
+                                          <p:attrName>style.visibility</p:attrName>
+                                        </p:attrNameLst>
+                                      </p:cBhvr>
+                                      <p:to>
+                                        <p:strVal val="visible"/>
+                                      </p:to>
+                                    </p:set>
+                                    <p:animEffect transition="in" filter="fade">
+                                      <p:cBhvr>
+                                        <p:cTn id="202" dur="500"/>
+                                        <p:tgtEl>
+                                          <p:spTgt spid="66"/>
+                                        </p:tgtEl>
+                                      </p:cBhvr>
+                                    </p:animEffect>
+                                  </p:childTnLst>
+                                </p:cTn>
+                              </p:par>
+                            </p:childTnLst>
+                          </p:cTn>
+                        </p:par>
+                      </p:childTnLst>
+                    </p:cTn>
+                  </p:par>
+                  <p:par>
+                    <p:cTn id="203" fill="hold">
+                      <p:stCondLst>
+                        <p:cond delay="indefinite"/>
+                      </p:stCondLst>
+                      <p:childTnLst>
+                        <p:par>
+                          <p:cTn id="204" fill="hold">
+                            <p:stCondLst>
+                              <p:cond delay="0"/>
+                            </p:stCondLst>
+                            <p:childTnLst>
+                              <p:par>
+                                <p:cTn id="205" presetID="10" presetClass="exit" presetSubtype="0" fill="hold" nodeType="clickEffect">
                                   <p:stCondLst>
                                     <p:cond delay="0"/>
                                   </p:stCondLst>
                                   <p:childTnLst>
                                     <p:animEffect transition="out" filter="fade">
                                       <p:cBhvr>
-                                        <p:cTn id="194" dur="500"/>
-                                        <p:tgtEl>
-                                          <p:spTgt spid="19"/>
+                                        <p:cTn id="206" dur="500"/>
+                                        <p:tgtEl>
+                                          <p:spTgt spid="60"/>
                                         </p:tgtEl>
                                       </p:cBhvr>
                                     </p:animEffect>
                                     <p:set>
                                       <p:cBhvr>
-                                        <p:cTn id="195" dur="1" fill="hold">
+                                        <p:cTn id="207" dur="1" fill="hold">
                                           <p:stCondLst>
                                             <p:cond delay="499"/>
                                           </p:stCondLst>
                                         </p:cTn>
                                         <p:tgtEl>
-                                          <p:spTgt spid="19"/>
+                                          <p:spTgt spid="60"/>
+                                        </p:tgtEl>
+                                        <p:attrNameLst>
+                                          <p:attrName>style.visibility</p:attrName>
+                                        </p:attrNameLst>
+                                      </p:cBhvr>
+                                      <p:to>
+                                        <p:strVal val="hidden"/>
+                                      </p:to>
+                                    </p:set>
+                                  </p:childTnLst>
+                                </p:cTn>
+                              </p:par>
+                              <p:par>
+                                <p:cTn id="208" presetID="10" presetClass="exit" presetSubtype="0" fill="hold" nodeType="withEffect">
+                                  <p:stCondLst>
+                                    <p:cond delay="0"/>
+                                  </p:stCondLst>
+                                  <p:childTnLst>
+                                    <p:animEffect transition="out" filter="fade">
+                                      <p:cBhvr>
+                                        <p:cTn id="209" dur="500"/>
+                                        <p:tgtEl>
+                                          <p:spTgt spid="64"/>
+                                        </p:tgtEl>
+                                      </p:cBhvr>
+                                    </p:animEffect>
+                                    <p:set>
+                                      <p:cBhvr>
+                                        <p:cTn id="210" dur="1" fill="hold">
+                                          <p:stCondLst>
+                                            <p:cond delay="499"/>
+                                          </p:stCondLst>
+                                        </p:cTn>
+                                        <p:tgtEl>
+                                          <p:spTgt spid="64"/>
+                                        </p:tgtEl>
+                                        <p:attrNameLst>
+                                          <p:attrName>style.visibility</p:attrName>
+                                        </p:attrNameLst>
+                                      </p:cBhvr>
+                                      <p:to>
+                                        <p:strVal val="hidden"/>
+                                      </p:to>
+                                    </p:set>
+                                  </p:childTnLst>
+                                </p:cTn>
+                              </p:par>
+                              <p:par>
+                                <p:cTn id="211" presetID="10" presetClass="exit" presetSubtype="0" fill="hold" nodeType="withEffect">
+                                  <p:stCondLst>
+                                    <p:cond delay="0"/>
+                                  </p:stCondLst>
+                                  <p:childTnLst>
+                                    <p:animEffect transition="out" filter="fade">
+                                      <p:cBhvr>
+                                        <p:cTn id="212" dur="500"/>
+                                        <p:tgtEl>
+                                          <p:spTgt spid="66"/>
+                                        </p:tgtEl>
+                                      </p:cBhvr>
+                                    </p:animEffect>
+                                    <p:set>
+                                      <p:cBhvr>
+                                        <p:cTn id="213" dur="1" fill="hold">
+                                          <p:stCondLst>
+                                            <p:cond delay="499"/>
+                                          </p:stCondLst>
+                                        </p:cTn>
+                                        <p:tgtEl>
+                                          <p:spTgt spid="66"/>
                                         </p:tgtEl>
                                         <p:attrNameLst>
                                           <p:attrName>style.visibility</p:attrName>
@@ -8308,251 +8521,40 @@
                     </p:cTn>
                   </p:par>
                   <p:par>
-                    <p:cTn id="196" fill="hold">
+                    <p:cTn id="214" fill="hold">
                       <p:stCondLst>
                         <p:cond delay="indefinite"/>
                       </p:stCondLst>
                       <p:childTnLst>
                         <p:par>
-                          <p:cTn id="197" fill="hold">
+                          <p:cTn id="215" fill="hold">
                             <p:stCondLst>
                               <p:cond delay="0"/>
                             </p:stCondLst>
                             <p:childTnLst>
                               <p:par>
-                                <p:cTn id="198" presetID="10" presetClass="entr" presetSubtype="0" fill="hold" nodeType="clickEffect">
-                                  <p:stCondLst>
-                                    <p:cond delay="0"/>
-                                  </p:stCondLst>
-                                  <p:childTnLst>
-                                    <p:set>
-                                      <p:cBhvr>
-                                        <p:cTn id="199" dur="1" fill="hold">
-                                          <p:stCondLst>
-                                            <p:cond delay="0"/>
-                                          </p:stCondLst>
-                                        </p:cTn>
-                                        <p:tgtEl>
-                                          <p:spTgt spid="60"/>
-                                        </p:tgtEl>
-                                        <p:attrNameLst>
-                                          <p:attrName>style.visibility</p:attrName>
-                                        </p:attrNameLst>
-                                      </p:cBhvr>
-                                      <p:to>
-                                        <p:strVal val="visible"/>
-                                      </p:to>
-                                    </p:set>
-                                    <p:animEffect transition="in" filter="fade">
-                                      <p:cBhvr>
-                                        <p:cTn id="200" dur="500"/>
-                                        <p:tgtEl>
-                                          <p:spTgt spid="60"/>
-                                        </p:tgtEl>
-                                      </p:cBhvr>
-                                    </p:animEffect>
-                                  </p:childTnLst>
-                                </p:cTn>
-                              </p:par>
-                            </p:childTnLst>
-                          </p:cTn>
-                        </p:par>
-                      </p:childTnLst>
-                    </p:cTn>
-                  </p:par>
-                  <p:par>
-                    <p:cTn id="201" fill="hold">
-                      <p:stCondLst>
-                        <p:cond delay="indefinite"/>
-                      </p:stCondLst>
-                      <p:childTnLst>
-                        <p:par>
-                          <p:cTn id="202" fill="hold">
-                            <p:stCondLst>
-                              <p:cond delay="0"/>
-                            </p:stCondLst>
-                            <p:childTnLst>
-                              <p:par>
-                                <p:cTn id="203" presetID="10" presetClass="entr" presetSubtype="0" fill="hold" nodeType="clickEffect">
-                                  <p:stCondLst>
-                                    <p:cond delay="0"/>
-                                  </p:stCondLst>
-                                  <p:childTnLst>
-                                    <p:set>
-                                      <p:cBhvr>
-                                        <p:cTn id="204" dur="1" fill="hold">
-                                          <p:stCondLst>
-                                            <p:cond delay="0"/>
-                                          </p:stCondLst>
-                                        </p:cTn>
-                                        <p:tgtEl>
-                                          <p:spTgt spid="64"/>
-                                        </p:tgtEl>
-                                        <p:attrNameLst>
-                                          <p:attrName>style.visibility</p:attrName>
-                                        </p:attrNameLst>
-                                      </p:cBhvr>
-                                      <p:to>
-                                        <p:strVal val="visible"/>
-                                      </p:to>
-                                    </p:set>
-                                    <p:animEffect transition="in" filter="fade">
-                                      <p:cBhvr>
-                                        <p:cTn id="205" dur="500"/>
-                                        <p:tgtEl>
-                                          <p:spTgt spid="64"/>
-                                        </p:tgtEl>
-                                      </p:cBhvr>
-                                    </p:animEffect>
-                                  </p:childTnLst>
-                                </p:cTn>
-                              </p:par>
-                              <p:par>
-                                <p:cTn id="206" presetID="10" presetClass="entr" presetSubtype="0" fill="hold" nodeType="withEffect">
-                                  <p:stCondLst>
-                                    <p:cond delay="0"/>
-                                  </p:stCondLst>
-                                  <p:childTnLst>
-                                    <p:set>
-                                      <p:cBhvr>
-                                        <p:cTn id="207" dur="1" fill="hold">
-                                          <p:stCondLst>
-                                            <p:cond delay="0"/>
-                                          </p:stCondLst>
-                                        </p:cTn>
-                                        <p:tgtEl>
-                                          <p:spTgt spid="66"/>
-                                        </p:tgtEl>
-                                        <p:attrNameLst>
-                                          <p:attrName>style.visibility</p:attrName>
-                                        </p:attrNameLst>
-                                      </p:cBhvr>
-                                      <p:to>
-                                        <p:strVal val="visible"/>
-                                      </p:to>
-                                    </p:set>
-                                    <p:animEffect transition="in" filter="fade">
-                                      <p:cBhvr>
-                                        <p:cTn id="208" dur="500"/>
-                                        <p:tgtEl>
-                                          <p:spTgt spid="66"/>
-                                        </p:tgtEl>
-                                      </p:cBhvr>
-                                    </p:animEffect>
-                                  </p:childTnLst>
-                                </p:cTn>
-                              </p:par>
-                            </p:childTnLst>
-                          </p:cTn>
-                        </p:par>
-                      </p:childTnLst>
-                    </p:cTn>
-                  </p:par>
-                  <p:par>
-                    <p:cTn id="209" fill="hold">
-                      <p:stCondLst>
-                        <p:cond delay="indefinite"/>
-                      </p:stCondLst>
-                      <p:childTnLst>
-                        <p:par>
-                          <p:cTn id="210" fill="hold">
-                            <p:stCondLst>
-                              <p:cond delay="0"/>
-                            </p:stCondLst>
-                            <p:childTnLst>
-                              <p:par>
-                                <p:cTn id="211" presetID="10" presetClass="exit" presetSubtype="0" fill="hold" nodeType="clickEffect">
+                                <p:cTn id="216" presetID="10" presetClass="exit" presetSubtype="0" fill="hold" grpId="0" nodeType="clickEffect">
                                   <p:stCondLst>
                                     <p:cond delay="0"/>
                                   </p:stCondLst>
                                   <p:childTnLst>
                                     <p:animEffect transition="out" filter="fade">
                                       <p:cBhvr>
-                                        <p:cTn id="212" dur="500"/>
-                                        <p:tgtEl>
-                                          <p:spTgt spid="60"/>
+                                        <p:cTn id="217" dur="500"/>
+                                        <p:tgtEl>
+                                          <p:spTgt spid="20"/>
                                         </p:tgtEl>
                                       </p:cBhvr>
                                     </p:animEffect>
                                     <p:set>
                                       <p:cBhvr>
-                                        <p:cTn id="213" dur="1" fill="hold">
+                                        <p:cTn id="218" dur="1" fill="hold">
                                           <p:stCondLst>
                                             <p:cond delay="499"/>
                                           </p:stCondLst>
                                         </p:cTn>
                                         <p:tgtEl>
-                                          <p:spTgt spid="60"/>
-                                        </p:tgtEl>
-                                        <p:attrNameLst>
-                                          <p:attrName>style.visibility</p:attrName>
-                                        </p:attrNameLst>
-                                      </p:cBhvr>
-                                      <p:to>
-                                        <p:strVal val="hidden"/>
-                                      </p:to>
-                                    </p:set>
-                                  </p:childTnLst>
-                                </p:cTn>
-                              </p:par>
-                              <p:par>
-                                <p:cTn id="214" presetID="10" presetClass="exit" presetSubtype="0" fill="hold" nodeType="withEffect">
-                                  <p:stCondLst>
-                                    <p:cond delay="0"/>
-                                  </p:stCondLst>
-                                  <p:childTnLst>
-                                    <p:animEffect transition="out" filter="fade">
-                                      <p:cBhvr>
-                                        <p:cTn id="215" dur="500"/>
-                                        <p:tgtEl>
-                                          <p:spTgt spid="64"/>
-                                        </p:tgtEl>
-                                      </p:cBhvr>
-                                    </p:animEffect>
-                                    <p:set>
-                                      <p:cBhvr>
-                                        <p:cTn id="216" dur="1" fill="hold">
-                                          <p:stCondLst>
-                                            <p:cond delay="499"/>
-                                          </p:stCondLst>
-                                        </p:cTn>
-                                        <p:tgtEl>
-                                          <p:spTgt spid="64"/>
-                                        </p:tgtEl>
-                                        <p:attrNameLst>
-                                          <p:attrName>style.visibility</p:attrName>
-                                        </p:attrNameLst>
-                                      </p:cBhvr>
-                                      <p:to>
-                                        <p:strVal val="hidden"/>
-                                      </p:to>
-                                    </p:set>
-                                  </p:childTnLst>
-                                </p:cTn>
-                              </p:par>
-                              <p:par>
-                                <p:cTn id="217" presetID="10" presetClass="exit" presetSubtype="0" fill="hold" nodeType="withEffect">
-                                  <p:stCondLst>
-                                    <p:cond delay="0"/>
-                                  </p:stCondLst>
-                                  <p:childTnLst>
-                                    <p:animEffect transition="out" filter="fade">
-                                      <p:cBhvr>
-                                        <p:cTn id="218" dur="500"/>
-                                        <p:tgtEl>
-                                          <p:spTgt spid="66"/>
-                                        </p:tgtEl>
-                                      </p:cBhvr>
-                                    </p:animEffect>
-                                    <p:set>
-                                      <p:cBhvr>
-                                        <p:cTn id="219" dur="1" fill="hold">
-                                          <p:stCondLst>
-                                            <p:cond delay="499"/>
-                                          </p:stCondLst>
-                                        </p:cTn>
-                                        <p:tgtEl>
-                                          <p:spTgt spid="66"/>
+                                          <p:spTgt spid="20"/>
                                         </p:tgtEl>
                                         <p:attrNameLst>
                                           <p:attrName>style.visibility</p:attrName>
@@ -8572,40 +8574,40 @@
                     </p:cTn>
                   </p:par>
                   <p:par>
-                    <p:cTn id="220" fill="hold">
+                    <p:cTn id="219" fill="hold">
                       <p:stCondLst>
                         <p:cond delay="indefinite"/>
                       </p:stCondLst>
                       <p:childTnLst>
                         <p:par>
-                          <p:cTn id="221" fill="hold">
+                          <p:cTn id="220" fill="hold">
                             <p:stCondLst>
                               <p:cond delay="0"/>
                             </p:stCondLst>
                             <p:childTnLst>
                               <p:par>
-                                <p:cTn id="222" presetID="10" presetClass="exit" presetSubtype="0" fill="hold" grpId="0" nodeType="clickEffect">
+                                <p:cTn id="221" presetID="10" presetClass="exit" presetSubtype="0" fill="hold" grpId="0" nodeType="clickEffect">
                                   <p:stCondLst>
                                     <p:cond delay="0"/>
                                   </p:stCondLst>
                                   <p:childTnLst>
                                     <p:animEffect transition="out" filter="fade">
                                       <p:cBhvr>
-                                        <p:cTn id="223" dur="500"/>
-                                        <p:tgtEl>
-                                          <p:spTgt spid="20"/>
+                                        <p:cTn id="222" dur="500"/>
+                                        <p:tgtEl>
+                                          <p:spTgt spid="21"/>
                                         </p:tgtEl>
                                       </p:cBhvr>
                                     </p:animEffect>
                                     <p:set>
                                       <p:cBhvr>
-                                        <p:cTn id="224" dur="1" fill="hold">
+                                        <p:cTn id="223" dur="1" fill="hold">
                                           <p:stCondLst>
                                             <p:cond delay="499"/>
                                           </p:stCondLst>
                                         </p:cTn>
                                         <p:tgtEl>
-                                          <p:spTgt spid="20"/>
+                                          <p:spTgt spid="21"/>
                                         </p:tgtEl>
                                         <p:attrNameLst>
                                           <p:attrName>style.visibility</p:attrName>
@@ -8625,79 +8627,26 @@
                     </p:cTn>
                   </p:par>
                   <p:par>
-                    <p:cTn id="225" fill="hold">
+                    <p:cTn id="224" fill="hold">
                       <p:stCondLst>
                         <p:cond delay="indefinite"/>
                       </p:stCondLst>
                       <p:childTnLst>
                         <p:par>
-                          <p:cTn id="226" fill="hold">
+                          <p:cTn id="225" fill="hold">
                             <p:stCondLst>
                               <p:cond delay="0"/>
                             </p:stCondLst>
                             <p:childTnLst>
                               <p:par>
-                                <p:cTn id="227" presetID="10" presetClass="exit" presetSubtype="0" fill="hold" grpId="0" nodeType="clickEffect">
-                                  <p:stCondLst>
-                                    <p:cond delay="0"/>
-                                  </p:stCondLst>
-                                  <p:childTnLst>
-                                    <p:animEffect transition="out" filter="fade">
-                                      <p:cBhvr>
-                                        <p:cTn id="228" dur="500"/>
-                                        <p:tgtEl>
-                                          <p:spTgt spid="21"/>
-                                        </p:tgtEl>
-                                      </p:cBhvr>
-                                    </p:animEffect>
-                                    <p:set>
-                                      <p:cBhvr>
-                                        <p:cTn id="229" dur="1" fill="hold">
-                                          <p:stCondLst>
-                                            <p:cond delay="499"/>
-                                          </p:stCondLst>
-                                        </p:cTn>
-                                        <p:tgtEl>
-                                          <p:spTgt spid="21"/>
-                                        </p:tgtEl>
-                                        <p:attrNameLst>
-                                          <p:attrName>style.visibility</p:attrName>
-                                        </p:attrNameLst>
-                                      </p:cBhvr>
-                                      <p:to>
-                                        <p:strVal val="hidden"/>
-                                      </p:to>
-                                    </p:set>
-                                  </p:childTnLst>
-                                </p:cTn>
-                              </p:par>
-                            </p:childTnLst>
-                          </p:cTn>
-                        </p:par>
-                      </p:childTnLst>
-                    </p:cTn>
-                  </p:par>
-                  <p:par>
-                    <p:cTn id="230" fill="hold">
-                      <p:stCondLst>
-                        <p:cond delay="indefinite"/>
-                      </p:stCondLst>
-                      <p:childTnLst>
-                        <p:par>
-                          <p:cTn id="231" fill="hold">
-                            <p:stCondLst>
-                              <p:cond delay="0"/>
-                            </p:stCondLst>
-                            <p:childTnLst>
-                              <p:par>
-                                <p:cTn id="232" presetID="10" presetClass="entr" presetSubtype="0" fill="hold" nodeType="clickEffect">
+                                <p:cTn id="226" presetID="10" presetClass="entr" presetSubtype="0" fill="hold" nodeType="clickEffect">
                                   <p:stCondLst>
                                     <p:cond delay="0"/>
                                   </p:stCondLst>
                                   <p:childTnLst>
                                     <p:set>
                                       <p:cBhvr>
-                                        <p:cTn id="233" dur="1" fill="hold">
+                                        <p:cTn id="227" dur="1" fill="hold">
                                           <p:stCondLst>
                                             <p:cond delay="0"/>
                                           </p:stCondLst>
@@ -8715,7 +8664,7 @@
                                     </p:set>
                                     <p:animEffect transition="in" filter="fade">
                                       <p:cBhvr>
-                                        <p:cTn id="234" dur="500"/>
+                                        <p:cTn id="228" dur="500"/>
                                         <p:tgtEl>
                                           <p:spTgt spid="68"/>
                                         </p:tgtEl>
@@ -8731,26 +8680,26 @@
                     </p:cTn>
                   </p:par>
                   <p:par>
-                    <p:cTn id="235" fill="hold">
+                    <p:cTn id="229" fill="hold">
                       <p:stCondLst>
                         <p:cond delay="indefinite"/>
                       </p:stCondLst>
                       <p:childTnLst>
                         <p:par>
-                          <p:cTn id="236" fill="hold">
+                          <p:cTn id="230" fill="hold">
                             <p:stCondLst>
                               <p:cond delay="0"/>
                             </p:stCondLst>
                             <p:childTnLst>
                               <p:par>
-                                <p:cTn id="237" presetID="10" presetClass="entr" presetSubtype="0" fill="hold" nodeType="clickEffect">
+                                <p:cTn id="231" presetID="10" presetClass="entr" presetSubtype="0" fill="hold" nodeType="clickEffect">
                                   <p:stCondLst>
                                     <p:cond delay="0"/>
                                   </p:stCondLst>
                                   <p:childTnLst>
                                     <p:set>
                                       <p:cBhvr>
-                                        <p:cTn id="238" dur="1" fill="hold">
+                                        <p:cTn id="232" dur="1" fill="hold">
                                           <p:stCondLst>
                                             <p:cond delay="0"/>
                                           </p:stCondLst>
@@ -8768,7 +8717,7 @@
                                     </p:set>
                                     <p:animEffect transition="in" filter="fade">
                                       <p:cBhvr>
-                                        <p:cTn id="239" dur="500"/>
+                                        <p:cTn id="233" dur="500"/>
                                         <p:tgtEl>
                                           <p:spTgt spid="69"/>
                                         </p:tgtEl>
@@ -8778,14 +8727,14 @@
                                 </p:cTn>
                               </p:par>
                               <p:par>
-                                <p:cTn id="240" presetID="10" presetClass="entr" presetSubtype="0" fill="hold" nodeType="withEffect">
+                                <p:cTn id="234" presetID="10" presetClass="entr" presetSubtype="0" fill="hold" nodeType="withEffect">
                                   <p:stCondLst>
                                     <p:cond delay="0"/>
                                   </p:stCondLst>
                                   <p:childTnLst>
                                     <p:set>
                                       <p:cBhvr>
-                                        <p:cTn id="241" dur="1" fill="hold">
+                                        <p:cTn id="235" dur="1" fill="hold">
                                           <p:stCondLst>
                                             <p:cond delay="0"/>
                                           </p:stCondLst>
@@ -8803,7 +8752,7 @@
                                     </p:set>
                                     <p:animEffect transition="in" filter="fade">
                                       <p:cBhvr>
-                                        <p:cTn id="242" dur="500"/>
+                                        <p:cTn id="236" dur="500"/>
                                         <p:tgtEl>
                                           <p:spTgt spid="71"/>
                                         </p:tgtEl>
@@ -8819,26 +8768,26 @@
                     </p:cTn>
                   </p:par>
                   <p:par>
-                    <p:cTn id="243" fill="hold">
+                    <p:cTn id="237" fill="hold">
                       <p:stCondLst>
                         <p:cond delay="indefinite"/>
                       </p:stCondLst>
                       <p:childTnLst>
                         <p:par>
-                          <p:cTn id="244" fill="hold">
+                          <p:cTn id="238" fill="hold">
                             <p:stCondLst>
                               <p:cond delay="0"/>
                             </p:stCondLst>
                             <p:childTnLst>
                               <p:par>
-                                <p:cTn id="245" presetID="10" presetClass="exit" presetSubtype="0" fill="hold" nodeType="clickEffect">
+                                <p:cTn id="239" presetID="10" presetClass="exit" presetSubtype="0" fill="hold" nodeType="clickEffect">
                                   <p:stCondLst>
                                     <p:cond delay="0"/>
                                   </p:stCondLst>
                                   <p:childTnLst>
                                     <p:animEffect transition="out" filter="fade">
                                       <p:cBhvr>
-                                        <p:cTn id="246" dur="500"/>
+                                        <p:cTn id="240" dur="500"/>
                                         <p:tgtEl>
                                           <p:spTgt spid="68"/>
                                         </p:tgtEl>
@@ -8846,7 +8795,7 @@
                                     </p:animEffect>
                                     <p:set>
                                       <p:cBhvr>
-                                        <p:cTn id="247" dur="1" fill="hold">
+                                        <p:cTn id="241" dur="1" fill="hold">
                                           <p:stCondLst>
                                             <p:cond delay="499"/>
                                           </p:stCondLst>
@@ -8866,14 +8815,14 @@
                                 </p:cTn>
                               </p:par>
                               <p:par>
-                                <p:cTn id="248" presetID="10" presetClass="exit" presetSubtype="0" fill="hold" nodeType="withEffect">
+                                <p:cTn id="242" presetID="10" presetClass="exit" presetSubtype="0" fill="hold" nodeType="withEffect">
                                   <p:stCondLst>
                                     <p:cond delay="0"/>
                                   </p:stCondLst>
                                   <p:childTnLst>
                                     <p:animEffect transition="out" filter="fade">
                                       <p:cBhvr>
-                                        <p:cTn id="249" dur="500"/>
+                                        <p:cTn id="243" dur="500"/>
                                         <p:tgtEl>
                                           <p:spTgt spid="69"/>
                                         </p:tgtEl>
@@ -8881,7 +8830,7 @@
                                     </p:animEffect>
                                     <p:set>
                                       <p:cBhvr>
-                                        <p:cTn id="250" dur="1" fill="hold">
+                                        <p:cTn id="244" dur="1" fill="hold">
                                           <p:stCondLst>
                                             <p:cond delay="499"/>
                                           </p:stCondLst>
@@ -8901,14 +8850,14 @@
                                 </p:cTn>
                               </p:par>
                               <p:par>
-                                <p:cTn id="251" presetID="10" presetClass="exit" presetSubtype="0" fill="hold" nodeType="withEffect">
+                                <p:cTn id="245" presetID="10" presetClass="exit" presetSubtype="0" fill="hold" nodeType="withEffect">
                                   <p:stCondLst>
                                     <p:cond delay="0"/>
                                   </p:stCondLst>
                                   <p:childTnLst>
                                     <p:animEffect transition="out" filter="fade">
                                       <p:cBhvr>
-                                        <p:cTn id="252" dur="500"/>
+                                        <p:cTn id="246" dur="500"/>
                                         <p:tgtEl>
                                           <p:spTgt spid="71"/>
                                         </p:tgtEl>
@@ -8916,7 +8865,7 @@
                                     </p:animEffect>
                                     <p:set>
                                       <p:cBhvr>
-                                        <p:cTn id="253" dur="1" fill="hold">
+                                        <p:cTn id="247" dur="1" fill="hold">
                                           <p:stCondLst>
                                             <p:cond delay="499"/>
                                           </p:stCondLst>
@@ -8936,14 +8885,14 @@
                                 </p:cTn>
                               </p:par>
                               <p:par>
-                                <p:cTn id="254" presetID="10" presetClass="exit" presetSubtype="0" fill="hold" grpId="0" nodeType="withEffect">
+                                <p:cTn id="248" presetID="10" presetClass="exit" presetSubtype="0" fill="hold" grpId="0" nodeType="withEffect">
                                   <p:stCondLst>
                                     <p:cond delay="0"/>
                                   </p:stCondLst>
                                   <p:childTnLst>
                                     <p:animEffect transition="out" filter="fade">
                                       <p:cBhvr>
-                                        <p:cTn id="255" dur="500"/>
+                                        <p:cTn id="249" dur="500"/>
                                         <p:tgtEl>
                                           <p:spTgt spid="23"/>
                                         </p:tgtEl>
@@ -8951,7 +8900,7 @@
                                     </p:animEffect>
                                     <p:set>
                                       <p:cBhvr>
-                                        <p:cTn id="256" dur="1" fill="hold">
+                                        <p:cTn id="250" dur="1" fill="hold">
                                           <p:stCondLst>
                                             <p:cond delay="499"/>
                                           </p:stCondLst>
@@ -21618,20 +21567,6 @@
               </a:rPr>
               <a:t>Protokollierung</a:t>
             </a:r>
-            <a:r>
-              <a:rPr lang="en-US" sz="2000" dirty="0">
-                <a:latin typeface="Arial" panose="020B0604020202020204" pitchFamily="34" charset="0"/>
-                <a:cs typeface="Arial" panose="020B0604020202020204" pitchFamily="34" charset="0"/>
-              </a:rPr>
-              <a:t> </a:t>
-            </a:r>
-            <a:r>
-              <a:rPr lang="en-US" sz="2000" dirty="0" err="1">
-                <a:latin typeface="Arial" panose="020B0604020202020204" pitchFamily="34" charset="0"/>
-                <a:cs typeface="Arial" panose="020B0604020202020204" pitchFamily="34" charset="0"/>
-              </a:rPr>
-              <a:t>über</a:t>
-            </a:r>
             <a:endParaRPr lang="de-DE" sz="2000" dirty="0">
               <a:latin typeface="Arial" panose="020B0604020202020204" pitchFamily="34" charset="0"/>
               <a:cs typeface="Arial" panose="020B0604020202020204" pitchFamily="34" charset="0"/>
